--- a/job/me/个人介绍.pptx
+++ b/job/me/个人介绍.pptx
@@ -5,10 +5,10 @@
     <p:sldMasterId id="2147483660" r:id="rId1"/>
   </p:sldMasterIdLst>
   <p:notesMasterIdLst>
-    <p:notesMasterId r:id="rId12"/>
+    <p:notesMasterId r:id="rId13"/>
   </p:notesMasterIdLst>
   <p:handoutMasterIdLst>
-    <p:handoutMasterId r:id="rId13"/>
+    <p:handoutMasterId r:id="rId14"/>
   </p:handoutMasterIdLst>
   <p:sldIdLst>
     <p:sldId id="273" r:id="rId2"/>
@@ -21,6 +21,7 @@
     <p:sldId id="277" r:id="rId9"/>
     <p:sldId id="280" r:id="rId10"/>
     <p:sldId id="281" r:id="rId11"/>
+    <p:sldId id="282" r:id="rId12"/>
   </p:sldIdLst>
   <p:sldSz cx="12192000" cy="6858000"/>
   <p:notesSz cx="6858000" cy="9144000"/>
@@ -138,6 +139,7 @@
             <p14:sldId id="277"/>
             <p14:sldId id="280"/>
             <p14:sldId id="281"/>
+            <p14:sldId id="282"/>
           </p14:sldIdLst>
         </p14:section>
         <p14:section name="了解详细信息" id="{2CC34DB2-6590-42C0-AD4B-A04C6060184E}">
@@ -4088,6 +4090,515 @@
 </p:sld>
 </file>
 
+<file path=ppt/slides/slide11.xml><?xml version="1.0" encoding="utf-8"?>
+<p:sld xmlns:a="http://schemas.openxmlformats.org/drawingml/2006/main" xmlns:r="http://schemas.openxmlformats.org/officeDocument/2006/relationships" xmlns:p="http://schemas.openxmlformats.org/presentationml/2006/main">
+  <p:cSld>
+    <p:spTree>
+      <p:nvGrpSpPr>
+        <p:cNvPr id="1" name=""/>
+        <p:cNvGrpSpPr/>
+        <p:nvPr/>
+      </p:nvGrpSpPr>
+      <p:grpSpPr>
+        <a:xfrm>
+          <a:off x="0" y="0"/>
+          <a:ext cx="0" cy="0"/>
+          <a:chOff x="0" y="0"/>
+          <a:chExt cx="0" cy="0"/>
+        </a:xfrm>
+      </p:grpSpPr>
+      <p:sp>
+        <p:nvSpPr>
+          <p:cNvPr id="2" name="标题 1">
+            <a:extLst>
+              <a:ext uri="{FF2B5EF4-FFF2-40B4-BE49-F238E27FC236}">
+                <a16:creationId xmlns:a16="http://schemas.microsoft.com/office/drawing/2014/main" id="{A8C03519-6965-274C-BFB9-F99AF25486EC}"/>
+              </a:ext>
+            </a:extLst>
+          </p:cNvPr>
+          <p:cNvSpPr>
+            <a:spLocks noGrp="1"/>
+          </p:cNvSpPr>
+          <p:nvPr>
+            <p:ph type="title"/>
+          </p:nvPr>
+        </p:nvSpPr>
+        <p:spPr/>
+        <p:txBody>
+          <a:bodyPr/>
+          <a:lstStyle/>
+          <a:p>
+            <a:r>
+              <a:rPr kumimoji="1" lang="zh-CN" altLang="en-US" dirty="0">
+                <a:cs typeface="Arial" panose="020B0604020202020204" pitchFamily="34" charset="0"/>
+              </a:rPr>
+              <a:t>微服务框架</a:t>
+            </a:r>
+            <a:endParaRPr kumimoji="1" lang="zh-CN" altLang="en-US" dirty="0"/>
+          </a:p>
+        </p:txBody>
+      </p:sp>
+      <p:pic>
+        <p:nvPicPr>
+          <p:cNvPr id="5" name="图片 4">
+            <a:extLst>
+              <a:ext uri="{FF2B5EF4-FFF2-40B4-BE49-F238E27FC236}">
+                <a16:creationId xmlns:a16="http://schemas.microsoft.com/office/drawing/2014/main" id="{496966F0-99FE-C646-A02E-DBBDEBBBAC8E}"/>
+              </a:ext>
+            </a:extLst>
+          </p:cNvPr>
+          <p:cNvPicPr>
+            <a:picLocks noChangeAspect="1"/>
+          </p:cNvPicPr>
+          <p:nvPr/>
+        </p:nvPicPr>
+        <p:blipFill>
+          <a:blip r:embed="rId2"/>
+          <a:stretch>
+            <a:fillRect/>
+          </a:stretch>
+        </p:blipFill>
+        <p:spPr>
+          <a:xfrm>
+            <a:off x="7302500" y="1600200"/>
+            <a:ext cx="4445000" cy="4445000"/>
+          </a:xfrm>
+          <a:prstGeom prst="rect">
+            <a:avLst/>
+          </a:prstGeom>
+        </p:spPr>
+      </p:pic>
+      <p:sp>
+        <p:nvSpPr>
+          <p:cNvPr id="6" name="object 3">
+            <a:extLst>
+              <a:ext uri="{FF2B5EF4-FFF2-40B4-BE49-F238E27FC236}">
+                <a16:creationId xmlns:a16="http://schemas.microsoft.com/office/drawing/2014/main" id="{BFF52AA4-08C0-854C-9120-38A619D34A0D}"/>
+              </a:ext>
+            </a:extLst>
+          </p:cNvPr>
+          <p:cNvSpPr txBox="1"/>
+          <p:nvPr/>
+        </p:nvSpPr>
+        <p:spPr>
+          <a:xfrm>
+            <a:off x="9032240" y="3396615"/>
+            <a:ext cx="985519" cy="852169"/>
+          </a:xfrm>
+          <a:prstGeom prst="rect">
+            <a:avLst/>
+          </a:prstGeom>
+        </p:spPr>
+        <p:txBody>
+          <a:bodyPr vert="horz" wrap="square" lIns="0" tIns="10795" rIns="0" bIns="0" rtlCol="0">
+            <a:spAutoFit/>
+          </a:bodyPr>
+          <a:lstStyle/>
+          <a:p>
+            <a:pPr marL="12700" marR="5080" algn="ctr">
+              <a:lnSpc>
+                <a:spcPct val="101000"/>
+              </a:lnSpc>
+              <a:spcBef>
+                <a:spcPts val="85"/>
+              </a:spcBef>
+            </a:pPr>
+            <a:r>
+              <a:rPr sz="1800" b="1" spc="-5" dirty="0">
+                <a:solidFill>
+                  <a:srgbClr val="FFFFFF"/>
+                </a:solidFill>
+                <a:latin typeface="Courier New" panose="02070309020205020404"/>
+                <a:cs typeface="Courier New" panose="02070309020205020404"/>
+              </a:rPr>
+              <a:t>Client  or  Handler</a:t>
+            </a:r>
+            <a:endParaRPr sz="1800" b="1" dirty="0">
+              <a:latin typeface="Courier New" panose="02070309020205020404"/>
+              <a:cs typeface="Courier New" panose="02070309020205020404"/>
+            </a:endParaRPr>
+          </a:p>
+        </p:txBody>
+      </p:sp>
+      <p:sp>
+        <p:nvSpPr>
+          <p:cNvPr id="7" name="文本框 6">
+            <a:extLst>
+              <a:ext uri="{FF2B5EF4-FFF2-40B4-BE49-F238E27FC236}">
+                <a16:creationId xmlns:a16="http://schemas.microsoft.com/office/drawing/2014/main" id="{FB8D6B43-A98C-0441-B3B9-A4F4FF059D96}"/>
+              </a:ext>
+            </a:extLst>
+          </p:cNvPr>
+          <p:cNvSpPr txBox="1"/>
+          <p:nvPr/>
+        </p:nvSpPr>
+        <p:spPr>
+          <a:xfrm>
+            <a:off x="10869439" y="751916"/>
+            <a:ext cx="877163" cy="369332"/>
+          </a:xfrm>
+          <a:prstGeom prst="rect">
+            <a:avLst/>
+          </a:prstGeom>
+          <a:noFill/>
+        </p:spPr>
+        <p:txBody>
+          <a:bodyPr wrap="none" rtlCol="0">
+            <a:spAutoFit/>
+          </a:bodyPr>
+          <a:lstStyle/>
+          <a:p>
+            <a:r>
+              <a:rPr kumimoji="1" lang="zh-CN" altLang="en-US" dirty="0"/>
+              <a:t>包装器</a:t>
+            </a:r>
+          </a:p>
+        </p:txBody>
+      </p:sp>
+      <p:sp>
+        <p:nvSpPr>
+          <p:cNvPr id="12" name="矩形 11">
+            <a:extLst>
+              <a:ext uri="{FF2B5EF4-FFF2-40B4-BE49-F238E27FC236}">
+                <a16:creationId xmlns:a16="http://schemas.microsoft.com/office/drawing/2014/main" id="{99D7B3C2-67C5-8841-9B2D-78C763B0EAD2}"/>
+              </a:ext>
+            </a:extLst>
+          </p:cNvPr>
+          <p:cNvSpPr/>
+          <p:nvPr/>
+        </p:nvSpPr>
+        <p:spPr>
+          <a:xfrm>
+            <a:off x="523751" y="1695748"/>
+            <a:ext cx="4706171" cy="3993852"/>
+          </a:xfrm>
+          <a:prstGeom prst="rect">
+            <a:avLst/>
+          </a:prstGeom>
+        </p:spPr>
+        <p:txBody>
+          <a:bodyPr vert="horz" lIns="91440" tIns="45720" rIns="91440" bIns="45720" rtlCol="0">
+            <a:noAutofit/>
+          </a:bodyPr>
+          <a:lstStyle/>
+          <a:p>
+            <a:pPr>
+              <a:lnSpc>
+                <a:spcPct val="150000"/>
+              </a:lnSpc>
+              <a:spcBef>
+                <a:spcPts val="500"/>
+              </a:spcBef>
+              <a:spcAft>
+                <a:spcPts val="1200"/>
+              </a:spcAft>
+            </a:pPr>
+            <a:r>
+              <a:rPr lang="zh-CN" altLang="en-US" sz="1600" dirty="0">
+                <a:solidFill>
+                  <a:schemeClr val="tx1">
+                    <a:lumMod val="65000"/>
+                    <a:lumOff val="35000"/>
+                  </a:schemeClr>
+                </a:solidFill>
+                <a:latin typeface="Microsoft YaHei UI" panose="020B0503020204020204" pitchFamily="34" charset="-122"/>
+                <a:ea typeface="Microsoft YaHei UI" panose="020B0503020204020204" pitchFamily="34" charset="-122"/>
+                <a:cs typeface="Arial" panose="020B0604020202020204" pitchFamily="34" charset="0"/>
+              </a:rPr>
+              <a:t>特性：</a:t>
+            </a:r>
+            <a:endParaRPr lang="en-US" altLang="zh-CN" sz="1600" dirty="0">
+              <a:solidFill>
+                <a:schemeClr val="tx1">
+                  <a:lumMod val="65000"/>
+                  <a:lumOff val="35000"/>
+                </a:schemeClr>
+              </a:solidFill>
+              <a:latin typeface="Microsoft YaHei UI" panose="020B0503020204020204" pitchFamily="34" charset="-122"/>
+              <a:ea typeface="Microsoft YaHei UI" panose="020B0503020204020204" pitchFamily="34" charset="-122"/>
+              <a:cs typeface="Arial" panose="020B0604020202020204" pitchFamily="34" charset="0"/>
+            </a:endParaRPr>
+          </a:p>
+          <a:p>
+            <a:pPr marL="800100" lvl="1" indent="-342900">
+              <a:spcBef>
+                <a:spcPts val="500"/>
+              </a:spcBef>
+              <a:spcAft>
+                <a:spcPts val="1200"/>
+              </a:spcAft>
+              <a:buFont typeface="Arial" panose="020B0604020202020204" pitchFamily="34" charset="0"/>
+              <a:buAutoNum type="arabicPeriod"/>
+            </a:pPr>
+            <a:r>
+              <a:rPr lang="zh-CN" altLang="en-US" sz="1600" dirty="0">
+                <a:solidFill>
+                  <a:schemeClr val="tx1">
+                    <a:lumMod val="65000"/>
+                    <a:lumOff val="35000"/>
+                  </a:schemeClr>
+                </a:solidFill>
+                <a:latin typeface="Microsoft YaHei UI" panose="020B0503020204020204" pitchFamily="34" charset="-122"/>
+                <a:ea typeface="Microsoft YaHei UI" panose="020B0503020204020204" pitchFamily="34" charset="-122"/>
+                <a:cs typeface="Arial" panose="020B0604020202020204" pitchFamily="34" charset="0"/>
+                <a:sym typeface="Arial" panose="020B0604020202020204"/>
+              </a:rPr>
+              <a:t>请求</a:t>
+            </a:r>
+            <a:r>
+              <a:rPr lang="en-US" altLang="zh-CN" sz="1600" dirty="0" err="1">
+                <a:solidFill>
+                  <a:schemeClr val="tx1">
+                    <a:lumMod val="65000"/>
+                    <a:lumOff val="35000"/>
+                  </a:schemeClr>
+                </a:solidFill>
+                <a:latin typeface="Microsoft YaHei UI" panose="020B0503020204020204" pitchFamily="34" charset="-122"/>
+                <a:ea typeface="Microsoft YaHei UI" panose="020B0503020204020204" pitchFamily="34" charset="-122"/>
+                <a:cs typeface="Arial" panose="020B0604020202020204" pitchFamily="34" charset="0"/>
+                <a:sym typeface="Arial" panose="020B0604020202020204"/>
+              </a:rPr>
+              <a:t>认证</a:t>
+            </a:r>
+            <a:endParaRPr lang="en-US" altLang="zh-CN" sz="1600" dirty="0">
+              <a:solidFill>
+                <a:schemeClr val="tx1">
+                  <a:lumMod val="65000"/>
+                  <a:lumOff val="35000"/>
+                </a:schemeClr>
+              </a:solidFill>
+              <a:latin typeface="Microsoft YaHei UI" panose="020B0503020204020204" pitchFamily="34" charset="-122"/>
+              <a:ea typeface="Microsoft YaHei UI" panose="020B0503020204020204" pitchFamily="34" charset="-122"/>
+              <a:cs typeface="Arial" panose="020B0604020202020204" pitchFamily="34" charset="0"/>
+              <a:sym typeface="Arial" panose="020B0604020202020204"/>
+            </a:endParaRPr>
+          </a:p>
+          <a:p>
+            <a:pPr marL="800100" lvl="1" indent="-342900">
+              <a:spcBef>
+                <a:spcPts val="500"/>
+              </a:spcBef>
+              <a:spcAft>
+                <a:spcPts val="1200"/>
+              </a:spcAft>
+              <a:buFont typeface="Arial" panose="020B0604020202020204" pitchFamily="34" charset="0"/>
+              <a:buAutoNum type="arabicPeriod"/>
+            </a:pPr>
+            <a:r>
+              <a:rPr lang="zh-CN" altLang="en-US" sz="1600" dirty="0">
+                <a:solidFill>
+                  <a:schemeClr val="tx1">
+                    <a:lumMod val="65000"/>
+                    <a:lumOff val="35000"/>
+                  </a:schemeClr>
+                </a:solidFill>
+                <a:latin typeface="Microsoft YaHei UI" panose="020B0503020204020204" pitchFamily="34" charset="-122"/>
+                <a:ea typeface="Microsoft YaHei UI" panose="020B0503020204020204" pitchFamily="34" charset="-122"/>
+                <a:cs typeface="Arial" panose="020B0604020202020204" pitchFamily="34" charset="0"/>
+              </a:rPr>
+              <a:t>降级熔断</a:t>
+            </a:r>
+          </a:p>
+          <a:p>
+            <a:pPr marL="800100" lvl="1" indent="-342900">
+              <a:spcBef>
+                <a:spcPts val="500"/>
+              </a:spcBef>
+              <a:spcAft>
+                <a:spcPts val="1200"/>
+              </a:spcAft>
+              <a:buFont typeface="Arial" panose="020B0604020202020204" pitchFamily="34" charset="0"/>
+              <a:buAutoNum type="arabicPeriod"/>
+            </a:pPr>
+            <a:r>
+              <a:rPr lang="zh-CN" altLang="en-US" sz="1600" dirty="0">
+                <a:solidFill>
+                  <a:schemeClr val="tx1">
+                    <a:lumMod val="65000"/>
+                    <a:lumOff val="35000"/>
+                  </a:schemeClr>
+                </a:solidFill>
+                <a:latin typeface="Microsoft YaHei UI" panose="020B0503020204020204" pitchFamily="34" charset="-122"/>
+                <a:ea typeface="Microsoft YaHei UI" panose="020B0503020204020204" pitchFamily="34" charset="-122"/>
+                <a:cs typeface="Arial" panose="020B0604020202020204" pitchFamily="34" charset="0"/>
+              </a:rPr>
+              <a:t>服务限流</a:t>
+            </a:r>
+            <a:endParaRPr lang="en-US" altLang="zh-CN" sz="1600" dirty="0">
+              <a:solidFill>
+                <a:schemeClr val="tx1">
+                  <a:lumMod val="65000"/>
+                  <a:lumOff val="35000"/>
+                </a:schemeClr>
+              </a:solidFill>
+              <a:latin typeface="Microsoft YaHei UI" panose="020B0503020204020204" pitchFamily="34" charset="-122"/>
+              <a:ea typeface="Microsoft YaHei UI" panose="020B0503020204020204" pitchFamily="34" charset="-122"/>
+              <a:cs typeface="Arial" panose="020B0604020202020204" pitchFamily="34" charset="0"/>
+            </a:endParaRPr>
+          </a:p>
+          <a:p>
+            <a:pPr marL="800100" lvl="1" indent="-342900">
+              <a:spcBef>
+                <a:spcPts val="500"/>
+              </a:spcBef>
+              <a:spcAft>
+                <a:spcPts val="1200"/>
+              </a:spcAft>
+              <a:buFont typeface="Arial" panose="020B0604020202020204" pitchFamily="34" charset="0"/>
+              <a:buAutoNum type="arabicPeriod"/>
+            </a:pPr>
+            <a:r>
+              <a:rPr lang="zh-CN" altLang="en-US" sz="1600" dirty="0">
+                <a:solidFill>
+                  <a:schemeClr val="tx1">
+                    <a:lumMod val="65000"/>
+                    <a:lumOff val="35000"/>
+                  </a:schemeClr>
+                </a:solidFill>
+                <a:latin typeface="Microsoft YaHei UI" panose="020B0503020204020204" pitchFamily="34" charset="-122"/>
+                <a:ea typeface="Microsoft YaHei UI" panose="020B0503020204020204" pitchFamily="34" charset="-122"/>
+                <a:cs typeface="Arial" panose="020B0604020202020204" pitchFamily="34" charset="0"/>
+              </a:rPr>
+              <a:t>日志追踪</a:t>
+            </a:r>
+            <a:endParaRPr lang="en-US" altLang="zh-CN" sz="1600" dirty="0">
+              <a:solidFill>
+                <a:schemeClr val="tx1">
+                  <a:lumMod val="65000"/>
+                  <a:lumOff val="35000"/>
+                </a:schemeClr>
+              </a:solidFill>
+              <a:latin typeface="Microsoft YaHei UI" panose="020B0503020204020204" pitchFamily="34" charset="-122"/>
+              <a:ea typeface="Microsoft YaHei UI" panose="020B0503020204020204" pitchFamily="34" charset="-122"/>
+              <a:cs typeface="Arial" panose="020B0604020202020204" pitchFamily="34" charset="0"/>
+            </a:endParaRPr>
+          </a:p>
+          <a:p>
+            <a:pPr marL="800100" lvl="1" indent="-342900">
+              <a:spcBef>
+                <a:spcPts val="500"/>
+              </a:spcBef>
+              <a:spcAft>
+                <a:spcPts val="1200"/>
+              </a:spcAft>
+              <a:buFont typeface="Arial" panose="020B0604020202020204" pitchFamily="34" charset="0"/>
+              <a:buAutoNum type="arabicPeriod"/>
+            </a:pPr>
+            <a:r>
+              <a:rPr lang="zh-CN" altLang="en-US" sz="1600" dirty="0">
+                <a:solidFill>
+                  <a:schemeClr val="tx1">
+                    <a:lumMod val="65000"/>
+                    <a:lumOff val="35000"/>
+                  </a:schemeClr>
+                </a:solidFill>
+                <a:latin typeface="Microsoft YaHei UI" panose="020B0503020204020204" pitchFamily="34" charset="-122"/>
+                <a:ea typeface="Microsoft YaHei UI" panose="020B0503020204020204" pitchFamily="34" charset="-122"/>
+                <a:cs typeface="Arial" panose="020B0604020202020204" pitchFamily="34" charset="0"/>
+              </a:rPr>
+              <a:t>事件通知</a:t>
+            </a:r>
+            <a:endParaRPr lang="en-US" altLang="zh-CN" sz="1600" dirty="0">
+              <a:solidFill>
+                <a:schemeClr val="tx1">
+                  <a:lumMod val="65000"/>
+                  <a:lumOff val="35000"/>
+                </a:schemeClr>
+              </a:solidFill>
+              <a:latin typeface="Microsoft YaHei UI" panose="020B0503020204020204" pitchFamily="34" charset="-122"/>
+              <a:ea typeface="Microsoft YaHei UI" panose="020B0503020204020204" pitchFamily="34" charset="-122"/>
+              <a:cs typeface="Arial" panose="020B0604020202020204" pitchFamily="34" charset="0"/>
+            </a:endParaRPr>
+          </a:p>
+          <a:p>
+            <a:pPr marL="800100" lvl="1" indent="-342900">
+              <a:spcBef>
+                <a:spcPts val="500"/>
+              </a:spcBef>
+              <a:spcAft>
+                <a:spcPts val="1200"/>
+              </a:spcAft>
+              <a:buFont typeface="Arial" panose="020B0604020202020204" pitchFamily="34" charset="0"/>
+              <a:buAutoNum type="arabicPeriod"/>
+            </a:pPr>
+            <a:r>
+              <a:rPr lang="zh-CN" altLang="en-US" sz="1600" dirty="0">
+                <a:solidFill>
+                  <a:schemeClr val="tx1">
+                    <a:lumMod val="65000"/>
+                    <a:lumOff val="35000"/>
+                  </a:schemeClr>
+                </a:solidFill>
+                <a:latin typeface="Microsoft YaHei UI" panose="020B0503020204020204" pitchFamily="34" charset="-122"/>
+                <a:ea typeface="Microsoft YaHei UI" panose="020B0503020204020204" pitchFamily="34" charset="-122"/>
+                <a:cs typeface="Arial" panose="020B0604020202020204" pitchFamily="34" charset="0"/>
+              </a:rPr>
+              <a:t>计量度量</a:t>
+            </a:r>
+            <a:endParaRPr lang="en-US" altLang="zh-CN" sz="1600" dirty="0">
+              <a:solidFill>
+                <a:schemeClr val="tx1">
+                  <a:lumMod val="65000"/>
+                  <a:lumOff val="35000"/>
+                </a:schemeClr>
+              </a:solidFill>
+              <a:latin typeface="Microsoft YaHei UI" panose="020B0503020204020204" pitchFamily="34" charset="-122"/>
+              <a:ea typeface="Microsoft YaHei UI" panose="020B0503020204020204" pitchFamily="34" charset="-122"/>
+              <a:cs typeface="Arial" panose="020B0604020202020204" pitchFamily="34" charset="0"/>
+            </a:endParaRPr>
+          </a:p>
+          <a:p>
+            <a:pPr marL="800100" lvl="1" indent="-342900">
+              <a:spcBef>
+                <a:spcPts val="500"/>
+              </a:spcBef>
+              <a:spcAft>
+                <a:spcPts val="1200"/>
+              </a:spcAft>
+              <a:buFont typeface="Arial" panose="020B0604020202020204" pitchFamily="34" charset="0"/>
+              <a:buAutoNum type="arabicPeriod"/>
+            </a:pPr>
+            <a:r>
+              <a:rPr lang="zh-CN" altLang="en-US" sz="1600" dirty="0">
+                <a:solidFill>
+                  <a:schemeClr val="tx1">
+                    <a:lumMod val="65000"/>
+                    <a:lumOff val="35000"/>
+                  </a:schemeClr>
+                </a:solidFill>
+                <a:latin typeface="Microsoft YaHei UI" panose="020B0503020204020204" pitchFamily="34" charset="-122"/>
+                <a:ea typeface="Microsoft YaHei UI" panose="020B0503020204020204" pitchFamily="34" charset="-122"/>
+                <a:cs typeface="Arial" panose="020B0604020202020204" pitchFamily="34" charset="0"/>
+              </a:rPr>
+              <a:t>上下文注入</a:t>
+            </a:r>
+            <a:endParaRPr lang="en-US" altLang="zh-CN" sz="1600" dirty="0">
+              <a:solidFill>
+                <a:schemeClr val="tx1">
+                  <a:lumMod val="65000"/>
+                  <a:lumOff val="35000"/>
+                </a:schemeClr>
+              </a:solidFill>
+              <a:latin typeface="Microsoft YaHei UI" panose="020B0503020204020204" pitchFamily="34" charset="-122"/>
+              <a:ea typeface="Microsoft YaHei UI" panose="020B0503020204020204" pitchFamily="34" charset="-122"/>
+              <a:cs typeface="Arial" panose="020B0604020202020204" pitchFamily="34" charset="0"/>
+            </a:endParaRPr>
+          </a:p>
+        </p:txBody>
+      </p:sp>
+    </p:spTree>
+    <p:extLst>
+      <p:ext uri="{BB962C8B-B14F-4D97-AF65-F5344CB8AC3E}">
+        <p14:creationId xmlns:p14="http://schemas.microsoft.com/office/powerpoint/2010/main" val="744775428"/>
+      </p:ext>
+    </p:extLst>
+  </p:cSld>
+  <p:clrMapOvr>
+    <a:masterClrMapping/>
+  </p:clrMapOvr>
+</p:sld>
+</file>
+
 <file path=ppt/slides/slide2.xml><?xml version="1.0" encoding="utf-8"?>
 <p:sld xmlns:a="http://schemas.openxmlformats.org/drawingml/2006/main" xmlns:r="http://schemas.openxmlformats.org/officeDocument/2006/relationships" xmlns:p="http://schemas.openxmlformats.org/presentationml/2006/main">
   <p:cSld>
@@ -5529,6 +6040,283 @@
           </a:p>
         </p:txBody>
       </p:sp>
+      <p:sp>
+        <p:nvSpPr>
+          <p:cNvPr id="5" name="矩形 4">
+            <a:extLst>
+              <a:ext uri="{FF2B5EF4-FFF2-40B4-BE49-F238E27FC236}">
+                <a16:creationId xmlns:a16="http://schemas.microsoft.com/office/drawing/2014/main" id="{0B8753B3-9C62-6C41-9B36-710A676C3E67}"/>
+              </a:ext>
+            </a:extLst>
+          </p:cNvPr>
+          <p:cNvSpPr/>
+          <p:nvPr/>
+        </p:nvSpPr>
+        <p:spPr>
+          <a:xfrm>
+            <a:off x="523751" y="1695748"/>
+            <a:ext cx="4706171" cy="3422352"/>
+          </a:xfrm>
+          <a:prstGeom prst="rect">
+            <a:avLst/>
+          </a:prstGeom>
+        </p:spPr>
+        <p:txBody>
+          <a:bodyPr vert="horz" lIns="91440" tIns="45720" rIns="91440" bIns="45720" rtlCol="0">
+            <a:noAutofit/>
+          </a:bodyPr>
+          <a:lstStyle/>
+          <a:p>
+            <a:pPr>
+              <a:lnSpc>
+                <a:spcPct val="150000"/>
+              </a:lnSpc>
+              <a:spcBef>
+                <a:spcPts val="500"/>
+              </a:spcBef>
+              <a:spcAft>
+                <a:spcPts val="1200"/>
+              </a:spcAft>
+            </a:pPr>
+            <a:r>
+              <a:rPr lang="zh-CN" altLang="en-US" sz="1600" dirty="0">
+                <a:solidFill>
+                  <a:schemeClr val="tx1">
+                    <a:lumMod val="65000"/>
+                    <a:lumOff val="35000"/>
+                  </a:schemeClr>
+                </a:solidFill>
+                <a:latin typeface="Microsoft YaHei UI" panose="020B0503020204020204" pitchFamily="34" charset="-122"/>
+                <a:ea typeface="Microsoft YaHei UI" panose="020B0503020204020204" pitchFamily="34" charset="-122"/>
+                <a:cs typeface="Arial" panose="020B0604020202020204" pitchFamily="34" charset="0"/>
+              </a:rPr>
+              <a:t>特性：</a:t>
+            </a:r>
+            <a:endParaRPr lang="en-US" altLang="zh-CN" sz="1600" dirty="0">
+              <a:solidFill>
+                <a:schemeClr val="tx1">
+                  <a:lumMod val="65000"/>
+                  <a:lumOff val="35000"/>
+                </a:schemeClr>
+              </a:solidFill>
+              <a:latin typeface="Microsoft YaHei UI" panose="020B0503020204020204" pitchFamily="34" charset="-122"/>
+              <a:ea typeface="Microsoft YaHei UI" panose="020B0503020204020204" pitchFamily="34" charset="-122"/>
+              <a:cs typeface="Arial" panose="020B0604020202020204" pitchFamily="34" charset="0"/>
+            </a:endParaRPr>
+          </a:p>
+          <a:p>
+            <a:pPr marL="800100" lvl="1" indent="-342900">
+              <a:spcBef>
+                <a:spcPts val="500"/>
+              </a:spcBef>
+              <a:spcAft>
+                <a:spcPts val="1200"/>
+              </a:spcAft>
+              <a:buFont typeface="Arial" panose="020B0604020202020204" pitchFamily="34" charset="0"/>
+              <a:buAutoNum type="arabicPeriod"/>
+            </a:pPr>
+            <a:r>
+              <a:rPr lang="zh-CN" altLang="en-US" sz="1600" dirty="0">
+                <a:solidFill>
+                  <a:schemeClr val="tx1">
+                    <a:lumMod val="65000"/>
+                    <a:lumOff val="35000"/>
+                  </a:schemeClr>
+                </a:solidFill>
+                <a:latin typeface="Microsoft YaHei UI" panose="020B0503020204020204" pitchFamily="34" charset="-122"/>
+                <a:ea typeface="Microsoft YaHei UI" panose="020B0503020204020204" pitchFamily="34" charset="-122"/>
+                <a:cs typeface="Arial" panose="020B0604020202020204" pitchFamily="34" charset="0"/>
+              </a:rPr>
+              <a:t>基于</a:t>
+            </a:r>
+            <a:r>
+              <a:rPr lang="en-US" altLang="zh-CN" sz="1600" dirty="0">
+                <a:solidFill>
+                  <a:schemeClr val="tx1">
+                    <a:lumMod val="65000"/>
+                    <a:lumOff val="35000"/>
+                  </a:schemeClr>
+                </a:solidFill>
+                <a:latin typeface="Microsoft YaHei UI" panose="020B0503020204020204" pitchFamily="34" charset="-122"/>
+                <a:ea typeface="Microsoft YaHei UI" panose="020B0503020204020204" pitchFamily="34" charset="-122"/>
+                <a:cs typeface="Arial" panose="020B0604020202020204" pitchFamily="34" charset="0"/>
+              </a:rPr>
+              <a:t>HTTP-DNS</a:t>
+            </a:r>
+          </a:p>
+          <a:p>
+            <a:pPr marL="800100" lvl="1" indent="-342900">
+              <a:spcBef>
+                <a:spcPts val="500"/>
+              </a:spcBef>
+              <a:spcAft>
+                <a:spcPts val="1200"/>
+              </a:spcAft>
+              <a:buFont typeface="Arial" panose="020B0604020202020204" pitchFamily="34" charset="0"/>
+              <a:buAutoNum type="arabicPeriod"/>
+            </a:pPr>
+            <a:r>
+              <a:rPr lang="zh-CN" altLang="en-US" sz="1600" dirty="0">
+                <a:solidFill>
+                  <a:schemeClr val="tx1">
+                    <a:lumMod val="65000"/>
+                    <a:lumOff val="35000"/>
+                  </a:schemeClr>
+                </a:solidFill>
+                <a:latin typeface="Microsoft YaHei UI" panose="020B0503020204020204" pitchFamily="34" charset="-122"/>
+                <a:ea typeface="Microsoft YaHei UI" panose="020B0503020204020204" pitchFamily="34" charset="-122"/>
+                <a:cs typeface="Arial" panose="020B0604020202020204" pitchFamily="34" charset="0"/>
+              </a:rPr>
+              <a:t>防劫持</a:t>
+            </a:r>
+            <a:endParaRPr lang="en-US" altLang="zh-CN" sz="1600" dirty="0">
+              <a:solidFill>
+                <a:schemeClr val="tx1">
+                  <a:lumMod val="65000"/>
+                  <a:lumOff val="35000"/>
+                </a:schemeClr>
+              </a:solidFill>
+              <a:latin typeface="Microsoft YaHei UI" panose="020B0503020204020204" pitchFamily="34" charset="-122"/>
+              <a:ea typeface="Microsoft YaHei UI" panose="020B0503020204020204" pitchFamily="34" charset="-122"/>
+              <a:cs typeface="Arial" panose="020B0604020202020204" pitchFamily="34" charset="0"/>
+            </a:endParaRPr>
+          </a:p>
+          <a:p>
+            <a:pPr marL="800100" lvl="1" indent="-342900">
+              <a:spcBef>
+                <a:spcPts val="500"/>
+              </a:spcBef>
+              <a:spcAft>
+                <a:spcPts val="1200"/>
+              </a:spcAft>
+              <a:buFont typeface="Arial" panose="020B0604020202020204" pitchFamily="34" charset="0"/>
+              <a:buAutoNum type="arabicPeriod"/>
+            </a:pPr>
+            <a:r>
+              <a:rPr lang="zh-CN" altLang="en-US" sz="1600" dirty="0">
+                <a:solidFill>
+                  <a:schemeClr val="tx1">
+                    <a:lumMod val="65000"/>
+                    <a:lumOff val="35000"/>
+                  </a:schemeClr>
+                </a:solidFill>
+                <a:latin typeface="Microsoft YaHei UI" panose="020B0503020204020204" pitchFamily="34" charset="-122"/>
+                <a:ea typeface="Microsoft YaHei UI" panose="020B0503020204020204" pitchFamily="34" charset="-122"/>
+                <a:cs typeface="Arial" panose="020B0604020202020204" pitchFamily="34" charset="0"/>
+              </a:rPr>
+              <a:t>快速生效</a:t>
+            </a:r>
+            <a:endParaRPr lang="en-US" altLang="zh-CN" sz="1600" dirty="0">
+              <a:solidFill>
+                <a:schemeClr val="tx1">
+                  <a:lumMod val="65000"/>
+                  <a:lumOff val="35000"/>
+                </a:schemeClr>
+              </a:solidFill>
+              <a:latin typeface="Microsoft YaHei UI" panose="020B0503020204020204" pitchFamily="34" charset="-122"/>
+              <a:ea typeface="Microsoft YaHei UI" panose="020B0503020204020204" pitchFamily="34" charset="-122"/>
+              <a:cs typeface="Arial" panose="020B0604020202020204" pitchFamily="34" charset="0"/>
+            </a:endParaRPr>
+          </a:p>
+          <a:p>
+            <a:pPr marL="800100" lvl="1" indent="-342900">
+              <a:spcBef>
+                <a:spcPts val="500"/>
+              </a:spcBef>
+              <a:spcAft>
+                <a:spcPts val="1200"/>
+              </a:spcAft>
+              <a:buFont typeface="Arial" panose="020B0604020202020204" pitchFamily="34" charset="0"/>
+              <a:buAutoNum type="arabicPeriod"/>
+            </a:pPr>
+            <a:r>
+              <a:rPr lang="zh-CN" altLang="en-US" sz="1600" dirty="0">
+                <a:solidFill>
+                  <a:schemeClr val="tx1">
+                    <a:lumMod val="65000"/>
+                    <a:lumOff val="35000"/>
+                  </a:schemeClr>
+                </a:solidFill>
+                <a:latin typeface="Microsoft YaHei UI" panose="020B0503020204020204" pitchFamily="34" charset="-122"/>
+                <a:ea typeface="Microsoft YaHei UI" panose="020B0503020204020204" pitchFamily="34" charset="-122"/>
+                <a:cs typeface="Arial" panose="020B0604020202020204" pitchFamily="34" charset="0"/>
+              </a:rPr>
+              <a:t>区域、标签、设备精准调度</a:t>
+            </a:r>
+            <a:endParaRPr lang="en-US" altLang="zh-CN" sz="1600" dirty="0">
+              <a:solidFill>
+                <a:schemeClr val="tx1">
+                  <a:lumMod val="65000"/>
+                  <a:lumOff val="35000"/>
+                </a:schemeClr>
+              </a:solidFill>
+              <a:latin typeface="Microsoft YaHei UI" panose="020B0503020204020204" pitchFamily="34" charset="-122"/>
+              <a:ea typeface="Microsoft YaHei UI" panose="020B0503020204020204" pitchFamily="34" charset="-122"/>
+              <a:cs typeface="Arial" panose="020B0604020202020204" pitchFamily="34" charset="0"/>
+            </a:endParaRPr>
+          </a:p>
+          <a:p>
+            <a:pPr marL="800100" lvl="1" indent="-342900">
+              <a:spcBef>
+                <a:spcPts val="500"/>
+              </a:spcBef>
+              <a:spcAft>
+                <a:spcPts val="1200"/>
+              </a:spcAft>
+              <a:buFont typeface="Arial" panose="020B0604020202020204" pitchFamily="34" charset="0"/>
+              <a:buAutoNum type="arabicPeriod"/>
+            </a:pPr>
+            <a:r>
+              <a:rPr lang="zh-CN" altLang="en-US" sz="1600">
+                <a:solidFill>
+                  <a:schemeClr val="tx1">
+                    <a:lumMod val="65000"/>
+                    <a:lumOff val="35000"/>
+                  </a:schemeClr>
+                </a:solidFill>
+                <a:latin typeface="Microsoft YaHei UI" panose="020B0503020204020204" pitchFamily="34" charset="-122"/>
+                <a:ea typeface="Microsoft YaHei UI" panose="020B0503020204020204" pitchFamily="34" charset="-122"/>
+                <a:cs typeface="Arial" panose="020B0604020202020204" pitchFamily="34" charset="0"/>
+              </a:rPr>
+              <a:t>最终一致性</a:t>
+            </a:r>
+            <a:endParaRPr lang="en-US" altLang="zh-CN" sz="1600" dirty="0">
+              <a:solidFill>
+                <a:schemeClr val="tx1">
+                  <a:lumMod val="65000"/>
+                  <a:lumOff val="35000"/>
+                </a:schemeClr>
+              </a:solidFill>
+              <a:latin typeface="Microsoft YaHei UI" panose="020B0503020204020204" pitchFamily="34" charset="-122"/>
+              <a:ea typeface="Microsoft YaHei UI" panose="020B0503020204020204" pitchFamily="34" charset="-122"/>
+              <a:cs typeface="Arial" panose="020B0604020202020204" pitchFamily="34" charset="0"/>
+            </a:endParaRPr>
+          </a:p>
+          <a:p>
+            <a:pPr marL="800100" lvl="1" indent="-342900">
+              <a:spcBef>
+                <a:spcPts val="500"/>
+              </a:spcBef>
+              <a:spcAft>
+                <a:spcPts val="1200"/>
+              </a:spcAft>
+              <a:buFont typeface="Arial" panose="020B0604020202020204" pitchFamily="34" charset="0"/>
+              <a:buAutoNum type="arabicPeriod"/>
+            </a:pPr>
+            <a:endParaRPr lang="en-US" altLang="zh-CN" sz="1600" dirty="0">
+              <a:solidFill>
+                <a:schemeClr val="tx1">
+                  <a:lumMod val="65000"/>
+                  <a:lumOff val="35000"/>
+                </a:schemeClr>
+              </a:solidFill>
+              <a:latin typeface="Microsoft YaHei UI" panose="020B0503020204020204" pitchFamily="34" charset="-122"/>
+              <a:ea typeface="Microsoft YaHei UI" panose="020B0503020204020204" pitchFamily="34" charset="-122"/>
+              <a:cs typeface="Arial" panose="020B0604020202020204" pitchFamily="34" charset="0"/>
+            </a:endParaRPr>
+          </a:p>
+        </p:txBody>
+      </p:sp>
     </p:spTree>
     <p:extLst>
       <p:ext uri="{BB962C8B-B14F-4D97-AF65-F5344CB8AC3E}">
@@ -5641,111 +6429,6 @@
           </a:p>
         </p:txBody>
       </p:sp>
-      <p:sp>
-        <p:nvSpPr>
-          <p:cNvPr id="5" name="矩形 4">
-            <a:extLst>
-              <a:ext uri="{FF2B5EF4-FFF2-40B4-BE49-F238E27FC236}">
-                <a16:creationId xmlns:a16="http://schemas.microsoft.com/office/drawing/2014/main" id="{4D58E3AC-E386-9A41-B76E-9210CD5A1CEF}"/>
-              </a:ext>
-            </a:extLst>
-          </p:cNvPr>
-          <p:cNvSpPr/>
-          <p:nvPr/>
-        </p:nvSpPr>
-        <p:spPr>
-          <a:xfrm>
-            <a:off x="523751" y="1695748"/>
-            <a:ext cx="7862260" cy="2519414"/>
-          </a:xfrm>
-          <a:prstGeom prst="rect">
-            <a:avLst/>
-          </a:prstGeom>
-        </p:spPr>
-        <p:txBody>
-          <a:bodyPr vert="horz" lIns="91440" tIns="45720" rIns="91440" bIns="45720" rtlCol="0">
-            <a:noAutofit/>
-          </a:bodyPr>
-          <a:lstStyle/>
-          <a:p>
-            <a:pPr marL="342900" indent="-342900">
-              <a:lnSpc>
-                <a:spcPct val="150000"/>
-              </a:lnSpc>
-              <a:spcBef>
-                <a:spcPts val="500"/>
-              </a:spcBef>
-              <a:spcAft>
-                <a:spcPts val="1200"/>
-              </a:spcAft>
-              <a:buFont typeface="Arial" panose="020B0604020202020204" pitchFamily="34" charset="0"/>
-              <a:buAutoNum type="arabicPeriod"/>
-            </a:pPr>
-            <a:r>
-              <a:rPr lang="zh-CN" altLang="en-US" sz="1600" dirty="0">
-                <a:solidFill>
-                  <a:schemeClr val="tx1">
-                    <a:lumMod val="65000"/>
-                    <a:lumOff val="35000"/>
-                  </a:schemeClr>
-                </a:solidFill>
-                <a:latin typeface="Microsoft YaHei UI" panose="020B0503020204020204" pitchFamily="34" charset="-122"/>
-                <a:ea typeface="Microsoft YaHei UI" panose="020B0503020204020204" pitchFamily="34" charset="-122"/>
-                <a:cs typeface="Arial" panose="020B0604020202020204" pitchFamily="34" charset="0"/>
-              </a:rPr>
-              <a:t>目标：</a:t>
-            </a:r>
-            <a:endParaRPr lang="en-US" altLang="zh-CN" sz="1600" dirty="0">
-              <a:solidFill>
-                <a:schemeClr val="tx1">
-                  <a:lumMod val="65000"/>
-                  <a:lumOff val="35000"/>
-                </a:schemeClr>
-              </a:solidFill>
-              <a:latin typeface="Microsoft YaHei UI" panose="020B0503020204020204" pitchFamily="34" charset="-122"/>
-              <a:ea typeface="Microsoft YaHei UI" panose="020B0503020204020204" pitchFamily="34" charset="-122"/>
-              <a:cs typeface="Arial" panose="020B0604020202020204" pitchFamily="34" charset="0"/>
-            </a:endParaRPr>
-          </a:p>
-          <a:p>
-            <a:pPr marL="800100" lvl="1" indent="-342900">
-              <a:spcBef>
-                <a:spcPts val="500"/>
-              </a:spcBef>
-              <a:spcAft>
-                <a:spcPts val="1200"/>
-              </a:spcAft>
-              <a:buFont typeface="Arial" panose="020B0604020202020204" pitchFamily="34" charset="0"/>
-              <a:buAutoNum type="arabicPeriod"/>
-            </a:pPr>
-            <a:r>
-              <a:rPr lang="zh-CN" altLang="en-US" sz="1600" dirty="0">
-                <a:solidFill>
-                  <a:schemeClr val="tx1">
-                    <a:lumMod val="65000"/>
-                    <a:lumOff val="35000"/>
-                  </a:schemeClr>
-                </a:solidFill>
-                <a:latin typeface="Microsoft YaHei UI" panose="020B0503020204020204" pitchFamily="34" charset="-122"/>
-                <a:ea typeface="Microsoft YaHei UI" panose="020B0503020204020204" pitchFamily="34" charset="-122"/>
-                <a:cs typeface="Arial" panose="020B0604020202020204" pitchFamily="34" charset="0"/>
-              </a:rPr>
-              <a:t>流量编排</a:t>
-            </a:r>
-            <a:endParaRPr lang="en-US" altLang="zh-CN" sz="1600" dirty="0">
-              <a:solidFill>
-                <a:schemeClr val="tx1">
-                  <a:lumMod val="65000"/>
-                  <a:lumOff val="35000"/>
-                </a:schemeClr>
-              </a:solidFill>
-              <a:latin typeface="Microsoft YaHei UI" panose="020B0503020204020204" pitchFamily="34" charset="-122"/>
-              <a:ea typeface="Microsoft YaHei UI" panose="020B0503020204020204" pitchFamily="34" charset="-122"/>
-              <a:cs typeface="Arial" panose="020B0604020202020204" pitchFamily="34" charset="0"/>
-            </a:endParaRPr>
-          </a:p>
-        </p:txBody>
-      </p:sp>
     </p:spTree>
     <p:extLst>
       <p:ext uri="{BB962C8B-B14F-4D97-AF65-F5344CB8AC3E}">
@@ -5864,7 +6547,7 @@
           </a:bodyPr>
           <a:lstStyle/>
           <a:p>
-            <a:pPr marL="342900" indent="-342900">
+            <a:pPr>
               <a:lnSpc>
                 <a:spcPct val="150000"/>
               </a:lnSpc>
@@ -5874,8 +6557,6 @@
               <a:spcAft>
                 <a:spcPts val="1200"/>
               </a:spcAft>
-              <a:buFont typeface="Arial" panose="020B0604020202020204" pitchFamily="34" charset="0"/>
-              <a:buAutoNum type="arabicPeriod"/>
             </a:pPr>
             <a:r>
               <a:rPr lang="zh-CN" altLang="en-US" sz="1600" dirty="0">

--- a/job/me/个人介绍.pptx
+++ b/job/me/个人介绍.pptx
@@ -5,10 +5,10 @@
     <p:sldMasterId id="2147483660" r:id="rId1"/>
   </p:sldMasterIdLst>
   <p:notesMasterIdLst>
-    <p:notesMasterId r:id="rId13"/>
+    <p:notesMasterId r:id="rId18"/>
   </p:notesMasterIdLst>
   <p:handoutMasterIdLst>
-    <p:handoutMasterId r:id="rId14"/>
+    <p:handoutMasterId r:id="rId19"/>
   </p:handoutMasterIdLst>
   <p:sldIdLst>
     <p:sldId id="273" r:id="rId2"/>
@@ -16,12 +16,17 @@
     <p:sldId id="272" r:id="rId4"/>
     <p:sldId id="274" r:id="rId5"/>
     <p:sldId id="275" r:id="rId6"/>
-    <p:sldId id="278" r:id="rId7"/>
-    <p:sldId id="279" r:id="rId8"/>
-    <p:sldId id="277" r:id="rId9"/>
-    <p:sldId id="280" r:id="rId10"/>
-    <p:sldId id="281" r:id="rId11"/>
-    <p:sldId id="282" r:id="rId12"/>
+    <p:sldId id="288" r:id="rId7"/>
+    <p:sldId id="278" r:id="rId8"/>
+    <p:sldId id="279" r:id="rId9"/>
+    <p:sldId id="284" r:id="rId10"/>
+    <p:sldId id="286" r:id="rId11"/>
+    <p:sldId id="277" r:id="rId12"/>
+    <p:sldId id="280" r:id="rId13"/>
+    <p:sldId id="281" r:id="rId14"/>
+    <p:sldId id="282" r:id="rId15"/>
+    <p:sldId id="287" r:id="rId16"/>
+    <p:sldId id="285" r:id="rId17"/>
   </p:sldIdLst>
   <p:sldSz cx="12192000" cy="6858000"/>
   <p:notesSz cx="6858000" cy="9144000"/>
@@ -134,12 +139,17 @@
             <p14:sldId id="272"/>
             <p14:sldId id="274"/>
             <p14:sldId id="275"/>
+            <p14:sldId id="288"/>
             <p14:sldId id="278"/>
             <p14:sldId id="279"/>
+            <p14:sldId id="284"/>
+            <p14:sldId id="286"/>
             <p14:sldId id="277"/>
             <p14:sldId id="280"/>
             <p14:sldId id="281"/>
             <p14:sldId id="282"/>
+            <p14:sldId id="287"/>
+            <p14:sldId id="285"/>
           </p14:sldIdLst>
         </p14:section>
         <p14:section name="了解详细信息" id="{2CC34DB2-6590-42C0-AD4B-A04C6060184E}">
@@ -838,6 +848,183 @@
 </p:notes>
 </file>
 
+<file path=ppt/notesSlides/notesSlide10.xml><?xml version="1.0" encoding="utf-8"?>
+<p:notes xmlns:a="http://schemas.openxmlformats.org/drawingml/2006/main" xmlns:r="http://schemas.openxmlformats.org/officeDocument/2006/relationships" xmlns:p="http://schemas.openxmlformats.org/presentationml/2006/main">
+  <p:cSld>
+    <p:spTree>
+      <p:nvGrpSpPr>
+        <p:cNvPr id="1" name=""/>
+        <p:cNvGrpSpPr/>
+        <p:nvPr/>
+      </p:nvGrpSpPr>
+      <p:grpSpPr>
+        <a:xfrm>
+          <a:off x="0" y="0"/>
+          <a:ext cx="0" cy="0"/>
+          <a:chOff x="0" y="0"/>
+          <a:chExt cx="0" cy="0"/>
+        </a:xfrm>
+      </p:grpSpPr>
+      <p:sp>
+        <p:nvSpPr>
+          <p:cNvPr id="2" name="幻灯片图像占位符 1"/>
+          <p:cNvSpPr>
+            <a:spLocks noGrp="1" noRot="1" noChangeAspect="1"/>
+          </p:cNvSpPr>
+          <p:nvPr>
+            <p:ph type="sldImg"/>
+          </p:nvPr>
+        </p:nvSpPr>
+        <p:spPr/>
+      </p:sp>
+      <p:sp>
+        <p:nvSpPr>
+          <p:cNvPr id="3" name="备注占位符 2"/>
+          <p:cNvSpPr>
+            <a:spLocks noGrp="1"/>
+          </p:cNvSpPr>
+          <p:nvPr>
+            <p:ph type="body" idx="1"/>
+          </p:nvPr>
+        </p:nvSpPr>
+        <p:spPr/>
+        <p:txBody>
+          <a:bodyPr rtlCol="0"/>
+          <a:lstStyle/>
+          <a:p>
+            <a:pPr rtl="0"/>
+            <a:r>
+              <a:rPr lang="zh-CN" altLang="en-US" dirty="0"/>
+              <a:t>每个方向挑一个项目介绍</a:t>
+            </a:r>
+          </a:p>
+        </p:txBody>
+      </p:sp>
+      <p:sp>
+        <p:nvSpPr>
+          <p:cNvPr id="4" name="灯片编号占位符 3"/>
+          <p:cNvSpPr>
+            <a:spLocks noGrp="1"/>
+          </p:cNvSpPr>
+          <p:nvPr>
+            <p:ph type="sldNum" sz="quarter" idx="10"/>
+          </p:nvPr>
+        </p:nvSpPr>
+        <p:spPr/>
+        <p:txBody>
+          <a:bodyPr rtlCol="0"/>
+          <a:lstStyle/>
+          <a:p>
+            <a:pPr rtl="0"/>
+            <a:fld id="{DF61EA0F-A667-4B49-8422-0062BC55E249}" type="slidenum">
+              <a:rPr lang="en-US" smtClean="0"/>
+              <a:t>10</a:t>
+            </a:fld>
+            <a:endParaRPr lang="en-US"/>
+          </a:p>
+        </p:txBody>
+      </p:sp>
+    </p:spTree>
+    <p:extLst>
+      <p:ext uri="{BB962C8B-B14F-4D97-AF65-F5344CB8AC3E}">
+        <p14:creationId xmlns:p14="http://schemas.microsoft.com/office/powerpoint/2010/main" val="2321499265"/>
+      </p:ext>
+    </p:extLst>
+  </p:cSld>
+  <p:clrMapOvr>
+    <a:masterClrMapping/>
+  </p:clrMapOvr>
+</p:notes>
+</file>
+
+<file path=ppt/notesSlides/notesSlide11.xml><?xml version="1.0" encoding="utf-8"?>
+<p:notes xmlns:a="http://schemas.openxmlformats.org/drawingml/2006/main" xmlns:r="http://schemas.openxmlformats.org/officeDocument/2006/relationships" xmlns:p="http://schemas.openxmlformats.org/presentationml/2006/main">
+  <p:cSld>
+    <p:spTree>
+      <p:nvGrpSpPr>
+        <p:cNvPr id="1" name=""/>
+        <p:cNvGrpSpPr/>
+        <p:nvPr/>
+      </p:nvGrpSpPr>
+      <p:grpSpPr>
+        <a:xfrm>
+          <a:off x="0" y="0"/>
+          <a:ext cx="0" cy="0"/>
+          <a:chOff x="0" y="0"/>
+          <a:chExt cx="0" cy="0"/>
+        </a:xfrm>
+      </p:grpSpPr>
+      <p:sp>
+        <p:nvSpPr>
+          <p:cNvPr id="2" name="幻灯片图像占位符 1"/>
+          <p:cNvSpPr>
+            <a:spLocks noGrp="1" noRot="1" noChangeAspect="1"/>
+          </p:cNvSpPr>
+          <p:nvPr>
+            <p:ph type="sldImg"/>
+          </p:nvPr>
+        </p:nvSpPr>
+        <p:spPr/>
+      </p:sp>
+      <p:sp>
+        <p:nvSpPr>
+          <p:cNvPr id="3" name="备注占位符 2"/>
+          <p:cNvSpPr>
+            <a:spLocks noGrp="1"/>
+          </p:cNvSpPr>
+          <p:nvPr>
+            <p:ph type="body" idx="1"/>
+          </p:nvPr>
+        </p:nvSpPr>
+        <p:spPr/>
+        <p:txBody>
+          <a:bodyPr/>
+          <a:lstStyle/>
+          <a:p>
+            <a:r>
+              <a:rPr kumimoji="1" lang="zh-CN" altLang="en-US" dirty="0"/>
+              <a:t>要控制成本</a:t>
+            </a:r>
+          </a:p>
+        </p:txBody>
+      </p:sp>
+      <p:sp>
+        <p:nvSpPr>
+          <p:cNvPr id="4" name="灯片编号占位符 3"/>
+          <p:cNvSpPr>
+            <a:spLocks noGrp="1"/>
+          </p:cNvSpPr>
+          <p:nvPr>
+            <p:ph type="sldNum" sz="quarter" idx="5"/>
+          </p:nvPr>
+        </p:nvSpPr>
+        <p:spPr/>
+        <p:txBody>
+          <a:bodyPr/>
+          <a:lstStyle/>
+          <a:p>
+            <a:fld id="{DF61EA0F-A667-4B49-8422-0062BC55E249}" type="slidenum">
+              <a:rPr lang="en-US" smtClean="0"/>
+              <a:pPr/>
+              <a:t>11</a:t>
+            </a:fld>
+            <a:endParaRPr lang="en-US" dirty="0"/>
+          </a:p>
+        </p:txBody>
+      </p:sp>
+    </p:spTree>
+    <p:extLst>
+      <p:ext uri="{BB962C8B-B14F-4D97-AF65-F5344CB8AC3E}">
+        <p14:creationId xmlns:p14="http://schemas.microsoft.com/office/powerpoint/2010/main" val="1728426677"/>
+      </p:ext>
+    </p:extLst>
+  </p:cSld>
+  <p:clrMapOvr>
+    <a:masterClrMapping/>
+  </p:clrMapOvr>
+</p:notes>
+</file>
+
 <file path=ppt/notesSlides/notesSlide2.xml><?xml version="1.0" encoding="utf-8"?>
 <p:notes xmlns:a="http://schemas.openxmlformats.org/drawingml/2006/main" xmlns:r="http://schemas.openxmlformats.org/officeDocument/2006/relationships" xmlns:p="http://schemas.openxmlformats.org/presentationml/2006/main">
   <p:cSld>
@@ -1265,7 +1452,7 @@
     </p:spTree>
     <p:extLst>
       <p:ext uri="{BB962C8B-B14F-4D97-AF65-F5344CB8AC3E}">
-        <p14:creationId xmlns:p14="http://schemas.microsoft.com/office/powerpoint/2010/main" val="1923792661"/>
+        <p14:creationId xmlns:p14="http://schemas.microsoft.com/office/powerpoint/2010/main" val="1648877747"/>
       </p:ext>
     </p:extLst>
   </p:cSld>
@@ -1353,7 +1540,7 @@
     </p:spTree>
     <p:extLst>
       <p:ext uri="{BB962C8B-B14F-4D97-AF65-F5344CB8AC3E}">
-        <p14:creationId xmlns:p14="http://schemas.microsoft.com/office/powerpoint/2010/main" val="4034852546"/>
+        <p14:creationId xmlns:p14="http://schemas.microsoft.com/office/powerpoint/2010/main" val="1923792661"/>
       </p:ext>
     </p:extLst>
   </p:cSld>
@@ -1441,7 +1628,95 @@
     </p:spTree>
     <p:extLst>
       <p:ext uri="{BB962C8B-B14F-4D97-AF65-F5344CB8AC3E}">
-        <p14:creationId xmlns:p14="http://schemas.microsoft.com/office/powerpoint/2010/main" val="1728426677"/>
+        <p14:creationId xmlns:p14="http://schemas.microsoft.com/office/powerpoint/2010/main" val="4034852546"/>
+      </p:ext>
+    </p:extLst>
+  </p:cSld>
+  <p:clrMapOvr>
+    <a:masterClrMapping/>
+  </p:clrMapOvr>
+</p:notes>
+</file>
+
+<file path=ppt/notesSlides/notesSlide9.xml><?xml version="1.0" encoding="utf-8"?>
+<p:notes xmlns:a="http://schemas.openxmlformats.org/drawingml/2006/main" xmlns:r="http://schemas.openxmlformats.org/officeDocument/2006/relationships" xmlns:p="http://schemas.openxmlformats.org/presentationml/2006/main">
+  <p:cSld>
+    <p:spTree>
+      <p:nvGrpSpPr>
+        <p:cNvPr id="1" name=""/>
+        <p:cNvGrpSpPr/>
+        <p:nvPr/>
+      </p:nvGrpSpPr>
+      <p:grpSpPr>
+        <a:xfrm>
+          <a:off x="0" y="0"/>
+          <a:ext cx="0" cy="0"/>
+          <a:chOff x="0" y="0"/>
+          <a:chExt cx="0" cy="0"/>
+        </a:xfrm>
+      </p:grpSpPr>
+      <p:sp>
+        <p:nvSpPr>
+          <p:cNvPr id="2" name="幻灯片图像占位符 1"/>
+          <p:cNvSpPr>
+            <a:spLocks noGrp="1" noRot="1" noChangeAspect="1"/>
+          </p:cNvSpPr>
+          <p:nvPr>
+            <p:ph type="sldImg"/>
+          </p:nvPr>
+        </p:nvSpPr>
+        <p:spPr/>
+      </p:sp>
+      <p:sp>
+        <p:nvSpPr>
+          <p:cNvPr id="3" name="备注占位符 2"/>
+          <p:cNvSpPr>
+            <a:spLocks noGrp="1"/>
+          </p:cNvSpPr>
+          <p:nvPr>
+            <p:ph type="body" idx="1"/>
+          </p:nvPr>
+        </p:nvSpPr>
+        <p:spPr/>
+        <p:txBody>
+          <a:bodyPr/>
+          <a:lstStyle/>
+          <a:p>
+            <a:r>
+              <a:rPr kumimoji="1" lang="zh-CN" altLang="en-US" dirty="0"/>
+              <a:t>要控制成本</a:t>
+            </a:r>
+          </a:p>
+        </p:txBody>
+      </p:sp>
+      <p:sp>
+        <p:nvSpPr>
+          <p:cNvPr id="4" name="灯片编号占位符 3"/>
+          <p:cNvSpPr>
+            <a:spLocks noGrp="1"/>
+          </p:cNvSpPr>
+          <p:nvPr>
+            <p:ph type="sldNum" sz="quarter" idx="5"/>
+          </p:nvPr>
+        </p:nvSpPr>
+        <p:spPr/>
+        <p:txBody>
+          <a:bodyPr/>
+          <a:lstStyle/>
+          <a:p>
+            <a:fld id="{DF61EA0F-A667-4B49-8422-0062BC55E249}" type="slidenum">
+              <a:rPr lang="en-US" smtClean="0"/>
+              <a:pPr/>
+              <a:t>9</a:t>
+            </a:fld>
+            <a:endParaRPr lang="en-US" dirty="0"/>
+          </a:p>
+        </p:txBody>
+      </p:sp>
+    </p:spTree>
+    <p:extLst>
+      <p:ext uri="{BB962C8B-B14F-4D97-AF65-F5344CB8AC3E}">
+        <p14:creationId xmlns:p14="http://schemas.microsoft.com/office/powerpoint/2010/main" val="36205474"/>
       </p:ext>
     </p:extLst>
   </p:cSld>
@@ -2653,1971 +2928,6 @@
       </p:grpSpPr>
       <p:sp>
         <p:nvSpPr>
-          <p:cNvPr id="2" name="标题 1">
-            <a:extLst>
-              <a:ext uri="{FF2B5EF4-FFF2-40B4-BE49-F238E27FC236}">
-                <a16:creationId xmlns:a16="http://schemas.microsoft.com/office/drawing/2014/main" id="{C75FFD5E-AAB2-EE4F-A005-27D12017E73E}"/>
-              </a:ext>
-            </a:extLst>
-          </p:cNvPr>
-          <p:cNvSpPr>
-            <a:spLocks noGrp="1"/>
-          </p:cNvSpPr>
-          <p:nvPr>
-            <p:ph type="title"/>
-          </p:nvPr>
-        </p:nvSpPr>
-        <p:spPr>
-          <a:xfrm>
-            <a:off x="152625" y="40262"/>
-            <a:ext cx="10749367" cy="1208868"/>
-          </a:xfrm>
-        </p:spPr>
-        <p:txBody>
-          <a:bodyPr/>
-          <a:lstStyle/>
-          <a:p>
-            <a:r>
-              <a:rPr kumimoji="1" lang="zh-CN" altLang="en-US" dirty="0">
-                <a:cs typeface="Arial" panose="020B0604020202020204" pitchFamily="34" charset="0"/>
-              </a:rPr>
-              <a:t>微服务框架</a:t>
-            </a:r>
-            <a:endParaRPr kumimoji="1" lang="zh-CN" altLang="en-US" dirty="0"/>
-          </a:p>
-        </p:txBody>
-      </p:sp>
-      <p:sp>
-        <p:nvSpPr>
-          <p:cNvPr id="61" name="文本框 60">
-            <a:extLst>
-              <a:ext uri="{FF2B5EF4-FFF2-40B4-BE49-F238E27FC236}">
-                <a16:creationId xmlns:a16="http://schemas.microsoft.com/office/drawing/2014/main" id="{1AF1CAC6-E4F9-5940-B7C2-96F60C666ABC}"/>
-              </a:ext>
-            </a:extLst>
-          </p:cNvPr>
-          <p:cNvSpPr txBox="1"/>
-          <p:nvPr/>
-        </p:nvSpPr>
-        <p:spPr>
-          <a:xfrm>
-            <a:off x="10869439" y="751916"/>
-            <a:ext cx="1146468" cy="369332"/>
-          </a:xfrm>
-          <a:prstGeom prst="rect">
-            <a:avLst/>
-          </a:prstGeom>
-          <a:noFill/>
-        </p:spPr>
-        <p:txBody>
-          <a:bodyPr wrap="none" rtlCol="0">
-            <a:spAutoFit/>
-          </a:bodyPr>
-          <a:lstStyle/>
-          <a:p>
-            <a:r>
-              <a:rPr kumimoji="1" lang="zh-CN" altLang="en-US" dirty="0"/>
-              <a:t>通信模型</a:t>
-            </a:r>
-          </a:p>
-        </p:txBody>
-      </p:sp>
-      <p:pic>
-        <p:nvPicPr>
-          <p:cNvPr id="3" name="图片 2">
-            <a:extLst>
-              <a:ext uri="{FF2B5EF4-FFF2-40B4-BE49-F238E27FC236}">
-                <a16:creationId xmlns:a16="http://schemas.microsoft.com/office/drawing/2014/main" id="{5FC60BDA-2BB1-004A-B7DB-C07322A94D47}"/>
-              </a:ext>
-            </a:extLst>
-          </p:cNvPr>
-          <p:cNvPicPr>
-            <a:picLocks noChangeAspect="1"/>
-          </p:cNvPicPr>
-          <p:nvPr/>
-        </p:nvPicPr>
-        <p:blipFill>
-          <a:blip r:embed="rId2"/>
-          <a:stretch>
-            <a:fillRect/>
-          </a:stretch>
-        </p:blipFill>
-        <p:spPr>
-          <a:xfrm>
-            <a:off x="5119807" y="1832902"/>
-            <a:ext cx="6896100" cy="4406900"/>
-          </a:xfrm>
-          <a:prstGeom prst="rect">
-            <a:avLst/>
-          </a:prstGeom>
-        </p:spPr>
-      </p:pic>
-      <p:sp>
-        <p:nvSpPr>
-          <p:cNvPr id="49" name="Google Shape;636;p43">
-            <a:extLst>
-              <a:ext uri="{FF2B5EF4-FFF2-40B4-BE49-F238E27FC236}">
-                <a16:creationId xmlns:a16="http://schemas.microsoft.com/office/drawing/2014/main" id="{0288E5D3-4E2F-B249-AA9E-3760EF114001}"/>
-              </a:ext>
-            </a:extLst>
-          </p:cNvPr>
-          <p:cNvSpPr txBox="1"/>
-          <p:nvPr/>
-        </p:nvSpPr>
-        <p:spPr>
-          <a:xfrm>
-            <a:off x="460300" y="1936025"/>
-            <a:ext cx="2905200" cy="1338900"/>
-          </a:xfrm>
-          <a:prstGeom prst="rect">
-            <a:avLst/>
-          </a:prstGeom>
-          <a:noFill/>
-          <a:ln>
-            <a:noFill/>
-          </a:ln>
-        </p:spPr>
-        <p:txBody>
-          <a:bodyPr spcFirstLastPara="1" wrap="square" lIns="91425" tIns="45700" rIns="91425" bIns="45700" anchor="t" anchorCtr="0">
-            <a:noAutofit/>
-          </a:bodyPr>
-          <a:lstStyle/>
-          <a:p>
-            <a:pPr marL="0" marR="0" lvl="0" indent="0" algn="l" rtl="0">
-              <a:lnSpc>
-                <a:spcPct val="100000"/>
-              </a:lnSpc>
-              <a:spcBef>
-                <a:spcPts val="0"/>
-              </a:spcBef>
-              <a:spcAft>
-                <a:spcPts val="0"/>
-              </a:spcAft>
-              <a:buNone/>
-            </a:pPr>
-            <a:r>
-              <a:rPr lang="en-US" altLang="zh-CN" sz="1350" b="0" i="0" u="none" strike="noStrike" cap="none" dirty="0" err="1">
-                <a:solidFill>
-                  <a:srgbClr val="000000"/>
-                </a:solidFill>
-                <a:latin typeface="Arial" panose="020B0604020202020204"/>
-                <a:ea typeface="Arial" panose="020B0604020202020204"/>
-                <a:cs typeface="Arial" panose="020B0604020202020204"/>
-                <a:sym typeface="Arial" panose="020B0604020202020204"/>
-              </a:rPr>
-              <a:t>Service.</a:t>
-            </a:r>
-            <a:r>
-              <a:rPr lang="en-US" sz="1350" b="0" i="0" u="none" strike="noStrike" cap="none" dirty="0" err="1">
-                <a:solidFill>
-                  <a:srgbClr val="000000"/>
-                </a:solidFill>
-                <a:latin typeface="Arial" panose="020B0604020202020204"/>
-                <a:ea typeface="Arial" panose="020B0604020202020204"/>
-                <a:cs typeface="Arial" panose="020B0604020202020204"/>
-                <a:sym typeface="Arial" panose="020B0604020202020204"/>
-              </a:rPr>
-              <a:t>client</a:t>
-            </a:r>
-            <a:r>
-              <a:rPr lang="zh-CN" altLang="en-US" sz="1350" b="0" i="0" u="none" strike="noStrike" cap="none" dirty="0">
-                <a:solidFill>
-                  <a:srgbClr val="000000"/>
-                </a:solidFill>
-                <a:latin typeface="Arial" panose="020B0604020202020204"/>
-                <a:ea typeface="Arial" panose="020B0604020202020204"/>
-                <a:cs typeface="Arial" panose="020B0604020202020204"/>
-                <a:sym typeface="Arial" panose="020B0604020202020204"/>
-              </a:rPr>
-              <a:t>  </a:t>
-            </a:r>
-            <a:r>
-              <a:rPr lang="en-US" sz="1350" b="0" i="0" u="none" strike="noStrike" cap="none" dirty="0">
-                <a:solidFill>
-                  <a:srgbClr val="000000"/>
-                </a:solidFill>
-                <a:latin typeface="Arial" panose="020B0604020202020204"/>
-                <a:ea typeface="Arial" panose="020B0604020202020204"/>
-                <a:cs typeface="Arial" panose="020B0604020202020204"/>
-                <a:sym typeface="Arial" panose="020B0604020202020204"/>
-              </a:rPr>
-              <a:t>=&gt; </a:t>
-            </a:r>
-            <a:r>
-              <a:rPr lang="zh-CN" altLang="en-US" sz="1350" b="0" i="0" u="none" strike="noStrike" cap="none" dirty="0">
-                <a:solidFill>
-                  <a:srgbClr val="000000"/>
-                </a:solidFill>
-                <a:latin typeface="Arial" panose="020B0604020202020204"/>
-                <a:ea typeface="Arial" panose="020B0604020202020204"/>
-                <a:cs typeface="Arial" panose="020B0604020202020204"/>
-                <a:sym typeface="Arial" panose="020B0604020202020204"/>
-              </a:rPr>
-              <a:t>  </a:t>
-            </a:r>
-            <a:r>
-              <a:rPr lang="en-US" altLang="zh-CN" sz="1350" b="0" i="0" u="none" strike="noStrike" cap="none" dirty="0" err="1">
-                <a:solidFill>
-                  <a:srgbClr val="000000"/>
-                </a:solidFill>
-                <a:latin typeface="Arial" panose="020B0604020202020204"/>
-                <a:ea typeface="Arial" panose="020B0604020202020204"/>
-                <a:cs typeface="Arial" panose="020B0604020202020204"/>
-                <a:sym typeface="Arial" panose="020B0604020202020204"/>
-              </a:rPr>
-              <a:t>Service.</a:t>
-            </a:r>
-            <a:r>
-              <a:rPr lang="en-US" sz="1350" b="0" i="0" u="none" strike="noStrike" cap="none" dirty="0" err="1">
-                <a:solidFill>
-                  <a:srgbClr val="000000"/>
-                </a:solidFill>
-                <a:latin typeface="Arial" panose="020B0604020202020204"/>
-                <a:ea typeface="Arial" panose="020B0604020202020204"/>
-                <a:cs typeface="Arial" panose="020B0604020202020204"/>
-                <a:sym typeface="Arial" panose="020B0604020202020204"/>
-              </a:rPr>
-              <a:t>server</a:t>
-            </a:r>
-            <a:endParaRPr lang="en-US" sz="1350" b="0" i="0" u="none" strike="noStrike" cap="none" dirty="0">
-              <a:solidFill>
-                <a:srgbClr val="000000"/>
-              </a:solidFill>
-              <a:latin typeface="Arial" panose="020B0604020202020204"/>
-              <a:ea typeface="Arial" panose="020B0604020202020204"/>
-              <a:cs typeface="Arial" panose="020B0604020202020204"/>
-              <a:sym typeface="Arial" panose="020B0604020202020204"/>
-            </a:endParaRPr>
-          </a:p>
-          <a:p>
-            <a:pPr marL="0" marR="0" lvl="0" indent="0" algn="l" rtl="0">
-              <a:lnSpc>
-                <a:spcPct val="100000"/>
-              </a:lnSpc>
-              <a:spcBef>
-                <a:spcPts val="0"/>
-              </a:spcBef>
-              <a:spcAft>
-                <a:spcPts val="0"/>
-              </a:spcAft>
-              <a:buNone/>
-            </a:pPr>
-            <a:endParaRPr sz="1350" b="0" i="0" u="none" strike="noStrike" cap="none" dirty="0">
-              <a:solidFill>
-                <a:srgbClr val="000000"/>
-              </a:solidFill>
-              <a:latin typeface="Arial" panose="020B0604020202020204"/>
-              <a:ea typeface="Arial" panose="020B0604020202020204"/>
-              <a:cs typeface="Arial" panose="020B0604020202020204"/>
-              <a:sym typeface="Arial" panose="020B0604020202020204"/>
-            </a:endParaRPr>
-          </a:p>
-          <a:p>
-            <a:pPr marL="0" marR="0" lvl="0" indent="0" algn="l" rtl="0">
-              <a:lnSpc>
-                <a:spcPct val="100000"/>
-              </a:lnSpc>
-              <a:spcBef>
-                <a:spcPts val="0"/>
-              </a:spcBef>
-              <a:spcAft>
-                <a:spcPts val="0"/>
-              </a:spcAft>
-              <a:buNone/>
-            </a:pPr>
-            <a:endParaRPr sz="1350" b="0" i="0" u="none" strike="noStrike" cap="none" dirty="0">
-              <a:solidFill>
-                <a:srgbClr val="000000"/>
-              </a:solidFill>
-              <a:latin typeface="Arial" panose="020B0604020202020204"/>
-              <a:ea typeface="Arial" panose="020B0604020202020204"/>
-              <a:cs typeface="Arial" panose="020B0604020202020204"/>
-              <a:sym typeface="Arial" panose="020B0604020202020204"/>
-            </a:endParaRPr>
-          </a:p>
-          <a:p>
-            <a:pPr marL="0" marR="0" lvl="0" indent="0" algn="l" rtl="0">
-              <a:lnSpc>
-                <a:spcPct val="100000"/>
-              </a:lnSpc>
-              <a:spcBef>
-                <a:spcPts val="0"/>
-              </a:spcBef>
-              <a:spcAft>
-                <a:spcPts val="0"/>
-              </a:spcAft>
-              <a:buNone/>
-            </a:pPr>
-            <a:endParaRPr sz="1350" b="0" i="0" u="none" strike="noStrike" cap="none" dirty="0">
-              <a:solidFill>
-                <a:srgbClr val="000000"/>
-              </a:solidFill>
-              <a:latin typeface="Arial" panose="020B0604020202020204"/>
-              <a:ea typeface="Arial" panose="020B0604020202020204"/>
-              <a:cs typeface="Arial" panose="020B0604020202020204"/>
-              <a:sym typeface="Arial" panose="020B0604020202020204"/>
-            </a:endParaRPr>
-          </a:p>
-          <a:p>
-            <a:pPr marL="0" marR="0" lvl="0" indent="0" algn="l" rtl="0">
-              <a:lnSpc>
-                <a:spcPct val="100000"/>
-              </a:lnSpc>
-              <a:spcBef>
-                <a:spcPts val="0"/>
-              </a:spcBef>
-              <a:spcAft>
-                <a:spcPts val="0"/>
-              </a:spcAft>
-              <a:buNone/>
-            </a:pPr>
-            <a:endParaRPr sz="1350" b="0" i="0" u="none" strike="noStrike" cap="none" dirty="0">
-              <a:solidFill>
-                <a:srgbClr val="000000"/>
-              </a:solidFill>
-              <a:latin typeface="Arial" panose="020B0604020202020204"/>
-              <a:ea typeface="Arial" panose="020B0604020202020204"/>
-              <a:cs typeface="Arial" panose="020B0604020202020204"/>
-              <a:sym typeface="Arial" panose="020B0604020202020204"/>
-            </a:endParaRPr>
-          </a:p>
-          <a:p>
-            <a:pPr marL="0" marR="0" lvl="0" indent="0" algn="l" rtl="0">
-              <a:lnSpc>
-                <a:spcPct val="100000"/>
-              </a:lnSpc>
-              <a:spcBef>
-                <a:spcPts val="0"/>
-              </a:spcBef>
-              <a:spcAft>
-                <a:spcPts val="0"/>
-              </a:spcAft>
-              <a:buNone/>
-            </a:pPr>
-            <a:endParaRPr sz="1350" b="0" i="0" u="none" strike="noStrike" cap="none" dirty="0">
-              <a:solidFill>
-                <a:srgbClr val="000000"/>
-              </a:solidFill>
-              <a:latin typeface="Arial" panose="020B0604020202020204"/>
-              <a:ea typeface="Arial" panose="020B0604020202020204"/>
-              <a:cs typeface="Arial" panose="020B0604020202020204"/>
-              <a:sym typeface="Arial" panose="020B0604020202020204"/>
-            </a:endParaRPr>
-          </a:p>
-        </p:txBody>
-      </p:sp>
-      <p:sp>
-        <p:nvSpPr>
-          <p:cNvPr id="50" name="Google Shape;637;p43">
-            <a:extLst>
-              <a:ext uri="{FF2B5EF4-FFF2-40B4-BE49-F238E27FC236}">
-                <a16:creationId xmlns:a16="http://schemas.microsoft.com/office/drawing/2014/main" id="{CD569305-D714-284C-BF33-802FEAE08C68}"/>
-              </a:ext>
-            </a:extLst>
-          </p:cNvPr>
-          <p:cNvSpPr txBox="1"/>
-          <p:nvPr/>
-        </p:nvSpPr>
-        <p:spPr>
-          <a:xfrm>
-            <a:off x="460300" y="2492400"/>
-            <a:ext cx="3095700" cy="507900"/>
-          </a:xfrm>
-          <a:prstGeom prst="rect">
-            <a:avLst/>
-          </a:prstGeom>
-          <a:noFill/>
-          <a:ln>
-            <a:noFill/>
-          </a:ln>
-        </p:spPr>
-        <p:txBody>
-          <a:bodyPr spcFirstLastPara="1" wrap="square" lIns="91425" tIns="45700" rIns="91425" bIns="45700" anchor="t" anchorCtr="0">
-            <a:noAutofit/>
-          </a:bodyPr>
-          <a:lstStyle/>
-          <a:p>
-            <a:pPr marL="0" marR="0" lvl="0" indent="0" algn="l" rtl="0">
-              <a:lnSpc>
-                <a:spcPct val="100000"/>
-              </a:lnSpc>
-              <a:spcBef>
-                <a:spcPts val="0"/>
-              </a:spcBef>
-              <a:spcAft>
-                <a:spcPts val="0"/>
-              </a:spcAft>
-              <a:buNone/>
-            </a:pPr>
-            <a:r>
-              <a:rPr lang="en-US" sz="1350" b="0" i="0" u="none" strike="noStrike" cap="none" dirty="0" err="1">
-                <a:solidFill>
-                  <a:srgbClr val="000000"/>
-                </a:solidFill>
-                <a:latin typeface="Arial" panose="020B0604020202020204"/>
-                <a:ea typeface="Arial" panose="020B0604020202020204"/>
-                <a:cs typeface="Arial" panose="020B0604020202020204"/>
-                <a:sym typeface="Arial" panose="020B0604020202020204"/>
-              </a:rPr>
-              <a:t>client.Call</a:t>
-            </a:r>
-            <a:r>
-              <a:rPr lang="en-US" sz="1350" b="0" i="0" u="none" strike="noStrike" cap="none" dirty="0">
-                <a:solidFill>
-                  <a:srgbClr val="000000"/>
-                </a:solidFill>
-                <a:latin typeface="Arial" panose="020B0604020202020204"/>
-                <a:ea typeface="Arial" panose="020B0604020202020204"/>
-                <a:cs typeface="Arial" panose="020B0604020202020204"/>
-                <a:sym typeface="Arial" panose="020B0604020202020204"/>
-              </a:rPr>
-              <a:t> </a:t>
-            </a:r>
-            <a:r>
-              <a:rPr lang="zh-CN" altLang="en-US" sz="1350" b="0" i="0" u="none" strike="noStrike" cap="none" dirty="0">
-                <a:solidFill>
-                  <a:srgbClr val="000000"/>
-                </a:solidFill>
-                <a:latin typeface="Arial" panose="020B0604020202020204"/>
-                <a:ea typeface="Arial" panose="020B0604020202020204"/>
-                <a:cs typeface="Arial" panose="020B0604020202020204"/>
-                <a:sym typeface="Arial" panose="020B0604020202020204"/>
-              </a:rPr>
-              <a:t>       </a:t>
-            </a:r>
-            <a:r>
-              <a:rPr lang="en-US" sz="1350" b="0" i="0" u="none" strike="noStrike" cap="none" dirty="0">
-                <a:solidFill>
-                  <a:srgbClr val="000000"/>
-                </a:solidFill>
-                <a:latin typeface="Arial" panose="020B0604020202020204"/>
-                <a:ea typeface="Arial" panose="020B0604020202020204"/>
-                <a:cs typeface="Arial" panose="020B0604020202020204"/>
-                <a:sym typeface="Arial" panose="020B0604020202020204"/>
-              </a:rPr>
-              <a:t>=&gt;</a:t>
-            </a:r>
-            <a:r>
-              <a:rPr lang="zh-CN" altLang="en-US" sz="1350" b="0" i="0" u="none" strike="noStrike" cap="none" dirty="0">
-                <a:solidFill>
-                  <a:srgbClr val="000000"/>
-                </a:solidFill>
-                <a:latin typeface="Arial" panose="020B0604020202020204"/>
-                <a:ea typeface="Arial" panose="020B0604020202020204"/>
-                <a:cs typeface="Arial" panose="020B0604020202020204"/>
-                <a:sym typeface="Arial" panose="020B0604020202020204"/>
-              </a:rPr>
-              <a:t>  </a:t>
-            </a:r>
-            <a:r>
-              <a:rPr lang="en-US" sz="1350" b="0" i="0" u="none" strike="noStrike" cap="none" dirty="0">
-                <a:solidFill>
-                  <a:srgbClr val="000000"/>
-                </a:solidFill>
-                <a:latin typeface="Arial" panose="020B0604020202020204"/>
-                <a:ea typeface="Arial" panose="020B0604020202020204"/>
-                <a:cs typeface="Arial" panose="020B0604020202020204"/>
-                <a:sym typeface="Arial" panose="020B0604020202020204"/>
-              </a:rPr>
-              <a:t> </a:t>
-            </a:r>
-            <a:r>
-              <a:rPr lang="en-US" sz="1350" b="0" i="0" u="none" strike="noStrike" cap="none" dirty="0" err="1">
-                <a:solidFill>
-                  <a:srgbClr val="000000"/>
-                </a:solidFill>
-                <a:latin typeface="Arial" panose="020B0604020202020204"/>
-                <a:ea typeface="Arial" panose="020B0604020202020204"/>
-                <a:cs typeface="Arial" panose="020B0604020202020204"/>
-                <a:sym typeface="Arial" panose="020B0604020202020204"/>
-              </a:rPr>
-              <a:t>server.Handler</a:t>
-            </a:r>
-            <a:endParaRPr sz="1350" b="0" i="0" u="none" strike="noStrike" cap="none" dirty="0">
-              <a:solidFill>
-                <a:srgbClr val="000000"/>
-              </a:solidFill>
-              <a:latin typeface="Arial" panose="020B0604020202020204"/>
-              <a:ea typeface="Arial" panose="020B0604020202020204"/>
-              <a:cs typeface="Arial" panose="020B0604020202020204"/>
-              <a:sym typeface="Arial" panose="020B0604020202020204"/>
-            </a:endParaRPr>
-          </a:p>
-          <a:p>
-            <a:pPr marL="0" marR="0" lvl="0" indent="0" algn="l" rtl="0">
-              <a:lnSpc>
-                <a:spcPct val="100000"/>
-              </a:lnSpc>
-              <a:spcBef>
-                <a:spcPts val="0"/>
-              </a:spcBef>
-              <a:spcAft>
-                <a:spcPts val="0"/>
-              </a:spcAft>
-              <a:buNone/>
-            </a:pPr>
-            <a:endParaRPr sz="1350" b="0" i="0" u="none" strike="noStrike" cap="none" dirty="0">
-              <a:solidFill>
-                <a:srgbClr val="000000"/>
-              </a:solidFill>
-              <a:latin typeface="Arial" panose="020B0604020202020204"/>
-              <a:ea typeface="Arial" panose="020B0604020202020204"/>
-              <a:cs typeface="Arial" panose="020B0604020202020204"/>
-              <a:sym typeface="Arial" panose="020B0604020202020204"/>
-            </a:endParaRPr>
-          </a:p>
-        </p:txBody>
-      </p:sp>
-      <p:sp>
-        <p:nvSpPr>
-          <p:cNvPr id="51" name="Google Shape;638;p43">
-            <a:extLst>
-              <a:ext uri="{FF2B5EF4-FFF2-40B4-BE49-F238E27FC236}">
-                <a16:creationId xmlns:a16="http://schemas.microsoft.com/office/drawing/2014/main" id="{EA5AF44C-CE57-4E46-A443-5E9DBD0BA86D}"/>
-              </a:ext>
-            </a:extLst>
-          </p:cNvPr>
-          <p:cNvSpPr txBox="1"/>
-          <p:nvPr/>
-        </p:nvSpPr>
-        <p:spPr>
-          <a:xfrm>
-            <a:off x="432199" y="3021764"/>
-            <a:ext cx="3267000" cy="507900"/>
-          </a:xfrm>
-          <a:prstGeom prst="rect">
-            <a:avLst/>
-          </a:prstGeom>
-          <a:noFill/>
-          <a:ln>
-            <a:noFill/>
-          </a:ln>
-        </p:spPr>
-        <p:txBody>
-          <a:bodyPr spcFirstLastPara="1" wrap="square" lIns="91425" tIns="45700" rIns="91425" bIns="45700" anchor="t" anchorCtr="0">
-            <a:noAutofit/>
-          </a:bodyPr>
-          <a:lstStyle/>
-          <a:p>
-            <a:pPr marL="0" marR="0" lvl="0" indent="0" algn="l" rtl="0">
-              <a:lnSpc>
-                <a:spcPct val="100000"/>
-              </a:lnSpc>
-              <a:spcBef>
-                <a:spcPts val="0"/>
-              </a:spcBef>
-              <a:spcAft>
-                <a:spcPts val="0"/>
-              </a:spcAft>
-              <a:buNone/>
-            </a:pPr>
-            <a:r>
-              <a:rPr lang="en-US" sz="1350" b="0" i="0" u="none" strike="noStrike" cap="none" dirty="0" err="1">
-                <a:solidFill>
-                  <a:srgbClr val="000000"/>
-                </a:solidFill>
-                <a:latin typeface="Arial" panose="020B0604020202020204"/>
-                <a:ea typeface="Arial" panose="020B0604020202020204"/>
-                <a:cs typeface="Arial" panose="020B0604020202020204"/>
-                <a:sym typeface="Arial" panose="020B0604020202020204"/>
-              </a:rPr>
-              <a:t>transport.client</a:t>
-            </a:r>
-            <a:r>
-              <a:rPr lang="en-US" sz="1350" b="0" i="0" u="none" strike="noStrike" cap="none" dirty="0">
-                <a:solidFill>
-                  <a:srgbClr val="000000"/>
-                </a:solidFill>
-                <a:latin typeface="Arial" panose="020B0604020202020204"/>
-                <a:ea typeface="Arial" panose="020B0604020202020204"/>
-                <a:cs typeface="Arial" panose="020B0604020202020204"/>
-                <a:sym typeface="Arial" panose="020B0604020202020204"/>
-              </a:rPr>
-              <a:t> =&gt; </a:t>
-            </a:r>
-            <a:r>
-              <a:rPr lang="zh-CN" altLang="en-US" sz="1350" b="0" i="0" u="none" strike="noStrike" cap="none" dirty="0">
-                <a:solidFill>
-                  <a:srgbClr val="000000"/>
-                </a:solidFill>
-                <a:latin typeface="Arial" panose="020B0604020202020204"/>
-                <a:ea typeface="Arial" panose="020B0604020202020204"/>
-                <a:cs typeface="Arial" panose="020B0604020202020204"/>
-                <a:sym typeface="Arial" panose="020B0604020202020204"/>
-              </a:rPr>
-              <a:t>  </a:t>
-            </a:r>
-            <a:r>
-              <a:rPr lang="en-US" sz="1350" b="0" i="0" u="none" strike="noStrike" cap="none" dirty="0" err="1">
-                <a:solidFill>
-                  <a:srgbClr val="000000"/>
-                </a:solidFill>
-                <a:latin typeface="Arial" panose="020B0604020202020204"/>
-                <a:ea typeface="Arial" panose="020B0604020202020204"/>
-                <a:cs typeface="Arial" panose="020B0604020202020204"/>
-                <a:sym typeface="Arial" panose="020B0604020202020204"/>
-              </a:rPr>
-              <a:t>transport.</a:t>
-            </a:r>
-            <a:r>
-              <a:rPr lang="en-US" altLang="zh-CN" sz="1350" b="0" i="0" u="none" strike="noStrike" cap="none" dirty="0" err="1">
-                <a:solidFill>
-                  <a:srgbClr val="000000"/>
-                </a:solidFill>
-                <a:latin typeface="Arial" panose="020B0604020202020204"/>
-                <a:ea typeface="Arial" panose="020B0604020202020204"/>
-                <a:cs typeface="Arial" panose="020B0604020202020204"/>
-                <a:sym typeface="Arial" panose="020B0604020202020204"/>
-              </a:rPr>
-              <a:t>tr</a:t>
-            </a:r>
-            <a:r>
-              <a:rPr lang="en-US" altLang="zh-CN" sz="1350" dirty="0" err="1">
-                <a:solidFill>
-                  <a:srgbClr val="000000"/>
-                </a:solidFill>
-                <a:latin typeface="Arial" panose="020B0604020202020204"/>
-                <a:ea typeface="Arial" panose="020B0604020202020204"/>
-                <a:cs typeface="Arial" panose="020B0604020202020204"/>
-                <a:sym typeface="Arial" panose="020B0604020202020204"/>
-              </a:rPr>
-              <a:t>L</a:t>
-            </a:r>
-            <a:r>
-              <a:rPr lang="en-US" sz="1350" b="0" i="0" u="none" strike="noStrike" cap="none" dirty="0" err="1">
-                <a:solidFill>
-                  <a:srgbClr val="000000"/>
-                </a:solidFill>
-                <a:latin typeface="Arial" panose="020B0604020202020204"/>
-                <a:ea typeface="Arial" panose="020B0604020202020204"/>
-                <a:cs typeface="Arial" panose="020B0604020202020204"/>
-                <a:sym typeface="Arial" panose="020B0604020202020204"/>
-              </a:rPr>
-              <a:t>istener</a:t>
-            </a:r>
-            <a:endParaRPr sz="1350" b="0" i="0" u="none" strike="noStrike" cap="none" dirty="0">
-              <a:solidFill>
-                <a:srgbClr val="000000"/>
-              </a:solidFill>
-              <a:latin typeface="Arial" panose="020B0604020202020204"/>
-              <a:ea typeface="Arial" panose="020B0604020202020204"/>
-              <a:cs typeface="Arial" panose="020B0604020202020204"/>
-              <a:sym typeface="Arial" panose="020B0604020202020204"/>
-            </a:endParaRPr>
-          </a:p>
-          <a:p>
-            <a:pPr marL="0" marR="0" lvl="0" indent="0" algn="l" rtl="0">
-              <a:lnSpc>
-                <a:spcPct val="100000"/>
-              </a:lnSpc>
-              <a:spcBef>
-                <a:spcPts val="0"/>
-              </a:spcBef>
-              <a:spcAft>
-                <a:spcPts val="0"/>
-              </a:spcAft>
-              <a:buNone/>
-            </a:pPr>
-            <a:endParaRPr sz="1350" b="0" i="0" u="none" strike="noStrike" cap="none" dirty="0">
-              <a:solidFill>
-                <a:srgbClr val="000000"/>
-              </a:solidFill>
-              <a:latin typeface="Arial" panose="020B0604020202020204"/>
-              <a:ea typeface="Arial" panose="020B0604020202020204"/>
-              <a:cs typeface="Arial" panose="020B0604020202020204"/>
-              <a:sym typeface="Arial" panose="020B0604020202020204"/>
-            </a:endParaRPr>
-          </a:p>
-        </p:txBody>
-      </p:sp>
-      <p:sp>
-        <p:nvSpPr>
-          <p:cNvPr id="52" name="Google Shape;639;p43">
-            <a:extLst>
-              <a:ext uri="{FF2B5EF4-FFF2-40B4-BE49-F238E27FC236}">
-                <a16:creationId xmlns:a16="http://schemas.microsoft.com/office/drawing/2014/main" id="{46621FD7-DF2E-2442-86F9-DD03C49A804B}"/>
-              </a:ext>
-            </a:extLst>
-          </p:cNvPr>
-          <p:cNvSpPr/>
-          <p:nvPr/>
-        </p:nvSpPr>
-        <p:spPr>
-          <a:xfrm>
-            <a:off x="442399" y="3679192"/>
-            <a:ext cx="3246600" cy="300000"/>
-          </a:xfrm>
-          <a:prstGeom prst="rect">
-            <a:avLst/>
-          </a:prstGeom>
-          <a:noFill/>
-          <a:ln>
-            <a:noFill/>
-          </a:ln>
-        </p:spPr>
-        <p:txBody>
-          <a:bodyPr spcFirstLastPara="1" wrap="square" lIns="91425" tIns="45700" rIns="91425" bIns="45700" anchor="t" anchorCtr="0">
-            <a:noAutofit/>
-          </a:bodyPr>
-          <a:lstStyle/>
-          <a:p>
-            <a:pPr marL="0" marR="0" lvl="0" indent="0" algn="l" rtl="0">
-              <a:lnSpc>
-                <a:spcPct val="100000"/>
-              </a:lnSpc>
-              <a:spcBef>
-                <a:spcPts val="0"/>
-              </a:spcBef>
-              <a:spcAft>
-                <a:spcPts val="0"/>
-              </a:spcAft>
-              <a:buNone/>
-            </a:pPr>
-            <a:r>
-              <a:rPr lang="en-US" sz="1350" b="0" i="0" u="none" strike="noStrike" cap="none" dirty="0" err="1">
-                <a:solidFill>
-                  <a:srgbClr val="000000"/>
-                </a:solidFill>
-                <a:latin typeface="Arial" panose="020B0604020202020204"/>
-                <a:ea typeface="Arial" panose="020B0604020202020204"/>
-                <a:cs typeface="Arial" panose="020B0604020202020204"/>
-                <a:sym typeface="Arial" panose="020B0604020202020204"/>
-              </a:rPr>
-              <a:t>transport.Dial</a:t>
-            </a:r>
-            <a:r>
-              <a:rPr lang="en-US" sz="1350" b="0" i="0" u="none" strike="noStrike" cap="none" dirty="0">
-                <a:solidFill>
-                  <a:srgbClr val="000000"/>
-                </a:solidFill>
-                <a:latin typeface="Arial" panose="020B0604020202020204"/>
-                <a:ea typeface="Arial" panose="020B0604020202020204"/>
-                <a:cs typeface="Arial" panose="020B0604020202020204"/>
-                <a:sym typeface="Arial" panose="020B0604020202020204"/>
-              </a:rPr>
-              <a:t> </a:t>
-            </a:r>
-            <a:r>
-              <a:rPr lang="zh-CN" altLang="en-US" sz="1350" b="0" i="0" u="none" strike="noStrike" cap="none" dirty="0">
-                <a:solidFill>
-                  <a:srgbClr val="000000"/>
-                </a:solidFill>
-                <a:latin typeface="Arial" panose="020B0604020202020204"/>
-                <a:ea typeface="Arial" panose="020B0604020202020204"/>
-                <a:cs typeface="Arial" panose="020B0604020202020204"/>
-                <a:sym typeface="Arial" panose="020B0604020202020204"/>
-              </a:rPr>
-              <a:t>  </a:t>
-            </a:r>
-            <a:r>
-              <a:rPr lang="en-US" sz="1350" b="0" i="0" u="none" strike="noStrike" cap="none" dirty="0">
-                <a:solidFill>
-                  <a:srgbClr val="000000"/>
-                </a:solidFill>
-                <a:latin typeface="Arial" panose="020B0604020202020204"/>
-                <a:ea typeface="Arial" panose="020B0604020202020204"/>
-                <a:cs typeface="Arial" panose="020B0604020202020204"/>
-                <a:sym typeface="Arial" panose="020B0604020202020204"/>
-              </a:rPr>
-              <a:t>=&gt; </a:t>
-            </a:r>
-            <a:r>
-              <a:rPr lang="zh-CN" altLang="en-US" sz="1350" b="0" i="0" u="none" strike="noStrike" cap="none" dirty="0">
-                <a:solidFill>
-                  <a:srgbClr val="000000"/>
-                </a:solidFill>
-                <a:latin typeface="Arial" panose="020B0604020202020204"/>
-                <a:ea typeface="Arial" panose="020B0604020202020204"/>
-                <a:cs typeface="Arial" panose="020B0604020202020204"/>
-                <a:sym typeface="Arial" panose="020B0604020202020204"/>
-              </a:rPr>
-              <a:t>  </a:t>
-            </a:r>
-            <a:r>
-              <a:rPr lang="en-US" sz="1350" b="0" i="0" u="none" strike="noStrike" cap="none" dirty="0" err="1">
-                <a:solidFill>
-                  <a:srgbClr val="000000"/>
-                </a:solidFill>
-                <a:latin typeface="Arial" panose="020B0604020202020204"/>
-                <a:ea typeface="Arial" panose="020B0604020202020204"/>
-                <a:cs typeface="Arial" panose="020B0604020202020204"/>
-                <a:sym typeface="Arial" panose="020B0604020202020204"/>
-              </a:rPr>
-              <a:t>transport.Accept</a:t>
-            </a:r>
-            <a:endParaRPr sz="1350" b="0" i="0" u="none" strike="noStrike" cap="none" dirty="0">
-              <a:solidFill>
-                <a:srgbClr val="000000"/>
-              </a:solidFill>
-              <a:latin typeface="Arial" panose="020B0604020202020204"/>
-              <a:ea typeface="Arial" panose="020B0604020202020204"/>
-              <a:cs typeface="Arial" panose="020B0604020202020204"/>
-              <a:sym typeface="Arial" panose="020B0604020202020204"/>
-            </a:endParaRPr>
-          </a:p>
-        </p:txBody>
-      </p:sp>
-      <p:sp>
-        <p:nvSpPr>
-          <p:cNvPr id="53" name="Google Shape;640;p43">
-            <a:extLst>
-              <a:ext uri="{FF2B5EF4-FFF2-40B4-BE49-F238E27FC236}">
-                <a16:creationId xmlns:a16="http://schemas.microsoft.com/office/drawing/2014/main" id="{8D9104F8-A67E-1A4D-AB3B-FEA930376279}"/>
-              </a:ext>
-            </a:extLst>
-          </p:cNvPr>
-          <p:cNvSpPr/>
-          <p:nvPr/>
-        </p:nvSpPr>
-        <p:spPr>
-          <a:xfrm>
-            <a:off x="996187" y="2213294"/>
-            <a:ext cx="144670" cy="279106"/>
-          </a:xfrm>
-          <a:prstGeom prst="downArrow">
-            <a:avLst>
-              <a:gd name="adj1" fmla="val 50000"/>
-              <a:gd name="adj2" fmla="val 50000"/>
-            </a:avLst>
-          </a:prstGeom>
-          <a:solidFill>
-            <a:schemeClr val="accent1"/>
-          </a:solidFill>
-          <a:ln w="25400" cap="flat" cmpd="sng">
-            <a:solidFill>
-              <a:srgbClr val="AE4E00"/>
-            </a:solidFill>
-            <a:prstDash val="solid"/>
-            <a:round/>
-            <a:headEnd type="none" w="sm" len="sm"/>
-            <a:tailEnd type="none" w="sm" len="sm"/>
-          </a:ln>
-        </p:spPr>
-        <p:txBody>
-          <a:bodyPr spcFirstLastPara="1" wrap="square" lIns="68575" tIns="34275" rIns="68575" bIns="34275" anchor="ctr" anchorCtr="0">
-            <a:noAutofit/>
-          </a:bodyPr>
-          <a:lstStyle/>
-          <a:p>
-            <a:pPr marL="0" marR="0" lvl="0" indent="0" algn="ctr" rtl="0">
-              <a:lnSpc>
-                <a:spcPct val="100000"/>
-              </a:lnSpc>
-              <a:spcBef>
-                <a:spcPts val="0"/>
-              </a:spcBef>
-              <a:spcAft>
-                <a:spcPts val="0"/>
-              </a:spcAft>
-              <a:buNone/>
-            </a:pPr>
-            <a:endParaRPr sz="1350" b="0" i="0" u="none" strike="noStrike" cap="none">
-              <a:solidFill>
-                <a:schemeClr val="lt1"/>
-              </a:solidFill>
-              <a:latin typeface="Arial" panose="020B0604020202020204"/>
-              <a:ea typeface="Arial" panose="020B0604020202020204"/>
-              <a:cs typeface="Arial" panose="020B0604020202020204"/>
-              <a:sym typeface="Arial" panose="020B0604020202020204"/>
-            </a:endParaRPr>
-          </a:p>
-        </p:txBody>
-      </p:sp>
-      <p:sp>
-        <p:nvSpPr>
-          <p:cNvPr id="54" name="Google Shape;641;p43">
-            <a:extLst>
-              <a:ext uri="{FF2B5EF4-FFF2-40B4-BE49-F238E27FC236}">
-                <a16:creationId xmlns:a16="http://schemas.microsoft.com/office/drawing/2014/main" id="{8784F8CB-F1EB-C648-97A7-D7DE30FCEC5C}"/>
-              </a:ext>
-            </a:extLst>
-          </p:cNvPr>
-          <p:cNvSpPr/>
-          <p:nvPr/>
-        </p:nvSpPr>
-        <p:spPr>
-          <a:xfrm>
-            <a:off x="996187" y="2790971"/>
-            <a:ext cx="144670" cy="279106"/>
-          </a:xfrm>
-          <a:prstGeom prst="downArrow">
-            <a:avLst>
-              <a:gd name="adj1" fmla="val 50000"/>
-              <a:gd name="adj2" fmla="val 50000"/>
-            </a:avLst>
-          </a:prstGeom>
-          <a:solidFill>
-            <a:schemeClr val="accent1"/>
-          </a:solidFill>
-          <a:ln w="25400" cap="flat" cmpd="sng">
-            <a:solidFill>
-              <a:srgbClr val="AE4E00"/>
-            </a:solidFill>
-            <a:prstDash val="solid"/>
-            <a:round/>
-            <a:headEnd type="none" w="sm" len="sm"/>
-            <a:tailEnd type="none" w="sm" len="sm"/>
-          </a:ln>
-        </p:spPr>
-        <p:txBody>
-          <a:bodyPr spcFirstLastPara="1" wrap="square" lIns="68575" tIns="34275" rIns="68575" bIns="34275" anchor="ctr" anchorCtr="0">
-            <a:noAutofit/>
-          </a:bodyPr>
-          <a:lstStyle/>
-          <a:p>
-            <a:pPr marL="0" marR="0" lvl="0" indent="0" algn="ctr" rtl="0">
-              <a:lnSpc>
-                <a:spcPct val="100000"/>
-              </a:lnSpc>
-              <a:spcBef>
-                <a:spcPts val="0"/>
-              </a:spcBef>
-              <a:spcAft>
-                <a:spcPts val="0"/>
-              </a:spcAft>
-              <a:buNone/>
-            </a:pPr>
-            <a:endParaRPr sz="1350" b="0" i="0" u="none" strike="noStrike" cap="none">
-              <a:solidFill>
-                <a:schemeClr val="lt1"/>
-              </a:solidFill>
-              <a:latin typeface="Arial" panose="020B0604020202020204"/>
-              <a:ea typeface="Arial" panose="020B0604020202020204"/>
-              <a:cs typeface="Arial" panose="020B0604020202020204"/>
-              <a:sym typeface="Arial" panose="020B0604020202020204"/>
-            </a:endParaRPr>
-          </a:p>
-        </p:txBody>
-      </p:sp>
-      <p:sp>
-        <p:nvSpPr>
-          <p:cNvPr id="62" name="Google Shape;642;p43">
-            <a:extLst>
-              <a:ext uri="{FF2B5EF4-FFF2-40B4-BE49-F238E27FC236}">
-                <a16:creationId xmlns:a16="http://schemas.microsoft.com/office/drawing/2014/main" id="{29163F72-80C6-6F44-852D-B7EDC494B32C}"/>
-              </a:ext>
-            </a:extLst>
-          </p:cNvPr>
-          <p:cNvSpPr/>
-          <p:nvPr/>
-        </p:nvSpPr>
-        <p:spPr>
-          <a:xfrm>
-            <a:off x="996187" y="3390111"/>
-            <a:ext cx="144670" cy="279106"/>
-          </a:xfrm>
-          <a:prstGeom prst="downArrow">
-            <a:avLst>
-              <a:gd name="adj1" fmla="val 50000"/>
-              <a:gd name="adj2" fmla="val 50000"/>
-            </a:avLst>
-          </a:prstGeom>
-          <a:solidFill>
-            <a:schemeClr val="accent1"/>
-          </a:solidFill>
-          <a:ln w="25400" cap="flat" cmpd="sng">
-            <a:solidFill>
-              <a:srgbClr val="AE4E00"/>
-            </a:solidFill>
-            <a:prstDash val="solid"/>
-            <a:round/>
-            <a:headEnd type="none" w="sm" len="sm"/>
-            <a:tailEnd type="none" w="sm" len="sm"/>
-          </a:ln>
-        </p:spPr>
-        <p:txBody>
-          <a:bodyPr spcFirstLastPara="1" wrap="square" lIns="68575" tIns="34275" rIns="68575" bIns="34275" anchor="ctr" anchorCtr="0">
-            <a:noAutofit/>
-          </a:bodyPr>
-          <a:lstStyle/>
-          <a:p>
-            <a:pPr marL="0" marR="0" lvl="0" indent="0" algn="ctr" rtl="0">
-              <a:lnSpc>
-                <a:spcPct val="100000"/>
-              </a:lnSpc>
-              <a:spcBef>
-                <a:spcPts val="0"/>
-              </a:spcBef>
-              <a:spcAft>
-                <a:spcPts val="0"/>
-              </a:spcAft>
-              <a:buNone/>
-            </a:pPr>
-            <a:endParaRPr sz="1350" b="0" i="0" u="none" strike="noStrike" cap="none">
-              <a:solidFill>
-                <a:schemeClr val="lt1"/>
-              </a:solidFill>
-              <a:latin typeface="Arial" panose="020B0604020202020204"/>
-              <a:ea typeface="Arial" panose="020B0604020202020204"/>
-              <a:cs typeface="Arial" panose="020B0604020202020204"/>
-              <a:sym typeface="Arial" panose="020B0604020202020204"/>
-            </a:endParaRPr>
-          </a:p>
-        </p:txBody>
-      </p:sp>
-      <p:sp>
-        <p:nvSpPr>
-          <p:cNvPr id="63" name="Google Shape;639;p43">
-            <a:extLst>
-              <a:ext uri="{FF2B5EF4-FFF2-40B4-BE49-F238E27FC236}">
-                <a16:creationId xmlns:a16="http://schemas.microsoft.com/office/drawing/2014/main" id="{63F84E25-B2AF-B14E-BA16-B11D4E91F55C}"/>
-              </a:ext>
-            </a:extLst>
-          </p:cNvPr>
-          <p:cNvSpPr/>
-          <p:nvPr/>
-        </p:nvSpPr>
-        <p:spPr>
-          <a:xfrm>
-            <a:off x="432199" y="4348831"/>
-            <a:ext cx="3246600" cy="300000"/>
-          </a:xfrm>
-          <a:prstGeom prst="rect">
-            <a:avLst/>
-          </a:prstGeom>
-          <a:noFill/>
-          <a:ln>
-            <a:noFill/>
-          </a:ln>
-        </p:spPr>
-        <p:txBody>
-          <a:bodyPr spcFirstLastPara="1" wrap="square" lIns="91425" tIns="45700" rIns="91425" bIns="45700" anchor="t" anchorCtr="0">
-            <a:noAutofit/>
-          </a:bodyPr>
-          <a:lstStyle/>
-          <a:p>
-            <a:pPr marL="0" marR="0" lvl="0" indent="0" algn="l" rtl="0">
-              <a:lnSpc>
-                <a:spcPct val="100000"/>
-              </a:lnSpc>
-              <a:spcBef>
-                <a:spcPts val="0"/>
-              </a:spcBef>
-              <a:spcAft>
-                <a:spcPts val="0"/>
-              </a:spcAft>
-              <a:buNone/>
-            </a:pPr>
-            <a:r>
-              <a:rPr lang="en-US" sz="1350" b="0" i="0" u="none" strike="noStrike" cap="none" dirty="0" err="1">
-                <a:solidFill>
-                  <a:srgbClr val="000000"/>
-                </a:solidFill>
-                <a:latin typeface="Arial" panose="020B0604020202020204"/>
-                <a:ea typeface="Arial" panose="020B0604020202020204"/>
-                <a:cs typeface="Arial" panose="020B0604020202020204"/>
-                <a:sym typeface="Arial" panose="020B0604020202020204"/>
-              </a:rPr>
-              <a:t>transport.</a:t>
-            </a:r>
-            <a:r>
-              <a:rPr lang="en-US" altLang="zh-CN" sz="1350" b="0" i="0" u="none" strike="noStrike" cap="none" dirty="0" err="1">
-                <a:solidFill>
-                  <a:srgbClr val="000000"/>
-                </a:solidFill>
-                <a:latin typeface="Arial" panose="020B0604020202020204"/>
-                <a:ea typeface="Arial" panose="020B0604020202020204"/>
-                <a:cs typeface="Arial" panose="020B0604020202020204"/>
-                <a:sym typeface="Arial" panose="020B0604020202020204"/>
-              </a:rPr>
-              <a:t>Send</a:t>
-            </a:r>
-            <a:r>
-              <a:rPr lang="en-US" sz="1350" b="0" i="0" u="none" strike="noStrike" cap="none" dirty="0">
-                <a:solidFill>
-                  <a:srgbClr val="000000"/>
-                </a:solidFill>
-                <a:latin typeface="Arial" panose="020B0604020202020204"/>
-                <a:ea typeface="Arial" panose="020B0604020202020204"/>
-                <a:cs typeface="Arial" panose="020B0604020202020204"/>
-                <a:sym typeface="Arial" panose="020B0604020202020204"/>
-              </a:rPr>
-              <a:t> =&gt; </a:t>
-            </a:r>
-            <a:r>
-              <a:rPr lang="zh-CN" altLang="en-US" sz="1350" b="0" i="0" u="none" strike="noStrike" cap="none" dirty="0">
-                <a:solidFill>
-                  <a:srgbClr val="000000"/>
-                </a:solidFill>
-                <a:latin typeface="Arial" panose="020B0604020202020204"/>
-                <a:ea typeface="Arial" panose="020B0604020202020204"/>
-                <a:cs typeface="Arial" panose="020B0604020202020204"/>
-                <a:sym typeface="Arial" panose="020B0604020202020204"/>
-              </a:rPr>
-              <a:t>  </a:t>
-            </a:r>
-            <a:r>
-              <a:rPr lang="en-US" sz="1350" b="0" i="0" u="none" strike="noStrike" cap="none" dirty="0" err="1">
-                <a:solidFill>
-                  <a:srgbClr val="000000"/>
-                </a:solidFill>
-                <a:latin typeface="Arial" panose="020B0604020202020204"/>
-                <a:ea typeface="Arial" panose="020B0604020202020204"/>
-                <a:cs typeface="Arial" panose="020B0604020202020204"/>
-                <a:sym typeface="Arial" panose="020B0604020202020204"/>
-              </a:rPr>
-              <a:t>transport.</a:t>
-            </a:r>
-            <a:r>
-              <a:rPr lang="en-US" altLang="zh-CN" sz="1350" b="0" i="0" u="none" strike="noStrike" cap="none" dirty="0" err="1">
-                <a:solidFill>
-                  <a:srgbClr val="000000"/>
-                </a:solidFill>
-                <a:latin typeface="Arial" panose="020B0604020202020204"/>
-                <a:ea typeface="Arial" panose="020B0604020202020204"/>
-                <a:cs typeface="Arial" panose="020B0604020202020204"/>
-                <a:sym typeface="Arial" panose="020B0604020202020204"/>
-              </a:rPr>
-              <a:t>Recv</a:t>
-            </a:r>
-            <a:endParaRPr sz="1350" b="0" i="0" u="none" strike="noStrike" cap="none" dirty="0">
-              <a:solidFill>
-                <a:srgbClr val="000000"/>
-              </a:solidFill>
-              <a:latin typeface="Arial" panose="020B0604020202020204"/>
-              <a:ea typeface="Arial" panose="020B0604020202020204"/>
-              <a:cs typeface="Arial" panose="020B0604020202020204"/>
-              <a:sym typeface="Arial" panose="020B0604020202020204"/>
-            </a:endParaRPr>
-          </a:p>
-        </p:txBody>
-      </p:sp>
-      <p:sp>
-        <p:nvSpPr>
-          <p:cNvPr id="64" name="Google Shape;642;p43">
-            <a:extLst>
-              <a:ext uri="{FF2B5EF4-FFF2-40B4-BE49-F238E27FC236}">
-                <a16:creationId xmlns:a16="http://schemas.microsoft.com/office/drawing/2014/main" id="{B234C1DF-B723-9C4A-BD62-6C489AA28BF6}"/>
-              </a:ext>
-            </a:extLst>
-          </p:cNvPr>
-          <p:cNvSpPr/>
-          <p:nvPr/>
-        </p:nvSpPr>
-        <p:spPr>
-          <a:xfrm>
-            <a:off x="985987" y="4059750"/>
-            <a:ext cx="144670" cy="279106"/>
-          </a:xfrm>
-          <a:prstGeom prst="downArrow">
-            <a:avLst>
-              <a:gd name="adj1" fmla="val 50000"/>
-              <a:gd name="adj2" fmla="val 50000"/>
-            </a:avLst>
-          </a:prstGeom>
-          <a:solidFill>
-            <a:schemeClr val="accent1"/>
-          </a:solidFill>
-          <a:ln w="25400" cap="flat" cmpd="sng">
-            <a:solidFill>
-              <a:srgbClr val="AE4E00"/>
-            </a:solidFill>
-            <a:prstDash val="solid"/>
-            <a:round/>
-            <a:headEnd type="none" w="sm" len="sm"/>
-            <a:tailEnd type="none" w="sm" len="sm"/>
-          </a:ln>
-        </p:spPr>
-        <p:txBody>
-          <a:bodyPr spcFirstLastPara="1" wrap="square" lIns="68575" tIns="34275" rIns="68575" bIns="34275" anchor="ctr" anchorCtr="0">
-            <a:noAutofit/>
-          </a:bodyPr>
-          <a:lstStyle/>
-          <a:p>
-            <a:pPr marL="0" marR="0" lvl="0" indent="0" algn="ctr" rtl="0">
-              <a:lnSpc>
-                <a:spcPct val="100000"/>
-              </a:lnSpc>
-              <a:spcBef>
-                <a:spcPts val="0"/>
-              </a:spcBef>
-              <a:spcAft>
-                <a:spcPts val="0"/>
-              </a:spcAft>
-              <a:buNone/>
-            </a:pPr>
-            <a:endParaRPr sz="1350" b="0" i="0" u="none" strike="noStrike" cap="none">
-              <a:solidFill>
-                <a:schemeClr val="lt1"/>
-              </a:solidFill>
-              <a:latin typeface="Arial" panose="020B0604020202020204"/>
-              <a:ea typeface="Arial" panose="020B0604020202020204"/>
-              <a:cs typeface="Arial" panose="020B0604020202020204"/>
-              <a:sym typeface="Arial" panose="020B0604020202020204"/>
-            </a:endParaRPr>
-          </a:p>
-        </p:txBody>
-      </p:sp>
-      <p:sp>
-        <p:nvSpPr>
-          <p:cNvPr id="65" name="Google Shape;639;p43">
-            <a:extLst>
-              <a:ext uri="{FF2B5EF4-FFF2-40B4-BE49-F238E27FC236}">
-                <a16:creationId xmlns:a16="http://schemas.microsoft.com/office/drawing/2014/main" id="{0C21EB4A-2665-AD43-89B4-CEFB6764A070}"/>
-              </a:ext>
-            </a:extLst>
-          </p:cNvPr>
-          <p:cNvSpPr/>
-          <p:nvPr/>
-        </p:nvSpPr>
-        <p:spPr>
-          <a:xfrm>
-            <a:off x="432199" y="5104126"/>
-            <a:ext cx="3246600" cy="300000"/>
-          </a:xfrm>
-          <a:prstGeom prst="rect">
-            <a:avLst/>
-          </a:prstGeom>
-          <a:noFill/>
-          <a:ln>
-            <a:noFill/>
-          </a:ln>
-        </p:spPr>
-        <p:txBody>
-          <a:bodyPr spcFirstLastPara="1" wrap="square" lIns="91425" tIns="45700" rIns="91425" bIns="45700" anchor="t" anchorCtr="0">
-            <a:noAutofit/>
-          </a:bodyPr>
-          <a:lstStyle/>
-          <a:p>
-            <a:pPr marL="0" marR="0" lvl="0" indent="0" algn="l" rtl="0">
-              <a:lnSpc>
-                <a:spcPct val="100000"/>
-              </a:lnSpc>
-              <a:spcBef>
-                <a:spcPts val="0"/>
-              </a:spcBef>
-              <a:spcAft>
-                <a:spcPts val="0"/>
-              </a:spcAft>
-              <a:buNone/>
-            </a:pPr>
-            <a:r>
-              <a:rPr lang="en-US" sz="1350" b="0" i="0" u="none" strike="noStrike" cap="none" dirty="0" err="1">
-                <a:solidFill>
-                  <a:srgbClr val="000000"/>
-                </a:solidFill>
-                <a:latin typeface="Arial" panose="020B0604020202020204"/>
-                <a:ea typeface="Arial" panose="020B0604020202020204"/>
-                <a:cs typeface="Arial" panose="020B0604020202020204"/>
-                <a:sym typeface="Arial" panose="020B0604020202020204"/>
-              </a:rPr>
-              <a:t>transport.</a:t>
-            </a:r>
-            <a:r>
-              <a:rPr lang="en-US" altLang="zh-CN" sz="1350" b="0" i="0" u="none" strike="noStrike" cap="none" dirty="0" err="1">
-                <a:solidFill>
-                  <a:srgbClr val="000000"/>
-                </a:solidFill>
-                <a:latin typeface="Arial" panose="020B0604020202020204"/>
-                <a:ea typeface="Arial" panose="020B0604020202020204"/>
-                <a:cs typeface="Arial" panose="020B0604020202020204"/>
-                <a:sym typeface="Arial" panose="020B0604020202020204"/>
-              </a:rPr>
-              <a:t>Recv</a:t>
-            </a:r>
-            <a:r>
-              <a:rPr lang="en-US" sz="1350" b="0" i="0" u="none" strike="noStrike" cap="none" dirty="0">
-                <a:solidFill>
-                  <a:srgbClr val="000000"/>
-                </a:solidFill>
-                <a:latin typeface="Arial" panose="020B0604020202020204"/>
-                <a:ea typeface="Arial" panose="020B0604020202020204"/>
-                <a:cs typeface="Arial" panose="020B0604020202020204"/>
-                <a:sym typeface="Arial" panose="020B0604020202020204"/>
-              </a:rPr>
-              <a:t> </a:t>
-            </a:r>
-            <a:r>
-              <a:rPr lang="zh-CN" altLang="en-US" sz="1350" b="0" i="0" u="none" strike="noStrike" cap="none" dirty="0">
-                <a:solidFill>
-                  <a:srgbClr val="000000"/>
-                </a:solidFill>
-                <a:latin typeface="Arial" panose="020B0604020202020204"/>
-                <a:ea typeface="Arial" panose="020B0604020202020204"/>
-                <a:cs typeface="Arial" panose="020B0604020202020204"/>
-                <a:sym typeface="Arial" panose="020B0604020202020204"/>
-              </a:rPr>
-              <a:t> </a:t>
-            </a:r>
-            <a:r>
-              <a:rPr lang="en-US" altLang="zh-CN" sz="1350" b="0" i="0" u="none" strike="noStrike" cap="none" dirty="0">
-                <a:solidFill>
-                  <a:srgbClr val="000000"/>
-                </a:solidFill>
-                <a:latin typeface="Arial" panose="020B0604020202020204"/>
-                <a:ea typeface="Arial" panose="020B0604020202020204"/>
-                <a:cs typeface="Arial" panose="020B0604020202020204"/>
-                <a:sym typeface="Arial" panose="020B0604020202020204"/>
-              </a:rPr>
-              <a:t>&lt;</a:t>
-            </a:r>
-            <a:r>
-              <a:rPr lang="en-US" sz="1350" b="0" i="0" u="none" strike="noStrike" cap="none" dirty="0">
-                <a:solidFill>
-                  <a:srgbClr val="000000"/>
-                </a:solidFill>
-                <a:latin typeface="Arial" panose="020B0604020202020204"/>
-                <a:ea typeface="Arial" panose="020B0604020202020204"/>
-                <a:cs typeface="Arial" panose="020B0604020202020204"/>
-                <a:sym typeface="Arial" panose="020B0604020202020204"/>
-              </a:rPr>
-              <a:t>=</a:t>
-            </a:r>
-            <a:r>
-              <a:rPr lang="zh-CN" altLang="en-US" sz="1350" b="0" i="0" u="none" strike="noStrike" cap="none" dirty="0">
-                <a:solidFill>
-                  <a:srgbClr val="000000"/>
-                </a:solidFill>
-                <a:latin typeface="Arial" panose="020B0604020202020204"/>
-                <a:ea typeface="Arial" panose="020B0604020202020204"/>
-                <a:cs typeface="Arial" panose="020B0604020202020204"/>
-                <a:sym typeface="Arial" panose="020B0604020202020204"/>
-              </a:rPr>
-              <a:t>  </a:t>
-            </a:r>
-            <a:r>
-              <a:rPr lang="en-US" sz="1350" b="0" i="0" u="none" strike="noStrike" cap="none" dirty="0" err="1">
-                <a:solidFill>
-                  <a:srgbClr val="000000"/>
-                </a:solidFill>
-                <a:latin typeface="Arial" panose="020B0604020202020204"/>
-                <a:ea typeface="Arial" panose="020B0604020202020204"/>
-                <a:cs typeface="Arial" panose="020B0604020202020204"/>
-                <a:sym typeface="Arial" panose="020B0604020202020204"/>
-              </a:rPr>
-              <a:t>transport.</a:t>
-            </a:r>
-            <a:r>
-              <a:rPr lang="en-US" altLang="zh-CN" sz="1350" b="0" i="0" u="none" strike="noStrike" cap="none" dirty="0" err="1">
-                <a:solidFill>
-                  <a:srgbClr val="000000"/>
-                </a:solidFill>
-                <a:latin typeface="Arial" panose="020B0604020202020204"/>
-                <a:ea typeface="Arial" panose="020B0604020202020204"/>
-                <a:cs typeface="Arial" panose="020B0604020202020204"/>
-                <a:sym typeface="Arial" panose="020B0604020202020204"/>
-              </a:rPr>
-              <a:t>Send</a:t>
-            </a:r>
-            <a:endParaRPr sz="1350" b="0" i="0" u="none" strike="noStrike" cap="none" dirty="0">
-              <a:solidFill>
-                <a:srgbClr val="000000"/>
-              </a:solidFill>
-              <a:latin typeface="Arial" panose="020B0604020202020204"/>
-              <a:ea typeface="Arial" panose="020B0604020202020204"/>
-              <a:cs typeface="Arial" panose="020B0604020202020204"/>
-              <a:sym typeface="Arial" panose="020B0604020202020204"/>
-            </a:endParaRPr>
-          </a:p>
-        </p:txBody>
-      </p:sp>
-      <p:sp>
-        <p:nvSpPr>
-          <p:cNvPr id="66" name="Google Shape;642;p43">
-            <a:extLst>
-              <a:ext uri="{FF2B5EF4-FFF2-40B4-BE49-F238E27FC236}">
-                <a16:creationId xmlns:a16="http://schemas.microsoft.com/office/drawing/2014/main" id="{6A26F3B5-FE36-6542-A161-9FB2B8830503}"/>
-              </a:ext>
-            </a:extLst>
-          </p:cNvPr>
-          <p:cNvSpPr/>
-          <p:nvPr/>
-        </p:nvSpPr>
-        <p:spPr>
-          <a:xfrm>
-            <a:off x="985987" y="4815045"/>
-            <a:ext cx="144670" cy="279106"/>
-          </a:xfrm>
-          <a:prstGeom prst="downArrow">
-            <a:avLst>
-              <a:gd name="adj1" fmla="val 50000"/>
-              <a:gd name="adj2" fmla="val 50000"/>
-            </a:avLst>
-          </a:prstGeom>
-          <a:solidFill>
-            <a:schemeClr val="accent1"/>
-          </a:solidFill>
-          <a:ln w="25400" cap="flat" cmpd="sng">
-            <a:solidFill>
-              <a:srgbClr val="AE4E00"/>
-            </a:solidFill>
-            <a:prstDash val="solid"/>
-            <a:round/>
-            <a:headEnd type="none" w="sm" len="sm"/>
-            <a:tailEnd type="none" w="sm" len="sm"/>
-          </a:ln>
-        </p:spPr>
-        <p:txBody>
-          <a:bodyPr spcFirstLastPara="1" wrap="square" lIns="68575" tIns="34275" rIns="68575" bIns="34275" anchor="ctr" anchorCtr="0">
-            <a:noAutofit/>
-          </a:bodyPr>
-          <a:lstStyle/>
-          <a:p>
-            <a:pPr marL="0" marR="0" lvl="0" indent="0" algn="ctr" rtl="0">
-              <a:lnSpc>
-                <a:spcPct val="100000"/>
-              </a:lnSpc>
-              <a:spcBef>
-                <a:spcPts val="0"/>
-              </a:spcBef>
-              <a:spcAft>
-                <a:spcPts val="0"/>
-              </a:spcAft>
-              <a:buNone/>
-            </a:pPr>
-            <a:endParaRPr sz="1350" b="0" i="0" u="none" strike="noStrike" cap="none">
-              <a:solidFill>
-                <a:schemeClr val="lt1"/>
-              </a:solidFill>
-              <a:latin typeface="Arial" panose="020B0604020202020204"/>
-              <a:ea typeface="Arial" panose="020B0604020202020204"/>
-              <a:cs typeface="Arial" panose="020B0604020202020204"/>
-              <a:sym typeface="Arial" panose="020B0604020202020204"/>
-            </a:endParaRPr>
-          </a:p>
-        </p:txBody>
-      </p:sp>
-    </p:spTree>
-    <p:extLst>
-      <p:ext uri="{BB962C8B-B14F-4D97-AF65-F5344CB8AC3E}">
-        <p14:creationId xmlns:p14="http://schemas.microsoft.com/office/powerpoint/2010/main" val="1116015401"/>
-      </p:ext>
-    </p:extLst>
-  </p:cSld>
-  <p:clrMapOvr>
-    <a:masterClrMapping/>
-  </p:clrMapOvr>
-</p:sld>
-</file>
-
-<file path=ppt/slides/slide11.xml><?xml version="1.0" encoding="utf-8"?>
-<p:sld xmlns:a="http://schemas.openxmlformats.org/drawingml/2006/main" xmlns:r="http://schemas.openxmlformats.org/officeDocument/2006/relationships" xmlns:p="http://schemas.openxmlformats.org/presentationml/2006/main">
-  <p:cSld>
-    <p:spTree>
-      <p:nvGrpSpPr>
-        <p:cNvPr id="1" name=""/>
-        <p:cNvGrpSpPr/>
-        <p:nvPr/>
-      </p:nvGrpSpPr>
-      <p:grpSpPr>
-        <a:xfrm>
-          <a:off x="0" y="0"/>
-          <a:ext cx="0" cy="0"/>
-          <a:chOff x="0" y="0"/>
-          <a:chExt cx="0" cy="0"/>
-        </a:xfrm>
-      </p:grpSpPr>
-      <p:sp>
-        <p:nvSpPr>
-          <p:cNvPr id="2" name="标题 1">
-            <a:extLst>
-              <a:ext uri="{FF2B5EF4-FFF2-40B4-BE49-F238E27FC236}">
-                <a16:creationId xmlns:a16="http://schemas.microsoft.com/office/drawing/2014/main" id="{A8C03519-6965-274C-BFB9-F99AF25486EC}"/>
-              </a:ext>
-            </a:extLst>
-          </p:cNvPr>
-          <p:cNvSpPr>
-            <a:spLocks noGrp="1"/>
-          </p:cNvSpPr>
-          <p:nvPr>
-            <p:ph type="title"/>
-          </p:nvPr>
-        </p:nvSpPr>
-        <p:spPr/>
-        <p:txBody>
-          <a:bodyPr/>
-          <a:lstStyle/>
-          <a:p>
-            <a:r>
-              <a:rPr kumimoji="1" lang="zh-CN" altLang="en-US" dirty="0">
-                <a:cs typeface="Arial" panose="020B0604020202020204" pitchFamily="34" charset="0"/>
-              </a:rPr>
-              <a:t>微服务框架</a:t>
-            </a:r>
-            <a:endParaRPr kumimoji="1" lang="zh-CN" altLang="en-US" dirty="0"/>
-          </a:p>
-        </p:txBody>
-      </p:sp>
-      <p:pic>
-        <p:nvPicPr>
-          <p:cNvPr id="5" name="图片 4">
-            <a:extLst>
-              <a:ext uri="{FF2B5EF4-FFF2-40B4-BE49-F238E27FC236}">
-                <a16:creationId xmlns:a16="http://schemas.microsoft.com/office/drawing/2014/main" id="{496966F0-99FE-C646-A02E-DBBDEBBBAC8E}"/>
-              </a:ext>
-            </a:extLst>
-          </p:cNvPr>
-          <p:cNvPicPr>
-            <a:picLocks noChangeAspect="1"/>
-          </p:cNvPicPr>
-          <p:nvPr/>
-        </p:nvPicPr>
-        <p:blipFill>
-          <a:blip r:embed="rId2"/>
-          <a:stretch>
-            <a:fillRect/>
-          </a:stretch>
-        </p:blipFill>
-        <p:spPr>
-          <a:xfrm>
-            <a:off x="7302500" y="1600200"/>
-            <a:ext cx="4445000" cy="4445000"/>
-          </a:xfrm>
-          <a:prstGeom prst="rect">
-            <a:avLst/>
-          </a:prstGeom>
-        </p:spPr>
-      </p:pic>
-      <p:sp>
-        <p:nvSpPr>
-          <p:cNvPr id="6" name="object 3">
-            <a:extLst>
-              <a:ext uri="{FF2B5EF4-FFF2-40B4-BE49-F238E27FC236}">
-                <a16:creationId xmlns:a16="http://schemas.microsoft.com/office/drawing/2014/main" id="{BFF52AA4-08C0-854C-9120-38A619D34A0D}"/>
-              </a:ext>
-            </a:extLst>
-          </p:cNvPr>
-          <p:cNvSpPr txBox="1"/>
-          <p:nvPr/>
-        </p:nvSpPr>
-        <p:spPr>
-          <a:xfrm>
-            <a:off x="9032240" y="3396615"/>
-            <a:ext cx="985519" cy="852169"/>
-          </a:xfrm>
-          <a:prstGeom prst="rect">
-            <a:avLst/>
-          </a:prstGeom>
-        </p:spPr>
-        <p:txBody>
-          <a:bodyPr vert="horz" wrap="square" lIns="0" tIns="10795" rIns="0" bIns="0" rtlCol="0">
-            <a:spAutoFit/>
-          </a:bodyPr>
-          <a:lstStyle/>
-          <a:p>
-            <a:pPr marL="12700" marR="5080" algn="ctr">
-              <a:lnSpc>
-                <a:spcPct val="101000"/>
-              </a:lnSpc>
-              <a:spcBef>
-                <a:spcPts val="85"/>
-              </a:spcBef>
-            </a:pPr>
-            <a:r>
-              <a:rPr sz="1800" b="1" spc="-5" dirty="0">
-                <a:solidFill>
-                  <a:srgbClr val="FFFFFF"/>
-                </a:solidFill>
-                <a:latin typeface="Courier New" panose="02070309020205020404"/>
-                <a:cs typeface="Courier New" panose="02070309020205020404"/>
-              </a:rPr>
-              <a:t>Client  or  Handler</a:t>
-            </a:r>
-            <a:endParaRPr sz="1800" b="1" dirty="0">
-              <a:latin typeface="Courier New" panose="02070309020205020404"/>
-              <a:cs typeface="Courier New" panose="02070309020205020404"/>
-            </a:endParaRPr>
-          </a:p>
-        </p:txBody>
-      </p:sp>
-      <p:sp>
-        <p:nvSpPr>
-          <p:cNvPr id="7" name="文本框 6">
-            <a:extLst>
-              <a:ext uri="{FF2B5EF4-FFF2-40B4-BE49-F238E27FC236}">
-                <a16:creationId xmlns:a16="http://schemas.microsoft.com/office/drawing/2014/main" id="{FB8D6B43-A98C-0441-B3B9-A4F4FF059D96}"/>
-              </a:ext>
-            </a:extLst>
-          </p:cNvPr>
-          <p:cNvSpPr txBox="1"/>
-          <p:nvPr/>
-        </p:nvSpPr>
-        <p:spPr>
-          <a:xfrm>
-            <a:off x="10869439" y="751916"/>
-            <a:ext cx="877163" cy="369332"/>
-          </a:xfrm>
-          <a:prstGeom prst="rect">
-            <a:avLst/>
-          </a:prstGeom>
-          <a:noFill/>
-        </p:spPr>
-        <p:txBody>
-          <a:bodyPr wrap="none" rtlCol="0">
-            <a:spAutoFit/>
-          </a:bodyPr>
-          <a:lstStyle/>
-          <a:p>
-            <a:r>
-              <a:rPr kumimoji="1" lang="zh-CN" altLang="en-US" dirty="0"/>
-              <a:t>包装器</a:t>
-            </a:r>
-          </a:p>
-        </p:txBody>
-      </p:sp>
-      <p:sp>
-        <p:nvSpPr>
-          <p:cNvPr id="12" name="矩形 11">
-            <a:extLst>
-              <a:ext uri="{FF2B5EF4-FFF2-40B4-BE49-F238E27FC236}">
-                <a16:creationId xmlns:a16="http://schemas.microsoft.com/office/drawing/2014/main" id="{99D7B3C2-67C5-8841-9B2D-78C763B0EAD2}"/>
-              </a:ext>
-            </a:extLst>
-          </p:cNvPr>
-          <p:cNvSpPr/>
-          <p:nvPr/>
-        </p:nvSpPr>
-        <p:spPr>
-          <a:xfrm>
-            <a:off x="523751" y="1695748"/>
-            <a:ext cx="4706171" cy="3993852"/>
-          </a:xfrm>
-          <a:prstGeom prst="rect">
-            <a:avLst/>
-          </a:prstGeom>
-        </p:spPr>
-        <p:txBody>
-          <a:bodyPr vert="horz" lIns="91440" tIns="45720" rIns="91440" bIns="45720" rtlCol="0">
-            <a:noAutofit/>
-          </a:bodyPr>
-          <a:lstStyle/>
-          <a:p>
-            <a:pPr>
-              <a:lnSpc>
-                <a:spcPct val="150000"/>
-              </a:lnSpc>
-              <a:spcBef>
-                <a:spcPts val="500"/>
-              </a:spcBef>
-              <a:spcAft>
-                <a:spcPts val="1200"/>
-              </a:spcAft>
-            </a:pPr>
-            <a:r>
-              <a:rPr lang="zh-CN" altLang="en-US" sz="1600" dirty="0">
-                <a:solidFill>
-                  <a:schemeClr val="tx1">
-                    <a:lumMod val="65000"/>
-                    <a:lumOff val="35000"/>
-                  </a:schemeClr>
-                </a:solidFill>
-                <a:latin typeface="Microsoft YaHei UI" panose="020B0503020204020204" pitchFamily="34" charset="-122"/>
-                <a:ea typeface="Microsoft YaHei UI" panose="020B0503020204020204" pitchFamily="34" charset="-122"/>
-                <a:cs typeface="Arial" panose="020B0604020202020204" pitchFamily="34" charset="0"/>
-              </a:rPr>
-              <a:t>特性：</a:t>
-            </a:r>
-            <a:endParaRPr lang="en-US" altLang="zh-CN" sz="1600" dirty="0">
-              <a:solidFill>
-                <a:schemeClr val="tx1">
-                  <a:lumMod val="65000"/>
-                  <a:lumOff val="35000"/>
-                </a:schemeClr>
-              </a:solidFill>
-              <a:latin typeface="Microsoft YaHei UI" panose="020B0503020204020204" pitchFamily="34" charset="-122"/>
-              <a:ea typeface="Microsoft YaHei UI" panose="020B0503020204020204" pitchFamily="34" charset="-122"/>
-              <a:cs typeface="Arial" panose="020B0604020202020204" pitchFamily="34" charset="0"/>
-            </a:endParaRPr>
-          </a:p>
-          <a:p>
-            <a:pPr marL="800100" lvl="1" indent="-342900">
-              <a:spcBef>
-                <a:spcPts val="500"/>
-              </a:spcBef>
-              <a:spcAft>
-                <a:spcPts val="1200"/>
-              </a:spcAft>
-              <a:buFont typeface="Arial" panose="020B0604020202020204" pitchFamily="34" charset="0"/>
-              <a:buAutoNum type="arabicPeriod"/>
-            </a:pPr>
-            <a:r>
-              <a:rPr lang="zh-CN" altLang="en-US" sz="1600" dirty="0">
-                <a:solidFill>
-                  <a:schemeClr val="tx1">
-                    <a:lumMod val="65000"/>
-                    <a:lumOff val="35000"/>
-                  </a:schemeClr>
-                </a:solidFill>
-                <a:latin typeface="Microsoft YaHei UI" panose="020B0503020204020204" pitchFamily="34" charset="-122"/>
-                <a:ea typeface="Microsoft YaHei UI" panose="020B0503020204020204" pitchFamily="34" charset="-122"/>
-                <a:cs typeface="Arial" panose="020B0604020202020204" pitchFamily="34" charset="0"/>
-                <a:sym typeface="Arial" panose="020B0604020202020204"/>
-              </a:rPr>
-              <a:t>请求</a:t>
-            </a:r>
-            <a:r>
-              <a:rPr lang="en-US" altLang="zh-CN" sz="1600" dirty="0" err="1">
-                <a:solidFill>
-                  <a:schemeClr val="tx1">
-                    <a:lumMod val="65000"/>
-                    <a:lumOff val="35000"/>
-                  </a:schemeClr>
-                </a:solidFill>
-                <a:latin typeface="Microsoft YaHei UI" panose="020B0503020204020204" pitchFamily="34" charset="-122"/>
-                <a:ea typeface="Microsoft YaHei UI" panose="020B0503020204020204" pitchFamily="34" charset="-122"/>
-                <a:cs typeface="Arial" panose="020B0604020202020204" pitchFamily="34" charset="0"/>
-                <a:sym typeface="Arial" panose="020B0604020202020204"/>
-              </a:rPr>
-              <a:t>认证</a:t>
-            </a:r>
-            <a:endParaRPr lang="en-US" altLang="zh-CN" sz="1600" dirty="0">
-              <a:solidFill>
-                <a:schemeClr val="tx1">
-                  <a:lumMod val="65000"/>
-                  <a:lumOff val="35000"/>
-                </a:schemeClr>
-              </a:solidFill>
-              <a:latin typeface="Microsoft YaHei UI" panose="020B0503020204020204" pitchFamily="34" charset="-122"/>
-              <a:ea typeface="Microsoft YaHei UI" panose="020B0503020204020204" pitchFamily="34" charset="-122"/>
-              <a:cs typeface="Arial" panose="020B0604020202020204" pitchFamily="34" charset="0"/>
-              <a:sym typeface="Arial" panose="020B0604020202020204"/>
-            </a:endParaRPr>
-          </a:p>
-          <a:p>
-            <a:pPr marL="800100" lvl="1" indent="-342900">
-              <a:spcBef>
-                <a:spcPts val="500"/>
-              </a:spcBef>
-              <a:spcAft>
-                <a:spcPts val="1200"/>
-              </a:spcAft>
-              <a:buFont typeface="Arial" panose="020B0604020202020204" pitchFamily="34" charset="0"/>
-              <a:buAutoNum type="arabicPeriod"/>
-            </a:pPr>
-            <a:r>
-              <a:rPr lang="zh-CN" altLang="en-US" sz="1600" dirty="0">
-                <a:solidFill>
-                  <a:schemeClr val="tx1">
-                    <a:lumMod val="65000"/>
-                    <a:lumOff val="35000"/>
-                  </a:schemeClr>
-                </a:solidFill>
-                <a:latin typeface="Microsoft YaHei UI" panose="020B0503020204020204" pitchFamily="34" charset="-122"/>
-                <a:ea typeface="Microsoft YaHei UI" panose="020B0503020204020204" pitchFamily="34" charset="-122"/>
-                <a:cs typeface="Arial" panose="020B0604020202020204" pitchFamily="34" charset="0"/>
-              </a:rPr>
-              <a:t>降级熔断</a:t>
-            </a:r>
-          </a:p>
-          <a:p>
-            <a:pPr marL="800100" lvl="1" indent="-342900">
-              <a:spcBef>
-                <a:spcPts val="500"/>
-              </a:spcBef>
-              <a:spcAft>
-                <a:spcPts val="1200"/>
-              </a:spcAft>
-              <a:buFont typeface="Arial" panose="020B0604020202020204" pitchFamily="34" charset="0"/>
-              <a:buAutoNum type="arabicPeriod"/>
-            </a:pPr>
-            <a:r>
-              <a:rPr lang="zh-CN" altLang="en-US" sz="1600" dirty="0">
-                <a:solidFill>
-                  <a:schemeClr val="tx1">
-                    <a:lumMod val="65000"/>
-                    <a:lumOff val="35000"/>
-                  </a:schemeClr>
-                </a:solidFill>
-                <a:latin typeface="Microsoft YaHei UI" panose="020B0503020204020204" pitchFamily="34" charset="-122"/>
-                <a:ea typeface="Microsoft YaHei UI" panose="020B0503020204020204" pitchFamily="34" charset="-122"/>
-                <a:cs typeface="Arial" panose="020B0604020202020204" pitchFamily="34" charset="0"/>
-              </a:rPr>
-              <a:t>服务限流</a:t>
-            </a:r>
-            <a:endParaRPr lang="en-US" altLang="zh-CN" sz="1600" dirty="0">
-              <a:solidFill>
-                <a:schemeClr val="tx1">
-                  <a:lumMod val="65000"/>
-                  <a:lumOff val="35000"/>
-                </a:schemeClr>
-              </a:solidFill>
-              <a:latin typeface="Microsoft YaHei UI" panose="020B0503020204020204" pitchFamily="34" charset="-122"/>
-              <a:ea typeface="Microsoft YaHei UI" panose="020B0503020204020204" pitchFamily="34" charset="-122"/>
-              <a:cs typeface="Arial" panose="020B0604020202020204" pitchFamily="34" charset="0"/>
-            </a:endParaRPr>
-          </a:p>
-          <a:p>
-            <a:pPr marL="800100" lvl="1" indent="-342900">
-              <a:spcBef>
-                <a:spcPts val="500"/>
-              </a:spcBef>
-              <a:spcAft>
-                <a:spcPts val="1200"/>
-              </a:spcAft>
-              <a:buFont typeface="Arial" panose="020B0604020202020204" pitchFamily="34" charset="0"/>
-              <a:buAutoNum type="arabicPeriod"/>
-            </a:pPr>
-            <a:r>
-              <a:rPr lang="zh-CN" altLang="en-US" sz="1600" dirty="0">
-                <a:solidFill>
-                  <a:schemeClr val="tx1">
-                    <a:lumMod val="65000"/>
-                    <a:lumOff val="35000"/>
-                  </a:schemeClr>
-                </a:solidFill>
-                <a:latin typeface="Microsoft YaHei UI" panose="020B0503020204020204" pitchFamily="34" charset="-122"/>
-                <a:ea typeface="Microsoft YaHei UI" panose="020B0503020204020204" pitchFamily="34" charset="-122"/>
-                <a:cs typeface="Arial" panose="020B0604020202020204" pitchFamily="34" charset="0"/>
-              </a:rPr>
-              <a:t>日志追踪</a:t>
-            </a:r>
-            <a:endParaRPr lang="en-US" altLang="zh-CN" sz="1600" dirty="0">
-              <a:solidFill>
-                <a:schemeClr val="tx1">
-                  <a:lumMod val="65000"/>
-                  <a:lumOff val="35000"/>
-                </a:schemeClr>
-              </a:solidFill>
-              <a:latin typeface="Microsoft YaHei UI" panose="020B0503020204020204" pitchFamily="34" charset="-122"/>
-              <a:ea typeface="Microsoft YaHei UI" panose="020B0503020204020204" pitchFamily="34" charset="-122"/>
-              <a:cs typeface="Arial" panose="020B0604020202020204" pitchFamily="34" charset="0"/>
-            </a:endParaRPr>
-          </a:p>
-          <a:p>
-            <a:pPr marL="800100" lvl="1" indent="-342900">
-              <a:spcBef>
-                <a:spcPts val="500"/>
-              </a:spcBef>
-              <a:spcAft>
-                <a:spcPts val="1200"/>
-              </a:spcAft>
-              <a:buFont typeface="Arial" panose="020B0604020202020204" pitchFamily="34" charset="0"/>
-              <a:buAutoNum type="arabicPeriod"/>
-            </a:pPr>
-            <a:r>
-              <a:rPr lang="zh-CN" altLang="en-US" sz="1600" dirty="0">
-                <a:solidFill>
-                  <a:schemeClr val="tx1">
-                    <a:lumMod val="65000"/>
-                    <a:lumOff val="35000"/>
-                  </a:schemeClr>
-                </a:solidFill>
-                <a:latin typeface="Microsoft YaHei UI" panose="020B0503020204020204" pitchFamily="34" charset="-122"/>
-                <a:ea typeface="Microsoft YaHei UI" panose="020B0503020204020204" pitchFamily="34" charset="-122"/>
-                <a:cs typeface="Arial" panose="020B0604020202020204" pitchFamily="34" charset="0"/>
-              </a:rPr>
-              <a:t>事件通知</a:t>
-            </a:r>
-            <a:endParaRPr lang="en-US" altLang="zh-CN" sz="1600" dirty="0">
-              <a:solidFill>
-                <a:schemeClr val="tx1">
-                  <a:lumMod val="65000"/>
-                  <a:lumOff val="35000"/>
-                </a:schemeClr>
-              </a:solidFill>
-              <a:latin typeface="Microsoft YaHei UI" panose="020B0503020204020204" pitchFamily="34" charset="-122"/>
-              <a:ea typeface="Microsoft YaHei UI" panose="020B0503020204020204" pitchFamily="34" charset="-122"/>
-              <a:cs typeface="Arial" panose="020B0604020202020204" pitchFamily="34" charset="0"/>
-            </a:endParaRPr>
-          </a:p>
-          <a:p>
-            <a:pPr marL="800100" lvl="1" indent="-342900">
-              <a:spcBef>
-                <a:spcPts val="500"/>
-              </a:spcBef>
-              <a:spcAft>
-                <a:spcPts val="1200"/>
-              </a:spcAft>
-              <a:buFont typeface="Arial" panose="020B0604020202020204" pitchFamily="34" charset="0"/>
-              <a:buAutoNum type="arabicPeriod"/>
-            </a:pPr>
-            <a:r>
-              <a:rPr lang="zh-CN" altLang="en-US" sz="1600" dirty="0">
-                <a:solidFill>
-                  <a:schemeClr val="tx1">
-                    <a:lumMod val="65000"/>
-                    <a:lumOff val="35000"/>
-                  </a:schemeClr>
-                </a:solidFill>
-                <a:latin typeface="Microsoft YaHei UI" panose="020B0503020204020204" pitchFamily="34" charset="-122"/>
-                <a:ea typeface="Microsoft YaHei UI" panose="020B0503020204020204" pitchFamily="34" charset="-122"/>
-                <a:cs typeface="Arial" panose="020B0604020202020204" pitchFamily="34" charset="0"/>
-              </a:rPr>
-              <a:t>计量度量</a:t>
-            </a:r>
-            <a:endParaRPr lang="en-US" altLang="zh-CN" sz="1600" dirty="0">
-              <a:solidFill>
-                <a:schemeClr val="tx1">
-                  <a:lumMod val="65000"/>
-                  <a:lumOff val="35000"/>
-                </a:schemeClr>
-              </a:solidFill>
-              <a:latin typeface="Microsoft YaHei UI" panose="020B0503020204020204" pitchFamily="34" charset="-122"/>
-              <a:ea typeface="Microsoft YaHei UI" panose="020B0503020204020204" pitchFamily="34" charset="-122"/>
-              <a:cs typeface="Arial" panose="020B0604020202020204" pitchFamily="34" charset="0"/>
-            </a:endParaRPr>
-          </a:p>
-          <a:p>
-            <a:pPr marL="800100" lvl="1" indent="-342900">
-              <a:spcBef>
-                <a:spcPts val="500"/>
-              </a:spcBef>
-              <a:spcAft>
-                <a:spcPts val="1200"/>
-              </a:spcAft>
-              <a:buFont typeface="Arial" panose="020B0604020202020204" pitchFamily="34" charset="0"/>
-              <a:buAutoNum type="arabicPeriod"/>
-            </a:pPr>
-            <a:r>
-              <a:rPr lang="zh-CN" altLang="en-US" sz="1600" dirty="0">
-                <a:solidFill>
-                  <a:schemeClr val="tx1">
-                    <a:lumMod val="65000"/>
-                    <a:lumOff val="35000"/>
-                  </a:schemeClr>
-                </a:solidFill>
-                <a:latin typeface="Microsoft YaHei UI" panose="020B0503020204020204" pitchFamily="34" charset="-122"/>
-                <a:ea typeface="Microsoft YaHei UI" panose="020B0503020204020204" pitchFamily="34" charset="-122"/>
-                <a:cs typeface="Arial" panose="020B0604020202020204" pitchFamily="34" charset="0"/>
-              </a:rPr>
-              <a:t>上下文注入</a:t>
-            </a:r>
-            <a:endParaRPr lang="en-US" altLang="zh-CN" sz="1600" dirty="0">
-              <a:solidFill>
-                <a:schemeClr val="tx1">
-                  <a:lumMod val="65000"/>
-                  <a:lumOff val="35000"/>
-                </a:schemeClr>
-              </a:solidFill>
-              <a:latin typeface="Microsoft YaHei UI" panose="020B0503020204020204" pitchFamily="34" charset="-122"/>
-              <a:ea typeface="Microsoft YaHei UI" panose="020B0503020204020204" pitchFamily="34" charset="-122"/>
-              <a:cs typeface="Arial" panose="020B0604020202020204" pitchFamily="34" charset="0"/>
-            </a:endParaRPr>
-          </a:p>
-        </p:txBody>
-      </p:sp>
-    </p:spTree>
-    <p:extLst>
-      <p:ext uri="{BB962C8B-B14F-4D97-AF65-F5344CB8AC3E}">
-        <p14:creationId xmlns:p14="http://schemas.microsoft.com/office/powerpoint/2010/main" val="744775428"/>
-      </p:ext>
-    </p:extLst>
-  </p:cSld>
-  <p:clrMapOvr>
-    <a:masterClrMapping/>
-  </p:clrMapOvr>
-</p:sld>
-</file>
-
-<file path=ppt/slides/slide2.xml><?xml version="1.0" encoding="utf-8"?>
-<p:sld xmlns:a="http://schemas.openxmlformats.org/drawingml/2006/main" xmlns:r="http://schemas.openxmlformats.org/officeDocument/2006/relationships" xmlns:p="http://schemas.openxmlformats.org/presentationml/2006/main">
-  <p:cSld>
-    <p:spTree>
-      <p:nvGrpSpPr>
-        <p:cNvPr id="1" name=""/>
-        <p:cNvGrpSpPr/>
-        <p:nvPr/>
-      </p:nvGrpSpPr>
-      <p:grpSpPr>
-        <a:xfrm>
-          <a:off x="0" y="0"/>
-          <a:ext cx="0" cy="0"/>
-          <a:chOff x="0" y="0"/>
-          <a:chExt cx="0" cy="0"/>
-        </a:xfrm>
-      </p:grpSpPr>
-      <p:sp>
-        <p:nvSpPr>
           <p:cNvPr id="2" name="标题 1"/>
           <p:cNvSpPr>
             <a:spLocks noGrp="1"/>
@@ -4626,503 +2936,6 @@
             <p:ph type="title"/>
           </p:nvPr>
         </p:nvSpPr>
-        <p:spPr/>
-        <p:txBody>
-          <a:bodyPr rtlCol="0">
-            <a:normAutofit/>
-          </a:bodyPr>
-          <a:lstStyle/>
-          <a:p>
-            <a:pPr rtl="0"/>
-            <a:r>
-              <a:rPr lang="zh-CN" altLang="en-US" sz="3400" dirty="0">
-                <a:cs typeface="Arial" panose="020B0604020202020204" pitchFamily="34" charset="0"/>
-              </a:rPr>
-              <a:t>主要工作</a:t>
-            </a:r>
-          </a:p>
-        </p:txBody>
-      </p:sp>
-      <p:sp>
-        <p:nvSpPr>
-          <p:cNvPr id="3" name="内容占位符 2"/>
-          <p:cNvSpPr>
-            <a:spLocks noGrp="1"/>
-          </p:cNvSpPr>
-          <p:nvPr>
-            <p:ph idx="1"/>
-          </p:nvPr>
-        </p:nvSpPr>
-        <p:spPr>
-          <a:xfrm>
-            <a:off x="576233" y="1747804"/>
-            <a:ext cx="10805931" cy="4201439"/>
-          </a:xfrm>
-        </p:spPr>
-        <p:txBody>
-          <a:bodyPr vert="horz" lIns="91440" tIns="45720" rIns="91440" bIns="45720" rtlCol="0">
-            <a:noAutofit/>
-          </a:bodyPr>
-          <a:lstStyle/>
-          <a:p>
-            <a:pPr marL="342900" indent="-342900" rtl="0">
-              <a:lnSpc>
-                <a:spcPct val="150000"/>
-              </a:lnSpc>
-              <a:spcAft>
-                <a:spcPts val="1200"/>
-              </a:spcAft>
-              <a:buAutoNum type="arabicPeriod"/>
-            </a:pPr>
-            <a:r>
-              <a:rPr lang="zh-CN" altLang="en-US" dirty="0">
-                <a:cs typeface="Arial" panose="020B0604020202020204" pitchFamily="34" charset="0"/>
-              </a:rPr>
-              <a:t>服务框架设计，多活、微服务、数据总线、网关服务治理、</a:t>
-            </a:r>
-            <a:r>
-              <a:rPr lang="en-US" altLang="zh-CN" dirty="0">
-                <a:cs typeface="Arial" panose="020B0604020202020204" pitchFamily="34" charset="0"/>
-              </a:rPr>
-              <a:t>GSLB</a:t>
-            </a:r>
-            <a:r>
-              <a:rPr lang="zh-CN" altLang="en-US" dirty="0">
-                <a:cs typeface="Arial" panose="020B0604020202020204" pitchFamily="34" charset="0"/>
-              </a:rPr>
-              <a:t>等</a:t>
-            </a:r>
-            <a:endParaRPr lang="en-US" altLang="zh-CN" sz="1600" dirty="0">
-              <a:cs typeface="Arial" panose="020B0604020202020204" pitchFamily="34" charset="0"/>
-            </a:endParaRPr>
-          </a:p>
-          <a:p>
-            <a:pPr marL="342900" indent="-342900" rtl="0">
-              <a:lnSpc>
-                <a:spcPct val="150000"/>
-              </a:lnSpc>
-              <a:spcAft>
-                <a:spcPts val="1200"/>
-              </a:spcAft>
-              <a:buAutoNum type="arabicPeriod"/>
-            </a:pPr>
-            <a:r>
-              <a:rPr lang="zh-CN" altLang="en-US" dirty="0">
-                <a:cs typeface="Arial" panose="020B0604020202020204" pitchFamily="34" charset="0"/>
-              </a:rPr>
-              <a:t>通用能力建设，</a:t>
-            </a:r>
-            <a:r>
-              <a:rPr lang="en-US" altLang="zh-CN" dirty="0">
-                <a:cs typeface="Arial" panose="020B0604020202020204" pitchFamily="34" charset="0"/>
-              </a:rPr>
-              <a:t>OCR</a:t>
-            </a:r>
-            <a:r>
-              <a:rPr lang="zh-CN" altLang="en-US" dirty="0">
-                <a:cs typeface="Arial" panose="020B0604020202020204" pitchFamily="34" charset="0"/>
-              </a:rPr>
-              <a:t>、</a:t>
-            </a:r>
-            <a:r>
-              <a:rPr lang="en-US" altLang="zh-CN" dirty="0">
-                <a:cs typeface="Arial" panose="020B0604020202020204" pitchFamily="34" charset="0"/>
-              </a:rPr>
-              <a:t>IVR</a:t>
-            </a:r>
-            <a:r>
-              <a:rPr lang="zh-CN" altLang="en-US" dirty="0">
-                <a:cs typeface="Arial" panose="020B0604020202020204" pitchFamily="34" charset="0"/>
-              </a:rPr>
-              <a:t>、</a:t>
-            </a:r>
-            <a:r>
-              <a:rPr lang="en-US" altLang="zh-CN" dirty="0">
-                <a:cs typeface="Arial" panose="020B0604020202020204" pitchFamily="34" charset="0"/>
-              </a:rPr>
-              <a:t>SMS</a:t>
-            </a:r>
-            <a:r>
-              <a:rPr lang="zh-CN" altLang="en-US" dirty="0">
-                <a:cs typeface="Arial" panose="020B0604020202020204" pitchFamily="34" charset="0"/>
-              </a:rPr>
-              <a:t>、</a:t>
-            </a:r>
-            <a:r>
-              <a:rPr lang="en-US" altLang="zh-CN" dirty="0">
-                <a:cs typeface="Arial" panose="020B0604020202020204" pitchFamily="34" charset="0"/>
-              </a:rPr>
-              <a:t>Email</a:t>
-            </a:r>
-            <a:r>
-              <a:rPr lang="zh-CN" altLang="en-US" dirty="0">
-                <a:cs typeface="Arial" panose="020B0604020202020204" pitchFamily="34" charset="0"/>
-              </a:rPr>
-              <a:t>等</a:t>
-            </a:r>
-            <a:endParaRPr lang="en-US" altLang="zh-CN" dirty="0">
-              <a:cs typeface="Arial" panose="020B0604020202020204" pitchFamily="34" charset="0"/>
-            </a:endParaRPr>
-          </a:p>
-          <a:p>
-            <a:pPr marL="342900" indent="-342900" rtl="0">
-              <a:lnSpc>
-                <a:spcPct val="150000"/>
-              </a:lnSpc>
-              <a:spcAft>
-                <a:spcPts val="1200"/>
-              </a:spcAft>
-              <a:buAutoNum type="arabicPeriod"/>
-            </a:pPr>
-            <a:r>
-              <a:rPr lang="zh-CN" altLang="en-US" sz="1600" dirty="0">
-                <a:cs typeface="Arial" panose="020B0604020202020204" pitchFamily="34" charset="0"/>
-              </a:rPr>
-              <a:t>小组团队</a:t>
-            </a:r>
-            <a:r>
-              <a:rPr lang="zh-CN" altLang="en-US" dirty="0">
-                <a:cs typeface="Arial" panose="020B0604020202020204" pitchFamily="34" charset="0"/>
-              </a:rPr>
-              <a:t>技术与项目</a:t>
-            </a:r>
-            <a:r>
-              <a:rPr lang="zh-CN" altLang="en-US" sz="1600" dirty="0">
-                <a:cs typeface="Arial" panose="020B0604020202020204" pitchFamily="34" charset="0"/>
-              </a:rPr>
-              <a:t>管理（</a:t>
-            </a:r>
-            <a:r>
-              <a:rPr lang="en-US" altLang="zh-CN" dirty="0">
-                <a:cs typeface="Arial" panose="020B0604020202020204" pitchFamily="34" charset="0"/>
-              </a:rPr>
-              <a:t>5</a:t>
-            </a:r>
-            <a:r>
-              <a:rPr lang="zh-CN" altLang="en-US" dirty="0">
-                <a:cs typeface="Arial" panose="020B0604020202020204" pitchFamily="34" charset="0"/>
-              </a:rPr>
-              <a:t>后端</a:t>
-            </a:r>
-            <a:r>
-              <a:rPr lang="en-US" altLang="zh-CN" sz="1600" dirty="0">
-                <a:cs typeface="Arial" panose="020B0604020202020204" pitchFamily="34" charset="0"/>
-              </a:rPr>
-              <a:t>+3</a:t>
-            </a:r>
-            <a:r>
-              <a:rPr lang="zh-CN" altLang="en-US" sz="1600" dirty="0">
-                <a:cs typeface="Arial" panose="020B0604020202020204" pitchFamily="34" charset="0"/>
-              </a:rPr>
-              <a:t>前端</a:t>
-            </a:r>
-            <a:r>
-              <a:rPr lang="en-US" altLang="zh-CN" sz="1600" dirty="0">
-                <a:cs typeface="Arial" panose="020B0604020202020204" pitchFamily="34" charset="0"/>
-              </a:rPr>
-              <a:t>+2</a:t>
-            </a:r>
-            <a:r>
-              <a:rPr lang="zh-CN" altLang="en-US" sz="1600" dirty="0">
-                <a:cs typeface="Arial" panose="020B0604020202020204" pitchFamily="34" charset="0"/>
-              </a:rPr>
-              <a:t>测试）</a:t>
-            </a:r>
-            <a:endParaRPr lang="en-US" altLang="zh-CN" sz="1600" dirty="0">
-              <a:cs typeface="Arial" panose="020B0604020202020204" pitchFamily="34" charset="0"/>
-            </a:endParaRPr>
-          </a:p>
-          <a:p>
-            <a:pPr marL="342900" indent="-342900" rtl="0">
-              <a:lnSpc>
-                <a:spcPct val="150000"/>
-              </a:lnSpc>
-              <a:spcAft>
-                <a:spcPts val="1200"/>
-              </a:spcAft>
-              <a:buAutoNum type="arabicPeriod"/>
-            </a:pPr>
-            <a:r>
-              <a:rPr lang="zh-CN" altLang="en-US" dirty="0">
-                <a:cs typeface="Arial" panose="020B0604020202020204" pitchFamily="34" charset="0"/>
-              </a:rPr>
-              <a:t>主导金融中心成本管理、演练、云化等公司级行动</a:t>
-            </a:r>
-            <a:endParaRPr lang="en-US" altLang="zh-CN" sz="1600" dirty="0">
-              <a:cs typeface="Arial" panose="020B0604020202020204" pitchFamily="34" charset="0"/>
-            </a:endParaRPr>
-          </a:p>
-          <a:p>
-            <a:pPr marL="0" indent="0" rtl="0">
-              <a:lnSpc>
-                <a:spcPct val="150000"/>
-              </a:lnSpc>
-              <a:spcAft>
-                <a:spcPts val="1200"/>
-              </a:spcAft>
-              <a:buNone/>
-            </a:pPr>
-            <a:endParaRPr lang="zh-CN" altLang="en-US" sz="1600" dirty="0">
-              <a:solidFill>
-                <a:schemeClr val="tx1">
-                  <a:lumMod val="65000"/>
-                  <a:lumOff val="35000"/>
-                </a:schemeClr>
-              </a:solidFill>
-              <a:cs typeface="Arial" panose="020B0604020202020204" pitchFamily="34" charset="0"/>
-            </a:endParaRPr>
-          </a:p>
-        </p:txBody>
-      </p:sp>
-      <p:sp>
-        <p:nvSpPr>
-          <p:cNvPr id="54" name="内容占位符 3"/>
-          <p:cNvSpPr txBox="1">
-            <a:spLocks/>
-          </p:cNvSpPr>
-          <p:nvPr/>
-        </p:nvSpPr>
-        <p:spPr>
-          <a:xfrm>
-            <a:off x="576233" y="3821376"/>
-            <a:ext cx="5797135" cy="2505682"/>
-          </a:xfrm>
-          <a:prstGeom prst="rect">
-            <a:avLst/>
-          </a:prstGeom>
-        </p:spPr>
-        <p:txBody>
-          <a:bodyPr vert="horz" lIns="91440" tIns="45720" rIns="91440" bIns="45720" rtlCol="0">
-            <a:noAutofit/>
-          </a:bodyPr>
-          <a:lstStyle>
-            <a:lvl1pPr marL="228600" indent="-228600" algn="l" defTabSz="914400" rtl="0" eaLnBrk="1" latinLnBrk="0" hangingPunct="1">
-              <a:lnSpc>
-                <a:spcPct val="90000"/>
-              </a:lnSpc>
-              <a:spcBef>
-                <a:spcPct val="30000"/>
-              </a:spcBef>
-              <a:buFont typeface="Arial" panose="020B0604020202020204" pitchFamily="34" charset="0"/>
-              <a:buChar char="•"/>
-              <a:defRPr sz="2800" kern="1200">
-                <a:solidFill>
-                  <a:schemeClr val="tx1"/>
-                </a:solidFill>
-                <a:latin typeface="+mn-lt"/>
-                <a:ea typeface="+mn-ea"/>
-                <a:cs typeface="+mn-cs"/>
-              </a:defRPr>
-            </a:lvl1pPr>
-            <a:lvl2pPr marL="685800" indent="-228600" algn="l" defTabSz="914400" rtl="0" eaLnBrk="1" latinLnBrk="0" hangingPunct="1">
-              <a:lnSpc>
-                <a:spcPct val="90000"/>
-              </a:lnSpc>
-              <a:spcBef>
-                <a:spcPct val="30000"/>
-              </a:spcBef>
-              <a:buFont typeface="Arial" panose="020B0604020202020204" pitchFamily="34" charset="0"/>
-              <a:buChar char="•"/>
-              <a:defRPr sz="2400" kern="1200">
-                <a:solidFill>
-                  <a:schemeClr val="tx1"/>
-                </a:solidFill>
-                <a:latin typeface="+mn-lt"/>
-                <a:ea typeface="+mn-ea"/>
-                <a:cs typeface="+mn-cs"/>
-              </a:defRPr>
-            </a:lvl2pPr>
-            <a:lvl3pPr marL="1143000" indent="-228600" algn="l" defTabSz="914400" rtl="0" eaLnBrk="1" latinLnBrk="0" hangingPunct="1">
-              <a:lnSpc>
-                <a:spcPct val="90000"/>
-              </a:lnSpc>
-              <a:spcBef>
-                <a:spcPct val="30000"/>
-              </a:spcBef>
-              <a:buFont typeface="Arial" panose="020B0604020202020204" pitchFamily="34" charset="0"/>
-              <a:buChar char="•"/>
-              <a:defRPr sz="2000" kern="1200">
-                <a:solidFill>
-                  <a:schemeClr val="tx1"/>
-                </a:solidFill>
-                <a:latin typeface="+mn-lt"/>
-                <a:ea typeface="+mn-ea"/>
-                <a:cs typeface="+mn-cs"/>
-              </a:defRPr>
-            </a:lvl3pPr>
-            <a:lvl4pPr marL="1600200" indent="-228600" algn="l" defTabSz="914400" rtl="0" eaLnBrk="1" latinLnBrk="0" hangingPunct="1">
-              <a:lnSpc>
-                <a:spcPct val="90000"/>
-              </a:lnSpc>
-              <a:spcBef>
-                <a:spcPct val="30000"/>
-              </a:spcBef>
-              <a:buFont typeface="Arial" panose="020B0604020202020204" pitchFamily="34" charset="0"/>
-              <a:buChar char="•"/>
-              <a:defRPr sz="1800" kern="1200">
-                <a:solidFill>
-                  <a:schemeClr val="tx1"/>
-                </a:solidFill>
-                <a:latin typeface="+mn-lt"/>
-                <a:ea typeface="+mn-ea"/>
-                <a:cs typeface="+mn-cs"/>
-              </a:defRPr>
-            </a:lvl4pPr>
-            <a:lvl5pPr marL="2057400" indent="-228600" algn="l" defTabSz="914400" rtl="0" eaLnBrk="1" latinLnBrk="0" hangingPunct="1">
-              <a:lnSpc>
-                <a:spcPct val="90000"/>
-              </a:lnSpc>
-              <a:spcBef>
-                <a:spcPct val="30000"/>
-              </a:spcBef>
-              <a:buFont typeface="Arial" panose="020B0604020202020204" pitchFamily="34" charset="0"/>
-              <a:buChar char="•"/>
-              <a:defRPr sz="1800" kern="1200">
-                <a:solidFill>
-                  <a:schemeClr val="tx1"/>
-                </a:solidFill>
-                <a:latin typeface="+mn-lt"/>
-                <a:ea typeface="+mn-ea"/>
-                <a:cs typeface="+mn-cs"/>
-              </a:defRPr>
-            </a:lvl5pPr>
-            <a:lvl6pPr marL="2514600" indent="-228600" algn="l" defTabSz="914400" rtl="0" eaLnBrk="1" latinLnBrk="0" hangingPunct="1">
-              <a:lnSpc>
-                <a:spcPct val="90000"/>
-              </a:lnSpc>
-              <a:spcBef>
-                <a:spcPct val="30000"/>
-              </a:spcBef>
-              <a:buFont typeface="Arial" panose="020B0604020202020204" pitchFamily="34" charset="0"/>
-              <a:buChar char="•"/>
-              <a:defRPr sz="1800" kern="1200">
-                <a:solidFill>
-                  <a:schemeClr val="tx1"/>
-                </a:solidFill>
-                <a:latin typeface="+mn-lt"/>
-                <a:ea typeface="+mn-ea"/>
-                <a:cs typeface="+mn-cs"/>
-              </a:defRPr>
-            </a:lvl6pPr>
-            <a:lvl7pPr marL="2971800" indent="-228600" algn="l" defTabSz="914400" rtl="0" eaLnBrk="1" latinLnBrk="0" hangingPunct="1">
-              <a:lnSpc>
-                <a:spcPct val="90000"/>
-              </a:lnSpc>
-              <a:spcBef>
-                <a:spcPct val="30000"/>
-              </a:spcBef>
-              <a:buFont typeface="Arial" panose="020B0604020202020204" pitchFamily="34" charset="0"/>
-              <a:buChar char="•"/>
-              <a:defRPr sz="1800" kern="1200">
-                <a:solidFill>
-                  <a:schemeClr val="tx1"/>
-                </a:solidFill>
-                <a:latin typeface="+mn-lt"/>
-                <a:ea typeface="+mn-ea"/>
-                <a:cs typeface="+mn-cs"/>
-              </a:defRPr>
-            </a:lvl7pPr>
-            <a:lvl8pPr marL="3429000" indent="-228600" algn="l" defTabSz="914400" rtl="0" eaLnBrk="1" latinLnBrk="0" hangingPunct="1">
-              <a:lnSpc>
-                <a:spcPct val="90000"/>
-              </a:lnSpc>
-              <a:spcBef>
-                <a:spcPct val="30000"/>
-              </a:spcBef>
-              <a:buFont typeface="Arial" panose="020B0604020202020204" pitchFamily="34" charset="0"/>
-              <a:buChar char="•"/>
-              <a:defRPr sz="1800" kern="1200">
-                <a:solidFill>
-                  <a:schemeClr val="tx1"/>
-                </a:solidFill>
-                <a:latin typeface="+mn-lt"/>
-                <a:ea typeface="+mn-ea"/>
-                <a:cs typeface="+mn-cs"/>
-              </a:defRPr>
-            </a:lvl8pPr>
-            <a:lvl9pPr marL="3886200" indent="-228600" algn="l" defTabSz="914400" rtl="0" eaLnBrk="1" latinLnBrk="0" hangingPunct="1">
-              <a:lnSpc>
-                <a:spcPct val="90000"/>
-              </a:lnSpc>
-              <a:spcBef>
-                <a:spcPct val="30000"/>
-              </a:spcBef>
-              <a:buFont typeface="Arial" panose="020B0604020202020204" pitchFamily="34" charset="0"/>
-              <a:buChar char="•"/>
-              <a:defRPr sz="1800" kern="1200">
-                <a:solidFill>
-                  <a:schemeClr val="tx1"/>
-                </a:solidFill>
-                <a:latin typeface="+mn-lt"/>
-                <a:ea typeface="+mn-ea"/>
-                <a:cs typeface="+mn-cs"/>
-              </a:defRPr>
-            </a:lvl9pPr>
-          </a:lstStyle>
-          <a:p>
-            <a:pPr marL="0" indent="0" rtl="0">
-              <a:lnSpc>
-                <a:spcPct val="150000"/>
-              </a:lnSpc>
-              <a:spcAft>
-                <a:spcPts val="1200"/>
-              </a:spcAft>
-              <a:buNone/>
-            </a:pPr>
-            <a:endParaRPr lang="zh-CN" altLang="en-US" sz="1600" dirty="0">
-              <a:solidFill>
-                <a:schemeClr val="tx1">
-                  <a:lumMod val="65000"/>
-                  <a:lumOff val="35000"/>
-                </a:schemeClr>
-              </a:solidFill>
-              <a:latin typeface="Microsoft YaHei UI" panose="020B0503020204020204" pitchFamily="34" charset="-122"/>
-              <a:ea typeface="Microsoft YaHei UI" panose="020B0503020204020204" pitchFamily="34" charset="-122"/>
-              <a:cs typeface="Arial" panose="020B0604020202020204" pitchFamily="34" charset="0"/>
-            </a:endParaRPr>
-          </a:p>
-        </p:txBody>
-      </p:sp>
-    </p:spTree>
-    <p:extLst>
-      <p:ext uri="{BB962C8B-B14F-4D97-AF65-F5344CB8AC3E}">
-        <p14:creationId xmlns:p14="http://schemas.microsoft.com/office/powerpoint/2010/main" val="914520176"/>
-      </p:ext>
-    </p:extLst>
-  </p:cSld>
-  <p:clrMapOvr>
-    <a:masterClrMapping/>
-  </p:clrMapOvr>
-</p:sld>
-</file>
-
-<file path=ppt/slides/slide3.xml><?xml version="1.0" encoding="utf-8"?>
-<p:sld xmlns:a="http://schemas.openxmlformats.org/drawingml/2006/main" xmlns:r="http://schemas.openxmlformats.org/officeDocument/2006/relationships" xmlns:p="http://schemas.openxmlformats.org/presentationml/2006/main">
-  <p:cSld>
-    <p:spTree>
-      <p:nvGrpSpPr>
-        <p:cNvPr id="1" name=""/>
-        <p:cNvGrpSpPr/>
-        <p:nvPr/>
-      </p:nvGrpSpPr>
-      <p:grpSpPr>
-        <a:xfrm>
-          <a:off x="0" y="0"/>
-          <a:ext cx="0" cy="0"/>
-          <a:chOff x="0" y="0"/>
-          <a:chExt cx="0" cy="0"/>
-        </a:xfrm>
-      </p:grpSpPr>
-      <p:sp>
-        <p:nvSpPr>
-          <p:cNvPr id="2" name="标题 1"/>
-          <p:cNvSpPr>
-            <a:spLocks noGrp="1"/>
-          </p:cNvSpPr>
-          <p:nvPr>
-            <p:ph type="title"/>
-          </p:nvPr>
-        </p:nvSpPr>
         <p:spPr>
           <a:xfrm>
             <a:off x="523752" y="0"/>
@@ -5135,12 +2948,12 @@
           </a:bodyPr>
           <a:lstStyle/>
           <a:p>
-            <a:pPr lvl="0" rtl="0"/>
-            <a:r>
-              <a:rPr lang="zh-CN" altLang="en-US" sz="3400" dirty="0">
+            <a:pPr lvl="0"/>
+            <a:r>
+              <a:rPr kumimoji="1" lang="zh-CN" altLang="en-US" sz="3200" dirty="0">
                 <a:cs typeface="Arial" panose="020B0604020202020204" pitchFamily="34" charset="0"/>
               </a:rPr>
-              <a:t>项目介绍</a:t>
+              <a:t>微服务框架</a:t>
             </a:r>
             <a:endParaRPr lang="zh-cn" sz="3400" dirty="0">
               <a:cs typeface="Arial" panose="020B0604020202020204" pitchFamily="34" charset="0"/>
@@ -5186,10 +2999,10 @@
               <a:buAutoNum type="arabicPeriod"/>
             </a:pPr>
             <a:r>
-              <a:rPr lang="zh-CN" altLang="en-US" dirty="0">
+              <a:rPr lang="zh-CN" altLang="en-US" sz="1600" dirty="0">
                 <a:cs typeface="Arial" panose="020B0604020202020204" pitchFamily="34" charset="0"/>
               </a:rPr>
-              <a:t>多活架构搭建</a:t>
+              <a:t>框架设计</a:t>
             </a:r>
             <a:endParaRPr lang="en-US" altLang="zh-CN" sz="1600" dirty="0">
               <a:cs typeface="Arial" panose="020B0604020202020204" pitchFamily="34" charset="0"/>
@@ -5209,39 +3022,7 @@
               <a:rPr lang="zh-CN" altLang="en-US" dirty="0">
                 <a:cs typeface="Arial" panose="020B0604020202020204" pitchFamily="34" charset="0"/>
               </a:rPr>
-              <a:t>微服务通信框架</a:t>
-            </a:r>
-            <a:endParaRPr lang="en-US" altLang="zh-CN" dirty="0">
-              <a:cs typeface="Arial" panose="020B0604020202020204" pitchFamily="34" charset="0"/>
-            </a:endParaRPr>
-          </a:p>
-          <a:p>
-            <a:pPr marL="342900" indent="-342900" rtl="0">
-              <a:lnSpc>
-                <a:spcPct val="150000"/>
-              </a:lnSpc>
-              <a:spcAft>
-                <a:spcPts val="1200"/>
-              </a:spcAft>
-              <a:buAutoNum type="arabicPeriod"/>
-            </a:pPr>
-            <a:r>
-              <a:rPr lang="zh-CN" altLang="en-US" sz="1600" dirty="0">
-                <a:cs typeface="Arial" panose="020B0604020202020204" pitchFamily="34" charset="0"/>
-              </a:rPr>
-              <a:t>全金融</a:t>
-            </a:r>
-            <a:r>
-              <a:rPr lang="en-US" altLang="zh-CN" sz="1600" dirty="0">
-                <a:cs typeface="Arial" panose="020B0604020202020204" pitchFamily="34" charset="0"/>
-              </a:rPr>
-              <a:t>IDC</a:t>
-            </a:r>
-            <a:r>
-              <a:rPr lang="zh-CN" altLang="en-US" sz="1600" dirty="0">
-                <a:cs typeface="Arial" panose="020B0604020202020204" pitchFamily="34" charset="0"/>
-              </a:rPr>
-              <a:t>云化与降本</a:t>
+              <a:t>流量调度与服务治理</a:t>
             </a:r>
           </a:p>
         </p:txBody>
@@ -5249,7 +3030,7 @@
     </p:spTree>
     <p:extLst>
       <p:ext uri="{BB962C8B-B14F-4D97-AF65-F5344CB8AC3E}">
-        <p14:creationId xmlns:p14="http://schemas.microsoft.com/office/powerpoint/2010/main" val="3766387855"/>
+        <p14:creationId xmlns:p14="http://schemas.microsoft.com/office/powerpoint/2010/main" val="1107669807"/>
       </p:ext>
     </p:extLst>
   </p:cSld>
@@ -5259,1190 +3040,7 @@
 </p:sld>
 </file>
 
-<file path=ppt/slides/slide4.xml><?xml version="1.0" encoding="utf-8"?>
-<p:sld xmlns:a="http://schemas.openxmlformats.org/drawingml/2006/main" xmlns:r="http://schemas.openxmlformats.org/officeDocument/2006/relationships" xmlns:p="http://schemas.openxmlformats.org/presentationml/2006/main">
-  <p:cSld>
-    <p:spTree>
-      <p:nvGrpSpPr>
-        <p:cNvPr id="1" name=""/>
-        <p:cNvGrpSpPr/>
-        <p:nvPr/>
-      </p:nvGrpSpPr>
-      <p:grpSpPr>
-        <a:xfrm>
-          <a:off x="0" y="0"/>
-          <a:ext cx="0" cy="0"/>
-          <a:chOff x="0" y="0"/>
-          <a:chExt cx="0" cy="0"/>
-        </a:xfrm>
-      </p:grpSpPr>
-      <p:sp>
-        <p:nvSpPr>
-          <p:cNvPr id="2" name="标题 1"/>
-          <p:cNvSpPr>
-            <a:spLocks noGrp="1"/>
-          </p:cNvSpPr>
-          <p:nvPr>
-            <p:ph type="title"/>
-          </p:nvPr>
-        </p:nvSpPr>
-        <p:spPr>
-          <a:xfrm>
-            <a:off x="523752" y="0"/>
-            <a:ext cx="3011185" cy="1208868"/>
-          </a:xfrm>
-        </p:spPr>
-        <p:txBody>
-          <a:bodyPr rtlCol="0">
-            <a:normAutofit/>
-          </a:bodyPr>
-          <a:lstStyle/>
-          <a:p>
-            <a:r>
-              <a:rPr lang="zh-CN" altLang="en-US" dirty="0">
-                <a:cs typeface="Arial" panose="020B0604020202020204" pitchFamily="34" charset="0"/>
-              </a:rPr>
-              <a:t>多活架构搭建</a:t>
-            </a:r>
-            <a:endParaRPr lang="zh-cn" sz="3400" dirty="0">
-              <a:cs typeface="Arial" panose="020B0604020202020204" pitchFamily="34" charset="0"/>
-            </a:endParaRPr>
-          </a:p>
-        </p:txBody>
-      </p:sp>
-      <p:sp>
-        <p:nvSpPr>
-          <p:cNvPr id="3" name="矩形 2">
-            <a:extLst>
-              <a:ext uri="{FF2B5EF4-FFF2-40B4-BE49-F238E27FC236}">
-                <a16:creationId xmlns:a16="http://schemas.microsoft.com/office/drawing/2014/main" id="{17EEF0DC-5F46-2443-8163-8523D0991A4D}"/>
-              </a:ext>
-            </a:extLst>
-          </p:cNvPr>
-          <p:cNvSpPr/>
-          <p:nvPr/>
-        </p:nvSpPr>
-        <p:spPr>
-          <a:xfrm>
-            <a:off x="523751" y="1695747"/>
-            <a:ext cx="7862260" cy="5053969"/>
-          </a:xfrm>
-          <a:prstGeom prst="rect">
-            <a:avLst/>
-          </a:prstGeom>
-        </p:spPr>
-        <p:txBody>
-          <a:bodyPr vert="horz" lIns="91440" tIns="45720" rIns="91440" bIns="45720" rtlCol="0">
-            <a:noAutofit/>
-          </a:bodyPr>
-          <a:lstStyle/>
-          <a:p>
-            <a:pPr marL="342900" indent="-342900">
-              <a:lnSpc>
-                <a:spcPct val="150000"/>
-              </a:lnSpc>
-              <a:spcBef>
-                <a:spcPts val="500"/>
-              </a:spcBef>
-              <a:spcAft>
-                <a:spcPts val="1200"/>
-              </a:spcAft>
-              <a:buFont typeface="Arial" panose="020B0604020202020204" pitchFamily="34" charset="0"/>
-              <a:buAutoNum type="arabicPeriod"/>
-            </a:pPr>
-            <a:r>
-              <a:rPr lang="zh-CN" altLang="en-US" sz="1600" dirty="0">
-                <a:solidFill>
-                  <a:schemeClr val="tx1">
-                    <a:lumMod val="65000"/>
-                    <a:lumOff val="35000"/>
-                  </a:schemeClr>
-                </a:solidFill>
-                <a:latin typeface="Microsoft YaHei UI" panose="020B0503020204020204" pitchFamily="34" charset="-122"/>
-                <a:ea typeface="Microsoft YaHei UI" panose="020B0503020204020204" pitchFamily="34" charset="-122"/>
-                <a:cs typeface="Arial" panose="020B0604020202020204" pitchFamily="34" charset="0"/>
-              </a:rPr>
-              <a:t>目标：</a:t>
-            </a:r>
-            <a:endParaRPr lang="en-US" altLang="zh-CN" sz="1600" dirty="0">
-              <a:solidFill>
-                <a:schemeClr val="tx1">
-                  <a:lumMod val="65000"/>
-                  <a:lumOff val="35000"/>
-                </a:schemeClr>
-              </a:solidFill>
-              <a:latin typeface="Microsoft YaHei UI" panose="020B0503020204020204" pitchFamily="34" charset="-122"/>
-              <a:ea typeface="Microsoft YaHei UI" panose="020B0503020204020204" pitchFamily="34" charset="-122"/>
-              <a:cs typeface="Arial" panose="020B0604020202020204" pitchFamily="34" charset="0"/>
-            </a:endParaRPr>
-          </a:p>
-          <a:p>
-            <a:pPr marL="800100" lvl="1" indent="-342900">
-              <a:spcBef>
-                <a:spcPts val="500"/>
-              </a:spcBef>
-              <a:spcAft>
-                <a:spcPts val="1200"/>
-              </a:spcAft>
-              <a:buFont typeface="Arial" panose="020B0604020202020204" pitchFamily="34" charset="0"/>
-              <a:buAutoNum type="arabicPeriod"/>
-            </a:pPr>
-            <a:r>
-              <a:rPr lang="zh-CN" altLang="en-US" sz="1600" dirty="0">
-                <a:solidFill>
-                  <a:schemeClr val="tx1">
-                    <a:lumMod val="65000"/>
-                    <a:lumOff val="35000"/>
-                  </a:schemeClr>
-                </a:solidFill>
-                <a:latin typeface="Microsoft YaHei UI" panose="020B0503020204020204" pitchFamily="34" charset="-122"/>
-                <a:ea typeface="Microsoft YaHei UI" panose="020B0503020204020204" pitchFamily="34" charset="-122"/>
-                <a:cs typeface="Arial" panose="020B0604020202020204" pitchFamily="34" charset="0"/>
-              </a:rPr>
-              <a:t>高可用，遇灾难故障快速转移</a:t>
-            </a:r>
-            <a:endParaRPr lang="en-US" altLang="zh-CN" sz="1600" dirty="0">
-              <a:solidFill>
-                <a:schemeClr val="tx1">
-                  <a:lumMod val="65000"/>
-                  <a:lumOff val="35000"/>
-                </a:schemeClr>
-              </a:solidFill>
-              <a:latin typeface="Microsoft YaHei UI" panose="020B0503020204020204" pitchFamily="34" charset="-122"/>
-              <a:ea typeface="Microsoft YaHei UI" panose="020B0503020204020204" pitchFamily="34" charset="-122"/>
-              <a:cs typeface="Arial" panose="020B0604020202020204" pitchFamily="34" charset="0"/>
-            </a:endParaRPr>
-          </a:p>
-          <a:p>
-            <a:pPr marL="800100" lvl="1" indent="-342900">
-              <a:spcBef>
-                <a:spcPts val="500"/>
-              </a:spcBef>
-              <a:spcAft>
-                <a:spcPts val="1200"/>
-              </a:spcAft>
-              <a:buFont typeface="Arial" panose="020B0604020202020204" pitchFamily="34" charset="0"/>
-              <a:buAutoNum type="arabicPeriod"/>
-            </a:pPr>
-            <a:r>
-              <a:rPr lang="zh-CN" altLang="en-US" sz="1600" dirty="0">
-                <a:solidFill>
-                  <a:schemeClr val="tx1">
-                    <a:lumMod val="65000"/>
-                    <a:lumOff val="35000"/>
-                  </a:schemeClr>
-                </a:solidFill>
-                <a:latin typeface="Microsoft YaHei UI" panose="020B0503020204020204" pitchFamily="34" charset="-122"/>
-                <a:ea typeface="Microsoft YaHei UI" panose="020B0503020204020204" pitchFamily="34" charset="-122"/>
-                <a:cs typeface="Arial" panose="020B0604020202020204" pitchFamily="34" charset="0"/>
-              </a:rPr>
-              <a:t>水平扩展，多</a:t>
-            </a:r>
-            <a:r>
-              <a:rPr lang="en-US" altLang="zh-CN" sz="1600" dirty="0">
-                <a:solidFill>
-                  <a:schemeClr val="tx1">
-                    <a:lumMod val="65000"/>
-                    <a:lumOff val="35000"/>
-                  </a:schemeClr>
-                </a:solidFill>
-                <a:latin typeface="Microsoft YaHei UI" panose="020B0503020204020204" pitchFamily="34" charset="-122"/>
-                <a:ea typeface="Microsoft YaHei UI" panose="020B0503020204020204" pitchFamily="34" charset="-122"/>
-                <a:cs typeface="Arial" panose="020B0604020202020204" pitchFamily="34" charset="0"/>
-              </a:rPr>
-              <a:t>IDC</a:t>
-            </a:r>
-            <a:r>
-              <a:rPr lang="zh-CN" altLang="en-US" sz="1600" dirty="0">
-                <a:solidFill>
-                  <a:schemeClr val="tx1">
-                    <a:lumMod val="65000"/>
-                    <a:lumOff val="35000"/>
-                  </a:schemeClr>
-                </a:solidFill>
-                <a:latin typeface="Microsoft YaHei UI" panose="020B0503020204020204" pitchFamily="34" charset="-122"/>
-                <a:ea typeface="Microsoft YaHei UI" panose="020B0503020204020204" pitchFamily="34" charset="-122"/>
-                <a:cs typeface="Arial" panose="020B0604020202020204" pitchFamily="34" charset="0"/>
-              </a:rPr>
-              <a:t>、多分组提升吞吐</a:t>
-            </a:r>
-            <a:endParaRPr lang="en-US" altLang="zh-CN" sz="1600" dirty="0">
-              <a:solidFill>
-                <a:schemeClr val="tx1">
-                  <a:lumMod val="65000"/>
-                  <a:lumOff val="35000"/>
-                </a:schemeClr>
-              </a:solidFill>
-              <a:latin typeface="Microsoft YaHei UI" panose="020B0503020204020204" pitchFamily="34" charset="-122"/>
-              <a:ea typeface="Microsoft YaHei UI" panose="020B0503020204020204" pitchFamily="34" charset="-122"/>
-              <a:cs typeface="Arial" panose="020B0604020202020204" pitchFamily="34" charset="0"/>
-            </a:endParaRPr>
-          </a:p>
-          <a:p>
-            <a:pPr marL="800100" lvl="1" indent="-342900">
-              <a:spcBef>
-                <a:spcPts val="500"/>
-              </a:spcBef>
-              <a:spcAft>
-                <a:spcPts val="1200"/>
-              </a:spcAft>
-              <a:buFont typeface="Arial" panose="020B0604020202020204" pitchFamily="34" charset="0"/>
-              <a:buAutoNum type="arabicPeriod"/>
-            </a:pPr>
-            <a:r>
-              <a:rPr lang="zh-CN" altLang="en-US" sz="1600" dirty="0">
-                <a:solidFill>
-                  <a:schemeClr val="tx1">
-                    <a:lumMod val="65000"/>
-                    <a:lumOff val="35000"/>
-                  </a:schemeClr>
-                </a:solidFill>
-                <a:latin typeface="Microsoft YaHei UI" panose="020B0503020204020204" pitchFamily="34" charset="-122"/>
-                <a:ea typeface="Microsoft YaHei UI" panose="020B0503020204020204" pitchFamily="34" charset="-122"/>
-                <a:cs typeface="Arial" panose="020B0604020202020204" pitchFamily="34" charset="0"/>
-              </a:rPr>
-              <a:t>策略化流量调度，分片调度、就近调度、低成本调度等</a:t>
-            </a:r>
-            <a:endParaRPr lang="en-US" altLang="zh-CN" sz="1600" dirty="0">
-              <a:solidFill>
-                <a:schemeClr val="tx1">
-                  <a:lumMod val="65000"/>
-                  <a:lumOff val="35000"/>
-                </a:schemeClr>
-              </a:solidFill>
-              <a:latin typeface="Microsoft YaHei UI" panose="020B0503020204020204" pitchFamily="34" charset="-122"/>
-              <a:ea typeface="Microsoft YaHei UI" panose="020B0503020204020204" pitchFamily="34" charset="-122"/>
-              <a:cs typeface="Arial" panose="020B0604020202020204" pitchFamily="34" charset="0"/>
-            </a:endParaRPr>
-          </a:p>
-          <a:p>
-            <a:pPr marL="800100" lvl="1" indent="-342900">
-              <a:spcBef>
-                <a:spcPts val="500"/>
-              </a:spcBef>
-              <a:spcAft>
-                <a:spcPts val="1200"/>
-              </a:spcAft>
-              <a:buFont typeface="Arial" panose="020B0604020202020204" pitchFamily="34" charset="0"/>
-              <a:buAutoNum type="arabicPeriod"/>
-            </a:pPr>
-            <a:r>
-              <a:rPr lang="zh-CN" altLang="en-US" sz="1600" dirty="0">
-                <a:solidFill>
-                  <a:schemeClr val="tx1">
-                    <a:lumMod val="65000"/>
-                    <a:lumOff val="35000"/>
-                  </a:schemeClr>
-                </a:solidFill>
-                <a:latin typeface="Microsoft YaHei UI" panose="020B0503020204020204" pitchFamily="34" charset="-122"/>
-                <a:ea typeface="Microsoft YaHei UI" panose="020B0503020204020204" pitchFamily="34" charset="-122"/>
-                <a:cs typeface="Arial" panose="020B0604020202020204" pitchFamily="34" charset="0"/>
-              </a:rPr>
-              <a:t>满足政策监管要求</a:t>
-            </a:r>
-            <a:endParaRPr lang="en-US" altLang="zh-CN" sz="1600" dirty="0">
-              <a:solidFill>
-                <a:schemeClr val="tx1">
-                  <a:lumMod val="65000"/>
-                  <a:lumOff val="35000"/>
-                </a:schemeClr>
-              </a:solidFill>
-              <a:latin typeface="Microsoft YaHei UI" panose="020B0503020204020204" pitchFamily="34" charset="-122"/>
-              <a:ea typeface="Microsoft YaHei UI" panose="020B0503020204020204" pitchFamily="34" charset="-122"/>
-              <a:cs typeface="Arial" panose="020B0604020202020204" pitchFamily="34" charset="0"/>
-            </a:endParaRPr>
-          </a:p>
-          <a:p>
-            <a:pPr marL="342900" indent="-342900">
-              <a:lnSpc>
-                <a:spcPct val="150000"/>
-              </a:lnSpc>
-              <a:spcBef>
-                <a:spcPts val="500"/>
-              </a:spcBef>
-              <a:spcAft>
-                <a:spcPts val="1200"/>
-              </a:spcAft>
-              <a:buFont typeface="Arial" panose="020B0604020202020204" pitchFamily="34" charset="0"/>
-              <a:buAutoNum type="arabicPeriod"/>
-            </a:pPr>
-            <a:r>
-              <a:rPr lang="zh-CN" altLang="en-US" sz="1600" dirty="0">
-                <a:solidFill>
-                  <a:schemeClr val="tx1">
-                    <a:lumMod val="65000"/>
-                    <a:lumOff val="35000"/>
-                  </a:schemeClr>
-                </a:solidFill>
-                <a:latin typeface="Microsoft YaHei UI" panose="020B0503020204020204" pitchFamily="34" charset="-122"/>
-                <a:ea typeface="Microsoft YaHei UI" panose="020B0503020204020204" pitchFamily="34" charset="-122"/>
-                <a:cs typeface="Arial" panose="020B0604020202020204" pitchFamily="34" charset="0"/>
-              </a:rPr>
-              <a:t>原则：</a:t>
-            </a:r>
-            <a:endParaRPr lang="en-US" altLang="zh-CN" sz="1600" dirty="0">
-              <a:solidFill>
-                <a:schemeClr val="tx1">
-                  <a:lumMod val="65000"/>
-                  <a:lumOff val="35000"/>
-                </a:schemeClr>
-              </a:solidFill>
-              <a:latin typeface="Microsoft YaHei UI" panose="020B0503020204020204" pitchFamily="34" charset="-122"/>
-              <a:ea typeface="Microsoft YaHei UI" panose="020B0503020204020204" pitchFamily="34" charset="-122"/>
-              <a:cs typeface="Arial" panose="020B0604020202020204" pitchFamily="34" charset="0"/>
-            </a:endParaRPr>
-          </a:p>
-          <a:p>
-            <a:pPr marL="800100" lvl="1" indent="-342900">
-              <a:spcBef>
-                <a:spcPts val="500"/>
-              </a:spcBef>
-              <a:spcAft>
-                <a:spcPts val="1200"/>
-              </a:spcAft>
-              <a:buFont typeface="Arial" panose="020B0604020202020204" pitchFamily="34" charset="0"/>
-              <a:buAutoNum type="arabicPeriod"/>
-            </a:pPr>
-            <a:r>
-              <a:rPr lang="zh-CN" altLang="en-US" sz="1600" dirty="0">
-                <a:solidFill>
-                  <a:schemeClr val="tx1">
-                    <a:lumMod val="65000"/>
-                    <a:lumOff val="35000"/>
-                  </a:schemeClr>
-                </a:solidFill>
-                <a:latin typeface="Microsoft YaHei UI" panose="020B0503020204020204" pitchFamily="34" charset="-122"/>
-                <a:ea typeface="Microsoft YaHei UI" panose="020B0503020204020204" pitchFamily="34" charset="-122"/>
-                <a:cs typeface="Arial" panose="020B0604020202020204" pitchFamily="34" charset="0"/>
-              </a:rPr>
-              <a:t>核心业务多活，且单元化、可分片，数据可分类</a:t>
-            </a:r>
-            <a:endParaRPr lang="en-US" altLang="zh-CN" sz="1600" dirty="0">
-              <a:solidFill>
-                <a:schemeClr val="tx1">
-                  <a:lumMod val="65000"/>
-                  <a:lumOff val="35000"/>
-                </a:schemeClr>
-              </a:solidFill>
-              <a:latin typeface="Microsoft YaHei UI" panose="020B0503020204020204" pitchFamily="34" charset="-122"/>
-              <a:ea typeface="Microsoft YaHei UI" panose="020B0503020204020204" pitchFamily="34" charset="-122"/>
-              <a:cs typeface="Arial" panose="020B0604020202020204" pitchFamily="34" charset="0"/>
-            </a:endParaRPr>
-          </a:p>
-          <a:p>
-            <a:pPr marL="800100" lvl="1" indent="-342900">
-              <a:spcBef>
-                <a:spcPts val="500"/>
-              </a:spcBef>
-              <a:spcAft>
-                <a:spcPts val="1200"/>
-              </a:spcAft>
-              <a:buFont typeface="Arial" panose="020B0604020202020204" pitchFamily="34" charset="0"/>
-              <a:buAutoNum type="arabicPeriod"/>
-            </a:pPr>
-            <a:r>
-              <a:rPr lang="zh-CN" altLang="en-US" sz="1600" dirty="0">
-                <a:solidFill>
-                  <a:schemeClr val="tx1">
-                    <a:lumMod val="65000"/>
-                    <a:lumOff val="35000"/>
-                  </a:schemeClr>
-                </a:solidFill>
-                <a:latin typeface="Microsoft YaHei UI" panose="020B0503020204020204" pitchFamily="34" charset="-122"/>
-                <a:ea typeface="Microsoft YaHei UI" panose="020B0503020204020204" pitchFamily="34" charset="-122"/>
-                <a:cs typeface="Arial" panose="020B0604020202020204" pitchFamily="34" charset="0"/>
-              </a:rPr>
-              <a:t>保障多数用户，少数用户等待或转移</a:t>
-            </a:r>
-            <a:endParaRPr lang="en-US" altLang="zh-CN" sz="1600" dirty="0">
-              <a:solidFill>
-                <a:schemeClr val="tx1">
-                  <a:lumMod val="65000"/>
-                  <a:lumOff val="35000"/>
-                </a:schemeClr>
-              </a:solidFill>
-              <a:latin typeface="Microsoft YaHei UI" panose="020B0503020204020204" pitchFamily="34" charset="-122"/>
-              <a:ea typeface="Microsoft YaHei UI" panose="020B0503020204020204" pitchFamily="34" charset="-122"/>
-              <a:cs typeface="Arial" panose="020B0604020202020204" pitchFamily="34" charset="0"/>
-            </a:endParaRPr>
-          </a:p>
-          <a:p>
-            <a:pPr marL="800100" lvl="1" indent="-342900">
-              <a:spcBef>
-                <a:spcPts val="500"/>
-              </a:spcBef>
-              <a:spcAft>
-                <a:spcPts val="1200"/>
-              </a:spcAft>
-              <a:buFont typeface="Arial" panose="020B0604020202020204" pitchFamily="34" charset="0"/>
-              <a:buAutoNum type="arabicPeriod"/>
-            </a:pPr>
-            <a:r>
-              <a:rPr lang="zh-CN" altLang="en-US" sz="1600" dirty="0">
-                <a:solidFill>
-                  <a:schemeClr val="tx1">
-                    <a:lumMod val="65000"/>
-                    <a:lumOff val="35000"/>
-                  </a:schemeClr>
-                </a:solidFill>
-                <a:latin typeface="Microsoft YaHei UI" panose="020B0503020204020204" pitchFamily="34" charset="-122"/>
-                <a:ea typeface="Microsoft YaHei UI" panose="020B0503020204020204" pitchFamily="34" charset="-122"/>
-                <a:cs typeface="Arial" panose="020B0604020202020204" pitchFamily="34" charset="0"/>
-              </a:rPr>
-              <a:t>多</a:t>
-            </a:r>
-            <a:r>
-              <a:rPr lang="en-US" altLang="zh-CN" sz="1600" dirty="0">
-                <a:solidFill>
-                  <a:schemeClr val="tx1">
-                    <a:lumMod val="65000"/>
-                    <a:lumOff val="35000"/>
-                  </a:schemeClr>
-                </a:solidFill>
-                <a:latin typeface="Microsoft YaHei UI" panose="020B0503020204020204" pitchFamily="34" charset="-122"/>
-                <a:ea typeface="Microsoft YaHei UI" panose="020B0503020204020204" pitchFamily="34" charset="-122"/>
-                <a:cs typeface="Arial" panose="020B0604020202020204" pitchFamily="34" charset="0"/>
-              </a:rPr>
-              <a:t>IDC</a:t>
-            </a:r>
-            <a:r>
-              <a:rPr lang="zh-CN" altLang="en-US" sz="1600" dirty="0">
-                <a:solidFill>
-                  <a:schemeClr val="tx1">
-                    <a:lumMod val="65000"/>
-                    <a:lumOff val="35000"/>
-                  </a:schemeClr>
-                </a:solidFill>
-                <a:latin typeface="Microsoft YaHei UI" panose="020B0503020204020204" pitchFamily="34" charset="-122"/>
-                <a:ea typeface="Microsoft YaHei UI" panose="020B0503020204020204" pitchFamily="34" charset="-122"/>
-                <a:cs typeface="Arial" panose="020B0604020202020204" pitchFamily="34" charset="0"/>
-              </a:rPr>
-              <a:t>流量在线，任何机房需要同时按配比在线，确保业务正常运转</a:t>
-            </a:r>
-            <a:endParaRPr lang="en-US" altLang="zh-CN" sz="1600" dirty="0">
-              <a:solidFill>
-                <a:schemeClr val="tx1">
-                  <a:lumMod val="65000"/>
-                  <a:lumOff val="35000"/>
-                </a:schemeClr>
-              </a:solidFill>
-              <a:latin typeface="Microsoft YaHei UI" panose="020B0503020204020204" pitchFamily="34" charset="-122"/>
-              <a:ea typeface="Microsoft YaHei UI" panose="020B0503020204020204" pitchFamily="34" charset="-122"/>
-              <a:cs typeface="Arial" panose="020B0604020202020204" pitchFamily="34" charset="0"/>
-            </a:endParaRPr>
-          </a:p>
-          <a:p>
-            <a:pPr marL="800100" lvl="1" indent="-342900">
-              <a:spcBef>
-                <a:spcPts val="500"/>
-              </a:spcBef>
-              <a:spcAft>
-                <a:spcPts val="1200"/>
-              </a:spcAft>
-              <a:buFont typeface="Arial" panose="020B0604020202020204" pitchFamily="34" charset="0"/>
-              <a:buAutoNum type="arabicPeriod"/>
-            </a:pPr>
-            <a:r>
-              <a:rPr lang="zh-CN" altLang="en-US" sz="1600" dirty="0">
-                <a:solidFill>
-                  <a:schemeClr val="tx1">
-                    <a:lumMod val="65000"/>
-                    <a:lumOff val="35000"/>
-                  </a:schemeClr>
-                </a:solidFill>
-                <a:latin typeface="Microsoft YaHei UI" panose="020B0503020204020204" pitchFamily="34" charset="-122"/>
-                <a:ea typeface="Microsoft YaHei UI" panose="020B0503020204020204" pitchFamily="34" charset="-122"/>
-                <a:cs typeface="Arial" panose="020B0604020202020204" pitchFamily="34" charset="0"/>
-              </a:rPr>
-              <a:t>定期演练，保证多机房健康，随时承担突发风险</a:t>
-            </a:r>
-            <a:endParaRPr lang="en-US" altLang="zh-CN" sz="1600" dirty="0">
-              <a:solidFill>
-                <a:schemeClr val="tx1">
-                  <a:lumMod val="65000"/>
-                  <a:lumOff val="35000"/>
-                </a:schemeClr>
-              </a:solidFill>
-              <a:latin typeface="Microsoft YaHei UI" panose="020B0503020204020204" pitchFamily="34" charset="-122"/>
-              <a:ea typeface="Microsoft YaHei UI" panose="020B0503020204020204" pitchFamily="34" charset="-122"/>
-              <a:cs typeface="Arial" panose="020B0604020202020204" pitchFamily="34" charset="0"/>
-            </a:endParaRPr>
-          </a:p>
-        </p:txBody>
-      </p:sp>
-      <p:sp>
-        <p:nvSpPr>
-          <p:cNvPr id="4" name="矩形 3">
-            <a:extLst>
-              <a:ext uri="{FF2B5EF4-FFF2-40B4-BE49-F238E27FC236}">
-                <a16:creationId xmlns:a16="http://schemas.microsoft.com/office/drawing/2014/main" id="{59231917-3D7B-054D-8C09-41D2A8F0837F}"/>
-              </a:ext>
-            </a:extLst>
-          </p:cNvPr>
-          <p:cNvSpPr/>
-          <p:nvPr/>
-        </p:nvSpPr>
-        <p:spPr>
-          <a:xfrm>
-            <a:off x="10682714" y="757613"/>
-            <a:ext cx="1338828" cy="369332"/>
-          </a:xfrm>
-          <a:prstGeom prst="rect">
-            <a:avLst/>
-          </a:prstGeom>
-        </p:spPr>
-        <p:txBody>
-          <a:bodyPr wrap="none">
-            <a:spAutoFit/>
-          </a:bodyPr>
-          <a:lstStyle/>
-          <a:p>
-            <a:pPr>
-              <a:spcBef>
-                <a:spcPct val="0"/>
-              </a:spcBef>
-            </a:pPr>
-            <a:r>
-              <a:rPr lang="zh-CN" altLang="en-US" dirty="0">
-                <a:solidFill>
-                  <a:schemeClr val="bg1"/>
-                </a:solidFill>
-                <a:latin typeface="Microsoft YaHei UI" panose="020B0503020204020204" pitchFamily="34" charset="-122"/>
-                <a:ea typeface="Microsoft YaHei UI" panose="020B0503020204020204" pitchFamily="34" charset="-122"/>
-                <a:cs typeface="Arial" panose="020B0604020202020204" pitchFamily="34" charset="0"/>
-              </a:rPr>
-              <a:t>目标与原则</a:t>
-            </a:r>
-          </a:p>
-        </p:txBody>
-      </p:sp>
-    </p:spTree>
-    <p:extLst>
-      <p:ext uri="{BB962C8B-B14F-4D97-AF65-F5344CB8AC3E}">
-        <p14:creationId xmlns:p14="http://schemas.microsoft.com/office/powerpoint/2010/main" val="4277600356"/>
-      </p:ext>
-    </p:extLst>
-  </p:cSld>
-  <p:clrMapOvr>
-    <a:masterClrMapping/>
-  </p:clrMapOvr>
-</p:sld>
-</file>
-
-<file path=ppt/slides/slide5.xml><?xml version="1.0" encoding="utf-8"?>
-<p:sld xmlns:a="http://schemas.openxmlformats.org/drawingml/2006/main" xmlns:r="http://schemas.openxmlformats.org/officeDocument/2006/relationships" xmlns:p="http://schemas.openxmlformats.org/presentationml/2006/main">
-  <p:cSld>
-    <p:spTree>
-      <p:nvGrpSpPr>
-        <p:cNvPr id="1" name=""/>
-        <p:cNvGrpSpPr/>
-        <p:nvPr/>
-      </p:nvGrpSpPr>
-      <p:grpSpPr>
-        <a:xfrm>
-          <a:off x="0" y="0"/>
-          <a:ext cx="0" cy="0"/>
-          <a:chOff x="0" y="0"/>
-          <a:chExt cx="0" cy="0"/>
-        </a:xfrm>
-      </p:grpSpPr>
-      <p:sp>
-        <p:nvSpPr>
-          <p:cNvPr id="2" name="标题 1">
-            <a:extLst>
-              <a:ext uri="{FF2B5EF4-FFF2-40B4-BE49-F238E27FC236}">
-                <a16:creationId xmlns:a16="http://schemas.microsoft.com/office/drawing/2014/main" id="{3920C9D1-E3BD-AC4C-8DEF-AFCBAB41DD68}"/>
-              </a:ext>
-            </a:extLst>
-          </p:cNvPr>
-          <p:cNvSpPr>
-            <a:spLocks noGrp="1"/>
-          </p:cNvSpPr>
-          <p:nvPr>
-            <p:ph type="title"/>
-          </p:nvPr>
-        </p:nvSpPr>
-        <p:spPr>
-          <a:xfrm>
-            <a:off x="604434" y="0"/>
-            <a:ext cx="5328015" cy="1208868"/>
-          </a:xfrm>
-        </p:spPr>
-        <p:txBody>
-          <a:bodyPr/>
-          <a:lstStyle/>
-          <a:p>
-            <a:r>
-              <a:rPr lang="zh-CN" altLang="en-US" dirty="0">
-                <a:cs typeface="Arial" panose="020B0604020202020204" pitchFamily="34" charset="0"/>
-              </a:rPr>
-              <a:t>多活架构搭建</a:t>
-            </a:r>
-            <a:endParaRPr kumimoji="1" lang="zh-CN" altLang="en-US" dirty="0"/>
-          </a:p>
-        </p:txBody>
-      </p:sp>
-      <p:sp>
-        <p:nvSpPr>
-          <p:cNvPr id="4" name="矩形 3">
-            <a:extLst>
-              <a:ext uri="{FF2B5EF4-FFF2-40B4-BE49-F238E27FC236}">
-                <a16:creationId xmlns:a16="http://schemas.microsoft.com/office/drawing/2014/main" id="{408C0EB1-4BB8-414D-A2F4-84B7A7931A9B}"/>
-              </a:ext>
-            </a:extLst>
-          </p:cNvPr>
-          <p:cNvSpPr/>
-          <p:nvPr/>
-        </p:nvSpPr>
-        <p:spPr>
-          <a:xfrm>
-            <a:off x="10571903" y="562537"/>
-            <a:ext cx="2031325" cy="646331"/>
-          </a:xfrm>
-          <a:prstGeom prst="rect">
-            <a:avLst/>
-          </a:prstGeom>
-        </p:spPr>
-        <p:txBody>
-          <a:bodyPr vert="horz" lIns="91440" tIns="45720" rIns="91440" bIns="45720" rtlCol="0" anchor="b">
-            <a:normAutofit/>
-          </a:bodyPr>
-          <a:lstStyle/>
-          <a:p>
-            <a:pPr>
-              <a:spcBef>
-                <a:spcPct val="0"/>
-              </a:spcBef>
-            </a:pPr>
-            <a:r>
-              <a:rPr lang="zh-CN" altLang="en-US" sz="2000" dirty="0">
-                <a:solidFill>
-                  <a:schemeClr val="bg1"/>
-                </a:solidFill>
-                <a:latin typeface="Microsoft YaHei UI" panose="020B0503020204020204" pitchFamily="34" charset="-122"/>
-                <a:ea typeface="Microsoft YaHei UI" panose="020B0503020204020204" pitchFamily="34" charset="-122"/>
-                <a:cs typeface="Arial" panose="020B0604020202020204" pitchFamily="34" charset="0"/>
-              </a:rPr>
-              <a:t>总体架构</a:t>
-            </a:r>
-          </a:p>
-        </p:txBody>
-      </p:sp>
-    </p:spTree>
-    <p:extLst>
-      <p:ext uri="{BB962C8B-B14F-4D97-AF65-F5344CB8AC3E}">
-        <p14:creationId xmlns:p14="http://schemas.microsoft.com/office/powerpoint/2010/main" val="466105299"/>
-      </p:ext>
-    </p:extLst>
-  </p:cSld>
-  <p:clrMapOvr>
-    <a:masterClrMapping/>
-  </p:clrMapOvr>
-</p:sld>
-</file>
-
-<file path=ppt/slides/slide6.xml><?xml version="1.0" encoding="utf-8"?>
-<p:sld xmlns:a="http://schemas.openxmlformats.org/drawingml/2006/main" xmlns:r="http://schemas.openxmlformats.org/officeDocument/2006/relationships" xmlns:p="http://schemas.openxmlformats.org/presentationml/2006/main">
-  <p:cSld>
-    <p:spTree>
-      <p:nvGrpSpPr>
-        <p:cNvPr id="1" name=""/>
-        <p:cNvGrpSpPr/>
-        <p:nvPr/>
-      </p:nvGrpSpPr>
-      <p:grpSpPr>
-        <a:xfrm>
-          <a:off x="0" y="0"/>
-          <a:ext cx="0" cy="0"/>
-          <a:chOff x="0" y="0"/>
-          <a:chExt cx="0" cy="0"/>
-        </a:xfrm>
-      </p:grpSpPr>
-      <p:sp>
-        <p:nvSpPr>
-          <p:cNvPr id="2" name="标题 1">
-            <a:extLst>
-              <a:ext uri="{FF2B5EF4-FFF2-40B4-BE49-F238E27FC236}">
-                <a16:creationId xmlns:a16="http://schemas.microsoft.com/office/drawing/2014/main" id="{3920C9D1-E3BD-AC4C-8DEF-AFCBAB41DD68}"/>
-              </a:ext>
-            </a:extLst>
-          </p:cNvPr>
-          <p:cNvSpPr>
-            <a:spLocks noGrp="1"/>
-          </p:cNvSpPr>
-          <p:nvPr>
-            <p:ph type="title"/>
-          </p:nvPr>
-        </p:nvSpPr>
-        <p:spPr>
-          <a:xfrm>
-            <a:off x="604434" y="0"/>
-            <a:ext cx="5328015" cy="1208868"/>
-          </a:xfrm>
-        </p:spPr>
-        <p:txBody>
-          <a:bodyPr/>
-          <a:lstStyle/>
-          <a:p>
-            <a:r>
-              <a:rPr lang="zh-CN" altLang="en-US" dirty="0">
-                <a:cs typeface="Arial" panose="020B0604020202020204" pitchFamily="34" charset="0"/>
-              </a:rPr>
-              <a:t>多活架构搭建</a:t>
-            </a:r>
-            <a:endParaRPr kumimoji="1" lang="zh-CN" altLang="en-US" dirty="0"/>
-          </a:p>
-        </p:txBody>
-      </p:sp>
-      <p:sp>
-        <p:nvSpPr>
-          <p:cNvPr id="4" name="矩形 3">
-            <a:extLst>
-              <a:ext uri="{FF2B5EF4-FFF2-40B4-BE49-F238E27FC236}">
-                <a16:creationId xmlns:a16="http://schemas.microsoft.com/office/drawing/2014/main" id="{408C0EB1-4BB8-414D-A2F4-84B7A7931A9B}"/>
-              </a:ext>
-            </a:extLst>
-          </p:cNvPr>
-          <p:cNvSpPr/>
-          <p:nvPr/>
-        </p:nvSpPr>
-        <p:spPr>
-          <a:xfrm>
-            <a:off x="10315425" y="562537"/>
-            <a:ext cx="2031325" cy="646331"/>
-          </a:xfrm>
-          <a:prstGeom prst="rect">
-            <a:avLst/>
-          </a:prstGeom>
-        </p:spPr>
-        <p:txBody>
-          <a:bodyPr vert="horz" lIns="91440" tIns="45720" rIns="91440" bIns="45720" rtlCol="0" anchor="b">
-            <a:normAutofit/>
-          </a:bodyPr>
-          <a:lstStyle/>
-          <a:p>
-            <a:pPr>
-              <a:spcBef>
-                <a:spcPct val="0"/>
-              </a:spcBef>
-            </a:pPr>
-            <a:r>
-              <a:rPr lang="zh-CN" altLang="en-US" sz="2000" dirty="0">
-                <a:solidFill>
-                  <a:schemeClr val="bg1"/>
-                </a:solidFill>
-                <a:latin typeface="Microsoft YaHei UI" panose="020B0503020204020204" pitchFamily="34" charset="-122"/>
-                <a:ea typeface="Microsoft YaHei UI" panose="020B0503020204020204" pitchFamily="34" charset="-122"/>
-                <a:cs typeface="Arial" panose="020B0604020202020204" pitchFamily="34" charset="0"/>
-              </a:rPr>
-              <a:t>全局流量调度</a:t>
-            </a:r>
-          </a:p>
-        </p:txBody>
-      </p:sp>
-      <p:sp>
-        <p:nvSpPr>
-          <p:cNvPr id="5" name="矩形 4">
-            <a:extLst>
-              <a:ext uri="{FF2B5EF4-FFF2-40B4-BE49-F238E27FC236}">
-                <a16:creationId xmlns:a16="http://schemas.microsoft.com/office/drawing/2014/main" id="{0B8753B3-9C62-6C41-9B36-710A676C3E67}"/>
-              </a:ext>
-            </a:extLst>
-          </p:cNvPr>
-          <p:cNvSpPr/>
-          <p:nvPr/>
-        </p:nvSpPr>
-        <p:spPr>
-          <a:xfrm>
-            <a:off x="523751" y="1695748"/>
-            <a:ext cx="4706171" cy="3422352"/>
-          </a:xfrm>
-          <a:prstGeom prst="rect">
-            <a:avLst/>
-          </a:prstGeom>
-        </p:spPr>
-        <p:txBody>
-          <a:bodyPr vert="horz" lIns="91440" tIns="45720" rIns="91440" bIns="45720" rtlCol="0">
-            <a:noAutofit/>
-          </a:bodyPr>
-          <a:lstStyle/>
-          <a:p>
-            <a:pPr>
-              <a:lnSpc>
-                <a:spcPct val="150000"/>
-              </a:lnSpc>
-              <a:spcBef>
-                <a:spcPts val="500"/>
-              </a:spcBef>
-              <a:spcAft>
-                <a:spcPts val="1200"/>
-              </a:spcAft>
-            </a:pPr>
-            <a:r>
-              <a:rPr lang="zh-CN" altLang="en-US" sz="1600" dirty="0">
-                <a:solidFill>
-                  <a:schemeClr val="tx1">
-                    <a:lumMod val="65000"/>
-                    <a:lumOff val="35000"/>
-                  </a:schemeClr>
-                </a:solidFill>
-                <a:latin typeface="Microsoft YaHei UI" panose="020B0503020204020204" pitchFamily="34" charset="-122"/>
-                <a:ea typeface="Microsoft YaHei UI" panose="020B0503020204020204" pitchFamily="34" charset="-122"/>
-                <a:cs typeface="Arial" panose="020B0604020202020204" pitchFamily="34" charset="0"/>
-              </a:rPr>
-              <a:t>特性：</a:t>
-            </a:r>
-            <a:endParaRPr lang="en-US" altLang="zh-CN" sz="1600" dirty="0">
-              <a:solidFill>
-                <a:schemeClr val="tx1">
-                  <a:lumMod val="65000"/>
-                  <a:lumOff val="35000"/>
-                </a:schemeClr>
-              </a:solidFill>
-              <a:latin typeface="Microsoft YaHei UI" panose="020B0503020204020204" pitchFamily="34" charset="-122"/>
-              <a:ea typeface="Microsoft YaHei UI" panose="020B0503020204020204" pitchFamily="34" charset="-122"/>
-              <a:cs typeface="Arial" panose="020B0604020202020204" pitchFamily="34" charset="0"/>
-            </a:endParaRPr>
-          </a:p>
-          <a:p>
-            <a:pPr marL="800100" lvl="1" indent="-342900">
-              <a:spcBef>
-                <a:spcPts val="500"/>
-              </a:spcBef>
-              <a:spcAft>
-                <a:spcPts val="1200"/>
-              </a:spcAft>
-              <a:buFont typeface="Arial" panose="020B0604020202020204" pitchFamily="34" charset="0"/>
-              <a:buAutoNum type="arabicPeriod"/>
-            </a:pPr>
-            <a:r>
-              <a:rPr lang="zh-CN" altLang="en-US" sz="1600" dirty="0">
-                <a:solidFill>
-                  <a:schemeClr val="tx1">
-                    <a:lumMod val="65000"/>
-                    <a:lumOff val="35000"/>
-                  </a:schemeClr>
-                </a:solidFill>
-                <a:latin typeface="Microsoft YaHei UI" panose="020B0503020204020204" pitchFamily="34" charset="-122"/>
-                <a:ea typeface="Microsoft YaHei UI" panose="020B0503020204020204" pitchFamily="34" charset="-122"/>
-                <a:cs typeface="Arial" panose="020B0604020202020204" pitchFamily="34" charset="0"/>
-              </a:rPr>
-              <a:t>基于</a:t>
-            </a:r>
-            <a:r>
-              <a:rPr lang="en-US" altLang="zh-CN" sz="1600" dirty="0">
-                <a:solidFill>
-                  <a:schemeClr val="tx1">
-                    <a:lumMod val="65000"/>
-                    <a:lumOff val="35000"/>
-                  </a:schemeClr>
-                </a:solidFill>
-                <a:latin typeface="Microsoft YaHei UI" panose="020B0503020204020204" pitchFamily="34" charset="-122"/>
-                <a:ea typeface="Microsoft YaHei UI" panose="020B0503020204020204" pitchFamily="34" charset="-122"/>
-                <a:cs typeface="Arial" panose="020B0604020202020204" pitchFamily="34" charset="0"/>
-              </a:rPr>
-              <a:t>HTTP-DNS</a:t>
-            </a:r>
-          </a:p>
-          <a:p>
-            <a:pPr marL="800100" lvl="1" indent="-342900">
-              <a:spcBef>
-                <a:spcPts val="500"/>
-              </a:spcBef>
-              <a:spcAft>
-                <a:spcPts val="1200"/>
-              </a:spcAft>
-              <a:buFont typeface="Arial" panose="020B0604020202020204" pitchFamily="34" charset="0"/>
-              <a:buAutoNum type="arabicPeriod"/>
-            </a:pPr>
-            <a:r>
-              <a:rPr lang="zh-CN" altLang="en-US" sz="1600" dirty="0">
-                <a:solidFill>
-                  <a:schemeClr val="tx1">
-                    <a:lumMod val="65000"/>
-                    <a:lumOff val="35000"/>
-                  </a:schemeClr>
-                </a:solidFill>
-                <a:latin typeface="Microsoft YaHei UI" panose="020B0503020204020204" pitchFamily="34" charset="-122"/>
-                <a:ea typeface="Microsoft YaHei UI" panose="020B0503020204020204" pitchFamily="34" charset="-122"/>
-                <a:cs typeface="Arial" panose="020B0604020202020204" pitchFamily="34" charset="0"/>
-              </a:rPr>
-              <a:t>防劫持</a:t>
-            </a:r>
-            <a:endParaRPr lang="en-US" altLang="zh-CN" sz="1600" dirty="0">
-              <a:solidFill>
-                <a:schemeClr val="tx1">
-                  <a:lumMod val="65000"/>
-                  <a:lumOff val="35000"/>
-                </a:schemeClr>
-              </a:solidFill>
-              <a:latin typeface="Microsoft YaHei UI" panose="020B0503020204020204" pitchFamily="34" charset="-122"/>
-              <a:ea typeface="Microsoft YaHei UI" panose="020B0503020204020204" pitchFamily="34" charset="-122"/>
-              <a:cs typeface="Arial" panose="020B0604020202020204" pitchFamily="34" charset="0"/>
-            </a:endParaRPr>
-          </a:p>
-          <a:p>
-            <a:pPr marL="800100" lvl="1" indent="-342900">
-              <a:spcBef>
-                <a:spcPts val="500"/>
-              </a:spcBef>
-              <a:spcAft>
-                <a:spcPts val="1200"/>
-              </a:spcAft>
-              <a:buFont typeface="Arial" panose="020B0604020202020204" pitchFamily="34" charset="0"/>
-              <a:buAutoNum type="arabicPeriod"/>
-            </a:pPr>
-            <a:r>
-              <a:rPr lang="zh-CN" altLang="en-US" sz="1600" dirty="0">
-                <a:solidFill>
-                  <a:schemeClr val="tx1">
-                    <a:lumMod val="65000"/>
-                    <a:lumOff val="35000"/>
-                  </a:schemeClr>
-                </a:solidFill>
-                <a:latin typeface="Microsoft YaHei UI" panose="020B0503020204020204" pitchFamily="34" charset="-122"/>
-                <a:ea typeface="Microsoft YaHei UI" panose="020B0503020204020204" pitchFamily="34" charset="-122"/>
-                <a:cs typeface="Arial" panose="020B0604020202020204" pitchFamily="34" charset="0"/>
-              </a:rPr>
-              <a:t>快速生效</a:t>
-            </a:r>
-            <a:endParaRPr lang="en-US" altLang="zh-CN" sz="1600" dirty="0">
-              <a:solidFill>
-                <a:schemeClr val="tx1">
-                  <a:lumMod val="65000"/>
-                  <a:lumOff val="35000"/>
-                </a:schemeClr>
-              </a:solidFill>
-              <a:latin typeface="Microsoft YaHei UI" panose="020B0503020204020204" pitchFamily="34" charset="-122"/>
-              <a:ea typeface="Microsoft YaHei UI" panose="020B0503020204020204" pitchFamily="34" charset="-122"/>
-              <a:cs typeface="Arial" panose="020B0604020202020204" pitchFamily="34" charset="0"/>
-            </a:endParaRPr>
-          </a:p>
-          <a:p>
-            <a:pPr marL="800100" lvl="1" indent="-342900">
-              <a:spcBef>
-                <a:spcPts val="500"/>
-              </a:spcBef>
-              <a:spcAft>
-                <a:spcPts val="1200"/>
-              </a:spcAft>
-              <a:buFont typeface="Arial" panose="020B0604020202020204" pitchFamily="34" charset="0"/>
-              <a:buAutoNum type="arabicPeriod"/>
-            </a:pPr>
-            <a:r>
-              <a:rPr lang="zh-CN" altLang="en-US" sz="1600" dirty="0">
-                <a:solidFill>
-                  <a:schemeClr val="tx1">
-                    <a:lumMod val="65000"/>
-                    <a:lumOff val="35000"/>
-                  </a:schemeClr>
-                </a:solidFill>
-                <a:latin typeface="Microsoft YaHei UI" panose="020B0503020204020204" pitchFamily="34" charset="-122"/>
-                <a:ea typeface="Microsoft YaHei UI" panose="020B0503020204020204" pitchFamily="34" charset="-122"/>
-                <a:cs typeface="Arial" panose="020B0604020202020204" pitchFamily="34" charset="0"/>
-              </a:rPr>
-              <a:t>区域、标签、设备精准调度</a:t>
-            </a:r>
-            <a:endParaRPr lang="en-US" altLang="zh-CN" sz="1600" dirty="0">
-              <a:solidFill>
-                <a:schemeClr val="tx1">
-                  <a:lumMod val="65000"/>
-                  <a:lumOff val="35000"/>
-                </a:schemeClr>
-              </a:solidFill>
-              <a:latin typeface="Microsoft YaHei UI" panose="020B0503020204020204" pitchFamily="34" charset="-122"/>
-              <a:ea typeface="Microsoft YaHei UI" panose="020B0503020204020204" pitchFamily="34" charset="-122"/>
-              <a:cs typeface="Arial" panose="020B0604020202020204" pitchFamily="34" charset="0"/>
-            </a:endParaRPr>
-          </a:p>
-          <a:p>
-            <a:pPr marL="800100" lvl="1" indent="-342900">
-              <a:spcBef>
-                <a:spcPts val="500"/>
-              </a:spcBef>
-              <a:spcAft>
-                <a:spcPts val="1200"/>
-              </a:spcAft>
-              <a:buFont typeface="Arial" panose="020B0604020202020204" pitchFamily="34" charset="0"/>
-              <a:buAutoNum type="arabicPeriod"/>
-            </a:pPr>
-            <a:r>
-              <a:rPr lang="zh-CN" altLang="en-US" sz="1600">
-                <a:solidFill>
-                  <a:schemeClr val="tx1">
-                    <a:lumMod val="65000"/>
-                    <a:lumOff val="35000"/>
-                  </a:schemeClr>
-                </a:solidFill>
-                <a:latin typeface="Microsoft YaHei UI" panose="020B0503020204020204" pitchFamily="34" charset="-122"/>
-                <a:ea typeface="Microsoft YaHei UI" panose="020B0503020204020204" pitchFamily="34" charset="-122"/>
-                <a:cs typeface="Arial" panose="020B0604020202020204" pitchFamily="34" charset="0"/>
-              </a:rPr>
-              <a:t>最终一致性</a:t>
-            </a:r>
-            <a:endParaRPr lang="en-US" altLang="zh-CN" sz="1600" dirty="0">
-              <a:solidFill>
-                <a:schemeClr val="tx1">
-                  <a:lumMod val="65000"/>
-                  <a:lumOff val="35000"/>
-                </a:schemeClr>
-              </a:solidFill>
-              <a:latin typeface="Microsoft YaHei UI" panose="020B0503020204020204" pitchFamily="34" charset="-122"/>
-              <a:ea typeface="Microsoft YaHei UI" panose="020B0503020204020204" pitchFamily="34" charset="-122"/>
-              <a:cs typeface="Arial" panose="020B0604020202020204" pitchFamily="34" charset="0"/>
-            </a:endParaRPr>
-          </a:p>
-          <a:p>
-            <a:pPr marL="800100" lvl="1" indent="-342900">
-              <a:spcBef>
-                <a:spcPts val="500"/>
-              </a:spcBef>
-              <a:spcAft>
-                <a:spcPts val="1200"/>
-              </a:spcAft>
-              <a:buFont typeface="Arial" panose="020B0604020202020204" pitchFamily="34" charset="0"/>
-              <a:buAutoNum type="arabicPeriod"/>
-            </a:pPr>
-            <a:endParaRPr lang="en-US" altLang="zh-CN" sz="1600" dirty="0">
-              <a:solidFill>
-                <a:schemeClr val="tx1">
-                  <a:lumMod val="65000"/>
-                  <a:lumOff val="35000"/>
-                </a:schemeClr>
-              </a:solidFill>
-              <a:latin typeface="Microsoft YaHei UI" panose="020B0503020204020204" pitchFamily="34" charset="-122"/>
-              <a:ea typeface="Microsoft YaHei UI" panose="020B0503020204020204" pitchFamily="34" charset="-122"/>
-              <a:cs typeface="Arial" panose="020B0604020202020204" pitchFamily="34" charset="0"/>
-            </a:endParaRPr>
-          </a:p>
-        </p:txBody>
-      </p:sp>
-    </p:spTree>
-    <p:extLst>
-      <p:ext uri="{BB962C8B-B14F-4D97-AF65-F5344CB8AC3E}">
-        <p14:creationId xmlns:p14="http://schemas.microsoft.com/office/powerpoint/2010/main" val="1868041121"/>
-      </p:ext>
-    </p:extLst>
-  </p:cSld>
-  <p:clrMapOvr>
-    <a:masterClrMapping/>
-  </p:clrMapOvr>
-</p:sld>
-</file>
-
-<file path=ppt/slides/slide7.xml><?xml version="1.0" encoding="utf-8"?>
-<p:sld xmlns:a="http://schemas.openxmlformats.org/drawingml/2006/main" xmlns:r="http://schemas.openxmlformats.org/officeDocument/2006/relationships" xmlns:p="http://schemas.openxmlformats.org/presentationml/2006/main">
-  <p:cSld>
-    <p:spTree>
-      <p:nvGrpSpPr>
-        <p:cNvPr id="1" name=""/>
-        <p:cNvGrpSpPr/>
-        <p:nvPr/>
-      </p:nvGrpSpPr>
-      <p:grpSpPr>
-        <a:xfrm>
-          <a:off x="0" y="0"/>
-          <a:ext cx="0" cy="0"/>
-          <a:chOff x="0" y="0"/>
-          <a:chExt cx="0" cy="0"/>
-        </a:xfrm>
-      </p:grpSpPr>
-      <p:sp>
-        <p:nvSpPr>
-          <p:cNvPr id="2" name="标题 1">
-            <a:extLst>
-              <a:ext uri="{FF2B5EF4-FFF2-40B4-BE49-F238E27FC236}">
-                <a16:creationId xmlns:a16="http://schemas.microsoft.com/office/drawing/2014/main" id="{3920C9D1-E3BD-AC4C-8DEF-AFCBAB41DD68}"/>
-              </a:ext>
-            </a:extLst>
-          </p:cNvPr>
-          <p:cNvSpPr>
-            <a:spLocks noGrp="1"/>
-          </p:cNvSpPr>
-          <p:nvPr>
-            <p:ph type="title"/>
-          </p:nvPr>
-        </p:nvSpPr>
-        <p:spPr>
-          <a:xfrm>
-            <a:off x="604434" y="0"/>
-            <a:ext cx="5328015" cy="1208868"/>
-          </a:xfrm>
-        </p:spPr>
-        <p:txBody>
-          <a:bodyPr/>
-          <a:lstStyle/>
-          <a:p>
-            <a:r>
-              <a:rPr lang="zh-CN" altLang="en-US" dirty="0">
-                <a:cs typeface="Arial" panose="020B0604020202020204" pitchFamily="34" charset="0"/>
-              </a:rPr>
-              <a:t>多活架构搭建</a:t>
-            </a:r>
-            <a:endParaRPr kumimoji="1" lang="zh-CN" altLang="en-US" dirty="0"/>
-          </a:p>
-        </p:txBody>
-      </p:sp>
-      <p:sp>
-        <p:nvSpPr>
-          <p:cNvPr id="4" name="矩形 3">
-            <a:extLst>
-              <a:ext uri="{FF2B5EF4-FFF2-40B4-BE49-F238E27FC236}">
-                <a16:creationId xmlns:a16="http://schemas.microsoft.com/office/drawing/2014/main" id="{408C0EB1-4BB8-414D-A2F4-84B7A7931A9B}"/>
-              </a:ext>
-            </a:extLst>
-          </p:cNvPr>
-          <p:cNvSpPr/>
-          <p:nvPr/>
-        </p:nvSpPr>
-        <p:spPr>
-          <a:xfrm>
-            <a:off x="10315425" y="562537"/>
-            <a:ext cx="2031325" cy="646331"/>
-          </a:xfrm>
-          <a:prstGeom prst="rect">
-            <a:avLst/>
-          </a:prstGeom>
-        </p:spPr>
-        <p:txBody>
-          <a:bodyPr vert="horz" lIns="91440" tIns="45720" rIns="91440" bIns="45720" rtlCol="0" anchor="b">
-            <a:normAutofit/>
-          </a:bodyPr>
-          <a:lstStyle/>
-          <a:p>
-            <a:pPr>
-              <a:spcBef>
-                <a:spcPct val="0"/>
-              </a:spcBef>
-            </a:pPr>
-            <a:r>
-              <a:rPr lang="zh-CN" altLang="en-US" sz="2000" dirty="0">
-                <a:solidFill>
-                  <a:schemeClr val="bg1"/>
-                </a:solidFill>
-                <a:latin typeface="Microsoft YaHei UI" panose="020B0503020204020204" pitchFamily="34" charset="-122"/>
-                <a:ea typeface="Microsoft YaHei UI" panose="020B0503020204020204" pitchFamily="34" charset="-122"/>
-                <a:cs typeface="Arial" panose="020B0604020202020204" pitchFamily="34" charset="0"/>
-              </a:rPr>
-              <a:t>后端流量调度</a:t>
-            </a:r>
-          </a:p>
-        </p:txBody>
-      </p:sp>
-    </p:spTree>
-    <p:extLst>
-      <p:ext uri="{BB962C8B-B14F-4D97-AF65-F5344CB8AC3E}">
-        <p14:creationId xmlns:p14="http://schemas.microsoft.com/office/powerpoint/2010/main" val="476519831"/>
-      </p:ext>
-    </p:extLst>
-  </p:cSld>
-  <p:clrMapOvr>
-    <a:masterClrMapping/>
-  </p:clrMapOvr>
-</p:sld>
-</file>
-
-<file path=ppt/slides/slide8.xml><?xml version="1.0" encoding="utf-8"?>
+<file path=ppt/slides/slide11.xml><?xml version="1.0" encoding="utf-8"?>
 <p:sld xmlns:a="http://schemas.openxmlformats.org/drawingml/2006/main" xmlns:r="http://schemas.openxmlformats.org/officeDocument/2006/relationships" xmlns:p="http://schemas.openxmlformats.org/presentationml/2006/main">
   <p:cSld>
     <p:spTree>
@@ -6794,7 +3392,7 @@
 </p:sld>
 </file>
 
-<file path=ppt/slides/slide9.xml><?xml version="1.0" encoding="utf-8"?>
+<file path=ppt/slides/slide12.xml><?xml version="1.0" encoding="utf-8"?>
 <p:sld xmlns:a="http://schemas.openxmlformats.org/drawingml/2006/main" xmlns:r="http://schemas.openxmlformats.org/officeDocument/2006/relationships" xmlns:p="http://schemas.openxmlformats.org/presentationml/2006/main">
   <p:cSld>
     <p:spTree>
@@ -9421,6 +6019,4584 @@
     <p:extLst>
       <p:ext uri="{BB962C8B-B14F-4D97-AF65-F5344CB8AC3E}">
         <p14:creationId xmlns:p14="http://schemas.microsoft.com/office/powerpoint/2010/main" val="1924840428"/>
+      </p:ext>
+    </p:extLst>
+  </p:cSld>
+  <p:clrMapOvr>
+    <a:masterClrMapping/>
+  </p:clrMapOvr>
+</p:sld>
+</file>
+
+<file path=ppt/slides/slide13.xml><?xml version="1.0" encoding="utf-8"?>
+<p:sld xmlns:a="http://schemas.openxmlformats.org/drawingml/2006/main" xmlns:r="http://schemas.openxmlformats.org/officeDocument/2006/relationships" xmlns:p="http://schemas.openxmlformats.org/presentationml/2006/main">
+  <p:cSld>
+    <p:spTree>
+      <p:nvGrpSpPr>
+        <p:cNvPr id="1" name=""/>
+        <p:cNvGrpSpPr/>
+        <p:nvPr/>
+      </p:nvGrpSpPr>
+      <p:grpSpPr>
+        <a:xfrm>
+          <a:off x="0" y="0"/>
+          <a:ext cx="0" cy="0"/>
+          <a:chOff x="0" y="0"/>
+          <a:chExt cx="0" cy="0"/>
+        </a:xfrm>
+      </p:grpSpPr>
+      <p:sp>
+        <p:nvSpPr>
+          <p:cNvPr id="2" name="标题 1">
+            <a:extLst>
+              <a:ext uri="{FF2B5EF4-FFF2-40B4-BE49-F238E27FC236}">
+                <a16:creationId xmlns:a16="http://schemas.microsoft.com/office/drawing/2014/main" id="{C75FFD5E-AAB2-EE4F-A005-27D12017E73E}"/>
+              </a:ext>
+            </a:extLst>
+          </p:cNvPr>
+          <p:cNvSpPr>
+            <a:spLocks noGrp="1"/>
+          </p:cNvSpPr>
+          <p:nvPr>
+            <p:ph type="title"/>
+          </p:nvPr>
+        </p:nvSpPr>
+        <p:spPr>
+          <a:xfrm>
+            <a:off x="152625" y="40262"/>
+            <a:ext cx="10749367" cy="1208868"/>
+          </a:xfrm>
+        </p:spPr>
+        <p:txBody>
+          <a:bodyPr/>
+          <a:lstStyle/>
+          <a:p>
+            <a:r>
+              <a:rPr kumimoji="1" lang="zh-CN" altLang="en-US" dirty="0">
+                <a:cs typeface="Arial" panose="020B0604020202020204" pitchFamily="34" charset="0"/>
+              </a:rPr>
+              <a:t>微服务框架</a:t>
+            </a:r>
+            <a:endParaRPr kumimoji="1" lang="zh-CN" altLang="en-US" dirty="0"/>
+          </a:p>
+        </p:txBody>
+      </p:sp>
+      <p:sp>
+        <p:nvSpPr>
+          <p:cNvPr id="61" name="文本框 60">
+            <a:extLst>
+              <a:ext uri="{FF2B5EF4-FFF2-40B4-BE49-F238E27FC236}">
+                <a16:creationId xmlns:a16="http://schemas.microsoft.com/office/drawing/2014/main" id="{1AF1CAC6-E4F9-5940-B7C2-96F60C666ABC}"/>
+              </a:ext>
+            </a:extLst>
+          </p:cNvPr>
+          <p:cNvSpPr txBox="1"/>
+          <p:nvPr/>
+        </p:nvSpPr>
+        <p:spPr>
+          <a:xfrm>
+            <a:off x="10869439" y="751916"/>
+            <a:ext cx="1146468" cy="369332"/>
+          </a:xfrm>
+          <a:prstGeom prst="rect">
+            <a:avLst/>
+          </a:prstGeom>
+          <a:noFill/>
+        </p:spPr>
+        <p:txBody>
+          <a:bodyPr wrap="none" rtlCol="0">
+            <a:spAutoFit/>
+          </a:bodyPr>
+          <a:lstStyle/>
+          <a:p>
+            <a:r>
+              <a:rPr kumimoji="1" lang="zh-CN" altLang="en-US" dirty="0"/>
+              <a:t>通信模型</a:t>
+            </a:r>
+          </a:p>
+        </p:txBody>
+      </p:sp>
+      <p:pic>
+        <p:nvPicPr>
+          <p:cNvPr id="3" name="图片 2">
+            <a:extLst>
+              <a:ext uri="{FF2B5EF4-FFF2-40B4-BE49-F238E27FC236}">
+                <a16:creationId xmlns:a16="http://schemas.microsoft.com/office/drawing/2014/main" id="{5FC60BDA-2BB1-004A-B7DB-C07322A94D47}"/>
+              </a:ext>
+            </a:extLst>
+          </p:cNvPr>
+          <p:cNvPicPr>
+            <a:picLocks noChangeAspect="1"/>
+          </p:cNvPicPr>
+          <p:nvPr/>
+        </p:nvPicPr>
+        <p:blipFill>
+          <a:blip r:embed="rId2"/>
+          <a:stretch>
+            <a:fillRect/>
+          </a:stretch>
+        </p:blipFill>
+        <p:spPr>
+          <a:xfrm>
+            <a:off x="5119807" y="1832902"/>
+            <a:ext cx="6896100" cy="4406900"/>
+          </a:xfrm>
+          <a:prstGeom prst="rect">
+            <a:avLst/>
+          </a:prstGeom>
+        </p:spPr>
+      </p:pic>
+      <p:sp>
+        <p:nvSpPr>
+          <p:cNvPr id="49" name="Google Shape;636;p43">
+            <a:extLst>
+              <a:ext uri="{FF2B5EF4-FFF2-40B4-BE49-F238E27FC236}">
+                <a16:creationId xmlns:a16="http://schemas.microsoft.com/office/drawing/2014/main" id="{0288E5D3-4E2F-B249-AA9E-3760EF114001}"/>
+              </a:ext>
+            </a:extLst>
+          </p:cNvPr>
+          <p:cNvSpPr txBox="1"/>
+          <p:nvPr/>
+        </p:nvSpPr>
+        <p:spPr>
+          <a:xfrm>
+            <a:off x="460300" y="1936025"/>
+            <a:ext cx="2905200" cy="1338900"/>
+          </a:xfrm>
+          <a:prstGeom prst="rect">
+            <a:avLst/>
+          </a:prstGeom>
+          <a:noFill/>
+          <a:ln>
+            <a:noFill/>
+          </a:ln>
+        </p:spPr>
+        <p:txBody>
+          <a:bodyPr spcFirstLastPara="1" wrap="square" lIns="91425" tIns="45700" rIns="91425" bIns="45700" anchor="t" anchorCtr="0">
+            <a:noAutofit/>
+          </a:bodyPr>
+          <a:lstStyle/>
+          <a:p>
+            <a:pPr marL="0" marR="0" lvl="0" indent="0" algn="l" rtl="0">
+              <a:lnSpc>
+                <a:spcPct val="100000"/>
+              </a:lnSpc>
+              <a:spcBef>
+                <a:spcPts val="0"/>
+              </a:spcBef>
+              <a:spcAft>
+                <a:spcPts val="0"/>
+              </a:spcAft>
+              <a:buNone/>
+            </a:pPr>
+            <a:r>
+              <a:rPr lang="en-US" altLang="zh-CN" sz="1350" b="0" i="0" u="none" strike="noStrike" cap="none" dirty="0" err="1">
+                <a:solidFill>
+                  <a:srgbClr val="000000"/>
+                </a:solidFill>
+                <a:latin typeface="Arial" panose="020B0604020202020204"/>
+                <a:ea typeface="Arial" panose="020B0604020202020204"/>
+                <a:cs typeface="Arial" panose="020B0604020202020204"/>
+                <a:sym typeface="Arial" panose="020B0604020202020204"/>
+              </a:rPr>
+              <a:t>Service.</a:t>
+            </a:r>
+            <a:r>
+              <a:rPr lang="en-US" sz="1350" b="0" i="0" u="none" strike="noStrike" cap="none" dirty="0" err="1">
+                <a:solidFill>
+                  <a:srgbClr val="000000"/>
+                </a:solidFill>
+                <a:latin typeface="Arial" panose="020B0604020202020204"/>
+                <a:ea typeface="Arial" panose="020B0604020202020204"/>
+                <a:cs typeface="Arial" panose="020B0604020202020204"/>
+                <a:sym typeface="Arial" panose="020B0604020202020204"/>
+              </a:rPr>
+              <a:t>client</a:t>
+            </a:r>
+            <a:r>
+              <a:rPr lang="zh-CN" altLang="en-US" sz="1350" b="0" i="0" u="none" strike="noStrike" cap="none" dirty="0">
+                <a:solidFill>
+                  <a:srgbClr val="000000"/>
+                </a:solidFill>
+                <a:latin typeface="Arial" panose="020B0604020202020204"/>
+                <a:ea typeface="Arial" panose="020B0604020202020204"/>
+                <a:cs typeface="Arial" panose="020B0604020202020204"/>
+                <a:sym typeface="Arial" panose="020B0604020202020204"/>
+              </a:rPr>
+              <a:t>  </a:t>
+            </a:r>
+            <a:r>
+              <a:rPr lang="en-US" sz="1350" b="0" i="0" u="none" strike="noStrike" cap="none" dirty="0">
+                <a:solidFill>
+                  <a:srgbClr val="000000"/>
+                </a:solidFill>
+                <a:latin typeface="Arial" panose="020B0604020202020204"/>
+                <a:ea typeface="Arial" panose="020B0604020202020204"/>
+                <a:cs typeface="Arial" panose="020B0604020202020204"/>
+                <a:sym typeface="Arial" panose="020B0604020202020204"/>
+              </a:rPr>
+              <a:t>=&gt; </a:t>
+            </a:r>
+            <a:r>
+              <a:rPr lang="zh-CN" altLang="en-US" sz="1350" b="0" i="0" u="none" strike="noStrike" cap="none" dirty="0">
+                <a:solidFill>
+                  <a:srgbClr val="000000"/>
+                </a:solidFill>
+                <a:latin typeface="Arial" panose="020B0604020202020204"/>
+                <a:ea typeface="Arial" panose="020B0604020202020204"/>
+                <a:cs typeface="Arial" panose="020B0604020202020204"/>
+                <a:sym typeface="Arial" panose="020B0604020202020204"/>
+              </a:rPr>
+              <a:t>  </a:t>
+            </a:r>
+            <a:r>
+              <a:rPr lang="en-US" altLang="zh-CN" sz="1350" b="0" i="0" u="none" strike="noStrike" cap="none" dirty="0" err="1">
+                <a:solidFill>
+                  <a:srgbClr val="000000"/>
+                </a:solidFill>
+                <a:latin typeface="Arial" panose="020B0604020202020204"/>
+                <a:ea typeface="Arial" panose="020B0604020202020204"/>
+                <a:cs typeface="Arial" panose="020B0604020202020204"/>
+                <a:sym typeface="Arial" panose="020B0604020202020204"/>
+              </a:rPr>
+              <a:t>Service.</a:t>
+            </a:r>
+            <a:r>
+              <a:rPr lang="en-US" sz="1350" b="0" i="0" u="none" strike="noStrike" cap="none" dirty="0" err="1">
+                <a:solidFill>
+                  <a:srgbClr val="000000"/>
+                </a:solidFill>
+                <a:latin typeface="Arial" panose="020B0604020202020204"/>
+                <a:ea typeface="Arial" panose="020B0604020202020204"/>
+                <a:cs typeface="Arial" panose="020B0604020202020204"/>
+                <a:sym typeface="Arial" panose="020B0604020202020204"/>
+              </a:rPr>
+              <a:t>server</a:t>
+            </a:r>
+            <a:endParaRPr lang="en-US" sz="1350" b="0" i="0" u="none" strike="noStrike" cap="none" dirty="0">
+              <a:solidFill>
+                <a:srgbClr val="000000"/>
+              </a:solidFill>
+              <a:latin typeface="Arial" panose="020B0604020202020204"/>
+              <a:ea typeface="Arial" panose="020B0604020202020204"/>
+              <a:cs typeface="Arial" panose="020B0604020202020204"/>
+              <a:sym typeface="Arial" panose="020B0604020202020204"/>
+            </a:endParaRPr>
+          </a:p>
+          <a:p>
+            <a:pPr marL="0" marR="0" lvl="0" indent="0" algn="l" rtl="0">
+              <a:lnSpc>
+                <a:spcPct val="100000"/>
+              </a:lnSpc>
+              <a:spcBef>
+                <a:spcPts val="0"/>
+              </a:spcBef>
+              <a:spcAft>
+                <a:spcPts val="0"/>
+              </a:spcAft>
+              <a:buNone/>
+            </a:pPr>
+            <a:endParaRPr sz="1350" b="0" i="0" u="none" strike="noStrike" cap="none" dirty="0">
+              <a:solidFill>
+                <a:srgbClr val="000000"/>
+              </a:solidFill>
+              <a:latin typeface="Arial" panose="020B0604020202020204"/>
+              <a:ea typeface="Arial" panose="020B0604020202020204"/>
+              <a:cs typeface="Arial" panose="020B0604020202020204"/>
+              <a:sym typeface="Arial" panose="020B0604020202020204"/>
+            </a:endParaRPr>
+          </a:p>
+          <a:p>
+            <a:pPr marL="0" marR="0" lvl="0" indent="0" algn="l" rtl="0">
+              <a:lnSpc>
+                <a:spcPct val="100000"/>
+              </a:lnSpc>
+              <a:spcBef>
+                <a:spcPts val="0"/>
+              </a:spcBef>
+              <a:spcAft>
+                <a:spcPts val="0"/>
+              </a:spcAft>
+              <a:buNone/>
+            </a:pPr>
+            <a:endParaRPr sz="1350" b="0" i="0" u="none" strike="noStrike" cap="none" dirty="0">
+              <a:solidFill>
+                <a:srgbClr val="000000"/>
+              </a:solidFill>
+              <a:latin typeface="Arial" panose="020B0604020202020204"/>
+              <a:ea typeface="Arial" panose="020B0604020202020204"/>
+              <a:cs typeface="Arial" panose="020B0604020202020204"/>
+              <a:sym typeface="Arial" panose="020B0604020202020204"/>
+            </a:endParaRPr>
+          </a:p>
+          <a:p>
+            <a:pPr marL="0" marR="0" lvl="0" indent="0" algn="l" rtl="0">
+              <a:lnSpc>
+                <a:spcPct val="100000"/>
+              </a:lnSpc>
+              <a:spcBef>
+                <a:spcPts val="0"/>
+              </a:spcBef>
+              <a:spcAft>
+                <a:spcPts val="0"/>
+              </a:spcAft>
+              <a:buNone/>
+            </a:pPr>
+            <a:endParaRPr sz="1350" b="0" i="0" u="none" strike="noStrike" cap="none" dirty="0">
+              <a:solidFill>
+                <a:srgbClr val="000000"/>
+              </a:solidFill>
+              <a:latin typeface="Arial" panose="020B0604020202020204"/>
+              <a:ea typeface="Arial" panose="020B0604020202020204"/>
+              <a:cs typeface="Arial" panose="020B0604020202020204"/>
+              <a:sym typeface="Arial" panose="020B0604020202020204"/>
+            </a:endParaRPr>
+          </a:p>
+          <a:p>
+            <a:pPr marL="0" marR="0" lvl="0" indent="0" algn="l" rtl="0">
+              <a:lnSpc>
+                <a:spcPct val="100000"/>
+              </a:lnSpc>
+              <a:spcBef>
+                <a:spcPts val="0"/>
+              </a:spcBef>
+              <a:spcAft>
+                <a:spcPts val="0"/>
+              </a:spcAft>
+              <a:buNone/>
+            </a:pPr>
+            <a:endParaRPr sz="1350" b="0" i="0" u="none" strike="noStrike" cap="none" dirty="0">
+              <a:solidFill>
+                <a:srgbClr val="000000"/>
+              </a:solidFill>
+              <a:latin typeface="Arial" panose="020B0604020202020204"/>
+              <a:ea typeface="Arial" panose="020B0604020202020204"/>
+              <a:cs typeface="Arial" panose="020B0604020202020204"/>
+              <a:sym typeface="Arial" panose="020B0604020202020204"/>
+            </a:endParaRPr>
+          </a:p>
+          <a:p>
+            <a:pPr marL="0" marR="0" lvl="0" indent="0" algn="l" rtl="0">
+              <a:lnSpc>
+                <a:spcPct val="100000"/>
+              </a:lnSpc>
+              <a:spcBef>
+                <a:spcPts val="0"/>
+              </a:spcBef>
+              <a:spcAft>
+                <a:spcPts val="0"/>
+              </a:spcAft>
+              <a:buNone/>
+            </a:pPr>
+            <a:endParaRPr sz="1350" b="0" i="0" u="none" strike="noStrike" cap="none" dirty="0">
+              <a:solidFill>
+                <a:srgbClr val="000000"/>
+              </a:solidFill>
+              <a:latin typeface="Arial" panose="020B0604020202020204"/>
+              <a:ea typeface="Arial" panose="020B0604020202020204"/>
+              <a:cs typeface="Arial" panose="020B0604020202020204"/>
+              <a:sym typeface="Arial" panose="020B0604020202020204"/>
+            </a:endParaRPr>
+          </a:p>
+        </p:txBody>
+      </p:sp>
+      <p:sp>
+        <p:nvSpPr>
+          <p:cNvPr id="50" name="Google Shape;637;p43">
+            <a:extLst>
+              <a:ext uri="{FF2B5EF4-FFF2-40B4-BE49-F238E27FC236}">
+                <a16:creationId xmlns:a16="http://schemas.microsoft.com/office/drawing/2014/main" id="{CD569305-D714-284C-BF33-802FEAE08C68}"/>
+              </a:ext>
+            </a:extLst>
+          </p:cNvPr>
+          <p:cNvSpPr txBox="1"/>
+          <p:nvPr/>
+        </p:nvSpPr>
+        <p:spPr>
+          <a:xfrm>
+            <a:off x="460300" y="2492400"/>
+            <a:ext cx="3095700" cy="507900"/>
+          </a:xfrm>
+          <a:prstGeom prst="rect">
+            <a:avLst/>
+          </a:prstGeom>
+          <a:noFill/>
+          <a:ln>
+            <a:noFill/>
+          </a:ln>
+        </p:spPr>
+        <p:txBody>
+          <a:bodyPr spcFirstLastPara="1" wrap="square" lIns="91425" tIns="45700" rIns="91425" bIns="45700" anchor="t" anchorCtr="0">
+            <a:noAutofit/>
+          </a:bodyPr>
+          <a:lstStyle/>
+          <a:p>
+            <a:pPr marL="0" marR="0" lvl="0" indent="0" algn="l" rtl="0">
+              <a:lnSpc>
+                <a:spcPct val="100000"/>
+              </a:lnSpc>
+              <a:spcBef>
+                <a:spcPts val="0"/>
+              </a:spcBef>
+              <a:spcAft>
+                <a:spcPts val="0"/>
+              </a:spcAft>
+              <a:buNone/>
+            </a:pPr>
+            <a:r>
+              <a:rPr lang="en-US" sz="1350" b="0" i="0" u="none" strike="noStrike" cap="none" dirty="0" err="1">
+                <a:solidFill>
+                  <a:srgbClr val="000000"/>
+                </a:solidFill>
+                <a:latin typeface="Arial" panose="020B0604020202020204"/>
+                <a:ea typeface="Arial" panose="020B0604020202020204"/>
+                <a:cs typeface="Arial" panose="020B0604020202020204"/>
+                <a:sym typeface="Arial" panose="020B0604020202020204"/>
+              </a:rPr>
+              <a:t>client.Call</a:t>
+            </a:r>
+            <a:r>
+              <a:rPr lang="en-US" sz="1350" b="0" i="0" u="none" strike="noStrike" cap="none" dirty="0">
+                <a:solidFill>
+                  <a:srgbClr val="000000"/>
+                </a:solidFill>
+                <a:latin typeface="Arial" panose="020B0604020202020204"/>
+                <a:ea typeface="Arial" panose="020B0604020202020204"/>
+                <a:cs typeface="Arial" panose="020B0604020202020204"/>
+                <a:sym typeface="Arial" panose="020B0604020202020204"/>
+              </a:rPr>
+              <a:t> </a:t>
+            </a:r>
+            <a:r>
+              <a:rPr lang="zh-CN" altLang="en-US" sz="1350" b="0" i="0" u="none" strike="noStrike" cap="none" dirty="0">
+                <a:solidFill>
+                  <a:srgbClr val="000000"/>
+                </a:solidFill>
+                <a:latin typeface="Arial" panose="020B0604020202020204"/>
+                <a:ea typeface="Arial" panose="020B0604020202020204"/>
+                <a:cs typeface="Arial" panose="020B0604020202020204"/>
+                <a:sym typeface="Arial" panose="020B0604020202020204"/>
+              </a:rPr>
+              <a:t>       </a:t>
+            </a:r>
+            <a:r>
+              <a:rPr lang="en-US" sz="1350" b="0" i="0" u="none" strike="noStrike" cap="none" dirty="0">
+                <a:solidFill>
+                  <a:srgbClr val="000000"/>
+                </a:solidFill>
+                <a:latin typeface="Arial" panose="020B0604020202020204"/>
+                <a:ea typeface="Arial" panose="020B0604020202020204"/>
+                <a:cs typeface="Arial" panose="020B0604020202020204"/>
+                <a:sym typeface="Arial" panose="020B0604020202020204"/>
+              </a:rPr>
+              <a:t>=&gt;</a:t>
+            </a:r>
+            <a:r>
+              <a:rPr lang="zh-CN" altLang="en-US" sz="1350" b="0" i="0" u="none" strike="noStrike" cap="none" dirty="0">
+                <a:solidFill>
+                  <a:srgbClr val="000000"/>
+                </a:solidFill>
+                <a:latin typeface="Arial" panose="020B0604020202020204"/>
+                <a:ea typeface="Arial" panose="020B0604020202020204"/>
+                <a:cs typeface="Arial" panose="020B0604020202020204"/>
+                <a:sym typeface="Arial" panose="020B0604020202020204"/>
+              </a:rPr>
+              <a:t>  </a:t>
+            </a:r>
+            <a:r>
+              <a:rPr lang="en-US" sz="1350" b="0" i="0" u="none" strike="noStrike" cap="none" dirty="0">
+                <a:solidFill>
+                  <a:srgbClr val="000000"/>
+                </a:solidFill>
+                <a:latin typeface="Arial" panose="020B0604020202020204"/>
+                <a:ea typeface="Arial" panose="020B0604020202020204"/>
+                <a:cs typeface="Arial" panose="020B0604020202020204"/>
+                <a:sym typeface="Arial" panose="020B0604020202020204"/>
+              </a:rPr>
+              <a:t> </a:t>
+            </a:r>
+            <a:r>
+              <a:rPr lang="en-US" sz="1350" b="0" i="0" u="none" strike="noStrike" cap="none" dirty="0" err="1">
+                <a:solidFill>
+                  <a:srgbClr val="000000"/>
+                </a:solidFill>
+                <a:latin typeface="Arial" panose="020B0604020202020204"/>
+                <a:ea typeface="Arial" panose="020B0604020202020204"/>
+                <a:cs typeface="Arial" panose="020B0604020202020204"/>
+                <a:sym typeface="Arial" panose="020B0604020202020204"/>
+              </a:rPr>
+              <a:t>server.Handler</a:t>
+            </a:r>
+            <a:endParaRPr sz="1350" b="0" i="0" u="none" strike="noStrike" cap="none" dirty="0">
+              <a:solidFill>
+                <a:srgbClr val="000000"/>
+              </a:solidFill>
+              <a:latin typeface="Arial" panose="020B0604020202020204"/>
+              <a:ea typeface="Arial" panose="020B0604020202020204"/>
+              <a:cs typeface="Arial" panose="020B0604020202020204"/>
+              <a:sym typeface="Arial" panose="020B0604020202020204"/>
+            </a:endParaRPr>
+          </a:p>
+          <a:p>
+            <a:pPr marL="0" marR="0" lvl="0" indent="0" algn="l" rtl="0">
+              <a:lnSpc>
+                <a:spcPct val="100000"/>
+              </a:lnSpc>
+              <a:spcBef>
+                <a:spcPts val="0"/>
+              </a:spcBef>
+              <a:spcAft>
+                <a:spcPts val="0"/>
+              </a:spcAft>
+              <a:buNone/>
+            </a:pPr>
+            <a:endParaRPr sz="1350" b="0" i="0" u="none" strike="noStrike" cap="none" dirty="0">
+              <a:solidFill>
+                <a:srgbClr val="000000"/>
+              </a:solidFill>
+              <a:latin typeface="Arial" panose="020B0604020202020204"/>
+              <a:ea typeface="Arial" panose="020B0604020202020204"/>
+              <a:cs typeface="Arial" panose="020B0604020202020204"/>
+              <a:sym typeface="Arial" panose="020B0604020202020204"/>
+            </a:endParaRPr>
+          </a:p>
+        </p:txBody>
+      </p:sp>
+      <p:sp>
+        <p:nvSpPr>
+          <p:cNvPr id="51" name="Google Shape;638;p43">
+            <a:extLst>
+              <a:ext uri="{FF2B5EF4-FFF2-40B4-BE49-F238E27FC236}">
+                <a16:creationId xmlns:a16="http://schemas.microsoft.com/office/drawing/2014/main" id="{EA5AF44C-CE57-4E46-A443-5E9DBD0BA86D}"/>
+              </a:ext>
+            </a:extLst>
+          </p:cNvPr>
+          <p:cNvSpPr txBox="1"/>
+          <p:nvPr/>
+        </p:nvSpPr>
+        <p:spPr>
+          <a:xfrm>
+            <a:off x="432199" y="3021764"/>
+            <a:ext cx="3267000" cy="507900"/>
+          </a:xfrm>
+          <a:prstGeom prst="rect">
+            <a:avLst/>
+          </a:prstGeom>
+          <a:noFill/>
+          <a:ln>
+            <a:noFill/>
+          </a:ln>
+        </p:spPr>
+        <p:txBody>
+          <a:bodyPr spcFirstLastPara="1" wrap="square" lIns="91425" tIns="45700" rIns="91425" bIns="45700" anchor="t" anchorCtr="0">
+            <a:noAutofit/>
+          </a:bodyPr>
+          <a:lstStyle/>
+          <a:p>
+            <a:pPr marL="0" marR="0" lvl="0" indent="0" algn="l" rtl="0">
+              <a:lnSpc>
+                <a:spcPct val="100000"/>
+              </a:lnSpc>
+              <a:spcBef>
+                <a:spcPts val="0"/>
+              </a:spcBef>
+              <a:spcAft>
+                <a:spcPts val="0"/>
+              </a:spcAft>
+              <a:buNone/>
+            </a:pPr>
+            <a:r>
+              <a:rPr lang="en-US" sz="1350" b="0" i="0" u="none" strike="noStrike" cap="none" dirty="0" err="1">
+                <a:solidFill>
+                  <a:srgbClr val="000000"/>
+                </a:solidFill>
+                <a:latin typeface="Arial" panose="020B0604020202020204"/>
+                <a:ea typeface="Arial" panose="020B0604020202020204"/>
+                <a:cs typeface="Arial" panose="020B0604020202020204"/>
+                <a:sym typeface="Arial" panose="020B0604020202020204"/>
+              </a:rPr>
+              <a:t>transport.client</a:t>
+            </a:r>
+            <a:r>
+              <a:rPr lang="en-US" sz="1350" b="0" i="0" u="none" strike="noStrike" cap="none" dirty="0">
+                <a:solidFill>
+                  <a:srgbClr val="000000"/>
+                </a:solidFill>
+                <a:latin typeface="Arial" panose="020B0604020202020204"/>
+                <a:ea typeface="Arial" panose="020B0604020202020204"/>
+                <a:cs typeface="Arial" panose="020B0604020202020204"/>
+                <a:sym typeface="Arial" panose="020B0604020202020204"/>
+              </a:rPr>
+              <a:t> =&gt; </a:t>
+            </a:r>
+            <a:r>
+              <a:rPr lang="zh-CN" altLang="en-US" sz="1350" b="0" i="0" u="none" strike="noStrike" cap="none" dirty="0">
+                <a:solidFill>
+                  <a:srgbClr val="000000"/>
+                </a:solidFill>
+                <a:latin typeface="Arial" panose="020B0604020202020204"/>
+                <a:ea typeface="Arial" panose="020B0604020202020204"/>
+                <a:cs typeface="Arial" panose="020B0604020202020204"/>
+                <a:sym typeface="Arial" panose="020B0604020202020204"/>
+              </a:rPr>
+              <a:t>  </a:t>
+            </a:r>
+            <a:r>
+              <a:rPr lang="en-US" sz="1350" b="0" i="0" u="none" strike="noStrike" cap="none" dirty="0" err="1">
+                <a:solidFill>
+                  <a:srgbClr val="000000"/>
+                </a:solidFill>
+                <a:latin typeface="Arial" panose="020B0604020202020204"/>
+                <a:ea typeface="Arial" panose="020B0604020202020204"/>
+                <a:cs typeface="Arial" panose="020B0604020202020204"/>
+                <a:sym typeface="Arial" panose="020B0604020202020204"/>
+              </a:rPr>
+              <a:t>transport.</a:t>
+            </a:r>
+            <a:r>
+              <a:rPr lang="en-US" altLang="zh-CN" sz="1350" b="0" i="0" u="none" strike="noStrike" cap="none" dirty="0" err="1">
+                <a:solidFill>
+                  <a:srgbClr val="000000"/>
+                </a:solidFill>
+                <a:latin typeface="Arial" panose="020B0604020202020204"/>
+                <a:ea typeface="Arial" panose="020B0604020202020204"/>
+                <a:cs typeface="Arial" panose="020B0604020202020204"/>
+                <a:sym typeface="Arial" panose="020B0604020202020204"/>
+              </a:rPr>
+              <a:t>tr</a:t>
+            </a:r>
+            <a:r>
+              <a:rPr lang="en-US" altLang="zh-CN" sz="1350" dirty="0" err="1">
+                <a:solidFill>
+                  <a:srgbClr val="000000"/>
+                </a:solidFill>
+                <a:latin typeface="Arial" panose="020B0604020202020204"/>
+                <a:ea typeface="Arial" panose="020B0604020202020204"/>
+                <a:cs typeface="Arial" panose="020B0604020202020204"/>
+                <a:sym typeface="Arial" panose="020B0604020202020204"/>
+              </a:rPr>
+              <a:t>L</a:t>
+            </a:r>
+            <a:r>
+              <a:rPr lang="en-US" sz="1350" b="0" i="0" u="none" strike="noStrike" cap="none" dirty="0" err="1">
+                <a:solidFill>
+                  <a:srgbClr val="000000"/>
+                </a:solidFill>
+                <a:latin typeface="Arial" panose="020B0604020202020204"/>
+                <a:ea typeface="Arial" panose="020B0604020202020204"/>
+                <a:cs typeface="Arial" panose="020B0604020202020204"/>
+                <a:sym typeface="Arial" panose="020B0604020202020204"/>
+              </a:rPr>
+              <a:t>istener</a:t>
+            </a:r>
+            <a:endParaRPr sz="1350" b="0" i="0" u="none" strike="noStrike" cap="none" dirty="0">
+              <a:solidFill>
+                <a:srgbClr val="000000"/>
+              </a:solidFill>
+              <a:latin typeface="Arial" panose="020B0604020202020204"/>
+              <a:ea typeface="Arial" panose="020B0604020202020204"/>
+              <a:cs typeface="Arial" panose="020B0604020202020204"/>
+              <a:sym typeface="Arial" panose="020B0604020202020204"/>
+            </a:endParaRPr>
+          </a:p>
+          <a:p>
+            <a:pPr marL="0" marR="0" lvl="0" indent="0" algn="l" rtl="0">
+              <a:lnSpc>
+                <a:spcPct val="100000"/>
+              </a:lnSpc>
+              <a:spcBef>
+                <a:spcPts val="0"/>
+              </a:spcBef>
+              <a:spcAft>
+                <a:spcPts val="0"/>
+              </a:spcAft>
+              <a:buNone/>
+            </a:pPr>
+            <a:endParaRPr sz="1350" b="0" i="0" u="none" strike="noStrike" cap="none" dirty="0">
+              <a:solidFill>
+                <a:srgbClr val="000000"/>
+              </a:solidFill>
+              <a:latin typeface="Arial" panose="020B0604020202020204"/>
+              <a:ea typeface="Arial" panose="020B0604020202020204"/>
+              <a:cs typeface="Arial" panose="020B0604020202020204"/>
+              <a:sym typeface="Arial" panose="020B0604020202020204"/>
+            </a:endParaRPr>
+          </a:p>
+        </p:txBody>
+      </p:sp>
+      <p:sp>
+        <p:nvSpPr>
+          <p:cNvPr id="52" name="Google Shape;639;p43">
+            <a:extLst>
+              <a:ext uri="{FF2B5EF4-FFF2-40B4-BE49-F238E27FC236}">
+                <a16:creationId xmlns:a16="http://schemas.microsoft.com/office/drawing/2014/main" id="{46621FD7-DF2E-2442-86F9-DD03C49A804B}"/>
+              </a:ext>
+            </a:extLst>
+          </p:cNvPr>
+          <p:cNvSpPr/>
+          <p:nvPr/>
+        </p:nvSpPr>
+        <p:spPr>
+          <a:xfrm>
+            <a:off x="442399" y="3679192"/>
+            <a:ext cx="3246600" cy="300000"/>
+          </a:xfrm>
+          <a:prstGeom prst="rect">
+            <a:avLst/>
+          </a:prstGeom>
+          <a:noFill/>
+          <a:ln>
+            <a:noFill/>
+          </a:ln>
+        </p:spPr>
+        <p:txBody>
+          <a:bodyPr spcFirstLastPara="1" wrap="square" lIns="91425" tIns="45700" rIns="91425" bIns="45700" anchor="t" anchorCtr="0">
+            <a:noAutofit/>
+          </a:bodyPr>
+          <a:lstStyle/>
+          <a:p>
+            <a:pPr marL="0" marR="0" lvl="0" indent="0" algn="l" rtl="0">
+              <a:lnSpc>
+                <a:spcPct val="100000"/>
+              </a:lnSpc>
+              <a:spcBef>
+                <a:spcPts val="0"/>
+              </a:spcBef>
+              <a:spcAft>
+                <a:spcPts val="0"/>
+              </a:spcAft>
+              <a:buNone/>
+            </a:pPr>
+            <a:r>
+              <a:rPr lang="en-US" sz="1350" b="0" i="0" u="none" strike="noStrike" cap="none" dirty="0" err="1">
+                <a:solidFill>
+                  <a:srgbClr val="000000"/>
+                </a:solidFill>
+                <a:latin typeface="Arial" panose="020B0604020202020204"/>
+                <a:ea typeface="Arial" panose="020B0604020202020204"/>
+                <a:cs typeface="Arial" panose="020B0604020202020204"/>
+                <a:sym typeface="Arial" panose="020B0604020202020204"/>
+              </a:rPr>
+              <a:t>transport.Dial</a:t>
+            </a:r>
+            <a:r>
+              <a:rPr lang="en-US" sz="1350" b="0" i="0" u="none" strike="noStrike" cap="none" dirty="0">
+                <a:solidFill>
+                  <a:srgbClr val="000000"/>
+                </a:solidFill>
+                <a:latin typeface="Arial" panose="020B0604020202020204"/>
+                <a:ea typeface="Arial" panose="020B0604020202020204"/>
+                <a:cs typeface="Arial" panose="020B0604020202020204"/>
+                <a:sym typeface="Arial" panose="020B0604020202020204"/>
+              </a:rPr>
+              <a:t> </a:t>
+            </a:r>
+            <a:r>
+              <a:rPr lang="zh-CN" altLang="en-US" sz="1350" b="0" i="0" u="none" strike="noStrike" cap="none" dirty="0">
+                <a:solidFill>
+                  <a:srgbClr val="000000"/>
+                </a:solidFill>
+                <a:latin typeface="Arial" panose="020B0604020202020204"/>
+                <a:ea typeface="Arial" panose="020B0604020202020204"/>
+                <a:cs typeface="Arial" panose="020B0604020202020204"/>
+                <a:sym typeface="Arial" panose="020B0604020202020204"/>
+              </a:rPr>
+              <a:t>  </a:t>
+            </a:r>
+            <a:r>
+              <a:rPr lang="en-US" sz="1350" b="0" i="0" u="none" strike="noStrike" cap="none" dirty="0">
+                <a:solidFill>
+                  <a:srgbClr val="000000"/>
+                </a:solidFill>
+                <a:latin typeface="Arial" panose="020B0604020202020204"/>
+                <a:ea typeface="Arial" panose="020B0604020202020204"/>
+                <a:cs typeface="Arial" panose="020B0604020202020204"/>
+                <a:sym typeface="Arial" panose="020B0604020202020204"/>
+              </a:rPr>
+              <a:t>=&gt; </a:t>
+            </a:r>
+            <a:r>
+              <a:rPr lang="zh-CN" altLang="en-US" sz="1350" b="0" i="0" u="none" strike="noStrike" cap="none" dirty="0">
+                <a:solidFill>
+                  <a:srgbClr val="000000"/>
+                </a:solidFill>
+                <a:latin typeface="Arial" panose="020B0604020202020204"/>
+                <a:ea typeface="Arial" panose="020B0604020202020204"/>
+                <a:cs typeface="Arial" panose="020B0604020202020204"/>
+                <a:sym typeface="Arial" panose="020B0604020202020204"/>
+              </a:rPr>
+              <a:t>  </a:t>
+            </a:r>
+            <a:r>
+              <a:rPr lang="en-US" sz="1350" b="0" i="0" u="none" strike="noStrike" cap="none" dirty="0" err="1">
+                <a:solidFill>
+                  <a:srgbClr val="000000"/>
+                </a:solidFill>
+                <a:latin typeface="Arial" panose="020B0604020202020204"/>
+                <a:ea typeface="Arial" panose="020B0604020202020204"/>
+                <a:cs typeface="Arial" panose="020B0604020202020204"/>
+                <a:sym typeface="Arial" panose="020B0604020202020204"/>
+              </a:rPr>
+              <a:t>transport.Accept</a:t>
+            </a:r>
+            <a:endParaRPr sz="1350" b="0" i="0" u="none" strike="noStrike" cap="none" dirty="0">
+              <a:solidFill>
+                <a:srgbClr val="000000"/>
+              </a:solidFill>
+              <a:latin typeface="Arial" panose="020B0604020202020204"/>
+              <a:ea typeface="Arial" panose="020B0604020202020204"/>
+              <a:cs typeface="Arial" panose="020B0604020202020204"/>
+              <a:sym typeface="Arial" panose="020B0604020202020204"/>
+            </a:endParaRPr>
+          </a:p>
+        </p:txBody>
+      </p:sp>
+      <p:sp>
+        <p:nvSpPr>
+          <p:cNvPr id="53" name="Google Shape;640;p43">
+            <a:extLst>
+              <a:ext uri="{FF2B5EF4-FFF2-40B4-BE49-F238E27FC236}">
+                <a16:creationId xmlns:a16="http://schemas.microsoft.com/office/drawing/2014/main" id="{8D9104F8-A67E-1A4D-AB3B-FEA930376279}"/>
+              </a:ext>
+            </a:extLst>
+          </p:cNvPr>
+          <p:cNvSpPr/>
+          <p:nvPr/>
+        </p:nvSpPr>
+        <p:spPr>
+          <a:xfrm>
+            <a:off x="996187" y="2213294"/>
+            <a:ext cx="144670" cy="279106"/>
+          </a:xfrm>
+          <a:prstGeom prst="downArrow">
+            <a:avLst>
+              <a:gd name="adj1" fmla="val 50000"/>
+              <a:gd name="adj2" fmla="val 50000"/>
+            </a:avLst>
+          </a:prstGeom>
+          <a:solidFill>
+            <a:schemeClr val="accent1"/>
+          </a:solidFill>
+          <a:ln w="25400" cap="flat" cmpd="sng">
+            <a:solidFill>
+              <a:srgbClr val="AE4E00"/>
+            </a:solidFill>
+            <a:prstDash val="solid"/>
+            <a:round/>
+            <a:headEnd type="none" w="sm" len="sm"/>
+            <a:tailEnd type="none" w="sm" len="sm"/>
+          </a:ln>
+        </p:spPr>
+        <p:txBody>
+          <a:bodyPr spcFirstLastPara="1" wrap="square" lIns="68575" tIns="34275" rIns="68575" bIns="34275" anchor="ctr" anchorCtr="0">
+            <a:noAutofit/>
+          </a:bodyPr>
+          <a:lstStyle/>
+          <a:p>
+            <a:pPr marL="0" marR="0" lvl="0" indent="0" algn="ctr" rtl="0">
+              <a:lnSpc>
+                <a:spcPct val="100000"/>
+              </a:lnSpc>
+              <a:spcBef>
+                <a:spcPts val="0"/>
+              </a:spcBef>
+              <a:spcAft>
+                <a:spcPts val="0"/>
+              </a:spcAft>
+              <a:buNone/>
+            </a:pPr>
+            <a:endParaRPr sz="1350" b="0" i="0" u="none" strike="noStrike" cap="none">
+              <a:solidFill>
+                <a:schemeClr val="lt1"/>
+              </a:solidFill>
+              <a:latin typeface="Arial" panose="020B0604020202020204"/>
+              <a:ea typeface="Arial" panose="020B0604020202020204"/>
+              <a:cs typeface="Arial" panose="020B0604020202020204"/>
+              <a:sym typeface="Arial" panose="020B0604020202020204"/>
+            </a:endParaRPr>
+          </a:p>
+        </p:txBody>
+      </p:sp>
+      <p:sp>
+        <p:nvSpPr>
+          <p:cNvPr id="54" name="Google Shape;641;p43">
+            <a:extLst>
+              <a:ext uri="{FF2B5EF4-FFF2-40B4-BE49-F238E27FC236}">
+                <a16:creationId xmlns:a16="http://schemas.microsoft.com/office/drawing/2014/main" id="{8784F8CB-F1EB-C648-97A7-D7DE30FCEC5C}"/>
+              </a:ext>
+            </a:extLst>
+          </p:cNvPr>
+          <p:cNvSpPr/>
+          <p:nvPr/>
+        </p:nvSpPr>
+        <p:spPr>
+          <a:xfrm>
+            <a:off x="996187" y="2790971"/>
+            <a:ext cx="144670" cy="279106"/>
+          </a:xfrm>
+          <a:prstGeom prst="downArrow">
+            <a:avLst>
+              <a:gd name="adj1" fmla="val 50000"/>
+              <a:gd name="adj2" fmla="val 50000"/>
+            </a:avLst>
+          </a:prstGeom>
+          <a:solidFill>
+            <a:schemeClr val="accent1"/>
+          </a:solidFill>
+          <a:ln w="25400" cap="flat" cmpd="sng">
+            <a:solidFill>
+              <a:srgbClr val="AE4E00"/>
+            </a:solidFill>
+            <a:prstDash val="solid"/>
+            <a:round/>
+            <a:headEnd type="none" w="sm" len="sm"/>
+            <a:tailEnd type="none" w="sm" len="sm"/>
+          </a:ln>
+        </p:spPr>
+        <p:txBody>
+          <a:bodyPr spcFirstLastPara="1" wrap="square" lIns="68575" tIns="34275" rIns="68575" bIns="34275" anchor="ctr" anchorCtr="0">
+            <a:noAutofit/>
+          </a:bodyPr>
+          <a:lstStyle/>
+          <a:p>
+            <a:pPr marL="0" marR="0" lvl="0" indent="0" algn="ctr" rtl="0">
+              <a:lnSpc>
+                <a:spcPct val="100000"/>
+              </a:lnSpc>
+              <a:spcBef>
+                <a:spcPts val="0"/>
+              </a:spcBef>
+              <a:spcAft>
+                <a:spcPts val="0"/>
+              </a:spcAft>
+              <a:buNone/>
+            </a:pPr>
+            <a:endParaRPr sz="1350" b="0" i="0" u="none" strike="noStrike" cap="none">
+              <a:solidFill>
+                <a:schemeClr val="lt1"/>
+              </a:solidFill>
+              <a:latin typeface="Arial" panose="020B0604020202020204"/>
+              <a:ea typeface="Arial" panose="020B0604020202020204"/>
+              <a:cs typeface="Arial" panose="020B0604020202020204"/>
+              <a:sym typeface="Arial" panose="020B0604020202020204"/>
+            </a:endParaRPr>
+          </a:p>
+        </p:txBody>
+      </p:sp>
+      <p:sp>
+        <p:nvSpPr>
+          <p:cNvPr id="62" name="Google Shape;642;p43">
+            <a:extLst>
+              <a:ext uri="{FF2B5EF4-FFF2-40B4-BE49-F238E27FC236}">
+                <a16:creationId xmlns:a16="http://schemas.microsoft.com/office/drawing/2014/main" id="{29163F72-80C6-6F44-852D-B7EDC494B32C}"/>
+              </a:ext>
+            </a:extLst>
+          </p:cNvPr>
+          <p:cNvSpPr/>
+          <p:nvPr/>
+        </p:nvSpPr>
+        <p:spPr>
+          <a:xfrm>
+            <a:off x="996187" y="3390111"/>
+            <a:ext cx="144670" cy="279106"/>
+          </a:xfrm>
+          <a:prstGeom prst="downArrow">
+            <a:avLst>
+              <a:gd name="adj1" fmla="val 50000"/>
+              <a:gd name="adj2" fmla="val 50000"/>
+            </a:avLst>
+          </a:prstGeom>
+          <a:solidFill>
+            <a:schemeClr val="accent1"/>
+          </a:solidFill>
+          <a:ln w="25400" cap="flat" cmpd="sng">
+            <a:solidFill>
+              <a:srgbClr val="AE4E00"/>
+            </a:solidFill>
+            <a:prstDash val="solid"/>
+            <a:round/>
+            <a:headEnd type="none" w="sm" len="sm"/>
+            <a:tailEnd type="none" w="sm" len="sm"/>
+          </a:ln>
+        </p:spPr>
+        <p:txBody>
+          <a:bodyPr spcFirstLastPara="1" wrap="square" lIns="68575" tIns="34275" rIns="68575" bIns="34275" anchor="ctr" anchorCtr="0">
+            <a:noAutofit/>
+          </a:bodyPr>
+          <a:lstStyle/>
+          <a:p>
+            <a:pPr marL="0" marR="0" lvl="0" indent="0" algn="ctr" rtl="0">
+              <a:lnSpc>
+                <a:spcPct val="100000"/>
+              </a:lnSpc>
+              <a:spcBef>
+                <a:spcPts val="0"/>
+              </a:spcBef>
+              <a:spcAft>
+                <a:spcPts val="0"/>
+              </a:spcAft>
+              <a:buNone/>
+            </a:pPr>
+            <a:endParaRPr sz="1350" b="0" i="0" u="none" strike="noStrike" cap="none">
+              <a:solidFill>
+                <a:schemeClr val="lt1"/>
+              </a:solidFill>
+              <a:latin typeface="Arial" panose="020B0604020202020204"/>
+              <a:ea typeface="Arial" panose="020B0604020202020204"/>
+              <a:cs typeface="Arial" panose="020B0604020202020204"/>
+              <a:sym typeface="Arial" panose="020B0604020202020204"/>
+            </a:endParaRPr>
+          </a:p>
+        </p:txBody>
+      </p:sp>
+      <p:sp>
+        <p:nvSpPr>
+          <p:cNvPr id="63" name="Google Shape;639;p43">
+            <a:extLst>
+              <a:ext uri="{FF2B5EF4-FFF2-40B4-BE49-F238E27FC236}">
+                <a16:creationId xmlns:a16="http://schemas.microsoft.com/office/drawing/2014/main" id="{63F84E25-B2AF-B14E-BA16-B11D4E91F55C}"/>
+              </a:ext>
+            </a:extLst>
+          </p:cNvPr>
+          <p:cNvSpPr/>
+          <p:nvPr/>
+        </p:nvSpPr>
+        <p:spPr>
+          <a:xfrm>
+            <a:off x="432199" y="4348831"/>
+            <a:ext cx="3246600" cy="300000"/>
+          </a:xfrm>
+          <a:prstGeom prst="rect">
+            <a:avLst/>
+          </a:prstGeom>
+          <a:noFill/>
+          <a:ln>
+            <a:noFill/>
+          </a:ln>
+        </p:spPr>
+        <p:txBody>
+          <a:bodyPr spcFirstLastPara="1" wrap="square" lIns="91425" tIns="45700" rIns="91425" bIns="45700" anchor="t" anchorCtr="0">
+            <a:noAutofit/>
+          </a:bodyPr>
+          <a:lstStyle/>
+          <a:p>
+            <a:pPr marL="0" marR="0" lvl="0" indent="0" algn="l" rtl="0">
+              <a:lnSpc>
+                <a:spcPct val="100000"/>
+              </a:lnSpc>
+              <a:spcBef>
+                <a:spcPts val="0"/>
+              </a:spcBef>
+              <a:spcAft>
+                <a:spcPts val="0"/>
+              </a:spcAft>
+              <a:buNone/>
+            </a:pPr>
+            <a:r>
+              <a:rPr lang="en-US" sz="1350" b="0" i="0" u="none" strike="noStrike" cap="none" dirty="0" err="1">
+                <a:solidFill>
+                  <a:srgbClr val="000000"/>
+                </a:solidFill>
+                <a:latin typeface="Arial" panose="020B0604020202020204"/>
+                <a:ea typeface="Arial" panose="020B0604020202020204"/>
+                <a:cs typeface="Arial" panose="020B0604020202020204"/>
+                <a:sym typeface="Arial" panose="020B0604020202020204"/>
+              </a:rPr>
+              <a:t>transport.</a:t>
+            </a:r>
+            <a:r>
+              <a:rPr lang="en-US" altLang="zh-CN" sz="1350" b="0" i="0" u="none" strike="noStrike" cap="none" dirty="0" err="1">
+                <a:solidFill>
+                  <a:srgbClr val="000000"/>
+                </a:solidFill>
+                <a:latin typeface="Arial" panose="020B0604020202020204"/>
+                <a:ea typeface="Arial" panose="020B0604020202020204"/>
+                <a:cs typeface="Arial" panose="020B0604020202020204"/>
+                <a:sym typeface="Arial" panose="020B0604020202020204"/>
+              </a:rPr>
+              <a:t>Send</a:t>
+            </a:r>
+            <a:r>
+              <a:rPr lang="en-US" sz="1350" b="0" i="0" u="none" strike="noStrike" cap="none" dirty="0">
+                <a:solidFill>
+                  <a:srgbClr val="000000"/>
+                </a:solidFill>
+                <a:latin typeface="Arial" panose="020B0604020202020204"/>
+                <a:ea typeface="Arial" panose="020B0604020202020204"/>
+                <a:cs typeface="Arial" panose="020B0604020202020204"/>
+                <a:sym typeface="Arial" panose="020B0604020202020204"/>
+              </a:rPr>
+              <a:t> =&gt; </a:t>
+            </a:r>
+            <a:r>
+              <a:rPr lang="zh-CN" altLang="en-US" sz="1350" b="0" i="0" u="none" strike="noStrike" cap="none" dirty="0">
+                <a:solidFill>
+                  <a:srgbClr val="000000"/>
+                </a:solidFill>
+                <a:latin typeface="Arial" panose="020B0604020202020204"/>
+                <a:ea typeface="Arial" panose="020B0604020202020204"/>
+                <a:cs typeface="Arial" panose="020B0604020202020204"/>
+                <a:sym typeface="Arial" panose="020B0604020202020204"/>
+              </a:rPr>
+              <a:t>  </a:t>
+            </a:r>
+            <a:r>
+              <a:rPr lang="en-US" sz="1350" b="0" i="0" u="none" strike="noStrike" cap="none" dirty="0" err="1">
+                <a:solidFill>
+                  <a:srgbClr val="000000"/>
+                </a:solidFill>
+                <a:latin typeface="Arial" panose="020B0604020202020204"/>
+                <a:ea typeface="Arial" panose="020B0604020202020204"/>
+                <a:cs typeface="Arial" panose="020B0604020202020204"/>
+                <a:sym typeface="Arial" panose="020B0604020202020204"/>
+              </a:rPr>
+              <a:t>transport.</a:t>
+            </a:r>
+            <a:r>
+              <a:rPr lang="en-US" altLang="zh-CN" sz="1350" b="0" i="0" u="none" strike="noStrike" cap="none" dirty="0" err="1">
+                <a:solidFill>
+                  <a:srgbClr val="000000"/>
+                </a:solidFill>
+                <a:latin typeface="Arial" panose="020B0604020202020204"/>
+                <a:ea typeface="Arial" panose="020B0604020202020204"/>
+                <a:cs typeface="Arial" panose="020B0604020202020204"/>
+                <a:sym typeface="Arial" panose="020B0604020202020204"/>
+              </a:rPr>
+              <a:t>Recv</a:t>
+            </a:r>
+            <a:endParaRPr sz="1350" b="0" i="0" u="none" strike="noStrike" cap="none" dirty="0">
+              <a:solidFill>
+                <a:srgbClr val="000000"/>
+              </a:solidFill>
+              <a:latin typeface="Arial" panose="020B0604020202020204"/>
+              <a:ea typeface="Arial" panose="020B0604020202020204"/>
+              <a:cs typeface="Arial" panose="020B0604020202020204"/>
+              <a:sym typeface="Arial" panose="020B0604020202020204"/>
+            </a:endParaRPr>
+          </a:p>
+        </p:txBody>
+      </p:sp>
+      <p:sp>
+        <p:nvSpPr>
+          <p:cNvPr id="64" name="Google Shape;642;p43">
+            <a:extLst>
+              <a:ext uri="{FF2B5EF4-FFF2-40B4-BE49-F238E27FC236}">
+                <a16:creationId xmlns:a16="http://schemas.microsoft.com/office/drawing/2014/main" id="{B234C1DF-B723-9C4A-BD62-6C489AA28BF6}"/>
+              </a:ext>
+            </a:extLst>
+          </p:cNvPr>
+          <p:cNvSpPr/>
+          <p:nvPr/>
+        </p:nvSpPr>
+        <p:spPr>
+          <a:xfrm>
+            <a:off x="985987" y="4059750"/>
+            <a:ext cx="144670" cy="279106"/>
+          </a:xfrm>
+          <a:prstGeom prst="downArrow">
+            <a:avLst>
+              <a:gd name="adj1" fmla="val 50000"/>
+              <a:gd name="adj2" fmla="val 50000"/>
+            </a:avLst>
+          </a:prstGeom>
+          <a:solidFill>
+            <a:schemeClr val="accent1"/>
+          </a:solidFill>
+          <a:ln w="25400" cap="flat" cmpd="sng">
+            <a:solidFill>
+              <a:srgbClr val="AE4E00"/>
+            </a:solidFill>
+            <a:prstDash val="solid"/>
+            <a:round/>
+            <a:headEnd type="none" w="sm" len="sm"/>
+            <a:tailEnd type="none" w="sm" len="sm"/>
+          </a:ln>
+        </p:spPr>
+        <p:txBody>
+          <a:bodyPr spcFirstLastPara="1" wrap="square" lIns="68575" tIns="34275" rIns="68575" bIns="34275" anchor="ctr" anchorCtr="0">
+            <a:noAutofit/>
+          </a:bodyPr>
+          <a:lstStyle/>
+          <a:p>
+            <a:pPr marL="0" marR="0" lvl="0" indent="0" algn="ctr" rtl="0">
+              <a:lnSpc>
+                <a:spcPct val="100000"/>
+              </a:lnSpc>
+              <a:spcBef>
+                <a:spcPts val="0"/>
+              </a:spcBef>
+              <a:spcAft>
+                <a:spcPts val="0"/>
+              </a:spcAft>
+              <a:buNone/>
+            </a:pPr>
+            <a:endParaRPr sz="1350" b="0" i="0" u="none" strike="noStrike" cap="none">
+              <a:solidFill>
+                <a:schemeClr val="lt1"/>
+              </a:solidFill>
+              <a:latin typeface="Arial" panose="020B0604020202020204"/>
+              <a:ea typeface="Arial" panose="020B0604020202020204"/>
+              <a:cs typeface="Arial" panose="020B0604020202020204"/>
+              <a:sym typeface="Arial" panose="020B0604020202020204"/>
+            </a:endParaRPr>
+          </a:p>
+        </p:txBody>
+      </p:sp>
+      <p:sp>
+        <p:nvSpPr>
+          <p:cNvPr id="65" name="Google Shape;639;p43">
+            <a:extLst>
+              <a:ext uri="{FF2B5EF4-FFF2-40B4-BE49-F238E27FC236}">
+                <a16:creationId xmlns:a16="http://schemas.microsoft.com/office/drawing/2014/main" id="{0C21EB4A-2665-AD43-89B4-CEFB6764A070}"/>
+              </a:ext>
+            </a:extLst>
+          </p:cNvPr>
+          <p:cNvSpPr/>
+          <p:nvPr/>
+        </p:nvSpPr>
+        <p:spPr>
+          <a:xfrm>
+            <a:off x="432199" y="5104126"/>
+            <a:ext cx="3246600" cy="300000"/>
+          </a:xfrm>
+          <a:prstGeom prst="rect">
+            <a:avLst/>
+          </a:prstGeom>
+          <a:noFill/>
+          <a:ln>
+            <a:noFill/>
+          </a:ln>
+        </p:spPr>
+        <p:txBody>
+          <a:bodyPr spcFirstLastPara="1" wrap="square" lIns="91425" tIns="45700" rIns="91425" bIns="45700" anchor="t" anchorCtr="0">
+            <a:noAutofit/>
+          </a:bodyPr>
+          <a:lstStyle/>
+          <a:p>
+            <a:pPr marL="0" marR="0" lvl="0" indent="0" algn="l" rtl="0">
+              <a:lnSpc>
+                <a:spcPct val="100000"/>
+              </a:lnSpc>
+              <a:spcBef>
+                <a:spcPts val="0"/>
+              </a:spcBef>
+              <a:spcAft>
+                <a:spcPts val="0"/>
+              </a:spcAft>
+              <a:buNone/>
+            </a:pPr>
+            <a:r>
+              <a:rPr lang="en-US" sz="1350" b="0" i="0" u="none" strike="noStrike" cap="none" dirty="0" err="1">
+                <a:solidFill>
+                  <a:srgbClr val="000000"/>
+                </a:solidFill>
+                <a:latin typeface="Arial" panose="020B0604020202020204"/>
+                <a:ea typeface="Arial" panose="020B0604020202020204"/>
+                <a:cs typeface="Arial" panose="020B0604020202020204"/>
+                <a:sym typeface="Arial" panose="020B0604020202020204"/>
+              </a:rPr>
+              <a:t>transport.</a:t>
+            </a:r>
+            <a:r>
+              <a:rPr lang="en-US" altLang="zh-CN" sz="1350" b="0" i="0" u="none" strike="noStrike" cap="none" dirty="0" err="1">
+                <a:solidFill>
+                  <a:srgbClr val="000000"/>
+                </a:solidFill>
+                <a:latin typeface="Arial" panose="020B0604020202020204"/>
+                <a:ea typeface="Arial" panose="020B0604020202020204"/>
+                <a:cs typeface="Arial" panose="020B0604020202020204"/>
+                <a:sym typeface="Arial" panose="020B0604020202020204"/>
+              </a:rPr>
+              <a:t>Recv</a:t>
+            </a:r>
+            <a:r>
+              <a:rPr lang="en-US" sz="1350" b="0" i="0" u="none" strike="noStrike" cap="none" dirty="0">
+                <a:solidFill>
+                  <a:srgbClr val="000000"/>
+                </a:solidFill>
+                <a:latin typeface="Arial" panose="020B0604020202020204"/>
+                <a:ea typeface="Arial" panose="020B0604020202020204"/>
+                <a:cs typeface="Arial" panose="020B0604020202020204"/>
+                <a:sym typeface="Arial" panose="020B0604020202020204"/>
+              </a:rPr>
+              <a:t> </a:t>
+            </a:r>
+            <a:r>
+              <a:rPr lang="zh-CN" altLang="en-US" sz="1350" b="0" i="0" u="none" strike="noStrike" cap="none" dirty="0">
+                <a:solidFill>
+                  <a:srgbClr val="000000"/>
+                </a:solidFill>
+                <a:latin typeface="Arial" panose="020B0604020202020204"/>
+                <a:ea typeface="Arial" panose="020B0604020202020204"/>
+                <a:cs typeface="Arial" panose="020B0604020202020204"/>
+                <a:sym typeface="Arial" panose="020B0604020202020204"/>
+              </a:rPr>
+              <a:t> </a:t>
+            </a:r>
+            <a:r>
+              <a:rPr lang="en-US" altLang="zh-CN" sz="1350" b="0" i="0" u="none" strike="noStrike" cap="none" dirty="0">
+                <a:solidFill>
+                  <a:srgbClr val="000000"/>
+                </a:solidFill>
+                <a:latin typeface="Arial" panose="020B0604020202020204"/>
+                <a:ea typeface="Arial" panose="020B0604020202020204"/>
+                <a:cs typeface="Arial" panose="020B0604020202020204"/>
+                <a:sym typeface="Arial" panose="020B0604020202020204"/>
+              </a:rPr>
+              <a:t>&lt;</a:t>
+            </a:r>
+            <a:r>
+              <a:rPr lang="en-US" sz="1350" b="0" i="0" u="none" strike="noStrike" cap="none" dirty="0">
+                <a:solidFill>
+                  <a:srgbClr val="000000"/>
+                </a:solidFill>
+                <a:latin typeface="Arial" panose="020B0604020202020204"/>
+                <a:ea typeface="Arial" panose="020B0604020202020204"/>
+                <a:cs typeface="Arial" panose="020B0604020202020204"/>
+                <a:sym typeface="Arial" panose="020B0604020202020204"/>
+              </a:rPr>
+              <a:t>=</a:t>
+            </a:r>
+            <a:r>
+              <a:rPr lang="zh-CN" altLang="en-US" sz="1350" b="0" i="0" u="none" strike="noStrike" cap="none" dirty="0">
+                <a:solidFill>
+                  <a:srgbClr val="000000"/>
+                </a:solidFill>
+                <a:latin typeface="Arial" panose="020B0604020202020204"/>
+                <a:ea typeface="Arial" panose="020B0604020202020204"/>
+                <a:cs typeface="Arial" panose="020B0604020202020204"/>
+                <a:sym typeface="Arial" panose="020B0604020202020204"/>
+              </a:rPr>
+              <a:t>  </a:t>
+            </a:r>
+            <a:r>
+              <a:rPr lang="en-US" sz="1350" b="0" i="0" u="none" strike="noStrike" cap="none" dirty="0" err="1">
+                <a:solidFill>
+                  <a:srgbClr val="000000"/>
+                </a:solidFill>
+                <a:latin typeface="Arial" panose="020B0604020202020204"/>
+                <a:ea typeface="Arial" panose="020B0604020202020204"/>
+                <a:cs typeface="Arial" panose="020B0604020202020204"/>
+                <a:sym typeface="Arial" panose="020B0604020202020204"/>
+              </a:rPr>
+              <a:t>transport.</a:t>
+            </a:r>
+            <a:r>
+              <a:rPr lang="en-US" altLang="zh-CN" sz="1350" b="0" i="0" u="none" strike="noStrike" cap="none" dirty="0" err="1">
+                <a:solidFill>
+                  <a:srgbClr val="000000"/>
+                </a:solidFill>
+                <a:latin typeface="Arial" panose="020B0604020202020204"/>
+                <a:ea typeface="Arial" panose="020B0604020202020204"/>
+                <a:cs typeface="Arial" panose="020B0604020202020204"/>
+                <a:sym typeface="Arial" panose="020B0604020202020204"/>
+              </a:rPr>
+              <a:t>Send</a:t>
+            </a:r>
+            <a:endParaRPr sz="1350" b="0" i="0" u="none" strike="noStrike" cap="none" dirty="0">
+              <a:solidFill>
+                <a:srgbClr val="000000"/>
+              </a:solidFill>
+              <a:latin typeface="Arial" panose="020B0604020202020204"/>
+              <a:ea typeface="Arial" panose="020B0604020202020204"/>
+              <a:cs typeface="Arial" panose="020B0604020202020204"/>
+              <a:sym typeface="Arial" panose="020B0604020202020204"/>
+            </a:endParaRPr>
+          </a:p>
+        </p:txBody>
+      </p:sp>
+      <p:sp>
+        <p:nvSpPr>
+          <p:cNvPr id="66" name="Google Shape;642;p43">
+            <a:extLst>
+              <a:ext uri="{FF2B5EF4-FFF2-40B4-BE49-F238E27FC236}">
+                <a16:creationId xmlns:a16="http://schemas.microsoft.com/office/drawing/2014/main" id="{6A26F3B5-FE36-6542-A161-9FB2B8830503}"/>
+              </a:ext>
+            </a:extLst>
+          </p:cNvPr>
+          <p:cNvSpPr/>
+          <p:nvPr/>
+        </p:nvSpPr>
+        <p:spPr>
+          <a:xfrm>
+            <a:off x="985987" y="4815045"/>
+            <a:ext cx="144670" cy="279106"/>
+          </a:xfrm>
+          <a:prstGeom prst="downArrow">
+            <a:avLst>
+              <a:gd name="adj1" fmla="val 50000"/>
+              <a:gd name="adj2" fmla="val 50000"/>
+            </a:avLst>
+          </a:prstGeom>
+          <a:solidFill>
+            <a:schemeClr val="accent1"/>
+          </a:solidFill>
+          <a:ln w="25400" cap="flat" cmpd="sng">
+            <a:solidFill>
+              <a:srgbClr val="AE4E00"/>
+            </a:solidFill>
+            <a:prstDash val="solid"/>
+            <a:round/>
+            <a:headEnd type="none" w="sm" len="sm"/>
+            <a:tailEnd type="none" w="sm" len="sm"/>
+          </a:ln>
+        </p:spPr>
+        <p:txBody>
+          <a:bodyPr spcFirstLastPara="1" wrap="square" lIns="68575" tIns="34275" rIns="68575" bIns="34275" anchor="ctr" anchorCtr="0">
+            <a:noAutofit/>
+          </a:bodyPr>
+          <a:lstStyle/>
+          <a:p>
+            <a:pPr marL="0" marR="0" lvl="0" indent="0" algn="ctr" rtl="0">
+              <a:lnSpc>
+                <a:spcPct val="100000"/>
+              </a:lnSpc>
+              <a:spcBef>
+                <a:spcPts val="0"/>
+              </a:spcBef>
+              <a:spcAft>
+                <a:spcPts val="0"/>
+              </a:spcAft>
+              <a:buNone/>
+            </a:pPr>
+            <a:endParaRPr sz="1350" b="0" i="0" u="none" strike="noStrike" cap="none">
+              <a:solidFill>
+                <a:schemeClr val="lt1"/>
+              </a:solidFill>
+              <a:latin typeface="Arial" panose="020B0604020202020204"/>
+              <a:ea typeface="Arial" panose="020B0604020202020204"/>
+              <a:cs typeface="Arial" panose="020B0604020202020204"/>
+              <a:sym typeface="Arial" panose="020B0604020202020204"/>
+            </a:endParaRPr>
+          </a:p>
+        </p:txBody>
+      </p:sp>
+    </p:spTree>
+    <p:extLst>
+      <p:ext uri="{BB962C8B-B14F-4D97-AF65-F5344CB8AC3E}">
+        <p14:creationId xmlns:p14="http://schemas.microsoft.com/office/powerpoint/2010/main" val="1116015401"/>
+      </p:ext>
+    </p:extLst>
+  </p:cSld>
+  <p:clrMapOvr>
+    <a:masterClrMapping/>
+  </p:clrMapOvr>
+</p:sld>
+</file>
+
+<file path=ppt/slides/slide14.xml><?xml version="1.0" encoding="utf-8"?>
+<p:sld xmlns:a="http://schemas.openxmlformats.org/drawingml/2006/main" xmlns:r="http://schemas.openxmlformats.org/officeDocument/2006/relationships" xmlns:p="http://schemas.openxmlformats.org/presentationml/2006/main">
+  <p:cSld>
+    <p:spTree>
+      <p:nvGrpSpPr>
+        <p:cNvPr id="1" name=""/>
+        <p:cNvGrpSpPr/>
+        <p:nvPr/>
+      </p:nvGrpSpPr>
+      <p:grpSpPr>
+        <a:xfrm>
+          <a:off x="0" y="0"/>
+          <a:ext cx="0" cy="0"/>
+          <a:chOff x="0" y="0"/>
+          <a:chExt cx="0" cy="0"/>
+        </a:xfrm>
+      </p:grpSpPr>
+      <p:sp>
+        <p:nvSpPr>
+          <p:cNvPr id="2" name="标题 1">
+            <a:extLst>
+              <a:ext uri="{FF2B5EF4-FFF2-40B4-BE49-F238E27FC236}">
+                <a16:creationId xmlns:a16="http://schemas.microsoft.com/office/drawing/2014/main" id="{A8C03519-6965-274C-BFB9-F99AF25486EC}"/>
+              </a:ext>
+            </a:extLst>
+          </p:cNvPr>
+          <p:cNvSpPr>
+            <a:spLocks noGrp="1"/>
+          </p:cNvSpPr>
+          <p:nvPr>
+            <p:ph type="title"/>
+          </p:nvPr>
+        </p:nvSpPr>
+        <p:spPr/>
+        <p:txBody>
+          <a:bodyPr/>
+          <a:lstStyle/>
+          <a:p>
+            <a:r>
+              <a:rPr kumimoji="1" lang="zh-CN" altLang="en-US" dirty="0">
+                <a:cs typeface="Arial" panose="020B0604020202020204" pitchFamily="34" charset="0"/>
+              </a:rPr>
+              <a:t>微服务框架</a:t>
+            </a:r>
+            <a:endParaRPr kumimoji="1" lang="zh-CN" altLang="en-US" dirty="0"/>
+          </a:p>
+        </p:txBody>
+      </p:sp>
+      <p:pic>
+        <p:nvPicPr>
+          <p:cNvPr id="5" name="图片 4">
+            <a:extLst>
+              <a:ext uri="{FF2B5EF4-FFF2-40B4-BE49-F238E27FC236}">
+                <a16:creationId xmlns:a16="http://schemas.microsoft.com/office/drawing/2014/main" id="{496966F0-99FE-C646-A02E-DBBDEBBBAC8E}"/>
+              </a:ext>
+            </a:extLst>
+          </p:cNvPr>
+          <p:cNvPicPr>
+            <a:picLocks noChangeAspect="1"/>
+          </p:cNvPicPr>
+          <p:nvPr/>
+        </p:nvPicPr>
+        <p:blipFill>
+          <a:blip r:embed="rId2"/>
+          <a:stretch>
+            <a:fillRect/>
+          </a:stretch>
+        </p:blipFill>
+        <p:spPr>
+          <a:xfrm>
+            <a:off x="7302500" y="1600200"/>
+            <a:ext cx="4445000" cy="4445000"/>
+          </a:xfrm>
+          <a:prstGeom prst="rect">
+            <a:avLst/>
+          </a:prstGeom>
+        </p:spPr>
+      </p:pic>
+      <p:sp>
+        <p:nvSpPr>
+          <p:cNvPr id="6" name="object 3">
+            <a:extLst>
+              <a:ext uri="{FF2B5EF4-FFF2-40B4-BE49-F238E27FC236}">
+                <a16:creationId xmlns:a16="http://schemas.microsoft.com/office/drawing/2014/main" id="{BFF52AA4-08C0-854C-9120-38A619D34A0D}"/>
+              </a:ext>
+            </a:extLst>
+          </p:cNvPr>
+          <p:cNvSpPr txBox="1"/>
+          <p:nvPr/>
+        </p:nvSpPr>
+        <p:spPr>
+          <a:xfrm>
+            <a:off x="9032240" y="3396615"/>
+            <a:ext cx="985519" cy="852169"/>
+          </a:xfrm>
+          <a:prstGeom prst="rect">
+            <a:avLst/>
+          </a:prstGeom>
+        </p:spPr>
+        <p:txBody>
+          <a:bodyPr vert="horz" wrap="square" lIns="0" tIns="10795" rIns="0" bIns="0" rtlCol="0">
+            <a:spAutoFit/>
+          </a:bodyPr>
+          <a:lstStyle/>
+          <a:p>
+            <a:pPr marL="12700" marR="5080" algn="ctr">
+              <a:lnSpc>
+                <a:spcPct val="101000"/>
+              </a:lnSpc>
+              <a:spcBef>
+                <a:spcPts val="85"/>
+              </a:spcBef>
+            </a:pPr>
+            <a:r>
+              <a:rPr sz="1800" b="1" spc="-5" dirty="0">
+                <a:solidFill>
+                  <a:srgbClr val="FFFFFF"/>
+                </a:solidFill>
+                <a:latin typeface="Courier New" panose="02070309020205020404"/>
+                <a:cs typeface="Courier New" panose="02070309020205020404"/>
+              </a:rPr>
+              <a:t>Client  or  Handler</a:t>
+            </a:r>
+            <a:endParaRPr sz="1800" b="1" dirty="0">
+              <a:latin typeface="Courier New" panose="02070309020205020404"/>
+              <a:cs typeface="Courier New" panose="02070309020205020404"/>
+            </a:endParaRPr>
+          </a:p>
+        </p:txBody>
+      </p:sp>
+      <p:sp>
+        <p:nvSpPr>
+          <p:cNvPr id="7" name="文本框 6">
+            <a:extLst>
+              <a:ext uri="{FF2B5EF4-FFF2-40B4-BE49-F238E27FC236}">
+                <a16:creationId xmlns:a16="http://schemas.microsoft.com/office/drawing/2014/main" id="{FB8D6B43-A98C-0441-B3B9-A4F4FF059D96}"/>
+              </a:ext>
+            </a:extLst>
+          </p:cNvPr>
+          <p:cNvSpPr txBox="1"/>
+          <p:nvPr/>
+        </p:nvSpPr>
+        <p:spPr>
+          <a:xfrm>
+            <a:off x="10869439" y="751916"/>
+            <a:ext cx="877163" cy="369332"/>
+          </a:xfrm>
+          <a:prstGeom prst="rect">
+            <a:avLst/>
+          </a:prstGeom>
+          <a:noFill/>
+        </p:spPr>
+        <p:txBody>
+          <a:bodyPr wrap="none" rtlCol="0">
+            <a:spAutoFit/>
+          </a:bodyPr>
+          <a:lstStyle/>
+          <a:p>
+            <a:r>
+              <a:rPr kumimoji="1" lang="zh-CN" altLang="en-US" dirty="0"/>
+              <a:t>包装器</a:t>
+            </a:r>
+          </a:p>
+        </p:txBody>
+      </p:sp>
+      <p:sp>
+        <p:nvSpPr>
+          <p:cNvPr id="12" name="矩形 11">
+            <a:extLst>
+              <a:ext uri="{FF2B5EF4-FFF2-40B4-BE49-F238E27FC236}">
+                <a16:creationId xmlns:a16="http://schemas.microsoft.com/office/drawing/2014/main" id="{99D7B3C2-67C5-8841-9B2D-78C763B0EAD2}"/>
+              </a:ext>
+            </a:extLst>
+          </p:cNvPr>
+          <p:cNvSpPr/>
+          <p:nvPr/>
+        </p:nvSpPr>
+        <p:spPr>
+          <a:xfrm>
+            <a:off x="523751" y="1695748"/>
+            <a:ext cx="4706171" cy="3993852"/>
+          </a:xfrm>
+          <a:prstGeom prst="rect">
+            <a:avLst/>
+          </a:prstGeom>
+        </p:spPr>
+        <p:txBody>
+          <a:bodyPr vert="horz" lIns="91440" tIns="45720" rIns="91440" bIns="45720" rtlCol="0">
+            <a:noAutofit/>
+          </a:bodyPr>
+          <a:lstStyle/>
+          <a:p>
+            <a:pPr>
+              <a:lnSpc>
+                <a:spcPct val="150000"/>
+              </a:lnSpc>
+              <a:spcBef>
+                <a:spcPts val="500"/>
+              </a:spcBef>
+              <a:spcAft>
+                <a:spcPts val="1200"/>
+              </a:spcAft>
+            </a:pPr>
+            <a:r>
+              <a:rPr lang="zh-CN" altLang="en-US" sz="1600" dirty="0">
+                <a:solidFill>
+                  <a:schemeClr val="tx1">
+                    <a:lumMod val="65000"/>
+                    <a:lumOff val="35000"/>
+                  </a:schemeClr>
+                </a:solidFill>
+                <a:latin typeface="Microsoft YaHei UI" panose="020B0503020204020204" pitchFamily="34" charset="-122"/>
+                <a:ea typeface="Microsoft YaHei UI" panose="020B0503020204020204" pitchFamily="34" charset="-122"/>
+                <a:cs typeface="Arial" panose="020B0604020202020204" pitchFamily="34" charset="0"/>
+              </a:rPr>
+              <a:t>特性：</a:t>
+            </a:r>
+            <a:endParaRPr lang="en-US" altLang="zh-CN" sz="1600" dirty="0">
+              <a:solidFill>
+                <a:schemeClr val="tx1">
+                  <a:lumMod val="65000"/>
+                  <a:lumOff val="35000"/>
+                </a:schemeClr>
+              </a:solidFill>
+              <a:latin typeface="Microsoft YaHei UI" panose="020B0503020204020204" pitchFamily="34" charset="-122"/>
+              <a:ea typeface="Microsoft YaHei UI" panose="020B0503020204020204" pitchFamily="34" charset="-122"/>
+              <a:cs typeface="Arial" panose="020B0604020202020204" pitchFamily="34" charset="0"/>
+            </a:endParaRPr>
+          </a:p>
+          <a:p>
+            <a:pPr marL="800100" lvl="1" indent="-342900">
+              <a:spcBef>
+                <a:spcPts val="500"/>
+              </a:spcBef>
+              <a:spcAft>
+                <a:spcPts val="1200"/>
+              </a:spcAft>
+              <a:buFont typeface="Arial" panose="020B0604020202020204" pitchFamily="34" charset="0"/>
+              <a:buAutoNum type="arabicPeriod"/>
+            </a:pPr>
+            <a:r>
+              <a:rPr lang="zh-CN" altLang="en-US" sz="1600" dirty="0">
+                <a:solidFill>
+                  <a:schemeClr val="tx1">
+                    <a:lumMod val="65000"/>
+                    <a:lumOff val="35000"/>
+                  </a:schemeClr>
+                </a:solidFill>
+                <a:latin typeface="Microsoft YaHei UI" panose="020B0503020204020204" pitchFamily="34" charset="-122"/>
+                <a:ea typeface="Microsoft YaHei UI" panose="020B0503020204020204" pitchFamily="34" charset="-122"/>
+                <a:cs typeface="Arial" panose="020B0604020202020204" pitchFamily="34" charset="0"/>
+                <a:sym typeface="Arial" panose="020B0604020202020204"/>
+              </a:rPr>
+              <a:t>请求</a:t>
+            </a:r>
+            <a:r>
+              <a:rPr lang="en-US" altLang="zh-CN" sz="1600" dirty="0" err="1">
+                <a:solidFill>
+                  <a:schemeClr val="tx1">
+                    <a:lumMod val="65000"/>
+                    <a:lumOff val="35000"/>
+                  </a:schemeClr>
+                </a:solidFill>
+                <a:latin typeface="Microsoft YaHei UI" panose="020B0503020204020204" pitchFamily="34" charset="-122"/>
+                <a:ea typeface="Microsoft YaHei UI" panose="020B0503020204020204" pitchFamily="34" charset="-122"/>
+                <a:cs typeface="Arial" panose="020B0604020202020204" pitchFamily="34" charset="0"/>
+                <a:sym typeface="Arial" panose="020B0604020202020204"/>
+              </a:rPr>
+              <a:t>认证</a:t>
+            </a:r>
+            <a:endParaRPr lang="en-US" altLang="zh-CN" sz="1600" dirty="0">
+              <a:solidFill>
+                <a:schemeClr val="tx1">
+                  <a:lumMod val="65000"/>
+                  <a:lumOff val="35000"/>
+                </a:schemeClr>
+              </a:solidFill>
+              <a:latin typeface="Microsoft YaHei UI" panose="020B0503020204020204" pitchFamily="34" charset="-122"/>
+              <a:ea typeface="Microsoft YaHei UI" panose="020B0503020204020204" pitchFamily="34" charset="-122"/>
+              <a:cs typeface="Arial" panose="020B0604020202020204" pitchFamily="34" charset="0"/>
+              <a:sym typeface="Arial" panose="020B0604020202020204"/>
+            </a:endParaRPr>
+          </a:p>
+          <a:p>
+            <a:pPr marL="800100" lvl="1" indent="-342900">
+              <a:spcBef>
+                <a:spcPts val="500"/>
+              </a:spcBef>
+              <a:spcAft>
+                <a:spcPts val="1200"/>
+              </a:spcAft>
+              <a:buFont typeface="Arial" panose="020B0604020202020204" pitchFamily="34" charset="0"/>
+              <a:buAutoNum type="arabicPeriod"/>
+            </a:pPr>
+            <a:r>
+              <a:rPr lang="zh-CN" altLang="en-US" sz="1600" dirty="0">
+                <a:solidFill>
+                  <a:schemeClr val="tx1">
+                    <a:lumMod val="65000"/>
+                    <a:lumOff val="35000"/>
+                  </a:schemeClr>
+                </a:solidFill>
+                <a:latin typeface="Microsoft YaHei UI" panose="020B0503020204020204" pitchFamily="34" charset="-122"/>
+                <a:ea typeface="Microsoft YaHei UI" panose="020B0503020204020204" pitchFamily="34" charset="-122"/>
+                <a:cs typeface="Arial" panose="020B0604020202020204" pitchFamily="34" charset="0"/>
+              </a:rPr>
+              <a:t>降级熔断</a:t>
+            </a:r>
+          </a:p>
+          <a:p>
+            <a:pPr marL="800100" lvl="1" indent="-342900">
+              <a:spcBef>
+                <a:spcPts val="500"/>
+              </a:spcBef>
+              <a:spcAft>
+                <a:spcPts val="1200"/>
+              </a:spcAft>
+              <a:buFont typeface="Arial" panose="020B0604020202020204" pitchFamily="34" charset="0"/>
+              <a:buAutoNum type="arabicPeriod"/>
+            </a:pPr>
+            <a:r>
+              <a:rPr lang="zh-CN" altLang="en-US" sz="1600" dirty="0">
+                <a:solidFill>
+                  <a:schemeClr val="tx1">
+                    <a:lumMod val="65000"/>
+                    <a:lumOff val="35000"/>
+                  </a:schemeClr>
+                </a:solidFill>
+                <a:latin typeface="Microsoft YaHei UI" panose="020B0503020204020204" pitchFamily="34" charset="-122"/>
+                <a:ea typeface="Microsoft YaHei UI" panose="020B0503020204020204" pitchFamily="34" charset="-122"/>
+                <a:cs typeface="Arial" panose="020B0604020202020204" pitchFamily="34" charset="0"/>
+              </a:rPr>
+              <a:t>服务限流</a:t>
+            </a:r>
+            <a:endParaRPr lang="en-US" altLang="zh-CN" sz="1600" dirty="0">
+              <a:solidFill>
+                <a:schemeClr val="tx1">
+                  <a:lumMod val="65000"/>
+                  <a:lumOff val="35000"/>
+                </a:schemeClr>
+              </a:solidFill>
+              <a:latin typeface="Microsoft YaHei UI" panose="020B0503020204020204" pitchFamily="34" charset="-122"/>
+              <a:ea typeface="Microsoft YaHei UI" panose="020B0503020204020204" pitchFamily="34" charset="-122"/>
+              <a:cs typeface="Arial" panose="020B0604020202020204" pitchFamily="34" charset="0"/>
+            </a:endParaRPr>
+          </a:p>
+          <a:p>
+            <a:pPr marL="800100" lvl="1" indent="-342900">
+              <a:spcBef>
+                <a:spcPts val="500"/>
+              </a:spcBef>
+              <a:spcAft>
+                <a:spcPts val="1200"/>
+              </a:spcAft>
+              <a:buFont typeface="Arial" panose="020B0604020202020204" pitchFamily="34" charset="0"/>
+              <a:buAutoNum type="arabicPeriod"/>
+            </a:pPr>
+            <a:r>
+              <a:rPr lang="zh-CN" altLang="en-US" sz="1600" dirty="0">
+                <a:solidFill>
+                  <a:schemeClr val="tx1">
+                    <a:lumMod val="65000"/>
+                    <a:lumOff val="35000"/>
+                  </a:schemeClr>
+                </a:solidFill>
+                <a:latin typeface="Microsoft YaHei UI" panose="020B0503020204020204" pitchFamily="34" charset="-122"/>
+                <a:ea typeface="Microsoft YaHei UI" panose="020B0503020204020204" pitchFamily="34" charset="-122"/>
+                <a:cs typeface="Arial" panose="020B0604020202020204" pitchFamily="34" charset="0"/>
+              </a:rPr>
+              <a:t>日志追踪</a:t>
+            </a:r>
+            <a:endParaRPr lang="en-US" altLang="zh-CN" sz="1600" dirty="0">
+              <a:solidFill>
+                <a:schemeClr val="tx1">
+                  <a:lumMod val="65000"/>
+                  <a:lumOff val="35000"/>
+                </a:schemeClr>
+              </a:solidFill>
+              <a:latin typeface="Microsoft YaHei UI" panose="020B0503020204020204" pitchFamily="34" charset="-122"/>
+              <a:ea typeface="Microsoft YaHei UI" panose="020B0503020204020204" pitchFamily="34" charset="-122"/>
+              <a:cs typeface="Arial" panose="020B0604020202020204" pitchFamily="34" charset="0"/>
+            </a:endParaRPr>
+          </a:p>
+          <a:p>
+            <a:pPr marL="800100" lvl="1" indent="-342900">
+              <a:spcBef>
+                <a:spcPts val="500"/>
+              </a:spcBef>
+              <a:spcAft>
+                <a:spcPts val="1200"/>
+              </a:spcAft>
+              <a:buFont typeface="Arial" panose="020B0604020202020204" pitchFamily="34" charset="0"/>
+              <a:buAutoNum type="arabicPeriod"/>
+            </a:pPr>
+            <a:r>
+              <a:rPr lang="zh-CN" altLang="en-US" sz="1600" dirty="0">
+                <a:solidFill>
+                  <a:schemeClr val="tx1">
+                    <a:lumMod val="65000"/>
+                    <a:lumOff val="35000"/>
+                  </a:schemeClr>
+                </a:solidFill>
+                <a:latin typeface="Microsoft YaHei UI" panose="020B0503020204020204" pitchFamily="34" charset="-122"/>
+                <a:ea typeface="Microsoft YaHei UI" panose="020B0503020204020204" pitchFamily="34" charset="-122"/>
+                <a:cs typeface="Arial" panose="020B0604020202020204" pitchFamily="34" charset="0"/>
+              </a:rPr>
+              <a:t>事件通知</a:t>
+            </a:r>
+            <a:endParaRPr lang="en-US" altLang="zh-CN" sz="1600" dirty="0">
+              <a:solidFill>
+                <a:schemeClr val="tx1">
+                  <a:lumMod val="65000"/>
+                  <a:lumOff val="35000"/>
+                </a:schemeClr>
+              </a:solidFill>
+              <a:latin typeface="Microsoft YaHei UI" panose="020B0503020204020204" pitchFamily="34" charset="-122"/>
+              <a:ea typeface="Microsoft YaHei UI" panose="020B0503020204020204" pitchFamily="34" charset="-122"/>
+              <a:cs typeface="Arial" panose="020B0604020202020204" pitchFamily="34" charset="0"/>
+            </a:endParaRPr>
+          </a:p>
+          <a:p>
+            <a:pPr marL="800100" lvl="1" indent="-342900">
+              <a:spcBef>
+                <a:spcPts val="500"/>
+              </a:spcBef>
+              <a:spcAft>
+                <a:spcPts val="1200"/>
+              </a:spcAft>
+              <a:buFont typeface="Arial" panose="020B0604020202020204" pitchFamily="34" charset="0"/>
+              <a:buAutoNum type="arabicPeriod"/>
+            </a:pPr>
+            <a:r>
+              <a:rPr lang="zh-CN" altLang="en-US" sz="1600" dirty="0">
+                <a:solidFill>
+                  <a:schemeClr val="tx1">
+                    <a:lumMod val="65000"/>
+                    <a:lumOff val="35000"/>
+                  </a:schemeClr>
+                </a:solidFill>
+                <a:latin typeface="Microsoft YaHei UI" panose="020B0503020204020204" pitchFamily="34" charset="-122"/>
+                <a:ea typeface="Microsoft YaHei UI" panose="020B0503020204020204" pitchFamily="34" charset="-122"/>
+                <a:cs typeface="Arial" panose="020B0604020202020204" pitchFamily="34" charset="0"/>
+              </a:rPr>
+              <a:t>计量度量</a:t>
+            </a:r>
+            <a:endParaRPr lang="en-US" altLang="zh-CN" sz="1600" dirty="0">
+              <a:solidFill>
+                <a:schemeClr val="tx1">
+                  <a:lumMod val="65000"/>
+                  <a:lumOff val="35000"/>
+                </a:schemeClr>
+              </a:solidFill>
+              <a:latin typeface="Microsoft YaHei UI" panose="020B0503020204020204" pitchFamily="34" charset="-122"/>
+              <a:ea typeface="Microsoft YaHei UI" panose="020B0503020204020204" pitchFamily="34" charset="-122"/>
+              <a:cs typeface="Arial" panose="020B0604020202020204" pitchFamily="34" charset="0"/>
+            </a:endParaRPr>
+          </a:p>
+          <a:p>
+            <a:pPr marL="800100" lvl="1" indent="-342900">
+              <a:spcBef>
+                <a:spcPts val="500"/>
+              </a:spcBef>
+              <a:spcAft>
+                <a:spcPts val="1200"/>
+              </a:spcAft>
+              <a:buFont typeface="Arial" panose="020B0604020202020204" pitchFamily="34" charset="0"/>
+              <a:buAutoNum type="arabicPeriod"/>
+            </a:pPr>
+            <a:r>
+              <a:rPr lang="zh-CN" altLang="en-US" sz="1600" dirty="0">
+                <a:solidFill>
+                  <a:schemeClr val="tx1">
+                    <a:lumMod val="65000"/>
+                    <a:lumOff val="35000"/>
+                  </a:schemeClr>
+                </a:solidFill>
+                <a:latin typeface="Microsoft YaHei UI" panose="020B0503020204020204" pitchFamily="34" charset="-122"/>
+                <a:ea typeface="Microsoft YaHei UI" panose="020B0503020204020204" pitchFamily="34" charset="-122"/>
+                <a:cs typeface="Arial" panose="020B0604020202020204" pitchFamily="34" charset="0"/>
+              </a:rPr>
+              <a:t>上下文注入</a:t>
+            </a:r>
+            <a:endParaRPr lang="en-US" altLang="zh-CN" sz="1600" dirty="0">
+              <a:solidFill>
+                <a:schemeClr val="tx1">
+                  <a:lumMod val="65000"/>
+                  <a:lumOff val="35000"/>
+                </a:schemeClr>
+              </a:solidFill>
+              <a:latin typeface="Microsoft YaHei UI" panose="020B0503020204020204" pitchFamily="34" charset="-122"/>
+              <a:ea typeface="Microsoft YaHei UI" panose="020B0503020204020204" pitchFamily="34" charset="-122"/>
+              <a:cs typeface="Arial" panose="020B0604020202020204" pitchFamily="34" charset="0"/>
+            </a:endParaRPr>
+          </a:p>
+        </p:txBody>
+      </p:sp>
+    </p:spTree>
+    <p:extLst>
+      <p:ext uri="{BB962C8B-B14F-4D97-AF65-F5344CB8AC3E}">
+        <p14:creationId xmlns:p14="http://schemas.microsoft.com/office/powerpoint/2010/main" val="744775428"/>
+      </p:ext>
+    </p:extLst>
+  </p:cSld>
+  <p:clrMapOvr>
+    <a:masterClrMapping/>
+  </p:clrMapOvr>
+</p:sld>
+</file>
+
+<file path=ppt/slides/slide15.xml><?xml version="1.0" encoding="utf-8"?>
+<p:sld xmlns:a="http://schemas.openxmlformats.org/drawingml/2006/main" xmlns:r="http://schemas.openxmlformats.org/officeDocument/2006/relationships" xmlns:p="http://schemas.openxmlformats.org/presentationml/2006/main">
+  <p:cSld>
+    <p:spTree>
+      <p:nvGrpSpPr>
+        <p:cNvPr id="1" name=""/>
+        <p:cNvGrpSpPr/>
+        <p:nvPr/>
+      </p:nvGrpSpPr>
+      <p:grpSpPr>
+        <a:xfrm>
+          <a:off x="0" y="0"/>
+          <a:ext cx="0" cy="0"/>
+          <a:chOff x="0" y="0"/>
+          <a:chExt cx="0" cy="0"/>
+        </a:xfrm>
+      </p:grpSpPr>
+      <p:sp>
+        <p:nvSpPr>
+          <p:cNvPr id="2" name="标题 1">
+            <a:extLst>
+              <a:ext uri="{FF2B5EF4-FFF2-40B4-BE49-F238E27FC236}">
+                <a16:creationId xmlns:a16="http://schemas.microsoft.com/office/drawing/2014/main" id="{A8C03519-6965-274C-BFB9-F99AF25486EC}"/>
+              </a:ext>
+            </a:extLst>
+          </p:cNvPr>
+          <p:cNvSpPr>
+            <a:spLocks noGrp="1"/>
+          </p:cNvSpPr>
+          <p:nvPr>
+            <p:ph type="title"/>
+          </p:nvPr>
+        </p:nvSpPr>
+        <p:spPr/>
+        <p:txBody>
+          <a:bodyPr/>
+          <a:lstStyle/>
+          <a:p>
+            <a:r>
+              <a:rPr kumimoji="1" lang="zh-CN" altLang="en-US" dirty="0">
+                <a:cs typeface="Arial" panose="020B0604020202020204" pitchFamily="34" charset="0"/>
+              </a:rPr>
+              <a:t>微服务框架</a:t>
+            </a:r>
+            <a:endParaRPr kumimoji="1" lang="zh-CN" altLang="en-US" dirty="0"/>
+          </a:p>
+        </p:txBody>
+      </p:sp>
+      <p:sp>
+        <p:nvSpPr>
+          <p:cNvPr id="7" name="文本框 6">
+            <a:extLst>
+              <a:ext uri="{FF2B5EF4-FFF2-40B4-BE49-F238E27FC236}">
+                <a16:creationId xmlns:a16="http://schemas.microsoft.com/office/drawing/2014/main" id="{FB8D6B43-A98C-0441-B3B9-A4F4FF059D96}"/>
+              </a:ext>
+            </a:extLst>
+          </p:cNvPr>
+          <p:cNvSpPr txBox="1"/>
+          <p:nvPr/>
+        </p:nvSpPr>
+        <p:spPr>
+          <a:xfrm>
+            <a:off x="9865722" y="812801"/>
+            <a:ext cx="2416046" cy="369332"/>
+          </a:xfrm>
+          <a:prstGeom prst="rect">
+            <a:avLst/>
+          </a:prstGeom>
+          <a:noFill/>
+        </p:spPr>
+        <p:txBody>
+          <a:bodyPr wrap="none" rtlCol="0">
+            <a:spAutoFit/>
+          </a:bodyPr>
+          <a:lstStyle/>
+          <a:p>
+            <a:r>
+              <a:rPr kumimoji="1" lang="zh-CN" altLang="en-US" dirty="0"/>
+              <a:t>服务治理与流量调度 </a:t>
+            </a:r>
+          </a:p>
+        </p:txBody>
+      </p:sp>
+      <p:sp>
+        <p:nvSpPr>
+          <p:cNvPr id="12" name="矩形 11">
+            <a:extLst>
+              <a:ext uri="{FF2B5EF4-FFF2-40B4-BE49-F238E27FC236}">
+                <a16:creationId xmlns:a16="http://schemas.microsoft.com/office/drawing/2014/main" id="{99D7B3C2-67C5-8841-9B2D-78C763B0EAD2}"/>
+              </a:ext>
+            </a:extLst>
+          </p:cNvPr>
+          <p:cNvSpPr/>
+          <p:nvPr/>
+        </p:nvSpPr>
+        <p:spPr>
+          <a:xfrm>
+            <a:off x="523751" y="1695748"/>
+            <a:ext cx="4706171" cy="3993852"/>
+          </a:xfrm>
+          <a:prstGeom prst="rect">
+            <a:avLst/>
+          </a:prstGeom>
+        </p:spPr>
+        <p:txBody>
+          <a:bodyPr vert="horz" lIns="91440" tIns="45720" rIns="91440" bIns="45720" rtlCol="0">
+            <a:noAutofit/>
+          </a:bodyPr>
+          <a:lstStyle/>
+          <a:p>
+            <a:pPr>
+              <a:lnSpc>
+                <a:spcPct val="150000"/>
+              </a:lnSpc>
+              <a:spcBef>
+                <a:spcPts val="500"/>
+              </a:spcBef>
+              <a:spcAft>
+                <a:spcPts val="1200"/>
+              </a:spcAft>
+            </a:pPr>
+            <a:r>
+              <a:rPr lang="zh-CN" altLang="en-US" sz="1600" dirty="0">
+                <a:solidFill>
+                  <a:schemeClr val="tx1">
+                    <a:lumMod val="65000"/>
+                    <a:lumOff val="35000"/>
+                  </a:schemeClr>
+                </a:solidFill>
+                <a:latin typeface="Microsoft YaHei UI" panose="020B0503020204020204" pitchFamily="34" charset="-122"/>
+                <a:ea typeface="Microsoft YaHei UI" panose="020B0503020204020204" pitchFamily="34" charset="-122"/>
+                <a:cs typeface="Arial" panose="020B0604020202020204" pitchFamily="34" charset="0"/>
+              </a:rPr>
+              <a:t>特性：</a:t>
+            </a:r>
+            <a:endParaRPr lang="en-US" altLang="zh-CN" sz="1600" dirty="0">
+              <a:solidFill>
+                <a:schemeClr val="tx1">
+                  <a:lumMod val="65000"/>
+                  <a:lumOff val="35000"/>
+                </a:schemeClr>
+              </a:solidFill>
+              <a:latin typeface="Microsoft YaHei UI" panose="020B0503020204020204" pitchFamily="34" charset="-122"/>
+              <a:ea typeface="Microsoft YaHei UI" panose="020B0503020204020204" pitchFamily="34" charset="-122"/>
+              <a:cs typeface="Arial" panose="020B0604020202020204" pitchFamily="34" charset="0"/>
+            </a:endParaRPr>
+          </a:p>
+          <a:p>
+            <a:pPr marL="800100" lvl="1" indent="-342900">
+              <a:spcBef>
+                <a:spcPts val="500"/>
+              </a:spcBef>
+              <a:spcAft>
+                <a:spcPts val="1200"/>
+              </a:spcAft>
+              <a:buFont typeface="Arial" panose="020B0604020202020204" pitchFamily="34" charset="0"/>
+              <a:buAutoNum type="arabicPeriod"/>
+            </a:pPr>
+            <a:r>
+              <a:rPr lang="zh-CN" altLang="en-US" sz="1600" dirty="0">
+                <a:solidFill>
+                  <a:schemeClr val="tx1">
+                    <a:lumMod val="65000"/>
+                    <a:lumOff val="35000"/>
+                  </a:schemeClr>
+                </a:solidFill>
+                <a:latin typeface="Microsoft YaHei UI" panose="020B0503020204020204" pitchFamily="34" charset="-122"/>
+                <a:ea typeface="Microsoft YaHei UI" panose="020B0503020204020204" pitchFamily="34" charset="-122"/>
+                <a:cs typeface="Arial" panose="020B0604020202020204" pitchFamily="34" charset="0"/>
+                <a:sym typeface="Arial" panose="020B0604020202020204"/>
+              </a:rPr>
+              <a:t>请求</a:t>
+            </a:r>
+            <a:r>
+              <a:rPr lang="en-US" altLang="zh-CN" sz="1600" dirty="0" err="1">
+                <a:solidFill>
+                  <a:schemeClr val="tx1">
+                    <a:lumMod val="65000"/>
+                    <a:lumOff val="35000"/>
+                  </a:schemeClr>
+                </a:solidFill>
+                <a:latin typeface="Microsoft YaHei UI" panose="020B0503020204020204" pitchFamily="34" charset="-122"/>
+                <a:ea typeface="Microsoft YaHei UI" panose="020B0503020204020204" pitchFamily="34" charset="-122"/>
+                <a:cs typeface="Arial" panose="020B0604020202020204" pitchFamily="34" charset="0"/>
+                <a:sym typeface="Arial" panose="020B0604020202020204"/>
+              </a:rPr>
+              <a:t>认证</a:t>
+            </a:r>
+            <a:endParaRPr lang="en-US" altLang="zh-CN" sz="1600" dirty="0">
+              <a:solidFill>
+                <a:schemeClr val="tx1">
+                  <a:lumMod val="65000"/>
+                  <a:lumOff val="35000"/>
+                </a:schemeClr>
+              </a:solidFill>
+              <a:latin typeface="Microsoft YaHei UI" panose="020B0503020204020204" pitchFamily="34" charset="-122"/>
+              <a:ea typeface="Microsoft YaHei UI" panose="020B0503020204020204" pitchFamily="34" charset="-122"/>
+              <a:cs typeface="Arial" panose="020B0604020202020204" pitchFamily="34" charset="0"/>
+              <a:sym typeface="Arial" panose="020B0604020202020204"/>
+            </a:endParaRPr>
+          </a:p>
+          <a:p>
+            <a:pPr marL="800100" lvl="1" indent="-342900">
+              <a:spcBef>
+                <a:spcPts val="500"/>
+              </a:spcBef>
+              <a:spcAft>
+                <a:spcPts val="1200"/>
+              </a:spcAft>
+              <a:buFont typeface="Arial" panose="020B0604020202020204" pitchFamily="34" charset="0"/>
+              <a:buAutoNum type="arabicPeriod"/>
+            </a:pPr>
+            <a:r>
+              <a:rPr lang="zh-CN" altLang="en-US" sz="1600" dirty="0">
+                <a:solidFill>
+                  <a:schemeClr val="tx1">
+                    <a:lumMod val="65000"/>
+                    <a:lumOff val="35000"/>
+                  </a:schemeClr>
+                </a:solidFill>
+                <a:latin typeface="Microsoft YaHei UI" panose="020B0503020204020204" pitchFamily="34" charset="-122"/>
+                <a:ea typeface="Microsoft YaHei UI" panose="020B0503020204020204" pitchFamily="34" charset="-122"/>
+                <a:cs typeface="Arial" panose="020B0604020202020204" pitchFamily="34" charset="0"/>
+              </a:rPr>
+              <a:t>降级熔断</a:t>
+            </a:r>
+          </a:p>
+          <a:p>
+            <a:pPr marL="800100" lvl="1" indent="-342900">
+              <a:spcBef>
+                <a:spcPts val="500"/>
+              </a:spcBef>
+              <a:spcAft>
+                <a:spcPts val="1200"/>
+              </a:spcAft>
+              <a:buFont typeface="Arial" panose="020B0604020202020204" pitchFamily="34" charset="0"/>
+              <a:buAutoNum type="arabicPeriod"/>
+            </a:pPr>
+            <a:r>
+              <a:rPr lang="zh-CN" altLang="en-US" sz="1600" dirty="0">
+                <a:solidFill>
+                  <a:schemeClr val="tx1">
+                    <a:lumMod val="65000"/>
+                    <a:lumOff val="35000"/>
+                  </a:schemeClr>
+                </a:solidFill>
+                <a:latin typeface="Microsoft YaHei UI" panose="020B0503020204020204" pitchFamily="34" charset="-122"/>
+                <a:ea typeface="Microsoft YaHei UI" panose="020B0503020204020204" pitchFamily="34" charset="-122"/>
+                <a:cs typeface="Arial" panose="020B0604020202020204" pitchFamily="34" charset="0"/>
+              </a:rPr>
+              <a:t>服务限流</a:t>
+            </a:r>
+            <a:endParaRPr lang="en-US" altLang="zh-CN" sz="1600" dirty="0">
+              <a:solidFill>
+                <a:schemeClr val="tx1">
+                  <a:lumMod val="65000"/>
+                  <a:lumOff val="35000"/>
+                </a:schemeClr>
+              </a:solidFill>
+              <a:latin typeface="Microsoft YaHei UI" panose="020B0503020204020204" pitchFamily="34" charset="-122"/>
+              <a:ea typeface="Microsoft YaHei UI" panose="020B0503020204020204" pitchFamily="34" charset="-122"/>
+              <a:cs typeface="Arial" panose="020B0604020202020204" pitchFamily="34" charset="0"/>
+            </a:endParaRPr>
+          </a:p>
+          <a:p>
+            <a:pPr marL="800100" lvl="1" indent="-342900">
+              <a:spcBef>
+                <a:spcPts val="500"/>
+              </a:spcBef>
+              <a:spcAft>
+                <a:spcPts val="1200"/>
+              </a:spcAft>
+              <a:buFont typeface="Arial" panose="020B0604020202020204" pitchFamily="34" charset="0"/>
+              <a:buAutoNum type="arabicPeriod"/>
+            </a:pPr>
+            <a:r>
+              <a:rPr lang="zh-CN" altLang="en-US" sz="1600" dirty="0">
+                <a:solidFill>
+                  <a:schemeClr val="tx1">
+                    <a:lumMod val="65000"/>
+                    <a:lumOff val="35000"/>
+                  </a:schemeClr>
+                </a:solidFill>
+                <a:latin typeface="Microsoft YaHei UI" panose="020B0503020204020204" pitchFamily="34" charset="-122"/>
+                <a:ea typeface="Microsoft YaHei UI" panose="020B0503020204020204" pitchFamily="34" charset="-122"/>
+                <a:cs typeface="Arial" panose="020B0604020202020204" pitchFamily="34" charset="0"/>
+              </a:rPr>
+              <a:t>日志追踪</a:t>
+            </a:r>
+            <a:endParaRPr lang="en-US" altLang="zh-CN" sz="1600" dirty="0">
+              <a:solidFill>
+                <a:schemeClr val="tx1">
+                  <a:lumMod val="65000"/>
+                  <a:lumOff val="35000"/>
+                </a:schemeClr>
+              </a:solidFill>
+              <a:latin typeface="Microsoft YaHei UI" panose="020B0503020204020204" pitchFamily="34" charset="-122"/>
+              <a:ea typeface="Microsoft YaHei UI" panose="020B0503020204020204" pitchFamily="34" charset="-122"/>
+              <a:cs typeface="Arial" panose="020B0604020202020204" pitchFamily="34" charset="0"/>
+            </a:endParaRPr>
+          </a:p>
+          <a:p>
+            <a:pPr marL="800100" lvl="1" indent="-342900">
+              <a:spcBef>
+                <a:spcPts val="500"/>
+              </a:spcBef>
+              <a:spcAft>
+                <a:spcPts val="1200"/>
+              </a:spcAft>
+              <a:buFont typeface="Arial" panose="020B0604020202020204" pitchFamily="34" charset="0"/>
+              <a:buAutoNum type="arabicPeriod"/>
+            </a:pPr>
+            <a:r>
+              <a:rPr lang="zh-CN" altLang="en-US" sz="1600" dirty="0">
+                <a:solidFill>
+                  <a:schemeClr val="tx1">
+                    <a:lumMod val="65000"/>
+                    <a:lumOff val="35000"/>
+                  </a:schemeClr>
+                </a:solidFill>
+                <a:latin typeface="Microsoft YaHei UI" panose="020B0503020204020204" pitchFamily="34" charset="-122"/>
+                <a:ea typeface="Microsoft YaHei UI" panose="020B0503020204020204" pitchFamily="34" charset="-122"/>
+                <a:cs typeface="Arial" panose="020B0604020202020204" pitchFamily="34" charset="0"/>
+              </a:rPr>
+              <a:t>事件通知</a:t>
+            </a:r>
+            <a:endParaRPr lang="en-US" altLang="zh-CN" sz="1600" dirty="0">
+              <a:solidFill>
+                <a:schemeClr val="tx1">
+                  <a:lumMod val="65000"/>
+                  <a:lumOff val="35000"/>
+                </a:schemeClr>
+              </a:solidFill>
+              <a:latin typeface="Microsoft YaHei UI" panose="020B0503020204020204" pitchFamily="34" charset="-122"/>
+              <a:ea typeface="Microsoft YaHei UI" panose="020B0503020204020204" pitchFamily="34" charset="-122"/>
+              <a:cs typeface="Arial" panose="020B0604020202020204" pitchFamily="34" charset="0"/>
+            </a:endParaRPr>
+          </a:p>
+          <a:p>
+            <a:pPr marL="800100" lvl="1" indent="-342900">
+              <a:spcBef>
+                <a:spcPts val="500"/>
+              </a:spcBef>
+              <a:spcAft>
+                <a:spcPts val="1200"/>
+              </a:spcAft>
+              <a:buFont typeface="Arial" panose="020B0604020202020204" pitchFamily="34" charset="0"/>
+              <a:buAutoNum type="arabicPeriod"/>
+            </a:pPr>
+            <a:r>
+              <a:rPr lang="zh-CN" altLang="en-US" sz="1600" dirty="0">
+                <a:solidFill>
+                  <a:schemeClr val="tx1">
+                    <a:lumMod val="65000"/>
+                    <a:lumOff val="35000"/>
+                  </a:schemeClr>
+                </a:solidFill>
+                <a:latin typeface="Microsoft YaHei UI" panose="020B0503020204020204" pitchFamily="34" charset="-122"/>
+                <a:ea typeface="Microsoft YaHei UI" panose="020B0503020204020204" pitchFamily="34" charset="-122"/>
+                <a:cs typeface="Arial" panose="020B0604020202020204" pitchFamily="34" charset="0"/>
+              </a:rPr>
+              <a:t>计量度量</a:t>
+            </a:r>
+            <a:endParaRPr lang="en-US" altLang="zh-CN" sz="1600" dirty="0">
+              <a:solidFill>
+                <a:schemeClr val="tx1">
+                  <a:lumMod val="65000"/>
+                  <a:lumOff val="35000"/>
+                </a:schemeClr>
+              </a:solidFill>
+              <a:latin typeface="Microsoft YaHei UI" panose="020B0503020204020204" pitchFamily="34" charset="-122"/>
+              <a:ea typeface="Microsoft YaHei UI" panose="020B0503020204020204" pitchFamily="34" charset="-122"/>
+              <a:cs typeface="Arial" panose="020B0604020202020204" pitchFamily="34" charset="0"/>
+            </a:endParaRPr>
+          </a:p>
+          <a:p>
+            <a:pPr marL="800100" lvl="1" indent="-342900">
+              <a:spcBef>
+                <a:spcPts val="500"/>
+              </a:spcBef>
+              <a:spcAft>
+                <a:spcPts val="1200"/>
+              </a:spcAft>
+              <a:buFont typeface="Arial" panose="020B0604020202020204" pitchFamily="34" charset="0"/>
+              <a:buAutoNum type="arabicPeriod"/>
+            </a:pPr>
+            <a:r>
+              <a:rPr lang="zh-CN" altLang="en-US" sz="1600" dirty="0">
+                <a:solidFill>
+                  <a:schemeClr val="tx1">
+                    <a:lumMod val="65000"/>
+                    <a:lumOff val="35000"/>
+                  </a:schemeClr>
+                </a:solidFill>
+                <a:latin typeface="Microsoft YaHei UI" panose="020B0503020204020204" pitchFamily="34" charset="-122"/>
+                <a:ea typeface="Microsoft YaHei UI" panose="020B0503020204020204" pitchFamily="34" charset="-122"/>
+                <a:cs typeface="Arial" panose="020B0604020202020204" pitchFamily="34" charset="0"/>
+              </a:rPr>
+              <a:t>上下文注入</a:t>
+            </a:r>
+            <a:endParaRPr lang="en-US" altLang="zh-CN" sz="1600" dirty="0">
+              <a:solidFill>
+                <a:schemeClr val="tx1">
+                  <a:lumMod val="65000"/>
+                  <a:lumOff val="35000"/>
+                </a:schemeClr>
+              </a:solidFill>
+              <a:latin typeface="Microsoft YaHei UI" panose="020B0503020204020204" pitchFamily="34" charset="-122"/>
+              <a:ea typeface="Microsoft YaHei UI" panose="020B0503020204020204" pitchFamily="34" charset="-122"/>
+              <a:cs typeface="Arial" panose="020B0604020202020204" pitchFamily="34" charset="0"/>
+            </a:endParaRPr>
+          </a:p>
+        </p:txBody>
+      </p:sp>
+    </p:spTree>
+    <p:extLst>
+      <p:ext uri="{BB962C8B-B14F-4D97-AF65-F5344CB8AC3E}">
+        <p14:creationId xmlns:p14="http://schemas.microsoft.com/office/powerpoint/2010/main" val="557636099"/>
+      </p:ext>
+    </p:extLst>
+  </p:cSld>
+  <p:clrMapOvr>
+    <a:masterClrMapping/>
+  </p:clrMapOvr>
+</p:sld>
+</file>
+
+<file path=ppt/slides/slide16.xml><?xml version="1.0" encoding="utf-8"?>
+<p:sld xmlns:a="http://schemas.openxmlformats.org/drawingml/2006/main" xmlns:r="http://schemas.openxmlformats.org/officeDocument/2006/relationships" xmlns:p="http://schemas.openxmlformats.org/presentationml/2006/main">
+  <p:cSld>
+    <p:spTree>
+      <p:nvGrpSpPr>
+        <p:cNvPr id="1" name=""/>
+        <p:cNvGrpSpPr/>
+        <p:nvPr/>
+      </p:nvGrpSpPr>
+      <p:grpSpPr>
+        <a:xfrm>
+          <a:off x="0" y="0"/>
+          <a:ext cx="0" cy="0"/>
+          <a:chOff x="0" y="0"/>
+          <a:chExt cx="0" cy="0"/>
+        </a:xfrm>
+      </p:grpSpPr>
+      <p:sp>
+        <p:nvSpPr>
+          <p:cNvPr id="2" name="标题 1">
+            <a:extLst>
+              <a:ext uri="{FF2B5EF4-FFF2-40B4-BE49-F238E27FC236}">
+                <a16:creationId xmlns:a16="http://schemas.microsoft.com/office/drawing/2014/main" id="{5548FA58-C538-7F43-8104-8AC67DFA40AA}"/>
+              </a:ext>
+            </a:extLst>
+          </p:cNvPr>
+          <p:cNvSpPr>
+            <a:spLocks noGrp="1"/>
+          </p:cNvSpPr>
+          <p:nvPr>
+            <p:ph type="title"/>
+          </p:nvPr>
+        </p:nvSpPr>
+        <p:spPr/>
+        <p:txBody>
+          <a:bodyPr/>
+          <a:lstStyle/>
+          <a:p>
+            <a:endParaRPr kumimoji="1" lang="zh-CN" altLang="en-US"/>
+          </a:p>
+        </p:txBody>
+      </p:sp>
+      <p:sp>
+        <p:nvSpPr>
+          <p:cNvPr id="3" name="内容占位符 2">
+            <a:extLst>
+              <a:ext uri="{FF2B5EF4-FFF2-40B4-BE49-F238E27FC236}">
+                <a16:creationId xmlns:a16="http://schemas.microsoft.com/office/drawing/2014/main" id="{FC105CD5-59E0-B349-859C-05A8CC18AAF0}"/>
+              </a:ext>
+            </a:extLst>
+          </p:cNvPr>
+          <p:cNvSpPr>
+            <a:spLocks noGrp="1"/>
+          </p:cNvSpPr>
+          <p:nvPr>
+            <p:ph idx="1"/>
+          </p:nvPr>
+        </p:nvSpPr>
+        <p:spPr/>
+        <p:txBody>
+          <a:bodyPr/>
+          <a:lstStyle/>
+          <a:p>
+            <a:r>
+              <a:rPr kumimoji="1" lang="zh-CN" altLang="en-US" dirty="0"/>
+              <a:t>谢谢</a:t>
+            </a:r>
+          </a:p>
+        </p:txBody>
+      </p:sp>
+    </p:spTree>
+    <p:extLst>
+      <p:ext uri="{BB962C8B-B14F-4D97-AF65-F5344CB8AC3E}">
+        <p14:creationId xmlns:p14="http://schemas.microsoft.com/office/powerpoint/2010/main" val="1264393901"/>
+      </p:ext>
+    </p:extLst>
+  </p:cSld>
+  <p:clrMapOvr>
+    <a:masterClrMapping/>
+  </p:clrMapOvr>
+</p:sld>
+</file>
+
+<file path=ppt/slides/slide2.xml><?xml version="1.0" encoding="utf-8"?>
+<p:sld xmlns:a="http://schemas.openxmlformats.org/drawingml/2006/main" xmlns:r="http://schemas.openxmlformats.org/officeDocument/2006/relationships" xmlns:p="http://schemas.openxmlformats.org/presentationml/2006/main">
+  <p:cSld>
+    <p:spTree>
+      <p:nvGrpSpPr>
+        <p:cNvPr id="1" name=""/>
+        <p:cNvGrpSpPr/>
+        <p:nvPr/>
+      </p:nvGrpSpPr>
+      <p:grpSpPr>
+        <a:xfrm>
+          <a:off x="0" y="0"/>
+          <a:ext cx="0" cy="0"/>
+          <a:chOff x="0" y="0"/>
+          <a:chExt cx="0" cy="0"/>
+        </a:xfrm>
+      </p:grpSpPr>
+      <p:sp>
+        <p:nvSpPr>
+          <p:cNvPr id="2" name="标题 1"/>
+          <p:cNvSpPr>
+            <a:spLocks noGrp="1"/>
+          </p:cNvSpPr>
+          <p:nvPr>
+            <p:ph type="title"/>
+          </p:nvPr>
+        </p:nvSpPr>
+        <p:spPr/>
+        <p:txBody>
+          <a:bodyPr rtlCol="0">
+            <a:normAutofit/>
+          </a:bodyPr>
+          <a:lstStyle/>
+          <a:p>
+            <a:pPr rtl="0"/>
+            <a:r>
+              <a:rPr lang="zh-CN" altLang="en-US" sz="3400" dirty="0">
+                <a:cs typeface="Arial" panose="020B0604020202020204" pitchFamily="34" charset="0"/>
+              </a:rPr>
+              <a:t>主要工作</a:t>
+            </a:r>
+          </a:p>
+        </p:txBody>
+      </p:sp>
+      <p:sp>
+        <p:nvSpPr>
+          <p:cNvPr id="3" name="内容占位符 2"/>
+          <p:cNvSpPr>
+            <a:spLocks noGrp="1"/>
+          </p:cNvSpPr>
+          <p:nvPr>
+            <p:ph idx="1"/>
+          </p:nvPr>
+        </p:nvSpPr>
+        <p:spPr>
+          <a:xfrm>
+            <a:off x="576233" y="1747804"/>
+            <a:ext cx="10805931" cy="4201439"/>
+          </a:xfrm>
+        </p:spPr>
+        <p:txBody>
+          <a:bodyPr vert="horz" lIns="91440" tIns="45720" rIns="91440" bIns="45720" rtlCol="0">
+            <a:noAutofit/>
+          </a:bodyPr>
+          <a:lstStyle/>
+          <a:p>
+            <a:pPr marL="342900" indent="-342900" rtl="0">
+              <a:lnSpc>
+                <a:spcPct val="150000"/>
+              </a:lnSpc>
+              <a:spcAft>
+                <a:spcPts val="1200"/>
+              </a:spcAft>
+              <a:buAutoNum type="arabicPeriod"/>
+            </a:pPr>
+            <a:r>
+              <a:rPr lang="zh-CN" altLang="en-US" dirty="0">
+                <a:cs typeface="Arial" panose="020B0604020202020204" pitchFamily="34" charset="0"/>
+              </a:rPr>
+              <a:t>服务框架设计，多活、微服务、数据总线、网关服务治理、</a:t>
+            </a:r>
+            <a:r>
+              <a:rPr lang="en-US" altLang="zh-CN" dirty="0">
+                <a:cs typeface="Arial" panose="020B0604020202020204" pitchFamily="34" charset="0"/>
+              </a:rPr>
+              <a:t>GSLB</a:t>
+            </a:r>
+            <a:r>
+              <a:rPr lang="zh-CN" altLang="en-US" dirty="0">
+                <a:cs typeface="Arial" panose="020B0604020202020204" pitchFamily="34" charset="0"/>
+              </a:rPr>
+              <a:t>等</a:t>
+            </a:r>
+            <a:endParaRPr lang="en-US" altLang="zh-CN" sz="1600" dirty="0">
+              <a:cs typeface="Arial" panose="020B0604020202020204" pitchFamily="34" charset="0"/>
+            </a:endParaRPr>
+          </a:p>
+          <a:p>
+            <a:pPr marL="342900" indent="-342900" rtl="0">
+              <a:lnSpc>
+                <a:spcPct val="150000"/>
+              </a:lnSpc>
+              <a:spcAft>
+                <a:spcPts val="1200"/>
+              </a:spcAft>
+              <a:buAutoNum type="arabicPeriod"/>
+            </a:pPr>
+            <a:r>
+              <a:rPr lang="zh-CN" altLang="en-US" dirty="0">
+                <a:cs typeface="Arial" panose="020B0604020202020204" pitchFamily="34" charset="0"/>
+              </a:rPr>
+              <a:t>通用能力建设，</a:t>
+            </a:r>
+            <a:r>
+              <a:rPr lang="en-US" altLang="zh-CN" dirty="0">
+                <a:cs typeface="Arial" panose="020B0604020202020204" pitchFamily="34" charset="0"/>
+              </a:rPr>
+              <a:t>OCR</a:t>
+            </a:r>
+            <a:r>
+              <a:rPr lang="zh-CN" altLang="en-US" dirty="0">
+                <a:cs typeface="Arial" panose="020B0604020202020204" pitchFamily="34" charset="0"/>
+              </a:rPr>
+              <a:t>、</a:t>
+            </a:r>
+            <a:r>
+              <a:rPr lang="en-US" altLang="zh-CN" dirty="0">
+                <a:cs typeface="Arial" panose="020B0604020202020204" pitchFamily="34" charset="0"/>
+              </a:rPr>
+              <a:t>IVR</a:t>
+            </a:r>
+            <a:r>
+              <a:rPr lang="zh-CN" altLang="en-US" dirty="0">
+                <a:cs typeface="Arial" panose="020B0604020202020204" pitchFamily="34" charset="0"/>
+              </a:rPr>
+              <a:t>、</a:t>
+            </a:r>
+            <a:r>
+              <a:rPr lang="en-US" altLang="zh-CN" dirty="0">
+                <a:cs typeface="Arial" panose="020B0604020202020204" pitchFamily="34" charset="0"/>
+              </a:rPr>
+              <a:t>SMS</a:t>
+            </a:r>
+            <a:r>
+              <a:rPr lang="zh-CN" altLang="en-US" dirty="0">
+                <a:cs typeface="Arial" panose="020B0604020202020204" pitchFamily="34" charset="0"/>
+              </a:rPr>
+              <a:t>、</a:t>
+            </a:r>
+            <a:r>
+              <a:rPr lang="en-US" altLang="zh-CN" dirty="0">
+                <a:cs typeface="Arial" panose="020B0604020202020204" pitchFamily="34" charset="0"/>
+              </a:rPr>
+              <a:t>Email</a:t>
+            </a:r>
+            <a:r>
+              <a:rPr lang="zh-CN" altLang="en-US" dirty="0">
+                <a:cs typeface="Arial" panose="020B0604020202020204" pitchFamily="34" charset="0"/>
+              </a:rPr>
+              <a:t>等</a:t>
+            </a:r>
+            <a:endParaRPr lang="en-US" altLang="zh-CN" dirty="0">
+              <a:cs typeface="Arial" panose="020B0604020202020204" pitchFamily="34" charset="0"/>
+            </a:endParaRPr>
+          </a:p>
+          <a:p>
+            <a:pPr marL="342900" indent="-342900" rtl="0">
+              <a:lnSpc>
+                <a:spcPct val="150000"/>
+              </a:lnSpc>
+              <a:spcAft>
+                <a:spcPts val="1200"/>
+              </a:spcAft>
+              <a:buAutoNum type="arabicPeriod"/>
+            </a:pPr>
+            <a:r>
+              <a:rPr lang="zh-CN" altLang="en-US" sz="1600" dirty="0">
+                <a:cs typeface="Arial" panose="020B0604020202020204" pitchFamily="34" charset="0"/>
+              </a:rPr>
+              <a:t>小组团队</a:t>
+            </a:r>
+            <a:r>
+              <a:rPr lang="zh-CN" altLang="en-US" dirty="0">
+                <a:cs typeface="Arial" panose="020B0604020202020204" pitchFamily="34" charset="0"/>
+              </a:rPr>
+              <a:t>技术与项目</a:t>
+            </a:r>
+            <a:r>
+              <a:rPr lang="zh-CN" altLang="en-US" sz="1600" dirty="0">
+                <a:cs typeface="Arial" panose="020B0604020202020204" pitchFamily="34" charset="0"/>
+              </a:rPr>
+              <a:t>管理（</a:t>
+            </a:r>
+            <a:r>
+              <a:rPr lang="en-US" altLang="zh-CN" dirty="0">
+                <a:cs typeface="Arial" panose="020B0604020202020204" pitchFamily="34" charset="0"/>
+              </a:rPr>
+              <a:t>5</a:t>
+            </a:r>
+            <a:r>
+              <a:rPr lang="zh-CN" altLang="en-US" dirty="0">
+                <a:cs typeface="Arial" panose="020B0604020202020204" pitchFamily="34" charset="0"/>
+              </a:rPr>
+              <a:t>后端</a:t>
+            </a:r>
+            <a:r>
+              <a:rPr lang="en-US" altLang="zh-CN" sz="1600" dirty="0">
+                <a:cs typeface="Arial" panose="020B0604020202020204" pitchFamily="34" charset="0"/>
+              </a:rPr>
+              <a:t>+3</a:t>
+            </a:r>
+            <a:r>
+              <a:rPr lang="zh-CN" altLang="en-US" sz="1600" dirty="0">
+                <a:cs typeface="Arial" panose="020B0604020202020204" pitchFamily="34" charset="0"/>
+              </a:rPr>
+              <a:t>前端</a:t>
+            </a:r>
+            <a:r>
+              <a:rPr lang="en-US" altLang="zh-CN" sz="1600" dirty="0">
+                <a:cs typeface="Arial" panose="020B0604020202020204" pitchFamily="34" charset="0"/>
+              </a:rPr>
+              <a:t>+2</a:t>
+            </a:r>
+            <a:r>
+              <a:rPr lang="zh-CN" altLang="en-US" sz="1600" dirty="0">
+                <a:cs typeface="Arial" panose="020B0604020202020204" pitchFamily="34" charset="0"/>
+              </a:rPr>
+              <a:t>测试）</a:t>
+            </a:r>
+            <a:endParaRPr lang="en-US" altLang="zh-CN" sz="1600" dirty="0">
+              <a:cs typeface="Arial" panose="020B0604020202020204" pitchFamily="34" charset="0"/>
+            </a:endParaRPr>
+          </a:p>
+          <a:p>
+            <a:pPr marL="342900" indent="-342900" rtl="0">
+              <a:lnSpc>
+                <a:spcPct val="150000"/>
+              </a:lnSpc>
+              <a:spcAft>
+                <a:spcPts val="1200"/>
+              </a:spcAft>
+              <a:buAutoNum type="arabicPeriod"/>
+            </a:pPr>
+            <a:r>
+              <a:rPr lang="zh-CN" altLang="en-US" dirty="0">
+                <a:cs typeface="Arial" panose="020B0604020202020204" pitchFamily="34" charset="0"/>
+              </a:rPr>
+              <a:t>主导金融中心成本管理、演练、云化等公司级行动</a:t>
+            </a:r>
+            <a:endParaRPr lang="en-US" altLang="zh-CN" sz="1600" dirty="0">
+              <a:cs typeface="Arial" panose="020B0604020202020204" pitchFamily="34" charset="0"/>
+            </a:endParaRPr>
+          </a:p>
+          <a:p>
+            <a:pPr marL="0" indent="0" rtl="0">
+              <a:lnSpc>
+                <a:spcPct val="150000"/>
+              </a:lnSpc>
+              <a:spcAft>
+                <a:spcPts val="1200"/>
+              </a:spcAft>
+              <a:buNone/>
+            </a:pPr>
+            <a:endParaRPr lang="zh-CN" altLang="en-US" sz="1600" dirty="0">
+              <a:solidFill>
+                <a:schemeClr val="tx1">
+                  <a:lumMod val="65000"/>
+                  <a:lumOff val="35000"/>
+                </a:schemeClr>
+              </a:solidFill>
+              <a:cs typeface="Arial" panose="020B0604020202020204" pitchFamily="34" charset="0"/>
+            </a:endParaRPr>
+          </a:p>
+        </p:txBody>
+      </p:sp>
+      <p:sp>
+        <p:nvSpPr>
+          <p:cNvPr id="54" name="内容占位符 3"/>
+          <p:cNvSpPr txBox="1">
+            <a:spLocks/>
+          </p:cNvSpPr>
+          <p:nvPr/>
+        </p:nvSpPr>
+        <p:spPr>
+          <a:xfrm>
+            <a:off x="576233" y="3821376"/>
+            <a:ext cx="5797135" cy="2505682"/>
+          </a:xfrm>
+          <a:prstGeom prst="rect">
+            <a:avLst/>
+          </a:prstGeom>
+        </p:spPr>
+        <p:txBody>
+          <a:bodyPr vert="horz" lIns="91440" tIns="45720" rIns="91440" bIns="45720" rtlCol="0">
+            <a:noAutofit/>
+          </a:bodyPr>
+          <a:lstStyle>
+            <a:lvl1pPr marL="228600" indent="-228600" algn="l" defTabSz="914400" rtl="0" eaLnBrk="1" latinLnBrk="0" hangingPunct="1">
+              <a:lnSpc>
+                <a:spcPct val="90000"/>
+              </a:lnSpc>
+              <a:spcBef>
+                <a:spcPct val="30000"/>
+              </a:spcBef>
+              <a:buFont typeface="Arial" panose="020B0604020202020204" pitchFamily="34" charset="0"/>
+              <a:buChar char="•"/>
+              <a:defRPr sz="2800" kern="1200">
+                <a:solidFill>
+                  <a:schemeClr val="tx1"/>
+                </a:solidFill>
+                <a:latin typeface="+mn-lt"/>
+                <a:ea typeface="+mn-ea"/>
+                <a:cs typeface="+mn-cs"/>
+              </a:defRPr>
+            </a:lvl1pPr>
+            <a:lvl2pPr marL="685800" indent="-228600" algn="l" defTabSz="914400" rtl="0" eaLnBrk="1" latinLnBrk="0" hangingPunct="1">
+              <a:lnSpc>
+                <a:spcPct val="90000"/>
+              </a:lnSpc>
+              <a:spcBef>
+                <a:spcPct val="30000"/>
+              </a:spcBef>
+              <a:buFont typeface="Arial" panose="020B0604020202020204" pitchFamily="34" charset="0"/>
+              <a:buChar char="•"/>
+              <a:defRPr sz="2400" kern="1200">
+                <a:solidFill>
+                  <a:schemeClr val="tx1"/>
+                </a:solidFill>
+                <a:latin typeface="+mn-lt"/>
+                <a:ea typeface="+mn-ea"/>
+                <a:cs typeface="+mn-cs"/>
+              </a:defRPr>
+            </a:lvl2pPr>
+            <a:lvl3pPr marL="1143000" indent="-228600" algn="l" defTabSz="914400" rtl="0" eaLnBrk="1" latinLnBrk="0" hangingPunct="1">
+              <a:lnSpc>
+                <a:spcPct val="90000"/>
+              </a:lnSpc>
+              <a:spcBef>
+                <a:spcPct val="30000"/>
+              </a:spcBef>
+              <a:buFont typeface="Arial" panose="020B0604020202020204" pitchFamily="34" charset="0"/>
+              <a:buChar char="•"/>
+              <a:defRPr sz="2000" kern="1200">
+                <a:solidFill>
+                  <a:schemeClr val="tx1"/>
+                </a:solidFill>
+                <a:latin typeface="+mn-lt"/>
+                <a:ea typeface="+mn-ea"/>
+                <a:cs typeface="+mn-cs"/>
+              </a:defRPr>
+            </a:lvl3pPr>
+            <a:lvl4pPr marL="1600200" indent="-228600" algn="l" defTabSz="914400" rtl="0" eaLnBrk="1" latinLnBrk="0" hangingPunct="1">
+              <a:lnSpc>
+                <a:spcPct val="90000"/>
+              </a:lnSpc>
+              <a:spcBef>
+                <a:spcPct val="30000"/>
+              </a:spcBef>
+              <a:buFont typeface="Arial" panose="020B0604020202020204" pitchFamily="34" charset="0"/>
+              <a:buChar char="•"/>
+              <a:defRPr sz="1800" kern="1200">
+                <a:solidFill>
+                  <a:schemeClr val="tx1"/>
+                </a:solidFill>
+                <a:latin typeface="+mn-lt"/>
+                <a:ea typeface="+mn-ea"/>
+                <a:cs typeface="+mn-cs"/>
+              </a:defRPr>
+            </a:lvl4pPr>
+            <a:lvl5pPr marL="2057400" indent="-228600" algn="l" defTabSz="914400" rtl="0" eaLnBrk="1" latinLnBrk="0" hangingPunct="1">
+              <a:lnSpc>
+                <a:spcPct val="90000"/>
+              </a:lnSpc>
+              <a:spcBef>
+                <a:spcPct val="30000"/>
+              </a:spcBef>
+              <a:buFont typeface="Arial" panose="020B0604020202020204" pitchFamily="34" charset="0"/>
+              <a:buChar char="•"/>
+              <a:defRPr sz="1800" kern="1200">
+                <a:solidFill>
+                  <a:schemeClr val="tx1"/>
+                </a:solidFill>
+                <a:latin typeface="+mn-lt"/>
+                <a:ea typeface="+mn-ea"/>
+                <a:cs typeface="+mn-cs"/>
+              </a:defRPr>
+            </a:lvl5pPr>
+            <a:lvl6pPr marL="2514600" indent="-228600" algn="l" defTabSz="914400" rtl="0" eaLnBrk="1" latinLnBrk="0" hangingPunct="1">
+              <a:lnSpc>
+                <a:spcPct val="90000"/>
+              </a:lnSpc>
+              <a:spcBef>
+                <a:spcPct val="30000"/>
+              </a:spcBef>
+              <a:buFont typeface="Arial" panose="020B0604020202020204" pitchFamily="34" charset="0"/>
+              <a:buChar char="•"/>
+              <a:defRPr sz="1800" kern="1200">
+                <a:solidFill>
+                  <a:schemeClr val="tx1"/>
+                </a:solidFill>
+                <a:latin typeface="+mn-lt"/>
+                <a:ea typeface="+mn-ea"/>
+                <a:cs typeface="+mn-cs"/>
+              </a:defRPr>
+            </a:lvl6pPr>
+            <a:lvl7pPr marL="2971800" indent="-228600" algn="l" defTabSz="914400" rtl="0" eaLnBrk="1" latinLnBrk="0" hangingPunct="1">
+              <a:lnSpc>
+                <a:spcPct val="90000"/>
+              </a:lnSpc>
+              <a:spcBef>
+                <a:spcPct val="30000"/>
+              </a:spcBef>
+              <a:buFont typeface="Arial" panose="020B0604020202020204" pitchFamily="34" charset="0"/>
+              <a:buChar char="•"/>
+              <a:defRPr sz="1800" kern="1200">
+                <a:solidFill>
+                  <a:schemeClr val="tx1"/>
+                </a:solidFill>
+                <a:latin typeface="+mn-lt"/>
+                <a:ea typeface="+mn-ea"/>
+                <a:cs typeface="+mn-cs"/>
+              </a:defRPr>
+            </a:lvl7pPr>
+            <a:lvl8pPr marL="3429000" indent="-228600" algn="l" defTabSz="914400" rtl="0" eaLnBrk="1" latinLnBrk="0" hangingPunct="1">
+              <a:lnSpc>
+                <a:spcPct val="90000"/>
+              </a:lnSpc>
+              <a:spcBef>
+                <a:spcPct val="30000"/>
+              </a:spcBef>
+              <a:buFont typeface="Arial" panose="020B0604020202020204" pitchFamily="34" charset="0"/>
+              <a:buChar char="•"/>
+              <a:defRPr sz="1800" kern="1200">
+                <a:solidFill>
+                  <a:schemeClr val="tx1"/>
+                </a:solidFill>
+                <a:latin typeface="+mn-lt"/>
+                <a:ea typeface="+mn-ea"/>
+                <a:cs typeface="+mn-cs"/>
+              </a:defRPr>
+            </a:lvl8pPr>
+            <a:lvl9pPr marL="3886200" indent="-228600" algn="l" defTabSz="914400" rtl="0" eaLnBrk="1" latinLnBrk="0" hangingPunct="1">
+              <a:lnSpc>
+                <a:spcPct val="90000"/>
+              </a:lnSpc>
+              <a:spcBef>
+                <a:spcPct val="30000"/>
+              </a:spcBef>
+              <a:buFont typeface="Arial" panose="020B0604020202020204" pitchFamily="34" charset="0"/>
+              <a:buChar char="•"/>
+              <a:defRPr sz="1800" kern="1200">
+                <a:solidFill>
+                  <a:schemeClr val="tx1"/>
+                </a:solidFill>
+                <a:latin typeface="+mn-lt"/>
+                <a:ea typeface="+mn-ea"/>
+                <a:cs typeface="+mn-cs"/>
+              </a:defRPr>
+            </a:lvl9pPr>
+          </a:lstStyle>
+          <a:p>
+            <a:pPr marL="0" indent="0" rtl="0">
+              <a:lnSpc>
+                <a:spcPct val="150000"/>
+              </a:lnSpc>
+              <a:spcAft>
+                <a:spcPts val="1200"/>
+              </a:spcAft>
+              <a:buNone/>
+            </a:pPr>
+            <a:endParaRPr lang="zh-CN" altLang="en-US" sz="1600" dirty="0">
+              <a:solidFill>
+                <a:schemeClr val="tx1">
+                  <a:lumMod val="65000"/>
+                  <a:lumOff val="35000"/>
+                </a:schemeClr>
+              </a:solidFill>
+              <a:latin typeface="Microsoft YaHei UI" panose="020B0503020204020204" pitchFamily="34" charset="-122"/>
+              <a:ea typeface="Microsoft YaHei UI" panose="020B0503020204020204" pitchFamily="34" charset="-122"/>
+              <a:cs typeface="Arial" panose="020B0604020202020204" pitchFamily="34" charset="0"/>
+            </a:endParaRPr>
+          </a:p>
+        </p:txBody>
+      </p:sp>
+    </p:spTree>
+    <p:extLst>
+      <p:ext uri="{BB962C8B-B14F-4D97-AF65-F5344CB8AC3E}">
+        <p14:creationId xmlns:p14="http://schemas.microsoft.com/office/powerpoint/2010/main" val="914520176"/>
+      </p:ext>
+    </p:extLst>
+  </p:cSld>
+  <p:clrMapOvr>
+    <a:masterClrMapping/>
+  </p:clrMapOvr>
+</p:sld>
+</file>
+
+<file path=ppt/slides/slide3.xml><?xml version="1.0" encoding="utf-8"?>
+<p:sld xmlns:a="http://schemas.openxmlformats.org/drawingml/2006/main" xmlns:r="http://schemas.openxmlformats.org/officeDocument/2006/relationships" xmlns:p="http://schemas.openxmlformats.org/presentationml/2006/main">
+  <p:cSld>
+    <p:spTree>
+      <p:nvGrpSpPr>
+        <p:cNvPr id="1" name=""/>
+        <p:cNvGrpSpPr/>
+        <p:nvPr/>
+      </p:nvGrpSpPr>
+      <p:grpSpPr>
+        <a:xfrm>
+          <a:off x="0" y="0"/>
+          <a:ext cx="0" cy="0"/>
+          <a:chOff x="0" y="0"/>
+          <a:chExt cx="0" cy="0"/>
+        </a:xfrm>
+      </p:grpSpPr>
+      <p:sp>
+        <p:nvSpPr>
+          <p:cNvPr id="2" name="标题 1"/>
+          <p:cNvSpPr>
+            <a:spLocks noGrp="1"/>
+          </p:cNvSpPr>
+          <p:nvPr>
+            <p:ph type="title"/>
+          </p:nvPr>
+        </p:nvSpPr>
+        <p:spPr>
+          <a:xfrm>
+            <a:off x="523752" y="0"/>
+            <a:ext cx="10749367" cy="1208868"/>
+          </a:xfrm>
+        </p:spPr>
+        <p:txBody>
+          <a:bodyPr rtlCol="0">
+            <a:normAutofit/>
+          </a:bodyPr>
+          <a:lstStyle/>
+          <a:p>
+            <a:pPr lvl="0" rtl="0"/>
+            <a:r>
+              <a:rPr lang="zh-CN" altLang="en-US" sz="3400" dirty="0">
+                <a:cs typeface="Arial" panose="020B0604020202020204" pitchFamily="34" charset="0"/>
+              </a:rPr>
+              <a:t>项目介绍</a:t>
+            </a:r>
+            <a:endParaRPr lang="zh-cn" sz="3400" dirty="0">
+              <a:cs typeface="Arial" panose="020B0604020202020204" pitchFamily="34" charset="0"/>
+            </a:endParaRPr>
+          </a:p>
+        </p:txBody>
+      </p:sp>
+      <p:sp>
+        <p:nvSpPr>
+          <p:cNvPr id="8" name="内容占位符 2">
+            <a:extLst>
+              <a:ext uri="{FF2B5EF4-FFF2-40B4-BE49-F238E27FC236}">
+                <a16:creationId xmlns:a16="http://schemas.microsoft.com/office/drawing/2014/main" id="{CCFC7069-F5DF-2F42-AAF8-A249400A2CB2}"/>
+              </a:ext>
+            </a:extLst>
+          </p:cNvPr>
+          <p:cNvSpPr>
+            <a:spLocks noGrp="1"/>
+          </p:cNvSpPr>
+          <p:nvPr>
+            <p:ph idx="1"/>
+          </p:nvPr>
+        </p:nvSpPr>
+        <p:spPr>
+          <a:xfrm>
+            <a:off x="576233" y="1747804"/>
+            <a:ext cx="10805931" cy="4201439"/>
+          </a:xfrm>
+        </p:spPr>
+        <p:txBody>
+          <a:bodyPr vert="horz" lIns="91440" tIns="45720" rIns="91440" bIns="45720" rtlCol="0">
+            <a:noAutofit/>
+          </a:bodyPr>
+          <a:lstStyle/>
+          <a:p>
+            <a:pPr marL="342900" indent="-342900" rtl="0">
+              <a:lnSpc>
+                <a:spcPct val="150000"/>
+              </a:lnSpc>
+              <a:spcAft>
+                <a:spcPts val="1200"/>
+              </a:spcAft>
+              <a:buAutoNum type="arabicPeriod"/>
+            </a:pPr>
+            <a:r>
+              <a:rPr lang="zh-CN" altLang="en-US" dirty="0">
+                <a:cs typeface="Arial" panose="020B0604020202020204" pitchFamily="34" charset="0"/>
+              </a:rPr>
+              <a:t>多活架构搭建</a:t>
+            </a:r>
+            <a:endParaRPr lang="en-US" altLang="zh-CN" sz="1600" dirty="0">
+              <a:cs typeface="Arial" panose="020B0604020202020204" pitchFamily="34" charset="0"/>
+            </a:endParaRPr>
+          </a:p>
+          <a:p>
+            <a:pPr marL="342900" indent="-342900" rtl="0">
+              <a:lnSpc>
+                <a:spcPct val="150000"/>
+              </a:lnSpc>
+              <a:spcAft>
+                <a:spcPts val="1200"/>
+              </a:spcAft>
+              <a:buAutoNum type="arabicPeriod"/>
+            </a:pPr>
+            <a:r>
+              <a:rPr lang="zh-CN" altLang="en-US" dirty="0">
+                <a:cs typeface="Arial" panose="020B0604020202020204" pitchFamily="34" charset="0"/>
+              </a:rPr>
+              <a:t>微服务通信框架</a:t>
+            </a:r>
+          </a:p>
+        </p:txBody>
+      </p:sp>
+    </p:spTree>
+    <p:extLst>
+      <p:ext uri="{BB962C8B-B14F-4D97-AF65-F5344CB8AC3E}">
+        <p14:creationId xmlns:p14="http://schemas.microsoft.com/office/powerpoint/2010/main" val="3766387855"/>
+      </p:ext>
+    </p:extLst>
+  </p:cSld>
+  <p:clrMapOvr>
+    <a:masterClrMapping/>
+  </p:clrMapOvr>
+</p:sld>
+</file>
+
+<file path=ppt/slides/slide4.xml><?xml version="1.0" encoding="utf-8"?>
+<p:sld xmlns:a="http://schemas.openxmlformats.org/drawingml/2006/main" xmlns:r="http://schemas.openxmlformats.org/officeDocument/2006/relationships" xmlns:p="http://schemas.openxmlformats.org/presentationml/2006/main">
+  <p:cSld>
+    <p:spTree>
+      <p:nvGrpSpPr>
+        <p:cNvPr id="1" name=""/>
+        <p:cNvGrpSpPr/>
+        <p:nvPr/>
+      </p:nvGrpSpPr>
+      <p:grpSpPr>
+        <a:xfrm>
+          <a:off x="0" y="0"/>
+          <a:ext cx="0" cy="0"/>
+          <a:chOff x="0" y="0"/>
+          <a:chExt cx="0" cy="0"/>
+        </a:xfrm>
+      </p:grpSpPr>
+      <p:sp>
+        <p:nvSpPr>
+          <p:cNvPr id="2" name="标题 1"/>
+          <p:cNvSpPr>
+            <a:spLocks noGrp="1"/>
+          </p:cNvSpPr>
+          <p:nvPr>
+            <p:ph type="title"/>
+          </p:nvPr>
+        </p:nvSpPr>
+        <p:spPr>
+          <a:xfrm>
+            <a:off x="523752" y="0"/>
+            <a:ext cx="3011185" cy="1208868"/>
+          </a:xfrm>
+        </p:spPr>
+        <p:txBody>
+          <a:bodyPr rtlCol="0">
+            <a:normAutofit/>
+          </a:bodyPr>
+          <a:lstStyle/>
+          <a:p>
+            <a:r>
+              <a:rPr lang="zh-CN" altLang="en-US" dirty="0">
+                <a:cs typeface="Arial" panose="020B0604020202020204" pitchFamily="34" charset="0"/>
+              </a:rPr>
+              <a:t>多活架构搭建</a:t>
+            </a:r>
+            <a:endParaRPr lang="zh-cn" sz="3400" dirty="0">
+              <a:cs typeface="Arial" panose="020B0604020202020204" pitchFamily="34" charset="0"/>
+            </a:endParaRPr>
+          </a:p>
+        </p:txBody>
+      </p:sp>
+      <p:sp>
+        <p:nvSpPr>
+          <p:cNvPr id="3" name="矩形 2">
+            <a:extLst>
+              <a:ext uri="{FF2B5EF4-FFF2-40B4-BE49-F238E27FC236}">
+                <a16:creationId xmlns:a16="http://schemas.microsoft.com/office/drawing/2014/main" id="{17EEF0DC-5F46-2443-8163-8523D0991A4D}"/>
+              </a:ext>
+            </a:extLst>
+          </p:cNvPr>
+          <p:cNvSpPr/>
+          <p:nvPr/>
+        </p:nvSpPr>
+        <p:spPr>
+          <a:xfrm>
+            <a:off x="523751" y="1695747"/>
+            <a:ext cx="7862260" cy="5053969"/>
+          </a:xfrm>
+          <a:prstGeom prst="rect">
+            <a:avLst/>
+          </a:prstGeom>
+        </p:spPr>
+        <p:txBody>
+          <a:bodyPr vert="horz" lIns="91440" tIns="45720" rIns="91440" bIns="45720" rtlCol="0">
+            <a:noAutofit/>
+          </a:bodyPr>
+          <a:lstStyle/>
+          <a:p>
+            <a:pPr marL="342900" indent="-342900">
+              <a:lnSpc>
+                <a:spcPct val="150000"/>
+              </a:lnSpc>
+              <a:spcBef>
+                <a:spcPts val="500"/>
+              </a:spcBef>
+              <a:spcAft>
+                <a:spcPts val="1200"/>
+              </a:spcAft>
+              <a:buFont typeface="Arial" panose="020B0604020202020204" pitchFamily="34" charset="0"/>
+              <a:buAutoNum type="arabicPeriod"/>
+            </a:pPr>
+            <a:r>
+              <a:rPr lang="zh-CN" altLang="en-US" sz="1600" dirty="0">
+                <a:solidFill>
+                  <a:schemeClr val="tx1">
+                    <a:lumMod val="65000"/>
+                    <a:lumOff val="35000"/>
+                  </a:schemeClr>
+                </a:solidFill>
+                <a:latin typeface="Microsoft YaHei UI" panose="020B0503020204020204" pitchFamily="34" charset="-122"/>
+                <a:ea typeface="Microsoft YaHei UI" panose="020B0503020204020204" pitchFamily="34" charset="-122"/>
+                <a:cs typeface="Arial" panose="020B0604020202020204" pitchFamily="34" charset="0"/>
+              </a:rPr>
+              <a:t>目标：</a:t>
+            </a:r>
+            <a:endParaRPr lang="en-US" altLang="zh-CN" sz="1600" dirty="0">
+              <a:solidFill>
+                <a:schemeClr val="tx1">
+                  <a:lumMod val="65000"/>
+                  <a:lumOff val="35000"/>
+                </a:schemeClr>
+              </a:solidFill>
+              <a:latin typeface="Microsoft YaHei UI" panose="020B0503020204020204" pitchFamily="34" charset="-122"/>
+              <a:ea typeface="Microsoft YaHei UI" panose="020B0503020204020204" pitchFamily="34" charset="-122"/>
+              <a:cs typeface="Arial" panose="020B0604020202020204" pitchFamily="34" charset="0"/>
+            </a:endParaRPr>
+          </a:p>
+          <a:p>
+            <a:pPr marL="800100" lvl="1" indent="-342900">
+              <a:spcBef>
+                <a:spcPts val="500"/>
+              </a:spcBef>
+              <a:spcAft>
+                <a:spcPts val="1200"/>
+              </a:spcAft>
+              <a:buFont typeface="Arial" panose="020B0604020202020204" pitchFamily="34" charset="0"/>
+              <a:buAutoNum type="arabicPeriod"/>
+            </a:pPr>
+            <a:r>
+              <a:rPr lang="zh-CN" altLang="en-US" sz="1600" dirty="0">
+                <a:solidFill>
+                  <a:schemeClr val="tx1">
+                    <a:lumMod val="65000"/>
+                    <a:lumOff val="35000"/>
+                  </a:schemeClr>
+                </a:solidFill>
+                <a:latin typeface="Microsoft YaHei UI" panose="020B0503020204020204" pitchFamily="34" charset="-122"/>
+                <a:ea typeface="Microsoft YaHei UI" panose="020B0503020204020204" pitchFamily="34" charset="-122"/>
+                <a:cs typeface="Arial" panose="020B0604020202020204" pitchFamily="34" charset="0"/>
+              </a:rPr>
+              <a:t>高可用，遇灾难故障快速转移</a:t>
+            </a:r>
+            <a:endParaRPr lang="en-US" altLang="zh-CN" sz="1600" dirty="0">
+              <a:solidFill>
+                <a:schemeClr val="tx1">
+                  <a:lumMod val="65000"/>
+                  <a:lumOff val="35000"/>
+                </a:schemeClr>
+              </a:solidFill>
+              <a:latin typeface="Microsoft YaHei UI" panose="020B0503020204020204" pitchFamily="34" charset="-122"/>
+              <a:ea typeface="Microsoft YaHei UI" panose="020B0503020204020204" pitchFamily="34" charset="-122"/>
+              <a:cs typeface="Arial" panose="020B0604020202020204" pitchFamily="34" charset="0"/>
+            </a:endParaRPr>
+          </a:p>
+          <a:p>
+            <a:pPr marL="800100" lvl="1" indent="-342900">
+              <a:spcBef>
+                <a:spcPts val="500"/>
+              </a:spcBef>
+              <a:spcAft>
+                <a:spcPts val="1200"/>
+              </a:spcAft>
+              <a:buFont typeface="Arial" panose="020B0604020202020204" pitchFamily="34" charset="0"/>
+              <a:buAutoNum type="arabicPeriod"/>
+            </a:pPr>
+            <a:r>
+              <a:rPr lang="zh-CN" altLang="en-US" sz="1600" dirty="0">
+                <a:solidFill>
+                  <a:schemeClr val="tx1">
+                    <a:lumMod val="65000"/>
+                    <a:lumOff val="35000"/>
+                  </a:schemeClr>
+                </a:solidFill>
+                <a:latin typeface="Microsoft YaHei UI" panose="020B0503020204020204" pitchFamily="34" charset="-122"/>
+                <a:ea typeface="Microsoft YaHei UI" panose="020B0503020204020204" pitchFamily="34" charset="-122"/>
+                <a:cs typeface="Arial" panose="020B0604020202020204" pitchFamily="34" charset="0"/>
+              </a:rPr>
+              <a:t>水平扩展，多</a:t>
+            </a:r>
+            <a:r>
+              <a:rPr lang="en-US" altLang="zh-CN" sz="1600" dirty="0">
+                <a:solidFill>
+                  <a:schemeClr val="tx1">
+                    <a:lumMod val="65000"/>
+                    <a:lumOff val="35000"/>
+                  </a:schemeClr>
+                </a:solidFill>
+                <a:latin typeface="Microsoft YaHei UI" panose="020B0503020204020204" pitchFamily="34" charset="-122"/>
+                <a:ea typeface="Microsoft YaHei UI" panose="020B0503020204020204" pitchFamily="34" charset="-122"/>
+                <a:cs typeface="Arial" panose="020B0604020202020204" pitchFamily="34" charset="0"/>
+              </a:rPr>
+              <a:t>IDC</a:t>
+            </a:r>
+            <a:r>
+              <a:rPr lang="zh-CN" altLang="en-US" sz="1600" dirty="0">
+                <a:solidFill>
+                  <a:schemeClr val="tx1">
+                    <a:lumMod val="65000"/>
+                    <a:lumOff val="35000"/>
+                  </a:schemeClr>
+                </a:solidFill>
+                <a:latin typeface="Microsoft YaHei UI" panose="020B0503020204020204" pitchFamily="34" charset="-122"/>
+                <a:ea typeface="Microsoft YaHei UI" panose="020B0503020204020204" pitchFamily="34" charset="-122"/>
+                <a:cs typeface="Arial" panose="020B0604020202020204" pitchFamily="34" charset="0"/>
+              </a:rPr>
+              <a:t>、多分组提升吞吐</a:t>
+            </a:r>
+            <a:endParaRPr lang="en-US" altLang="zh-CN" sz="1600" dirty="0">
+              <a:solidFill>
+                <a:schemeClr val="tx1">
+                  <a:lumMod val="65000"/>
+                  <a:lumOff val="35000"/>
+                </a:schemeClr>
+              </a:solidFill>
+              <a:latin typeface="Microsoft YaHei UI" panose="020B0503020204020204" pitchFamily="34" charset="-122"/>
+              <a:ea typeface="Microsoft YaHei UI" panose="020B0503020204020204" pitchFamily="34" charset="-122"/>
+              <a:cs typeface="Arial" panose="020B0604020202020204" pitchFamily="34" charset="0"/>
+            </a:endParaRPr>
+          </a:p>
+          <a:p>
+            <a:pPr marL="800100" lvl="1" indent="-342900">
+              <a:spcBef>
+                <a:spcPts val="500"/>
+              </a:spcBef>
+              <a:spcAft>
+                <a:spcPts val="1200"/>
+              </a:spcAft>
+              <a:buFont typeface="Arial" panose="020B0604020202020204" pitchFamily="34" charset="0"/>
+              <a:buAutoNum type="arabicPeriod"/>
+            </a:pPr>
+            <a:r>
+              <a:rPr lang="zh-CN" altLang="en-US" sz="1600" dirty="0">
+                <a:solidFill>
+                  <a:schemeClr val="tx1">
+                    <a:lumMod val="65000"/>
+                    <a:lumOff val="35000"/>
+                  </a:schemeClr>
+                </a:solidFill>
+                <a:latin typeface="Microsoft YaHei UI" panose="020B0503020204020204" pitchFamily="34" charset="-122"/>
+                <a:ea typeface="Microsoft YaHei UI" panose="020B0503020204020204" pitchFamily="34" charset="-122"/>
+                <a:cs typeface="Arial" panose="020B0604020202020204" pitchFamily="34" charset="0"/>
+              </a:rPr>
+              <a:t>策略化流量调度，分片调度、就近调度、低成本调度等</a:t>
+            </a:r>
+            <a:endParaRPr lang="en-US" altLang="zh-CN" sz="1600" dirty="0">
+              <a:solidFill>
+                <a:schemeClr val="tx1">
+                  <a:lumMod val="65000"/>
+                  <a:lumOff val="35000"/>
+                </a:schemeClr>
+              </a:solidFill>
+              <a:latin typeface="Microsoft YaHei UI" panose="020B0503020204020204" pitchFamily="34" charset="-122"/>
+              <a:ea typeface="Microsoft YaHei UI" panose="020B0503020204020204" pitchFamily="34" charset="-122"/>
+              <a:cs typeface="Arial" panose="020B0604020202020204" pitchFamily="34" charset="0"/>
+            </a:endParaRPr>
+          </a:p>
+          <a:p>
+            <a:pPr marL="800100" lvl="1" indent="-342900">
+              <a:spcBef>
+                <a:spcPts val="500"/>
+              </a:spcBef>
+              <a:spcAft>
+                <a:spcPts val="1200"/>
+              </a:spcAft>
+              <a:buFont typeface="Arial" panose="020B0604020202020204" pitchFamily="34" charset="0"/>
+              <a:buAutoNum type="arabicPeriod"/>
+            </a:pPr>
+            <a:r>
+              <a:rPr lang="zh-CN" altLang="en-US" sz="1600" dirty="0">
+                <a:solidFill>
+                  <a:schemeClr val="tx1">
+                    <a:lumMod val="65000"/>
+                    <a:lumOff val="35000"/>
+                  </a:schemeClr>
+                </a:solidFill>
+                <a:latin typeface="Microsoft YaHei UI" panose="020B0503020204020204" pitchFamily="34" charset="-122"/>
+                <a:ea typeface="Microsoft YaHei UI" panose="020B0503020204020204" pitchFamily="34" charset="-122"/>
+                <a:cs typeface="Arial" panose="020B0604020202020204" pitchFamily="34" charset="0"/>
+              </a:rPr>
+              <a:t>满足政策监管要求</a:t>
+            </a:r>
+            <a:endParaRPr lang="en-US" altLang="zh-CN" sz="1600" dirty="0">
+              <a:solidFill>
+                <a:schemeClr val="tx1">
+                  <a:lumMod val="65000"/>
+                  <a:lumOff val="35000"/>
+                </a:schemeClr>
+              </a:solidFill>
+              <a:latin typeface="Microsoft YaHei UI" panose="020B0503020204020204" pitchFamily="34" charset="-122"/>
+              <a:ea typeface="Microsoft YaHei UI" panose="020B0503020204020204" pitchFamily="34" charset="-122"/>
+              <a:cs typeface="Arial" panose="020B0604020202020204" pitchFamily="34" charset="0"/>
+            </a:endParaRPr>
+          </a:p>
+          <a:p>
+            <a:pPr marL="342900" indent="-342900">
+              <a:lnSpc>
+                <a:spcPct val="150000"/>
+              </a:lnSpc>
+              <a:spcBef>
+                <a:spcPts val="500"/>
+              </a:spcBef>
+              <a:spcAft>
+                <a:spcPts val="1200"/>
+              </a:spcAft>
+              <a:buFont typeface="Arial" panose="020B0604020202020204" pitchFamily="34" charset="0"/>
+              <a:buAutoNum type="arabicPeriod"/>
+            </a:pPr>
+            <a:r>
+              <a:rPr lang="zh-CN" altLang="en-US" sz="1600" dirty="0">
+                <a:solidFill>
+                  <a:schemeClr val="tx1">
+                    <a:lumMod val="65000"/>
+                    <a:lumOff val="35000"/>
+                  </a:schemeClr>
+                </a:solidFill>
+                <a:latin typeface="Microsoft YaHei UI" panose="020B0503020204020204" pitchFamily="34" charset="-122"/>
+                <a:ea typeface="Microsoft YaHei UI" panose="020B0503020204020204" pitchFamily="34" charset="-122"/>
+                <a:cs typeface="Arial" panose="020B0604020202020204" pitchFamily="34" charset="0"/>
+              </a:rPr>
+              <a:t>原则：</a:t>
+            </a:r>
+            <a:endParaRPr lang="en-US" altLang="zh-CN" sz="1600" dirty="0">
+              <a:solidFill>
+                <a:schemeClr val="tx1">
+                  <a:lumMod val="65000"/>
+                  <a:lumOff val="35000"/>
+                </a:schemeClr>
+              </a:solidFill>
+              <a:latin typeface="Microsoft YaHei UI" panose="020B0503020204020204" pitchFamily="34" charset="-122"/>
+              <a:ea typeface="Microsoft YaHei UI" panose="020B0503020204020204" pitchFamily="34" charset="-122"/>
+              <a:cs typeface="Arial" panose="020B0604020202020204" pitchFamily="34" charset="0"/>
+            </a:endParaRPr>
+          </a:p>
+          <a:p>
+            <a:pPr marL="800100" lvl="1" indent="-342900">
+              <a:spcBef>
+                <a:spcPts val="500"/>
+              </a:spcBef>
+              <a:spcAft>
+                <a:spcPts val="1200"/>
+              </a:spcAft>
+              <a:buFont typeface="Arial" panose="020B0604020202020204" pitchFamily="34" charset="0"/>
+              <a:buAutoNum type="arabicPeriod"/>
+            </a:pPr>
+            <a:r>
+              <a:rPr lang="zh-CN" altLang="en-US" sz="1600" dirty="0">
+                <a:solidFill>
+                  <a:schemeClr val="tx1">
+                    <a:lumMod val="65000"/>
+                    <a:lumOff val="35000"/>
+                  </a:schemeClr>
+                </a:solidFill>
+                <a:latin typeface="Microsoft YaHei UI" panose="020B0503020204020204" pitchFamily="34" charset="-122"/>
+                <a:ea typeface="Microsoft YaHei UI" panose="020B0503020204020204" pitchFamily="34" charset="-122"/>
+                <a:cs typeface="Arial" panose="020B0604020202020204" pitchFamily="34" charset="0"/>
+              </a:rPr>
+              <a:t>核心业务多活，且单元化、可分片，数据可分类</a:t>
+            </a:r>
+            <a:endParaRPr lang="en-US" altLang="zh-CN" sz="1600" dirty="0">
+              <a:solidFill>
+                <a:schemeClr val="tx1">
+                  <a:lumMod val="65000"/>
+                  <a:lumOff val="35000"/>
+                </a:schemeClr>
+              </a:solidFill>
+              <a:latin typeface="Microsoft YaHei UI" panose="020B0503020204020204" pitchFamily="34" charset="-122"/>
+              <a:ea typeface="Microsoft YaHei UI" panose="020B0503020204020204" pitchFamily="34" charset="-122"/>
+              <a:cs typeface="Arial" panose="020B0604020202020204" pitchFamily="34" charset="0"/>
+            </a:endParaRPr>
+          </a:p>
+          <a:p>
+            <a:pPr marL="800100" lvl="1" indent="-342900">
+              <a:spcBef>
+                <a:spcPts val="500"/>
+              </a:spcBef>
+              <a:spcAft>
+                <a:spcPts val="1200"/>
+              </a:spcAft>
+              <a:buFont typeface="Arial" panose="020B0604020202020204" pitchFamily="34" charset="0"/>
+              <a:buAutoNum type="arabicPeriod"/>
+            </a:pPr>
+            <a:r>
+              <a:rPr lang="zh-CN" altLang="en-US" sz="1600" dirty="0">
+                <a:solidFill>
+                  <a:schemeClr val="tx1">
+                    <a:lumMod val="65000"/>
+                    <a:lumOff val="35000"/>
+                  </a:schemeClr>
+                </a:solidFill>
+                <a:latin typeface="Microsoft YaHei UI" panose="020B0503020204020204" pitchFamily="34" charset="-122"/>
+                <a:ea typeface="Microsoft YaHei UI" panose="020B0503020204020204" pitchFamily="34" charset="-122"/>
+                <a:cs typeface="Arial" panose="020B0604020202020204" pitchFamily="34" charset="0"/>
+              </a:rPr>
+              <a:t>保障多数用户，少数用户等待或转移</a:t>
+            </a:r>
+            <a:endParaRPr lang="en-US" altLang="zh-CN" sz="1600" dirty="0">
+              <a:solidFill>
+                <a:schemeClr val="tx1">
+                  <a:lumMod val="65000"/>
+                  <a:lumOff val="35000"/>
+                </a:schemeClr>
+              </a:solidFill>
+              <a:latin typeface="Microsoft YaHei UI" panose="020B0503020204020204" pitchFamily="34" charset="-122"/>
+              <a:ea typeface="Microsoft YaHei UI" panose="020B0503020204020204" pitchFamily="34" charset="-122"/>
+              <a:cs typeface="Arial" panose="020B0604020202020204" pitchFamily="34" charset="0"/>
+            </a:endParaRPr>
+          </a:p>
+          <a:p>
+            <a:pPr marL="800100" lvl="1" indent="-342900">
+              <a:spcBef>
+                <a:spcPts val="500"/>
+              </a:spcBef>
+              <a:spcAft>
+                <a:spcPts val="1200"/>
+              </a:spcAft>
+              <a:buFont typeface="Arial" panose="020B0604020202020204" pitchFamily="34" charset="0"/>
+              <a:buAutoNum type="arabicPeriod"/>
+            </a:pPr>
+            <a:r>
+              <a:rPr lang="zh-CN" altLang="en-US" sz="1600" dirty="0">
+                <a:solidFill>
+                  <a:schemeClr val="tx1">
+                    <a:lumMod val="65000"/>
+                    <a:lumOff val="35000"/>
+                  </a:schemeClr>
+                </a:solidFill>
+                <a:latin typeface="Microsoft YaHei UI" panose="020B0503020204020204" pitchFamily="34" charset="-122"/>
+                <a:ea typeface="Microsoft YaHei UI" panose="020B0503020204020204" pitchFamily="34" charset="-122"/>
+                <a:cs typeface="Arial" panose="020B0604020202020204" pitchFamily="34" charset="0"/>
+              </a:rPr>
+              <a:t>多</a:t>
+            </a:r>
+            <a:r>
+              <a:rPr lang="en-US" altLang="zh-CN" sz="1600" dirty="0">
+                <a:solidFill>
+                  <a:schemeClr val="tx1">
+                    <a:lumMod val="65000"/>
+                    <a:lumOff val="35000"/>
+                  </a:schemeClr>
+                </a:solidFill>
+                <a:latin typeface="Microsoft YaHei UI" panose="020B0503020204020204" pitchFamily="34" charset="-122"/>
+                <a:ea typeface="Microsoft YaHei UI" panose="020B0503020204020204" pitchFamily="34" charset="-122"/>
+                <a:cs typeface="Arial" panose="020B0604020202020204" pitchFamily="34" charset="0"/>
+              </a:rPr>
+              <a:t>IDC</a:t>
+            </a:r>
+            <a:r>
+              <a:rPr lang="zh-CN" altLang="en-US" sz="1600" dirty="0">
+                <a:solidFill>
+                  <a:schemeClr val="tx1">
+                    <a:lumMod val="65000"/>
+                    <a:lumOff val="35000"/>
+                  </a:schemeClr>
+                </a:solidFill>
+                <a:latin typeface="Microsoft YaHei UI" panose="020B0503020204020204" pitchFamily="34" charset="-122"/>
+                <a:ea typeface="Microsoft YaHei UI" panose="020B0503020204020204" pitchFamily="34" charset="-122"/>
+                <a:cs typeface="Arial" panose="020B0604020202020204" pitchFamily="34" charset="0"/>
+              </a:rPr>
+              <a:t>流量在线，任何机房需要同时按配比在线，确保业务正常运转</a:t>
+            </a:r>
+            <a:endParaRPr lang="en-US" altLang="zh-CN" sz="1600" dirty="0">
+              <a:solidFill>
+                <a:schemeClr val="tx1">
+                  <a:lumMod val="65000"/>
+                  <a:lumOff val="35000"/>
+                </a:schemeClr>
+              </a:solidFill>
+              <a:latin typeface="Microsoft YaHei UI" panose="020B0503020204020204" pitchFamily="34" charset="-122"/>
+              <a:ea typeface="Microsoft YaHei UI" panose="020B0503020204020204" pitchFamily="34" charset="-122"/>
+              <a:cs typeface="Arial" panose="020B0604020202020204" pitchFamily="34" charset="0"/>
+            </a:endParaRPr>
+          </a:p>
+          <a:p>
+            <a:pPr marL="800100" lvl="1" indent="-342900">
+              <a:spcBef>
+                <a:spcPts val="500"/>
+              </a:spcBef>
+              <a:spcAft>
+                <a:spcPts val="1200"/>
+              </a:spcAft>
+              <a:buFont typeface="Arial" panose="020B0604020202020204" pitchFamily="34" charset="0"/>
+              <a:buAutoNum type="arabicPeriod"/>
+            </a:pPr>
+            <a:r>
+              <a:rPr lang="zh-CN" altLang="en-US" sz="1600" dirty="0">
+                <a:solidFill>
+                  <a:schemeClr val="tx1">
+                    <a:lumMod val="65000"/>
+                    <a:lumOff val="35000"/>
+                  </a:schemeClr>
+                </a:solidFill>
+                <a:latin typeface="Microsoft YaHei UI" panose="020B0503020204020204" pitchFamily="34" charset="-122"/>
+                <a:ea typeface="Microsoft YaHei UI" panose="020B0503020204020204" pitchFamily="34" charset="-122"/>
+                <a:cs typeface="Arial" panose="020B0604020202020204" pitchFamily="34" charset="0"/>
+              </a:rPr>
+              <a:t>定期演练，保证多机房健康，随时承担突发风险</a:t>
+            </a:r>
+            <a:endParaRPr lang="en-US" altLang="zh-CN" sz="1600" dirty="0">
+              <a:solidFill>
+                <a:schemeClr val="tx1">
+                  <a:lumMod val="65000"/>
+                  <a:lumOff val="35000"/>
+                </a:schemeClr>
+              </a:solidFill>
+              <a:latin typeface="Microsoft YaHei UI" panose="020B0503020204020204" pitchFamily="34" charset="-122"/>
+              <a:ea typeface="Microsoft YaHei UI" panose="020B0503020204020204" pitchFamily="34" charset="-122"/>
+              <a:cs typeface="Arial" panose="020B0604020202020204" pitchFamily="34" charset="0"/>
+            </a:endParaRPr>
+          </a:p>
+        </p:txBody>
+      </p:sp>
+      <p:sp>
+        <p:nvSpPr>
+          <p:cNvPr id="4" name="矩形 3">
+            <a:extLst>
+              <a:ext uri="{FF2B5EF4-FFF2-40B4-BE49-F238E27FC236}">
+                <a16:creationId xmlns:a16="http://schemas.microsoft.com/office/drawing/2014/main" id="{59231917-3D7B-054D-8C09-41D2A8F0837F}"/>
+              </a:ext>
+            </a:extLst>
+          </p:cNvPr>
+          <p:cNvSpPr/>
+          <p:nvPr/>
+        </p:nvSpPr>
+        <p:spPr>
+          <a:xfrm>
+            <a:off x="10682714" y="757613"/>
+            <a:ext cx="1338828" cy="369332"/>
+          </a:xfrm>
+          <a:prstGeom prst="rect">
+            <a:avLst/>
+          </a:prstGeom>
+        </p:spPr>
+        <p:txBody>
+          <a:bodyPr wrap="none">
+            <a:spAutoFit/>
+          </a:bodyPr>
+          <a:lstStyle/>
+          <a:p>
+            <a:pPr>
+              <a:spcBef>
+                <a:spcPct val="0"/>
+              </a:spcBef>
+            </a:pPr>
+            <a:r>
+              <a:rPr lang="zh-CN" altLang="en-US" dirty="0">
+                <a:solidFill>
+                  <a:schemeClr val="bg1"/>
+                </a:solidFill>
+                <a:latin typeface="Microsoft YaHei UI" panose="020B0503020204020204" pitchFamily="34" charset="-122"/>
+                <a:ea typeface="Microsoft YaHei UI" panose="020B0503020204020204" pitchFamily="34" charset="-122"/>
+                <a:cs typeface="Arial" panose="020B0604020202020204" pitchFamily="34" charset="0"/>
+              </a:rPr>
+              <a:t>目标与原则</a:t>
+            </a:r>
+          </a:p>
+        </p:txBody>
+      </p:sp>
+    </p:spTree>
+    <p:extLst>
+      <p:ext uri="{BB962C8B-B14F-4D97-AF65-F5344CB8AC3E}">
+        <p14:creationId xmlns:p14="http://schemas.microsoft.com/office/powerpoint/2010/main" val="4277600356"/>
+      </p:ext>
+    </p:extLst>
+  </p:cSld>
+  <p:clrMapOvr>
+    <a:masterClrMapping/>
+  </p:clrMapOvr>
+</p:sld>
+</file>
+
+<file path=ppt/slides/slide5.xml><?xml version="1.0" encoding="utf-8"?>
+<p:sld xmlns:a="http://schemas.openxmlformats.org/drawingml/2006/main" xmlns:r="http://schemas.openxmlformats.org/officeDocument/2006/relationships" xmlns:p="http://schemas.openxmlformats.org/presentationml/2006/main">
+  <p:cSld>
+    <p:spTree>
+      <p:nvGrpSpPr>
+        <p:cNvPr id="1" name=""/>
+        <p:cNvGrpSpPr/>
+        <p:nvPr/>
+      </p:nvGrpSpPr>
+      <p:grpSpPr>
+        <a:xfrm>
+          <a:off x="0" y="0"/>
+          <a:ext cx="0" cy="0"/>
+          <a:chOff x="0" y="0"/>
+          <a:chExt cx="0" cy="0"/>
+        </a:xfrm>
+      </p:grpSpPr>
+      <p:sp>
+        <p:nvSpPr>
+          <p:cNvPr id="2" name="标题 1">
+            <a:extLst>
+              <a:ext uri="{FF2B5EF4-FFF2-40B4-BE49-F238E27FC236}">
+                <a16:creationId xmlns:a16="http://schemas.microsoft.com/office/drawing/2014/main" id="{3920C9D1-E3BD-AC4C-8DEF-AFCBAB41DD68}"/>
+              </a:ext>
+            </a:extLst>
+          </p:cNvPr>
+          <p:cNvSpPr>
+            <a:spLocks noGrp="1"/>
+          </p:cNvSpPr>
+          <p:nvPr>
+            <p:ph type="title"/>
+          </p:nvPr>
+        </p:nvSpPr>
+        <p:spPr>
+          <a:xfrm>
+            <a:off x="604434" y="0"/>
+            <a:ext cx="5328015" cy="1208868"/>
+          </a:xfrm>
+        </p:spPr>
+        <p:txBody>
+          <a:bodyPr/>
+          <a:lstStyle/>
+          <a:p>
+            <a:r>
+              <a:rPr lang="zh-CN" altLang="en-US" dirty="0">
+                <a:cs typeface="Arial" panose="020B0604020202020204" pitchFamily="34" charset="0"/>
+              </a:rPr>
+              <a:t>多活架构搭建</a:t>
+            </a:r>
+            <a:endParaRPr kumimoji="1" lang="zh-CN" altLang="en-US" dirty="0"/>
+          </a:p>
+        </p:txBody>
+      </p:sp>
+      <p:sp>
+        <p:nvSpPr>
+          <p:cNvPr id="4" name="矩形 3">
+            <a:extLst>
+              <a:ext uri="{FF2B5EF4-FFF2-40B4-BE49-F238E27FC236}">
+                <a16:creationId xmlns:a16="http://schemas.microsoft.com/office/drawing/2014/main" id="{408C0EB1-4BB8-414D-A2F4-84B7A7931A9B}"/>
+              </a:ext>
+            </a:extLst>
+          </p:cNvPr>
+          <p:cNvSpPr/>
+          <p:nvPr/>
+        </p:nvSpPr>
+        <p:spPr>
+          <a:xfrm>
+            <a:off x="10571903" y="562537"/>
+            <a:ext cx="2031325" cy="646331"/>
+          </a:xfrm>
+          <a:prstGeom prst="rect">
+            <a:avLst/>
+          </a:prstGeom>
+        </p:spPr>
+        <p:txBody>
+          <a:bodyPr vert="horz" lIns="91440" tIns="45720" rIns="91440" bIns="45720" rtlCol="0" anchor="b">
+            <a:normAutofit/>
+          </a:bodyPr>
+          <a:lstStyle/>
+          <a:p>
+            <a:pPr>
+              <a:spcBef>
+                <a:spcPct val="0"/>
+              </a:spcBef>
+            </a:pPr>
+            <a:r>
+              <a:rPr lang="zh-CN" altLang="en-US" sz="2000" dirty="0">
+                <a:solidFill>
+                  <a:schemeClr val="bg1"/>
+                </a:solidFill>
+                <a:latin typeface="Microsoft YaHei UI" panose="020B0503020204020204" pitchFamily="34" charset="-122"/>
+                <a:ea typeface="Microsoft YaHei UI" panose="020B0503020204020204" pitchFamily="34" charset="-122"/>
+                <a:cs typeface="Arial" panose="020B0604020202020204" pitchFamily="34" charset="0"/>
+              </a:rPr>
+              <a:t>同城双活</a:t>
+            </a:r>
+          </a:p>
+        </p:txBody>
+      </p:sp>
+      <p:pic>
+        <p:nvPicPr>
+          <p:cNvPr id="5" name="图片 4">
+            <a:extLst>
+              <a:ext uri="{FF2B5EF4-FFF2-40B4-BE49-F238E27FC236}">
+                <a16:creationId xmlns:a16="http://schemas.microsoft.com/office/drawing/2014/main" id="{D8A86DE2-E8F5-AF46-94F3-D4C82CE8B37D}"/>
+              </a:ext>
+            </a:extLst>
+          </p:cNvPr>
+          <p:cNvPicPr>
+            <a:picLocks noChangeAspect="1"/>
+          </p:cNvPicPr>
+          <p:nvPr/>
+        </p:nvPicPr>
+        <p:blipFill>
+          <a:blip r:embed="rId3"/>
+          <a:stretch>
+            <a:fillRect/>
+          </a:stretch>
+        </p:blipFill>
+        <p:spPr>
+          <a:xfrm>
+            <a:off x="1415203" y="1981200"/>
+            <a:ext cx="9156700" cy="3784600"/>
+          </a:xfrm>
+          <a:prstGeom prst="rect">
+            <a:avLst/>
+          </a:prstGeom>
+        </p:spPr>
+      </p:pic>
+    </p:spTree>
+    <p:extLst>
+      <p:ext uri="{BB962C8B-B14F-4D97-AF65-F5344CB8AC3E}">
+        <p14:creationId xmlns:p14="http://schemas.microsoft.com/office/powerpoint/2010/main" val="466105299"/>
+      </p:ext>
+    </p:extLst>
+  </p:cSld>
+  <p:clrMapOvr>
+    <a:masterClrMapping/>
+  </p:clrMapOvr>
+</p:sld>
+</file>
+
+<file path=ppt/slides/slide6.xml><?xml version="1.0" encoding="utf-8"?>
+<p:sld xmlns:a="http://schemas.openxmlformats.org/drawingml/2006/main" xmlns:r="http://schemas.openxmlformats.org/officeDocument/2006/relationships" xmlns:p="http://schemas.openxmlformats.org/presentationml/2006/main">
+  <p:cSld>
+    <p:spTree>
+      <p:nvGrpSpPr>
+        <p:cNvPr id="1" name=""/>
+        <p:cNvGrpSpPr/>
+        <p:nvPr/>
+      </p:nvGrpSpPr>
+      <p:grpSpPr>
+        <a:xfrm>
+          <a:off x="0" y="0"/>
+          <a:ext cx="0" cy="0"/>
+          <a:chOff x="0" y="0"/>
+          <a:chExt cx="0" cy="0"/>
+        </a:xfrm>
+      </p:grpSpPr>
+      <p:sp>
+        <p:nvSpPr>
+          <p:cNvPr id="2" name="标题 1">
+            <a:extLst>
+              <a:ext uri="{FF2B5EF4-FFF2-40B4-BE49-F238E27FC236}">
+                <a16:creationId xmlns:a16="http://schemas.microsoft.com/office/drawing/2014/main" id="{3920C9D1-E3BD-AC4C-8DEF-AFCBAB41DD68}"/>
+              </a:ext>
+            </a:extLst>
+          </p:cNvPr>
+          <p:cNvSpPr>
+            <a:spLocks noGrp="1"/>
+          </p:cNvSpPr>
+          <p:nvPr>
+            <p:ph type="title"/>
+          </p:nvPr>
+        </p:nvSpPr>
+        <p:spPr>
+          <a:xfrm>
+            <a:off x="604434" y="0"/>
+            <a:ext cx="5328015" cy="1208868"/>
+          </a:xfrm>
+        </p:spPr>
+        <p:txBody>
+          <a:bodyPr/>
+          <a:lstStyle/>
+          <a:p>
+            <a:r>
+              <a:rPr lang="zh-CN" altLang="en-US" dirty="0">
+                <a:cs typeface="Arial" panose="020B0604020202020204" pitchFamily="34" charset="0"/>
+              </a:rPr>
+              <a:t>多活架构搭建</a:t>
+            </a:r>
+            <a:endParaRPr kumimoji="1" lang="zh-CN" altLang="en-US" dirty="0"/>
+          </a:p>
+        </p:txBody>
+      </p:sp>
+      <p:sp>
+        <p:nvSpPr>
+          <p:cNvPr id="4" name="矩形 3">
+            <a:extLst>
+              <a:ext uri="{FF2B5EF4-FFF2-40B4-BE49-F238E27FC236}">
+                <a16:creationId xmlns:a16="http://schemas.microsoft.com/office/drawing/2014/main" id="{408C0EB1-4BB8-414D-A2F4-84B7A7931A9B}"/>
+              </a:ext>
+            </a:extLst>
+          </p:cNvPr>
+          <p:cNvSpPr/>
+          <p:nvPr/>
+        </p:nvSpPr>
+        <p:spPr>
+          <a:xfrm>
+            <a:off x="10571903" y="562537"/>
+            <a:ext cx="2031325" cy="646331"/>
+          </a:xfrm>
+          <a:prstGeom prst="rect">
+            <a:avLst/>
+          </a:prstGeom>
+        </p:spPr>
+        <p:txBody>
+          <a:bodyPr vert="horz" lIns="91440" tIns="45720" rIns="91440" bIns="45720" rtlCol="0" anchor="b">
+            <a:normAutofit/>
+          </a:bodyPr>
+          <a:lstStyle/>
+          <a:p>
+            <a:pPr>
+              <a:spcBef>
+                <a:spcPct val="0"/>
+              </a:spcBef>
+            </a:pPr>
+            <a:r>
+              <a:rPr lang="zh-CN" altLang="en-US" sz="2000" dirty="0">
+                <a:solidFill>
+                  <a:schemeClr val="bg1"/>
+                </a:solidFill>
+                <a:latin typeface="Microsoft YaHei UI" panose="020B0503020204020204" pitchFamily="34" charset="-122"/>
+                <a:ea typeface="Microsoft YaHei UI" panose="020B0503020204020204" pitchFamily="34" charset="-122"/>
+                <a:cs typeface="Arial" panose="020B0604020202020204" pitchFamily="34" charset="0"/>
+              </a:rPr>
+              <a:t>异地多活</a:t>
+            </a:r>
+          </a:p>
+        </p:txBody>
+      </p:sp>
+      <p:pic>
+        <p:nvPicPr>
+          <p:cNvPr id="3" name="图片 2">
+            <a:extLst>
+              <a:ext uri="{FF2B5EF4-FFF2-40B4-BE49-F238E27FC236}">
+                <a16:creationId xmlns:a16="http://schemas.microsoft.com/office/drawing/2014/main" id="{C6FDC195-1F27-D648-82FC-0891689082A5}"/>
+              </a:ext>
+            </a:extLst>
+          </p:cNvPr>
+          <p:cNvPicPr>
+            <a:picLocks noChangeAspect="1"/>
+          </p:cNvPicPr>
+          <p:nvPr/>
+        </p:nvPicPr>
+        <p:blipFill>
+          <a:blip r:embed="rId3"/>
+          <a:stretch>
+            <a:fillRect/>
+          </a:stretch>
+        </p:blipFill>
+        <p:spPr>
+          <a:xfrm>
+            <a:off x="120650" y="1428750"/>
+            <a:ext cx="5676900" cy="2654300"/>
+          </a:xfrm>
+          <a:prstGeom prst="rect">
+            <a:avLst/>
+          </a:prstGeom>
+        </p:spPr>
+      </p:pic>
+    </p:spTree>
+    <p:extLst>
+      <p:ext uri="{BB962C8B-B14F-4D97-AF65-F5344CB8AC3E}">
+        <p14:creationId xmlns:p14="http://schemas.microsoft.com/office/powerpoint/2010/main" val="2665073686"/>
+      </p:ext>
+    </p:extLst>
+  </p:cSld>
+  <p:clrMapOvr>
+    <a:masterClrMapping/>
+  </p:clrMapOvr>
+</p:sld>
+</file>
+
+<file path=ppt/slides/slide7.xml><?xml version="1.0" encoding="utf-8"?>
+<p:sld xmlns:a="http://schemas.openxmlformats.org/drawingml/2006/main" xmlns:r="http://schemas.openxmlformats.org/officeDocument/2006/relationships" xmlns:p="http://schemas.openxmlformats.org/presentationml/2006/main">
+  <p:cSld>
+    <p:spTree>
+      <p:nvGrpSpPr>
+        <p:cNvPr id="1" name=""/>
+        <p:cNvGrpSpPr/>
+        <p:nvPr/>
+      </p:nvGrpSpPr>
+      <p:grpSpPr>
+        <a:xfrm>
+          <a:off x="0" y="0"/>
+          <a:ext cx="0" cy="0"/>
+          <a:chOff x="0" y="0"/>
+          <a:chExt cx="0" cy="0"/>
+        </a:xfrm>
+      </p:grpSpPr>
+      <p:sp>
+        <p:nvSpPr>
+          <p:cNvPr id="2" name="标题 1">
+            <a:extLst>
+              <a:ext uri="{FF2B5EF4-FFF2-40B4-BE49-F238E27FC236}">
+                <a16:creationId xmlns:a16="http://schemas.microsoft.com/office/drawing/2014/main" id="{3920C9D1-E3BD-AC4C-8DEF-AFCBAB41DD68}"/>
+              </a:ext>
+            </a:extLst>
+          </p:cNvPr>
+          <p:cNvSpPr>
+            <a:spLocks noGrp="1"/>
+          </p:cNvSpPr>
+          <p:nvPr>
+            <p:ph type="title"/>
+          </p:nvPr>
+        </p:nvSpPr>
+        <p:spPr>
+          <a:xfrm>
+            <a:off x="604434" y="0"/>
+            <a:ext cx="5328015" cy="1208868"/>
+          </a:xfrm>
+        </p:spPr>
+        <p:txBody>
+          <a:bodyPr/>
+          <a:lstStyle/>
+          <a:p>
+            <a:r>
+              <a:rPr lang="zh-CN" altLang="en-US" dirty="0">
+                <a:cs typeface="Arial" panose="020B0604020202020204" pitchFamily="34" charset="0"/>
+              </a:rPr>
+              <a:t>多活架构搭建</a:t>
+            </a:r>
+            <a:endParaRPr kumimoji="1" lang="zh-CN" altLang="en-US" dirty="0"/>
+          </a:p>
+        </p:txBody>
+      </p:sp>
+      <p:sp>
+        <p:nvSpPr>
+          <p:cNvPr id="4" name="矩形 3">
+            <a:extLst>
+              <a:ext uri="{FF2B5EF4-FFF2-40B4-BE49-F238E27FC236}">
+                <a16:creationId xmlns:a16="http://schemas.microsoft.com/office/drawing/2014/main" id="{408C0EB1-4BB8-414D-A2F4-84B7A7931A9B}"/>
+              </a:ext>
+            </a:extLst>
+          </p:cNvPr>
+          <p:cNvSpPr/>
+          <p:nvPr/>
+        </p:nvSpPr>
+        <p:spPr>
+          <a:xfrm>
+            <a:off x="10315425" y="562537"/>
+            <a:ext cx="2031325" cy="646331"/>
+          </a:xfrm>
+          <a:prstGeom prst="rect">
+            <a:avLst/>
+          </a:prstGeom>
+        </p:spPr>
+        <p:txBody>
+          <a:bodyPr vert="horz" lIns="91440" tIns="45720" rIns="91440" bIns="45720" rtlCol="0" anchor="b">
+            <a:normAutofit/>
+          </a:bodyPr>
+          <a:lstStyle/>
+          <a:p>
+            <a:pPr>
+              <a:spcBef>
+                <a:spcPct val="0"/>
+              </a:spcBef>
+            </a:pPr>
+            <a:r>
+              <a:rPr lang="zh-CN" altLang="en-US" sz="2000" dirty="0">
+                <a:solidFill>
+                  <a:schemeClr val="bg1"/>
+                </a:solidFill>
+                <a:latin typeface="Microsoft YaHei UI" panose="020B0503020204020204" pitchFamily="34" charset="-122"/>
+                <a:ea typeface="Microsoft YaHei UI" panose="020B0503020204020204" pitchFamily="34" charset="-122"/>
+                <a:cs typeface="Arial" panose="020B0604020202020204" pitchFamily="34" charset="0"/>
+              </a:rPr>
+              <a:t>全局流量调度</a:t>
+            </a:r>
+          </a:p>
+        </p:txBody>
+      </p:sp>
+      <p:sp>
+        <p:nvSpPr>
+          <p:cNvPr id="5" name="矩形 4">
+            <a:extLst>
+              <a:ext uri="{FF2B5EF4-FFF2-40B4-BE49-F238E27FC236}">
+                <a16:creationId xmlns:a16="http://schemas.microsoft.com/office/drawing/2014/main" id="{0B8753B3-9C62-6C41-9B36-710A676C3E67}"/>
+              </a:ext>
+            </a:extLst>
+          </p:cNvPr>
+          <p:cNvSpPr/>
+          <p:nvPr/>
+        </p:nvSpPr>
+        <p:spPr>
+          <a:xfrm>
+            <a:off x="523751" y="1695748"/>
+            <a:ext cx="4706171" cy="3422352"/>
+          </a:xfrm>
+          <a:prstGeom prst="rect">
+            <a:avLst/>
+          </a:prstGeom>
+        </p:spPr>
+        <p:txBody>
+          <a:bodyPr vert="horz" lIns="91440" tIns="45720" rIns="91440" bIns="45720" rtlCol="0">
+            <a:noAutofit/>
+          </a:bodyPr>
+          <a:lstStyle/>
+          <a:p>
+            <a:pPr>
+              <a:lnSpc>
+                <a:spcPct val="150000"/>
+              </a:lnSpc>
+              <a:spcBef>
+                <a:spcPts val="500"/>
+              </a:spcBef>
+              <a:spcAft>
+                <a:spcPts val="1200"/>
+              </a:spcAft>
+            </a:pPr>
+            <a:r>
+              <a:rPr lang="zh-CN" altLang="en-US" sz="1600" dirty="0">
+                <a:solidFill>
+                  <a:schemeClr val="tx1">
+                    <a:lumMod val="65000"/>
+                    <a:lumOff val="35000"/>
+                  </a:schemeClr>
+                </a:solidFill>
+                <a:latin typeface="Microsoft YaHei UI" panose="020B0503020204020204" pitchFamily="34" charset="-122"/>
+                <a:ea typeface="Microsoft YaHei UI" panose="020B0503020204020204" pitchFamily="34" charset="-122"/>
+                <a:cs typeface="Arial" panose="020B0604020202020204" pitchFamily="34" charset="0"/>
+              </a:rPr>
+              <a:t>特性：</a:t>
+            </a:r>
+            <a:endParaRPr lang="en-US" altLang="zh-CN" sz="1600" dirty="0">
+              <a:solidFill>
+                <a:schemeClr val="tx1">
+                  <a:lumMod val="65000"/>
+                  <a:lumOff val="35000"/>
+                </a:schemeClr>
+              </a:solidFill>
+              <a:latin typeface="Microsoft YaHei UI" panose="020B0503020204020204" pitchFamily="34" charset="-122"/>
+              <a:ea typeface="Microsoft YaHei UI" panose="020B0503020204020204" pitchFamily="34" charset="-122"/>
+              <a:cs typeface="Arial" panose="020B0604020202020204" pitchFamily="34" charset="0"/>
+            </a:endParaRPr>
+          </a:p>
+          <a:p>
+            <a:pPr marL="800100" lvl="1" indent="-342900">
+              <a:spcBef>
+                <a:spcPts val="500"/>
+              </a:spcBef>
+              <a:spcAft>
+                <a:spcPts val="1200"/>
+              </a:spcAft>
+              <a:buFont typeface="Arial" panose="020B0604020202020204" pitchFamily="34" charset="0"/>
+              <a:buAutoNum type="arabicPeriod"/>
+            </a:pPr>
+            <a:r>
+              <a:rPr lang="zh-CN" altLang="en-US" sz="1600" dirty="0">
+                <a:solidFill>
+                  <a:schemeClr val="tx1">
+                    <a:lumMod val="65000"/>
+                    <a:lumOff val="35000"/>
+                  </a:schemeClr>
+                </a:solidFill>
+                <a:latin typeface="Microsoft YaHei UI" panose="020B0503020204020204" pitchFamily="34" charset="-122"/>
+                <a:ea typeface="Microsoft YaHei UI" panose="020B0503020204020204" pitchFamily="34" charset="-122"/>
+                <a:cs typeface="Arial" panose="020B0604020202020204" pitchFamily="34" charset="0"/>
+              </a:rPr>
+              <a:t>基于</a:t>
+            </a:r>
+            <a:r>
+              <a:rPr lang="en-US" altLang="zh-CN" sz="1600" dirty="0">
+                <a:solidFill>
+                  <a:schemeClr val="tx1">
+                    <a:lumMod val="65000"/>
+                    <a:lumOff val="35000"/>
+                  </a:schemeClr>
+                </a:solidFill>
+                <a:latin typeface="Microsoft YaHei UI" panose="020B0503020204020204" pitchFamily="34" charset="-122"/>
+                <a:ea typeface="Microsoft YaHei UI" panose="020B0503020204020204" pitchFamily="34" charset="-122"/>
+                <a:cs typeface="Arial" panose="020B0604020202020204" pitchFamily="34" charset="0"/>
+              </a:rPr>
+              <a:t>HTTP-DNS</a:t>
+            </a:r>
+          </a:p>
+          <a:p>
+            <a:pPr marL="800100" lvl="1" indent="-342900">
+              <a:spcBef>
+                <a:spcPts val="500"/>
+              </a:spcBef>
+              <a:spcAft>
+                <a:spcPts val="1200"/>
+              </a:spcAft>
+              <a:buFont typeface="Arial" panose="020B0604020202020204" pitchFamily="34" charset="0"/>
+              <a:buAutoNum type="arabicPeriod"/>
+            </a:pPr>
+            <a:r>
+              <a:rPr lang="zh-CN" altLang="en-US" sz="1600" dirty="0">
+                <a:solidFill>
+                  <a:schemeClr val="tx1">
+                    <a:lumMod val="65000"/>
+                    <a:lumOff val="35000"/>
+                  </a:schemeClr>
+                </a:solidFill>
+                <a:latin typeface="Microsoft YaHei UI" panose="020B0503020204020204" pitchFamily="34" charset="-122"/>
+                <a:ea typeface="Microsoft YaHei UI" panose="020B0503020204020204" pitchFamily="34" charset="-122"/>
+                <a:cs typeface="Arial" panose="020B0604020202020204" pitchFamily="34" charset="0"/>
+              </a:rPr>
+              <a:t>防劫持</a:t>
+            </a:r>
+            <a:endParaRPr lang="en-US" altLang="zh-CN" sz="1600" dirty="0">
+              <a:solidFill>
+                <a:schemeClr val="tx1">
+                  <a:lumMod val="65000"/>
+                  <a:lumOff val="35000"/>
+                </a:schemeClr>
+              </a:solidFill>
+              <a:latin typeface="Microsoft YaHei UI" panose="020B0503020204020204" pitchFamily="34" charset="-122"/>
+              <a:ea typeface="Microsoft YaHei UI" panose="020B0503020204020204" pitchFamily="34" charset="-122"/>
+              <a:cs typeface="Arial" panose="020B0604020202020204" pitchFamily="34" charset="0"/>
+            </a:endParaRPr>
+          </a:p>
+          <a:p>
+            <a:pPr marL="800100" lvl="1" indent="-342900">
+              <a:spcBef>
+                <a:spcPts val="500"/>
+              </a:spcBef>
+              <a:spcAft>
+                <a:spcPts val="1200"/>
+              </a:spcAft>
+              <a:buFont typeface="Arial" panose="020B0604020202020204" pitchFamily="34" charset="0"/>
+              <a:buAutoNum type="arabicPeriod"/>
+            </a:pPr>
+            <a:r>
+              <a:rPr lang="zh-CN" altLang="en-US" sz="1600" dirty="0">
+                <a:solidFill>
+                  <a:schemeClr val="tx1">
+                    <a:lumMod val="65000"/>
+                    <a:lumOff val="35000"/>
+                  </a:schemeClr>
+                </a:solidFill>
+                <a:latin typeface="Microsoft YaHei UI" panose="020B0503020204020204" pitchFamily="34" charset="-122"/>
+                <a:ea typeface="Microsoft YaHei UI" panose="020B0503020204020204" pitchFamily="34" charset="-122"/>
+                <a:cs typeface="Arial" panose="020B0604020202020204" pitchFamily="34" charset="0"/>
+              </a:rPr>
+              <a:t>快速生效</a:t>
+            </a:r>
+            <a:endParaRPr lang="en-US" altLang="zh-CN" sz="1600" dirty="0">
+              <a:solidFill>
+                <a:schemeClr val="tx1">
+                  <a:lumMod val="65000"/>
+                  <a:lumOff val="35000"/>
+                </a:schemeClr>
+              </a:solidFill>
+              <a:latin typeface="Microsoft YaHei UI" panose="020B0503020204020204" pitchFamily="34" charset="-122"/>
+              <a:ea typeface="Microsoft YaHei UI" panose="020B0503020204020204" pitchFamily="34" charset="-122"/>
+              <a:cs typeface="Arial" panose="020B0604020202020204" pitchFamily="34" charset="0"/>
+            </a:endParaRPr>
+          </a:p>
+          <a:p>
+            <a:pPr marL="800100" lvl="1" indent="-342900">
+              <a:spcBef>
+                <a:spcPts val="500"/>
+              </a:spcBef>
+              <a:spcAft>
+                <a:spcPts val="1200"/>
+              </a:spcAft>
+              <a:buFont typeface="Arial" panose="020B0604020202020204" pitchFamily="34" charset="0"/>
+              <a:buAutoNum type="arabicPeriod"/>
+            </a:pPr>
+            <a:r>
+              <a:rPr lang="zh-CN" altLang="en-US" sz="1600" dirty="0">
+                <a:solidFill>
+                  <a:schemeClr val="tx1">
+                    <a:lumMod val="65000"/>
+                    <a:lumOff val="35000"/>
+                  </a:schemeClr>
+                </a:solidFill>
+                <a:latin typeface="Microsoft YaHei UI" panose="020B0503020204020204" pitchFamily="34" charset="-122"/>
+                <a:ea typeface="Microsoft YaHei UI" panose="020B0503020204020204" pitchFamily="34" charset="-122"/>
+                <a:cs typeface="Arial" panose="020B0604020202020204" pitchFamily="34" charset="0"/>
+              </a:rPr>
+              <a:t>区域、标签、设备精准调度</a:t>
+            </a:r>
+            <a:endParaRPr lang="en-US" altLang="zh-CN" sz="1600" dirty="0">
+              <a:solidFill>
+                <a:schemeClr val="tx1">
+                  <a:lumMod val="65000"/>
+                  <a:lumOff val="35000"/>
+                </a:schemeClr>
+              </a:solidFill>
+              <a:latin typeface="Microsoft YaHei UI" panose="020B0503020204020204" pitchFamily="34" charset="-122"/>
+              <a:ea typeface="Microsoft YaHei UI" panose="020B0503020204020204" pitchFamily="34" charset="-122"/>
+              <a:cs typeface="Arial" panose="020B0604020202020204" pitchFamily="34" charset="0"/>
+            </a:endParaRPr>
+          </a:p>
+          <a:p>
+            <a:pPr marL="800100" lvl="1" indent="-342900">
+              <a:spcBef>
+                <a:spcPts val="500"/>
+              </a:spcBef>
+              <a:spcAft>
+                <a:spcPts val="1200"/>
+              </a:spcAft>
+              <a:buFont typeface="Arial" panose="020B0604020202020204" pitchFamily="34" charset="0"/>
+              <a:buAutoNum type="arabicPeriod"/>
+            </a:pPr>
+            <a:r>
+              <a:rPr lang="zh-CN" altLang="en-US" sz="1600" dirty="0">
+                <a:solidFill>
+                  <a:schemeClr val="tx1">
+                    <a:lumMod val="65000"/>
+                    <a:lumOff val="35000"/>
+                  </a:schemeClr>
+                </a:solidFill>
+                <a:latin typeface="Microsoft YaHei UI" panose="020B0503020204020204" pitchFamily="34" charset="-122"/>
+                <a:ea typeface="Microsoft YaHei UI" panose="020B0503020204020204" pitchFamily="34" charset="-122"/>
+                <a:cs typeface="Arial" panose="020B0604020202020204" pitchFamily="34" charset="0"/>
+              </a:rPr>
+              <a:t>最终一致性</a:t>
+            </a:r>
+            <a:endParaRPr lang="en-US" altLang="zh-CN" sz="1600" dirty="0">
+              <a:solidFill>
+                <a:schemeClr val="tx1">
+                  <a:lumMod val="65000"/>
+                  <a:lumOff val="35000"/>
+                </a:schemeClr>
+              </a:solidFill>
+              <a:latin typeface="Microsoft YaHei UI" panose="020B0503020204020204" pitchFamily="34" charset="-122"/>
+              <a:ea typeface="Microsoft YaHei UI" panose="020B0503020204020204" pitchFamily="34" charset="-122"/>
+              <a:cs typeface="Arial" panose="020B0604020202020204" pitchFamily="34" charset="0"/>
+            </a:endParaRPr>
+          </a:p>
+          <a:p>
+            <a:pPr marL="800100" lvl="1" indent="-342900">
+              <a:spcBef>
+                <a:spcPts val="500"/>
+              </a:spcBef>
+              <a:spcAft>
+                <a:spcPts val="1200"/>
+              </a:spcAft>
+              <a:buFont typeface="Arial" panose="020B0604020202020204" pitchFamily="34" charset="0"/>
+              <a:buAutoNum type="arabicPeriod"/>
+            </a:pPr>
+            <a:endParaRPr lang="en-US" altLang="zh-CN" sz="1600" dirty="0">
+              <a:solidFill>
+                <a:schemeClr val="tx1">
+                  <a:lumMod val="65000"/>
+                  <a:lumOff val="35000"/>
+                </a:schemeClr>
+              </a:solidFill>
+              <a:latin typeface="Microsoft YaHei UI" panose="020B0503020204020204" pitchFamily="34" charset="-122"/>
+              <a:ea typeface="Microsoft YaHei UI" panose="020B0503020204020204" pitchFamily="34" charset="-122"/>
+              <a:cs typeface="Arial" panose="020B0604020202020204" pitchFamily="34" charset="0"/>
+            </a:endParaRPr>
+          </a:p>
+        </p:txBody>
+      </p:sp>
+    </p:spTree>
+    <p:extLst>
+      <p:ext uri="{BB962C8B-B14F-4D97-AF65-F5344CB8AC3E}">
+        <p14:creationId xmlns:p14="http://schemas.microsoft.com/office/powerpoint/2010/main" val="1868041121"/>
+      </p:ext>
+    </p:extLst>
+  </p:cSld>
+  <p:clrMapOvr>
+    <a:masterClrMapping/>
+  </p:clrMapOvr>
+</p:sld>
+</file>
+
+<file path=ppt/slides/slide8.xml><?xml version="1.0" encoding="utf-8"?>
+<p:sld xmlns:a="http://schemas.openxmlformats.org/drawingml/2006/main" xmlns:r="http://schemas.openxmlformats.org/officeDocument/2006/relationships" xmlns:p="http://schemas.openxmlformats.org/presentationml/2006/main">
+  <p:cSld>
+    <p:spTree>
+      <p:nvGrpSpPr>
+        <p:cNvPr id="1" name=""/>
+        <p:cNvGrpSpPr/>
+        <p:nvPr/>
+      </p:nvGrpSpPr>
+      <p:grpSpPr>
+        <a:xfrm>
+          <a:off x="0" y="0"/>
+          <a:ext cx="0" cy="0"/>
+          <a:chOff x="0" y="0"/>
+          <a:chExt cx="0" cy="0"/>
+        </a:xfrm>
+      </p:grpSpPr>
+      <p:sp>
+        <p:nvSpPr>
+          <p:cNvPr id="2" name="标题 1">
+            <a:extLst>
+              <a:ext uri="{FF2B5EF4-FFF2-40B4-BE49-F238E27FC236}">
+                <a16:creationId xmlns:a16="http://schemas.microsoft.com/office/drawing/2014/main" id="{3920C9D1-E3BD-AC4C-8DEF-AFCBAB41DD68}"/>
+              </a:ext>
+            </a:extLst>
+          </p:cNvPr>
+          <p:cNvSpPr>
+            <a:spLocks noGrp="1"/>
+          </p:cNvSpPr>
+          <p:nvPr>
+            <p:ph type="title"/>
+          </p:nvPr>
+        </p:nvSpPr>
+        <p:spPr>
+          <a:xfrm>
+            <a:off x="604434" y="0"/>
+            <a:ext cx="5328015" cy="1208868"/>
+          </a:xfrm>
+        </p:spPr>
+        <p:txBody>
+          <a:bodyPr/>
+          <a:lstStyle/>
+          <a:p>
+            <a:r>
+              <a:rPr lang="zh-CN" altLang="en-US" dirty="0">
+                <a:cs typeface="Arial" panose="020B0604020202020204" pitchFamily="34" charset="0"/>
+              </a:rPr>
+              <a:t>多活架构搭建</a:t>
+            </a:r>
+            <a:endParaRPr kumimoji="1" lang="zh-CN" altLang="en-US" dirty="0"/>
+          </a:p>
+        </p:txBody>
+      </p:sp>
+      <p:sp>
+        <p:nvSpPr>
+          <p:cNvPr id="4" name="矩形 3">
+            <a:extLst>
+              <a:ext uri="{FF2B5EF4-FFF2-40B4-BE49-F238E27FC236}">
+                <a16:creationId xmlns:a16="http://schemas.microsoft.com/office/drawing/2014/main" id="{408C0EB1-4BB8-414D-A2F4-84B7A7931A9B}"/>
+              </a:ext>
+            </a:extLst>
+          </p:cNvPr>
+          <p:cNvSpPr/>
+          <p:nvPr/>
+        </p:nvSpPr>
+        <p:spPr>
+          <a:xfrm>
+            <a:off x="10315425" y="562537"/>
+            <a:ext cx="2031325" cy="646331"/>
+          </a:xfrm>
+          <a:prstGeom prst="rect">
+            <a:avLst/>
+          </a:prstGeom>
+        </p:spPr>
+        <p:txBody>
+          <a:bodyPr vert="horz" lIns="91440" tIns="45720" rIns="91440" bIns="45720" rtlCol="0" anchor="b">
+            <a:normAutofit/>
+          </a:bodyPr>
+          <a:lstStyle/>
+          <a:p>
+            <a:pPr>
+              <a:spcBef>
+                <a:spcPct val="0"/>
+              </a:spcBef>
+            </a:pPr>
+            <a:r>
+              <a:rPr lang="zh-CN" altLang="en-US" sz="2000" dirty="0">
+                <a:solidFill>
+                  <a:schemeClr val="bg1"/>
+                </a:solidFill>
+                <a:latin typeface="Microsoft YaHei UI" panose="020B0503020204020204" pitchFamily="34" charset="-122"/>
+                <a:ea typeface="Microsoft YaHei UI" panose="020B0503020204020204" pitchFamily="34" charset="-122"/>
+                <a:cs typeface="Arial" panose="020B0604020202020204" pitchFamily="34" charset="0"/>
+              </a:rPr>
+              <a:t>后端流量调度</a:t>
+            </a:r>
+          </a:p>
+        </p:txBody>
+      </p:sp>
+    </p:spTree>
+    <p:extLst>
+      <p:ext uri="{BB962C8B-B14F-4D97-AF65-F5344CB8AC3E}">
+        <p14:creationId xmlns:p14="http://schemas.microsoft.com/office/powerpoint/2010/main" val="476519831"/>
+      </p:ext>
+    </p:extLst>
+  </p:cSld>
+  <p:clrMapOvr>
+    <a:masterClrMapping/>
+  </p:clrMapOvr>
+</p:sld>
+</file>
+
+<file path=ppt/slides/slide9.xml><?xml version="1.0" encoding="utf-8"?>
+<p:sld xmlns:a="http://schemas.openxmlformats.org/drawingml/2006/main" xmlns:r="http://schemas.openxmlformats.org/officeDocument/2006/relationships" xmlns:p="http://schemas.openxmlformats.org/presentationml/2006/main">
+  <p:cSld>
+    <p:spTree>
+      <p:nvGrpSpPr>
+        <p:cNvPr id="1" name=""/>
+        <p:cNvGrpSpPr/>
+        <p:nvPr/>
+      </p:nvGrpSpPr>
+      <p:grpSpPr>
+        <a:xfrm>
+          <a:off x="0" y="0"/>
+          <a:ext cx="0" cy="0"/>
+          <a:chOff x="0" y="0"/>
+          <a:chExt cx="0" cy="0"/>
+        </a:xfrm>
+      </p:grpSpPr>
+      <p:sp>
+        <p:nvSpPr>
+          <p:cNvPr id="2" name="标题 1">
+            <a:extLst>
+              <a:ext uri="{FF2B5EF4-FFF2-40B4-BE49-F238E27FC236}">
+                <a16:creationId xmlns:a16="http://schemas.microsoft.com/office/drawing/2014/main" id="{3920C9D1-E3BD-AC4C-8DEF-AFCBAB41DD68}"/>
+              </a:ext>
+            </a:extLst>
+          </p:cNvPr>
+          <p:cNvSpPr>
+            <a:spLocks noGrp="1"/>
+          </p:cNvSpPr>
+          <p:nvPr>
+            <p:ph type="title"/>
+          </p:nvPr>
+        </p:nvSpPr>
+        <p:spPr>
+          <a:xfrm>
+            <a:off x="604434" y="0"/>
+            <a:ext cx="5328015" cy="1208868"/>
+          </a:xfrm>
+        </p:spPr>
+        <p:txBody>
+          <a:bodyPr/>
+          <a:lstStyle/>
+          <a:p>
+            <a:r>
+              <a:rPr lang="zh-CN" altLang="en-US" dirty="0">
+                <a:cs typeface="Arial" panose="020B0604020202020204" pitchFamily="34" charset="0"/>
+              </a:rPr>
+              <a:t>多活架构搭建</a:t>
+            </a:r>
+            <a:endParaRPr kumimoji="1" lang="zh-CN" altLang="en-US" dirty="0"/>
+          </a:p>
+        </p:txBody>
+      </p:sp>
+      <p:sp>
+        <p:nvSpPr>
+          <p:cNvPr id="4" name="矩形 3">
+            <a:extLst>
+              <a:ext uri="{FF2B5EF4-FFF2-40B4-BE49-F238E27FC236}">
+                <a16:creationId xmlns:a16="http://schemas.microsoft.com/office/drawing/2014/main" id="{408C0EB1-4BB8-414D-A2F4-84B7A7931A9B}"/>
+              </a:ext>
+            </a:extLst>
+          </p:cNvPr>
+          <p:cNvSpPr/>
+          <p:nvPr/>
+        </p:nvSpPr>
+        <p:spPr>
+          <a:xfrm>
+            <a:off x="10315425" y="562537"/>
+            <a:ext cx="2031325" cy="646331"/>
+          </a:xfrm>
+          <a:prstGeom prst="rect">
+            <a:avLst/>
+          </a:prstGeom>
+        </p:spPr>
+        <p:txBody>
+          <a:bodyPr vert="horz" lIns="91440" tIns="45720" rIns="91440" bIns="45720" rtlCol="0" anchor="b">
+            <a:normAutofit/>
+          </a:bodyPr>
+          <a:lstStyle/>
+          <a:p>
+            <a:pPr>
+              <a:spcBef>
+                <a:spcPct val="0"/>
+              </a:spcBef>
+            </a:pPr>
+            <a:r>
+              <a:rPr lang="zh-CN" altLang="en-US" sz="2000" dirty="0">
+                <a:solidFill>
+                  <a:schemeClr val="bg1"/>
+                </a:solidFill>
+                <a:latin typeface="Microsoft YaHei UI" panose="020B0503020204020204" pitchFamily="34" charset="-122"/>
+                <a:ea typeface="Microsoft YaHei UI" panose="020B0503020204020204" pitchFamily="34" charset="-122"/>
+                <a:cs typeface="Arial" panose="020B0604020202020204" pitchFamily="34" charset="0"/>
+              </a:rPr>
+              <a:t>用户分片</a:t>
+            </a:r>
+            <a:endParaRPr lang="en-US" altLang="zh-CN" sz="2000" dirty="0">
+              <a:solidFill>
+                <a:schemeClr val="bg1"/>
+              </a:solidFill>
+              <a:latin typeface="Microsoft YaHei UI" panose="020B0503020204020204" pitchFamily="34" charset="-122"/>
+              <a:ea typeface="Microsoft YaHei UI" panose="020B0503020204020204" pitchFamily="34" charset="-122"/>
+              <a:cs typeface="Arial" panose="020B0604020202020204" pitchFamily="34" charset="0"/>
+            </a:endParaRPr>
+          </a:p>
+        </p:txBody>
+      </p:sp>
+    </p:spTree>
+    <p:extLst>
+      <p:ext uri="{BB962C8B-B14F-4D97-AF65-F5344CB8AC3E}">
+        <p14:creationId xmlns:p14="http://schemas.microsoft.com/office/powerpoint/2010/main" val="2735571422"/>
       </p:ext>
     </p:extLst>
   </p:cSld>

--- a/job/me/个人介绍.pptx
+++ b/job/me/个人介绍.pptx
@@ -9964,14 +9964,150 @@
         </p:blipFill>
         <p:spPr>
           <a:xfrm>
-            <a:off x="120650" y="1428750"/>
-            <a:ext cx="5676900" cy="2654300"/>
+            <a:off x="0" y="1386668"/>
+            <a:ext cx="4368050" cy="2042332"/>
           </a:xfrm>
           <a:prstGeom prst="rect">
             <a:avLst/>
           </a:prstGeom>
         </p:spPr>
       </p:pic>
+      <p:pic>
+        <p:nvPicPr>
+          <p:cNvPr id="6" name="图片 5">
+            <a:extLst>
+              <a:ext uri="{FF2B5EF4-FFF2-40B4-BE49-F238E27FC236}">
+                <a16:creationId xmlns:a16="http://schemas.microsoft.com/office/drawing/2014/main" id="{7ABC6754-E9E7-8C45-B212-AC9D0D553822}"/>
+              </a:ext>
+            </a:extLst>
+          </p:cNvPr>
+          <p:cNvPicPr>
+            <a:picLocks noChangeAspect="1"/>
+          </p:cNvPicPr>
+          <p:nvPr/>
+        </p:nvPicPr>
+        <p:blipFill>
+          <a:blip r:embed="rId4"/>
+          <a:stretch>
+            <a:fillRect/>
+          </a:stretch>
+        </p:blipFill>
+        <p:spPr>
+          <a:xfrm>
+            <a:off x="4350697" y="3022600"/>
+            <a:ext cx="7841303" cy="3606800"/>
+          </a:xfrm>
+          <a:prstGeom prst="rect">
+            <a:avLst/>
+          </a:prstGeom>
+        </p:spPr>
+      </p:pic>
+      <p:sp>
+        <p:nvSpPr>
+          <p:cNvPr id="7" name="文本框 6">
+            <a:extLst>
+              <a:ext uri="{FF2B5EF4-FFF2-40B4-BE49-F238E27FC236}">
+                <a16:creationId xmlns:a16="http://schemas.microsoft.com/office/drawing/2014/main" id="{27AC74FE-F980-4C4F-8031-35A3D2586B1D}"/>
+              </a:ext>
+            </a:extLst>
+          </p:cNvPr>
+          <p:cNvSpPr txBox="1"/>
+          <p:nvPr/>
+        </p:nvSpPr>
+        <p:spPr>
+          <a:xfrm>
+            <a:off x="1066800" y="3429000"/>
+            <a:ext cx="2031325" cy="369332"/>
+          </a:xfrm>
+          <a:prstGeom prst="rect">
+            <a:avLst/>
+          </a:prstGeom>
+          <a:noFill/>
+        </p:spPr>
+        <p:txBody>
+          <a:bodyPr wrap="none" rtlCol="0">
+            <a:spAutoFit/>
+          </a:bodyPr>
+          <a:lstStyle/>
+          <a:p>
+            <a:r>
+              <a:rPr kumimoji="1" lang="zh-CN" altLang="en-US" dirty="0"/>
+              <a:t>单元化、分片逻辑</a:t>
+            </a:r>
+          </a:p>
+        </p:txBody>
+      </p:sp>
+      <p:sp>
+        <p:nvSpPr>
+          <p:cNvPr id="9" name="文本框 8">
+            <a:extLst>
+              <a:ext uri="{FF2B5EF4-FFF2-40B4-BE49-F238E27FC236}">
+                <a16:creationId xmlns:a16="http://schemas.microsoft.com/office/drawing/2014/main" id="{97E38A6B-07CC-024C-B1DA-49DCCBCE1DB5}"/>
+              </a:ext>
+            </a:extLst>
+          </p:cNvPr>
+          <p:cNvSpPr txBox="1"/>
+          <p:nvPr/>
+        </p:nvSpPr>
+        <p:spPr>
+          <a:xfrm>
+            <a:off x="7319185" y="2534834"/>
+            <a:ext cx="1569660" cy="369332"/>
+          </a:xfrm>
+          <a:prstGeom prst="rect">
+            <a:avLst/>
+          </a:prstGeom>
+          <a:noFill/>
+        </p:spPr>
+        <p:txBody>
+          <a:bodyPr wrap="none" rtlCol="0">
+            <a:spAutoFit/>
+          </a:bodyPr>
+          <a:lstStyle/>
+          <a:p>
+            <a:r>
+              <a:rPr kumimoji="1" lang="zh-CN" altLang="en-US" dirty="0"/>
+              <a:t>异地多活架构</a:t>
+            </a:r>
+          </a:p>
+        </p:txBody>
+      </p:sp>
+      <p:cxnSp>
+        <p:nvCxnSpPr>
+          <p:cNvPr id="10" name="直线连接符 9">
+            <a:extLst>
+              <a:ext uri="{FF2B5EF4-FFF2-40B4-BE49-F238E27FC236}">
+                <a16:creationId xmlns:a16="http://schemas.microsoft.com/office/drawing/2014/main" id="{6B402DB5-8D90-B645-AB40-1712F7D48332}"/>
+              </a:ext>
+            </a:extLst>
+          </p:cNvPr>
+          <p:cNvCxnSpPr/>
+          <p:nvPr/>
+        </p:nvCxnSpPr>
+        <p:spPr>
+          <a:xfrm>
+            <a:off x="4350697" y="1386668"/>
+            <a:ext cx="17353" cy="5242732"/>
+          </a:xfrm>
+          <a:prstGeom prst="line">
+            <a:avLst/>
+          </a:prstGeom>
+        </p:spPr>
+        <p:style>
+          <a:lnRef idx="1">
+            <a:schemeClr val="accent1"/>
+          </a:lnRef>
+          <a:fillRef idx="0">
+            <a:schemeClr val="accent1"/>
+          </a:fillRef>
+          <a:effectRef idx="0">
+            <a:schemeClr val="accent1"/>
+          </a:effectRef>
+          <a:fontRef idx="minor">
+            <a:schemeClr val="tx1"/>
+          </a:fontRef>
+        </p:style>
+      </p:cxnSp>
     </p:spTree>
     <p:extLst>
       <p:ext uri="{BB962C8B-B14F-4D97-AF65-F5344CB8AC3E}">
@@ -10323,6 +10459,43 @@
                 <a:cs typeface="Arial" panose="020B0604020202020204" pitchFamily="34" charset="0"/>
               </a:rPr>
               <a:t>最终一致性</a:t>
+            </a:r>
+            <a:endParaRPr lang="en-US" altLang="zh-CN" sz="1600" dirty="0">
+              <a:solidFill>
+                <a:schemeClr val="tx1">
+                  <a:lumMod val="65000"/>
+                  <a:lumOff val="35000"/>
+                </a:schemeClr>
+              </a:solidFill>
+              <a:latin typeface="Microsoft YaHei UI" panose="020B0503020204020204" pitchFamily="34" charset="-122"/>
+              <a:ea typeface="Microsoft YaHei UI" panose="020B0503020204020204" pitchFamily="34" charset="-122"/>
+              <a:cs typeface="Arial" panose="020B0604020202020204" pitchFamily="34" charset="0"/>
+            </a:endParaRPr>
+          </a:p>
+          <a:p>
+            <a:pPr marL="800100" lvl="1" indent="-342900">
+              <a:spcBef>
+                <a:spcPts val="500"/>
+              </a:spcBef>
+              <a:spcAft>
+                <a:spcPts val="1200"/>
+              </a:spcAft>
+              <a:buFont typeface="Arial" panose="020B0604020202020204" pitchFamily="34" charset="0"/>
+              <a:buAutoNum type="arabicPeriod"/>
+            </a:pPr>
+            <a:r>
+              <a:rPr lang="zh-CN" altLang="en-US" sz="1600" dirty="0">
+                <a:solidFill>
+                  <a:schemeClr val="tx1">
+                    <a:lumMod val="65000"/>
+                    <a:lumOff val="35000"/>
+                  </a:schemeClr>
+                </a:solidFill>
+                <a:latin typeface="Microsoft YaHei UI" panose="020B0503020204020204" pitchFamily="34" charset="-122"/>
+                <a:ea typeface="Microsoft YaHei UI" panose="020B0503020204020204" pitchFamily="34" charset="-122"/>
+                <a:cs typeface="Arial" panose="020B0604020202020204" pitchFamily="34" charset="0"/>
+              </a:rPr>
+              <a:t>新增机房流量重平衡</a:t>
             </a:r>
             <a:endParaRPr lang="en-US" altLang="zh-CN" sz="1600" dirty="0">
               <a:solidFill>

--- a/job/me/个人介绍.pptx
+++ b/job/me/个人介绍.pptx
@@ -19,13 +19,13 @@
     <p:sldId id="288" r:id="rId7"/>
     <p:sldId id="278" r:id="rId8"/>
     <p:sldId id="279" r:id="rId9"/>
-    <p:sldId id="284" r:id="rId10"/>
-    <p:sldId id="286" r:id="rId11"/>
-    <p:sldId id="277" r:id="rId12"/>
-    <p:sldId id="280" r:id="rId13"/>
-    <p:sldId id="281" r:id="rId14"/>
-    <p:sldId id="282" r:id="rId15"/>
-    <p:sldId id="287" r:id="rId16"/>
+    <p:sldId id="289" r:id="rId10"/>
+    <p:sldId id="284" r:id="rId11"/>
+    <p:sldId id="286" r:id="rId12"/>
+    <p:sldId id="277" r:id="rId13"/>
+    <p:sldId id="280" r:id="rId14"/>
+    <p:sldId id="281" r:id="rId15"/>
+    <p:sldId id="282" r:id="rId16"/>
     <p:sldId id="285" r:id="rId17"/>
   </p:sldIdLst>
   <p:sldSz cx="12192000" cy="6858000"/>
@@ -142,13 +142,13 @@
             <p14:sldId id="288"/>
             <p14:sldId id="278"/>
             <p14:sldId id="279"/>
+            <p14:sldId id="289"/>
             <p14:sldId id="284"/>
             <p14:sldId id="286"/>
             <p14:sldId id="277"/>
             <p14:sldId id="280"/>
             <p14:sldId id="281"/>
             <p14:sldId id="282"/>
-            <p14:sldId id="287"/>
             <p14:sldId id="285"/>
           </p14:sldIdLst>
         </p14:section>
@@ -284,7 +284,7 @@
                 <a:latin typeface="Microsoft YaHei UI" panose="020B0503020204020204" pitchFamily="34" charset="-122"/>
                 <a:ea typeface="Microsoft YaHei UI" panose="020B0503020204020204" pitchFamily="34" charset="-122"/>
               </a:rPr>
-              <a:t>2022年1月9日 Sunday</a:t>
+              <a:t>2022年1月15日</a:t>
             </a:fld>
             <a:endParaRPr lang="zh-CN" altLang="en-US" dirty="0">
               <a:latin typeface="Microsoft YaHei UI" panose="020B0503020204020204" pitchFamily="34" charset="-122"/>
@@ -481,7 +481,7 @@
             <a:fld id="{70747F27-0AFF-49DE-ABD2-AA502995B8AE}" type="datetime2">
               <a:rPr lang="zh-CN" altLang="en-US" smtClean="0"/>
               <a:pPr/>
-              <a:t>2022年1月9日 Sunday</a:t>
+              <a:t>2022年1月15日</a:t>
             </a:fld>
             <a:endParaRPr lang="en-US" dirty="0"/>
           </a:p>
@@ -889,13 +889,12 @@
         </p:nvSpPr>
         <p:spPr/>
         <p:txBody>
-          <a:bodyPr rtlCol="0"/>
+          <a:bodyPr/>
           <a:lstStyle/>
           <a:p>
-            <a:pPr rtl="0"/>
-            <a:r>
-              <a:rPr lang="zh-CN" altLang="en-US" dirty="0"/>
-              <a:t>每个方向挑一个项目介绍</a:t>
+            <a:r>
+              <a:rPr kumimoji="1" lang="zh-CN" altLang="en-US" dirty="0"/>
+              <a:t>要控制成本</a:t>
             </a:r>
           </a:p>
         </p:txBody>
@@ -907,27 +906,27 @@
             <a:spLocks noGrp="1"/>
           </p:cNvSpPr>
           <p:nvPr>
-            <p:ph type="sldNum" sz="quarter" idx="10"/>
+            <p:ph type="sldNum" sz="quarter" idx="5"/>
           </p:nvPr>
         </p:nvSpPr>
         <p:spPr/>
         <p:txBody>
-          <a:bodyPr rtlCol="0"/>
+          <a:bodyPr/>
           <a:lstStyle/>
           <a:p>
-            <a:pPr rtl="0"/>
             <a:fld id="{DF61EA0F-A667-4B49-8422-0062BC55E249}" type="slidenum">
               <a:rPr lang="en-US" smtClean="0"/>
+              <a:pPr/>
               <a:t>10</a:t>
             </a:fld>
-            <a:endParaRPr lang="en-US"/>
+            <a:endParaRPr lang="en-US" dirty="0"/>
           </a:p>
         </p:txBody>
       </p:sp>
     </p:spTree>
     <p:extLst>
       <p:ext uri="{BB962C8B-B14F-4D97-AF65-F5344CB8AC3E}">
-        <p14:creationId xmlns:p14="http://schemas.microsoft.com/office/powerpoint/2010/main" val="2321499265"/>
+        <p14:creationId xmlns:p14="http://schemas.microsoft.com/office/powerpoint/2010/main" val="36205474"/>
       </p:ext>
     </p:extLst>
   </p:cSld>
@@ -978,6 +977,95 @@
         </p:nvSpPr>
         <p:spPr/>
         <p:txBody>
+          <a:bodyPr rtlCol="0"/>
+          <a:lstStyle/>
+          <a:p>
+            <a:pPr rtl="0"/>
+            <a:r>
+              <a:rPr lang="zh-CN" altLang="en-US" dirty="0"/>
+              <a:t>每个方向挑一个项目介绍</a:t>
+            </a:r>
+          </a:p>
+        </p:txBody>
+      </p:sp>
+      <p:sp>
+        <p:nvSpPr>
+          <p:cNvPr id="4" name="灯片编号占位符 3"/>
+          <p:cNvSpPr>
+            <a:spLocks noGrp="1"/>
+          </p:cNvSpPr>
+          <p:nvPr>
+            <p:ph type="sldNum" sz="quarter" idx="10"/>
+          </p:nvPr>
+        </p:nvSpPr>
+        <p:spPr/>
+        <p:txBody>
+          <a:bodyPr rtlCol="0"/>
+          <a:lstStyle/>
+          <a:p>
+            <a:pPr rtl="0"/>
+            <a:fld id="{DF61EA0F-A667-4B49-8422-0062BC55E249}" type="slidenum">
+              <a:rPr lang="en-US" smtClean="0"/>
+              <a:t>11</a:t>
+            </a:fld>
+            <a:endParaRPr lang="en-US"/>
+          </a:p>
+        </p:txBody>
+      </p:sp>
+    </p:spTree>
+    <p:extLst>
+      <p:ext uri="{BB962C8B-B14F-4D97-AF65-F5344CB8AC3E}">
+        <p14:creationId xmlns:p14="http://schemas.microsoft.com/office/powerpoint/2010/main" val="2321499265"/>
+      </p:ext>
+    </p:extLst>
+  </p:cSld>
+  <p:clrMapOvr>
+    <a:masterClrMapping/>
+  </p:clrMapOvr>
+</p:notes>
+</file>
+
+<file path=ppt/notesSlides/notesSlide12.xml><?xml version="1.0" encoding="utf-8"?>
+<p:notes xmlns:a="http://schemas.openxmlformats.org/drawingml/2006/main" xmlns:r="http://schemas.openxmlformats.org/officeDocument/2006/relationships" xmlns:p="http://schemas.openxmlformats.org/presentationml/2006/main">
+  <p:cSld>
+    <p:spTree>
+      <p:nvGrpSpPr>
+        <p:cNvPr id="1" name=""/>
+        <p:cNvGrpSpPr/>
+        <p:nvPr/>
+      </p:nvGrpSpPr>
+      <p:grpSpPr>
+        <a:xfrm>
+          <a:off x="0" y="0"/>
+          <a:ext cx="0" cy="0"/>
+          <a:chOff x="0" y="0"/>
+          <a:chExt cx="0" cy="0"/>
+        </a:xfrm>
+      </p:grpSpPr>
+      <p:sp>
+        <p:nvSpPr>
+          <p:cNvPr id="2" name="幻灯片图像占位符 1"/>
+          <p:cNvSpPr>
+            <a:spLocks noGrp="1" noRot="1" noChangeAspect="1"/>
+          </p:cNvSpPr>
+          <p:nvPr>
+            <p:ph type="sldImg"/>
+          </p:nvPr>
+        </p:nvSpPr>
+        <p:spPr/>
+      </p:sp>
+      <p:sp>
+        <p:nvSpPr>
+          <p:cNvPr id="3" name="备注占位符 2"/>
+          <p:cNvSpPr>
+            <a:spLocks noGrp="1"/>
+          </p:cNvSpPr>
+          <p:nvPr>
+            <p:ph type="body" idx="1"/>
+          </p:nvPr>
+        </p:nvSpPr>
+        <p:spPr/>
+        <p:txBody>
           <a:bodyPr/>
           <a:lstStyle/>
           <a:p>
@@ -1006,7 +1094,7 @@
             <a:fld id="{DF61EA0F-A667-4B49-8422-0062BC55E249}" type="slidenum">
               <a:rPr lang="en-US" smtClean="0"/>
               <a:pPr/>
-              <a:t>11</a:t>
+              <a:t>12</a:t>
             </a:fld>
             <a:endParaRPr lang="en-US" dirty="0"/>
           </a:p>
@@ -1716,7 +1804,7 @@
     </p:spTree>
     <p:extLst>
       <p:ext uri="{BB962C8B-B14F-4D97-AF65-F5344CB8AC3E}">
-        <p14:creationId xmlns:p14="http://schemas.microsoft.com/office/powerpoint/2010/main" val="36205474"/>
+        <p14:creationId xmlns:p14="http://schemas.microsoft.com/office/powerpoint/2010/main" val="907172180"/>
       </p:ext>
     </p:extLst>
   </p:cSld>
@@ -2099,7 +2187,7 @@
             <a:fld id="{94B3CDE5-BC73-4849-8D92-CB00948283D7}" type="datetime2">
               <a:rPr lang="zh-CN" altLang="en-US" smtClean="0"/>
               <a:pPr/>
-              <a:t>2022年1月9日 Sunday</a:t>
+              <a:t>2022年1月15日</a:t>
             </a:fld>
             <a:endParaRPr lang="en-US"/>
           </a:p>
@@ -2342,7 +2430,7 @@
             <a:fld id="{131E3292-D461-4042-A5EB-629C7A8279A7}" type="datetime2">
               <a:rPr lang="zh-CN" altLang="en-US" smtClean="0"/>
               <a:pPr/>
-              <a:t>2022年1月9日 Sunday</a:t>
+              <a:t>2022年1月15日</a:t>
             </a:fld>
             <a:endParaRPr lang="zh-CN" altLang="en-US" dirty="0"/>
           </a:p>
@@ -2928,6 +3016,126 @@
       </p:grpSpPr>
       <p:sp>
         <p:nvSpPr>
+          <p:cNvPr id="2" name="标题 1">
+            <a:extLst>
+              <a:ext uri="{FF2B5EF4-FFF2-40B4-BE49-F238E27FC236}">
+                <a16:creationId xmlns:a16="http://schemas.microsoft.com/office/drawing/2014/main" id="{3920C9D1-E3BD-AC4C-8DEF-AFCBAB41DD68}"/>
+              </a:ext>
+            </a:extLst>
+          </p:cNvPr>
+          <p:cNvSpPr>
+            <a:spLocks noGrp="1"/>
+          </p:cNvSpPr>
+          <p:nvPr>
+            <p:ph type="title"/>
+          </p:nvPr>
+        </p:nvSpPr>
+        <p:spPr>
+          <a:xfrm>
+            <a:off x="604434" y="0"/>
+            <a:ext cx="5328015" cy="1208868"/>
+          </a:xfrm>
+        </p:spPr>
+        <p:txBody>
+          <a:bodyPr/>
+          <a:lstStyle/>
+          <a:p>
+            <a:r>
+              <a:rPr lang="zh-CN" altLang="en-US" dirty="0">
+                <a:cs typeface="Arial" panose="020B0604020202020204" pitchFamily="34" charset="0"/>
+              </a:rPr>
+              <a:t>多活架构搭建</a:t>
+            </a:r>
+            <a:endParaRPr kumimoji="1" lang="zh-CN" altLang="en-US" dirty="0"/>
+          </a:p>
+        </p:txBody>
+      </p:sp>
+      <p:sp>
+        <p:nvSpPr>
+          <p:cNvPr id="4" name="矩形 3">
+            <a:extLst>
+              <a:ext uri="{FF2B5EF4-FFF2-40B4-BE49-F238E27FC236}">
+                <a16:creationId xmlns:a16="http://schemas.microsoft.com/office/drawing/2014/main" id="{408C0EB1-4BB8-414D-A2F4-84B7A7931A9B}"/>
+              </a:ext>
+            </a:extLst>
+          </p:cNvPr>
+          <p:cNvSpPr/>
+          <p:nvPr/>
+        </p:nvSpPr>
+        <p:spPr>
+          <a:xfrm>
+            <a:off x="10315425" y="562537"/>
+            <a:ext cx="2031325" cy="646331"/>
+          </a:xfrm>
+          <a:prstGeom prst="rect">
+            <a:avLst/>
+          </a:prstGeom>
+        </p:spPr>
+        <p:txBody>
+          <a:bodyPr vert="horz" lIns="91440" tIns="45720" rIns="91440" bIns="45720" rtlCol="0" anchor="b">
+            <a:normAutofit/>
+          </a:bodyPr>
+          <a:lstStyle/>
+          <a:p>
+            <a:pPr>
+              <a:spcBef>
+                <a:spcPct val="0"/>
+              </a:spcBef>
+            </a:pPr>
+            <a:r>
+              <a:rPr lang="zh-CN" altLang="en-US" sz="2000" dirty="0">
+                <a:solidFill>
+                  <a:schemeClr val="bg1"/>
+                </a:solidFill>
+                <a:latin typeface="Microsoft YaHei UI" panose="020B0503020204020204" pitchFamily="34" charset="-122"/>
+                <a:ea typeface="Microsoft YaHei UI" panose="020B0503020204020204" pitchFamily="34" charset="-122"/>
+                <a:cs typeface="Arial" panose="020B0604020202020204" pitchFamily="34" charset="0"/>
+              </a:rPr>
+              <a:t>用户分片</a:t>
+            </a:r>
+            <a:endParaRPr lang="en-US" altLang="zh-CN" sz="2000" dirty="0">
+              <a:solidFill>
+                <a:schemeClr val="bg1"/>
+              </a:solidFill>
+              <a:latin typeface="Microsoft YaHei UI" panose="020B0503020204020204" pitchFamily="34" charset="-122"/>
+              <a:ea typeface="Microsoft YaHei UI" panose="020B0503020204020204" pitchFamily="34" charset="-122"/>
+              <a:cs typeface="Arial" panose="020B0604020202020204" pitchFamily="34" charset="0"/>
+            </a:endParaRPr>
+          </a:p>
+        </p:txBody>
+      </p:sp>
+    </p:spTree>
+    <p:extLst>
+      <p:ext uri="{BB962C8B-B14F-4D97-AF65-F5344CB8AC3E}">
+        <p14:creationId xmlns:p14="http://schemas.microsoft.com/office/powerpoint/2010/main" val="2735571422"/>
+      </p:ext>
+    </p:extLst>
+  </p:cSld>
+  <p:clrMapOvr>
+    <a:masterClrMapping/>
+  </p:clrMapOvr>
+</p:sld>
+</file>
+
+<file path=ppt/slides/slide11.xml><?xml version="1.0" encoding="utf-8"?>
+<p:sld xmlns:a="http://schemas.openxmlformats.org/drawingml/2006/main" xmlns:r="http://schemas.openxmlformats.org/officeDocument/2006/relationships" xmlns:p="http://schemas.openxmlformats.org/presentationml/2006/main">
+  <p:cSld>
+    <p:spTree>
+      <p:nvGrpSpPr>
+        <p:cNvPr id="1" name=""/>
+        <p:cNvGrpSpPr/>
+        <p:nvPr/>
+      </p:nvGrpSpPr>
+      <p:grpSpPr>
+        <a:xfrm>
+          <a:off x="0" y="0"/>
+          <a:ext cx="0" cy="0"/>
+          <a:chOff x="0" y="0"/>
+          <a:chExt cx="0" cy="0"/>
+        </a:xfrm>
+      </p:grpSpPr>
+      <p:sp>
+        <p:nvSpPr>
           <p:cNvPr id="2" name="标题 1"/>
           <p:cNvSpPr>
             <a:spLocks noGrp="1"/>
@@ -3040,7 +3248,7 @@
 </p:sld>
 </file>
 
-<file path=ppt/slides/slide11.xml><?xml version="1.0" encoding="utf-8"?>
+<file path=ppt/slides/slide12.xml><?xml version="1.0" encoding="utf-8"?>
 <p:sld xmlns:a="http://schemas.openxmlformats.org/drawingml/2006/main" xmlns:r="http://schemas.openxmlformats.org/officeDocument/2006/relationships" xmlns:p="http://schemas.openxmlformats.org/presentationml/2006/main">
   <p:cSld>
     <p:spTree>
@@ -3392,7 +3600,7 @@
 </p:sld>
 </file>
 
-<file path=ppt/slides/slide12.xml><?xml version="1.0" encoding="utf-8"?>
+<file path=ppt/slides/slide13.xml><?xml version="1.0" encoding="utf-8"?>
 <p:sld xmlns:a="http://schemas.openxmlformats.org/drawingml/2006/main" xmlns:r="http://schemas.openxmlformats.org/officeDocument/2006/relationships" xmlns:p="http://schemas.openxmlformats.org/presentationml/2006/main">
   <p:cSld>
     <p:spTree>
@@ -6028,7 +6236,7 @@
 </p:sld>
 </file>
 
-<file path=ppt/slides/slide13.xml><?xml version="1.0" encoding="utf-8"?>
+<file path=ppt/slides/slide14.xml><?xml version="1.0" encoding="utf-8"?>
 <p:sld xmlns:a="http://schemas.openxmlformats.org/drawingml/2006/main" xmlns:r="http://schemas.openxmlformats.org/officeDocument/2006/relationships" xmlns:p="http://schemas.openxmlformats.org/presentationml/2006/main">
   <p:cSld>
     <p:spTree>
@@ -7484,7 +7692,7 @@
 </p:sld>
 </file>
 
-<file path=ppt/slides/slide14.xml><?xml version="1.0" encoding="utf-8"?>
+<file path=ppt/slides/slide15.xml><?xml version="1.0" encoding="utf-8"?>
 <p:sld xmlns:a="http://schemas.openxmlformats.org/drawingml/2006/main" xmlns:r="http://schemas.openxmlformats.org/officeDocument/2006/relationships" xmlns:p="http://schemas.openxmlformats.org/presentationml/2006/main">
   <p:cSld>
     <p:spTree>
@@ -7984,433 +8192,6 @@
     <p:extLst>
       <p:ext uri="{BB962C8B-B14F-4D97-AF65-F5344CB8AC3E}">
         <p14:creationId xmlns:p14="http://schemas.microsoft.com/office/powerpoint/2010/main" val="744775428"/>
-      </p:ext>
-    </p:extLst>
-  </p:cSld>
-  <p:clrMapOvr>
-    <a:masterClrMapping/>
-  </p:clrMapOvr>
-</p:sld>
-</file>
-
-<file path=ppt/slides/slide15.xml><?xml version="1.0" encoding="utf-8"?>
-<p:sld xmlns:a="http://schemas.openxmlformats.org/drawingml/2006/main" xmlns:r="http://schemas.openxmlformats.org/officeDocument/2006/relationships" xmlns:p="http://schemas.openxmlformats.org/presentationml/2006/main">
-  <p:cSld>
-    <p:spTree>
-      <p:nvGrpSpPr>
-        <p:cNvPr id="1" name=""/>
-        <p:cNvGrpSpPr/>
-        <p:nvPr/>
-      </p:nvGrpSpPr>
-      <p:grpSpPr>
-        <a:xfrm>
-          <a:off x="0" y="0"/>
-          <a:ext cx="0" cy="0"/>
-          <a:chOff x="0" y="0"/>
-          <a:chExt cx="0" cy="0"/>
-        </a:xfrm>
-      </p:grpSpPr>
-      <p:sp>
-        <p:nvSpPr>
-          <p:cNvPr id="2" name="标题 1">
-            <a:extLst>
-              <a:ext uri="{FF2B5EF4-FFF2-40B4-BE49-F238E27FC236}">
-                <a16:creationId xmlns:a16="http://schemas.microsoft.com/office/drawing/2014/main" id="{A8C03519-6965-274C-BFB9-F99AF25486EC}"/>
-              </a:ext>
-            </a:extLst>
-          </p:cNvPr>
-          <p:cNvSpPr>
-            <a:spLocks noGrp="1"/>
-          </p:cNvSpPr>
-          <p:nvPr>
-            <p:ph type="title"/>
-          </p:nvPr>
-        </p:nvSpPr>
-        <p:spPr/>
-        <p:txBody>
-          <a:bodyPr/>
-          <a:lstStyle/>
-          <a:p>
-            <a:r>
-              <a:rPr kumimoji="1" lang="zh-CN" altLang="en-US" dirty="0">
-                <a:cs typeface="Arial" panose="020B0604020202020204" pitchFamily="34" charset="0"/>
-              </a:rPr>
-              <a:t>微服务框架</a:t>
-            </a:r>
-            <a:endParaRPr kumimoji="1" lang="zh-CN" altLang="en-US" dirty="0"/>
-          </a:p>
-        </p:txBody>
-      </p:sp>
-      <p:sp>
-        <p:nvSpPr>
-          <p:cNvPr id="7" name="文本框 6">
-            <a:extLst>
-              <a:ext uri="{FF2B5EF4-FFF2-40B4-BE49-F238E27FC236}">
-                <a16:creationId xmlns:a16="http://schemas.microsoft.com/office/drawing/2014/main" id="{FB8D6B43-A98C-0441-B3B9-A4F4FF059D96}"/>
-              </a:ext>
-            </a:extLst>
-          </p:cNvPr>
-          <p:cNvSpPr txBox="1"/>
-          <p:nvPr/>
-        </p:nvSpPr>
-        <p:spPr>
-          <a:xfrm>
-            <a:off x="9865722" y="812801"/>
-            <a:ext cx="2416046" cy="369332"/>
-          </a:xfrm>
-          <a:prstGeom prst="rect">
-            <a:avLst/>
-          </a:prstGeom>
-          <a:noFill/>
-        </p:spPr>
-        <p:txBody>
-          <a:bodyPr wrap="none" rtlCol="0">
-            <a:spAutoFit/>
-          </a:bodyPr>
-          <a:lstStyle/>
-          <a:p>
-            <a:r>
-              <a:rPr kumimoji="1" lang="zh-CN" altLang="en-US" dirty="0"/>
-              <a:t>服务治理与流量调度 </a:t>
-            </a:r>
-          </a:p>
-        </p:txBody>
-      </p:sp>
-      <p:sp>
-        <p:nvSpPr>
-          <p:cNvPr id="12" name="矩形 11">
-            <a:extLst>
-              <a:ext uri="{FF2B5EF4-FFF2-40B4-BE49-F238E27FC236}">
-                <a16:creationId xmlns:a16="http://schemas.microsoft.com/office/drawing/2014/main" id="{99D7B3C2-67C5-8841-9B2D-78C763B0EAD2}"/>
-              </a:ext>
-            </a:extLst>
-          </p:cNvPr>
-          <p:cNvSpPr/>
-          <p:nvPr/>
-        </p:nvSpPr>
-        <p:spPr>
-          <a:xfrm>
-            <a:off x="523751" y="1695748"/>
-            <a:ext cx="4706171" cy="3993852"/>
-          </a:xfrm>
-          <a:prstGeom prst="rect">
-            <a:avLst/>
-          </a:prstGeom>
-        </p:spPr>
-        <p:txBody>
-          <a:bodyPr vert="horz" lIns="91440" tIns="45720" rIns="91440" bIns="45720" rtlCol="0">
-            <a:noAutofit/>
-          </a:bodyPr>
-          <a:lstStyle/>
-          <a:p>
-            <a:pPr>
-              <a:lnSpc>
-                <a:spcPct val="150000"/>
-              </a:lnSpc>
-              <a:spcBef>
-                <a:spcPts val="500"/>
-              </a:spcBef>
-              <a:spcAft>
-                <a:spcPts val="1200"/>
-              </a:spcAft>
-            </a:pPr>
-            <a:r>
-              <a:rPr lang="zh-CN" altLang="en-US" sz="1600" dirty="0">
-                <a:solidFill>
-                  <a:schemeClr val="tx1">
-                    <a:lumMod val="65000"/>
-                    <a:lumOff val="35000"/>
-                  </a:schemeClr>
-                </a:solidFill>
-                <a:latin typeface="Microsoft YaHei UI" panose="020B0503020204020204" pitchFamily="34" charset="-122"/>
-                <a:ea typeface="Microsoft YaHei UI" panose="020B0503020204020204" pitchFamily="34" charset="-122"/>
-                <a:cs typeface="Arial" panose="020B0604020202020204" pitchFamily="34" charset="0"/>
-              </a:rPr>
-              <a:t>特性：</a:t>
-            </a:r>
-            <a:endParaRPr lang="en-US" altLang="zh-CN" sz="1600" dirty="0">
-              <a:solidFill>
-                <a:schemeClr val="tx1">
-                  <a:lumMod val="65000"/>
-                  <a:lumOff val="35000"/>
-                </a:schemeClr>
-              </a:solidFill>
-              <a:latin typeface="Microsoft YaHei UI" panose="020B0503020204020204" pitchFamily="34" charset="-122"/>
-              <a:ea typeface="Microsoft YaHei UI" panose="020B0503020204020204" pitchFamily="34" charset="-122"/>
-              <a:cs typeface="Arial" panose="020B0604020202020204" pitchFamily="34" charset="0"/>
-            </a:endParaRPr>
-          </a:p>
-          <a:p>
-            <a:pPr marL="800100" lvl="1" indent="-342900">
-              <a:spcBef>
-                <a:spcPts val="500"/>
-              </a:spcBef>
-              <a:spcAft>
-                <a:spcPts val="1200"/>
-              </a:spcAft>
-              <a:buFont typeface="Arial" panose="020B0604020202020204" pitchFamily="34" charset="0"/>
-              <a:buAutoNum type="arabicPeriod"/>
-            </a:pPr>
-            <a:r>
-              <a:rPr lang="zh-CN" altLang="en-US" sz="1600" dirty="0">
-                <a:solidFill>
-                  <a:schemeClr val="tx1">
-                    <a:lumMod val="65000"/>
-                    <a:lumOff val="35000"/>
-                  </a:schemeClr>
-                </a:solidFill>
-                <a:latin typeface="Microsoft YaHei UI" panose="020B0503020204020204" pitchFamily="34" charset="-122"/>
-                <a:ea typeface="Microsoft YaHei UI" panose="020B0503020204020204" pitchFamily="34" charset="-122"/>
-                <a:cs typeface="Arial" panose="020B0604020202020204" pitchFamily="34" charset="0"/>
-                <a:sym typeface="Arial" panose="020B0604020202020204"/>
-              </a:rPr>
-              <a:t>请求</a:t>
-            </a:r>
-            <a:r>
-              <a:rPr lang="en-US" altLang="zh-CN" sz="1600" dirty="0" err="1">
-                <a:solidFill>
-                  <a:schemeClr val="tx1">
-                    <a:lumMod val="65000"/>
-                    <a:lumOff val="35000"/>
-                  </a:schemeClr>
-                </a:solidFill>
-                <a:latin typeface="Microsoft YaHei UI" panose="020B0503020204020204" pitchFamily="34" charset="-122"/>
-                <a:ea typeface="Microsoft YaHei UI" panose="020B0503020204020204" pitchFamily="34" charset="-122"/>
-                <a:cs typeface="Arial" panose="020B0604020202020204" pitchFamily="34" charset="0"/>
-                <a:sym typeface="Arial" panose="020B0604020202020204"/>
-              </a:rPr>
-              <a:t>认证</a:t>
-            </a:r>
-            <a:endParaRPr lang="en-US" altLang="zh-CN" sz="1600" dirty="0">
-              <a:solidFill>
-                <a:schemeClr val="tx1">
-                  <a:lumMod val="65000"/>
-                  <a:lumOff val="35000"/>
-                </a:schemeClr>
-              </a:solidFill>
-              <a:latin typeface="Microsoft YaHei UI" panose="020B0503020204020204" pitchFamily="34" charset="-122"/>
-              <a:ea typeface="Microsoft YaHei UI" panose="020B0503020204020204" pitchFamily="34" charset="-122"/>
-              <a:cs typeface="Arial" panose="020B0604020202020204" pitchFamily="34" charset="0"/>
-              <a:sym typeface="Arial" panose="020B0604020202020204"/>
-            </a:endParaRPr>
-          </a:p>
-          <a:p>
-            <a:pPr marL="800100" lvl="1" indent="-342900">
-              <a:spcBef>
-                <a:spcPts val="500"/>
-              </a:spcBef>
-              <a:spcAft>
-                <a:spcPts val="1200"/>
-              </a:spcAft>
-              <a:buFont typeface="Arial" panose="020B0604020202020204" pitchFamily="34" charset="0"/>
-              <a:buAutoNum type="arabicPeriod"/>
-            </a:pPr>
-            <a:r>
-              <a:rPr lang="zh-CN" altLang="en-US" sz="1600" dirty="0">
-                <a:solidFill>
-                  <a:schemeClr val="tx1">
-                    <a:lumMod val="65000"/>
-                    <a:lumOff val="35000"/>
-                  </a:schemeClr>
-                </a:solidFill>
-                <a:latin typeface="Microsoft YaHei UI" panose="020B0503020204020204" pitchFamily="34" charset="-122"/>
-                <a:ea typeface="Microsoft YaHei UI" panose="020B0503020204020204" pitchFamily="34" charset="-122"/>
-                <a:cs typeface="Arial" panose="020B0604020202020204" pitchFamily="34" charset="0"/>
-              </a:rPr>
-              <a:t>降级熔断</a:t>
-            </a:r>
-          </a:p>
-          <a:p>
-            <a:pPr marL="800100" lvl="1" indent="-342900">
-              <a:spcBef>
-                <a:spcPts val="500"/>
-              </a:spcBef>
-              <a:spcAft>
-                <a:spcPts val="1200"/>
-              </a:spcAft>
-              <a:buFont typeface="Arial" panose="020B0604020202020204" pitchFamily="34" charset="0"/>
-              <a:buAutoNum type="arabicPeriod"/>
-            </a:pPr>
-            <a:r>
-              <a:rPr lang="zh-CN" altLang="en-US" sz="1600" dirty="0">
-                <a:solidFill>
-                  <a:schemeClr val="tx1">
-                    <a:lumMod val="65000"/>
-                    <a:lumOff val="35000"/>
-                  </a:schemeClr>
-                </a:solidFill>
-                <a:latin typeface="Microsoft YaHei UI" panose="020B0503020204020204" pitchFamily="34" charset="-122"/>
-                <a:ea typeface="Microsoft YaHei UI" panose="020B0503020204020204" pitchFamily="34" charset="-122"/>
-                <a:cs typeface="Arial" panose="020B0604020202020204" pitchFamily="34" charset="0"/>
-              </a:rPr>
-              <a:t>服务限流</a:t>
-            </a:r>
-            <a:endParaRPr lang="en-US" altLang="zh-CN" sz="1600" dirty="0">
-              <a:solidFill>
-                <a:schemeClr val="tx1">
-                  <a:lumMod val="65000"/>
-                  <a:lumOff val="35000"/>
-                </a:schemeClr>
-              </a:solidFill>
-              <a:latin typeface="Microsoft YaHei UI" panose="020B0503020204020204" pitchFamily="34" charset="-122"/>
-              <a:ea typeface="Microsoft YaHei UI" panose="020B0503020204020204" pitchFamily="34" charset="-122"/>
-              <a:cs typeface="Arial" panose="020B0604020202020204" pitchFamily="34" charset="0"/>
-            </a:endParaRPr>
-          </a:p>
-          <a:p>
-            <a:pPr marL="800100" lvl="1" indent="-342900">
-              <a:spcBef>
-                <a:spcPts val="500"/>
-              </a:spcBef>
-              <a:spcAft>
-                <a:spcPts val="1200"/>
-              </a:spcAft>
-              <a:buFont typeface="Arial" panose="020B0604020202020204" pitchFamily="34" charset="0"/>
-              <a:buAutoNum type="arabicPeriod"/>
-            </a:pPr>
-            <a:r>
-              <a:rPr lang="zh-CN" altLang="en-US" sz="1600" dirty="0">
-                <a:solidFill>
-                  <a:schemeClr val="tx1">
-                    <a:lumMod val="65000"/>
-                    <a:lumOff val="35000"/>
-                  </a:schemeClr>
-                </a:solidFill>
-                <a:latin typeface="Microsoft YaHei UI" panose="020B0503020204020204" pitchFamily="34" charset="-122"/>
-                <a:ea typeface="Microsoft YaHei UI" panose="020B0503020204020204" pitchFamily="34" charset="-122"/>
-                <a:cs typeface="Arial" panose="020B0604020202020204" pitchFamily="34" charset="0"/>
-              </a:rPr>
-              <a:t>日志追踪</a:t>
-            </a:r>
-            <a:endParaRPr lang="en-US" altLang="zh-CN" sz="1600" dirty="0">
-              <a:solidFill>
-                <a:schemeClr val="tx1">
-                  <a:lumMod val="65000"/>
-                  <a:lumOff val="35000"/>
-                </a:schemeClr>
-              </a:solidFill>
-              <a:latin typeface="Microsoft YaHei UI" panose="020B0503020204020204" pitchFamily="34" charset="-122"/>
-              <a:ea typeface="Microsoft YaHei UI" panose="020B0503020204020204" pitchFamily="34" charset="-122"/>
-              <a:cs typeface="Arial" panose="020B0604020202020204" pitchFamily="34" charset="0"/>
-            </a:endParaRPr>
-          </a:p>
-          <a:p>
-            <a:pPr marL="800100" lvl="1" indent="-342900">
-              <a:spcBef>
-                <a:spcPts val="500"/>
-              </a:spcBef>
-              <a:spcAft>
-                <a:spcPts val="1200"/>
-              </a:spcAft>
-              <a:buFont typeface="Arial" panose="020B0604020202020204" pitchFamily="34" charset="0"/>
-              <a:buAutoNum type="arabicPeriod"/>
-            </a:pPr>
-            <a:r>
-              <a:rPr lang="zh-CN" altLang="en-US" sz="1600" dirty="0">
-                <a:solidFill>
-                  <a:schemeClr val="tx1">
-                    <a:lumMod val="65000"/>
-                    <a:lumOff val="35000"/>
-                  </a:schemeClr>
-                </a:solidFill>
-                <a:latin typeface="Microsoft YaHei UI" panose="020B0503020204020204" pitchFamily="34" charset="-122"/>
-                <a:ea typeface="Microsoft YaHei UI" panose="020B0503020204020204" pitchFamily="34" charset="-122"/>
-                <a:cs typeface="Arial" panose="020B0604020202020204" pitchFamily="34" charset="0"/>
-              </a:rPr>
-              <a:t>事件通知</a:t>
-            </a:r>
-            <a:endParaRPr lang="en-US" altLang="zh-CN" sz="1600" dirty="0">
-              <a:solidFill>
-                <a:schemeClr val="tx1">
-                  <a:lumMod val="65000"/>
-                  <a:lumOff val="35000"/>
-                </a:schemeClr>
-              </a:solidFill>
-              <a:latin typeface="Microsoft YaHei UI" panose="020B0503020204020204" pitchFamily="34" charset="-122"/>
-              <a:ea typeface="Microsoft YaHei UI" panose="020B0503020204020204" pitchFamily="34" charset="-122"/>
-              <a:cs typeface="Arial" panose="020B0604020202020204" pitchFamily="34" charset="0"/>
-            </a:endParaRPr>
-          </a:p>
-          <a:p>
-            <a:pPr marL="800100" lvl="1" indent="-342900">
-              <a:spcBef>
-                <a:spcPts val="500"/>
-              </a:spcBef>
-              <a:spcAft>
-                <a:spcPts val="1200"/>
-              </a:spcAft>
-              <a:buFont typeface="Arial" panose="020B0604020202020204" pitchFamily="34" charset="0"/>
-              <a:buAutoNum type="arabicPeriod"/>
-            </a:pPr>
-            <a:r>
-              <a:rPr lang="zh-CN" altLang="en-US" sz="1600" dirty="0">
-                <a:solidFill>
-                  <a:schemeClr val="tx1">
-                    <a:lumMod val="65000"/>
-                    <a:lumOff val="35000"/>
-                  </a:schemeClr>
-                </a:solidFill>
-                <a:latin typeface="Microsoft YaHei UI" panose="020B0503020204020204" pitchFamily="34" charset="-122"/>
-                <a:ea typeface="Microsoft YaHei UI" panose="020B0503020204020204" pitchFamily="34" charset="-122"/>
-                <a:cs typeface="Arial" panose="020B0604020202020204" pitchFamily="34" charset="0"/>
-              </a:rPr>
-              <a:t>计量度量</a:t>
-            </a:r>
-            <a:endParaRPr lang="en-US" altLang="zh-CN" sz="1600" dirty="0">
-              <a:solidFill>
-                <a:schemeClr val="tx1">
-                  <a:lumMod val="65000"/>
-                  <a:lumOff val="35000"/>
-                </a:schemeClr>
-              </a:solidFill>
-              <a:latin typeface="Microsoft YaHei UI" panose="020B0503020204020204" pitchFamily="34" charset="-122"/>
-              <a:ea typeface="Microsoft YaHei UI" panose="020B0503020204020204" pitchFamily="34" charset="-122"/>
-              <a:cs typeface="Arial" panose="020B0604020202020204" pitchFamily="34" charset="0"/>
-            </a:endParaRPr>
-          </a:p>
-          <a:p>
-            <a:pPr marL="800100" lvl="1" indent="-342900">
-              <a:spcBef>
-                <a:spcPts val="500"/>
-              </a:spcBef>
-              <a:spcAft>
-                <a:spcPts val="1200"/>
-              </a:spcAft>
-              <a:buFont typeface="Arial" panose="020B0604020202020204" pitchFamily="34" charset="0"/>
-              <a:buAutoNum type="arabicPeriod"/>
-            </a:pPr>
-            <a:r>
-              <a:rPr lang="zh-CN" altLang="en-US" sz="1600" dirty="0">
-                <a:solidFill>
-                  <a:schemeClr val="tx1">
-                    <a:lumMod val="65000"/>
-                    <a:lumOff val="35000"/>
-                  </a:schemeClr>
-                </a:solidFill>
-                <a:latin typeface="Microsoft YaHei UI" panose="020B0503020204020204" pitchFamily="34" charset="-122"/>
-                <a:ea typeface="Microsoft YaHei UI" panose="020B0503020204020204" pitchFamily="34" charset="-122"/>
-                <a:cs typeface="Arial" panose="020B0604020202020204" pitchFamily="34" charset="0"/>
-              </a:rPr>
-              <a:t>上下文注入</a:t>
-            </a:r>
-            <a:endParaRPr lang="en-US" altLang="zh-CN" sz="1600" dirty="0">
-              <a:solidFill>
-                <a:schemeClr val="tx1">
-                  <a:lumMod val="65000"/>
-                  <a:lumOff val="35000"/>
-                </a:schemeClr>
-              </a:solidFill>
-              <a:latin typeface="Microsoft YaHei UI" panose="020B0503020204020204" pitchFamily="34" charset="-122"/>
-              <a:ea typeface="Microsoft YaHei UI" panose="020B0503020204020204" pitchFamily="34" charset="-122"/>
-              <a:cs typeface="Arial" panose="020B0604020202020204" pitchFamily="34" charset="0"/>
-            </a:endParaRPr>
-          </a:p>
-        </p:txBody>
-      </p:sp>
-    </p:spTree>
-    <p:extLst>
-      <p:ext uri="{BB962C8B-B14F-4D97-AF65-F5344CB8AC3E}">
-        <p14:creationId xmlns:p14="http://schemas.microsoft.com/office/powerpoint/2010/main" val="557636099"/>
       </p:ext>
     </p:extLst>
   </p:cSld>
@@ -10646,6 +10427,411 @@
           </a:p>
         </p:txBody>
       </p:sp>
+      <p:pic>
+        <p:nvPicPr>
+          <p:cNvPr id="5" name="Picture 4">
+            <a:extLst>
+              <a:ext uri="{FF2B5EF4-FFF2-40B4-BE49-F238E27FC236}">
+                <a16:creationId xmlns:a16="http://schemas.microsoft.com/office/drawing/2014/main" id="{A751D1A6-CDB8-4E71-93FE-25CF741092E7}"/>
+              </a:ext>
+            </a:extLst>
+          </p:cNvPr>
+          <p:cNvPicPr>
+            <a:picLocks noChangeAspect="1"/>
+          </p:cNvPicPr>
+          <p:nvPr/>
+        </p:nvPicPr>
+        <p:blipFill>
+          <a:blip r:embed="rId3"/>
+          <a:stretch>
+            <a:fillRect/>
+          </a:stretch>
+        </p:blipFill>
+        <p:spPr>
+          <a:xfrm>
+            <a:off x="4563122" y="1855118"/>
+            <a:ext cx="7147125" cy="4186460"/>
+          </a:xfrm>
+          <a:prstGeom prst="rect">
+            <a:avLst/>
+          </a:prstGeom>
+        </p:spPr>
+      </p:pic>
+      <p:sp>
+        <p:nvSpPr>
+          <p:cNvPr id="8" name="矩形 2">
+            <a:extLst>
+              <a:ext uri="{FF2B5EF4-FFF2-40B4-BE49-F238E27FC236}">
+                <a16:creationId xmlns:a16="http://schemas.microsoft.com/office/drawing/2014/main" id="{E4016BA0-2124-456F-A285-294FF61372FE}"/>
+              </a:ext>
+            </a:extLst>
+          </p:cNvPr>
+          <p:cNvSpPr/>
+          <p:nvPr/>
+        </p:nvSpPr>
+        <p:spPr>
+          <a:xfrm>
+            <a:off x="523751" y="1695748"/>
+            <a:ext cx="3133849" cy="2911764"/>
+          </a:xfrm>
+          <a:prstGeom prst="rect">
+            <a:avLst/>
+          </a:prstGeom>
+        </p:spPr>
+        <p:txBody>
+          <a:bodyPr vert="horz" lIns="91440" tIns="45720" rIns="91440" bIns="45720" rtlCol="0">
+            <a:noAutofit/>
+          </a:bodyPr>
+          <a:lstStyle/>
+          <a:p>
+            <a:pPr>
+              <a:lnSpc>
+                <a:spcPct val="150000"/>
+              </a:lnSpc>
+              <a:spcBef>
+                <a:spcPts val="500"/>
+              </a:spcBef>
+              <a:spcAft>
+                <a:spcPts val="1200"/>
+              </a:spcAft>
+            </a:pPr>
+            <a:r>
+              <a:rPr lang="zh-CN" altLang="en-US" sz="1100" dirty="0">
+                <a:solidFill>
+                  <a:schemeClr val="tx1">
+                    <a:lumMod val="65000"/>
+                    <a:lumOff val="35000"/>
+                  </a:schemeClr>
+                </a:solidFill>
+                <a:latin typeface="Microsoft YaHei UI" panose="020B0503020204020204" pitchFamily="34" charset="-122"/>
+                <a:ea typeface="Microsoft YaHei UI" panose="020B0503020204020204" pitchFamily="34" charset="-122"/>
+                <a:cs typeface="Arial" panose="020B0604020202020204" pitchFamily="34" charset="0"/>
+              </a:rPr>
+              <a:t>功能特性：</a:t>
+            </a:r>
+            <a:endParaRPr lang="en-US" altLang="zh-CN" sz="1100" dirty="0">
+              <a:solidFill>
+                <a:schemeClr val="tx1">
+                  <a:lumMod val="65000"/>
+                  <a:lumOff val="35000"/>
+                </a:schemeClr>
+              </a:solidFill>
+              <a:latin typeface="Microsoft YaHei UI" panose="020B0503020204020204" pitchFamily="34" charset="-122"/>
+              <a:ea typeface="Microsoft YaHei UI" panose="020B0503020204020204" pitchFamily="34" charset="-122"/>
+              <a:cs typeface="Arial" panose="020B0604020202020204" pitchFamily="34" charset="0"/>
+            </a:endParaRPr>
+          </a:p>
+          <a:p>
+            <a:pPr marL="800100" lvl="1" indent="-342900">
+              <a:spcBef>
+                <a:spcPts val="500"/>
+              </a:spcBef>
+              <a:spcAft>
+                <a:spcPts val="1200"/>
+              </a:spcAft>
+              <a:buFont typeface="Arial" panose="020B0604020202020204" pitchFamily="34" charset="0"/>
+              <a:buAutoNum type="arabicPeriod"/>
+            </a:pPr>
+            <a:r>
+              <a:rPr lang="zh-CN" altLang="en-US" sz="1100" dirty="0">
+                <a:solidFill>
+                  <a:schemeClr val="tx1">
+                    <a:lumMod val="65000"/>
+                    <a:lumOff val="35000"/>
+                  </a:schemeClr>
+                </a:solidFill>
+                <a:latin typeface="Microsoft YaHei UI" panose="020B0503020204020204" pitchFamily="34" charset="-122"/>
+                <a:ea typeface="Microsoft YaHei UI" panose="020B0503020204020204" pitchFamily="34" charset="-122"/>
+                <a:cs typeface="Arial" panose="020B0604020202020204" pitchFamily="34" charset="0"/>
+              </a:rPr>
+              <a:t>网关与</a:t>
+            </a:r>
+            <a:r>
+              <a:rPr lang="en-US" altLang="zh-CN" sz="1100" dirty="0">
+                <a:solidFill>
+                  <a:schemeClr val="tx1">
+                    <a:lumMod val="65000"/>
+                    <a:lumOff val="35000"/>
+                  </a:schemeClr>
+                </a:solidFill>
+                <a:latin typeface="Microsoft YaHei UI" panose="020B0503020204020204" pitchFamily="34" charset="-122"/>
+                <a:ea typeface="Microsoft YaHei UI" panose="020B0503020204020204" pitchFamily="34" charset="-122"/>
+                <a:cs typeface="Arial" panose="020B0604020202020204" pitchFamily="34" charset="0"/>
+              </a:rPr>
+              <a:t>RPC</a:t>
+            </a:r>
+            <a:r>
+              <a:rPr lang="zh-CN" altLang="en-US" sz="1100" dirty="0">
+                <a:solidFill>
+                  <a:schemeClr val="tx1">
+                    <a:lumMod val="65000"/>
+                    <a:lumOff val="35000"/>
+                  </a:schemeClr>
+                </a:solidFill>
+                <a:latin typeface="Microsoft YaHei UI" panose="020B0503020204020204" pitchFamily="34" charset="-122"/>
+                <a:ea typeface="Microsoft YaHei UI" panose="020B0503020204020204" pitchFamily="34" charset="-122"/>
+                <a:cs typeface="Arial" panose="020B0604020202020204" pitchFamily="34" charset="0"/>
+              </a:rPr>
+              <a:t>服务均有相同的转换能力</a:t>
+            </a:r>
+            <a:endParaRPr lang="en-US" altLang="zh-CN" sz="1100" dirty="0">
+              <a:solidFill>
+                <a:schemeClr val="tx1">
+                  <a:lumMod val="65000"/>
+                  <a:lumOff val="35000"/>
+                </a:schemeClr>
+              </a:solidFill>
+              <a:latin typeface="Microsoft YaHei UI" panose="020B0503020204020204" pitchFamily="34" charset="-122"/>
+              <a:ea typeface="Microsoft YaHei UI" panose="020B0503020204020204" pitchFamily="34" charset="-122"/>
+              <a:cs typeface="Arial" panose="020B0604020202020204" pitchFamily="34" charset="0"/>
+            </a:endParaRPr>
+          </a:p>
+          <a:p>
+            <a:pPr marL="800100" lvl="1" indent="-342900">
+              <a:spcBef>
+                <a:spcPts val="500"/>
+              </a:spcBef>
+              <a:spcAft>
+                <a:spcPts val="1200"/>
+              </a:spcAft>
+              <a:buFont typeface="Arial" panose="020B0604020202020204" pitchFamily="34" charset="0"/>
+              <a:buAutoNum type="arabicPeriod"/>
+            </a:pPr>
+            <a:r>
+              <a:rPr lang="zh-CN" altLang="en-US" sz="1100" dirty="0">
+                <a:solidFill>
+                  <a:schemeClr val="tx1">
+                    <a:lumMod val="65000"/>
+                    <a:lumOff val="35000"/>
+                  </a:schemeClr>
+                </a:solidFill>
+                <a:latin typeface="Microsoft YaHei UI" panose="020B0503020204020204" pitchFamily="34" charset="-122"/>
+                <a:ea typeface="Microsoft YaHei UI" panose="020B0503020204020204" pitchFamily="34" charset="-122"/>
+                <a:cs typeface="Arial" panose="020B0604020202020204" pitchFamily="34" charset="0"/>
+              </a:rPr>
+              <a:t>服务将元数据上报到注册中心，由调用方消费</a:t>
+            </a:r>
+            <a:endParaRPr lang="en-US" altLang="zh-CN" sz="1100" dirty="0">
+              <a:solidFill>
+                <a:schemeClr val="tx1">
+                  <a:lumMod val="65000"/>
+                  <a:lumOff val="35000"/>
+                </a:schemeClr>
+              </a:solidFill>
+              <a:latin typeface="Microsoft YaHei UI" panose="020B0503020204020204" pitchFamily="34" charset="-122"/>
+              <a:ea typeface="Microsoft YaHei UI" panose="020B0503020204020204" pitchFamily="34" charset="-122"/>
+              <a:cs typeface="Arial" panose="020B0604020202020204" pitchFamily="34" charset="0"/>
+            </a:endParaRPr>
+          </a:p>
+          <a:p>
+            <a:pPr marL="800100" lvl="1" indent="-342900">
+              <a:spcBef>
+                <a:spcPts val="500"/>
+              </a:spcBef>
+              <a:spcAft>
+                <a:spcPts val="1200"/>
+              </a:spcAft>
+              <a:buFont typeface="Arial" panose="020B0604020202020204" pitchFamily="34" charset="0"/>
+              <a:buAutoNum type="arabicPeriod"/>
+            </a:pPr>
+            <a:r>
+              <a:rPr lang="en-US" altLang="zh-CN" sz="1100" dirty="0">
+                <a:solidFill>
+                  <a:schemeClr val="tx1">
+                    <a:lumMod val="65000"/>
+                    <a:lumOff val="35000"/>
+                  </a:schemeClr>
+                </a:solidFill>
+                <a:latin typeface="Microsoft YaHei UI" panose="020B0503020204020204" pitchFamily="34" charset="-122"/>
+                <a:ea typeface="Microsoft YaHei UI" panose="020B0503020204020204" pitchFamily="34" charset="-122"/>
+                <a:cs typeface="Arial" panose="020B0604020202020204" pitchFamily="34" charset="0"/>
+              </a:rPr>
+              <a:t>RPC</a:t>
+            </a:r>
+            <a:r>
+              <a:rPr lang="zh-CN" altLang="en-US" sz="1100" dirty="0">
+                <a:solidFill>
+                  <a:schemeClr val="tx1">
+                    <a:lumMod val="65000"/>
+                    <a:lumOff val="35000"/>
+                  </a:schemeClr>
+                </a:solidFill>
+                <a:latin typeface="Microsoft YaHei UI" panose="020B0503020204020204" pitchFamily="34" charset="-122"/>
+                <a:ea typeface="Microsoft YaHei UI" panose="020B0503020204020204" pitchFamily="34" charset="-122"/>
+                <a:cs typeface="Arial" panose="020B0604020202020204" pitchFamily="34" charset="0"/>
+              </a:rPr>
+              <a:t>服务将</a:t>
+            </a:r>
+            <a:r>
+              <a:rPr lang="en-US" altLang="zh-CN" sz="1100" dirty="0">
+                <a:solidFill>
+                  <a:schemeClr val="tx1">
+                    <a:lumMod val="65000"/>
+                    <a:lumOff val="35000"/>
+                  </a:schemeClr>
+                </a:solidFill>
+                <a:latin typeface="Microsoft YaHei UI" panose="020B0503020204020204" pitchFamily="34" charset="-122"/>
+                <a:ea typeface="Microsoft YaHei UI" panose="020B0503020204020204" pitchFamily="34" charset="-122"/>
+                <a:cs typeface="Arial" panose="020B0604020202020204" pitchFamily="34" charset="0"/>
+              </a:rPr>
+              <a:t>HTTP</a:t>
+            </a:r>
+            <a:r>
+              <a:rPr lang="zh-CN" altLang="en-US" sz="1100" dirty="0">
+                <a:solidFill>
+                  <a:schemeClr val="tx1">
+                    <a:lumMod val="65000"/>
+                    <a:lumOff val="35000"/>
+                  </a:schemeClr>
+                </a:solidFill>
+                <a:latin typeface="Microsoft YaHei UI" panose="020B0503020204020204" pitchFamily="34" charset="-122"/>
+                <a:ea typeface="Microsoft YaHei UI" panose="020B0503020204020204" pitchFamily="34" charset="-122"/>
+                <a:cs typeface="Arial" panose="020B0604020202020204" pitchFamily="34" charset="0"/>
+              </a:rPr>
+              <a:t>头转换为上下文，在链路中传递</a:t>
+            </a:r>
+            <a:endParaRPr lang="en-US" altLang="zh-CN" sz="1100" dirty="0">
+              <a:solidFill>
+                <a:schemeClr val="tx1">
+                  <a:lumMod val="65000"/>
+                  <a:lumOff val="35000"/>
+                </a:schemeClr>
+              </a:solidFill>
+              <a:latin typeface="Microsoft YaHei UI" panose="020B0503020204020204" pitchFamily="34" charset="-122"/>
+              <a:ea typeface="Microsoft YaHei UI" panose="020B0503020204020204" pitchFamily="34" charset="-122"/>
+              <a:cs typeface="Arial" panose="020B0604020202020204" pitchFamily="34" charset="0"/>
+            </a:endParaRPr>
+          </a:p>
+          <a:p>
+            <a:pPr marL="800100" lvl="1" indent="-342900">
+              <a:spcBef>
+                <a:spcPts val="500"/>
+              </a:spcBef>
+              <a:spcAft>
+                <a:spcPts val="1200"/>
+              </a:spcAft>
+              <a:buFont typeface="Arial" panose="020B0604020202020204" pitchFamily="34" charset="0"/>
+              <a:buAutoNum type="arabicPeriod"/>
+            </a:pPr>
+            <a:r>
+              <a:rPr lang="zh-CN" altLang="en-US" sz="1100" dirty="0">
+                <a:solidFill>
+                  <a:schemeClr val="tx1">
+                    <a:lumMod val="65000"/>
+                    <a:lumOff val="35000"/>
+                  </a:schemeClr>
+                </a:solidFill>
+                <a:latin typeface="Microsoft YaHei UI" panose="020B0503020204020204" pitchFamily="34" charset="-122"/>
+                <a:ea typeface="Microsoft YaHei UI" panose="020B0503020204020204" pitchFamily="34" charset="-122"/>
+                <a:cs typeface="Arial" panose="020B0604020202020204" pitchFamily="34" charset="0"/>
+              </a:rPr>
+              <a:t>网关通过</a:t>
+            </a:r>
+            <a:r>
+              <a:rPr lang="en-US" altLang="zh-CN" sz="1100" dirty="0">
+                <a:solidFill>
+                  <a:schemeClr val="tx1">
+                    <a:lumMod val="65000"/>
+                    <a:lumOff val="35000"/>
+                  </a:schemeClr>
+                </a:solidFill>
+                <a:latin typeface="Microsoft YaHei UI" panose="020B0503020204020204" pitchFamily="34" charset="-122"/>
+                <a:ea typeface="Microsoft YaHei UI" panose="020B0503020204020204" pitchFamily="34" charset="-122"/>
+                <a:cs typeface="Arial" panose="020B0604020202020204" pitchFamily="34" charset="0"/>
+              </a:rPr>
+              <a:t>Header</a:t>
+            </a:r>
+            <a:r>
+              <a:rPr lang="zh-CN" altLang="en-US" sz="1100" dirty="0">
+                <a:solidFill>
+                  <a:schemeClr val="tx1">
+                    <a:lumMod val="65000"/>
+                    <a:lumOff val="35000"/>
+                  </a:schemeClr>
+                </a:solidFill>
+                <a:latin typeface="Microsoft YaHei UI" panose="020B0503020204020204" pitchFamily="34" charset="-122"/>
+                <a:ea typeface="Microsoft YaHei UI" panose="020B0503020204020204" pitchFamily="34" charset="-122"/>
+                <a:cs typeface="Arial" panose="020B0604020202020204" pitchFamily="34" charset="0"/>
+              </a:rPr>
+              <a:t>协议化的字段，与</a:t>
+            </a:r>
+            <a:r>
+              <a:rPr lang="en-US" altLang="zh-CN" sz="1100" dirty="0">
+                <a:solidFill>
+                  <a:schemeClr val="tx1">
+                    <a:lumMod val="65000"/>
+                    <a:lumOff val="35000"/>
+                  </a:schemeClr>
+                </a:solidFill>
+                <a:latin typeface="Microsoft YaHei UI" panose="020B0503020204020204" pitchFamily="34" charset="-122"/>
+                <a:ea typeface="Microsoft YaHei UI" panose="020B0503020204020204" pitchFamily="34" charset="-122"/>
+                <a:cs typeface="Arial" panose="020B0604020202020204" pitchFamily="34" charset="0"/>
+              </a:rPr>
+              <a:t>RPC</a:t>
+            </a:r>
+            <a:r>
+              <a:rPr lang="zh-CN" altLang="en-US" sz="1100" dirty="0">
+                <a:solidFill>
+                  <a:schemeClr val="tx1">
+                    <a:lumMod val="65000"/>
+                    <a:lumOff val="35000"/>
+                  </a:schemeClr>
+                </a:solidFill>
+                <a:latin typeface="Microsoft YaHei UI" panose="020B0503020204020204" pitchFamily="34" charset="-122"/>
+                <a:ea typeface="Microsoft YaHei UI" panose="020B0503020204020204" pitchFamily="34" charset="-122"/>
+                <a:cs typeface="Arial" panose="020B0604020202020204" pitchFamily="34" charset="0"/>
+              </a:rPr>
+              <a:t>在注册中心中上报的对比，过滤掉不符合条件的路由</a:t>
+            </a:r>
+            <a:endParaRPr lang="en-US" altLang="zh-CN" sz="1100" dirty="0">
+              <a:solidFill>
+                <a:schemeClr val="tx1">
+                  <a:lumMod val="65000"/>
+                  <a:lumOff val="35000"/>
+                </a:schemeClr>
+              </a:solidFill>
+              <a:latin typeface="Microsoft YaHei UI" panose="020B0503020204020204" pitchFamily="34" charset="-122"/>
+              <a:ea typeface="Microsoft YaHei UI" panose="020B0503020204020204" pitchFamily="34" charset="-122"/>
+              <a:cs typeface="Arial" panose="020B0604020202020204" pitchFamily="34" charset="0"/>
+            </a:endParaRPr>
+          </a:p>
+        </p:txBody>
+      </p:sp>
+      <p:sp>
+        <p:nvSpPr>
+          <p:cNvPr id="10" name="TextBox 9">
+            <a:extLst>
+              <a:ext uri="{FF2B5EF4-FFF2-40B4-BE49-F238E27FC236}">
+                <a16:creationId xmlns:a16="http://schemas.microsoft.com/office/drawing/2014/main" id="{740C76A3-0D88-4ECB-A928-59BCC4E5E780}"/>
+              </a:ext>
+            </a:extLst>
+          </p:cNvPr>
+          <p:cNvSpPr txBox="1"/>
+          <p:nvPr/>
+        </p:nvSpPr>
+        <p:spPr>
+          <a:xfrm>
+            <a:off x="7630959" y="6041578"/>
+            <a:ext cx="2027946" cy="369332"/>
+          </a:xfrm>
+          <a:prstGeom prst="rect">
+            <a:avLst/>
+          </a:prstGeom>
+          <a:noFill/>
+        </p:spPr>
+        <p:txBody>
+          <a:bodyPr wrap="square">
+            <a:spAutoFit/>
+          </a:bodyPr>
+          <a:lstStyle/>
+          <a:p>
+            <a:r>
+              <a:rPr lang="zh-CN" altLang="en-US" dirty="0"/>
+              <a:t>多版本、灰度调度</a:t>
+            </a:r>
+          </a:p>
+        </p:txBody>
+      </p:sp>
     </p:spTree>
     <p:extLst>
       <p:ext uri="{BB962C8B-B14F-4D97-AF65-F5344CB8AC3E}">
@@ -10753,23 +10939,420 @@
                 <a:ea typeface="Microsoft YaHei UI" panose="020B0503020204020204" pitchFamily="34" charset="-122"/>
                 <a:cs typeface="Arial" panose="020B0604020202020204" pitchFamily="34" charset="0"/>
               </a:rPr>
-              <a:t>用户分片</a:t>
-            </a:r>
-            <a:endParaRPr lang="en-US" altLang="zh-CN" sz="2000" dirty="0">
+              <a:t>后端流量调度</a:t>
+            </a:r>
+          </a:p>
+        </p:txBody>
+      </p:sp>
+      <p:sp>
+        <p:nvSpPr>
+          <p:cNvPr id="8" name="矩形 2">
+            <a:extLst>
+              <a:ext uri="{FF2B5EF4-FFF2-40B4-BE49-F238E27FC236}">
+                <a16:creationId xmlns:a16="http://schemas.microsoft.com/office/drawing/2014/main" id="{E4016BA0-2124-456F-A285-294FF61372FE}"/>
+              </a:ext>
+            </a:extLst>
+          </p:cNvPr>
+          <p:cNvSpPr/>
+          <p:nvPr/>
+        </p:nvSpPr>
+        <p:spPr>
+          <a:xfrm>
+            <a:off x="523751" y="1695748"/>
+            <a:ext cx="3133849" cy="2911764"/>
+          </a:xfrm>
+          <a:prstGeom prst="rect">
+            <a:avLst/>
+          </a:prstGeom>
+        </p:spPr>
+        <p:txBody>
+          <a:bodyPr vert="horz" lIns="91440" tIns="45720" rIns="91440" bIns="45720" rtlCol="0">
+            <a:noAutofit/>
+          </a:bodyPr>
+          <a:lstStyle/>
+          <a:p>
+            <a:pPr>
+              <a:lnSpc>
+                <a:spcPct val="150000"/>
+              </a:lnSpc>
+              <a:spcBef>
+                <a:spcPts val="500"/>
+              </a:spcBef>
+              <a:spcAft>
+                <a:spcPts val="1200"/>
+              </a:spcAft>
+            </a:pPr>
+            <a:r>
+              <a:rPr lang="zh-CN" altLang="en-US" sz="1100" dirty="0">
+                <a:solidFill>
+                  <a:schemeClr val="tx1">
+                    <a:lumMod val="65000"/>
+                    <a:lumOff val="35000"/>
+                  </a:schemeClr>
+                </a:solidFill>
+                <a:latin typeface="Microsoft YaHei UI" panose="020B0503020204020204" pitchFamily="34" charset="-122"/>
+                <a:ea typeface="Microsoft YaHei UI" panose="020B0503020204020204" pitchFamily="34" charset="-122"/>
+                <a:cs typeface="Arial" panose="020B0604020202020204" pitchFamily="34" charset="0"/>
+              </a:rPr>
+              <a:t>功能特性：</a:t>
+            </a:r>
+            <a:endParaRPr lang="en-US" altLang="zh-CN" sz="1100" dirty="0">
               <a:solidFill>
-                <a:schemeClr val="bg1"/>
+                <a:schemeClr val="tx1">
+                  <a:lumMod val="65000"/>
+                  <a:lumOff val="35000"/>
+                </a:schemeClr>
               </a:solidFill>
               <a:latin typeface="Microsoft YaHei UI" panose="020B0503020204020204" pitchFamily="34" charset="-122"/>
               <a:ea typeface="Microsoft YaHei UI" panose="020B0503020204020204" pitchFamily="34" charset="-122"/>
               <a:cs typeface="Arial" panose="020B0604020202020204" pitchFamily="34" charset="0"/>
             </a:endParaRPr>
           </a:p>
-        </p:txBody>
-      </p:sp>
+          <a:p>
+            <a:pPr marL="800100" lvl="1" indent="-342900">
+              <a:spcBef>
+                <a:spcPts val="500"/>
+              </a:spcBef>
+              <a:spcAft>
+                <a:spcPts val="1200"/>
+              </a:spcAft>
+              <a:buFont typeface="Arial" panose="020B0604020202020204" pitchFamily="34" charset="0"/>
+              <a:buAutoNum type="arabicPeriod"/>
+            </a:pPr>
+            <a:r>
+              <a:rPr lang="zh-CN" altLang="en-US" sz="1100" dirty="0">
+                <a:solidFill>
+                  <a:schemeClr val="tx1">
+                    <a:lumMod val="65000"/>
+                    <a:lumOff val="35000"/>
+                  </a:schemeClr>
+                </a:solidFill>
+                <a:latin typeface="Microsoft YaHei UI" panose="020B0503020204020204" pitchFamily="34" charset="-122"/>
+                <a:ea typeface="Microsoft YaHei UI" panose="020B0503020204020204" pitchFamily="34" charset="-122"/>
+                <a:cs typeface="Arial" panose="020B0604020202020204" pitchFamily="34" charset="0"/>
+              </a:rPr>
+              <a:t>网关与</a:t>
+            </a:r>
+            <a:r>
+              <a:rPr lang="en-US" altLang="zh-CN" sz="1100" dirty="0">
+                <a:solidFill>
+                  <a:schemeClr val="tx1">
+                    <a:lumMod val="65000"/>
+                    <a:lumOff val="35000"/>
+                  </a:schemeClr>
+                </a:solidFill>
+                <a:latin typeface="Microsoft YaHei UI" panose="020B0503020204020204" pitchFamily="34" charset="-122"/>
+                <a:ea typeface="Microsoft YaHei UI" panose="020B0503020204020204" pitchFamily="34" charset="-122"/>
+                <a:cs typeface="Arial" panose="020B0604020202020204" pitchFamily="34" charset="0"/>
+              </a:rPr>
+              <a:t>RPC</a:t>
+            </a:r>
+            <a:r>
+              <a:rPr lang="zh-CN" altLang="en-US" sz="1100" dirty="0">
+                <a:solidFill>
+                  <a:schemeClr val="tx1">
+                    <a:lumMod val="65000"/>
+                    <a:lumOff val="35000"/>
+                  </a:schemeClr>
+                </a:solidFill>
+                <a:latin typeface="Microsoft YaHei UI" panose="020B0503020204020204" pitchFamily="34" charset="-122"/>
+                <a:ea typeface="Microsoft YaHei UI" panose="020B0503020204020204" pitchFamily="34" charset="-122"/>
+                <a:cs typeface="Arial" panose="020B0604020202020204" pitchFamily="34" charset="0"/>
+              </a:rPr>
+              <a:t>服务均有相同的转换能力</a:t>
+            </a:r>
+            <a:endParaRPr lang="en-US" altLang="zh-CN" sz="1100" dirty="0">
+              <a:solidFill>
+                <a:schemeClr val="tx1">
+                  <a:lumMod val="65000"/>
+                  <a:lumOff val="35000"/>
+                </a:schemeClr>
+              </a:solidFill>
+              <a:latin typeface="Microsoft YaHei UI" panose="020B0503020204020204" pitchFamily="34" charset="-122"/>
+              <a:ea typeface="Microsoft YaHei UI" panose="020B0503020204020204" pitchFamily="34" charset="-122"/>
+              <a:cs typeface="Arial" panose="020B0604020202020204" pitchFamily="34" charset="0"/>
+            </a:endParaRPr>
+          </a:p>
+          <a:p>
+            <a:pPr marL="800100" lvl="1" indent="-342900">
+              <a:spcBef>
+                <a:spcPts val="500"/>
+              </a:spcBef>
+              <a:spcAft>
+                <a:spcPts val="1200"/>
+              </a:spcAft>
+              <a:buFont typeface="Arial" panose="020B0604020202020204" pitchFamily="34" charset="0"/>
+              <a:buAutoNum type="arabicPeriod"/>
+            </a:pPr>
+            <a:r>
+              <a:rPr lang="zh-CN" altLang="en-US" sz="1100" dirty="0">
+                <a:solidFill>
+                  <a:schemeClr val="tx1">
+                    <a:lumMod val="65000"/>
+                    <a:lumOff val="35000"/>
+                  </a:schemeClr>
+                </a:solidFill>
+                <a:latin typeface="Microsoft YaHei UI" panose="020B0503020204020204" pitchFamily="34" charset="-122"/>
+                <a:ea typeface="Microsoft YaHei UI" panose="020B0503020204020204" pitchFamily="34" charset="-122"/>
+                <a:cs typeface="Arial" panose="020B0604020202020204" pitchFamily="34" charset="0"/>
+              </a:rPr>
+              <a:t>服务将元数据上报到注册中心，由调用方消费</a:t>
+            </a:r>
+            <a:endParaRPr lang="en-US" altLang="zh-CN" sz="1100" dirty="0">
+              <a:solidFill>
+                <a:schemeClr val="tx1">
+                  <a:lumMod val="65000"/>
+                  <a:lumOff val="35000"/>
+                </a:schemeClr>
+              </a:solidFill>
+              <a:latin typeface="Microsoft YaHei UI" panose="020B0503020204020204" pitchFamily="34" charset="-122"/>
+              <a:ea typeface="Microsoft YaHei UI" panose="020B0503020204020204" pitchFamily="34" charset="-122"/>
+              <a:cs typeface="Arial" panose="020B0604020202020204" pitchFamily="34" charset="0"/>
+            </a:endParaRPr>
+          </a:p>
+          <a:p>
+            <a:pPr marL="800100" lvl="1" indent="-342900">
+              <a:spcBef>
+                <a:spcPts val="500"/>
+              </a:spcBef>
+              <a:spcAft>
+                <a:spcPts val="1200"/>
+              </a:spcAft>
+              <a:buFont typeface="Arial" panose="020B0604020202020204" pitchFamily="34" charset="0"/>
+              <a:buAutoNum type="arabicPeriod"/>
+            </a:pPr>
+            <a:r>
+              <a:rPr lang="en-US" altLang="zh-CN" sz="1100" dirty="0">
+                <a:solidFill>
+                  <a:schemeClr val="tx1">
+                    <a:lumMod val="65000"/>
+                    <a:lumOff val="35000"/>
+                  </a:schemeClr>
+                </a:solidFill>
+                <a:latin typeface="Microsoft YaHei UI" panose="020B0503020204020204" pitchFamily="34" charset="-122"/>
+                <a:ea typeface="Microsoft YaHei UI" panose="020B0503020204020204" pitchFamily="34" charset="-122"/>
+                <a:cs typeface="Arial" panose="020B0604020202020204" pitchFamily="34" charset="0"/>
+              </a:rPr>
+              <a:t>RPC</a:t>
+            </a:r>
+            <a:r>
+              <a:rPr lang="zh-CN" altLang="en-US" sz="1100" dirty="0">
+                <a:solidFill>
+                  <a:schemeClr val="tx1">
+                    <a:lumMod val="65000"/>
+                    <a:lumOff val="35000"/>
+                  </a:schemeClr>
+                </a:solidFill>
+                <a:latin typeface="Microsoft YaHei UI" panose="020B0503020204020204" pitchFamily="34" charset="-122"/>
+                <a:ea typeface="Microsoft YaHei UI" panose="020B0503020204020204" pitchFamily="34" charset="-122"/>
+                <a:cs typeface="Arial" panose="020B0604020202020204" pitchFamily="34" charset="0"/>
+              </a:rPr>
+              <a:t>服务将</a:t>
+            </a:r>
+            <a:r>
+              <a:rPr lang="en-US" altLang="zh-CN" sz="1100" dirty="0">
+                <a:solidFill>
+                  <a:schemeClr val="tx1">
+                    <a:lumMod val="65000"/>
+                    <a:lumOff val="35000"/>
+                  </a:schemeClr>
+                </a:solidFill>
+                <a:latin typeface="Microsoft YaHei UI" panose="020B0503020204020204" pitchFamily="34" charset="-122"/>
+                <a:ea typeface="Microsoft YaHei UI" panose="020B0503020204020204" pitchFamily="34" charset="-122"/>
+                <a:cs typeface="Arial" panose="020B0604020202020204" pitchFamily="34" charset="0"/>
+              </a:rPr>
+              <a:t>HTTP</a:t>
+            </a:r>
+            <a:r>
+              <a:rPr lang="zh-CN" altLang="en-US" sz="1100" dirty="0">
+                <a:solidFill>
+                  <a:schemeClr val="tx1">
+                    <a:lumMod val="65000"/>
+                    <a:lumOff val="35000"/>
+                  </a:schemeClr>
+                </a:solidFill>
+                <a:latin typeface="Microsoft YaHei UI" panose="020B0503020204020204" pitchFamily="34" charset="-122"/>
+                <a:ea typeface="Microsoft YaHei UI" panose="020B0503020204020204" pitchFamily="34" charset="-122"/>
+                <a:cs typeface="Arial" panose="020B0604020202020204" pitchFamily="34" charset="0"/>
+              </a:rPr>
+              <a:t>头转换为上下文，在链路中传递</a:t>
+            </a:r>
+            <a:endParaRPr lang="en-US" altLang="zh-CN" sz="1100" dirty="0">
+              <a:solidFill>
+                <a:schemeClr val="tx1">
+                  <a:lumMod val="65000"/>
+                  <a:lumOff val="35000"/>
+                </a:schemeClr>
+              </a:solidFill>
+              <a:latin typeface="Microsoft YaHei UI" panose="020B0503020204020204" pitchFamily="34" charset="-122"/>
+              <a:ea typeface="Microsoft YaHei UI" panose="020B0503020204020204" pitchFamily="34" charset="-122"/>
+              <a:cs typeface="Arial" panose="020B0604020202020204" pitchFamily="34" charset="0"/>
+            </a:endParaRPr>
+          </a:p>
+          <a:p>
+            <a:pPr marL="800100" lvl="1" indent="-342900">
+              <a:spcBef>
+                <a:spcPts val="500"/>
+              </a:spcBef>
+              <a:spcAft>
+                <a:spcPts val="1200"/>
+              </a:spcAft>
+              <a:buFont typeface="Arial" panose="020B0604020202020204" pitchFamily="34" charset="0"/>
+              <a:buAutoNum type="arabicPeriod"/>
+            </a:pPr>
+            <a:r>
+              <a:rPr lang="zh-CN" altLang="en-US" sz="1100" dirty="0">
+                <a:solidFill>
+                  <a:schemeClr val="tx1">
+                    <a:lumMod val="65000"/>
+                    <a:lumOff val="35000"/>
+                  </a:schemeClr>
+                </a:solidFill>
+                <a:latin typeface="Microsoft YaHei UI" panose="020B0503020204020204" pitchFamily="34" charset="-122"/>
+                <a:ea typeface="Microsoft YaHei UI" panose="020B0503020204020204" pitchFamily="34" charset="-122"/>
+                <a:cs typeface="Arial" panose="020B0604020202020204" pitchFamily="34" charset="0"/>
+              </a:rPr>
+              <a:t>网关通过</a:t>
+            </a:r>
+            <a:r>
+              <a:rPr lang="en-US" altLang="zh-CN" sz="1100" dirty="0">
+                <a:solidFill>
+                  <a:schemeClr val="tx1">
+                    <a:lumMod val="65000"/>
+                    <a:lumOff val="35000"/>
+                  </a:schemeClr>
+                </a:solidFill>
+                <a:latin typeface="Microsoft YaHei UI" panose="020B0503020204020204" pitchFamily="34" charset="-122"/>
+                <a:ea typeface="Microsoft YaHei UI" panose="020B0503020204020204" pitchFamily="34" charset="-122"/>
+                <a:cs typeface="Arial" panose="020B0604020202020204" pitchFamily="34" charset="0"/>
+              </a:rPr>
+              <a:t>Header</a:t>
+            </a:r>
+            <a:r>
+              <a:rPr lang="zh-CN" altLang="en-US" sz="1100" dirty="0">
+                <a:solidFill>
+                  <a:schemeClr val="tx1">
+                    <a:lumMod val="65000"/>
+                    <a:lumOff val="35000"/>
+                  </a:schemeClr>
+                </a:solidFill>
+                <a:latin typeface="Microsoft YaHei UI" panose="020B0503020204020204" pitchFamily="34" charset="-122"/>
+                <a:ea typeface="Microsoft YaHei UI" panose="020B0503020204020204" pitchFamily="34" charset="-122"/>
+                <a:cs typeface="Arial" panose="020B0604020202020204" pitchFamily="34" charset="0"/>
+              </a:rPr>
+              <a:t>协议化的字段，与</a:t>
+            </a:r>
+            <a:r>
+              <a:rPr lang="en-US" altLang="zh-CN" sz="1100" dirty="0">
+                <a:solidFill>
+                  <a:schemeClr val="tx1">
+                    <a:lumMod val="65000"/>
+                    <a:lumOff val="35000"/>
+                  </a:schemeClr>
+                </a:solidFill>
+                <a:latin typeface="Microsoft YaHei UI" panose="020B0503020204020204" pitchFamily="34" charset="-122"/>
+                <a:ea typeface="Microsoft YaHei UI" panose="020B0503020204020204" pitchFamily="34" charset="-122"/>
+                <a:cs typeface="Arial" panose="020B0604020202020204" pitchFamily="34" charset="0"/>
+              </a:rPr>
+              <a:t>RPC</a:t>
+            </a:r>
+            <a:r>
+              <a:rPr lang="zh-CN" altLang="en-US" sz="1100" dirty="0">
+                <a:solidFill>
+                  <a:schemeClr val="tx1">
+                    <a:lumMod val="65000"/>
+                    <a:lumOff val="35000"/>
+                  </a:schemeClr>
+                </a:solidFill>
+                <a:latin typeface="Microsoft YaHei UI" panose="020B0503020204020204" pitchFamily="34" charset="-122"/>
+                <a:ea typeface="Microsoft YaHei UI" panose="020B0503020204020204" pitchFamily="34" charset="-122"/>
+                <a:cs typeface="Arial" panose="020B0604020202020204" pitchFamily="34" charset="0"/>
+              </a:rPr>
+              <a:t>在注册中心中上报的对比，过滤掉不符合条件的路由</a:t>
+            </a:r>
+            <a:endParaRPr lang="en-US" altLang="zh-CN" sz="1100" dirty="0">
+              <a:solidFill>
+                <a:schemeClr val="tx1">
+                  <a:lumMod val="65000"/>
+                  <a:lumOff val="35000"/>
+                </a:schemeClr>
+              </a:solidFill>
+              <a:latin typeface="Microsoft YaHei UI" panose="020B0503020204020204" pitchFamily="34" charset="-122"/>
+              <a:ea typeface="Microsoft YaHei UI" panose="020B0503020204020204" pitchFamily="34" charset="-122"/>
+              <a:cs typeface="Arial" panose="020B0604020202020204" pitchFamily="34" charset="0"/>
+            </a:endParaRPr>
+          </a:p>
+        </p:txBody>
+      </p:sp>
+      <p:sp>
+        <p:nvSpPr>
+          <p:cNvPr id="10" name="TextBox 9">
+            <a:extLst>
+              <a:ext uri="{FF2B5EF4-FFF2-40B4-BE49-F238E27FC236}">
+                <a16:creationId xmlns:a16="http://schemas.microsoft.com/office/drawing/2014/main" id="{740C76A3-0D88-4ECB-A928-59BCC4E5E780}"/>
+              </a:ext>
+            </a:extLst>
+          </p:cNvPr>
+          <p:cNvSpPr txBox="1"/>
+          <p:nvPr/>
+        </p:nvSpPr>
+        <p:spPr>
+          <a:xfrm>
+            <a:off x="8385560" y="6016643"/>
+            <a:ext cx="1335488" cy="369332"/>
+          </a:xfrm>
+          <a:prstGeom prst="rect">
+            <a:avLst/>
+          </a:prstGeom>
+          <a:noFill/>
+        </p:spPr>
+        <p:txBody>
+          <a:bodyPr wrap="square">
+            <a:spAutoFit/>
+          </a:bodyPr>
+          <a:lstStyle/>
+          <a:p>
+            <a:r>
+              <a:rPr lang="zh-CN" altLang="en-US" dirty="0"/>
+              <a:t>跨机房容灾</a:t>
+            </a:r>
+          </a:p>
+        </p:txBody>
+      </p:sp>
+      <p:pic>
+        <p:nvPicPr>
+          <p:cNvPr id="6" name="Picture 5">
+            <a:extLst>
+              <a:ext uri="{FF2B5EF4-FFF2-40B4-BE49-F238E27FC236}">
+                <a16:creationId xmlns:a16="http://schemas.microsoft.com/office/drawing/2014/main" id="{9D4A1D23-3BB5-4214-9C9D-CFE76429E07A}"/>
+              </a:ext>
+            </a:extLst>
+          </p:cNvPr>
+          <p:cNvPicPr>
+            <a:picLocks noChangeAspect="1"/>
+          </p:cNvPicPr>
+          <p:nvPr/>
+        </p:nvPicPr>
+        <p:blipFill>
+          <a:blip r:embed="rId3"/>
+          <a:stretch>
+            <a:fillRect/>
+          </a:stretch>
+        </p:blipFill>
+        <p:spPr>
+          <a:xfrm>
+            <a:off x="3820321" y="1526959"/>
+            <a:ext cx="8025482" cy="4356259"/>
+          </a:xfrm>
+          <a:prstGeom prst="rect">
+            <a:avLst/>
+          </a:prstGeom>
+        </p:spPr>
+      </p:pic>
     </p:spTree>
     <p:extLst>
       <p:ext uri="{BB962C8B-B14F-4D97-AF65-F5344CB8AC3E}">
-        <p14:creationId xmlns:p14="http://schemas.microsoft.com/office/powerpoint/2010/main" val="2735571422"/>
+        <p14:creationId xmlns:p14="http://schemas.microsoft.com/office/powerpoint/2010/main" val="2514304489"/>
       </p:ext>
     </p:extLst>
   </p:cSld>

--- a/job/me/个人介绍.pptx
+++ b/job/me/个人介绍.pptx
@@ -5,10 +5,10 @@
     <p:sldMasterId id="2147483660" r:id="rId1"/>
   </p:sldMasterIdLst>
   <p:notesMasterIdLst>
-    <p:notesMasterId r:id="rId18"/>
+    <p:notesMasterId r:id="rId19"/>
   </p:notesMasterIdLst>
   <p:handoutMasterIdLst>
-    <p:handoutMasterId r:id="rId19"/>
+    <p:handoutMasterId r:id="rId20"/>
   </p:handoutMasterIdLst>
   <p:sldIdLst>
     <p:sldId id="273" r:id="rId2"/>
@@ -21,12 +21,13 @@
     <p:sldId id="279" r:id="rId9"/>
     <p:sldId id="289" r:id="rId10"/>
     <p:sldId id="284" r:id="rId11"/>
-    <p:sldId id="286" r:id="rId12"/>
-    <p:sldId id="277" r:id="rId13"/>
-    <p:sldId id="280" r:id="rId14"/>
-    <p:sldId id="281" r:id="rId15"/>
-    <p:sldId id="282" r:id="rId16"/>
-    <p:sldId id="285" r:id="rId17"/>
+    <p:sldId id="290" r:id="rId12"/>
+    <p:sldId id="286" r:id="rId13"/>
+    <p:sldId id="277" r:id="rId14"/>
+    <p:sldId id="280" r:id="rId15"/>
+    <p:sldId id="281" r:id="rId16"/>
+    <p:sldId id="282" r:id="rId17"/>
+    <p:sldId id="285" r:id="rId18"/>
   </p:sldIdLst>
   <p:sldSz cx="12192000" cy="6858000"/>
   <p:notesSz cx="6858000" cy="9144000"/>
@@ -144,6 +145,7 @@
             <p14:sldId id="279"/>
             <p14:sldId id="289"/>
             <p14:sldId id="284"/>
+            <p14:sldId id="290"/>
             <p14:sldId id="286"/>
             <p14:sldId id="277"/>
             <p14:sldId id="280"/>
@@ -977,13 +979,12 @@
         </p:nvSpPr>
         <p:spPr/>
         <p:txBody>
-          <a:bodyPr rtlCol="0"/>
+          <a:bodyPr/>
           <a:lstStyle/>
           <a:p>
-            <a:pPr rtl="0"/>
-            <a:r>
-              <a:rPr lang="zh-CN" altLang="en-US" dirty="0"/>
-              <a:t>每个方向挑一个项目介绍</a:t>
+            <a:r>
+              <a:rPr kumimoji="1" lang="zh-CN" altLang="en-US" dirty="0"/>
+              <a:t>要控制成本</a:t>
             </a:r>
           </a:p>
         </p:txBody>
@@ -995,27 +996,27 @@
             <a:spLocks noGrp="1"/>
           </p:cNvSpPr>
           <p:nvPr>
-            <p:ph type="sldNum" sz="quarter" idx="10"/>
+            <p:ph type="sldNum" sz="quarter" idx="5"/>
           </p:nvPr>
         </p:nvSpPr>
         <p:spPr/>
         <p:txBody>
-          <a:bodyPr rtlCol="0"/>
+          <a:bodyPr/>
           <a:lstStyle/>
           <a:p>
-            <a:pPr rtl="0"/>
             <a:fld id="{DF61EA0F-A667-4B49-8422-0062BC55E249}" type="slidenum">
               <a:rPr lang="en-US" smtClean="0"/>
+              <a:pPr/>
               <a:t>11</a:t>
             </a:fld>
-            <a:endParaRPr lang="en-US"/>
+            <a:endParaRPr lang="en-US" dirty="0"/>
           </a:p>
         </p:txBody>
       </p:sp>
     </p:spTree>
     <p:extLst>
       <p:ext uri="{BB962C8B-B14F-4D97-AF65-F5344CB8AC3E}">
-        <p14:creationId xmlns:p14="http://schemas.microsoft.com/office/powerpoint/2010/main" val="2321499265"/>
+        <p14:creationId xmlns:p14="http://schemas.microsoft.com/office/powerpoint/2010/main" val="2351323718"/>
       </p:ext>
     </p:extLst>
   </p:cSld>
@@ -1066,6 +1067,95 @@
         </p:nvSpPr>
         <p:spPr/>
         <p:txBody>
+          <a:bodyPr rtlCol="0"/>
+          <a:lstStyle/>
+          <a:p>
+            <a:pPr rtl="0"/>
+            <a:r>
+              <a:rPr lang="zh-CN" altLang="en-US" dirty="0"/>
+              <a:t>每个方向挑一个项目介绍</a:t>
+            </a:r>
+          </a:p>
+        </p:txBody>
+      </p:sp>
+      <p:sp>
+        <p:nvSpPr>
+          <p:cNvPr id="4" name="灯片编号占位符 3"/>
+          <p:cNvSpPr>
+            <a:spLocks noGrp="1"/>
+          </p:cNvSpPr>
+          <p:nvPr>
+            <p:ph type="sldNum" sz="quarter" idx="10"/>
+          </p:nvPr>
+        </p:nvSpPr>
+        <p:spPr/>
+        <p:txBody>
+          <a:bodyPr rtlCol="0"/>
+          <a:lstStyle/>
+          <a:p>
+            <a:pPr rtl="0"/>
+            <a:fld id="{DF61EA0F-A667-4B49-8422-0062BC55E249}" type="slidenum">
+              <a:rPr lang="en-US" smtClean="0"/>
+              <a:t>12</a:t>
+            </a:fld>
+            <a:endParaRPr lang="en-US"/>
+          </a:p>
+        </p:txBody>
+      </p:sp>
+    </p:spTree>
+    <p:extLst>
+      <p:ext uri="{BB962C8B-B14F-4D97-AF65-F5344CB8AC3E}">
+        <p14:creationId xmlns:p14="http://schemas.microsoft.com/office/powerpoint/2010/main" val="2321499265"/>
+      </p:ext>
+    </p:extLst>
+  </p:cSld>
+  <p:clrMapOvr>
+    <a:masterClrMapping/>
+  </p:clrMapOvr>
+</p:notes>
+</file>
+
+<file path=ppt/notesSlides/notesSlide13.xml><?xml version="1.0" encoding="utf-8"?>
+<p:notes xmlns:a="http://schemas.openxmlformats.org/drawingml/2006/main" xmlns:r="http://schemas.openxmlformats.org/officeDocument/2006/relationships" xmlns:p="http://schemas.openxmlformats.org/presentationml/2006/main">
+  <p:cSld>
+    <p:spTree>
+      <p:nvGrpSpPr>
+        <p:cNvPr id="1" name=""/>
+        <p:cNvGrpSpPr/>
+        <p:nvPr/>
+      </p:nvGrpSpPr>
+      <p:grpSpPr>
+        <a:xfrm>
+          <a:off x="0" y="0"/>
+          <a:ext cx="0" cy="0"/>
+          <a:chOff x="0" y="0"/>
+          <a:chExt cx="0" cy="0"/>
+        </a:xfrm>
+      </p:grpSpPr>
+      <p:sp>
+        <p:nvSpPr>
+          <p:cNvPr id="2" name="幻灯片图像占位符 1"/>
+          <p:cNvSpPr>
+            <a:spLocks noGrp="1" noRot="1" noChangeAspect="1"/>
+          </p:cNvSpPr>
+          <p:nvPr>
+            <p:ph type="sldImg"/>
+          </p:nvPr>
+        </p:nvSpPr>
+        <p:spPr/>
+      </p:sp>
+      <p:sp>
+        <p:nvSpPr>
+          <p:cNvPr id="3" name="备注占位符 2"/>
+          <p:cNvSpPr>
+            <a:spLocks noGrp="1"/>
+          </p:cNvSpPr>
+          <p:nvPr>
+            <p:ph type="body" idx="1"/>
+          </p:nvPr>
+        </p:nvSpPr>
+        <p:spPr/>
+        <p:txBody>
           <a:bodyPr/>
           <a:lstStyle/>
           <a:p>
@@ -1094,7 +1184,7 @@
             <a:fld id="{DF61EA0F-A667-4B49-8422-0062BC55E249}" type="slidenum">
               <a:rPr lang="en-US" smtClean="0"/>
               <a:pPr/>
-              <a:t>12</a:t>
+              <a:t>13</a:t>
             </a:fld>
             <a:endParaRPr lang="en-US" dirty="0"/>
           </a:p>
@@ -3064,7 +3154,7 @@
         </p:nvSpPr>
         <p:spPr>
           <a:xfrm>
-            <a:off x="10315425" y="562537"/>
+            <a:off x="10022462" y="562537"/>
             <a:ext cx="2031325" cy="646331"/>
           </a:xfrm>
           <a:prstGeom prst="rect">
@@ -3091,7 +3181,7 @@
                 <a:ea typeface="Microsoft YaHei UI" panose="020B0503020204020204" pitchFamily="34" charset="-122"/>
                 <a:cs typeface="Arial" panose="020B0604020202020204" pitchFamily="34" charset="0"/>
               </a:rPr>
-              <a:t>用户分片</a:t>
+              <a:t>数据库同城多活</a:t>
             </a:r>
             <a:endParaRPr lang="en-US" altLang="zh-CN" sz="2000" dirty="0">
               <a:solidFill>
@@ -3101,6 +3191,168 @@
               <a:ea typeface="Microsoft YaHei UI" panose="020B0503020204020204" pitchFamily="34" charset="-122"/>
               <a:cs typeface="Arial" panose="020B0604020202020204" pitchFamily="34" charset="0"/>
             </a:endParaRPr>
+          </a:p>
+        </p:txBody>
+      </p:sp>
+      <p:pic>
+        <p:nvPicPr>
+          <p:cNvPr id="5" name="Picture 4">
+            <a:extLst>
+              <a:ext uri="{FF2B5EF4-FFF2-40B4-BE49-F238E27FC236}">
+                <a16:creationId xmlns:a16="http://schemas.microsoft.com/office/drawing/2014/main" id="{6DAB4930-4C1A-4820-A973-89A70AF689AD}"/>
+              </a:ext>
+            </a:extLst>
+          </p:cNvPr>
+          <p:cNvPicPr>
+            <a:picLocks noChangeAspect="1"/>
+          </p:cNvPicPr>
+          <p:nvPr/>
+        </p:nvPicPr>
+        <p:blipFill>
+          <a:blip r:embed="rId3"/>
+          <a:stretch>
+            <a:fillRect/>
+          </a:stretch>
+        </p:blipFill>
+        <p:spPr>
+          <a:xfrm>
+            <a:off x="6315701" y="2150663"/>
+            <a:ext cx="5715000" cy="4048125"/>
+          </a:xfrm>
+          <a:prstGeom prst="rect">
+            <a:avLst/>
+          </a:prstGeom>
+        </p:spPr>
+      </p:pic>
+      <p:sp>
+        <p:nvSpPr>
+          <p:cNvPr id="7" name="TextBox 6">
+            <a:extLst>
+              <a:ext uri="{FF2B5EF4-FFF2-40B4-BE49-F238E27FC236}">
+                <a16:creationId xmlns:a16="http://schemas.microsoft.com/office/drawing/2014/main" id="{322C414F-575A-410A-A4F8-43B27EEA184B}"/>
+              </a:ext>
+            </a:extLst>
+          </p:cNvPr>
+          <p:cNvSpPr txBox="1"/>
+          <p:nvPr/>
+        </p:nvSpPr>
+        <p:spPr>
+          <a:xfrm>
+            <a:off x="292202" y="2551837"/>
+            <a:ext cx="6094520" cy="1754326"/>
+          </a:xfrm>
+          <a:prstGeom prst="rect">
+            <a:avLst/>
+          </a:prstGeom>
+        </p:spPr>
+        <p:txBody>
+          <a:bodyPr vert="horz" lIns="91440" tIns="45720" rIns="91440" bIns="45720" rtlCol="0">
+            <a:noAutofit/>
+          </a:bodyPr>
+          <a:lstStyle>
+            <a:defPPr rtl="0">
+              <a:defRPr lang="zh-cn"/>
+            </a:defPPr>
+            <a:lvl1pPr>
+              <a:lnSpc>
+                <a:spcPct val="150000"/>
+              </a:lnSpc>
+              <a:spcBef>
+                <a:spcPts val="500"/>
+              </a:spcBef>
+              <a:spcAft>
+                <a:spcPts val="1200"/>
+              </a:spcAft>
+              <a:defRPr sz="1100">
+                <a:solidFill>
+                  <a:schemeClr val="tx1">
+                    <a:lumMod val="65000"/>
+                    <a:lumOff val="35000"/>
+                  </a:schemeClr>
+                </a:solidFill>
+                <a:latin typeface="Microsoft YaHei UI" panose="020B0503020204020204" pitchFamily="34" charset="-122"/>
+                <a:ea typeface="Microsoft YaHei UI" panose="020B0503020204020204" pitchFamily="34" charset="-122"/>
+                <a:cs typeface="Arial" panose="020B0604020202020204" pitchFamily="34" charset="0"/>
+              </a:defRPr>
+            </a:lvl1pPr>
+            <a:lvl2pPr marL="800100" lvl="1" indent="-342900">
+              <a:spcBef>
+                <a:spcPts val="500"/>
+              </a:spcBef>
+              <a:spcAft>
+                <a:spcPts val="1200"/>
+              </a:spcAft>
+              <a:buFont typeface="Arial" panose="020B0604020202020204" pitchFamily="34" charset="0"/>
+              <a:buAutoNum type="arabicPeriod"/>
+              <a:defRPr sz="1100">
+                <a:solidFill>
+                  <a:schemeClr val="tx1">
+                    <a:lumMod val="65000"/>
+                    <a:lumOff val="35000"/>
+                  </a:schemeClr>
+                </a:solidFill>
+                <a:latin typeface="Microsoft YaHei UI" panose="020B0503020204020204" pitchFamily="34" charset="-122"/>
+                <a:ea typeface="Microsoft YaHei UI" panose="020B0503020204020204" pitchFamily="34" charset="-122"/>
+                <a:cs typeface="Arial" panose="020B0604020202020204" pitchFamily="34" charset="0"/>
+              </a:defRPr>
+            </a:lvl2pPr>
+          </a:lstStyle>
+          <a:p>
+            <a:r>
+              <a:rPr lang="en-US" altLang="zh-CN" dirty="0"/>
+              <a:t>1. </a:t>
+            </a:r>
+            <a:r>
+              <a:rPr lang="zh-CN" altLang="en-US" dirty="0"/>
+              <a:t>基于 </a:t>
+            </a:r>
+            <a:r>
+              <a:rPr lang="en-US" altLang="zh-CN" dirty="0"/>
+              <a:t>Anycast VIP </a:t>
+            </a:r>
+            <a:r>
+              <a:rPr lang="zh-CN" altLang="en-US" dirty="0"/>
+              <a:t>的方式路由</a:t>
+            </a:r>
+            <a:endParaRPr lang="en-US" altLang="zh-CN" dirty="0"/>
+          </a:p>
+          <a:p>
+            <a:r>
+              <a:rPr lang="en-US" altLang="zh-CN" dirty="0"/>
+              <a:t>2. ECMP + DPDK </a:t>
+            </a:r>
+            <a:r>
+              <a:rPr lang="zh-CN" altLang="en-US" dirty="0"/>
+              <a:t>四层均衡</a:t>
+            </a:r>
+          </a:p>
+          <a:p>
+            <a:r>
+              <a:rPr lang="en-US" altLang="zh-CN" dirty="0"/>
+              <a:t>3. </a:t>
+            </a:r>
+            <a:r>
+              <a:rPr lang="zh-CN" altLang="en-US" dirty="0"/>
+              <a:t>一主三从架构，其中另一机房二从又为主从关系，一主一备二从</a:t>
+            </a:r>
+          </a:p>
+          <a:p>
+            <a:r>
+              <a:rPr lang="en-US" altLang="zh-CN" dirty="0"/>
+              <a:t>4. </a:t>
+            </a:r>
+            <a:r>
+              <a:rPr lang="zh-CN" altLang="en-US" dirty="0"/>
+              <a:t>不能用域名，域名需要重（启）连才生效，而</a:t>
+            </a:r>
+            <a:r>
+              <a:rPr lang="en-US" altLang="zh-CN" dirty="0"/>
+              <a:t>VIP</a:t>
+            </a:r>
+            <a:r>
+              <a:rPr lang="zh-CN" altLang="en-US" dirty="0"/>
+              <a:t>会立即生效，所以业务要配合做请求重试</a:t>
+            </a:r>
           </a:p>
         </p:txBody>
       </p:sp>
@@ -3136,45 +3388,10 @@
       </p:grpSpPr>
       <p:sp>
         <p:nvSpPr>
-          <p:cNvPr id="2" name="标题 1"/>
-          <p:cNvSpPr>
-            <a:spLocks noGrp="1"/>
-          </p:cNvSpPr>
-          <p:nvPr>
-            <p:ph type="title"/>
-          </p:nvPr>
-        </p:nvSpPr>
-        <p:spPr>
-          <a:xfrm>
-            <a:off x="523752" y="0"/>
-            <a:ext cx="10749367" cy="1208868"/>
-          </a:xfrm>
-        </p:spPr>
-        <p:txBody>
-          <a:bodyPr rtlCol="0">
-            <a:normAutofit/>
-          </a:bodyPr>
-          <a:lstStyle/>
-          <a:p>
-            <a:pPr lvl="0"/>
-            <a:r>
-              <a:rPr kumimoji="1" lang="zh-CN" altLang="en-US" sz="3200" dirty="0">
-                <a:cs typeface="Arial" panose="020B0604020202020204" pitchFamily="34" charset="0"/>
-              </a:rPr>
-              <a:t>微服务框架</a:t>
-            </a:r>
-            <a:endParaRPr lang="zh-cn" sz="3400" dirty="0">
-              <a:cs typeface="Arial" panose="020B0604020202020204" pitchFamily="34" charset="0"/>
-            </a:endParaRPr>
-          </a:p>
-        </p:txBody>
-      </p:sp>
-      <p:sp>
-        <p:nvSpPr>
-          <p:cNvPr id="8" name="内容占位符 2">
+          <p:cNvPr id="2" name="标题 1">
             <a:extLst>
               <a:ext uri="{FF2B5EF4-FFF2-40B4-BE49-F238E27FC236}">
-                <a16:creationId xmlns:a16="http://schemas.microsoft.com/office/drawing/2014/main" id="{CCFC7069-F5DF-2F42-AAF8-A249400A2CB2}"/>
+                <a16:creationId xmlns:a16="http://schemas.microsoft.com/office/drawing/2014/main" id="{3920C9D1-E3BD-AC4C-8DEF-AFCBAB41DD68}"/>
               </a:ext>
             </a:extLst>
           </p:cNvPr>
@@ -3182,63 +3399,267 @@
             <a:spLocks noGrp="1"/>
           </p:cNvSpPr>
           <p:nvPr>
-            <p:ph idx="1"/>
+            <p:ph type="title"/>
           </p:nvPr>
         </p:nvSpPr>
         <p:spPr>
           <a:xfrm>
-            <a:off x="576233" y="1747804"/>
-            <a:ext cx="10805931" cy="4201439"/>
-          </a:xfrm>
+            <a:off x="604434" y="0"/>
+            <a:ext cx="5328015" cy="1208868"/>
+          </a:xfrm>
+        </p:spPr>
+        <p:txBody>
+          <a:bodyPr/>
+          <a:lstStyle/>
+          <a:p>
+            <a:r>
+              <a:rPr lang="zh-CN" altLang="en-US" dirty="0">
+                <a:cs typeface="Arial" panose="020B0604020202020204" pitchFamily="34" charset="0"/>
+              </a:rPr>
+              <a:t>多活架构搭建</a:t>
+            </a:r>
+            <a:endParaRPr kumimoji="1" lang="zh-CN" altLang="en-US" dirty="0"/>
+          </a:p>
+        </p:txBody>
+      </p:sp>
+      <p:sp>
+        <p:nvSpPr>
+          <p:cNvPr id="4" name="矩形 3">
+            <a:extLst>
+              <a:ext uri="{FF2B5EF4-FFF2-40B4-BE49-F238E27FC236}">
+                <a16:creationId xmlns:a16="http://schemas.microsoft.com/office/drawing/2014/main" id="{408C0EB1-4BB8-414D-A2F4-84B7A7931A9B}"/>
+              </a:ext>
+            </a:extLst>
+          </p:cNvPr>
+          <p:cNvSpPr/>
+          <p:nvPr/>
+        </p:nvSpPr>
+        <p:spPr>
+          <a:xfrm>
+            <a:off x="10714920" y="588184"/>
+            <a:ext cx="2031325" cy="646331"/>
+          </a:xfrm>
+          <a:prstGeom prst="rect">
+            <a:avLst/>
+          </a:prstGeom>
+        </p:spPr>
+        <p:txBody>
+          <a:bodyPr vert="horz" lIns="91440" tIns="45720" rIns="91440" bIns="45720" rtlCol="0" anchor="b">
+            <a:normAutofit/>
+          </a:bodyPr>
+          <a:lstStyle/>
+          <a:p>
+            <a:pPr>
+              <a:spcBef>
+                <a:spcPct val="0"/>
+              </a:spcBef>
+            </a:pPr>
+            <a:r>
+              <a:rPr lang="en-US" altLang="zh-CN" sz="2000" dirty="0">
+                <a:solidFill>
+                  <a:schemeClr val="bg1"/>
+                </a:solidFill>
+                <a:latin typeface="Microsoft YaHei UI" panose="020B0503020204020204" pitchFamily="34" charset="-122"/>
+                <a:ea typeface="Microsoft YaHei UI" panose="020B0503020204020204" pitchFamily="34" charset="-122"/>
+                <a:cs typeface="Arial" panose="020B0604020202020204" pitchFamily="34" charset="0"/>
+              </a:rPr>
+              <a:t>Redis</a:t>
+            </a:r>
+            <a:r>
+              <a:rPr lang="zh-CN" altLang="en-US" sz="2000" dirty="0">
+                <a:solidFill>
+                  <a:schemeClr val="bg1"/>
+                </a:solidFill>
+                <a:latin typeface="Microsoft YaHei UI" panose="020B0503020204020204" pitchFamily="34" charset="-122"/>
+                <a:ea typeface="Microsoft YaHei UI" panose="020B0503020204020204" pitchFamily="34" charset="-122"/>
+                <a:cs typeface="Arial" panose="020B0604020202020204" pitchFamily="34" charset="0"/>
+              </a:rPr>
+              <a:t>多活</a:t>
+            </a:r>
+            <a:endParaRPr lang="en-US" altLang="zh-CN" sz="2000" dirty="0">
+              <a:solidFill>
+                <a:schemeClr val="bg1"/>
+              </a:solidFill>
+              <a:latin typeface="Microsoft YaHei UI" panose="020B0503020204020204" pitchFamily="34" charset="-122"/>
+              <a:ea typeface="Microsoft YaHei UI" panose="020B0503020204020204" pitchFamily="34" charset="-122"/>
+              <a:cs typeface="Arial" panose="020B0604020202020204" pitchFamily="34" charset="0"/>
+            </a:endParaRPr>
+          </a:p>
+        </p:txBody>
+      </p:sp>
+      <p:sp>
+        <p:nvSpPr>
+          <p:cNvPr id="7" name="TextBox 6">
+            <a:extLst>
+              <a:ext uri="{FF2B5EF4-FFF2-40B4-BE49-F238E27FC236}">
+                <a16:creationId xmlns:a16="http://schemas.microsoft.com/office/drawing/2014/main" id="{322C414F-575A-410A-A4F8-43B27EEA184B}"/>
+              </a:ext>
+            </a:extLst>
+          </p:cNvPr>
+          <p:cNvSpPr txBox="1"/>
+          <p:nvPr/>
+        </p:nvSpPr>
+        <p:spPr>
+          <a:xfrm>
+            <a:off x="283325" y="1667260"/>
+            <a:ext cx="3693872" cy="1043619"/>
+          </a:xfrm>
+          <a:prstGeom prst="rect">
+            <a:avLst/>
+          </a:prstGeom>
         </p:spPr>
         <p:txBody>
           <a:bodyPr vert="horz" lIns="91440" tIns="45720" rIns="91440" bIns="45720" rtlCol="0">
             <a:noAutofit/>
           </a:bodyPr>
-          <a:lstStyle/>
-          <a:p>
-            <a:pPr marL="342900" indent="-342900" rtl="0">
+          <a:lstStyle>
+            <a:defPPr rtl="0">
+              <a:defRPr lang="zh-cn"/>
+            </a:defPPr>
+            <a:lvl1pPr>
               <a:lnSpc>
                 <a:spcPct val="150000"/>
               </a:lnSpc>
+              <a:spcBef>
+                <a:spcPts val="500"/>
+              </a:spcBef>
               <a:spcAft>
                 <a:spcPts val="1200"/>
               </a:spcAft>
-              <a:buAutoNum type="arabicPeriod"/>
-            </a:pPr>
-            <a:r>
-              <a:rPr lang="zh-CN" altLang="en-US" sz="1600" dirty="0">
-                <a:cs typeface="Arial" panose="020B0604020202020204" pitchFamily="34" charset="0"/>
-              </a:rPr>
-              <a:t>框架设计</a:t>
-            </a:r>
-            <a:endParaRPr lang="en-US" altLang="zh-CN" sz="1600" dirty="0">
-              <a:cs typeface="Arial" panose="020B0604020202020204" pitchFamily="34" charset="0"/>
-            </a:endParaRPr>
-          </a:p>
-          <a:p>
-            <a:pPr marL="342900" indent="-342900" rtl="0">
-              <a:lnSpc>
-                <a:spcPct val="150000"/>
-              </a:lnSpc>
+              <a:defRPr sz="1100">
+                <a:solidFill>
+                  <a:schemeClr val="tx1">
+                    <a:lumMod val="65000"/>
+                    <a:lumOff val="35000"/>
+                  </a:schemeClr>
+                </a:solidFill>
+                <a:latin typeface="Microsoft YaHei UI" panose="020B0503020204020204" pitchFamily="34" charset="-122"/>
+                <a:ea typeface="Microsoft YaHei UI" panose="020B0503020204020204" pitchFamily="34" charset="-122"/>
+                <a:cs typeface="Arial" panose="020B0604020202020204" pitchFamily="34" charset="0"/>
+              </a:defRPr>
+            </a:lvl1pPr>
+            <a:lvl2pPr marL="800100" lvl="1" indent="-342900">
+              <a:spcBef>
+                <a:spcPts val="500"/>
+              </a:spcBef>
               <a:spcAft>
                 <a:spcPts val="1200"/>
               </a:spcAft>
+              <a:buFont typeface="Arial" panose="020B0604020202020204" pitchFamily="34" charset="0"/>
               <a:buAutoNum type="arabicPeriod"/>
-            </a:pPr>
-            <a:r>
-              <a:rPr lang="zh-CN" altLang="en-US" dirty="0">
-                <a:cs typeface="Arial" panose="020B0604020202020204" pitchFamily="34" charset="0"/>
-              </a:rPr>
-              <a:t>流量调度与服务治理</a:t>
-            </a:r>
-          </a:p>
-        </p:txBody>
-      </p:sp>
+              <a:defRPr sz="1100">
+                <a:solidFill>
+                  <a:schemeClr val="tx1">
+                    <a:lumMod val="65000"/>
+                    <a:lumOff val="35000"/>
+                  </a:schemeClr>
+                </a:solidFill>
+                <a:latin typeface="Microsoft YaHei UI" panose="020B0503020204020204" pitchFamily="34" charset="-122"/>
+                <a:ea typeface="Microsoft YaHei UI" panose="020B0503020204020204" pitchFamily="34" charset="-122"/>
+                <a:cs typeface="Arial" panose="020B0604020202020204" pitchFamily="34" charset="0"/>
+              </a:defRPr>
+            </a:lvl2pPr>
+          </a:lstStyle>
+          <a:p>
+            <a:r>
+              <a:rPr lang="en-US" altLang="zh-CN" dirty="0"/>
+              <a:t>1. </a:t>
+            </a:r>
+            <a:r>
+              <a:rPr lang="en-US" altLang="zh-CN" dirty="0" err="1"/>
+              <a:t>Binlog</a:t>
+            </a:r>
+            <a:r>
+              <a:rPr lang="en-US" altLang="zh-CN" dirty="0"/>
+              <a:t> = </a:t>
+            </a:r>
+            <a:r>
+              <a:rPr lang="en-US" altLang="zh-CN" dirty="0" err="1"/>
+              <a:t>cmd</a:t>
+            </a:r>
+            <a:r>
+              <a:rPr lang="en-US" altLang="zh-CN" dirty="0"/>
+              <a:t> + </a:t>
+            </a:r>
+            <a:r>
+              <a:rPr lang="en-US" altLang="zh-CN" dirty="0" err="1"/>
+              <a:t>idc_no</a:t>
+            </a:r>
+            <a:r>
+              <a:rPr lang="en-US" altLang="zh-CN" dirty="0"/>
+              <a:t> + seq + </a:t>
+            </a:r>
+            <a:r>
+              <a:rPr lang="en-US" altLang="zh-CN" dirty="0" err="1"/>
+              <a:t>ts</a:t>
+            </a:r>
+            <a:endParaRPr lang="en-US" altLang="zh-CN" dirty="0"/>
+          </a:p>
+          <a:p>
+            <a:r>
+              <a:rPr lang="en-US" altLang="zh-CN" dirty="0"/>
+              <a:t>2. </a:t>
+            </a:r>
+            <a:r>
+              <a:rPr lang="en-US" altLang="zh-CN" dirty="0" err="1"/>
+              <a:t>RedisRDB</a:t>
+            </a:r>
+            <a:r>
+              <a:rPr lang="en-US" altLang="zh-CN" dirty="0"/>
+              <a:t> + </a:t>
+            </a:r>
+            <a:r>
+              <a:rPr lang="en-US" altLang="zh-CN" dirty="0" err="1"/>
+              <a:t>binlog</a:t>
+            </a:r>
+            <a:r>
+              <a:rPr lang="en-US" altLang="zh-CN" dirty="0"/>
+              <a:t> offset</a:t>
+            </a:r>
+            <a:r>
+              <a:rPr lang="zh-CN" altLang="en-US" dirty="0"/>
+              <a:t>，避免主从切换导致乱序</a:t>
+            </a:r>
+          </a:p>
+          <a:p>
+            <a:endParaRPr lang="zh-CN" altLang="en-US" dirty="0"/>
+          </a:p>
+        </p:txBody>
+      </p:sp>
+      <p:pic>
+        <p:nvPicPr>
+          <p:cNvPr id="6" name="Picture 5">
+            <a:extLst>
+              <a:ext uri="{FF2B5EF4-FFF2-40B4-BE49-F238E27FC236}">
+                <a16:creationId xmlns:a16="http://schemas.microsoft.com/office/drawing/2014/main" id="{1E7F4777-2733-473E-A7D2-BB2740CC1223}"/>
+              </a:ext>
+            </a:extLst>
+          </p:cNvPr>
+          <p:cNvPicPr>
+            <a:picLocks noChangeAspect="1"/>
+          </p:cNvPicPr>
+          <p:nvPr/>
+        </p:nvPicPr>
+        <p:blipFill>
+          <a:blip r:embed="rId3"/>
+          <a:stretch>
+            <a:fillRect/>
+          </a:stretch>
+        </p:blipFill>
+        <p:spPr>
+          <a:xfrm>
+            <a:off x="5145925" y="2710879"/>
+            <a:ext cx="6762750" cy="2714625"/>
+          </a:xfrm>
+          <a:prstGeom prst="rect">
+            <a:avLst/>
+          </a:prstGeom>
+        </p:spPr>
+      </p:pic>
     </p:spTree>
     <p:extLst>
       <p:ext uri="{BB962C8B-B14F-4D97-AF65-F5344CB8AC3E}">
-        <p14:creationId xmlns:p14="http://schemas.microsoft.com/office/powerpoint/2010/main" val="1107669807"/>
+        <p14:creationId xmlns:p14="http://schemas.microsoft.com/office/powerpoint/2010/main" val="4168058570"/>
       </p:ext>
     </p:extLst>
   </p:cSld>
@@ -3267,10 +3688,45 @@
       </p:grpSpPr>
       <p:sp>
         <p:nvSpPr>
-          <p:cNvPr id="2" name="标题 1">
+          <p:cNvPr id="2" name="标题 1"/>
+          <p:cNvSpPr>
+            <a:spLocks noGrp="1"/>
+          </p:cNvSpPr>
+          <p:nvPr>
+            <p:ph type="title"/>
+          </p:nvPr>
+        </p:nvSpPr>
+        <p:spPr>
+          <a:xfrm>
+            <a:off x="523752" y="0"/>
+            <a:ext cx="10749367" cy="1208868"/>
+          </a:xfrm>
+        </p:spPr>
+        <p:txBody>
+          <a:bodyPr rtlCol="0">
+            <a:normAutofit/>
+          </a:bodyPr>
+          <a:lstStyle/>
+          <a:p>
+            <a:pPr lvl="0"/>
+            <a:r>
+              <a:rPr kumimoji="1" lang="zh-CN" altLang="en-US" sz="3200" dirty="0">
+                <a:cs typeface="Arial" panose="020B0604020202020204" pitchFamily="34" charset="0"/>
+              </a:rPr>
+              <a:t>微服务框架</a:t>
+            </a:r>
+            <a:endParaRPr lang="zh-cn" sz="3400" dirty="0">
+              <a:cs typeface="Arial" panose="020B0604020202020204" pitchFamily="34" charset="0"/>
+            </a:endParaRPr>
+          </a:p>
+        </p:txBody>
+      </p:sp>
+      <p:sp>
+        <p:nvSpPr>
+          <p:cNvPr id="8" name="内容占位符 2">
             <a:extLst>
               <a:ext uri="{FF2B5EF4-FFF2-40B4-BE49-F238E27FC236}">
-                <a16:creationId xmlns:a16="http://schemas.microsoft.com/office/drawing/2014/main" id="{3920C9D1-E3BD-AC4C-8DEF-AFCBAB41DD68}"/>
+                <a16:creationId xmlns:a16="http://schemas.microsoft.com/office/drawing/2014/main" id="{CCFC7069-F5DF-2F42-AAF8-A249400A2CB2}"/>
               </a:ext>
             </a:extLst>
           </p:cNvPr>
@@ -3278,74 +3734,14 @@
             <a:spLocks noGrp="1"/>
           </p:cNvSpPr>
           <p:nvPr>
-            <p:ph type="title"/>
+            <p:ph idx="1"/>
           </p:nvPr>
         </p:nvSpPr>
-        <p:spPr/>
-        <p:txBody>
-          <a:bodyPr/>
-          <a:lstStyle/>
-          <a:p>
-            <a:r>
-              <a:rPr kumimoji="1" lang="zh-CN" altLang="en-US" dirty="0">
-                <a:cs typeface="Arial" panose="020B0604020202020204" pitchFamily="34" charset="0"/>
-              </a:rPr>
-              <a:t>微服务框架</a:t>
-            </a:r>
-            <a:endParaRPr kumimoji="1" lang="zh-CN" altLang="en-US" dirty="0"/>
-          </a:p>
-        </p:txBody>
-      </p:sp>
-      <p:pic>
-        <p:nvPicPr>
-          <p:cNvPr id="4" name="图片 3">
-            <a:extLst>
-              <a:ext uri="{FF2B5EF4-FFF2-40B4-BE49-F238E27FC236}">
-                <a16:creationId xmlns:a16="http://schemas.microsoft.com/office/drawing/2014/main" id="{CE71AEC1-C214-8C43-91DA-3DFC9E892862}"/>
-              </a:ext>
-            </a:extLst>
-          </p:cNvPr>
-          <p:cNvPicPr>
-            <a:picLocks noChangeAspect="1"/>
-          </p:cNvPicPr>
-          <p:nvPr/>
-        </p:nvPicPr>
-        <p:blipFill>
-          <a:blip r:embed="rId3"/>
-          <a:stretch>
-            <a:fillRect/>
-          </a:stretch>
-        </p:blipFill>
         <p:spPr>
           <a:xfrm>
-            <a:off x="5377985" y="1810112"/>
-            <a:ext cx="6654800" cy="2794000"/>
-          </a:xfrm>
-          <a:prstGeom prst="rect">
-            <a:avLst/>
-          </a:prstGeom>
-        </p:spPr>
-      </p:pic>
-      <p:sp>
-        <p:nvSpPr>
-          <p:cNvPr id="6" name="矩形 5">
-            <a:extLst>
-              <a:ext uri="{FF2B5EF4-FFF2-40B4-BE49-F238E27FC236}">
-                <a16:creationId xmlns:a16="http://schemas.microsoft.com/office/drawing/2014/main" id="{731FFBF7-63EB-1A47-92BC-56F4449BA382}"/>
-              </a:ext>
-            </a:extLst>
-          </p:cNvPr>
-          <p:cNvSpPr/>
-          <p:nvPr/>
-        </p:nvSpPr>
-        <p:spPr>
-          <a:xfrm>
-            <a:off x="523751" y="1695748"/>
-            <a:ext cx="4706171" cy="2485960"/>
-          </a:xfrm>
-          <a:prstGeom prst="rect">
-            <a:avLst/>
-          </a:prstGeom>
+            <a:off x="576233" y="1747804"/>
+            <a:ext cx="10805931" cy="4201439"/>
+          </a:xfrm>
         </p:spPr>
         <p:txBody>
           <a:bodyPr vert="horz" lIns="91440" tIns="45720" rIns="91440" bIns="45720" rtlCol="0">
@@ -3353,244 +3749,48 @@
           </a:bodyPr>
           <a:lstStyle/>
           <a:p>
-            <a:pPr>
+            <a:pPr marL="342900" indent="-342900" rtl="0">
               <a:lnSpc>
                 <a:spcPct val="150000"/>
               </a:lnSpc>
-              <a:spcBef>
-                <a:spcPts val="500"/>
-              </a:spcBef>
               <a:spcAft>
                 <a:spcPts val="1200"/>
               </a:spcAft>
+              <a:buAutoNum type="arabicPeriod"/>
             </a:pPr>
             <a:r>
               <a:rPr lang="zh-CN" altLang="en-US" sz="1600" dirty="0">
-                <a:solidFill>
-                  <a:schemeClr val="tx1">
-                    <a:lumMod val="65000"/>
-                    <a:lumOff val="35000"/>
-                  </a:schemeClr>
-                </a:solidFill>
-                <a:latin typeface="Microsoft YaHei UI" panose="020B0503020204020204" pitchFamily="34" charset="-122"/>
-                <a:ea typeface="Microsoft YaHei UI" panose="020B0503020204020204" pitchFamily="34" charset="-122"/>
-                <a:cs typeface="Arial" panose="020B0604020202020204" pitchFamily="34" charset="0"/>
-              </a:rPr>
-              <a:t>特性：</a:t>
+                <a:cs typeface="Arial" panose="020B0604020202020204" pitchFamily="34" charset="0"/>
+              </a:rPr>
+              <a:t>框架设计</a:t>
             </a:r>
             <a:endParaRPr lang="en-US" altLang="zh-CN" sz="1600" dirty="0">
-              <a:solidFill>
-                <a:schemeClr val="tx1">
-                  <a:lumMod val="65000"/>
-                  <a:lumOff val="35000"/>
-                </a:schemeClr>
-              </a:solidFill>
-              <a:latin typeface="Microsoft YaHei UI" panose="020B0503020204020204" pitchFamily="34" charset="-122"/>
-              <a:ea typeface="Microsoft YaHei UI" panose="020B0503020204020204" pitchFamily="34" charset="-122"/>
               <a:cs typeface="Arial" panose="020B0604020202020204" pitchFamily="34" charset="0"/>
             </a:endParaRPr>
           </a:p>
           <a:p>
-            <a:pPr marL="800100" lvl="1" indent="-342900">
-              <a:spcBef>
-                <a:spcPts val="500"/>
-              </a:spcBef>
+            <a:pPr marL="342900" indent="-342900" rtl="0">
+              <a:lnSpc>
+                <a:spcPct val="150000"/>
+              </a:lnSpc>
               <a:spcAft>
                 <a:spcPts val="1200"/>
               </a:spcAft>
-              <a:buFont typeface="Arial" panose="020B0604020202020204" pitchFamily="34" charset="0"/>
               <a:buAutoNum type="arabicPeriod"/>
             </a:pPr>
             <a:r>
-              <a:rPr lang="zh-CN" altLang="en-US" sz="1600" dirty="0">
-                <a:solidFill>
-                  <a:schemeClr val="tx1">
-                    <a:lumMod val="65000"/>
-                    <a:lumOff val="35000"/>
-                  </a:schemeClr>
-                </a:solidFill>
-                <a:latin typeface="Microsoft YaHei UI" panose="020B0503020204020204" pitchFamily="34" charset="-122"/>
-                <a:ea typeface="Microsoft YaHei UI" panose="020B0503020204020204" pitchFamily="34" charset="-122"/>
-                <a:cs typeface="Arial" panose="020B0604020202020204" pitchFamily="34" charset="0"/>
-              </a:rPr>
-              <a:t>支持常见</a:t>
-            </a:r>
-            <a:r>
-              <a:rPr lang="en-US" altLang="zh-CN" sz="1600" dirty="0">
-                <a:solidFill>
-                  <a:schemeClr val="tx1">
-                    <a:lumMod val="65000"/>
-                    <a:lumOff val="35000"/>
-                  </a:schemeClr>
-                </a:solidFill>
-                <a:latin typeface="Microsoft YaHei UI" panose="020B0503020204020204" pitchFamily="34" charset="-122"/>
-                <a:ea typeface="Microsoft YaHei UI" panose="020B0503020204020204" pitchFamily="34" charset="-122"/>
-                <a:cs typeface="Arial" panose="020B0604020202020204" pitchFamily="34" charset="0"/>
-              </a:rPr>
-              <a:t>RPC</a:t>
-            </a:r>
-            <a:r>
-              <a:rPr lang="zh-CN" altLang="en-US" sz="1600" dirty="0">
-                <a:solidFill>
-                  <a:schemeClr val="tx1">
-                    <a:lumMod val="65000"/>
-                    <a:lumOff val="35000"/>
-                  </a:schemeClr>
-                </a:solidFill>
-                <a:latin typeface="Microsoft YaHei UI" panose="020B0503020204020204" pitchFamily="34" charset="-122"/>
-                <a:ea typeface="Microsoft YaHei UI" panose="020B0503020204020204" pitchFamily="34" charset="-122"/>
-                <a:cs typeface="Arial" panose="020B0604020202020204" pitchFamily="34" charset="0"/>
-              </a:rPr>
-              <a:t>框架特性，如同</a:t>
-            </a:r>
-            <a:r>
-              <a:rPr lang="en-US" altLang="zh-CN" sz="1600" dirty="0">
-                <a:solidFill>
-                  <a:schemeClr val="tx1">
-                    <a:lumMod val="65000"/>
-                    <a:lumOff val="35000"/>
-                  </a:schemeClr>
-                </a:solidFill>
-                <a:latin typeface="Microsoft YaHei UI" panose="020B0503020204020204" pitchFamily="34" charset="-122"/>
-                <a:ea typeface="Microsoft YaHei UI" panose="020B0503020204020204" pitchFamily="34" charset="-122"/>
-                <a:cs typeface="Arial" panose="020B0604020202020204" pitchFamily="34" charset="0"/>
-              </a:rPr>
-              <a:t>/</a:t>
-            </a:r>
-            <a:r>
-              <a:rPr lang="zh-CN" altLang="en-US" sz="1600" dirty="0">
-                <a:solidFill>
-                  <a:schemeClr val="tx1">
-                    <a:lumMod val="65000"/>
-                    <a:lumOff val="35000"/>
-                  </a:schemeClr>
-                </a:solidFill>
-                <a:latin typeface="Microsoft YaHei UI" panose="020B0503020204020204" pitchFamily="34" charset="-122"/>
-                <a:ea typeface="Microsoft YaHei UI" panose="020B0503020204020204" pitchFamily="34" charset="-122"/>
-                <a:cs typeface="Arial" panose="020B0604020202020204" pitchFamily="34" charset="0"/>
-              </a:rPr>
-              <a:t>异步调用、动态配置、负载均衡、消息编码、认证等</a:t>
-            </a:r>
-            <a:endParaRPr lang="en-US" altLang="zh-CN" sz="1600" dirty="0">
-              <a:solidFill>
-                <a:schemeClr val="tx1">
-                  <a:lumMod val="65000"/>
-                  <a:lumOff val="35000"/>
-                </a:schemeClr>
-              </a:solidFill>
-              <a:latin typeface="Microsoft YaHei UI" panose="020B0503020204020204" pitchFamily="34" charset="-122"/>
-              <a:ea typeface="Microsoft YaHei UI" panose="020B0503020204020204" pitchFamily="34" charset="-122"/>
-              <a:cs typeface="Arial" panose="020B0604020202020204" pitchFamily="34" charset="0"/>
-            </a:endParaRPr>
-          </a:p>
-          <a:p>
-            <a:pPr marL="800100" lvl="1" indent="-342900">
-              <a:spcBef>
-                <a:spcPts val="500"/>
-              </a:spcBef>
-              <a:spcAft>
-                <a:spcPts val="1200"/>
-              </a:spcAft>
-              <a:buFont typeface="Arial" panose="020B0604020202020204" pitchFamily="34" charset="0"/>
-              <a:buAutoNum type="arabicPeriod"/>
-            </a:pPr>
-            <a:r>
-              <a:rPr lang="zh-CN" altLang="en-US" sz="1600" dirty="0">
-                <a:solidFill>
-                  <a:schemeClr val="tx1">
-                    <a:lumMod val="65000"/>
-                    <a:lumOff val="35000"/>
-                  </a:schemeClr>
-                </a:solidFill>
-                <a:latin typeface="Microsoft YaHei UI" panose="020B0503020204020204" pitchFamily="34" charset="-122"/>
-                <a:ea typeface="Microsoft YaHei UI" panose="020B0503020204020204" pitchFamily="34" charset="-122"/>
-                <a:cs typeface="Arial" panose="020B0604020202020204" pitchFamily="34" charset="0"/>
-              </a:rPr>
-              <a:t>插件化，扩展简单</a:t>
-            </a:r>
-            <a:endParaRPr lang="en-US" altLang="zh-CN" sz="1600" dirty="0">
-              <a:solidFill>
-                <a:schemeClr val="tx1">
-                  <a:lumMod val="65000"/>
-                  <a:lumOff val="35000"/>
-                </a:schemeClr>
-              </a:solidFill>
-              <a:latin typeface="Microsoft YaHei UI" panose="020B0503020204020204" pitchFamily="34" charset="-122"/>
-              <a:ea typeface="Microsoft YaHei UI" panose="020B0503020204020204" pitchFamily="34" charset="-122"/>
-              <a:cs typeface="Arial" panose="020B0604020202020204" pitchFamily="34" charset="0"/>
-            </a:endParaRPr>
-          </a:p>
-          <a:p>
-            <a:pPr marL="800100" lvl="1" indent="-342900">
-              <a:spcBef>
-                <a:spcPts val="500"/>
-              </a:spcBef>
-              <a:spcAft>
-                <a:spcPts val="1200"/>
-              </a:spcAft>
-              <a:buFont typeface="Arial" panose="020B0604020202020204" pitchFamily="34" charset="0"/>
-              <a:buAutoNum type="arabicPeriod"/>
-            </a:pPr>
-            <a:r>
-              <a:rPr lang="zh-CN" altLang="en-US" sz="1600" dirty="0">
-                <a:solidFill>
-                  <a:schemeClr val="tx1">
-                    <a:lumMod val="65000"/>
-                    <a:lumOff val="35000"/>
-                  </a:schemeClr>
-                </a:solidFill>
-                <a:latin typeface="Microsoft YaHei UI" panose="020B0503020204020204" pitchFamily="34" charset="-122"/>
-                <a:ea typeface="Microsoft YaHei UI" panose="020B0503020204020204" pitchFamily="34" charset="-122"/>
-                <a:cs typeface="Arial" panose="020B0604020202020204" pitchFamily="34" charset="0"/>
-              </a:rPr>
-              <a:t>无损接入</a:t>
-            </a:r>
-            <a:r>
-              <a:rPr lang="en-US" altLang="zh-CN" sz="1600" dirty="0">
-                <a:solidFill>
-                  <a:schemeClr val="tx1">
-                    <a:lumMod val="65000"/>
-                    <a:lumOff val="35000"/>
-                  </a:schemeClr>
-                </a:solidFill>
-                <a:latin typeface="Microsoft YaHei UI" panose="020B0503020204020204" pitchFamily="34" charset="-122"/>
-                <a:ea typeface="Microsoft YaHei UI" panose="020B0503020204020204" pitchFamily="34" charset="-122"/>
-                <a:cs typeface="Arial" panose="020B0604020202020204" pitchFamily="34" charset="0"/>
-              </a:rPr>
-              <a:t>HTTP</a:t>
-            </a:r>
-            <a:r>
-              <a:rPr lang="zh-CN" altLang="en-US" sz="1600" dirty="0">
-                <a:solidFill>
-                  <a:schemeClr val="tx1">
-                    <a:lumMod val="65000"/>
-                    <a:lumOff val="35000"/>
-                  </a:schemeClr>
-                </a:solidFill>
-                <a:latin typeface="Microsoft YaHei UI" panose="020B0503020204020204" pitchFamily="34" charset="-122"/>
-                <a:ea typeface="Microsoft YaHei UI" panose="020B0503020204020204" pitchFamily="34" charset="-122"/>
-                <a:cs typeface="Arial" panose="020B0604020202020204" pitchFamily="34" charset="0"/>
-              </a:rPr>
-              <a:t>网关</a:t>
-            </a:r>
-            <a:endParaRPr lang="en-US" altLang="zh-CN" sz="1600" dirty="0">
-              <a:solidFill>
-                <a:schemeClr val="tx1">
-                  <a:lumMod val="65000"/>
-                  <a:lumOff val="35000"/>
-                </a:schemeClr>
-              </a:solidFill>
-              <a:latin typeface="Microsoft YaHei UI" panose="020B0503020204020204" pitchFamily="34" charset="-122"/>
-              <a:ea typeface="Microsoft YaHei UI" panose="020B0503020204020204" pitchFamily="34" charset="-122"/>
-              <a:cs typeface="Arial" panose="020B0604020202020204" pitchFamily="34" charset="0"/>
-            </a:endParaRPr>
+              <a:rPr lang="zh-CN" altLang="en-US" dirty="0">
+                <a:cs typeface="Arial" panose="020B0604020202020204" pitchFamily="34" charset="0"/>
+              </a:rPr>
+              <a:t>流量调度与服务治理</a:t>
+            </a:r>
           </a:p>
         </p:txBody>
       </p:sp>
     </p:spTree>
     <p:extLst>
       <p:ext uri="{BB962C8B-B14F-4D97-AF65-F5344CB8AC3E}">
-        <p14:creationId xmlns:p14="http://schemas.microsoft.com/office/powerpoint/2010/main" val="1074200280"/>
+        <p14:creationId xmlns:p14="http://schemas.microsoft.com/office/powerpoint/2010/main" val="1107669807"/>
       </p:ext>
     </p:extLst>
   </p:cSld>
@@ -3622,7 +3822,7 @@
           <p:cNvPr id="2" name="标题 1">
             <a:extLst>
               <a:ext uri="{FF2B5EF4-FFF2-40B4-BE49-F238E27FC236}">
-                <a16:creationId xmlns:a16="http://schemas.microsoft.com/office/drawing/2014/main" id="{C75FFD5E-AAB2-EE4F-A005-27D12017E73E}"/>
+                <a16:creationId xmlns:a16="http://schemas.microsoft.com/office/drawing/2014/main" id="{3920C9D1-E3BD-AC4C-8DEF-AFCBAB41DD68}"/>
               </a:ext>
             </a:extLst>
           </p:cNvPr>
@@ -3633,12 +3833,7 @@
             <p:ph type="title"/>
           </p:nvPr>
         </p:nvSpPr>
-        <p:spPr>
-          <a:xfrm>
-            <a:off x="152625" y="40262"/>
-            <a:ext cx="10749367" cy="1208868"/>
-          </a:xfrm>
-        </p:spPr>
+        <p:spPr/>
         <p:txBody>
           <a:bodyPr/>
           <a:lstStyle/>
@@ -3653,12 +3848,42 @@
           </a:p>
         </p:txBody>
       </p:sp>
-      <p:sp>
-        <p:nvSpPr>
-          <p:cNvPr id="4" name="Google Shape;311;p32">
+      <p:pic>
+        <p:nvPicPr>
+          <p:cNvPr id="4" name="图片 3">
             <a:extLst>
               <a:ext uri="{FF2B5EF4-FFF2-40B4-BE49-F238E27FC236}">
-                <a16:creationId xmlns:a16="http://schemas.microsoft.com/office/drawing/2014/main" id="{767B2FB0-76F4-454E-A18A-591FBB3DD71B}"/>
+                <a16:creationId xmlns:a16="http://schemas.microsoft.com/office/drawing/2014/main" id="{CE71AEC1-C214-8C43-91DA-3DFC9E892862}"/>
+              </a:ext>
+            </a:extLst>
+          </p:cNvPr>
+          <p:cNvPicPr>
+            <a:picLocks noChangeAspect="1"/>
+          </p:cNvPicPr>
+          <p:nvPr/>
+        </p:nvPicPr>
+        <p:blipFill>
+          <a:blip r:embed="rId3"/>
+          <a:stretch>
+            <a:fillRect/>
+          </a:stretch>
+        </p:blipFill>
+        <p:spPr>
+          <a:xfrm>
+            <a:off x="5377985" y="1810112"/>
+            <a:ext cx="6654800" cy="2794000"/>
+          </a:xfrm>
+          <a:prstGeom prst="rect">
+            <a:avLst/>
+          </a:prstGeom>
+        </p:spPr>
+      </p:pic>
+      <p:sp>
+        <p:nvSpPr>
+          <p:cNvPr id="6" name="矩形 5">
+            <a:extLst>
+              <a:ext uri="{FF2B5EF4-FFF2-40B4-BE49-F238E27FC236}">
+                <a16:creationId xmlns:a16="http://schemas.microsoft.com/office/drawing/2014/main" id="{731FFBF7-63EB-1A47-92BC-56F4449BA382}"/>
               </a:ext>
             </a:extLst>
           </p:cNvPr>
@@ -3667,2566 +3892,257 @@
         </p:nvSpPr>
         <p:spPr>
           <a:xfrm>
-            <a:off x="6060692" y="4159314"/>
-            <a:ext cx="702326" cy="388345"/>
+            <a:off x="523751" y="1695748"/>
+            <a:ext cx="4706171" cy="2485960"/>
           </a:xfrm>
           <a:prstGeom prst="rect">
             <a:avLst/>
           </a:prstGeom>
-          <a:solidFill>
-            <a:srgbClr val="FFD64D"/>
-          </a:solidFill>
-          <a:ln w="25400" cap="flat" cmpd="sng">
-            <a:solidFill>
-              <a:schemeClr val="lt1"/>
-            </a:solidFill>
-            <a:prstDash val="solid"/>
-            <a:round/>
-            <a:headEnd type="none" w="sm" len="sm"/>
-            <a:tailEnd type="none" w="sm" len="sm"/>
-          </a:ln>
-        </p:spPr>
-        <p:txBody>
-          <a:bodyPr spcFirstLastPara="1" wrap="square" lIns="68575" tIns="34275" rIns="68575" bIns="34275" anchor="ctr" anchorCtr="0">
+        </p:spPr>
+        <p:txBody>
+          <a:bodyPr vert="horz" lIns="91440" tIns="45720" rIns="91440" bIns="45720" rtlCol="0">
             <a:noAutofit/>
           </a:bodyPr>
           <a:lstStyle/>
           <a:p>
-            <a:pPr marL="0" marR="0" lvl="0" indent="0" algn="ctr" rtl="0">
+            <a:pPr>
               <a:lnSpc>
-                <a:spcPct val="100000"/>
+                <a:spcPct val="150000"/>
               </a:lnSpc>
               <a:spcBef>
-                <a:spcPts val="0"/>
+                <a:spcPts val="500"/>
               </a:spcBef>
               <a:spcAft>
-                <a:spcPts val="0"/>
+                <a:spcPts val="1200"/>
               </a:spcAft>
-              <a:buNone/>
             </a:pPr>
             <a:r>
-              <a:rPr lang="en-US" sz="1350" b="0" i="0" u="none" strike="noStrike" cap="none" dirty="0">
-                <a:latin typeface="Arial" panose="020B0604020202020204"/>
-                <a:ea typeface="Arial" panose="020B0604020202020204"/>
-                <a:cs typeface="Arial" panose="020B0604020202020204"/>
-                <a:sym typeface="Arial" panose="020B0604020202020204"/>
-              </a:rPr>
-              <a:t>Client</a:t>
-            </a:r>
-          </a:p>
-        </p:txBody>
-      </p:sp>
-      <p:sp>
-        <p:nvSpPr>
-          <p:cNvPr id="5" name="Google Shape;312;p32">
-            <a:extLst>
-              <a:ext uri="{FF2B5EF4-FFF2-40B4-BE49-F238E27FC236}">
-                <a16:creationId xmlns:a16="http://schemas.microsoft.com/office/drawing/2014/main" id="{EE88F691-71FF-9644-B2D0-4E0E66CE3844}"/>
-              </a:ext>
-            </a:extLst>
-          </p:cNvPr>
-          <p:cNvSpPr/>
-          <p:nvPr/>
-        </p:nvSpPr>
-        <p:spPr>
-          <a:xfrm>
-            <a:off x="6057838" y="4545040"/>
-            <a:ext cx="4131140" cy="388345"/>
-          </a:xfrm>
-          <a:prstGeom prst="rect">
-            <a:avLst/>
-          </a:prstGeom>
-          <a:solidFill>
-            <a:srgbClr val="FF9694"/>
-          </a:solidFill>
-          <a:ln w="25400" cap="flat" cmpd="sng">
-            <a:solidFill>
-              <a:schemeClr val="lt1"/>
-            </a:solidFill>
-            <a:prstDash val="solid"/>
-            <a:round/>
-            <a:headEnd type="none" w="sm" len="sm"/>
-            <a:tailEnd type="none" w="sm" len="sm"/>
-          </a:ln>
-          <a:effectLst>
-            <a:softEdge rad="0"/>
-          </a:effectLst>
-        </p:spPr>
-        <p:txBody>
-          <a:bodyPr spcFirstLastPara="1" wrap="square" lIns="68575" tIns="34275" rIns="68575" bIns="34275" anchor="ctr" anchorCtr="0">
-            <a:noAutofit/>
-          </a:bodyPr>
-          <a:lstStyle/>
-          <a:p>
-            <a:pPr marL="0" marR="0" lvl="0" indent="0" algn="ctr" rtl="0">
-              <a:lnSpc>
-                <a:spcPct val="100000"/>
-              </a:lnSpc>
+              <a:rPr lang="zh-CN" altLang="en-US" sz="1600" dirty="0">
+                <a:solidFill>
+                  <a:schemeClr val="tx1">
+                    <a:lumMod val="65000"/>
+                    <a:lumOff val="35000"/>
+                  </a:schemeClr>
+                </a:solidFill>
+                <a:latin typeface="Microsoft YaHei UI" panose="020B0503020204020204" pitchFamily="34" charset="-122"/>
+                <a:ea typeface="Microsoft YaHei UI" panose="020B0503020204020204" pitchFamily="34" charset="-122"/>
+                <a:cs typeface="Arial" panose="020B0604020202020204" pitchFamily="34" charset="0"/>
+              </a:rPr>
+              <a:t>特性：</a:t>
+            </a:r>
+            <a:endParaRPr lang="en-US" altLang="zh-CN" sz="1600" dirty="0">
+              <a:solidFill>
+                <a:schemeClr val="tx1">
+                  <a:lumMod val="65000"/>
+                  <a:lumOff val="35000"/>
+                </a:schemeClr>
+              </a:solidFill>
+              <a:latin typeface="Microsoft YaHei UI" panose="020B0503020204020204" pitchFamily="34" charset="-122"/>
+              <a:ea typeface="Microsoft YaHei UI" panose="020B0503020204020204" pitchFamily="34" charset="-122"/>
+              <a:cs typeface="Arial" panose="020B0604020202020204" pitchFamily="34" charset="0"/>
+            </a:endParaRPr>
+          </a:p>
+          <a:p>
+            <a:pPr marL="800100" lvl="1" indent="-342900">
               <a:spcBef>
-                <a:spcPts val="0"/>
+                <a:spcPts val="500"/>
               </a:spcBef>
               <a:spcAft>
-                <a:spcPts val="0"/>
+                <a:spcPts val="1200"/>
               </a:spcAft>
-              <a:buNone/>
+              <a:buFont typeface="Arial" panose="020B0604020202020204" pitchFamily="34" charset="0"/>
+              <a:buAutoNum type="arabicPeriod"/>
             </a:pPr>
             <a:r>
-              <a:rPr lang="en-US" sz="1350" b="0" i="0" u="none" strike="noStrike" cap="none" dirty="0">
-                <a:solidFill>
-                  <a:schemeClr val="lt1"/>
-                </a:solidFill>
-                <a:latin typeface="Arial" panose="020B0604020202020204"/>
-                <a:ea typeface="Arial" panose="020B0604020202020204"/>
-                <a:cs typeface="Arial" panose="020B0604020202020204"/>
-                <a:sym typeface="Arial" panose="020B0604020202020204"/>
-              </a:rPr>
-              <a:t>Service</a:t>
-            </a:r>
-          </a:p>
-        </p:txBody>
-      </p:sp>
-      <p:sp>
-        <p:nvSpPr>
-          <p:cNvPr id="6" name="Google Shape;313;p32">
-            <a:extLst>
-              <a:ext uri="{FF2B5EF4-FFF2-40B4-BE49-F238E27FC236}">
-                <a16:creationId xmlns:a16="http://schemas.microsoft.com/office/drawing/2014/main" id="{3DF8B4C3-D161-F64B-9CA5-93DF09554F49}"/>
-              </a:ext>
-            </a:extLst>
-          </p:cNvPr>
-          <p:cNvSpPr/>
-          <p:nvPr/>
-        </p:nvSpPr>
-        <p:spPr>
-          <a:xfrm>
-            <a:off x="9482693" y="2892156"/>
-            <a:ext cx="702326" cy="312857"/>
-          </a:xfrm>
-          <a:prstGeom prst="rect">
-            <a:avLst/>
-          </a:prstGeom>
-          <a:solidFill>
-            <a:srgbClr val="696774"/>
-          </a:solidFill>
-          <a:ln w="25400" cap="flat" cmpd="sng">
-            <a:solidFill>
-              <a:schemeClr val="lt1"/>
-            </a:solidFill>
-            <a:prstDash val="solid"/>
-            <a:round/>
-            <a:headEnd type="none" w="sm" len="sm"/>
-            <a:tailEnd type="none" w="sm" len="sm"/>
-          </a:ln>
-        </p:spPr>
-        <p:txBody>
-          <a:bodyPr spcFirstLastPara="1" wrap="square" lIns="68575" tIns="34275" rIns="68575" bIns="34275" anchor="ctr" anchorCtr="0">
-            <a:noAutofit/>
-          </a:bodyPr>
-          <a:lstStyle/>
-          <a:p>
-            <a:pPr marL="0" marR="0" lvl="0" indent="0" algn="ctr" rtl="0">
-              <a:lnSpc>
-                <a:spcPct val="100000"/>
-              </a:lnSpc>
+              <a:rPr lang="zh-CN" altLang="en-US" sz="1600" dirty="0">
+                <a:solidFill>
+                  <a:schemeClr val="tx1">
+                    <a:lumMod val="65000"/>
+                    <a:lumOff val="35000"/>
+                  </a:schemeClr>
+                </a:solidFill>
+                <a:latin typeface="Microsoft YaHei UI" panose="020B0503020204020204" pitchFamily="34" charset="-122"/>
+                <a:ea typeface="Microsoft YaHei UI" panose="020B0503020204020204" pitchFamily="34" charset="-122"/>
+                <a:cs typeface="Arial" panose="020B0604020202020204" pitchFamily="34" charset="0"/>
+              </a:rPr>
+              <a:t>支持常见</a:t>
+            </a:r>
+            <a:r>
+              <a:rPr lang="en-US" altLang="zh-CN" sz="1600" dirty="0">
+                <a:solidFill>
+                  <a:schemeClr val="tx1">
+                    <a:lumMod val="65000"/>
+                    <a:lumOff val="35000"/>
+                  </a:schemeClr>
+                </a:solidFill>
+                <a:latin typeface="Microsoft YaHei UI" panose="020B0503020204020204" pitchFamily="34" charset="-122"/>
+                <a:ea typeface="Microsoft YaHei UI" panose="020B0503020204020204" pitchFamily="34" charset="-122"/>
+                <a:cs typeface="Arial" panose="020B0604020202020204" pitchFamily="34" charset="0"/>
+              </a:rPr>
+              <a:t>RPC</a:t>
+            </a:r>
+            <a:r>
+              <a:rPr lang="zh-CN" altLang="en-US" sz="1600" dirty="0">
+                <a:solidFill>
+                  <a:schemeClr val="tx1">
+                    <a:lumMod val="65000"/>
+                    <a:lumOff val="35000"/>
+                  </a:schemeClr>
+                </a:solidFill>
+                <a:latin typeface="Microsoft YaHei UI" panose="020B0503020204020204" pitchFamily="34" charset="-122"/>
+                <a:ea typeface="Microsoft YaHei UI" panose="020B0503020204020204" pitchFamily="34" charset="-122"/>
+                <a:cs typeface="Arial" panose="020B0604020202020204" pitchFamily="34" charset="0"/>
+              </a:rPr>
+              <a:t>框架特性，如同</a:t>
+            </a:r>
+            <a:r>
+              <a:rPr lang="en-US" altLang="zh-CN" sz="1600" dirty="0">
+                <a:solidFill>
+                  <a:schemeClr val="tx1">
+                    <a:lumMod val="65000"/>
+                    <a:lumOff val="35000"/>
+                  </a:schemeClr>
+                </a:solidFill>
+                <a:latin typeface="Microsoft YaHei UI" panose="020B0503020204020204" pitchFamily="34" charset="-122"/>
+                <a:ea typeface="Microsoft YaHei UI" panose="020B0503020204020204" pitchFamily="34" charset="-122"/>
+                <a:cs typeface="Arial" panose="020B0604020202020204" pitchFamily="34" charset="0"/>
+              </a:rPr>
+              <a:t>/</a:t>
+            </a:r>
+            <a:r>
+              <a:rPr lang="zh-CN" altLang="en-US" sz="1600" dirty="0">
+                <a:solidFill>
+                  <a:schemeClr val="tx1">
+                    <a:lumMod val="65000"/>
+                    <a:lumOff val="35000"/>
+                  </a:schemeClr>
+                </a:solidFill>
+                <a:latin typeface="Microsoft YaHei UI" panose="020B0503020204020204" pitchFamily="34" charset="-122"/>
+                <a:ea typeface="Microsoft YaHei UI" panose="020B0503020204020204" pitchFamily="34" charset="-122"/>
+                <a:cs typeface="Arial" panose="020B0604020202020204" pitchFamily="34" charset="0"/>
+              </a:rPr>
+              <a:t>异步调用、动态配置、负载均衡、消息编码、认证等</a:t>
+            </a:r>
+            <a:endParaRPr lang="en-US" altLang="zh-CN" sz="1600" dirty="0">
+              <a:solidFill>
+                <a:schemeClr val="tx1">
+                  <a:lumMod val="65000"/>
+                  <a:lumOff val="35000"/>
+                </a:schemeClr>
+              </a:solidFill>
+              <a:latin typeface="Microsoft YaHei UI" panose="020B0503020204020204" pitchFamily="34" charset="-122"/>
+              <a:ea typeface="Microsoft YaHei UI" panose="020B0503020204020204" pitchFamily="34" charset="-122"/>
+              <a:cs typeface="Arial" panose="020B0604020202020204" pitchFamily="34" charset="0"/>
+            </a:endParaRPr>
+          </a:p>
+          <a:p>
+            <a:pPr marL="800100" lvl="1" indent="-342900">
               <a:spcBef>
-                <a:spcPts val="0"/>
+                <a:spcPts val="500"/>
               </a:spcBef>
               <a:spcAft>
-                <a:spcPts val="0"/>
+                <a:spcPts val="1200"/>
               </a:spcAft>
-              <a:buNone/>
+              <a:buFont typeface="Arial" panose="020B0604020202020204" pitchFamily="34" charset="0"/>
+              <a:buAutoNum type="arabicPeriod"/>
             </a:pPr>
             <a:r>
-              <a:rPr lang="en-US" sz="1350" b="0" i="0" u="none" strike="noStrike" cap="none">
-                <a:solidFill>
-                  <a:schemeClr val="lt1"/>
-                </a:solidFill>
-                <a:latin typeface="Arial" panose="020B0604020202020204"/>
-                <a:ea typeface="Arial" panose="020B0604020202020204"/>
-                <a:cs typeface="Arial" panose="020B0604020202020204"/>
-                <a:sym typeface="Arial" panose="020B0604020202020204"/>
-              </a:rPr>
-              <a:t>Broker</a:t>
-            </a:r>
-          </a:p>
-        </p:txBody>
-      </p:sp>
-      <p:sp>
-        <p:nvSpPr>
-          <p:cNvPr id="7" name="Google Shape;314;p32">
-            <a:extLst>
-              <a:ext uri="{FF2B5EF4-FFF2-40B4-BE49-F238E27FC236}">
-                <a16:creationId xmlns:a16="http://schemas.microsoft.com/office/drawing/2014/main" id="{C0F51ACE-A385-A541-8F1B-F9840CAFC774}"/>
-              </a:ext>
-            </a:extLst>
-          </p:cNvPr>
-          <p:cNvSpPr/>
-          <p:nvPr/>
-        </p:nvSpPr>
-        <p:spPr>
-          <a:xfrm>
-            <a:off x="9482489" y="4159313"/>
-            <a:ext cx="702326" cy="388345"/>
-          </a:xfrm>
-          <a:prstGeom prst="rect">
-            <a:avLst/>
-          </a:prstGeom>
-          <a:solidFill>
-            <a:srgbClr val="50DBCF"/>
-          </a:solidFill>
-          <a:ln w="25400" cap="flat" cmpd="sng">
-            <a:solidFill>
-              <a:schemeClr val="lt1"/>
-            </a:solidFill>
-            <a:prstDash val="solid"/>
-            <a:round/>
-            <a:headEnd type="none" w="sm" len="sm"/>
-            <a:tailEnd type="none" w="sm" len="sm"/>
-          </a:ln>
-        </p:spPr>
-        <p:txBody>
-          <a:bodyPr spcFirstLastPara="1" wrap="square" lIns="68575" tIns="34275" rIns="68575" bIns="34275" anchor="ctr" anchorCtr="0">
-            <a:noAutofit/>
-          </a:bodyPr>
-          <a:lstStyle/>
-          <a:p>
-            <a:pPr marL="0" marR="0" lvl="0" indent="0" algn="ctr" rtl="0">
-              <a:lnSpc>
-                <a:spcPct val="100000"/>
-              </a:lnSpc>
+              <a:rPr lang="zh-CN" altLang="en-US" sz="1600" dirty="0">
+                <a:solidFill>
+                  <a:schemeClr val="tx1">
+                    <a:lumMod val="65000"/>
+                    <a:lumOff val="35000"/>
+                  </a:schemeClr>
+                </a:solidFill>
+                <a:latin typeface="Microsoft YaHei UI" panose="020B0503020204020204" pitchFamily="34" charset="-122"/>
+                <a:ea typeface="Microsoft YaHei UI" panose="020B0503020204020204" pitchFamily="34" charset="-122"/>
+                <a:cs typeface="Arial" panose="020B0604020202020204" pitchFamily="34" charset="0"/>
+              </a:rPr>
+              <a:t>插件化，扩展简单</a:t>
+            </a:r>
+            <a:endParaRPr lang="en-US" altLang="zh-CN" sz="1600" dirty="0">
+              <a:solidFill>
+                <a:schemeClr val="tx1">
+                  <a:lumMod val="65000"/>
+                  <a:lumOff val="35000"/>
+                </a:schemeClr>
+              </a:solidFill>
+              <a:latin typeface="Microsoft YaHei UI" panose="020B0503020204020204" pitchFamily="34" charset="-122"/>
+              <a:ea typeface="Microsoft YaHei UI" panose="020B0503020204020204" pitchFamily="34" charset="-122"/>
+              <a:cs typeface="Arial" panose="020B0604020202020204" pitchFamily="34" charset="0"/>
+            </a:endParaRPr>
+          </a:p>
+          <a:p>
+            <a:pPr marL="800100" lvl="1" indent="-342900">
               <a:spcBef>
-                <a:spcPts val="0"/>
+                <a:spcPts val="500"/>
               </a:spcBef>
               <a:spcAft>
-                <a:spcPts val="0"/>
+                <a:spcPts val="1200"/>
               </a:spcAft>
-              <a:buNone/>
+              <a:buFont typeface="Arial" panose="020B0604020202020204" pitchFamily="34" charset="0"/>
+              <a:buAutoNum type="arabicPeriod"/>
             </a:pPr>
             <a:r>
-              <a:rPr lang="en-US" sz="1350" b="0" i="0" u="none" strike="noStrike" cap="none" dirty="0">
-                <a:solidFill>
-                  <a:schemeClr val="lt1"/>
-                </a:solidFill>
-                <a:latin typeface="Arial" panose="020B0604020202020204"/>
-                <a:ea typeface="Arial" panose="020B0604020202020204"/>
-                <a:cs typeface="Arial" panose="020B0604020202020204"/>
-                <a:sym typeface="Arial" panose="020B0604020202020204"/>
-              </a:rPr>
-              <a:t>Server</a:t>
-            </a:r>
-          </a:p>
-        </p:txBody>
-      </p:sp>
-      <p:cxnSp>
-        <p:nvCxnSpPr>
-          <p:cNvPr id="8" name="Google Shape;315;p32">
-            <a:extLst>
-              <a:ext uri="{FF2B5EF4-FFF2-40B4-BE49-F238E27FC236}">
-                <a16:creationId xmlns:a16="http://schemas.microsoft.com/office/drawing/2014/main" id="{D1A7BC5C-DA99-D948-9B05-CC7B90C280A4}"/>
-              </a:ext>
-            </a:extLst>
-          </p:cNvPr>
-          <p:cNvCxnSpPr>
-            <a:cxnSpLocks/>
-            <a:stCxn id="5" idx="3"/>
-            <a:endCxn id="7" idx="3"/>
-          </p:cNvCxnSpPr>
-          <p:nvPr/>
-        </p:nvCxnSpPr>
-        <p:spPr>
-          <a:xfrm rot="10800000">
-            <a:off x="10184778" y="4353412"/>
-            <a:ext cx="4200" cy="385800"/>
-          </a:xfrm>
-          <a:prstGeom prst="curvedConnector3">
-            <a:avLst>
-              <a:gd name="adj1" fmla="val -4082633"/>
-            </a:avLst>
-          </a:prstGeom>
-          <a:noFill/>
-          <a:ln w="28575" cap="flat" cmpd="sng">
-            <a:solidFill>
-              <a:srgbClr val="805AFF"/>
-            </a:solidFill>
-            <a:prstDash val="dash"/>
-            <a:round/>
-            <a:headEnd type="none" w="sm" len="sm"/>
-            <a:tailEnd type="triangle" w="med" len="med"/>
-          </a:ln>
-        </p:spPr>
-      </p:cxnSp>
-      <p:sp>
-        <p:nvSpPr>
-          <p:cNvPr id="9" name="Google Shape;316;p32">
-            <a:extLst>
-              <a:ext uri="{FF2B5EF4-FFF2-40B4-BE49-F238E27FC236}">
-                <a16:creationId xmlns:a16="http://schemas.microsoft.com/office/drawing/2014/main" id="{5E1A2559-30DF-C345-A2B3-13A4D9772E6F}"/>
-              </a:ext>
-            </a:extLst>
-          </p:cNvPr>
-          <p:cNvSpPr txBox="1"/>
-          <p:nvPr/>
-        </p:nvSpPr>
-        <p:spPr>
-          <a:xfrm>
-            <a:off x="10297416" y="4439130"/>
-            <a:ext cx="732559" cy="300082"/>
-          </a:xfrm>
-          <a:prstGeom prst="rect">
-            <a:avLst/>
-          </a:prstGeom>
-          <a:noFill/>
-          <a:ln>
-            <a:noFill/>
-          </a:ln>
-        </p:spPr>
-        <p:txBody>
-          <a:bodyPr spcFirstLastPara="1" wrap="square" lIns="91425" tIns="45700" rIns="91425" bIns="45700" anchor="t" anchorCtr="0">
-            <a:noAutofit/>
-          </a:bodyPr>
-          <a:lstStyle/>
-          <a:p>
-            <a:pPr marL="0" marR="0" lvl="0" indent="0" algn="l" rtl="0">
-              <a:lnSpc>
-                <a:spcPct val="100000"/>
-              </a:lnSpc>
-              <a:spcBef>
-                <a:spcPts val="0"/>
-              </a:spcBef>
-              <a:spcAft>
-                <a:spcPts val="0"/>
-              </a:spcAft>
-              <a:buNone/>
-            </a:pPr>
-            <a:r>
-              <a:rPr lang="en-US" sz="1350" b="0" i="0" u="none" strike="noStrike" cap="none">
-                <a:solidFill>
-                  <a:srgbClr val="000000"/>
-                </a:solidFill>
-                <a:latin typeface="Arial" panose="020B0604020202020204"/>
-                <a:ea typeface="Arial" panose="020B0604020202020204"/>
-                <a:cs typeface="Arial" panose="020B0604020202020204"/>
-                <a:sym typeface="Arial" panose="020B0604020202020204"/>
-              </a:rPr>
-              <a:t>start</a:t>
-            </a:r>
-            <a:endParaRPr sz="1350" b="0" i="0" u="none" strike="noStrike" cap="none">
+              <a:rPr lang="zh-CN" altLang="en-US" sz="1600" dirty="0">
+                <a:solidFill>
+                  <a:schemeClr val="tx1">
+                    <a:lumMod val="65000"/>
+                    <a:lumOff val="35000"/>
+                  </a:schemeClr>
+                </a:solidFill>
+                <a:latin typeface="Microsoft YaHei UI" panose="020B0503020204020204" pitchFamily="34" charset="-122"/>
+                <a:ea typeface="Microsoft YaHei UI" panose="020B0503020204020204" pitchFamily="34" charset="-122"/>
+                <a:cs typeface="Arial" panose="020B0604020202020204" pitchFamily="34" charset="0"/>
+              </a:rPr>
+              <a:t>无损接入</a:t>
+            </a:r>
+            <a:r>
+              <a:rPr lang="en-US" altLang="zh-CN" sz="1600" dirty="0">
+                <a:solidFill>
+                  <a:schemeClr val="tx1">
+                    <a:lumMod val="65000"/>
+                    <a:lumOff val="35000"/>
+                  </a:schemeClr>
+                </a:solidFill>
+                <a:latin typeface="Microsoft YaHei UI" panose="020B0503020204020204" pitchFamily="34" charset="-122"/>
+                <a:ea typeface="Microsoft YaHei UI" panose="020B0503020204020204" pitchFamily="34" charset="-122"/>
+                <a:cs typeface="Arial" panose="020B0604020202020204" pitchFamily="34" charset="0"/>
+              </a:rPr>
+              <a:t>HTTP</a:t>
+            </a:r>
+            <a:r>
+              <a:rPr lang="zh-CN" altLang="en-US" sz="1600" dirty="0">
+                <a:solidFill>
+                  <a:schemeClr val="tx1">
+                    <a:lumMod val="65000"/>
+                    <a:lumOff val="35000"/>
+                  </a:schemeClr>
+                </a:solidFill>
+                <a:latin typeface="Microsoft YaHei UI" panose="020B0503020204020204" pitchFamily="34" charset="-122"/>
+                <a:ea typeface="Microsoft YaHei UI" panose="020B0503020204020204" pitchFamily="34" charset="-122"/>
+                <a:cs typeface="Arial" panose="020B0604020202020204" pitchFamily="34" charset="0"/>
+              </a:rPr>
+              <a:t>网关</a:t>
+            </a:r>
+            <a:endParaRPr lang="en-US" altLang="zh-CN" sz="1600" dirty="0">
               <a:solidFill>
-                <a:srgbClr val="000000"/>
+                <a:schemeClr val="tx1">
+                  <a:lumMod val="65000"/>
+                  <a:lumOff val="35000"/>
+                </a:schemeClr>
               </a:solidFill>
-              <a:latin typeface="Arial" panose="020B0604020202020204"/>
-              <a:ea typeface="Arial" panose="020B0604020202020204"/>
-              <a:cs typeface="Arial" panose="020B0604020202020204"/>
-              <a:sym typeface="Arial" panose="020B0604020202020204"/>
+              <a:latin typeface="Microsoft YaHei UI" panose="020B0503020204020204" pitchFamily="34" charset="-122"/>
+              <a:ea typeface="Microsoft YaHei UI" panose="020B0503020204020204" pitchFamily="34" charset="-122"/>
+              <a:cs typeface="Arial" panose="020B0604020202020204" pitchFamily="34" charset="0"/>
             </a:endParaRPr>
-          </a:p>
-        </p:txBody>
-      </p:sp>
-      <p:sp>
-        <p:nvSpPr>
-          <p:cNvPr id="10" name="Google Shape;317;p32">
-            <a:extLst>
-              <a:ext uri="{FF2B5EF4-FFF2-40B4-BE49-F238E27FC236}">
-                <a16:creationId xmlns:a16="http://schemas.microsoft.com/office/drawing/2014/main" id="{D947186D-0F4A-FF49-B5E8-79DD262080AA}"/>
-              </a:ext>
-            </a:extLst>
-          </p:cNvPr>
-          <p:cNvSpPr/>
-          <p:nvPr/>
-        </p:nvSpPr>
-        <p:spPr>
-          <a:xfrm>
-            <a:off x="8138183" y="5317124"/>
-            <a:ext cx="1167962" cy="383721"/>
-          </a:xfrm>
-          <a:prstGeom prst="rect">
-            <a:avLst/>
-          </a:prstGeom>
-          <a:solidFill>
-            <a:srgbClr val="560A30"/>
-          </a:solidFill>
-          <a:ln w="25400" cap="flat" cmpd="sng">
-            <a:solidFill>
-              <a:schemeClr val="lt1"/>
-            </a:solidFill>
-            <a:prstDash val="solid"/>
-            <a:round/>
-            <a:headEnd type="none" w="sm" len="sm"/>
-            <a:tailEnd type="none" w="sm" len="sm"/>
-          </a:ln>
-        </p:spPr>
-        <p:txBody>
-          <a:bodyPr spcFirstLastPara="1" wrap="square" lIns="68575" tIns="34275" rIns="68575" bIns="34275" anchor="ctr" anchorCtr="0">
-            <a:noAutofit/>
-          </a:bodyPr>
-          <a:lstStyle/>
-          <a:p>
-            <a:pPr marL="0" marR="0" lvl="0" indent="0" algn="ctr" rtl="0">
-              <a:lnSpc>
-                <a:spcPct val="100000"/>
-              </a:lnSpc>
-              <a:spcBef>
-                <a:spcPts val="0"/>
-              </a:spcBef>
-              <a:spcAft>
-                <a:spcPts val="0"/>
-              </a:spcAft>
-              <a:buNone/>
-            </a:pPr>
-            <a:r>
-              <a:rPr lang="en-US" sz="1350" dirty="0">
-                <a:solidFill>
-                  <a:schemeClr val="lt1"/>
-                </a:solidFill>
-                <a:latin typeface="Arial" panose="020B0604020202020204"/>
-                <a:ea typeface="Arial" panose="020B0604020202020204"/>
-                <a:cs typeface="Arial" panose="020B0604020202020204"/>
-                <a:sym typeface="Arial" panose="020B0604020202020204"/>
-              </a:rPr>
-              <a:t>Zookeeper</a:t>
-            </a:r>
-            <a:endParaRPr lang="en-US" sz="1350" b="0" i="0" u="none" strike="noStrike" cap="none" dirty="0">
-              <a:solidFill>
-                <a:schemeClr val="lt1"/>
-              </a:solidFill>
-              <a:latin typeface="Arial" panose="020B0604020202020204"/>
-              <a:ea typeface="Arial" panose="020B0604020202020204"/>
-              <a:cs typeface="Arial" panose="020B0604020202020204"/>
-              <a:sym typeface="Arial" panose="020B0604020202020204"/>
-            </a:endParaRPr>
-          </a:p>
-        </p:txBody>
-      </p:sp>
-      <p:cxnSp>
-        <p:nvCxnSpPr>
-          <p:cNvPr id="11" name="Google Shape;318;p32">
-            <a:extLst>
-              <a:ext uri="{FF2B5EF4-FFF2-40B4-BE49-F238E27FC236}">
-                <a16:creationId xmlns:a16="http://schemas.microsoft.com/office/drawing/2014/main" id="{BFD18EC8-0B5F-6348-89B8-728B213D3D87}"/>
-              </a:ext>
-            </a:extLst>
-          </p:cNvPr>
-          <p:cNvCxnSpPr>
-            <a:cxnSpLocks/>
-            <a:stCxn id="30" idx="3"/>
-            <a:endCxn id="10" idx="3"/>
-          </p:cNvCxnSpPr>
-          <p:nvPr/>
-        </p:nvCxnSpPr>
-        <p:spPr>
-          <a:xfrm flipH="1">
-            <a:off x="9306145" y="3977582"/>
-            <a:ext cx="878671" cy="1531403"/>
-          </a:xfrm>
-          <a:prstGeom prst="curvedConnector3">
-            <a:avLst>
-              <a:gd name="adj1" fmla="val -127892"/>
-            </a:avLst>
-          </a:prstGeom>
-          <a:noFill/>
-          <a:ln w="28575" cap="flat" cmpd="sng">
-            <a:solidFill>
-              <a:srgbClr val="805AFF"/>
-            </a:solidFill>
-            <a:prstDash val="dash"/>
-            <a:round/>
-            <a:headEnd type="none" w="sm" len="sm"/>
-            <a:tailEnd type="triangle" w="med" len="med"/>
-          </a:ln>
-        </p:spPr>
-      </p:cxnSp>
-      <p:sp>
-        <p:nvSpPr>
-          <p:cNvPr id="12" name="Google Shape;320;p32">
-            <a:extLst>
-              <a:ext uri="{FF2B5EF4-FFF2-40B4-BE49-F238E27FC236}">
-                <a16:creationId xmlns:a16="http://schemas.microsoft.com/office/drawing/2014/main" id="{1DECD3CD-9706-5D4B-A36C-AC01A7D79D0B}"/>
-              </a:ext>
-            </a:extLst>
-          </p:cNvPr>
-          <p:cNvSpPr txBox="1"/>
-          <p:nvPr/>
-        </p:nvSpPr>
-        <p:spPr>
-          <a:xfrm>
-            <a:off x="10778394" y="4026150"/>
-            <a:ext cx="841177" cy="300082"/>
-          </a:xfrm>
-          <a:prstGeom prst="rect">
-            <a:avLst/>
-          </a:prstGeom>
-          <a:noFill/>
-          <a:ln>
-            <a:noFill/>
-          </a:ln>
-        </p:spPr>
-        <p:txBody>
-          <a:bodyPr spcFirstLastPara="1" wrap="square" lIns="91425" tIns="45700" rIns="91425" bIns="45700" anchor="t" anchorCtr="0">
-            <a:noAutofit/>
-          </a:bodyPr>
-          <a:lstStyle/>
-          <a:p>
-            <a:pPr marL="0" marR="0" lvl="0" indent="0" algn="l" rtl="0">
-              <a:lnSpc>
-                <a:spcPct val="100000"/>
-              </a:lnSpc>
-              <a:spcBef>
-                <a:spcPts val="0"/>
-              </a:spcBef>
-              <a:spcAft>
-                <a:spcPts val="0"/>
-              </a:spcAft>
-              <a:buNone/>
-            </a:pPr>
-            <a:r>
-              <a:rPr lang="en-US" sz="1350" b="0" i="0" u="none" strike="noStrike" cap="none">
-                <a:solidFill>
-                  <a:srgbClr val="000000"/>
-                </a:solidFill>
-                <a:latin typeface="Arial" panose="020B0604020202020204"/>
-                <a:ea typeface="Arial" panose="020B0604020202020204"/>
-                <a:cs typeface="Arial" panose="020B0604020202020204"/>
-                <a:sym typeface="Arial" panose="020B0604020202020204"/>
-              </a:rPr>
-              <a:t>register</a:t>
-            </a:r>
-          </a:p>
-        </p:txBody>
-      </p:sp>
-      <p:cxnSp>
-        <p:nvCxnSpPr>
-          <p:cNvPr id="13" name="Google Shape;321;p32">
-            <a:extLst>
-              <a:ext uri="{FF2B5EF4-FFF2-40B4-BE49-F238E27FC236}">
-                <a16:creationId xmlns:a16="http://schemas.microsoft.com/office/drawing/2014/main" id="{EC4BBA4A-E30A-5445-B2B1-35C36673398B}"/>
-              </a:ext>
-            </a:extLst>
-          </p:cNvPr>
-          <p:cNvCxnSpPr>
-            <a:cxnSpLocks/>
-            <a:stCxn id="29" idx="1"/>
-            <a:endCxn id="10" idx="1"/>
-          </p:cNvCxnSpPr>
-          <p:nvPr/>
-        </p:nvCxnSpPr>
-        <p:spPr>
-          <a:xfrm rot="10800000" flipH="1" flipV="1">
-            <a:off x="6060333" y="4004905"/>
-            <a:ext cx="2077850" cy="1504080"/>
-          </a:xfrm>
-          <a:prstGeom prst="curvedConnector3">
-            <a:avLst>
-              <a:gd name="adj1" fmla="val -11002"/>
-            </a:avLst>
-          </a:prstGeom>
-          <a:noFill/>
-          <a:ln w="28575" cap="flat" cmpd="sng">
-            <a:solidFill>
-              <a:srgbClr val="805AFF"/>
-            </a:solidFill>
-            <a:prstDash val="dash"/>
-            <a:round/>
-            <a:headEnd type="none" w="sm" len="sm"/>
-            <a:tailEnd type="triangle" w="med" len="med"/>
-          </a:ln>
-        </p:spPr>
-      </p:cxnSp>
-      <p:sp>
-        <p:nvSpPr>
-          <p:cNvPr id="14" name="Google Shape;323;p32">
-            <a:extLst>
-              <a:ext uri="{FF2B5EF4-FFF2-40B4-BE49-F238E27FC236}">
-                <a16:creationId xmlns:a16="http://schemas.microsoft.com/office/drawing/2014/main" id="{28022EC1-7AA9-324E-B28B-9C698BFDFD3E}"/>
-              </a:ext>
-            </a:extLst>
-          </p:cNvPr>
-          <p:cNvSpPr txBox="1"/>
-          <p:nvPr/>
-        </p:nvSpPr>
-        <p:spPr>
-          <a:xfrm>
-            <a:off x="6648819" y="5056655"/>
-            <a:ext cx="817456" cy="300082"/>
-          </a:xfrm>
-          <a:prstGeom prst="rect">
-            <a:avLst/>
-          </a:prstGeom>
-          <a:noFill/>
-          <a:ln>
-            <a:noFill/>
-          </a:ln>
-        </p:spPr>
-        <p:txBody>
-          <a:bodyPr spcFirstLastPara="1" wrap="square" lIns="91425" tIns="45700" rIns="91425" bIns="45700" anchor="t" anchorCtr="0">
-            <a:noAutofit/>
-          </a:bodyPr>
-          <a:lstStyle/>
-          <a:p>
-            <a:pPr marL="0" marR="0" lvl="0" indent="0" algn="l" rtl="0">
-              <a:lnSpc>
-                <a:spcPct val="100000"/>
-              </a:lnSpc>
-              <a:spcBef>
-                <a:spcPts val="0"/>
-              </a:spcBef>
-              <a:spcAft>
-                <a:spcPts val="0"/>
-              </a:spcAft>
-              <a:buNone/>
-            </a:pPr>
-            <a:r>
-              <a:rPr lang="en-US" sz="1350" b="0" i="0" u="none" strike="noStrike" cap="none">
-                <a:solidFill>
-                  <a:srgbClr val="000000"/>
-                </a:solidFill>
-                <a:latin typeface="Arial" panose="020B0604020202020204"/>
-                <a:ea typeface="Arial" panose="020B0604020202020204"/>
-                <a:cs typeface="Arial" panose="020B0604020202020204"/>
-                <a:sym typeface="Arial" panose="020B0604020202020204"/>
-              </a:rPr>
-              <a:t>watch</a:t>
-            </a:r>
-            <a:endParaRPr sz="1350" b="0" i="0" u="none" strike="noStrike" cap="none">
-              <a:solidFill>
-                <a:srgbClr val="000000"/>
-              </a:solidFill>
-              <a:latin typeface="Arial" panose="020B0604020202020204"/>
-              <a:ea typeface="Arial" panose="020B0604020202020204"/>
-              <a:cs typeface="Arial" panose="020B0604020202020204"/>
-              <a:sym typeface="Arial" panose="020B0604020202020204"/>
-            </a:endParaRPr>
-          </a:p>
-        </p:txBody>
-      </p:sp>
-      <p:sp>
-        <p:nvSpPr>
-          <p:cNvPr id="15" name="Google Shape;324;p32">
-            <a:extLst>
-              <a:ext uri="{FF2B5EF4-FFF2-40B4-BE49-F238E27FC236}">
-                <a16:creationId xmlns:a16="http://schemas.microsoft.com/office/drawing/2014/main" id="{9D2F747D-F6EC-4A4B-A784-A0581059015F}"/>
-              </a:ext>
-            </a:extLst>
-          </p:cNvPr>
-          <p:cNvSpPr/>
-          <p:nvPr/>
-        </p:nvSpPr>
-        <p:spPr>
-          <a:xfrm>
-            <a:off x="9482490" y="3208610"/>
-            <a:ext cx="702325" cy="596362"/>
-          </a:xfrm>
-          <a:prstGeom prst="rect">
-            <a:avLst/>
-          </a:prstGeom>
-          <a:solidFill>
-            <a:srgbClr val="696774"/>
-          </a:solidFill>
-          <a:ln w="25400" cap="flat" cmpd="sng">
-            <a:solidFill>
-              <a:schemeClr val="lt1"/>
-            </a:solidFill>
-            <a:prstDash val="solid"/>
-            <a:round/>
-            <a:headEnd type="none" w="sm" len="sm"/>
-            <a:tailEnd type="none" w="sm" len="sm"/>
-          </a:ln>
-        </p:spPr>
-        <p:txBody>
-          <a:bodyPr spcFirstLastPara="1" wrap="square" lIns="68575" tIns="34275" rIns="68575" bIns="34275" anchor="ctr" anchorCtr="0">
-            <a:noAutofit/>
-          </a:bodyPr>
-          <a:lstStyle/>
-          <a:p>
-            <a:pPr marL="0" marR="0" lvl="0" indent="0" algn="ctr" rtl="0">
-              <a:lnSpc>
-                <a:spcPct val="100000"/>
-              </a:lnSpc>
-              <a:spcBef>
-                <a:spcPts val="0"/>
-              </a:spcBef>
-              <a:spcAft>
-                <a:spcPts val="0"/>
-              </a:spcAft>
-              <a:buNone/>
-            </a:pPr>
-            <a:r>
-              <a:rPr lang="en-US" sz="1000" b="0" i="0" u="none" strike="noStrike" cap="none">
-                <a:solidFill>
-                  <a:schemeClr val="lt1"/>
-                </a:solidFill>
-                <a:latin typeface="Arial" panose="020B0604020202020204"/>
-                <a:ea typeface="Arial" panose="020B0604020202020204"/>
-                <a:cs typeface="Arial" panose="020B0604020202020204"/>
-                <a:sym typeface="Arial" panose="020B0604020202020204"/>
-              </a:rPr>
-              <a:t>Transport</a:t>
-            </a:r>
-          </a:p>
-        </p:txBody>
-      </p:sp>
-      <p:sp>
-        <p:nvSpPr>
-          <p:cNvPr id="16" name="Google Shape;325;p32">
-            <a:extLst>
-              <a:ext uri="{FF2B5EF4-FFF2-40B4-BE49-F238E27FC236}">
-                <a16:creationId xmlns:a16="http://schemas.microsoft.com/office/drawing/2014/main" id="{A1E95FD9-339C-2F40-A37F-7170FAB53CA6}"/>
-              </a:ext>
-            </a:extLst>
-          </p:cNvPr>
-          <p:cNvSpPr txBox="1"/>
-          <p:nvPr/>
-        </p:nvSpPr>
-        <p:spPr>
-          <a:xfrm>
-            <a:off x="7813425" y="3206642"/>
-            <a:ext cx="477645" cy="230832"/>
-          </a:xfrm>
-          <a:prstGeom prst="rect">
-            <a:avLst/>
-          </a:prstGeom>
-          <a:noFill/>
-          <a:ln>
-            <a:noFill/>
-          </a:ln>
-        </p:spPr>
-        <p:txBody>
-          <a:bodyPr spcFirstLastPara="1" wrap="square" lIns="91425" tIns="45700" rIns="91425" bIns="45700" anchor="t" anchorCtr="0">
-            <a:noAutofit/>
-          </a:bodyPr>
-          <a:lstStyle/>
-          <a:p>
-            <a:pPr marL="0" marR="0" lvl="0" indent="0" algn="l" rtl="0">
-              <a:lnSpc>
-                <a:spcPct val="100000"/>
-              </a:lnSpc>
-              <a:spcBef>
-                <a:spcPts val="0"/>
-              </a:spcBef>
-              <a:spcAft>
-                <a:spcPts val="0"/>
-              </a:spcAft>
-              <a:buNone/>
-            </a:pPr>
-            <a:r>
-              <a:rPr lang="en-US" sz="900" b="0" i="0" u="none" strike="noStrike" cap="none">
-                <a:solidFill>
-                  <a:srgbClr val="000000"/>
-                </a:solidFill>
-                <a:latin typeface="Arial" panose="020B0604020202020204"/>
-                <a:ea typeface="Arial" panose="020B0604020202020204"/>
-                <a:cs typeface="Arial" panose="020B0604020202020204"/>
-                <a:sym typeface="Arial" panose="020B0604020202020204"/>
-              </a:rPr>
-              <a:t>2.call</a:t>
-            </a:r>
-          </a:p>
-        </p:txBody>
-      </p:sp>
-      <p:sp>
-        <p:nvSpPr>
-          <p:cNvPr id="17" name="Google Shape;326;p32">
-            <a:extLst>
-              <a:ext uri="{FF2B5EF4-FFF2-40B4-BE49-F238E27FC236}">
-                <a16:creationId xmlns:a16="http://schemas.microsoft.com/office/drawing/2014/main" id="{E7D71D0D-7018-0D42-BC2D-3812403B6E88}"/>
-              </a:ext>
-            </a:extLst>
-          </p:cNvPr>
-          <p:cNvSpPr txBox="1"/>
-          <p:nvPr/>
-        </p:nvSpPr>
-        <p:spPr>
-          <a:xfrm>
-            <a:off x="7960479" y="3814749"/>
-            <a:ext cx="625637" cy="230832"/>
-          </a:xfrm>
-          <a:prstGeom prst="rect">
-            <a:avLst/>
-          </a:prstGeom>
-          <a:noFill/>
-          <a:ln>
-            <a:noFill/>
-          </a:ln>
-        </p:spPr>
-        <p:txBody>
-          <a:bodyPr spcFirstLastPara="1" wrap="square" lIns="91425" tIns="45700" rIns="91425" bIns="45700" anchor="t" anchorCtr="0">
-            <a:noAutofit/>
-          </a:bodyPr>
-          <a:lstStyle/>
-          <a:p>
-            <a:pPr marL="0" marR="0" lvl="0" indent="0" algn="l" rtl="0">
-              <a:lnSpc>
-                <a:spcPct val="100000"/>
-              </a:lnSpc>
-              <a:spcBef>
-                <a:spcPts val="0"/>
-              </a:spcBef>
-              <a:spcAft>
-                <a:spcPts val="0"/>
-              </a:spcAft>
-              <a:buNone/>
-            </a:pPr>
-            <a:r>
-              <a:rPr lang="en-US" sz="900" b="0" i="0" u="none" strike="noStrike" cap="none">
-                <a:solidFill>
-                  <a:srgbClr val="000000"/>
-                </a:solidFill>
-                <a:latin typeface="Arial" panose="020B0604020202020204"/>
-                <a:ea typeface="Arial" panose="020B0604020202020204"/>
-                <a:cs typeface="Arial" panose="020B0604020202020204"/>
-                <a:sym typeface="Arial" panose="020B0604020202020204"/>
-              </a:rPr>
-              <a:t>3. send</a:t>
-            </a:r>
-            <a:endParaRPr sz="900" b="0" i="0" u="none" strike="noStrike" cap="none">
-              <a:solidFill>
-                <a:srgbClr val="000000"/>
-              </a:solidFill>
-              <a:latin typeface="Arial" panose="020B0604020202020204"/>
-              <a:ea typeface="Arial" panose="020B0604020202020204"/>
-              <a:cs typeface="Arial" panose="020B0604020202020204"/>
-              <a:sym typeface="Arial" panose="020B0604020202020204"/>
-            </a:endParaRPr>
-          </a:p>
-        </p:txBody>
-      </p:sp>
-      <p:sp>
-        <p:nvSpPr>
-          <p:cNvPr id="18" name="Google Shape;327;p32">
-            <a:extLst>
-              <a:ext uri="{FF2B5EF4-FFF2-40B4-BE49-F238E27FC236}">
-                <a16:creationId xmlns:a16="http://schemas.microsoft.com/office/drawing/2014/main" id="{66E1804E-6F72-ED47-9615-C82CD07BCE9C}"/>
-              </a:ext>
-            </a:extLst>
-          </p:cNvPr>
-          <p:cNvSpPr txBox="1"/>
-          <p:nvPr/>
-        </p:nvSpPr>
-        <p:spPr>
-          <a:xfrm>
-            <a:off x="7540205" y="5025576"/>
-            <a:ext cx="600917" cy="300082"/>
-          </a:xfrm>
-          <a:prstGeom prst="rect">
-            <a:avLst/>
-          </a:prstGeom>
-          <a:noFill/>
-          <a:ln>
-            <a:noFill/>
-          </a:ln>
-        </p:spPr>
-        <p:txBody>
-          <a:bodyPr spcFirstLastPara="1" wrap="square" lIns="91425" tIns="45700" rIns="91425" bIns="45700" anchor="t" anchorCtr="0">
-            <a:noAutofit/>
-          </a:bodyPr>
-          <a:lstStyle/>
-          <a:p>
-            <a:pPr marL="0" marR="0" lvl="0" indent="0" algn="l" rtl="0">
-              <a:lnSpc>
-                <a:spcPct val="100000"/>
-              </a:lnSpc>
-              <a:spcBef>
-                <a:spcPts val="0"/>
-              </a:spcBef>
-              <a:spcAft>
-                <a:spcPts val="0"/>
-              </a:spcAft>
-              <a:buNone/>
-            </a:pPr>
-            <a:r>
-              <a:rPr lang="en-US" sz="1350" b="0" i="0" u="none" strike="noStrike" cap="none">
-                <a:solidFill>
-                  <a:srgbClr val="000000"/>
-                </a:solidFill>
-                <a:latin typeface="Arial" panose="020B0604020202020204"/>
-                <a:ea typeface="Arial" panose="020B0604020202020204"/>
-                <a:cs typeface="Arial" panose="020B0604020202020204"/>
-                <a:sym typeface="Arial" panose="020B0604020202020204"/>
-              </a:rPr>
-              <a:t>notify</a:t>
-            </a:r>
-            <a:endParaRPr sz="1350" b="0" i="0" u="none" strike="noStrike" cap="none">
-              <a:solidFill>
-                <a:srgbClr val="000000"/>
-              </a:solidFill>
-              <a:latin typeface="Arial" panose="020B0604020202020204"/>
-              <a:ea typeface="Arial" panose="020B0604020202020204"/>
-              <a:cs typeface="Arial" panose="020B0604020202020204"/>
-              <a:sym typeface="Arial" panose="020B0604020202020204"/>
-            </a:endParaRPr>
-          </a:p>
-        </p:txBody>
-      </p:sp>
-      <p:sp>
-        <p:nvSpPr>
-          <p:cNvPr id="19" name="Google Shape;328;p32">
-            <a:extLst>
-              <a:ext uri="{FF2B5EF4-FFF2-40B4-BE49-F238E27FC236}">
-                <a16:creationId xmlns:a16="http://schemas.microsoft.com/office/drawing/2014/main" id="{3106E7B7-FC66-F241-BC14-BDE60E9B12D2}"/>
-              </a:ext>
-            </a:extLst>
-          </p:cNvPr>
-          <p:cNvSpPr txBox="1"/>
-          <p:nvPr/>
-        </p:nvSpPr>
-        <p:spPr>
-          <a:xfrm>
-            <a:off x="7107822" y="2401077"/>
-            <a:ext cx="600917" cy="300082"/>
-          </a:xfrm>
-          <a:prstGeom prst="rect">
-            <a:avLst/>
-          </a:prstGeom>
-          <a:noFill/>
-          <a:ln>
-            <a:noFill/>
-          </a:ln>
-        </p:spPr>
-        <p:txBody>
-          <a:bodyPr spcFirstLastPara="1" wrap="square" lIns="91425" tIns="45700" rIns="91425" bIns="45700" anchor="t" anchorCtr="0">
-            <a:noAutofit/>
-          </a:bodyPr>
-          <a:lstStyle/>
-          <a:p>
-            <a:pPr marL="0" marR="0" lvl="0" indent="0" algn="l" rtl="0">
-              <a:lnSpc>
-                <a:spcPct val="100000"/>
-              </a:lnSpc>
-              <a:spcBef>
-                <a:spcPts val="0"/>
-              </a:spcBef>
-              <a:spcAft>
-                <a:spcPts val="0"/>
-              </a:spcAft>
-              <a:buNone/>
-            </a:pPr>
-            <a:r>
-              <a:rPr lang="en-US" sz="1350" b="0" i="0" u="none" strike="noStrike" cap="none">
-                <a:solidFill>
-                  <a:srgbClr val="000000"/>
-                </a:solidFill>
-                <a:latin typeface="Arial" panose="020B0604020202020204"/>
-                <a:ea typeface="Arial" panose="020B0604020202020204"/>
-                <a:cs typeface="Arial" panose="020B0604020202020204"/>
-                <a:sym typeface="Arial" panose="020B0604020202020204"/>
-              </a:rPr>
-              <a:t>pub</a:t>
-            </a:r>
-            <a:endParaRPr sz="1350" b="0" i="0" u="none" strike="noStrike" cap="none">
-              <a:solidFill>
-                <a:srgbClr val="000000"/>
-              </a:solidFill>
-              <a:latin typeface="Arial" panose="020B0604020202020204"/>
-              <a:ea typeface="Arial" panose="020B0604020202020204"/>
-              <a:cs typeface="Arial" panose="020B0604020202020204"/>
-              <a:sym typeface="Arial" panose="020B0604020202020204"/>
-            </a:endParaRPr>
-          </a:p>
-        </p:txBody>
-      </p:sp>
-      <p:sp>
-        <p:nvSpPr>
-          <p:cNvPr id="20" name="Google Shape;329;p32">
-            <a:extLst>
-              <a:ext uri="{FF2B5EF4-FFF2-40B4-BE49-F238E27FC236}">
-                <a16:creationId xmlns:a16="http://schemas.microsoft.com/office/drawing/2014/main" id="{60BEA294-04F1-154A-AE09-33AD3816F08F}"/>
-              </a:ext>
-            </a:extLst>
-          </p:cNvPr>
-          <p:cNvSpPr txBox="1"/>
-          <p:nvPr/>
-        </p:nvSpPr>
-        <p:spPr>
-          <a:xfrm>
-            <a:off x="8792942" y="2491261"/>
-            <a:ext cx="620700" cy="507900"/>
-          </a:xfrm>
-          <a:prstGeom prst="rect">
-            <a:avLst/>
-          </a:prstGeom>
-          <a:noFill/>
-          <a:ln>
-            <a:noFill/>
-          </a:ln>
-        </p:spPr>
-        <p:txBody>
-          <a:bodyPr spcFirstLastPara="1" wrap="square" lIns="91425" tIns="45700" rIns="91425" bIns="45700" anchor="t" anchorCtr="0">
-            <a:noAutofit/>
-          </a:bodyPr>
-          <a:lstStyle/>
-          <a:p>
-            <a:pPr marL="0" marR="0" lvl="0" indent="0" algn="l" rtl="0">
-              <a:lnSpc>
-                <a:spcPct val="100000"/>
-              </a:lnSpc>
-              <a:spcBef>
-                <a:spcPts val="0"/>
-              </a:spcBef>
-              <a:spcAft>
-                <a:spcPts val="0"/>
-              </a:spcAft>
-              <a:buNone/>
-            </a:pPr>
-            <a:r>
-              <a:rPr lang="en-US" sz="1350" b="0" i="0" u="none" strike="noStrike" cap="none">
-                <a:solidFill>
-                  <a:srgbClr val="000000"/>
-                </a:solidFill>
-                <a:latin typeface="Arial" panose="020B0604020202020204"/>
-                <a:ea typeface="Arial" panose="020B0604020202020204"/>
-                <a:cs typeface="Arial" panose="020B0604020202020204"/>
-                <a:sym typeface="Arial" panose="020B0604020202020204"/>
-              </a:rPr>
-              <a:t>sub</a:t>
-            </a:r>
-          </a:p>
-        </p:txBody>
-      </p:sp>
-      <p:sp>
-        <p:nvSpPr>
-          <p:cNvPr id="21" name="Google Shape;330;p32">
-            <a:extLst>
-              <a:ext uri="{FF2B5EF4-FFF2-40B4-BE49-F238E27FC236}">
-                <a16:creationId xmlns:a16="http://schemas.microsoft.com/office/drawing/2014/main" id="{8BC106A1-C4B5-9D4E-BD9A-189E95436C94}"/>
-              </a:ext>
-            </a:extLst>
-          </p:cNvPr>
-          <p:cNvSpPr/>
-          <p:nvPr/>
-        </p:nvSpPr>
-        <p:spPr>
-          <a:xfrm>
-            <a:off x="6057460" y="3549461"/>
-            <a:ext cx="699798" cy="298707"/>
-          </a:xfrm>
-          <a:prstGeom prst="rect">
-            <a:avLst/>
-          </a:prstGeom>
-          <a:solidFill>
-            <a:srgbClr val="696774"/>
-          </a:solidFill>
-          <a:ln w="25400" cap="flat" cmpd="sng">
-            <a:solidFill>
-              <a:schemeClr val="lt1"/>
-            </a:solidFill>
-            <a:prstDash val="solid"/>
-            <a:round/>
-            <a:headEnd type="none" w="sm" len="sm"/>
-            <a:tailEnd type="none" w="sm" len="sm"/>
-          </a:ln>
-        </p:spPr>
-        <p:txBody>
-          <a:bodyPr spcFirstLastPara="1" wrap="square" lIns="68575" tIns="34275" rIns="68575" bIns="34275" anchor="ctr" anchorCtr="0">
-            <a:noAutofit/>
-          </a:bodyPr>
-          <a:lstStyle/>
-          <a:p>
-            <a:pPr marL="0" marR="0" lvl="0" indent="0" algn="ctr" rtl="0">
-              <a:lnSpc>
-                <a:spcPct val="100000"/>
-              </a:lnSpc>
-              <a:spcBef>
-                <a:spcPts val="0"/>
-              </a:spcBef>
-              <a:spcAft>
-                <a:spcPts val="0"/>
-              </a:spcAft>
-              <a:buNone/>
-            </a:pPr>
-            <a:r>
-              <a:rPr lang="en-US" sz="1200" b="0" i="0" u="none" strike="noStrike" cap="none" dirty="0">
-                <a:solidFill>
-                  <a:schemeClr val="lt1"/>
-                </a:solidFill>
-                <a:latin typeface="Arial" panose="020B0604020202020204"/>
-                <a:ea typeface="Arial" panose="020B0604020202020204"/>
-                <a:cs typeface="Arial" panose="020B0604020202020204"/>
-                <a:sym typeface="Arial" panose="020B0604020202020204"/>
-              </a:rPr>
-              <a:t>Selector</a:t>
-            </a:r>
-            <a:endParaRPr sz="1200" b="0" i="0" u="none" strike="noStrike" cap="none" dirty="0">
-              <a:solidFill>
-                <a:schemeClr val="lt1"/>
-              </a:solidFill>
-              <a:latin typeface="Arial" panose="020B0604020202020204"/>
-              <a:ea typeface="Arial" panose="020B0604020202020204"/>
-              <a:cs typeface="Arial" panose="020B0604020202020204"/>
-              <a:sym typeface="Arial" panose="020B0604020202020204"/>
-            </a:endParaRPr>
-          </a:p>
-        </p:txBody>
-      </p:sp>
-      <p:sp>
-        <p:nvSpPr>
-          <p:cNvPr id="28" name="Google Shape;337;p32">
-            <a:extLst>
-              <a:ext uri="{FF2B5EF4-FFF2-40B4-BE49-F238E27FC236}">
-                <a16:creationId xmlns:a16="http://schemas.microsoft.com/office/drawing/2014/main" id="{EF03CC86-5518-C340-8841-1BB23B0ADB45}"/>
-              </a:ext>
-            </a:extLst>
-          </p:cNvPr>
-          <p:cNvSpPr txBox="1"/>
-          <p:nvPr/>
-        </p:nvSpPr>
-        <p:spPr>
-          <a:xfrm>
-            <a:off x="6730631" y="3775558"/>
-            <a:ext cx="616513" cy="230832"/>
-          </a:xfrm>
-          <a:prstGeom prst="rect">
-            <a:avLst/>
-          </a:prstGeom>
-          <a:noFill/>
-          <a:ln>
-            <a:noFill/>
-          </a:ln>
-        </p:spPr>
-        <p:txBody>
-          <a:bodyPr spcFirstLastPara="1" wrap="square" lIns="91425" tIns="45700" rIns="91425" bIns="45700" anchor="t" anchorCtr="0">
-            <a:noAutofit/>
-          </a:bodyPr>
-          <a:lstStyle/>
-          <a:p>
-            <a:pPr marL="0" marR="0" lvl="0" indent="0" algn="l" rtl="0">
-              <a:lnSpc>
-                <a:spcPct val="100000"/>
-              </a:lnSpc>
-              <a:spcBef>
-                <a:spcPts val="0"/>
-              </a:spcBef>
-              <a:spcAft>
-                <a:spcPts val="0"/>
-              </a:spcAft>
-              <a:buNone/>
-            </a:pPr>
-            <a:r>
-              <a:rPr lang="en-US" sz="900" b="0" i="0" u="none" strike="noStrike" cap="none">
-                <a:solidFill>
-                  <a:srgbClr val="000000"/>
-                </a:solidFill>
-                <a:latin typeface="Arial" panose="020B0604020202020204"/>
-                <a:ea typeface="Arial" panose="020B0604020202020204"/>
-                <a:cs typeface="Arial" panose="020B0604020202020204"/>
-                <a:sym typeface="Arial" panose="020B0604020202020204"/>
-              </a:rPr>
-              <a:t>1. select</a:t>
-            </a:r>
-            <a:endParaRPr sz="900" b="0" i="0" u="none" strike="noStrike" cap="none">
-              <a:solidFill>
-                <a:srgbClr val="000000"/>
-              </a:solidFill>
-              <a:latin typeface="Arial" panose="020B0604020202020204"/>
-              <a:ea typeface="Arial" panose="020B0604020202020204"/>
-              <a:cs typeface="Arial" panose="020B0604020202020204"/>
-              <a:sym typeface="Arial" panose="020B0604020202020204"/>
-            </a:endParaRPr>
-          </a:p>
-        </p:txBody>
-      </p:sp>
-      <p:sp>
-        <p:nvSpPr>
-          <p:cNvPr id="29" name="Google Shape;322;p32">
-            <a:extLst>
-              <a:ext uri="{FF2B5EF4-FFF2-40B4-BE49-F238E27FC236}">
-                <a16:creationId xmlns:a16="http://schemas.microsoft.com/office/drawing/2014/main" id="{4CDC4272-EE37-A74C-ABFB-88E3F95B4340}"/>
-              </a:ext>
-            </a:extLst>
-          </p:cNvPr>
-          <p:cNvSpPr/>
-          <p:nvPr/>
-        </p:nvSpPr>
-        <p:spPr>
-          <a:xfrm>
-            <a:off x="6060333" y="3848509"/>
-            <a:ext cx="696924" cy="312791"/>
-          </a:xfrm>
-          <a:prstGeom prst="rect">
-            <a:avLst/>
-          </a:prstGeom>
-          <a:solidFill>
-            <a:srgbClr val="696774"/>
-          </a:solidFill>
-          <a:ln w="25400" cap="flat" cmpd="sng">
-            <a:solidFill>
-              <a:schemeClr val="lt1"/>
-            </a:solidFill>
-            <a:prstDash val="solid"/>
-            <a:round/>
-            <a:headEnd type="none" w="sm" len="sm"/>
-            <a:tailEnd type="none" w="sm" len="sm"/>
-          </a:ln>
-        </p:spPr>
-        <p:txBody>
-          <a:bodyPr spcFirstLastPara="1" wrap="square" lIns="68575" tIns="34275" rIns="68575" bIns="34275" anchor="ctr" anchorCtr="0">
-            <a:noAutofit/>
-          </a:bodyPr>
-          <a:lstStyle/>
-          <a:p>
-            <a:pPr marL="0" marR="0" lvl="0" indent="0" algn="ctr" rtl="0">
-              <a:lnSpc>
-                <a:spcPct val="100000"/>
-              </a:lnSpc>
-              <a:spcBef>
-                <a:spcPts val="0"/>
-              </a:spcBef>
-              <a:spcAft>
-                <a:spcPts val="0"/>
-              </a:spcAft>
-              <a:buNone/>
-            </a:pPr>
-            <a:r>
-              <a:rPr lang="en-US" sz="1200" b="0" i="0" u="none" strike="noStrike" cap="none" dirty="0">
-                <a:solidFill>
-                  <a:schemeClr val="lt1"/>
-                </a:solidFill>
-                <a:latin typeface="Arial" panose="020B0604020202020204"/>
-                <a:ea typeface="Arial" panose="020B0604020202020204"/>
-                <a:cs typeface="Arial" panose="020B0604020202020204"/>
-                <a:sym typeface="Arial" panose="020B0604020202020204"/>
-              </a:rPr>
-              <a:t>Registry</a:t>
-            </a:r>
-            <a:endParaRPr sz="1350" b="0" i="0" u="none" strike="noStrike" cap="none" dirty="0">
-              <a:solidFill>
-                <a:schemeClr val="lt1"/>
-              </a:solidFill>
-              <a:latin typeface="Arial" panose="020B0604020202020204"/>
-              <a:ea typeface="Arial" panose="020B0604020202020204"/>
-              <a:cs typeface="Arial" panose="020B0604020202020204"/>
-              <a:sym typeface="Arial" panose="020B0604020202020204"/>
-            </a:endParaRPr>
-          </a:p>
-        </p:txBody>
-      </p:sp>
-      <p:sp>
-        <p:nvSpPr>
-          <p:cNvPr id="30" name="Google Shape;319;p32">
-            <a:extLst>
-              <a:ext uri="{FF2B5EF4-FFF2-40B4-BE49-F238E27FC236}">
-                <a16:creationId xmlns:a16="http://schemas.microsoft.com/office/drawing/2014/main" id="{C68407BE-D744-0345-81B0-54E196B0C01A}"/>
-              </a:ext>
-            </a:extLst>
-          </p:cNvPr>
-          <p:cNvSpPr/>
-          <p:nvPr/>
-        </p:nvSpPr>
-        <p:spPr>
-          <a:xfrm>
-            <a:off x="9482490" y="3816611"/>
-            <a:ext cx="702326" cy="321942"/>
-          </a:xfrm>
-          <a:prstGeom prst="rect">
-            <a:avLst/>
-          </a:prstGeom>
-          <a:solidFill>
-            <a:srgbClr val="696774"/>
-          </a:solidFill>
-          <a:ln w="25400" cap="flat" cmpd="sng">
-            <a:solidFill>
-              <a:schemeClr val="lt1"/>
-            </a:solidFill>
-            <a:prstDash val="solid"/>
-            <a:round/>
-            <a:headEnd type="none" w="sm" len="sm"/>
-            <a:tailEnd type="none" w="sm" len="sm"/>
-          </a:ln>
-        </p:spPr>
-        <p:txBody>
-          <a:bodyPr spcFirstLastPara="1" wrap="square" lIns="68575" tIns="34275" rIns="68575" bIns="34275" anchor="ctr" anchorCtr="0">
-            <a:noAutofit/>
-          </a:bodyPr>
-          <a:lstStyle/>
-          <a:p>
-            <a:pPr marL="0" marR="0" lvl="0" indent="0" algn="ctr" rtl="0">
-              <a:lnSpc>
-                <a:spcPct val="100000"/>
-              </a:lnSpc>
-              <a:spcBef>
-                <a:spcPts val="0"/>
-              </a:spcBef>
-              <a:spcAft>
-                <a:spcPts val="0"/>
-              </a:spcAft>
-              <a:buNone/>
-            </a:pPr>
-            <a:r>
-              <a:rPr lang="en-US" sz="1200" b="0" i="0" u="none" strike="noStrike" cap="none" dirty="0">
-                <a:solidFill>
-                  <a:schemeClr val="lt1"/>
-                </a:solidFill>
-                <a:latin typeface="Arial" panose="020B0604020202020204"/>
-                <a:ea typeface="Arial" panose="020B0604020202020204"/>
-                <a:cs typeface="Arial" panose="020B0604020202020204"/>
-                <a:sym typeface="Arial" panose="020B0604020202020204"/>
-              </a:rPr>
-              <a:t>Registry</a:t>
-            </a:r>
-            <a:endParaRPr sz="1350" b="0" i="0" u="none" strike="noStrike" cap="none" dirty="0">
-              <a:solidFill>
-                <a:schemeClr val="lt1"/>
-              </a:solidFill>
-              <a:latin typeface="Arial" panose="020B0604020202020204"/>
-              <a:ea typeface="Arial" panose="020B0604020202020204"/>
-              <a:cs typeface="Arial" panose="020B0604020202020204"/>
-              <a:sym typeface="Arial" panose="020B0604020202020204"/>
-            </a:endParaRPr>
-          </a:p>
-        </p:txBody>
-      </p:sp>
-      <p:sp>
-        <p:nvSpPr>
-          <p:cNvPr id="31" name="Google Shape;338;p32">
-            <a:extLst>
-              <a:ext uri="{FF2B5EF4-FFF2-40B4-BE49-F238E27FC236}">
-                <a16:creationId xmlns:a16="http://schemas.microsoft.com/office/drawing/2014/main" id="{F989A04D-4165-4247-956D-B8FC4053420C}"/>
-              </a:ext>
-            </a:extLst>
-          </p:cNvPr>
-          <p:cNvSpPr/>
-          <p:nvPr/>
-        </p:nvSpPr>
-        <p:spPr>
-          <a:xfrm>
-            <a:off x="7792697" y="1929941"/>
-            <a:ext cx="815176" cy="335961"/>
-          </a:xfrm>
-          <a:prstGeom prst="rect">
-            <a:avLst/>
-          </a:prstGeom>
-          <a:solidFill>
-            <a:srgbClr val="560A30"/>
-          </a:solidFill>
-          <a:ln w="25400" cap="flat" cmpd="sng">
-            <a:solidFill>
-              <a:schemeClr val="lt1"/>
-            </a:solidFill>
-            <a:prstDash val="solid"/>
-            <a:round/>
-            <a:headEnd type="none" w="sm" len="sm"/>
-            <a:tailEnd type="none" w="sm" len="sm"/>
-          </a:ln>
-        </p:spPr>
-        <p:txBody>
-          <a:bodyPr spcFirstLastPara="1" wrap="square" lIns="68575" tIns="34275" rIns="68575" bIns="34275" anchor="ctr" anchorCtr="0">
-            <a:noAutofit/>
-          </a:bodyPr>
-          <a:lstStyle/>
-          <a:p>
-            <a:pPr marL="0" marR="0" lvl="0" indent="0" algn="ctr" rtl="0">
-              <a:lnSpc>
-                <a:spcPct val="100000"/>
-              </a:lnSpc>
-              <a:spcBef>
-                <a:spcPts val="0"/>
-              </a:spcBef>
-              <a:spcAft>
-                <a:spcPts val="0"/>
-              </a:spcAft>
-              <a:buNone/>
-            </a:pPr>
-            <a:r>
-              <a:rPr lang="en-US" sz="1350" b="0" i="0" u="none" strike="noStrike" cap="none" dirty="0">
-                <a:solidFill>
-                  <a:schemeClr val="lt1"/>
-                </a:solidFill>
-                <a:latin typeface="Arial" panose="020B0604020202020204"/>
-                <a:ea typeface="Arial" panose="020B0604020202020204"/>
-                <a:cs typeface="Arial" panose="020B0604020202020204"/>
-                <a:sym typeface="Arial" panose="020B0604020202020204"/>
-              </a:rPr>
-              <a:t>MQ</a:t>
-            </a:r>
-          </a:p>
-        </p:txBody>
-      </p:sp>
-      <p:cxnSp>
-        <p:nvCxnSpPr>
-          <p:cNvPr id="32" name="Google Shape;339;p32">
-            <a:extLst>
-              <a:ext uri="{FF2B5EF4-FFF2-40B4-BE49-F238E27FC236}">
-                <a16:creationId xmlns:a16="http://schemas.microsoft.com/office/drawing/2014/main" id="{250DD976-E389-8747-BA13-EE2B3C456FF0}"/>
-              </a:ext>
-            </a:extLst>
-          </p:cNvPr>
-          <p:cNvCxnSpPr>
-            <a:cxnSpLocks/>
-            <a:stCxn id="46" idx="0"/>
-            <a:endCxn id="31" idx="1"/>
-          </p:cNvCxnSpPr>
-          <p:nvPr/>
-        </p:nvCxnSpPr>
-        <p:spPr>
-          <a:xfrm rot="5400000" flipH="1" flipV="1">
-            <a:off x="6999352" y="2110474"/>
-            <a:ext cx="805896" cy="780793"/>
-          </a:xfrm>
-          <a:prstGeom prst="curvedConnector2">
-            <a:avLst/>
-          </a:prstGeom>
-          <a:noFill/>
-          <a:ln w="28575" cap="flat" cmpd="sng">
-            <a:solidFill>
-              <a:srgbClr val="00D4DD"/>
-            </a:solidFill>
-            <a:prstDash val="dash"/>
-            <a:round/>
-            <a:headEnd type="none" w="sm" len="sm"/>
-            <a:tailEnd type="triangle" w="med" len="med"/>
-          </a:ln>
-        </p:spPr>
-      </p:cxnSp>
-      <p:sp>
-        <p:nvSpPr>
-          <p:cNvPr id="33" name="Google Shape;341;p32">
-            <a:extLst>
-              <a:ext uri="{FF2B5EF4-FFF2-40B4-BE49-F238E27FC236}">
-                <a16:creationId xmlns:a16="http://schemas.microsoft.com/office/drawing/2014/main" id="{293C8934-3C9C-904D-9023-7B597AFDC194}"/>
-              </a:ext>
-            </a:extLst>
-          </p:cNvPr>
-          <p:cNvSpPr/>
-          <p:nvPr/>
-        </p:nvSpPr>
-        <p:spPr>
-          <a:xfrm>
-            <a:off x="6054198" y="2892156"/>
-            <a:ext cx="702326" cy="312857"/>
-          </a:xfrm>
-          <a:prstGeom prst="rect">
-            <a:avLst/>
-          </a:prstGeom>
-          <a:solidFill>
-            <a:srgbClr val="696774"/>
-          </a:solidFill>
-          <a:ln w="25400" cap="flat" cmpd="sng">
-            <a:solidFill>
-              <a:schemeClr val="lt1"/>
-            </a:solidFill>
-            <a:prstDash val="solid"/>
-            <a:round/>
-            <a:headEnd type="none" w="sm" len="sm"/>
-            <a:tailEnd type="none" w="sm" len="sm"/>
-          </a:ln>
-        </p:spPr>
-        <p:txBody>
-          <a:bodyPr spcFirstLastPara="1" wrap="square" lIns="68575" tIns="34275" rIns="68575" bIns="34275" anchor="ctr" anchorCtr="0">
-            <a:noAutofit/>
-          </a:bodyPr>
-          <a:lstStyle/>
-          <a:p>
-            <a:pPr marL="0" marR="0" lvl="0" indent="0" algn="ctr" rtl="0">
-              <a:lnSpc>
-                <a:spcPct val="100000"/>
-              </a:lnSpc>
-              <a:spcBef>
-                <a:spcPts val="0"/>
-              </a:spcBef>
-              <a:spcAft>
-                <a:spcPts val="0"/>
-              </a:spcAft>
-              <a:buNone/>
-            </a:pPr>
-            <a:r>
-              <a:rPr lang="en-US" sz="1350" b="0" i="0" u="none" strike="noStrike" cap="none" dirty="0">
-                <a:solidFill>
-                  <a:schemeClr val="lt1"/>
-                </a:solidFill>
-                <a:latin typeface="Arial" panose="020B0604020202020204"/>
-                <a:ea typeface="Arial" panose="020B0604020202020204"/>
-                <a:cs typeface="Arial" panose="020B0604020202020204"/>
-                <a:sym typeface="Arial" panose="020B0604020202020204"/>
-              </a:rPr>
-              <a:t>Broker</a:t>
-            </a:r>
-          </a:p>
-        </p:txBody>
-      </p:sp>
-      <p:cxnSp>
-        <p:nvCxnSpPr>
-          <p:cNvPr id="34" name="Google Shape;342;p32">
-            <a:extLst>
-              <a:ext uri="{FF2B5EF4-FFF2-40B4-BE49-F238E27FC236}">
-                <a16:creationId xmlns:a16="http://schemas.microsoft.com/office/drawing/2014/main" id="{EAFA6CC4-5616-394D-914D-707CEA2091C8}"/>
-              </a:ext>
-            </a:extLst>
-          </p:cNvPr>
-          <p:cNvCxnSpPr>
-            <a:endCxn id="29" idx="3"/>
-          </p:cNvCxnSpPr>
-          <p:nvPr/>
-        </p:nvCxnSpPr>
-        <p:spPr>
-          <a:xfrm rot="10800000">
-            <a:off x="6757257" y="4004905"/>
-            <a:ext cx="1902900" cy="1312200"/>
-          </a:xfrm>
-          <a:prstGeom prst="curvedConnector3">
-            <a:avLst>
-              <a:gd name="adj1" fmla="val 49998"/>
-            </a:avLst>
-          </a:prstGeom>
-          <a:noFill/>
-          <a:ln w="28575" cap="flat" cmpd="sng">
-            <a:solidFill>
-              <a:srgbClr val="00D4DD"/>
-            </a:solidFill>
-            <a:prstDash val="dash"/>
-            <a:round/>
-            <a:headEnd type="none" w="sm" len="sm"/>
-            <a:tailEnd type="triangle" w="med" len="med"/>
-          </a:ln>
-        </p:spPr>
-      </p:cxnSp>
-      <p:sp>
-        <p:nvSpPr>
-          <p:cNvPr id="35" name="Google Shape;343;p32">
-            <a:extLst>
-              <a:ext uri="{FF2B5EF4-FFF2-40B4-BE49-F238E27FC236}">
-                <a16:creationId xmlns:a16="http://schemas.microsoft.com/office/drawing/2014/main" id="{C0800864-66C1-D140-B8F3-EE53B16F9432}"/>
-              </a:ext>
-            </a:extLst>
-          </p:cNvPr>
-          <p:cNvSpPr/>
-          <p:nvPr/>
-        </p:nvSpPr>
-        <p:spPr>
-          <a:xfrm>
-            <a:off x="6054198" y="3205510"/>
-            <a:ext cx="702326" cy="343609"/>
-          </a:xfrm>
-          <a:prstGeom prst="rect">
-            <a:avLst/>
-          </a:prstGeom>
-          <a:solidFill>
-            <a:srgbClr val="696774"/>
-          </a:solidFill>
-          <a:ln w="25400" cap="flat" cmpd="sng">
-            <a:solidFill>
-              <a:schemeClr val="lt1"/>
-            </a:solidFill>
-            <a:prstDash val="solid"/>
-            <a:round/>
-            <a:headEnd type="none" w="sm" len="sm"/>
-            <a:tailEnd type="none" w="sm" len="sm"/>
-          </a:ln>
-        </p:spPr>
-        <p:txBody>
-          <a:bodyPr spcFirstLastPara="1" wrap="square" lIns="68575" tIns="34275" rIns="68575" bIns="34275" anchor="ctr" anchorCtr="0">
-            <a:noAutofit/>
-          </a:bodyPr>
-          <a:lstStyle/>
-          <a:p>
-            <a:pPr marL="0" marR="0" lvl="0" indent="0" algn="ctr" rtl="0">
-              <a:lnSpc>
-                <a:spcPct val="100000"/>
-              </a:lnSpc>
-              <a:spcBef>
-                <a:spcPts val="0"/>
-              </a:spcBef>
-              <a:spcAft>
-                <a:spcPts val="0"/>
-              </a:spcAft>
-              <a:buNone/>
-            </a:pPr>
-            <a:r>
-              <a:rPr lang="en-US" sz="1000" b="0" i="0" u="none" strike="noStrike" cap="none">
-                <a:solidFill>
-                  <a:schemeClr val="lt1"/>
-                </a:solidFill>
-                <a:latin typeface="Arial" panose="020B0604020202020204"/>
-                <a:ea typeface="Arial" panose="020B0604020202020204"/>
-                <a:cs typeface="Arial" panose="020B0604020202020204"/>
-                <a:sym typeface="Arial" panose="020B0604020202020204"/>
-              </a:rPr>
-              <a:t>Transport</a:t>
-            </a:r>
-          </a:p>
-        </p:txBody>
-      </p:sp>
-      <p:cxnSp>
-        <p:nvCxnSpPr>
-          <p:cNvPr id="36" name="Google Shape;344;p32">
-            <a:extLst>
-              <a:ext uri="{FF2B5EF4-FFF2-40B4-BE49-F238E27FC236}">
-                <a16:creationId xmlns:a16="http://schemas.microsoft.com/office/drawing/2014/main" id="{5B213779-C499-364C-8312-7AF21EA1FFC6}"/>
-              </a:ext>
-            </a:extLst>
-          </p:cNvPr>
-          <p:cNvCxnSpPr>
-            <a:stCxn id="4" idx="3"/>
-            <a:endCxn id="21" idx="3"/>
-          </p:cNvCxnSpPr>
-          <p:nvPr/>
-        </p:nvCxnSpPr>
-        <p:spPr>
-          <a:xfrm rot="10800000">
-            <a:off x="6757318" y="3698886"/>
-            <a:ext cx="5700" cy="654600"/>
-          </a:xfrm>
-          <a:prstGeom prst="curvedConnector3">
-            <a:avLst>
-              <a:gd name="adj1" fmla="val -3007764"/>
-            </a:avLst>
-          </a:prstGeom>
-          <a:noFill/>
-          <a:ln w="28575" cap="flat" cmpd="sng">
-            <a:solidFill>
-              <a:srgbClr val="00D4DD"/>
-            </a:solidFill>
-            <a:prstDash val="solid"/>
-            <a:round/>
-            <a:headEnd type="none" w="sm" len="sm"/>
-            <a:tailEnd type="triangle" w="med" len="med"/>
-          </a:ln>
-        </p:spPr>
-      </p:cxnSp>
-      <p:cxnSp>
-        <p:nvCxnSpPr>
-          <p:cNvPr id="37" name="Google Shape;345;p32">
-            <a:extLst>
-              <a:ext uri="{FF2B5EF4-FFF2-40B4-BE49-F238E27FC236}">
-                <a16:creationId xmlns:a16="http://schemas.microsoft.com/office/drawing/2014/main" id="{54926685-2660-D949-8DC4-80F48E5B125C}"/>
-              </a:ext>
-            </a:extLst>
-          </p:cNvPr>
-          <p:cNvCxnSpPr>
-            <a:stCxn id="21" idx="1"/>
-            <a:endCxn id="29" idx="1"/>
-          </p:cNvCxnSpPr>
-          <p:nvPr/>
-        </p:nvCxnSpPr>
-        <p:spPr>
-          <a:xfrm>
-            <a:off x="6057460" y="3698815"/>
-            <a:ext cx="3000" cy="306000"/>
-          </a:xfrm>
-          <a:prstGeom prst="curvedConnector3">
-            <a:avLst>
-              <a:gd name="adj1" fmla="val -5714502"/>
-            </a:avLst>
-          </a:prstGeom>
-          <a:noFill/>
-          <a:ln w="28575" cap="flat" cmpd="sng">
-            <a:solidFill>
-              <a:srgbClr val="00D4DD"/>
-            </a:solidFill>
-            <a:prstDash val="solid"/>
-            <a:round/>
-            <a:headEnd type="none" w="sm" len="sm"/>
-            <a:tailEnd type="triangle" w="med" len="med"/>
-          </a:ln>
-        </p:spPr>
-      </p:cxnSp>
-      <p:sp>
-        <p:nvSpPr>
-          <p:cNvPr id="38" name="Google Shape;346;p32">
-            <a:extLst>
-              <a:ext uri="{FF2B5EF4-FFF2-40B4-BE49-F238E27FC236}">
-                <a16:creationId xmlns:a16="http://schemas.microsoft.com/office/drawing/2014/main" id="{A786648A-161A-1F45-8F2C-AF0FD3B1A3EB}"/>
-              </a:ext>
-            </a:extLst>
-          </p:cNvPr>
-          <p:cNvSpPr txBox="1"/>
-          <p:nvPr/>
-        </p:nvSpPr>
-        <p:spPr>
-          <a:xfrm>
-            <a:off x="5494756" y="3783608"/>
-            <a:ext cx="616513" cy="230832"/>
-          </a:xfrm>
-          <a:prstGeom prst="rect">
-            <a:avLst/>
-          </a:prstGeom>
-          <a:noFill/>
-          <a:ln>
-            <a:noFill/>
-          </a:ln>
-        </p:spPr>
-        <p:txBody>
-          <a:bodyPr spcFirstLastPara="1" wrap="square" lIns="91425" tIns="45700" rIns="91425" bIns="45700" anchor="t" anchorCtr="0">
-            <a:noAutofit/>
-          </a:bodyPr>
-          <a:lstStyle/>
-          <a:p>
-            <a:pPr marL="0" marR="0" lvl="0" indent="0" algn="l" rtl="0">
-              <a:lnSpc>
-                <a:spcPct val="100000"/>
-              </a:lnSpc>
-              <a:spcBef>
-                <a:spcPts val="0"/>
-              </a:spcBef>
-              <a:spcAft>
-                <a:spcPts val="0"/>
-              </a:spcAft>
-              <a:buNone/>
-            </a:pPr>
-            <a:r>
-              <a:rPr lang="en-US" sz="900" b="0" i="0" u="none" strike="noStrike" cap="none">
-                <a:solidFill>
-                  <a:srgbClr val="000000"/>
-                </a:solidFill>
-                <a:latin typeface="Arial" panose="020B0604020202020204"/>
-                <a:ea typeface="Arial" panose="020B0604020202020204"/>
-                <a:cs typeface="Arial" panose="020B0604020202020204"/>
-                <a:sym typeface="Arial" panose="020B0604020202020204"/>
-              </a:rPr>
-              <a:t>2. get</a:t>
-            </a:r>
-          </a:p>
-        </p:txBody>
-      </p:sp>
-      <p:sp>
-        <p:nvSpPr>
-          <p:cNvPr id="39" name="Google Shape;347;p32">
-            <a:extLst>
-              <a:ext uri="{FF2B5EF4-FFF2-40B4-BE49-F238E27FC236}">
-                <a16:creationId xmlns:a16="http://schemas.microsoft.com/office/drawing/2014/main" id="{C2689520-C21C-5842-963B-1D19D51B3666}"/>
-              </a:ext>
-            </a:extLst>
-          </p:cNvPr>
-          <p:cNvSpPr/>
-          <p:nvPr/>
-        </p:nvSpPr>
-        <p:spPr>
-          <a:xfrm>
-            <a:off x="6764184" y="3218236"/>
-            <a:ext cx="482185" cy="316116"/>
-          </a:xfrm>
-          <a:prstGeom prst="rect">
-            <a:avLst/>
-          </a:prstGeom>
-          <a:solidFill>
-            <a:srgbClr val="696774"/>
-          </a:solidFill>
-          <a:ln w="25400" cap="flat" cmpd="sng">
-            <a:noFill/>
-            <a:prstDash val="solid"/>
-            <a:round/>
-            <a:headEnd type="none" w="sm" len="sm"/>
-            <a:tailEnd type="none" w="sm" len="sm"/>
-          </a:ln>
-        </p:spPr>
-        <p:txBody>
-          <a:bodyPr spcFirstLastPara="1" wrap="square" lIns="68575" tIns="34275" rIns="68575" bIns="34275" anchor="ctr" anchorCtr="0">
-            <a:noAutofit/>
-          </a:bodyPr>
-          <a:lstStyle/>
-          <a:p>
-            <a:pPr marL="0" marR="0" lvl="0" indent="0" algn="ctr" rtl="0">
-              <a:lnSpc>
-                <a:spcPct val="100000"/>
-              </a:lnSpc>
-              <a:spcBef>
-                <a:spcPts val="0"/>
-              </a:spcBef>
-              <a:spcAft>
-                <a:spcPts val="0"/>
-              </a:spcAft>
-              <a:buNone/>
-            </a:pPr>
-            <a:r>
-              <a:rPr lang="en-US" sz="900" b="0" i="0" u="none" strike="noStrike" cap="none" dirty="0">
-                <a:solidFill>
-                  <a:schemeClr val="lt1"/>
-                </a:solidFill>
-                <a:latin typeface="Arial" panose="020B0604020202020204"/>
-                <a:ea typeface="Arial" panose="020B0604020202020204"/>
-                <a:cs typeface="Arial" panose="020B0604020202020204"/>
-                <a:sym typeface="Arial" panose="020B0604020202020204"/>
-              </a:rPr>
-              <a:t>Codec</a:t>
-            </a:r>
-            <a:endParaRPr sz="1100" b="0" i="0" u="none" strike="noStrike" cap="none" dirty="0">
-              <a:solidFill>
-                <a:schemeClr val="lt1"/>
-              </a:solidFill>
-              <a:latin typeface="Arial" panose="020B0604020202020204"/>
-              <a:ea typeface="Arial" panose="020B0604020202020204"/>
-              <a:cs typeface="Arial" panose="020B0604020202020204"/>
-              <a:sym typeface="Arial" panose="020B0604020202020204"/>
-            </a:endParaRPr>
-          </a:p>
-        </p:txBody>
-      </p:sp>
-      <p:sp>
-        <p:nvSpPr>
-          <p:cNvPr id="40" name="Google Shape;348;p32">
-            <a:extLst>
-              <a:ext uri="{FF2B5EF4-FFF2-40B4-BE49-F238E27FC236}">
-                <a16:creationId xmlns:a16="http://schemas.microsoft.com/office/drawing/2014/main" id="{97665504-1F1F-8E4D-A1DF-53390B5C81BA}"/>
-              </a:ext>
-            </a:extLst>
-          </p:cNvPr>
-          <p:cNvSpPr/>
-          <p:nvPr/>
-        </p:nvSpPr>
-        <p:spPr>
-          <a:xfrm>
-            <a:off x="8989469" y="3229768"/>
-            <a:ext cx="482185" cy="570837"/>
-          </a:xfrm>
-          <a:prstGeom prst="rect">
-            <a:avLst/>
-          </a:prstGeom>
-          <a:solidFill>
-            <a:srgbClr val="696774"/>
-          </a:solidFill>
-          <a:ln w="25400" cap="flat" cmpd="sng">
-            <a:noFill/>
-            <a:prstDash val="solid"/>
-            <a:round/>
-            <a:headEnd type="none" w="sm" len="sm"/>
-            <a:tailEnd type="none" w="sm" len="sm"/>
-          </a:ln>
-        </p:spPr>
-        <p:txBody>
-          <a:bodyPr spcFirstLastPara="1" wrap="square" lIns="68575" tIns="34275" rIns="68575" bIns="34275" anchor="ctr" anchorCtr="0">
-            <a:noAutofit/>
-          </a:bodyPr>
-          <a:lstStyle/>
-          <a:p>
-            <a:pPr marL="0" marR="0" lvl="0" indent="0" algn="ctr" rtl="0">
-              <a:lnSpc>
-                <a:spcPct val="100000"/>
-              </a:lnSpc>
-              <a:spcBef>
-                <a:spcPts val="0"/>
-              </a:spcBef>
-              <a:spcAft>
-                <a:spcPts val="0"/>
-              </a:spcAft>
-              <a:buNone/>
-            </a:pPr>
-            <a:r>
-              <a:rPr lang="en-US" sz="900" b="0" i="0" u="none" strike="noStrike" cap="none">
-                <a:solidFill>
-                  <a:schemeClr val="lt1"/>
-                </a:solidFill>
-                <a:latin typeface="Arial" panose="020B0604020202020204"/>
-                <a:ea typeface="Arial" panose="020B0604020202020204"/>
-                <a:cs typeface="Arial" panose="020B0604020202020204"/>
-                <a:sym typeface="Arial" panose="020B0604020202020204"/>
-              </a:rPr>
-              <a:t>Codec</a:t>
-            </a:r>
-            <a:endParaRPr sz="1100" b="0" i="0" u="none" strike="noStrike" cap="none">
-              <a:solidFill>
-                <a:schemeClr val="lt1"/>
-              </a:solidFill>
-              <a:latin typeface="Arial" panose="020B0604020202020204"/>
-              <a:ea typeface="Arial" panose="020B0604020202020204"/>
-              <a:cs typeface="Arial" panose="020B0604020202020204"/>
-              <a:sym typeface="Arial" panose="020B0604020202020204"/>
-            </a:endParaRPr>
-          </a:p>
-        </p:txBody>
-      </p:sp>
-      <p:cxnSp>
-        <p:nvCxnSpPr>
-          <p:cNvPr id="41" name="Google Shape;349;p32">
-            <a:extLst>
-              <a:ext uri="{FF2B5EF4-FFF2-40B4-BE49-F238E27FC236}">
-                <a16:creationId xmlns:a16="http://schemas.microsoft.com/office/drawing/2014/main" id="{1B5929E0-4C3D-F643-A0A4-65DE04CFCFDD}"/>
-              </a:ext>
-            </a:extLst>
-          </p:cNvPr>
-          <p:cNvCxnSpPr>
-            <a:cxnSpLocks/>
-            <a:stCxn id="39" idx="3"/>
-            <a:endCxn id="40" idx="1"/>
-          </p:cNvCxnSpPr>
-          <p:nvPr/>
-        </p:nvCxnSpPr>
-        <p:spPr>
-          <a:xfrm>
-            <a:off x="7246369" y="3376294"/>
-            <a:ext cx="1743100" cy="138893"/>
-          </a:xfrm>
-          <a:prstGeom prst="curvedConnector3">
-            <a:avLst>
-              <a:gd name="adj1" fmla="val 50000"/>
-            </a:avLst>
-          </a:prstGeom>
-          <a:noFill/>
-          <a:ln w="28575" cap="flat" cmpd="sng">
-            <a:solidFill>
-              <a:srgbClr val="00D4DD"/>
-            </a:solidFill>
-            <a:prstDash val="solid"/>
-            <a:round/>
-            <a:headEnd type="none" w="sm" len="sm"/>
-            <a:tailEnd type="triangle" w="med" len="med"/>
-          </a:ln>
-        </p:spPr>
-      </p:cxnSp>
-      <p:cxnSp>
-        <p:nvCxnSpPr>
-          <p:cNvPr id="42" name="Google Shape;350;p32">
-            <a:extLst>
-              <a:ext uri="{FF2B5EF4-FFF2-40B4-BE49-F238E27FC236}">
-                <a16:creationId xmlns:a16="http://schemas.microsoft.com/office/drawing/2014/main" id="{DADADBC2-26EE-8F41-B76B-CD5BED63B2ED}"/>
-              </a:ext>
-            </a:extLst>
-          </p:cNvPr>
-          <p:cNvCxnSpPr>
-            <a:cxnSpLocks/>
-            <a:stCxn id="40" idx="2"/>
-            <a:endCxn id="39" idx="2"/>
-          </p:cNvCxnSpPr>
-          <p:nvPr/>
-        </p:nvCxnSpPr>
-        <p:spPr>
-          <a:xfrm rot="5400000" flipH="1">
-            <a:off x="7984793" y="2554837"/>
-            <a:ext cx="266253" cy="2225285"/>
-          </a:xfrm>
-          <a:prstGeom prst="curvedConnector3">
-            <a:avLst>
-              <a:gd name="adj1" fmla="val -85858"/>
-            </a:avLst>
-          </a:prstGeom>
-          <a:noFill/>
-          <a:ln w="28575" cap="flat" cmpd="sng">
-            <a:solidFill>
-              <a:srgbClr val="00D4DD"/>
-            </a:solidFill>
-            <a:prstDash val="solid"/>
-            <a:round/>
-            <a:headEnd type="none" w="sm" len="sm"/>
-            <a:tailEnd type="triangle" w="med" len="med"/>
-          </a:ln>
-        </p:spPr>
-      </p:cxnSp>
-      <p:cxnSp>
-        <p:nvCxnSpPr>
-          <p:cNvPr id="43" name="Google Shape;351;p32">
-            <a:extLst>
-              <a:ext uri="{FF2B5EF4-FFF2-40B4-BE49-F238E27FC236}">
-                <a16:creationId xmlns:a16="http://schemas.microsoft.com/office/drawing/2014/main" id="{222FC039-F4FD-2A42-A476-0C4213474E66}"/>
-              </a:ext>
-            </a:extLst>
-          </p:cNvPr>
-          <p:cNvCxnSpPr>
-            <a:cxnSpLocks/>
-            <a:stCxn id="29" idx="1"/>
-            <a:endCxn id="10" idx="2"/>
-          </p:cNvCxnSpPr>
-          <p:nvPr/>
-        </p:nvCxnSpPr>
-        <p:spPr>
-          <a:xfrm rot="10800000" flipH="1" flipV="1">
-            <a:off x="6060332" y="4004905"/>
-            <a:ext cx="2661831" cy="1695940"/>
-          </a:xfrm>
-          <a:prstGeom prst="curvedConnector4">
-            <a:avLst>
-              <a:gd name="adj1" fmla="val -24309"/>
-              <a:gd name="adj2" fmla="val 113479"/>
-            </a:avLst>
-          </a:prstGeom>
-          <a:noFill/>
-          <a:ln w="28575" cap="flat" cmpd="sng">
-            <a:solidFill>
-              <a:srgbClr val="00D4DD"/>
-            </a:solidFill>
-            <a:prstDash val="solid"/>
-            <a:round/>
-            <a:headEnd type="none" w="sm" len="sm"/>
-            <a:tailEnd type="triangle" w="med" len="med"/>
-          </a:ln>
-        </p:spPr>
-      </p:cxnSp>
-      <p:sp>
-        <p:nvSpPr>
-          <p:cNvPr id="44" name="Google Shape;352;p32">
-            <a:extLst>
-              <a:ext uri="{FF2B5EF4-FFF2-40B4-BE49-F238E27FC236}">
-                <a16:creationId xmlns:a16="http://schemas.microsoft.com/office/drawing/2014/main" id="{EE316E09-2A54-CB41-BE95-3436CC75E822}"/>
-              </a:ext>
-            </a:extLst>
-          </p:cNvPr>
-          <p:cNvSpPr txBox="1"/>
-          <p:nvPr/>
-        </p:nvSpPr>
-        <p:spPr>
-          <a:xfrm>
-            <a:off x="6053612" y="5415431"/>
-            <a:ext cx="539145" cy="230832"/>
-          </a:xfrm>
-          <a:prstGeom prst="rect">
-            <a:avLst/>
-          </a:prstGeom>
-          <a:noFill/>
-          <a:ln>
-            <a:noFill/>
-          </a:ln>
-        </p:spPr>
-        <p:txBody>
-          <a:bodyPr spcFirstLastPara="1" wrap="square" lIns="91425" tIns="45700" rIns="91425" bIns="45700" anchor="t" anchorCtr="0">
-            <a:noAutofit/>
-          </a:bodyPr>
-          <a:lstStyle/>
-          <a:p>
-            <a:pPr marL="0" marR="0" lvl="0" indent="0" algn="l" rtl="0">
-              <a:lnSpc>
-                <a:spcPct val="100000"/>
-              </a:lnSpc>
-              <a:spcBef>
-                <a:spcPts val="0"/>
-              </a:spcBef>
-              <a:spcAft>
-                <a:spcPts val="0"/>
-              </a:spcAft>
-              <a:buNone/>
-            </a:pPr>
-            <a:r>
-              <a:rPr lang="en-US" sz="900" b="0" i="0" u="none" strike="noStrike" cap="none">
-                <a:solidFill>
-                  <a:srgbClr val="000000"/>
-                </a:solidFill>
-                <a:latin typeface="Arial" panose="020B0604020202020204"/>
-                <a:ea typeface="Arial" panose="020B0604020202020204"/>
-                <a:cs typeface="Arial" panose="020B0604020202020204"/>
-                <a:sym typeface="Arial" panose="020B0604020202020204"/>
-              </a:rPr>
-              <a:t>3. list</a:t>
-            </a:r>
-            <a:endParaRPr sz="900" b="0" i="0" u="none" strike="noStrike" cap="none">
-              <a:solidFill>
-                <a:srgbClr val="000000"/>
-              </a:solidFill>
-              <a:latin typeface="Arial" panose="020B0604020202020204"/>
-              <a:ea typeface="Arial" panose="020B0604020202020204"/>
-              <a:cs typeface="Arial" panose="020B0604020202020204"/>
-              <a:sym typeface="Arial" panose="020B0604020202020204"/>
-            </a:endParaRPr>
-          </a:p>
-        </p:txBody>
-      </p:sp>
-      <p:cxnSp>
-        <p:nvCxnSpPr>
-          <p:cNvPr id="45" name="Google Shape;353;p32">
-            <a:extLst>
-              <a:ext uri="{FF2B5EF4-FFF2-40B4-BE49-F238E27FC236}">
-                <a16:creationId xmlns:a16="http://schemas.microsoft.com/office/drawing/2014/main" id="{B7DAF48A-A33B-A44F-B852-106824FFBC3B}"/>
-              </a:ext>
-            </a:extLst>
-          </p:cNvPr>
-          <p:cNvCxnSpPr>
-            <a:cxnSpLocks/>
-            <a:stCxn id="47" idx="0"/>
-            <a:endCxn id="31" idx="3"/>
-          </p:cNvCxnSpPr>
-          <p:nvPr/>
-        </p:nvCxnSpPr>
-        <p:spPr>
-          <a:xfrm rot="16200000" flipV="1">
-            <a:off x="8510505" y="2195290"/>
-            <a:ext cx="815522" cy="620786"/>
-          </a:xfrm>
-          <a:prstGeom prst="curvedConnector2">
-            <a:avLst/>
-          </a:prstGeom>
-          <a:noFill/>
-          <a:ln w="28575" cap="flat" cmpd="sng">
-            <a:solidFill>
-              <a:srgbClr val="00D4DD"/>
-            </a:solidFill>
-            <a:prstDash val="dash"/>
-            <a:round/>
-            <a:headEnd type="none" w="sm" len="sm"/>
-            <a:tailEnd type="triangle" w="med" len="med"/>
-          </a:ln>
-        </p:spPr>
-      </p:cxnSp>
-      <p:sp>
-        <p:nvSpPr>
-          <p:cNvPr id="46" name="Google Shape;340;p32">
-            <a:extLst>
-              <a:ext uri="{FF2B5EF4-FFF2-40B4-BE49-F238E27FC236}">
-                <a16:creationId xmlns:a16="http://schemas.microsoft.com/office/drawing/2014/main" id="{F0E792BD-6261-9A4D-BB17-98900976E8CD}"/>
-              </a:ext>
-            </a:extLst>
-          </p:cNvPr>
-          <p:cNvSpPr/>
-          <p:nvPr/>
-        </p:nvSpPr>
-        <p:spPr>
-          <a:xfrm>
-            <a:off x="6770811" y="2903818"/>
-            <a:ext cx="482185" cy="291570"/>
-          </a:xfrm>
-          <a:prstGeom prst="rect">
-            <a:avLst/>
-          </a:prstGeom>
-          <a:solidFill>
-            <a:srgbClr val="696774"/>
-          </a:solidFill>
-          <a:ln w="25400" cap="flat" cmpd="sng">
-            <a:noFill/>
-            <a:prstDash val="solid"/>
-            <a:round/>
-            <a:headEnd type="none" w="sm" len="sm"/>
-            <a:tailEnd type="none" w="sm" len="sm"/>
-          </a:ln>
-        </p:spPr>
-        <p:txBody>
-          <a:bodyPr spcFirstLastPara="1" wrap="square" lIns="68575" tIns="34275" rIns="68575" bIns="34275" anchor="ctr" anchorCtr="0">
-            <a:noAutofit/>
-          </a:bodyPr>
-          <a:lstStyle/>
-          <a:p>
-            <a:pPr marL="0" marR="0" lvl="0" indent="0" algn="ctr" rtl="0">
-              <a:lnSpc>
-                <a:spcPct val="100000"/>
-              </a:lnSpc>
-              <a:spcBef>
-                <a:spcPts val="0"/>
-              </a:spcBef>
-              <a:spcAft>
-                <a:spcPts val="0"/>
-              </a:spcAft>
-              <a:buNone/>
-            </a:pPr>
-            <a:r>
-              <a:rPr lang="en-US" sz="900" b="0" i="0" u="none" strike="noStrike" cap="none">
-                <a:solidFill>
-                  <a:schemeClr val="lt1"/>
-                </a:solidFill>
-                <a:latin typeface="Arial" panose="020B0604020202020204"/>
-                <a:ea typeface="Arial" panose="020B0604020202020204"/>
-                <a:cs typeface="Arial" panose="020B0604020202020204"/>
-                <a:sym typeface="Arial" panose="020B0604020202020204"/>
-              </a:rPr>
-              <a:t>Codec</a:t>
-            </a:r>
-            <a:endParaRPr sz="1100" b="0" i="0" u="none" strike="noStrike" cap="none">
-              <a:solidFill>
-                <a:schemeClr val="lt1"/>
-              </a:solidFill>
-              <a:latin typeface="Arial" panose="020B0604020202020204"/>
-              <a:ea typeface="Arial" panose="020B0604020202020204"/>
-              <a:cs typeface="Arial" panose="020B0604020202020204"/>
-              <a:sym typeface="Arial" panose="020B0604020202020204"/>
-            </a:endParaRPr>
-          </a:p>
-        </p:txBody>
-      </p:sp>
-      <p:sp>
-        <p:nvSpPr>
-          <p:cNvPr id="47" name="Google Shape;354;p32">
-            <a:extLst>
-              <a:ext uri="{FF2B5EF4-FFF2-40B4-BE49-F238E27FC236}">
-                <a16:creationId xmlns:a16="http://schemas.microsoft.com/office/drawing/2014/main" id="{16A34385-20DB-4046-A262-AE4118F27069}"/>
-              </a:ext>
-            </a:extLst>
-          </p:cNvPr>
-          <p:cNvSpPr/>
-          <p:nvPr/>
-        </p:nvSpPr>
-        <p:spPr>
-          <a:xfrm>
-            <a:off x="8987566" y="2913444"/>
-            <a:ext cx="482185" cy="281944"/>
-          </a:xfrm>
-          <a:prstGeom prst="rect">
-            <a:avLst/>
-          </a:prstGeom>
-          <a:solidFill>
-            <a:srgbClr val="696774"/>
-          </a:solidFill>
-          <a:ln w="25400" cap="flat" cmpd="sng">
-            <a:noFill/>
-            <a:prstDash val="solid"/>
-            <a:round/>
-            <a:headEnd type="none" w="sm" len="sm"/>
-            <a:tailEnd type="none" w="sm" len="sm"/>
-          </a:ln>
-        </p:spPr>
-        <p:txBody>
-          <a:bodyPr spcFirstLastPara="1" wrap="square" lIns="68575" tIns="34275" rIns="68575" bIns="34275" anchor="ctr" anchorCtr="0">
-            <a:noAutofit/>
-          </a:bodyPr>
-          <a:lstStyle/>
-          <a:p>
-            <a:pPr marL="0" marR="0" lvl="0" indent="0" algn="ctr" rtl="0">
-              <a:lnSpc>
-                <a:spcPct val="100000"/>
-              </a:lnSpc>
-              <a:spcBef>
-                <a:spcPts val="0"/>
-              </a:spcBef>
-              <a:spcAft>
-                <a:spcPts val="0"/>
-              </a:spcAft>
-              <a:buNone/>
-            </a:pPr>
-            <a:r>
-              <a:rPr lang="en-US" sz="900" b="0" i="0" u="none" strike="noStrike" cap="none" dirty="0">
-                <a:solidFill>
-                  <a:schemeClr val="lt1"/>
-                </a:solidFill>
-                <a:latin typeface="Arial" panose="020B0604020202020204"/>
-                <a:ea typeface="Arial" panose="020B0604020202020204"/>
-                <a:cs typeface="Arial" panose="020B0604020202020204"/>
-                <a:sym typeface="Arial" panose="020B0604020202020204"/>
-              </a:rPr>
-              <a:t>Codec</a:t>
-            </a:r>
-            <a:endParaRPr sz="1100" b="0" i="0" u="none" strike="noStrike" cap="none" dirty="0">
-              <a:solidFill>
-                <a:schemeClr val="lt1"/>
-              </a:solidFill>
-              <a:latin typeface="Arial" panose="020B0604020202020204"/>
-              <a:ea typeface="Arial" panose="020B0604020202020204"/>
-              <a:cs typeface="Arial" panose="020B0604020202020204"/>
-              <a:sym typeface="Arial" panose="020B0604020202020204"/>
-            </a:endParaRPr>
-          </a:p>
-        </p:txBody>
-      </p:sp>
-      <p:cxnSp>
-        <p:nvCxnSpPr>
-          <p:cNvPr id="55" name="Google Shape;331;p32">
-            <a:extLst>
-              <a:ext uri="{FF2B5EF4-FFF2-40B4-BE49-F238E27FC236}">
-                <a16:creationId xmlns:a16="http://schemas.microsoft.com/office/drawing/2014/main" id="{BAC22A30-8EA9-E74B-82E2-EBA6BBE42F64}"/>
-              </a:ext>
-            </a:extLst>
-          </p:cNvPr>
-          <p:cNvCxnSpPr>
-            <a:cxnSpLocks/>
-          </p:cNvCxnSpPr>
-          <p:nvPr/>
-        </p:nvCxnSpPr>
-        <p:spPr>
-          <a:xfrm>
-            <a:off x="7862350" y="6506119"/>
-            <a:ext cx="276787" cy="0"/>
-          </a:xfrm>
-          <a:prstGeom prst="straightConnector1">
-            <a:avLst/>
-          </a:prstGeom>
-          <a:noFill/>
-          <a:ln w="28575" cap="flat" cmpd="sng">
-            <a:solidFill>
-              <a:srgbClr val="805AFF"/>
-            </a:solidFill>
-            <a:prstDash val="dash"/>
-            <a:round/>
-            <a:headEnd type="none" w="sm" len="sm"/>
-            <a:tailEnd type="triangle" w="med" len="med"/>
-          </a:ln>
-        </p:spPr>
-      </p:cxnSp>
-      <p:sp>
-        <p:nvSpPr>
-          <p:cNvPr id="56" name="Google Shape;332;p32">
-            <a:extLst>
-              <a:ext uri="{FF2B5EF4-FFF2-40B4-BE49-F238E27FC236}">
-                <a16:creationId xmlns:a16="http://schemas.microsoft.com/office/drawing/2014/main" id="{23B228BA-8261-684A-8632-D7B278B1951B}"/>
-              </a:ext>
-            </a:extLst>
-          </p:cNvPr>
-          <p:cNvSpPr txBox="1"/>
-          <p:nvPr/>
-        </p:nvSpPr>
-        <p:spPr>
-          <a:xfrm>
-            <a:off x="7787974" y="6194482"/>
-            <a:ext cx="600917" cy="300082"/>
-          </a:xfrm>
-          <a:prstGeom prst="rect">
-            <a:avLst/>
-          </a:prstGeom>
-          <a:noFill/>
-          <a:ln>
-            <a:noFill/>
-          </a:ln>
-        </p:spPr>
-        <p:txBody>
-          <a:bodyPr spcFirstLastPara="1" wrap="square" lIns="91425" tIns="45700" rIns="91425" bIns="45700" anchor="t" anchorCtr="0">
-            <a:noAutofit/>
-          </a:bodyPr>
-          <a:lstStyle/>
-          <a:p>
-            <a:pPr marL="0" marR="0" lvl="0" indent="0" algn="l" rtl="0">
-              <a:lnSpc>
-                <a:spcPct val="100000"/>
-              </a:lnSpc>
-              <a:spcBef>
-                <a:spcPts val="0"/>
-              </a:spcBef>
-              <a:spcAft>
-                <a:spcPts val="0"/>
-              </a:spcAft>
-              <a:buNone/>
-            </a:pPr>
-            <a:r>
-              <a:rPr lang="en-US" sz="1350" b="0" i="0" u="none" strike="noStrike" cap="none">
-                <a:solidFill>
-                  <a:srgbClr val="000000"/>
-                </a:solidFill>
-                <a:latin typeface="Arial" panose="020B0604020202020204"/>
-                <a:ea typeface="Arial" panose="020B0604020202020204"/>
-                <a:cs typeface="Arial" panose="020B0604020202020204"/>
-                <a:sym typeface="Arial" panose="020B0604020202020204"/>
-              </a:rPr>
-              <a:t>init</a:t>
-            </a:r>
-            <a:endParaRPr sz="1350" b="0" i="0" u="none" strike="noStrike" cap="none">
-              <a:solidFill>
-                <a:srgbClr val="000000"/>
-              </a:solidFill>
-              <a:latin typeface="Arial" panose="020B0604020202020204"/>
-              <a:ea typeface="Arial" panose="020B0604020202020204"/>
-              <a:cs typeface="Arial" panose="020B0604020202020204"/>
-              <a:sym typeface="Arial" panose="020B0604020202020204"/>
-            </a:endParaRPr>
-          </a:p>
-        </p:txBody>
-      </p:sp>
-      <p:cxnSp>
-        <p:nvCxnSpPr>
-          <p:cNvPr id="57" name="Google Shape;333;p32">
-            <a:extLst>
-              <a:ext uri="{FF2B5EF4-FFF2-40B4-BE49-F238E27FC236}">
-                <a16:creationId xmlns:a16="http://schemas.microsoft.com/office/drawing/2014/main" id="{AB118BC0-AB7D-1345-9DF6-339480419F68}"/>
-              </a:ext>
-            </a:extLst>
-          </p:cNvPr>
-          <p:cNvCxnSpPr>
-            <a:cxnSpLocks/>
-          </p:cNvCxnSpPr>
-          <p:nvPr/>
-        </p:nvCxnSpPr>
-        <p:spPr>
-          <a:xfrm>
-            <a:off x="8348161" y="6506119"/>
-            <a:ext cx="276787" cy="0"/>
-          </a:xfrm>
-          <a:prstGeom prst="straightConnector1">
-            <a:avLst/>
-          </a:prstGeom>
-          <a:noFill/>
-          <a:ln w="28575" cap="flat" cmpd="sng">
-            <a:solidFill>
-              <a:srgbClr val="00D4DD"/>
-            </a:solidFill>
-            <a:prstDash val="dash"/>
-            <a:round/>
-            <a:headEnd type="none" w="sm" len="sm"/>
-            <a:tailEnd type="triangle" w="med" len="med"/>
-          </a:ln>
-        </p:spPr>
-      </p:cxnSp>
-      <p:sp>
-        <p:nvSpPr>
-          <p:cNvPr id="58" name="Google Shape;334;p32">
-            <a:extLst>
-              <a:ext uri="{FF2B5EF4-FFF2-40B4-BE49-F238E27FC236}">
-                <a16:creationId xmlns:a16="http://schemas.microsoft.com/office/drawing/2014/main" id="{1F6DE633-F020-064F-8DC7-513541830E64}"/>
-              </a:ext>
-            </a:extLst>
-          </p:cNvPr>
-          <p:cNvSpPr txBox="1"/>
-          <p:nvPr/>
-        </p:nvSpPr>
-        <p:spPr>
-          <a:xfrm>
-            <a:off x="8242311" y="6181554"/>
-            <a:ext cx="600917" cy="276999"/>
-          </a:xfrm>
-          <a:prstGeom prst="rect">
-            <a:avLst/>
-          </a:prstGeom>
-          <a:noFill/>
-          <a:ln>
-            <a:noFill/>
-          </a:ln>
-        </p:spPr>
-        <p:txBody>
-          <a:bodyPr spcFirstLastPara="1" wrap="square" lIns="91425" tIns="45700" rIns="91425" bIns="45700" anchor="t" anchorCtr="0">
-            <a:noAutofit/>
-          </a:bodyPr>
-          <a:lstStyle/>
-          <a:p>
-            <a:pPr marL="0" marR="0" lvl="0" indent="0" algn="l" rtl="0">
-              <a:lnSpc>
-                <a:spcPct val="100000"/>
-              </a:lnSpc>
-              <a:spcBef>
-                <a:spcPts val="0"/>
-              </a:spcBef>
-              <a:spcAft>
-                <a:spcPts val="0"/>
-              </a:spcAft>
-              <a:buNone/>
-            </a:pPr>
-            <a:r>
-              <a:rPr lang="en-US" sz="1200" b="0" i="0" u="none" strike="noStrike" cap="none">
-                <a:solidFill>
-                  <a:srgbClr val="000000"/>
-                </a:solidFill>
-                <a:latin typeface="Arial" panose="020B0604020202020204"/>
-                <a:ea typeface="Arial" panose="020B0604020202020204"/>
-                <a:cs typeface="Arial" panose="020B0604020202020204"/>
-                <a:sym typeface="Arial" panose="020B0604020202020204"/>
-              </a:rPr>
-              <a:t>async</a:t>
-            </a:r>
-            <a:endParaRPr sz="1350" b="0" i="0" u="none" strike="noStrike" cap="none">
-              <a:solidFill>
-                <a:srgbClr val="000000"/>
-              </a:solidFill>
-              <a:latin typeface="Arial" panose="020B0604020202020204"/>
-              <a:ea typeface="Arial" panose="020B0604020202020204"/>
-              <a:cs typeface="Arial" panose="020B0604020202020204"/>
-              <a:sym typeface="Arial" panose="020B0604020202020204"/>
-            </a:endParaRPr>
-          </a:p>
-        </p:txBody>
-      </p:sp>
-      <p:cxnSp>
-        <p:nvCxnSpPr>
-          <p:cNvPr id="59" name="Google Shape;335;p32">
-            <a:extLst>
-              <a:ext uri="{FF2B5EF4-FFF2-40B4-BE49-F238E27FC236}">
-                <a16:creationId xmlns:a16="http://schemas.microsoft.com/office/drawing/2014/main" id="{8F4BDC98-AF61-6042-9924-43BC7A8549D2}"/>
-              </a:ext>
-            </a:extLst>
-          </p:cNvPr>
-          <p:cNvCxnSpPr>
-            <a:cxnSpLocks/>
-          </p:cNvCxnSpPr>
-          <p:nvPr/>
-        </p:nvCxnSpPr>
-        <p:spPr>
-          <a:xfrm>
-            <a:off x="8871772" y="6506119"/>
-            <a:ext cx="276787" cy="0"/>
-          </a:xfrm>
-          <a:prstGeom prst="straightConnector1">
-            <a:avLst/>
-          </a:prstGeom>
-          <a:noFill/>
-          <a:ln w="28575" cap="flat" cmpd="sng">
-            <a:solidFill>
-              <a:srgbClr val="00D4DD"/>
-            </a:solidFill>
-            <a:prstDash val="solid"/>
-            <a:round/>
-            <a:headEnd type="none" w="sm" len="sm"/>
-            <a:tailEnd type="triangle" w="med" len="med"/>
-          </a:ln>
-        </p:spPr>
-      </p:cxnSp>
-      <p:sp>
-        <p:nvSpPr>
-          <p:cNvPr id="60" name="Google Shape;336;p32">
-            <a:extLst>
-              <a:ext uri="{FF2B5EF4-FFF2-40B4-BE49-F238E27FC236}">
-                <a16:creationId xmlns:a16="http://schemas.microsoft.com/office/drawing/2014/main" id="{55E5B987-B3FA-714E-8C85-7F6F62742837}"/>
-              </a:ext>
-            </a:extLst>
-          </p:cNvPr>
-          <p:cNvSpPr txBox="1"/>
-          <p:nvPr/>
-        </p:nvSpPr>
-        <p:spPr>
-          <a:xfrm>
-            <a:off x="8805701" y="6187988"/>
-            <a:ext cx="600917" cy="276999"/>
-          </a:xfrm>
-          <a:prstGeom prst="rect">
-            <a:avLst/>
-          </a:prstGeom>
-          <a:noFill/>
-          <a:ln>
-            <a:noFill/>
-          </a:ln>
-        </p:spPr>
-        <p:txBody>
-          <a:bodyPr spcFirstLastPara="1" wrap="square" lIns="91425" tIns="45700" rIns="91425" bIns="45700" anchor="t" anchorCtr="0">
-            <a:noAutofit/>
-          </a:bodyPr>
-          <a:lstStyle/>
-          <a:p>
-            <a:pPr marL="0" marR="0" lvl="0" indent="0" algn="l" rtl="0">
-              <a:lnSpc>
-                <a:spcPct val="100000"/>
-              </a:lnSpc>
-              <a:spcBef>
-                <a:spcPts val="0"/>
-              </a:spcBef>
-              <a:spcAft>
-                <a:spcPts val="0"/>
-              </a:spcAft>
-              <a:buNone/>
-            </a:pPr>
-            <a:r>
-              <a:rPr lang="en-US" sz="1200" b="0" i="0" u="none" strike="noStrike" cap="none">
-                <a:solidFill>
-                  <a:srgbClr val="000000"/>
-                </a:solidFill>
-                <a:latin typeface="Arial" panose="020B0604020202020204"/>
-                <a:ea typeface="Arial" panose="020B0604020202020204"/>
-                <a:cs typeface="Arial" panose="020B0604020202020204"/>
-                <a:sym typeface="Arial" panose="020B0604020202020204"/>
-              </a:rPr>
-              <a:t>sync</a:t>
-            </a:r>
-            <a:endParaRPr sz="1350" b="0" i="0" u="none" strike="noStrike" cap="none">
-              <a:solidFill>
-                <a:srgbClr val="000000"/>
-              </a:solidFill>
-              <a:latin typeface="Arial" panose="020B0604020202020204"/>
-              <a:ea typeface="Arial" panose="020B0604020202020204"/>
-              <a:cs typeface="Arial" panose="020B0604020202020204"/>
-              <a:sym typeface="Arial" panose="020B0604020202020204"/>
-            </a:endParaRPr>
-          </a:p>
-        </p:txBody>
-      </p:sp>
-      <p:sp>
-        <p:nvSpPr>
-          <p:cNvPr id="61" name="文本框 60">
-            <a:extLst>
-              <a:ext uri="{FF2B5EF4-FFF2-40B4-BE49-F238E27FC236}">
-                <a16:creationId xmlns:a16="http://schemas.microsoft.com/office/drawing/2014/main" id="{1AF1CAC6-E4F9-5940-B7C2-96F60C666ABC}"/>
-              </a:ext>
-            </a:extLst>
-          </p:cNvPr>
-          <p:cNvSpPr txBox="1"/>
-          <p:nvPr/>
-        </p:nvSpPr>
-        <p:spPr>
-          <a:xfrm>
-            <a:off x="10869439" y="751916"/>
-            <a:ext cx="1146468" cy="369332"/>
-          </a:xfrm>
-          <a:prstGeom prst="rect">
-            <a:avLst/>
-          </a:prstGeom>
-          <a:noFill/>
-        </p:spPr>
-        <p:txBody>
-          <a:bodyPr wrap="none" rtlCol="0">
-            <a:spAutoFit/>
-          </a:bodyPr>
-          <a:lstStyle/>
-          <a:p>
-            <a:r>
-              <a:rPr kumimoji="1" lang="zh-CN" altLang="en-US" dirty="0"/>
-              <a:t>工作模型</a:t>
-            </a:r>
           </a:p>
         </p:txBody>
       </p:sp>
     </p:spTree>
     <p:extLst>
       <p:ext uri="{BB962C8B-B14F-4D97-AF65-F5344CB8AC3E}">
-        <p14:creationId xmlns:p14="http://schemas.microsoft.com/office/powerpoint/2010/main" val="1924840428"/>
+        <p14:creationId xmlns:p14="http://schemas.microsoft.com/office/powerpoint/2010/main" val="1074200280"/>
       </p:ext>
     </p:extLst>
   </p:cSld>
@@ -6291,10 +4207,312 @@
       </p:sp>
       <p:sp>
         <p:nvSpPr>
-          <p:cNvPr id="61" name="文本框 60">
+          <p:cNvPr id="4" name="Google Shape;311;p32">
             <a:extLst>
               <a:ext uri="{FF2B5EF4-FFF2-40B4-BE49-F238E27FC236}">
-                <a16:creationId xmlns:a16="http://schemas.microsoft.com/office/drawing/2014/main" id="{1AF1CAC6-E4F9-5940-B7C2-96F60C666ABC}"/>
+                <a16:creationId xmlns:a16="http://schemas.microsoft.com/office/drawing/2014/main" id="{767B2FB0-76F4-454E-A18A-591FBB3DD71B}"/>
+              </a:ext>
+            </a:extLst>
+          </p:cNvPr>
+          <p:cNvSpPr/>
+          <p:nvPr/>
+        </p:nvSpPr>
+        <p:spPr>
+          <a:xfrm>
+            <a:off x="6060692" y="4159314"/>
+            <a:ext cx="702326" cy="388345"/>
+          </a:xfrm>
+          <a:prstGeom prst="rect">
+            <a:avLst/>
+          </a:prstGeom>
+          <a:solidFill>
+            <a:srgbClr val="FFD64D"/>
+          </a:solidFill>
+          <a:ln w="25400" cap="flat" cmpd="sng">
+            <a:solidFill>
+              <a:schemeClr val="lt1"/>
+            </a:solidFill>
+            <a:prstDash val="solid"/>
+            <a:round/>
+            <a:headEnd type="none" w="sm" len="sm"/>
+            <a:tailEnd type="none" w="sm" len="sm"/>
+          </a:ln>
+        </p:spPr>
+        <p:txBody>
+          <a:bodyPr spcFirstLastPara="1" wrap="square" lIns="68575" tIns="34275" rIns="68575" bIns="34275" anchor="ctr" anchorCtr="0">
+            <a:noAutofit/>
+          </a:bodyPr>
+          <a:lstStyle/>
+          <a:p>
+            <a:pPr marL="0" marR="0" lvl="0" indent="0" algn="ctr" rtl="0">
+              <a:lnSpc>
+                <a:spcPct val="100000"/>
+              </a:lnSpc>
+              <a:spcBef>
+                <a:spcPts val="0"/>
+              </a:spcBef>
+              <a:spcAft>
+                <a:spcPts val="0"/>
+              </a:spcAft>
+              <a:buNone/>
+            </a:pPr>
+            <a:r>
+              <a:rPr lang="en-US" sz="1350" b="0" i="0" u="none" strike="noStrike" cap="none" dirty="0">
+                <a:latin typeface="Arial" panose="020B0604020202020204"/>
+                <a:ea typeface="Arial" panose="020B0604020202020204"/>
+                <a:cs typeface="Arial" panose="020B0604020202020204"/>
+                <a:sym typeface="Arial" panose="020B0604020202020204"/>
+              </a:rPr>
+              <a:t>Client</a:t>
+            </a:r>
+          </a:p>
+        </p:txBody>
+      </p:sp>
+      <p:sp>
+        <p:nvSpPr>
+          <p:cNvPr id="5" name="Google Shape;312;p32">
+            <a:extLst>
+              <a:ext uri="{FF2B5EF4-FFF2-40B4-BE49-F238E27FC236}">
+                <a16:creationId xmlns:a16="http://schemas.microsoft.com/office/drawing/2014/main" id="{EE88F691-71FF-9644-B2D0-4E0E66CE3844}"/>
+              </a:ext>
+            </a:extLst>
+          </p:cNvPr>
+          <p:cNvSpPr/>
+          <p:nvPr/>
+        </p:nvSpPr>
+        <p:spPr>
+          <a:xfrm>
+            <a:off x="6057838" y="4545040"/>
+            <a:ext cx="4131140" cy="388345"/>
+          </a:xfrm>
+          <a:prstGeom prst="rect">
+            <a:avLst/>
+          </a:prstGeom>
+          <a:solidFill>
+            <a:srgbClr val="FF9694"/>
+          </a:solidFill>
+          <a:ln w="25400" cap="flat" cmpd="sng">
+            <a:solidFill>
+              <a:schemeClr val="lt1"/>
+            </a:solidFill>
+            <a:prstDash val="solid"/>
+            <a:round/>
+            <a:headEnd type="none" w="sm" len="sm"/>
+            <a:tailEnd type="none" w="sm" len="sm"/>
+          </a:ln>
+          <a:effectLst>
+            <a:softEdge rad="0"/>
+          </a:effectLst>
+        </p:spPr>
+        <p:txBody>
+          <a:bodyPr spcFirstLastPara="1" wrap="square" lIns="68575" tIns="34275" rIns="68575" bIns="34275" anchor="ctr" anchorCtr="0">
+            <a:noAutofit/>
+          </a:bodyPr>
+          <a:lstStyle/>
+          <a:p>
+            <a:pPr marL="0" marR="0" lvl="0" indent="0" algn="ctr" rtl="0">
+              <a:lnSpc>
+                <a:spcPct val="100000"/>
+              </a:lnSpc>
+              <a:spcBef>
+                <a:spcPts val="0"/>
+              </a:spcBef>
+              <a:spcAft>
+                <a:spcPts val="0"/>
+              </a:spcAft>
+              <a:buNone/>
+            </a:pPr>
+            <a:r>
+              <a:rPr lang="en-US" sz="1350" b="0" i="0" u="none" strike="noStrike" cap="none" dirty="0">
+                <a:solidFill>
+                  <a:schemeClr val="lt1"/>
+                </a:solidFill>
+                <a:latin typeface="Arial" panose="020B0604020202020204"/>
+                <a:ea typeface="Arial" panose="020B0604020202020204"/>
+                <a:cs typeface="Arial" panose="020B0604020202020204"/>
+                <a:sym typeface="Arial" panose="020B0604020202020204"/>
+              </a:rPr>
+              <a:t>Service</a:t>
+            </a:r>
+          </a:p>
+        </p:txBody>
+      </p:sp>
+      <p:sp>
+        <p:nvSpPr>
+          <p:cNvPr id="6" name="Google Shape;313;p32">
+            <a:extLst>
+              <a:ext uri="{FF2B5EF4-FFF2-40B4-BE49-F238E27FC236}">
+                <a16:creationId xmlns:a16="http://schemas.microsoft.com/office/drawing/2014/main" id="{3DF8B4C3-D161-F64B-9CA5-93DF09554F49}"/>
+              </a:ext>
+            </a:extLst>
+          </p:cNvPr>
+          <p:cNvSpPr/>
+          <p:nvPr/>
+        </p:nvSpPr>
+        <p:spPr>
+          <a:xfrm>
+            <a:off x="9482693" y="2892156"/>
+            <a:ext cx="702326" cy="312857"/>
+          </a:xfrm>
+          <a:prstGeom prst="rect">
+            <a:avLst/>
+          </a:prstGeom>
+          <a:solidFill>
+            <a:srgbClr val="696774"/>
+          </a:solidFill>
+          <a:ln w="25400" cap="flat" cmpd="sng">
+            <a:solidFill>
+              <a:schemeClr val="lt1"/>
+            </a:solidFill>
+            <a:prstDash val="solid"/>
+            <a:round/>
+            <a:headEnd type="none" w="sm" len="sm"/>
+            <a:tailEnd type="none" w="sm" len="sm"/>
+          </a:ln>
+        </p:spPr>
+        <p:txBody>
+          <a:bodyPr spcFirstLastPara="1" wrap="square" lIns="68575" tIns="34275" rIns="68575" bIns="34275" anchor="ctr" anchorCtr="0">
+            <a:noAutofit/>
+          </a:bodyPr>
+          <a:lstStyle/>
+          <a:p>
+            <a:pPr marL="0" marR="0" lvl="0" indent="0" algn="ctr" rtl="0">
+              <a:lnSpc>
+                <a:spcPct val="100000"/>
+              </a:lnSpc>
+              <a:spcBef>
+                <a:spcPts val="0"/>
+              </a:spcBef>
+              <a:spcAft>
+                <a:spcPts val="0"/>
+              </a:spcAft>
+              <a:buNone/>
+            </a:pPr>
+            <a:r>
+              <a:rPr lang="en-US" sz="1350" b="0" i="0" u="none" strike="noStrike" cap="none">
+                <a:solidFill>
+                  <a:schemeClr val="lt1"/>
+                </a:solidFill>
+                <a:latin typeface="Arial" panose="020B0604020202020204"/>
+                <a:ea typeface="Arial" panose="020B0604020202020204"/>
+                <a:cs typeface="Arial" panose="020B0604020202020204"/>
+                <a:sym typeface="Arial" panose="020B0604020202020204"/>
+              </a:rPr>
+              <a:t>Broker</a:t>
+            </a:r>
+          </a:p>
+        </p:txBody>
+      </p:sp>
+      <p:sp>
+        <p:nvSpPr>
+          <p:cNvPr id="7" name="Google Shape;314;p32">
+            <a:extLst>
+              <a:ext uri="{FF2B5EF4-FFF2-40B4-BE49-F238E27FC236}">
+                <a16:creationId xmlns:a16="http://schemas.microsoft.com/office/drawing/2014/main" id="{C0F51ACE-A385-A541-8F1B-F9840CAFC774}"/>
+              </a:ext>
+            </a:extLst>
+          </p:cNvPr>
+          <p:cNvSpPr/>
+          <p:nvPr/>
+        </p:nvSpPr>
+        <p:spPr>
+          <a:xfrm>
+            <a:off x="9482489" y="4159313"/>
+            <a:ext cx="702326" cy="388345"/>
+          </a:xfrm>
+          <a:prstGeom prst="rect">
+            <a:avLst/>
+          </a:prstGeom>
+          <a:solidFill>
+            <a:srgbClr val="50DBCF"/>
+          </a:solidFill>
+          <a:ln w="25400" cap="flat" cmpd="sng">
+            <a:solidFill>
+              <a:schemeClr val="lt1"/>
+            </a:solidFill>
+            <a:prstDash val="solid"/>
+            <a:round/>
+            <a:headEnd type="none" w="sm" len="sm"/>
+            <a:tailEnd type="none" w="sm" len="sm"/>
+          </a:ln>
+        </p:spPr>
+        <p:txBody>
+          <a:bodyPr spcFirstLastPara="1" wrap="square" lIns="68575" tIns="34275" rIns="68575" bIns="34275" anchor="ctr" anchorCtr="0">
+            <a:noAutofit/>
+          </a:bodyPr>
+          <a:lstStyle/>
+          <a:p>
+            <a:pPr marL="0" marR="0" lvl="0" indent="0" algn="ctr" rtl="0">
+              <a:lnSpc>
+                <a:spcPct val="100000"/>
+              </a:lnSpc>
+              <a:spcBef>
+                <a:spcPts val="0"/>
+              </a:spcBef>
+              <a:spcAft>
+                <a:spcPts val="0"/>
+              </a:spcAft>
+              <a:buNone/>
+            </a:pPr>
+            <a:r>
+              <a:rPr lang="en-US" sz="1350" b="0" i="0" u="none" strike="noStrike" cap="none" dirty="0">
+                <a:solidFill>
+                  <a:schemeClr val="lt1"/>
+                </a:solidFill>
+                <a:latin typeface="Arial" panose="020B0604020202020204"/>
+                <a:ea typeface="Arial" panose="020B0604020202020204"/>
+                <a:cs typeface="Arial" panose="020B0604020202020204"/>
+                <a:sym typeface="Arial" panose="020B0604020202020204"/>
+              </a:rPr>
+              <a:t>Server</a:t>
+            </a:r>
+          </a:p>
+        </p:txBody>
+      </p:sp>
+      <p:cxnSp>
+        <p:nvCxnSpPr>
+          <p:cNvPr id="8" name="Google Shape;315;p32">
+            <a:extLst>
+              <a:ext uri="{FF2B5EF4-FFF2-40B4-BE49-F238E27FC236}">
+                <a16:creationId xmlns:a16="http://schemas.microsoft.com/office/drawing/2014/main" id="{D1A7BC5C-DA99-D948-9B05-CC7B90C280A4}"/>
+              </a:ext>
+            </a:extLst>
+          </p:cNvPr>
+          <p:cNvCxnSpPr>
+            <a:cxnSpLocks/>
+            <a:stCxn id="5" idx="3"/>
+            <a:endCxn id="7" idx="3"/>
+          </p:cNvCxnSpPr>
+          <p:nvPr/>
+        </p:nvCxnSpPr>
+        <p:spPr>
+          <a:xfrm rot="10800000">
+            <a:off x="10184778" y="4353412"/>
+            <a:ext cx="4200" cy="385800"/>
+          </a:xfrm>
+          <a:prstGeom prst="curvedConnector3">
+            <a:avLst>
+              <a:gd name="adj1" fmla="val -4082633"/>
+            </a:avLst>
+          </a:prstGeom>
+          <a:noFill/>
+          <a:ln w="28575" cap="flat" cmpd="sng">
+            <a:solidFill>
+              <a:srgbClr val="805AFF"/>
+            </a:solidFill>
+            <a:prstDash val="dash"/>
+            <a:round/>
+            <a:headEnd type="none" w="sm" len="sm"/>
+            <a:tailEnd type="triangle" w="med" len="med"/>
+          </a:ln>
+        </p:spPr>
+      </p:cxnSp>
+      <p:sp>
+        <p:nvSpPr>
+          <p:cNvPr id="9" name="Google Shape;316;p32">
+            <a:extLst>
+              <a:ext uri="{FF2B5EF4-FFF2-40B4-BE49-F238E27FC236}">
+                <a16:creationId xmlns:a16="http://schemas.microsoft.com/office/drawing/2014/main" id="{5E1A2559-30DF-C345-A2B3-13A4D9772E6F}"/>
               </a:ext>
             </a:extLst>
           </p:cNvPr>
@@ -6303,73 +4521,8 @@
         </p:nvSpPr>
         <p:spPr>
           <a:xfrm>
-            <a:off x="10869439" y="751916"/>
-            <a:ext cx="1146468" cy="369332"/>
-          </a:xfrm>
-          <a:prstGeom prst="rect">
-            <a:avLst/>
-          </a:prstGeom>
-          <a:noFill/>
-        </p:spPr>
-        <p:txBody>
-          <a:bodyPr wrap="none" rtlCol="0">
-            <a:spAutoFit/>
-          </a:bodyPr>
-          <a:lstStyle/>
-          <a:p>
-            <a:r>
-              <a:rPr kumimoji="1" lang="zh-CN" altLang="en-US" dirty="0"/>
-              <a:t>通信模型</a:t>
-            </a:r>
-          </a:p>
-        </p:txBody>
-      </p:sp>
-      <p:pic>
-        <p:nvPicPr>
-          <p:cNvPr id="3" name="图片 2">
-            <a:extLst>
-              <a:ext uri="{FF2B5EF4-FFF2-40B4-BE49-F238E27FC236}">
-                <a16:creationId xmlns:a16="http://schemas.microsoft.com/office/drawing/2014/main" id="{5FC60BDA-2BB1-004A-B7DB-C07322A94D47}"/>
-              </a:ext>
-            </a:extLst>
-          </p:cNvPr>
-          <p:cNvPicPr>
-            <a:picLocks noChangeAspect="1"/>
-          </p:cNvPicPr>
-          <p:nvPr/>
-        </p:nvPicPr>
-        <p:blipFill>
-          <a:blip r:embed="rId2"/>
-          <a:stretch>
-            <a:fillRect/>
-          </a:stretch>
-        </p:blipFill>
-        <p:spPr>
-          <a:xfrm>
-            <a:off x="5119807" y="1832902"/>
-            <a:ext cx="6896100" cy="4406900"/>
-          </a:xfrm>
-          <a:prstGeom prst="rect">
-            <a:avLst/>
-          </a:prstGeom>
-        </p:spPr>
-      </p:pic>
-      <p:sp>
-        <p:nvSpPr>
-          <p:cNvPr id="49" name="Google Shape;636;p43">
-            <a:extLst>
-              <a:ext uri="{FF2B5EF4-FFF2-40B4-BE49-F238E27FC236}">
-                <a16:creationId xmlns:a16="http://schemas.microsoft.com/office/drawing/2014/main" id="{0288E5D3-4E2F-B249-AA9E-3760EF114001}"/>
-              </a:ext>
-            </a:extLst>
-          </p:cNvPr>
-          <p:cNvSpPr txBox="1"/>
-          <p:nvPr/>
-        </p:nvSpPr>
-        <p:spPr>
-          <a:xfrm>
-            <a:off x="460300" y="1936025"/>
-            <a:ext cx="2905200" cy="1338900"/>
+            <a:off x="10297416" y="4439130"/>
+            <a:ext cx="732559" cy="300082"/>
           </a:xfrm>
           <a:prstGeom prst="rect">
             <a:avLst/>
@@ -6398,7 +4551,7 @@
               <a:buNone/>
             </a:pPr>
             <a:r>
-              <a:rPr lang="en-US" altLang="zh-CN" sz="1350" b="0" i="0" u="none" strike="noStrike" cap="none" dirty="0" err="1">
+              <a:rPr lang="en-US" sz="1350" b="0" i="0" u="none" strike="noStrike" cap="none">
                 <a:solidFill>
                   <a:srgbClr val="000000"/>
                 </a:solidFill>
@@ -6407,81 +4560,9 @@
                 <a:cs typeface="Arial" panose="020B0604020202020204"/>
                 <a:sym typeface="Arial" panose="020B0604020202020204"/>
               </a:rPr>
-              <a:t>Service.</a:t>
-            </a:r>
-            <a:r>
-              <a:rPr lang="en-US" sz="1350" b="0" i="0" u="none" strike="noStrike" cap="none" dirty="0" err="1">
-                <a:solidFill>
-                  <a:srgbClr val="000000"/>
-                </a:solidFill>
-                <a:latin typeface="Arial" panose="020B0604020202020204"/>
-                <a:ea typeface="Arial" panose="020B0604020202020204"/>
-                <a:cs typeface="Arial" panose="020B0604020202020204"/>
-                <a:sym typeface="Arial" panose="020B0604020202020204"/>
-              </a:rPr>
-              <a:t>client</a:t>
-            </a:r>
-            <a:r>
-              <a:rPr lang="zh-CN" altLang="en-US" sz="1350" b="0" i="0" u="none" strike="noStrike" cap="none" dirty="0">
-                <a:solidFill>
-                  <a:srgbClr val="000000"/>
-                </a:solidFill>
-                <a:latin typeface="Arial" panose="020B0604020202020204"/>
-                <a:ea typeface="Arial" panose="020B0604020202020204"/>
-                <a:cs typeface="Arial" panose="020B0604020202020204"/>
-                <a:sym typeface="Arial" panose="020B0604020202020204"/>
-              </a:rPr>
-              <a:t>  </a:t>
-            </a:r>
-            <a:r>
-              <a:rPr lang="en-US" sz="1350" b="0" i="0" u="none" strike="noStrike" cap="none" dirty="0">
-                <a:solidFill>
-                  <a:srgbClr val="000000"/>
-                </a:solidFill>
-                <a:latin typeface="Arial" panose="020B0604020202020204"/>
-                <a:ea typeface="Arial" panose="020B0604020202020204"/>
-                <a:cs typeface="Arial" panose="020B0604020202020204"/>
-                <a:sym typeface="Arial" panose="020B0604020202020204"/>
-              </a:rPr>
-              <a:t>=&gt; </a:t>
-            </a:r>
-            <a:r>
-              <a:rPr lang="zh-CN" altLang="en-US" sz="1350" b="0" i="0" u="none" strike="noStrike" cap="none" dirty="0">
-                <a:solidFill>
-                  <a:srgbClr val="000000"/>
-                </a:solidFill>
-                <a:latin typeface="Arial" panose="020B0604020202020204"/>
-                <a:ea typeface="Arial" panose="020B0604020202020204"/>
-                <a:cs typeface="Arial" panose="020B0604020202020204"/>
-                <a:sym typeface="Arial" panose="020B0604020202020204"/>
-              </a:rPr>
-              <a:t>  </a:t>
-            </a:r>
-            <a:r>
-              <a:rPr lang="en-US" altLang="zh-CN" sz="1350" b="0" i="0" u="none" strike="noStrike" cap="none" dirty="0" err="1">
-                <a:solidFill>
-                  <a:srgbClr val="000000"/>
-                </a:solidFill>
-                <a:latin typeface="Arial" panose="020B0604020202020204"/>
-                <a:ea typeface="Arial" panose="020B0604020202020204"/>
-                <a:cs typeface="Arial" panose="020B0604020202020204"/>
-                <a:sym typeface="Arial" panose="020B0604020202020204"/>
-              </a:rPr>
-              <a:t>Service.</a:t>
-            </a:r>
-            <a:r>
-              <a:rPr lang="en-US" sz="1350" b="0" i="0" u="none" strike="noStrike" cap="none" dirty="0" err="1">
-                <a:solidFill>
-                  <a:srgbClr val="000000"/>
-                </a:solidFill>
-                <a:latin typeface="Arial" panose="020B0604020202020204"/>
-                <a:ea typeface="Arial" panose="020B0604020202020204"/>
-                <a:cs typeface="Arial" panose="020B0604020202020204"/>
-                <a:sym typeface="Arial" panose="020B0604020202020204"/>
-              </a:rPr>
-              <a:t>server</a:t>
-            </a:r>
-            <a:endParaRPr lang="en-US" sz="1350" b="0" i="0" u="none" strike="noStrike" cap="none" dirty="0">
+              <a:t>start</a:t>
+            </a:r>
+            <a:endParaRPr sz="1350" b="0" i="0" u="none" strike="noStrike" cap="none">
               <a:solidFill>
                 <a:srgbClr val="000000"/>
               </a:solidFill>
@@ -6491,6 +4572,151 @@
               <a:sym typeface="Arial" panose="020B0604020202020204"/>
             </a:endParaRPr>
           </a:p>
+        </p:txBody>
+      </p:sp>
+      <p:sp>
+        <p:nvSpPr>
+          <p:cNvPr id="10" name="Google Shape;317;p32">
+            <a:extLst>
+              <a:ext uri="{FF2B5EF4-FFF2-40B4-BE49-F238E27FC236}">
+                <a16:creationId xmlns:a16="http://schemas.microsoft.com/office/drawing/2014/main" id="{D947186D-0F4A-FF49-B5E8-79DD262080AA}"/>
+              </a:ext>
+            </a:extLst>
+          </p:cNvPr>
+          <p:cNvSpPr/>
+          <p:nvPr/>
+        </p:nvSpPr>
+        <p:spPr>
+          <a:xfrm>
+            <a:off x="8138183" y="5317124"/>
+            <a:ext cx="1167962" cy="383721"/>
+          </a:xfrm>
+          <a:prstGeom prst="rect">
+            <a:avLst/>
+          </a:prstGeom>
+          <a:solidFill>
+            <a:srgbClr val="560A30"/>
+          </a:solidFill>
+          <a:ln w="25400" cap="flat" cmpd="sng">
+            <a:solidFill>
+              <a:schemeClr val="lt1"/>
+            </a:solidFill>
+            <a:prstDash val="solid"/>
+            <a:round/>
+            <a:headEnd type="none" w="sm" len="sm"/>
+            <a:tailEnd type="none" w="sm" len="sm"/>
+          </a:ln>
+        </p:spPr>
+        <p:txBody>
+          <a:bodyPr spcFirstLastPara="1" wrap="square" lIns="68575" tIns="34275" rIns="68575" bIns="34275" anchor="ctr" anchorCtr="0">
+            <a:noAutofit/>
+          </a:bodyPr>
+          <a:lstStyle/>
+          <a:p>
+            <a:pPr marL="0" marR="0" lvl="0" indent="0" algn="ctr" rtl="0">
+              <a:lnSpc>
+                <a:spcPct val="100000"/>
+              </a:lnSpc>
+              <a:spcBef>
+                <a:spcPts val="0"/>
+              </a:spcBef>
+              <a:spcAft>
+                <a:spcPts val="0"/>
+              </a:spcAft>
+              <a:buNone/>
+            </a:pPr>
+            <a:r>
+              <a:rPr lang="en-US" sz="1350" dirty="0">
+                <a:solidFill>
+                  <a:schemeClr val="lt1"/>
+                </a:solidFill>
+                <a:latin typeface="Arial" panose="020B0604020202020204"/>
+                <a:ea typeface="Arial" panose="020B0604020202020204"/>
+                <a:cs typeface="Arial" panose="020B0604020202020204"/>
+                <a:sym typeface="Arial" panose="020B0604020202020204"/>
+              </a:rPr>
+              <a:t>Zookeeper</a:t>
+            </a:r>
+            <a:endParaRPr lang="en-US" sz="1350" b="0" i="0" u="none" strike="noStrike" cap="none" dirty="0">
+              <a:solidFill>
+                <a:schemeClr val="lt1"/>
+              </a:solidFill>
+              <a:latin typeface="Arial" panose="020B0604020202020204"/>
+              <a:ea typeface="Arial" panose="020B0604020202020204"/>
+              <a:cs typeface="Arial" panose="020B0604020202020204"/>
+              <a:sym typeface="Arial" panose="020B0604020202020204"/>
+            </a:endParaRPr>
+          </a:p>
+        </p:txBody>
+      </p:sp>
+      <p:cxnSp>
+        <p:nvCxnSpPr>
+          <p:cNvPr id="11" name="Google Shape;318;p32">
+            <a:extLst>
+              <a:ext uri="{FF2B5EF4-FFF2-40B4-BE49-F238E27FC236}">
+                <a16:creationId xmlns:a16="http://schemas.microsoft.com/office/drawing/2014/main" id="{BFD18EC8-0B5F-6348-89B8-728B213D3D87}"/>
+              </a:ext>
+            </a:extLst>
+          </p:cNvPr>
+          <p:cNvCxnSpPr>
+            <a:cxnSpLocks/>
+            <a:stCxn id="30" idx="3"/>
+            <a:endCxn id="10" idx="3"/>
+          </p:cNvCxnSpPr>
+          <p:nvPr/>
+        </p:nvCxnSpPr>
+        <p:spPr>
+          <a:xfrm flipH="1">
+            <a:off x="9306145" y="3977582"/>
+            <a:ext cx="878671" cy="1531403"/>
+          </a:xfrm>
+          <a:prstGeom prst="curvedConnector3">
+            <a:avLst>
+              <a:gd name="adj1" fmla="val -127892"/>
+            </a:avLst>
+          </a:prstGeom>
+          <a:noFill/>
+          <a:ln w="28575" cap="flat" cmpd="sng">
+            <a:solidFill>
+              <a:srgbClr val="805AFF"/>
+            </a:solidFill>
+            <a:prstDash val="dash"/>
+            <a:round/>
+            <a:headEnd type="none" w="sm" len="sm"/>
+            <a:tailEnd type="triangle" w="med" len="med"/>
+          </a:ln>
+        </p:spPr>
+      </p:cxnSp>
+      <p:sp>
+        <p:nvSpPr>
+          <p:cNvPr id="12" name="Google Shape;320;p32">
+            <a:extLst>
+              <a:ext uri="{FF2B5EF4-FFF2-40B4-BE49-F238E27FC236}">
+                <a16:creationId xmlns:a16="http://schemas.microsoft.com/office/drawing/2014/main" id="{1DECD3CD-9706-5D4B-A36C-AC01A7D79D0B}"/>
+              </a:ext>
+            </a:extLst>
+          </p:cNvPr>
+          <p:cNvSpPr txBox="1"/>
+          <p:nvPr/>
+        </p:nvSpPr>
+        <p:spPr>
+          <a:xfrm>
+            <a:off x="10778394" y="4026150"/>
+            <a:ext cx="841177" cy="300082"/>
+          </a:xfrm>
+          <a:prstGeom prst="rect">
+            <a:avLst/>
+          </a:prstGeom>
+          <a:noFill/>
+          <a:ln>
+            <a:noFill/>
+          </a:ln>
+        </p:spPr>
+        <p:txBody>
+          <a:bodyPr spcFirstLastPara="1" wrap="square" lIns="91425" tIns="45700" rIns="91425" bIns="45700" anchor="t" anchorCtr="0">
+            <a:noAutofit/>
+          </a:bodyPr>
+          <a:lstStyle/>
           <a:p>
             <a:pPr marL="0" marR="0" lvl="0" indent="0" algn="l" rtl="0">
               <a:lnSpc>
@@ -6504,16 +4730,89 @@
               </a:spcAft>
               <a:buNone/>
             </a:pPr>
-            <a:endParaRPr sz="1350" b="0" i="0" u="none" strike="noStrike" cap="none" dirty="0">
-              <a:solidFill>
-                <a:srgbClr val="000000"/>
-              </a:solidFill>
-              <a:latin typeface="Arial" panose="020B0604020202020204"/>
-              <a:ea typeface="Arial" panose="020B0604020202020204"/>
-              <a:cs typeface="Arial" panose="020B0604020202020204"/>
-              <a:sym typeface="Arial" panose="020B0604020202020204"/>
-            </a:endParaRPr>
-          </a:p>
+            <a:r>
+              <a:rPr lang="en-US" sz="1350" b="0" i="0" u="none" strike="noStrike" cap="none">
+                <a:solidFill>
+                  <a:srgbClr val="000000"/>
+                </a:solidFill>
+                <a:latin typeface="Arial" panose="020B0604020202020204"/>
+                <a:ea typeface="Arial" panose="020B0604020202020204"/>
+                <a:cs typeface="Arial" panose="020B0604020202020204"/>
+                <a:sym typeface="Arial" panose="020B0604020202020204"/>
+              </a:rPr>
+              <a:t>register</a:t>
+            </a:r>
+          </a:p>
+        </p:txBody>
+      </p:sp>
+      <p:cxnSp>
+        <p:nvCxnSpPr>
+          <p:cNvPr id="13" name="Google Shape;321;p32">
+            <a:extLst>
+              <a:ext uri="{FF2B5EF4-FFF2-40B4-BE49-F238E27FC236}">
+                <a16:creationId xmlns:a16="http://schemas.microsoft.com/office/drawing/2014/main" id="{EC4BBA4A-E30A-5445-B2B1-35C36673398B}"/>
+              </a:ext>
+            </a:extLst>
+          </p:cNvPr>
+          <p:cNvCxnSpPr>
+            <a:cxnSpLocks/>
+            <a:stCxn id="29" idx="1"/>
+            <a:endCxn id="10" idx="1"/>
+          </p:cNvCxnSpPr>
+          <p:nvPr/>
+        </p:nvCxnSpPr>
+        <p:spPr>
+          <a:xfrm rot="10800000" flipH="1" flipV="1">
+            <a:off x="6060333" y="4004905"/>
+            <a:ext cx="2077850" cy="1504080"/>
+          </a:xfrm>
+          <a:prstGeom prst="curvedConnector3">
+            <a:avLst>
+              <a:gd name="adj1" fmla="val -11002"/>
+            </a:avLst>
+          </a:prstGeom>
+          <a:noFill/>
+          <a:ln w="28575" cap="flat" cmpd="sng">
+            <a:solidFill>
+              <a:srgbClr val="805AFF"/>
+            </a:solidFill>
+            <a:prstDash val="dash"/>
+            <a:round/>
+            <a:headEnd type="none" w="sm" len="sm"/>
+            <a:tailEnd type="triangle" w="med" len="med"/>
+          </a:ln>
+        </p:spPr>
+      </p:cxnSp>
+      <p:sp>
+        <p:nvSpPr>
+          <p:cNvPr id="14" name="Google Shape;323;p32">
+            <a:extLst>
+              <a:ext uri="{FF2B5EF4-FFF2-40B4-BE49-F238E27FC236}">
+                <a16:creationId xmlns:a16="http://schemas.microsoft.com/office/drawing/2014/main" id="{28022EC1-7AA9-324E-B28B-9C698BFDFD3E}"/>
+              </a:ext>
+            </a:extLst>
+          </p:cNvPr>
+          <p:cNvSpPr txBox="1"/>
+          <p:nvPr/>
+        </p:nvSpPr>
+        <p:spPr>
+          <a:xfrm>
+            <a:off x="6648819" y="5056655"/>
+            <a:ext cx="817456" cy="300082"/>
+          </a:xfrm>
+          <a:prstGeom prst="rect">
+            <a:avLst/>
+          </a:prstGeom>
+          <a:noFill/>
+          <a:ln>
+            <a:noFill/>
+          </a:ln>
+        </p:spPr>
+        <p:txBody>
+          <a:bodyPr spcFirstLastPara="1" wrap="square" lIns="91425" tIns="45700" rIns="91425" bIns="45700" anchor="t" anchorCtr="0">
+            <a:noAutofit/>
+          </a:bodyPr>
+          <a:lstStyle/>
           <a:p>
             <a:pPr marL="0" marR="0" lvl="0" indent="0" algn="l" rtl="0">
               <a:lnSpc>
@@ -6527,7 +4826,19 @@
               </a:spcAft>
               <a:buNone/>
             </a:pPr>
-            <a:endParaRPr sz="1350" b="0" i="0" u="none" strike="noStrike" cap="none" dirty="0">
+            <a:r>
+              <a:rPr lang="en-US" sz="1350" b="0" i="0" u="none" strike="noStrike" cap="none">
+                <a:solidFill>
+                  <a:srgbClr val="000000"/>
+                </a:solidFill>
+                <a:latin typeface="Arial" panose="020B0604020202020204"/>
+                <a:ea typeface="Arial" panose="020B0604020202020204"/>
+                <a:cs typeface="Arial" panose="020B0604020202020204"/>
+                <a:sym typeface="Arial" panose="020B0604020202020204"/>
+              </a:rPr>
+              <a:t>watch</a:t>
+            </a:r>
+            <a:endParaRPr sz="1350" b="0" i="0" u="none" strike="noStrike" cap="none">
               <a:solidFill>
                 <a:srgbClr val="000000"/>
               </a:solidFill>
@@ -6537,6 +4848,104 @@
               <a:sym typeface="Arial" panose="020B0604020202020204"/>
             </a:endParaRPr>
           </a:p>
+        </p:txBody>
+      </p:sp>
+      <p:sp>
+        <p:nvSpPr>
+          <p:cNvPr id="15" name="Google Shape;324;p32">
+            <a:extLst>
+              <a:ext uri="{FF2B5EF4-FFF2-40B4-BE49-F238E27FC236}">
+                <a16:creationId xmlns:a16="http://schemas.microsoft.com/office/drawing/2014/main" id="{9D2F747D-F6EC-4A4B-A784-A0581059015F}"/>
+              </a:ext>
+            </a:extLst>
+          </p:cNvPr>
+          <p:cNvSpPr/>
+          <p:nvPr/>
+        </p:nvSpPr>
+        <p:spPr>
+          <a:xfrm>
+            <a:off x="9482490" y="3208610"/>
+            <a:ext cx="702325" cy="596362"/>
+          </a:xfrm>
+          <a:prstGeom prst="rect">
+            <a:avLst/>
+          </a:prstGeom>
+          <a:solidFill>
+            <a:srgbClr val="696774"/>
+          </a:solidFill>
+          <a:ln w="25400" cap="flat" cmpd="sng">
+            <a:solidFill>
+              <a:schemeClr val="lt1"/>
+            </a:solidFill>
+            <a:prstDash val="solid"/>
+            <a:round/>
+            <a:headEnd type="none" w="sm" len="sm"/>
+            <a:tailEnd type="none" w="sm" len="sm"/>
+          </a:ln>
+        </p:spPr>
+        <p:txBody>
+          <a:bodyPr spcFirstLastPara="1" wrap="square" lIns="68575" tIns="34275" rIns="68575" bIns="34275" anchor="ctr" anchorCtr="0">
+            <a:noAutofit/>
+          </a:bodyPr>
+          <a:lstStyle/>
+          <a:p>
+            <a:pPr marL="0" marR="0" lvl="0" indent="0" algn="ctr" rtl="0">
+              <a:lnSpc>
+                <a:spcPct val="100000"/>
+              </a:lnSpc>
+              <a:spcBef>
+                <a:spcPts val="0"/>
+              </a:spcBef>
+              <a:spcAft>
+                <a:spcPts val="0"/>
+              </a:spcAft>
+              <a:buNone/>
+            </a:pPr>
+            <a:r>
+              <a:rPr lang="en-US" sz="1000" b="0" i="0" u="none" strike="noStrike" cap="none">
+                <a:solidFill>
+                  <a:schemeClr val="lt1"/>
+                </a:solidFill>
+                <a:latin typeface="Arial" panose="020B0604020202020204"/>
+                <a:ea typeface="Arial" panose="020B0604020202020204"/>
+                <a:cs typeface="Arial" panose="020B0604020202020204"/>
+                <a:sym typeface="Arial" panose="020B0604020202020204"/>
+              </a:rPr>
+              <a:t>Transport</a:t>
+            </a:r>
+          </a:p>
+        </p:txBody>
+      </p:sp>
+      <p:sp>
+        <p:nvSpPr>
+          <p:cNvPr id="16" name="Google Shape;325;p32">
+            <a:extLst>
+              <a:ext uri="{FF2B5EF4-FFF2-40B4-BE49-F238E27FC236}">
+                <a16:creationId xmlns:a16="http://schemas.microsoft.com/office/drawing/2014/main" id="{A1E95FD9-339C-2F40-A37F-7170FAB53CA6}"/>
+              </a:ext>
+            </a:extLst>
+          </p:cNvPr>
+          <p:cNvSpPr txBox="1"/>
+          <p:nvPr/>
+        </p:nvSpPr>
+        <p:spPr>
+          <a:xfrm>
+            <a:off x="7813425" y="3206642"/>
+            <a:ext cx="477645" cy="230832"/>
+          </a:xfrm>
+          <a:prstGeom prst="rect">
+            <a:avLst/>
+          </a:prstGeom>
+          <a:noFill/>
+          <a:ln>
+            <a:noFill/>
+          </a:ln>
+        </p:spPr>
+        <p:txBody>
+          <a:bodyPr spcFirstLastPara="1" wrap="square" lIns="91425" tIns="45700" rIns="91425" bIns="45700" anchor="t" anchorCtr="0">
+            <a:noAutofit/>
+          </a:bodyPr>
+          <a:lstStyle/>
           <a:p>
             <a:pPr marL="0" marR="0" lvl="0" indent="0" algn="l" rtl="0">
               <a:lnSpc>
@@ -6550,16 +4959,51 @@
               </a:spcAft>
               <a:buNone/>
             </a:pPr>
-            <a:endParaRPr sz="1350" b="0" i="0" u="none" strike="noStrike" cap="none" dirty="0">
-              <a:solidFill>
-                <a:srgbClr val="000000"/>
-              </a:solidFill>
-              <a:latin typeface="Arial" panose="020B0604020202020204"/>
-              <a:ea typeface="Arial" panose="020B0604020202020204"/>
-              <a:cs typeface="Arial" panose="020B0604020202020204"/>
-              <a:sym typeface="Arial" panose="020B0604020202020204"/>
-            </a:endParaRPr>
-          </a:p>
+            <a:r>
+              <a:rPr lang="en-US" sz="900" b="0" i="0" u="none" strike="noStrike" cap="none">
+                <a:solidFill>
+                  <a:srgbClr val="000000"/>
+                </a:solidFill>
+                <a:latin typeface="Arial" panose="020B0604020202020204"/>
+                <a:ea typeface="Arial" panose="020B0604020202020204"/>
+                <a:cs typeface="Arial" panose="020B0604020202020204"/>
+                <a:sym typeface="Arial" panose="020B0604020202020204"/>
+              </a:rPr>
+              <a:t>2.call</a:t>
+            </a:r>
+          </a:p>
+        </p:txBody>
+      </p:sp>
+      <p:sp>
+        <p:nvSpPr>
+          <p:cNvPr id="17" name="Google Shape;326;p32">
+            <a:extLst>
+              <a:ext uri="{FF2B5EF4-FFF2-40B4-BE49-F238E27FC236}">
+                <a16:creationId xmlns:a16="http://schemas.microsoft.com/office/drawing/2014/main" id="{E7D71D0D-7018-0D42-BC2D-3812403B6E88}"/>
+              </a:ext>
+            </a:extLst>
+          </p:cNvPr>
+          <p:cNvSpPr txBox="1"/>
+          <p:nvPr/>
+        </p:nvSpPr>
+        <p:spPr>
+          <a:xfrm>
+            <a:off x="7960479" y="3814749"/>
+            <a:ext cx="625637" cy="230832"/>
+          </a:xfrm>
+          <a:prstGeom prst="rect">
+            <a:avLst/>
+          </a:prstGeom>
+          <a:noFill/>
+          <a:ln>
+            <a:noFill/>
+          </a:ln>
+        </p:spPr>
+        <p:txBody>
+          <a:bodyPr spcFirstLastPara="1" wrap="square" lIns="91425" tIns="45700" rIns="91425" bIns="45700" anchor="t" anchorCtr="0">
+            <a:noAutofit/>
+          </a:bodyPr>
+          <a:lstStyle/>
           <a:p>
             <a:pPr marL="0" marR="0" lvl="0" indent="0" algn="l" rtl="0">
               <a:lnSpc>
@@ -6573,7 +5017,19 @@
               </a:spcAft>
               <a:buNone/>
             </a:pPr>
-            <a:endParaRPr sz="1350" b="0" i="0" u="none" strike="noStrike" cap="none" dirty="0">
+            <a:r>
+              <a:rPr lang="en-US" sz="900" b="0" i="0" u="none" strike="noStrike" cap="none">
+                <a:solidFill>
+                  <a:srgbClr val="000000"/>
+                </a:solidFill>
+                <a:latin typeface="Arial" panose="020B0604020202020204"/>
+                <a:ea typeface="Arial" panose="020B0604020202020204"/>
+                <a:cs typeface="Arial" panose="020B0604020202020204"/>
+                <a:sym typeface="Arial" panose="020B0604020202020204"/>
+              </a:rPr>
+              <a:t>3. send</a:t>
+            </a:r>
+            <a:endParaRPr sz="900" b="0" i="0" u="none" strike="noStrike" cap="none">
               <a:solidFill>
                 <a:srgbClr val="000000"/>
               </a:solidFill>
@@ -6583,6 +5039,38 @@
               <a:sym typeface="Arial" panose="020B0604020202020204"/>
             </a:endParaRPr>
           </a:p>
+        </p:txBody>
+      </p:sp>
+      <p:sp>
+        <p:nvSpPr>
+          <p:cNvPr id="18" name="Google Shape;327;p32">
+            <a:extLst>
+              <a:ext uri="{FF2B5EF4-FFF2-40B4-BE49-F238E27FC236}">
+                <a16:creationId xmlns:a16="http://schemas.microsoft.com/office/drawing/2014/main" id="{66E1804E-6F72-ED47-9615-C82CD07BCE9C}"/>
+              </a:ext>
+            </a:extLst>
+          </p:cNvPr>
+          <p:cNvSpPr txBox="1"/>
+          <p:nvPr/>
+        </p:nvSpPr>
+        <p:spPr>
+          <a:xfrm>
+            <a:off x="7540205" y="5025576"/>
+            <a:ext cx="600917" cy="300082"/>
+          </a:xfrm>
+          <a:prstGeom prst="rect">
+            <a:avLst/>
+          </a:prstGeom>
+          <a:noFill/>
+          <a:ln>
+            <a:noFill/>
+          </a:ln>
+        </p:spPr>
+        <p:txBody>
+          <a:bodyPr spcFirstLastPara="1" wrap="square" lIns="91425" tIns="45700" rIns="91425" bIns="45700" anchor="t" anchorCtr="0">
+            <a:noAutofit/>
+          </a:bodyPr>
+          <a:lstStyle/>
           <a:p>
             <a:pPr marL="0" marR="0" lvl="0" indent="0" algn="l" rtl="0">
               <a:lnSpc>
@@ -6596,7 +5084,19 @@
               </a:spcAft>
               <a:buNone/>
             </a:pPr>
-            <a:endParaRPr sz="1350" b="0" i="0" u="none" strike="noStrike" cap="none" dirty="0">
+            <a:r>
+              <a:rPr lang="en-US" sz="1350" b="0" i="0" u="none" strike="noStrike" cap="none">
+                <a:solidFill>
+                  <a:srgbClr val="000000"/>
+                </a:solidFill>
+                <a:latin typeface="Arial" panose="020B0604020202020204"/>
+                <a:ea typeface="Arial" panose="020B0604020202020204"/>
+                <a:cs typeface="Arial" panose="020B0604020202020204"/>
+                <a:sym typeface="Arial" panose="020B0604020202020204"/>
+              </a:rPr>
+              <a:t>notify</a:t>
+            </a:r>
+            <a:endParaRPr sz="1350" b="0" i="0" u="none" strike="noStrike" cap="none">
               <a:solidFill>
                 <a:srgbClr val="000000"/>
               </a:solidFill>
@@ -6610,10 +5110,10 @@
       </p:sp>
       <p:sp>
         <p:nvSpPr>
-          <p:cNvPr id="50" name="Google Shape;637;p43">
+          <p:cNvPr id="19" name="Google Shape;328;p32">
             <a:extLst>
               <a:ext uri="{FF2B5EF4-FFF2-40B4-BE49-F238E27FC236}">
-                <a16:creationId xmlns:a16="http://schemas.microsoft.com/office/drawing/2014/main" id="{CD569305-D714-284C-BF33-802FEAE08C68}"/>
+                <a16:creationId xmlns:a16="http://schemas.microsoft.com/office/drawing/2014/main" id="{3106E7B7-FC66-F241-BC14-BDE60E9B12D2}"/>
               </a:ext>
             </a:extLst>
           </p:cNvPr>
@@ -6622,8 +5122,8 @@
         </p:nvSpPr>
         <p:spPr>
           <a:xfrm>
-            <a:off x="460300" y="2492400"/>
-            <a:ext cx="3095700" cy="507900"/>
+            <a:off x="7107822" y="2401077"/>
+            <a:ext cx="600917" cy="300082"/>
           </a:xfrm>
           <a:prstGeom prst="rect">
             <a:avLst/>
@@ -6652,7 +5152,7 @@
               <a:buNone/>
             </a:pPr>
             <a:r>
-              <a:rPr lang="en-US" sz="1350" b="0" i="0" u="none" strike="noStrike" cap="none" dirty="0" err="1">
+              <a:rPr lang="en-US" sz="1350" b="0" i="0" u="none" strike="noStrike" cap="none">
                 <a:solidFill>
                   <a:srgbClr val="000000"/>
                 </a:solidFill>
@@ -6661,81 +5161,9 @@
                 <a:cs typeface="Arial" panose="020B0604020202020204"/>
                 <a:sym typeface="Arial" panose="020B0604020202020204"/>
               </a:rPr>
-              <a:t>client.Call</a:t>
-            </a:r>
-            <a:r>
-              <a:rPr lang="en-US" sz="1350" b="0" i="0" u="none" strike="noStrike" cap="none" dirty="0">
-                <a:solidFill>
-                  <a:srgbClr val="000000"/>
-                </a:solidFill>
-                <a:latin typeface="Arial" panose="020B0604020202020204"/>
-                <a:ea typeface="Arial" panose="020B0604020202020204"/>
-                <a:cs typeface="Arial" panose="020B0604020202020204"/>
-                <a:sym typeface="Arial" panose="020B0604020202020204"/>
-              </a:rPr>
-              <a:t> </a:t>
-            </a:r>
-            <a:r>
-              <a:rPr lang="zh-CN" altLang="en-US" sz="1350" b="0" i="0" u="none" strike="noStrike" cap="none" dirty="0">
-                <a:solidFill>
-                  <a:srgbClr val="000000"/>
-                </a:solidFill>
-                <a:latin typeface="Arial" panose="020B0604020202020204"/>
-                <a:ea typeface="Arial" panose="020B0604020202020204"/>
-                <a:cs typeface="Arial" panose="020B0604020202020204"/>
-                <a:sym typeface="Arial" panose="020B0604020202020204"/>
-              </a:rPr>
-              <a:t>       </a:t>
-            </a:r>
-            <a:r>
-              <a:rPr lang="en-US" sz="1350" b="0" i="0" u="none" strike="noStrike" cap="none" dirty="0">
-                <a:solidFill>
-                  <a:srgbClr val="000000"/>
-                </a:solidFill>
-                <a:latin typeface="Arial" panose="020B0604020202020204"/>
-                <a:ea typeface="Arial" panose="020B0604020202020204"/>
-                <a:cs typeface="Arial" panose="020B0604020202020204"/>
-                <a:sym typeface="Arial" panose="020B0604020202020204"/>
-              </a:rPr>
-              <a:t>=&gt;</a:t>
-            </a:r>
-            <a:r>
-              <a:rPr lang="zh-CN" altLang="en-US" sz="1350" b="0" i="0" u="none" strike="noStrike" cap="none" dirty="0">
-                <a:solidFill>
-                  <a:srgbClr val="000000"/>
-                </a:solidFill>
-                <a:latin typeface="Arial" panose="020B0604020202020204"/>
-                <a:ea typeface="Arial" panose="020B0604020202020204"/>
-                <a:cs typeface="Arial" panose="020B0604020202020204"/>
-                <a:sym typeface="Arial" panose="020B0604020202020204"/>
-              </a:rPr>
-              <a:t>  </a:t>
-            </a:r>
-            <a:r>
-              <a:rPr lang="en-US" sz="1350" b="0" i="0" u="none" strike="noStrike" cap="none" dirty="0">
-                <a:solidFill>
-                  <a:srgbClr val="000000"/>
-                </a:solidFill>
-                <a:latin typeface="Arial" panose="020B0604020202020204"/>
-                <a:ea typeface="Arial" panose="020B0604020202020204"/>
-                <a:cs typeface="Arial" panose="020B0604020202020204"/>
-                <a:sym typeface="Arial" panose="020B0604020202020204"/>
-              </a:rPr>
-              <a:t> </a:t>
-            </a:r>
-            <a:r>
-              <a:rPr lang="en-US" sz="1350" b="0" i="0" u="none" strike="noStrike" cap="none" dirty="0" err="1">
-                <a:solidFill>
-                  <a:srgbClr val="000000"/>
-                </a:solidFill>
-                <a:latin typeface="Arial" panose="020B0604020202020204"/>
-                <a:ea typeface="Arial" panose="020B0604020202020204"/>
-                <a:cs typeface="Arial" panose="020B0604020202020204"/>
-                <a:sym typeface="Arial" panose="020B0604020202020204"/>
-              </a:rPr>
-              <a:t>server.Handler</a:t>
-            </a:r>
-            <a:endParaRPr sz="1350" b="0" i="0" u="none" strike="noStrike" cap="none" dirty="0">
+              <a:t>pub</a:t>
+            </a:r>
+            <a:endParaRPr sz="1350" b="0" i="0" u="none" strike="noStrike" cap="none">
               <a:solidFill>
                 <a:srgbClr val="000000"/>
               </a:solidFill>
@@ -6745,6 +5173,38 @@
               <a:sym typeface="Arial" panose="020B0604020202020204"/>
             </a:endParaRPr>
           </a:p>
+        </p:txBody>
+      </p:sp>
+      <p:sp>
+        <p:nvSpPr>
+          <p:cNvPr id="20" name="Google Shape;329;p32">
+            <a:extLst>
+              <a:ext uri="{FF2B5EF4-FFF2-40B4-BE49-F238E27FC236}">
+                <a16:creationId xmlns:a16="http://schemas.microsoft.com/office/drawing/2014/main" id="{60BEA294-04F1-154A-AE09-33AD3816F08F}"/>
+              </a:ext>
+            </a:extLst>
+          </p:cNvPr>
+          <p:cNvSpPr txBox="1"/>
+          <p:nvPr/>
+        </p:nvSpPr>
+        <p:spPr>
+          <a:xfrm>
+            <a:off x="8792942" y="2491261"/>
+            <a:ext cx="620700" cy="507900"/>
+          </a:xfrm>
+          <a:prstGeom prst="rect">
+            <a:avLst/>
+          </a:prstGeom>
+          <a:noFill/>
+          <a:ln>
+            <a:noFill/>
+          </a:ln>
+        </p:spPr>
+        <p:txBody>
+          <a:bodyPr spcFirstLastPara="1" wrap="square" lIns="91425" tIns="45700" rIns="91425" bIns="45700" anchor="t" anchorCtr="0">
+            <a:noAutofit/>
+          </a:bodyPr>
+          <a:lstStyle/>
           <a:p>
             <a:pPr marL="0" marR="0" lvl="0" indent="0" algn="l" rtl="0">
               <a:lnSpc>
@@ -6758,9 +5218,87 @@
               </a:spcAft>
               <a:buNone/>
             </a:pPr>
-            <a:endParaRPr sz="1350" b="0" i="0" u="none" strike="noStrike" cap="none" dirty="0">
+            <a:r>
+              <a:rPr lang="en-US" sz="1350" b="0" i="0" u="none" strike="noStrike" cap="none">
+                <a:solidFill>
+                  <a:srgbClr val="000000"/>
+                </a:solidFill>
+                <a:latin typeface="Arial" panose="020B0604020202020204"/>
+                <a:ea typeface="Arial" panose="020B0604020202020204"/>
+                <a:cs typeface="Arial" panose="020B0604020202020204"/>
+                <a:sym typeface="Arial" panose="020B0604020202020204"/>
+              </a:rPr>
+              <a:t>sub</a:t>
+            </a:r>
+          </a:p>
+        </p:txBody>
+      </p:sp>
+      <p:sp>
+        <p:nvSpPr>
+          <p:cNvPr id="21" name="Google Shape;330;p32">
+            <a:extLst>
+              <a:ext uri="{FF2B5EF4-FFF2-40B4-BE49-F238E27FC236}">
+                <a16:creationId xmlns:a16="http://schemas.microsoft.com/office/drawing/2014/main" id="{8BC106A1-C4B5-9D4E-BD9A-189E95436C94}"/>
+              </a:ext>
+            </a:extLst>
+          </p:cNvPr>
+          <p:cNvSpPr/>
+          <p:nvPr/>
+        </p:nvSpPr>
+        <p:spPr>
+          <a:xfrm>
+            <a:off x="6057460" y="3549461"/>
+            <a:ext cx="699798" cy="298707"/>
+          </a:xfrm>
+          <a:prstGeom prst="rect">
+            <a:avLst/>
+          </a:prstGeom>
+          <a:solidFill>
+            <a:srgbClr val="696774"/>
+          </a:solidFill>
+          <a:ln w="25400" cap="flat" cmpd="sng">
+            <a:solidFill>
+              <a:schemeClr val="lt1"/>
+            </a:solidFill>
+            <a:prstDash val="solid"/>
+            <a:round/>
+            <a:headEnd type="none" w="sm" len="sm"/>
+            <a:tailEnd type="none" w="sm" len="sm"/>
+          </a:ln>
+        </p:spPr>
+        <p:txBody>
+          <a:bodyPr spcFirstLastPara="1" wrap="square" lIns="68575" tIns="34275" rIns="68575" bIns="34275" anchor="ctr" anchorCtr="0">
+            <a:noAutofit/>
+          </a:bodyPr>
+          <a:lstStyle/>
+          <a:p>
+            <a:pPr marL="0" marR="0" lvl="0" indent="0" algn="ctr" rtl="0">
+              <a:lnSpc>
+                <a:spcPct val="100000"/>
+              </a:lnSpc>
+              <a:spcBef>
+                <a:spcPts val="0"/>
+              </a:spcBef>
+              <a:spcAft>
+                <a:spcPts val="0"/>
+              </a:spcAft>
+              <a:buNone/>
+            </a:pPr>
+            <a:r>
+              <a:rPr lang="en-US" sz="1200" b="0" i="0" u="none" strike="noStrike" cap="none" dirty="0">
+                <a:solidFill>
+                  <a:schemeClr val="lt1"/>
+                </a:solidFill>
+                <a:latin typeface="Arial" panose="020B0604020202020204"/>
+                <a:ea typeface="Arial" panose="020B0604020202020204"/>
+                <a:cs typeface="Arial" panose="020B0604020202020204"/>
+                <a:sym typeface="Arial" panose="020B0604020202020204"/>
+              </a:rPr>
+              <a:t>Selector</a:t>
+            </a:r>
+            <a:endParaRPr sz="1200" b="0" i="0" u="none" strike="noStrike" cap="none" dirty="0">
               <a:solidFill>
-                <a:srgbClr val="000000"/>
+                <a:schemeClr val="lt1"/>
               </a:solidFill>
               <a:latin typeface="Arial" panose="020B0604020202020204"/>
               <a:ea typeface="Arial" panose="020B0604020202020204"/>
@@ -6772,10 +5310,10 @@
       </p:sp>
       <p:sp>
         <p:nvSpPr>
-          <p:cNvPr id="51" name="Google Shape;638;p43">
+          <p:cNvPr id="28" name="Google Shape;337;p32">
             <a:extLst>
               <a:ext uri="{FF2B5EF4-FFF2-40B4-BE49-F238E27FC236}">
-                <a16:creationId xmlns:a16="http://schemas.microsoft.com/office/drawing/2014/main" id="{EA5AF44C-CE57-4E46-A443-5E9DBD0BA86D}"/>
+                <a16:creationId xmlns:a16="http://schemas.microsoft.com/office/drawing/2014/main" id="{EF03CC86-5518-C340-8841-1BB23B0ADB45}"/>
               </a:ext>
             </a:extLst>
           </p:cNvPr>
@@ -6784,8 +5322,8 @@
         </p:nvSpPr>
         <p:spPr>
           <a:xfrm>
-            <a:off x="432199" y="3021764"/>
-            <a:ext cx="3267000" cy="507900"/>
+            <a:off x="6730631" y="3775558"/>
+            <a:ext cx="616513" cy="230832"/>
           </a:xfrm>
           <a:prstGeom prst="rect">
             <a:avLst/>
@@ -6814,7 +5352,7 @@
               <a:buNone/>
             </a:pPr>
             <a:r>
-              <a:rPr lang="en-US" sz="1350" b="0" i="0" u="none" strike="noStrike" cap="none" dirty="0" err="1">
+              <a:rPr lang="en-US" sz="900" b="0" i="0" u="none" strike="noStrike" cap="none">
                 <a:solidFill>
                   <a:srgbClr val="000000"/>
                 </a:solidFill>
@@ -6823,81 +5361,9 @@
                 <a:cs typeface="Arial" panose="020B0604020202020204"/>
                 <a:sym typeface="Arial" panose="020B0604020202020204"/>
               </a:rPr>
-              <a:t>transport.client</a:t>
-            </a:r>
-            <a:r>
-              <a:rPr lang="en-US" sz="1350" b="0" i="0" u="none" strike="noStrike" cap="none" dirty="0">
-                <a:solidFill>
-                  <a:srgbClr val="000000"/>
-                </a:solidFill>
-                <a:latin typeface="Arial" panose="020B0604020202020204"/>
-                <a:ea typeface="Arial" panose="020B0604020202020204"/>
-                <a:cs typeface="Arial" panose="020B0604020202020204"/>
-                <a:sym typeface="Arial" panose="020B0604020202020204"/>
-              </a:rPr>
-              <a:t> =&gt; </a:t>
-            </a:r>
-            <a:r>
-              <a:rPr lang="zh-CN" altLang="en-US" sz="1350" b="0" i="0" u="none" strike="noStrike" cap="none" dirty="0">
-                <a:solidFill>
-                  <a:srgbClr val="000000"/>
-                </a:solidFill>
-                <a:latin typeface="Arial" panose="020B0604020202020204"/>
-                <a:ea typeface="Arial" panose="020B0604020202020204"/>
-                <a:cs typeface="Arial" panose="020B0604020202020204"/>
-                <a:sym typeface="Arial" panose="020B0604020202020204"/>
-              </a:rPr>
-              <a:t>  </a:t>
-            </a:r>
-            <a:r>
-              <a:rPr lang="en-US" sz="1350" b="0" i="0" u="none" strike="noStrike" cap="none" dirty="0" err="1">
-                <a:solidFill>
-                  <a:srgbClr val="000000"/>
-                </a:solidFill>
-                <a:latin typeface="Arial" panose="020B0604020202020204"/>
-                <a:ea typeface="Arial" panose="020B0604020202020204"/>
-                <a:cs typeface="Arial" panose="020B0604020202020204"/>
-                <a:sym typeface="Arial" panose="020B0604020202020204"/>
-              </a:rPr>
-              <a:t>transport.</a:t>
-            </a:r>
-            <a:r>
-              <a:rPr lang="en-US" altLang="zh-CN" sz="1350" b="0" i="0" u="none" strike="noStrike" cap="none" dirty="0" err="1">
-                <a:solidFill>
-                  <a:srgbClr val="000000"/>
-                </a:solidFill>
-                <a:latin typeface="Arial" panose="020B0604020202020204"/>
-                <a:ea typeface="Arial" panose="020B0604020202020204"/>
-                <a:cs typeface="Arial" panose="020B0604020202020204"/>
-                <a:sym typeface="Arial" panose="020B0604020202020204"/>
-              </a:rPr>
-              <a:t>tr</a:t>
-            </a:r>
-            <a:r>
-              <a:rPr lang="en-US" altLang="zh-CN" sz="1350" dirty="0" err="1">
-                <a:solidFill>
-                  <a:srgbClr val="000000"/>
-                </a:solidFill>
-                <a:latin typeface="Arial" panose="020B0604020202020204"/>
-                <a:ea typeface="Arial" panose="020B0604020202020204"/>
-                <a:cs typeface="Arial" panose="020B0604020202020204"/>
-                <a:sym typeface="Arial" panose="020B0604020202020204"/>
-              </a:rPr>
-              <a:t>L</a:t>
-            </a:r>
-            <a:r>
-              <a:rPr lang="en-US" sz="1350" b="0" i="0" u="none" strike="noStrike" cap="none" dirty="0" err="1">
-                <a:solidFill>
-                  <a:srgbClr val="000000"/>
-                </a:solidFill>
-                <a:latin typeface="Arial" panose="020B0604020202020204"/>
-                <a:ea typeface="Arial" panose="020B0604020202020204"/>
-                <a:cs typeface="Arial" panose="020B0604020202020204"/>
-                <a:sym typeface="Arial" panose="020B0604020202020204"/>
-              </a:rPr>
-              <a:t>istener</a:t>
-            </a:r>
-            <a:endParaRPr sz="1350" b="0" i="0" u="none" strike="noStrike" cap="none" dirty="0">
+              <a:t>1. select</a:t>
+            </a:r>
+            <a:endParaRPr sz="900" b="0" i="0" u="none" strike="noStrike" cap="none">
               <a:solidFill>
                 <a:srgbClr val="000000"/>
               </a:solidFill>
@@ -6907,6 +5373,532 @@
               <a:sym typeface="Arial" panose="020B0604020202020204"/>
             </a:endParaRPr>
           </a:p>
+        </p:txBody>
+      </p:sp>
+      <p:sp>
+        <p:nvSpPr>
+          <p:cNvPr id="29" name="Google Shape;322;p32">
+            <a:extLst>
+              <a:ext uri="{FF2B5EF4-FFF2-40B4-BE49-F238E27FC236}">
+                <a16:creationId xmlns:a16="http://schemas.microsoft.com/office/drawing/2014/main" id="{4CDC4272-EE37-A74C-ABFB-88E3F95B4340}"/>
+              </a:ext>
+            </a:extLst>
+          </p:cNvPr>
+          <p:cNvSpPr/>
+          <p:nvPr/>
+        </p:nvSpPr>
+        <p:spPr>
+          <a:xfrm>
+            <a:off x="6060333" y="3848509"/>
+            <a:ext cx="696924" cy="312791"/>
+          </a:xfrm>
+          <a:prstGeom prst="rect">
+            <a:avLst/>
+          </a:prstGeom>
+          <a:solidFill>
+            <a:srgbClr val="696774"/>
+          </a:solidFill>
+          <a:ln w="25400" cap="flat" cmpd="sng">
+            <a:solidFill>
+              <a:schemeClr val="lt1"/>
+            </a:solidFill>
+            <a:prstDash val="solid"/>
+            <a:round/>
+            <a:headEnd type="none" w="sm" len="sm"/>
+            <a:tailEnd type="none" w="sm" len="sm"/>
+          </a:ln>
+        </p:spPr>
+        <p:txBody>
+          <a:bodyPr spcFirstLastPara="1" wrap="square" lIns="68575" tIns="34275" rIns="68575" bIns="34275" anchor="ctr" anchorCtr="0">
+            <a:noAutofit/>
+          </a:bodyPr>
+          <a:lstStyle/>
+          <a:p>
+            <a:pPr marL="0" marR="0" lvl="0" indent="0" algn="ctr" rtl="0">
+              <a:lnSpc>
+                <a:spcPct val="100000"/>
+              </a:lnSpc>
+              <a:spcBef>
+                <a:spcPts val="0"/>
+              </a:spcBef>
+              <a:spcAft>
+                <a:spcPts val="0"/>
+              </a:spcAft>
+              <a:buNone/>
+            </a:pPr>
+            <a:r>
+              <a:rPr lang="en-US" sz="1200" b="0" i="0" u="none" strike="noStrike" cap="none" dirty="0">
+                <a:solidFill>
+                  <a:schemeClr val="lt1"/>
+                </a:solidFill>
+                <a:latin typeface="Arial" panose="020B0604020202020204"/>
+                <a:ea typeface="Arial" panose="020B0604020202020204"/>
+                <a:cs typeface="Arial" panose="020B0604020202020204"/>
+                <a:sym typeface="Arial" panose="020B0604020202020204"/>
+              </a:rPr>
+              <a:t>Registry</a:t>
+            </a:r>
+            <a:endParaRPr sz="1350" b="0" i="0" u="none" strike="noStrike" cap="none" dirty="0">
+              <a:solidFill>
+                <a:schemeClr val="lt1"/>
+              </a:solidFill>
+              <a:latin typeface="Arial" panose="020B0604020202020204"/>
+              <a:ea typeface="Arial" panose="020B0604020202020204"/>
+              <a:cs typeface="Arial" panose="020B0604020202020204"/>
+              <a:sym typeface="Arial" panose="020B0604020202020204"/>
+            </a:endParaRPr>
+          </a:p>
+        </p:txBody>
+      </p:sp>
+      <p:sp>
+        <p:nvSpPr>
+          <p:cNvPr id="30" name="Google Shape;319;p32">
+            <a:extLst>
+              <a:ext uri="{FF2B5EF4-FFF2-40B4-BE49-F238E27FC236}">
+                <a16:creationId xmlns:a16="http://schemas.microsoft.com/office/drawing/2014/main" id="{C68407BE-D744-0345-81B0-54E196B0C01A}"/>
+              </a:ext>
+            </a:extLst>
+          </p:cNvPr>
+          <p:cNvSpPr/>
+          <p:nvPr/>
+        </p:nvSpPr>
+        <p:spPr>
+          <a:xfrm>
+            <a:off x="9482490" y="3816611"/>
+            <a:ext cx="702326" cy="321942"/>
+          </a:xfrm>
+          <a:prstGeom prst="rect">
+            <a:avLst/>
+          </a:prstGeom>
+          <a:solidFill>
+            <a:srgbClr val="696774"/>
+          </a:solidFill>
+          <a:ln w="25400" cap="flat" cmpd="sng">
+            <a:solidFill>
+              <a:schemeClr val="lt1"/>
+            </a:solidFill>
+            <a:prstDash val="solid"/>
+            <a:round/>
+            <a:headEnd type="none" w="sm" len="sm"/>
+            <a:tailEnd type="none" w="sm" len="sm"/>
+          </a:ln>
+        </p:spPr>
+        <p:txBody>
+          <a:bodyPr spcFirstLastPara="1" wrap="square" lIns="68575" tIns="34275" rIns="68575" bIns="34275" anchor="ctr" anchorCtr="0">
+            <a:noAutofit/>
+          </a:bodyPr>
+          <a:lstStyle/>
+          <a:p>
+            <a:pPr marL="0" marR="0" lvl="0" indent="0" algn="ctr" rtl="0">
+              <a:lnSpc>
+                <a:spcPct val="100000"/>
+              </a:lnSpc>
+              <a:spcBef>
+                <a:spcPts val="0"/>
+              </a:spcBef>
+              <a:spcAft>
+                <a:spcPts val="0"/>
+              </a:spcAft>
+              <a:buNone/>
+            </a:pPr>
+            <a:r>
+              <a:rPr lang="en-US" sz="1200" b="0" i="0" u="none" strike="noStrike" cap="none" dirty="0">
+                <a:solidFill>
+                  <a:schemeClr val="lt1"/>
+                </a:solidFill>
+                <a:latin typeface="Arial" panose="020B0604020202020204"/>
+                <a:ea typeface="Arial" panose="020B0604020202020204"/>
+                <a:cs typeface="Arial" panose="020B0604020202020204"/>
+                <a:sym typeface="Arial" panose="020B0604020202020204"/>
+              </a:rPr>
+              <a:t>Registry</a:t>
+            </a:r>
+            <a:endParaRPr sz="1350" b="0" i="0" u="none" strike="noStrike" cap="none" dirty="0">
+              <a:solidFill>
+                <a:schemeClr val="lt1"/>
+              </a:solidFill>
+              <a:latin typeface="Arial" panose="020B0604020202020204"/>
+              <a:ea typeface="Arial" panose="020B0604020202020204"/>
+              <a:cs typeface="Arial" panose="020B0604020202020204"/>
+              <a:sym typeface="Arial" panose="020B0604020202020204"/>
+            </a:endParaRPr>
+          </a:p>
+        </p:txBody>
+      </p:sp>
+      <p:sp>
+        <p:nvSpPr>
+          <p:cNvPr id="31" name="Google Shape;338;p32">
+            <a:extLst>
+              <a:ext uri="{FF2B5EF4-FFF2-40B4-BE49-F238E27FC236}">
+                <a16:creationId xmlns:a16="http://schemas.microsoft.com/office/drawing/2014/main" id="{F989A04D-4165-4247-956D-B8FC4053420C}"/>
+              </a:ext>
+            </a:extLst>
+          </p:cNvPr>
+          <p:cNvSpPr/>
+          <p:nvPr/>
+        </p:nvSpPr>
+        <p:spPr>
+          <a:xfrm>
+            <a:off x="7792697" y="1929941"/>
+            <a:ext cx="815176" cy="335961"/>
+          </a:xfrm>
+          <a:prstGeom prst="rect">
+            <a:avLst/>
+          </a:prstGeom>
+          <a:solidFill>
+            <a:srgbClr val="560A30"/>
+          </a:solidFill>
+          <a:ln w="25400" cap="flat" cmpd="sng">
+            <a:solidFill>
+              <a:schemeClr val="lt1"/>
+            </a:solidFill>
+            <a:prstDash val="solid"/>
+            <a:round/>
+            <a:headEnd type="none" w="sm" len="sm"/>
+            <a:tailEnd type="none" w="sm" len="sm"/>
+          </a:ln>
+        </p:spPr>
+        <p:txBody>
+          <a:bodyPr spcFirstLastPara="1" wrap="square" lIns="68575" tIns="34275" rIns="68575" bIns="34275" anchor="ctr" anchorCtr="0">
+            <a:noAutofit/>
+          </a:bodyPr>
+          <a:lstStyle/>
+          <a:p>
+            <a:pPr marL="0" marR="0" lvl="0" indent="0" algn="ctr" rtl="0">
+              <a:lnSpc>
+                <a:spcPct val="100000"/>
+              </a:lnSpc>
+              <a:spcBef>
+                <a:spcPts val="0"/>
+              </a:spcBef>
+              <a:spcAft>
+                <a:spcPts val="0"/>
+              </a:spcAft>
+              <a:buNone/>
+            </a:pPr>
+            <a:r>
+              <a:rPr lang="en-US" sz="1350" b="0" i="0" u="none" strike="noStrike" cap="none" dirty="0">
+                <a:solidFill>
+                  <a:schemeClr val="lt1"/>
+                </a:solidFill>
+                <a:latin typeface="Arial" panose="020B0604020202020204"/>
+                <a:ea typeface="Arial" panose="020B0604020202020204"/>
+                <a:cs typeface="Arial" panose="020B0604020202020204"/>
+                <a:sym typeface="Arial" panose="020B0604020202020204"/>
+              </a:rPr>
+              <a:t>MQ</a:t>
+            </a:r>
+          </a:p>
+        </p:txBody>
+      </p:sp>
+      <p:cxnSp>
+        <p:nvCxnSpPr>
+          <p:cNvPr id="32" name="Google Shape;339;p32">
+            <a:extLst>
+              <a:ext uri="{FF2B5EF4-FFF2-40B4-BE49-F238E27FC236}">
+                <a16:creationId xmlns:a16="http://schemas.microsoft.com/office/drawing/2014/main" id="{250DD976-E389-8747-BA13-EE2B3C456FF0}"/>
+              </a:ext>
+            </a:extLst>
+          </p:cNvPr>
+          <p:cNvCxnSpPr>
+            <a:cxnSpLocks/>
+            <a:stCxn id="46" idx="0"/>
+            <a:endCxn id="31" idx="1"/>
+          </p:cNvCxnSpPr>
+          <p:nvPr/>
+        </p:nvCxnSpPr>
+        <p:spPr>
+          <a:xfrm rot="5400000" flipH="1" flipV="1">
+            <a:off x="6999352" y="2110474"/>
+            <a:ext cx="805896" cy="780793"/>
+          </a:xfrm>
+          <a:prstGeom prst="curvedConnector2">
+            <a:avLst/>
+          </a:prstGeom>
+          <a:noFill/>
+          <a:ln w="28575" cap="flat" cmpd="sng">
+            <a:solidFill>
+              <a:srgbClr val="00D4DD"/>
+            </a:solidFill>
+            <a:prstDash val="dash"/>
+            <a:round/>
+            <a:headEnd type="none" w="sm" len="sm"/>
+            <a:tailEnd type="triangle" w="med" len="med"/>
+          </a:ln>
+        </p:spPr>
+      </p:cxnSp>
+      <p:sp>
+        <p:nvSpPr>
+          <p:cNvPr id="33" name="Google Shape;341;p32">
+            <a:extLst>
+              <a:ext uri="{FF2B5EF4-FFF2-40B4-BE49-F238E27FC236}">
+                <a16:creationId xmlns:a16="http://schemas.microsoft.com/office/drawing/2014/main" id="{293C8934-3C9C-904D-9023-7B597AFDC194}"/>
+              </a:ext>
+            </a:extLst>
+          </p:cNvPr>
+          <p:cNvSpPr/>
+          <p:nvPr/>
+        </p:nvSpPr>
+        <p:spPr>
+          <a:xfrm>
+            <a:off x="6054198" y="2892156"/>
+            <a:ext cx="702326" cy="312857"/>
+          </a:xfrm>
+          <a:prstGeom prst="rect">
+            <a:avLst/>
+          </a:prstGeom>
+          <a:solidFill>
+            <a:srgbClr val="696774"/>
+          </a:solidFill>
+          <a:ln w="25400" cap="flat" cmpd="sng">
+            <a:solidFill>
+              <a:schemeClr val="lt1"/>
+            </a:solidFill>
+            <a:prstDash val="solid"/>
+            <a:round/>
+            <a:headEnd type="none" w="sm" len="sm"/>
+            <a:tailEnd type="none" w="sm" len="sm"/>
+          </a:ln>
+        </p:spPr>
+        <p:txBody>
+          <a:bodyPr spcFirstLastPara="1" wrap="square" lIns="68575" tIns="34275" rIns="68575" bIns="34275" anchor="ctr" anchorCtr="0">
+            <a:noAutofit/>
+          </a:bodyPr>
+          <a:lstStyle/>
+          <a:p>
+            <a:pPr marL="0" marR="0" lvl="0" indent="0" algn="ctr" rtl="0">
+              <a:lnSpc>
+                <a:spcPct val="100000"/>
+              </a:lnSpc>
+              <a:spcBef>
+                <a:spcPts val="0"/>
+              </a:spcBef>
+              <a:spcAft>
+                <a:spcPts val="0"/>
+              </a:spcAft>
+              <a:buNone/>
+            </a:pPr>
+            <a:r>
+              <a:rPr lang="en-US" sz="1350" b="0" i="0" u="none" strike="noStrike" cap="none" dirty="0">
+                <a:solidFill>
+                  <a:schemeClr val="lt1"/>
+                </a:solidFill>
+                <a:latin typeface="Arial" panose="020B0604020202020204"/>
+                <a:ea typeface="Arial" panose="020B0604020202020204"/>
+                <a:cs typeface="Arial" panose="020B0604020202020204"/>
+                <a:sym typeface="Arial" panose="020B0604020202020204"/>
+              </a:rPr>
+              <a:t>Broker</a:t>
+            </a:r>
+          </a:p>
+        </p:txBody>
+      </p:sp>
+      <p:cxnSp>
+        <p:nvCxnSpPr>
+          <p:cNvPr id="34" name="Google Shape;342;p32">
+            <a:extLst>
+              <a:ext uri="{FF2B5EF4-FFF2-40B4-BE49-F238E27FC236}">
+                <a16:creationId xmlns:a16="http://schemas.microsoft.com/office/drawing/2014/main" id="{EAFA6CC4-5616-394D-914D-707CEA2091C8}"/>
+              </a:ext>
+            </a:extLst>
+          </p:cNvPr>
+          <p:cNvCxnSpPr>
+            <a:endCxn id="29" idx="3"/>
+          </p:cNvCxnSpPr>
+          <p:nvPr/>
+        </p:nvCxnSpPr>
+        <p:spPr>
+          <a:xfrm rot="10800000">
+            <a:off x="6757257" y="4004905"/>
+            <a:ext cx="1902900" cy="1312200"/>
+          </a:xfrm>
+          <a:prstGeom prst="curvedConnector3">
+            <a:avLst>
+              <a:gd name="adj1" fmla="val 49998"/>
+            </a:avLst>
+          </a:prstGeom>
+          <a:noFill/>
+          <a:ln w="28575" cap="flat" cmpd="sng">
+            <a:solidFill>
+              <a:srgbClr val="00D4DD"/>
+            </a:solidFill>
+            <a:prstDash val="dash"/>
+            <a:round/>
+            <a:headEnd type="none" w="sm" len="sm"/>
+            <a:tailEnd type="triangle" w="med" len="med"/>
+          </a:ln>
+        </p:spPr>
+      </p:cxnSp>
+      <p:sp>
+        <p:nvSpPr>
+          <p:cNvPr id="35" name="Google Shape;343;p32">
+            <a:extLst>
+              <a:ext uri="{FF2B5EF4-FFF2-40B4-BE49-F238E27FC236}">
+                <a16:creationId xmlns:a16="http://schemas.microsoft.com/office/drawing/2014/main" id="{C0800864-66C1-D140-B8F3-EE53B16F9432}"/>
+              </a:ext>
+            </a:extLst>
+          </p:cNvPr>
+          <p:cNvSpPr/>
+          <p:nvPr/>
+        </p:nvSpPr>
+        <p:spPr>
+          <a:xfrm>
+            <a:off x="6054198" y="3205510"/>
+            <a:ext cx="702326" cy="343609"/>
+          </a:xfrm>
+          <a:prstGeom prst="rect">
+            <a:avLst/>
+          </a:prstGeom>
+          <a:solidFill>
+            <a:srgbClr val="696774"/>
+          </a:solidFill>
+          <a:ln w="25400" cap="flat" cmpd="sng">
+            <a:solidFill>
+              <a:schemeClr val="lt1"/>
+            </a:solidFill>
+            <a:prstDash val="solid"/>
+            <a:round/>
+            <a:headEnd type="none" w="sm" len="sm"/>
+            <a:tailEnd type="none" w="sm" len="sm"/>
+          </a:ln>
+        </p:spPr>
+        <p:txBody>
+          <a:bodyPr spcFirstLastPara="1" wrap="square" lIns="68575" tIns="34275" rIns="68575" bIns="34275" anchor="ctr" anchorCtr="0">
+            <a:noAutofit/>
+          </a:bodyPr>
+          <a:lstStyle/>
+          <a:p>
+            <a:pPr marL="0" marR="0" lvl="0" indent="0" algn="ctr" rtl="0">
+              <a:lnSpc>
+                <a:spcPct val="100000"/>
+              </a:lnSpc>
+              <a:spcBef>
+                <a:spcPts val="0"/>
+              </a:spcBef>
+              <a:spcAft>
+                <a:spcPts val="0"/>
+              </a:spcAft>
+              <a:buNone/>
+            </a:pPr>
+            <a:r>
+              <a:rPr lang="en-US" sz="1000" b="0" i="0" u="none" strike="noStrike" cap="none">
+                <a:solidFill>
+                  <a:schemeClr val="lt1"/>
+                </a:solidFill>
+                <a:latin typeface="Arial" panose="020B0604020202020204"/>
+                <a:ea typeface="Arial" panose="020B0604020202020204"/>
+                <a:cs typeface="Arial" panose="020B0604020202020204"/>
+                <a:sym typeface="Arial" panose="020B0604020202020204"/>
+              </a:rPr>
+              <a:t>Transport</a:t>
+            </a:r>
+          </a:p>
+        </p:txBody>
+      </p:sp>
+      <p:cxnSp>
+        <p:nvCxnSpPr>
+          <p:cNvPr id="36" name="Google Shape;344;p32">
+            <a:extLst>
+              <a:ext uri="{FF2B5EF4-FFF2-40B4-BE49-F238E27FC236}">
+                <a16:creationId xmlns:a16="http://schemas.microsoft.com/office/drawing/2014/main" id="{5B213779-C499-364C-8312-7AF21EA1FFC6}"/>
+              </a:ext>
+            </a:extLst>
+          </p:cNvPr>
+          <p:cNvCxnSpPr>
+            <a:stCxn id="4" idx="3"/>
+            <a:endCxn id="21" idx="3"/>
+          </p:cNvCxnSpPr>
+          <p:nvPr/>
+        </p:nvCxnSpPr>
+        <p:spPr>
+          <a:xfrm rot="10800000">
+            <a:off x="6757318" y="3698886"/>
+            <a:ext cx="5700" cy="654600"/>
+          </a:xfrm>
+          <a:prstGeom prst="curvedConnector3">
+            <a:avLst>
+              <a:gd name="adj1" fmla="val -3007764"/>
+            </a:avLst>
+          </a:prstGeom>
+          <a:noFill/>
+          <a:ln w="28575" cap="flat" cmpd="sng">
+            <a:solidFill>
+              <a:srgbClr val="00D4DD"/>
+            </a:solidFill>
+            <a:prstDash val="solid"/>
+            <a:round/>
+            <a:headEnd type="none" w="sm" len="sm"/>
+            <a:tailEnd type="triangle" w="med" len="med"/>
+          </a:ln>
+        </p:spPr>
+      </p:cxnSp>
+      <p:cxnSp>
+        <p:nvCxnSpPr>
+          <p:cNvPr id="37" name="Google Shape;345;p32">
+            <a:extLst>
+              <a:ext uri="{FF2B5EF4-FFF2-40B4-BE49-F238E27FC236}">
+                <a16:creationId xmlns:a16="http://schemas.microsoft.com/office/drawing/2014/main" id="{54926685-2660-D949-8DC4-80F48E5B125C}"/>
+              </a:ext>
+            </a:extLst>
+          </p:cNvPr>
+          <p:cNvCxnSpPr>
+            <a:stCxn id="21" idx="1"/>
+            <a:endCxn id="29" idx="1"/>
+          </p:cNvCxnSpPr>
+          <p:nvPr/>
+        </p:nvCxnSpPr>
+        <p:spPr>
+          <a:xfrm>
+            <a:off x="6057460" y="3698815"/>
+            <a:ext cx="3000" cy="306000"/>
+          </a:xfrm>
+          <a:prstGeom prst="curvedConnector3">
+            <a:avLst>
+              <a:gd name="adj1" fmla="val -5714502"/>
+            </a:avLst>
+          </a:prstGeom>
+          <a:noFill/>
+          <a:ln w="28575" cap="flat" cmpd="sng">
+            <a:solidFill>
+              <a:srgbClr val="00D4DD"/>
+            </a:solidFill>
+            <a:prstDash val="solid"/>
+            <a:round/>
+            <a:headEnd type="none" w="sm" len="sm"/>
+            <a:tailEnd type="triangle" w="med" len="med"/>
+          </a:ln>
+        </p:spPr>
+      </p:cxnSp>
+      <p:sp>
+        <p:nvSpPr>
+          <p:cNvPr id="38" name="Google Shape;346;p32">
+            <a:extLst>
+              <a:ext uri="{FF2B5EF4-FFF2-40B4-BE49-F238E27FC236}">
+                <a16:creationId xmlns:a16="http://schemas.microsoft.com/office/drawing/2014/main" id="{A786648A-161A-1F45-8F2C-AF0FD3B1A3EB}"/>
+              </a:ext>
+            </a:extLst>
+          </p:cNvPr>
+          <p:cNvSpPr txBox="1"/>
+          <p:nvPr/>
+        </p:nvSpPr>
+        <p:spPr>
+          <a:xfrm>
+            <a:off x="5494756" y="3783608"/>
+            <a:ext cx="616513" cy="230832"/>
+          </a:xfrm>
+          <a:prstGeom prst="rect">
+            <a:avLst/>
+          </a:prstGeom>
+          <a:noFill/>
+          <a:ln>
+            <a:noFill/>
+          </a:ln>
+        </p:spPr>
+        <p:txBody>
+          <a:bodyPr spcFirstLastPara="1" wrap="square" lIns="91425" tIns="45700" rIns="91425" bIns="45700" anchor="t" anchorCtr="0">
+            <a:noAutofit/>
+          </a:bodyPr>
+          <a:lstStyle/>
           <a:p>
             <a:pPr marL="0" marR="0" lvl="0" indent="0" algn="l" rtl="0">
               <a:lnSpc>
@@ -6920,9 +5912,85 @@
               </a:spcAft>
               <a:buNone/>
             </a:pPr>
-            <a:endParaRPr sz="1350" b="0" i="0" u="none" strike="noStrike" cap="none" dirty="0">
+            <a:r>
+              <a:rPr lang="en-US" sz="900" b="0" i="0" u="none" strike="noStrike" cap="none">
+                <a:solidFill>
+                  <a:srgbClr val="000000"/>
+                </a:solidFill>
+                <a:latin typeface="Arial" panose="020B0604020202020204"/>
+                <a:ea typeface="Arial" panose="020B0604020202020204"/>
+                <a:cs typeface="Arial" panose="020B0604020202020204"/>
+                <a:sym typeface="Arial" panose="020B0604020202020204"/>
+              </a:rPr>
+              <a:t>2. get</a:t>
+            </a:r>
+          </a:p>
+        </p:txBody>
+      </p:sp>
+      <p:sp>
+        <p:nvSpPr>
+          <p:cNvPr id="39" name="Google Shape;347;p32">
+            <a:extLst>
+              <a:ext uri="{FF2B5EF4-FFF2-40B4-BE49-F238E27FC236}">
+                <a16:creationId xmlns:a16="http://schemas.microsoft.com/office/drawing/2014/main" id="{C2689520-C21C-5842-963B-1D19D51B3666}"/>
+              </a:ext>
+            </a:extLst>
+          </p:cNvPr>
+          <p:cNvSpPr/>
+          <p:nvPr/>
+        </p:nvSpPr>
+        <p:spPr>
+          <a:xfrm>
+            <a:off x="6764184" y="3218236"/>
+            <a:ext cx="482185" cy="316116"/>
+          </a:xfrm>
+          <a:prstGeom prst="rect">
+            <a:avLst/>
+          </a:prstGeom>
+          <a:solidFill>
+            <a:srgbClr val="696774"/>
+          </a:solidFill>
+          <a:ln w="25400" cap="flat" cmpd="sng">
+            <a:noFill/>
+            <a:prstDash val="solid"/>
+            <a:round/>
+            <a:headEnd type="none" w="sm" len="sm"/>
+            <a:tailEnd type="none" w="sm" len="sm"/>
+          </a:ln>
+        </p:spPr>
+        <p:txBody>
+          <a:bodyPr spcFirstLastPara="1" wrap="square" lIns="68575" tIns="34275" rIns="68575" bIns="34275" anchor="ctr" anchorCtr="0">
+            <a:noAutofit/>
+          </a:bodyPr>
+          <a:lstStyle/>
+          <a:p>
+            <a:pPr marL="0" marR="0" lvl="0" indent="0" algn="ctr" rtl="0">
+              <a:lnSpc>
+                <a:spcPct val="100000"/>
+              </a:lnSpc>
+              <a:spcBef>
+                <a:spcPts val="0"/>
+              </a:spcBef>
+              <a:spcAft>
+                <a:spcPts val="0"/>
+              </a:spcAft>
+              <a:buNone/>
+            </a:pPr>
+            <a:r>
+              <a:rPr lang="en-US" sz="900" b="0" i="0" u="none" strike="noStrike" cap="none" dirty="0">
+                <a:solidFill>
+                  <a:schemeClr val="lt1"/>
+                </a:solidFill>
+                <a:latin typeface="Arial" panose="020B0604020202020204"/>
+                <a:ea typeface="Arial" panose="020B0604020202020204"/>
+                <a:cs typeface="Arial" panose="020B0604020202020204"/>
+                <a:sym typeface="Arial" panose="020B0604020202020204"/>
+              </a:rPr>
+              <a:t>Codec</a:t>
+            </a:r>
+            <a:endParaRPr sz="1100" b="0" i="0" u="none" strike="noStrike" cap="none" dirty="0">
               <a:solidFill>
-                <a:srgbClr val="000000"/>
+                <a:schemeClr val="lt1"/>
               </a:solidFill>
               <a:latin typeface="Arial" panose="020B0604020202020204"/>
               <a:ea typeface="Arial" panose="020B0604020202020204"/>
@@ -6934,10 +6002,10 @@
       </p:sp>
       <p:sp>
         <p:nvSpPr>
-          <p:cNvPr id="52" name="Google Shape;639;p43">
+          <p:cNvPr id="40" name="Google Shape;348;p32">
             <a:extLst>
               <a:ext uri="{FF2B5EF4-FFF2-40B4-BE49-F238E27FC236}">
-                <a16:creationId xmlns:a16="http://schemas.microsoft.com/office/drawing/2014/main" id="{46621FD7-DF2E-2442-86F9-DD03C49A804B}"/>
+                <a16:creationId xmlns:a16="http://schemas.microsoft.com/office/drawing/2014/main" id="{97665504-1F1F-8E4D-A1DF-53390B5C81BA}"/>
               </a:ext>
             </a:extLst>
           </p:cNvPr>
@@ -6946,8 +6014,196 @@
         </p:nvSpPr>
         <p:spPr>
           <a:xfrm>
-            <a:off x="442399" y="3679192"/>
-            <a:ext cx="3246600" cy="300000"/>
+            <a:off x="8989469" y="3229768"/>
+            <a:ext cx="482185" cy="570837"/>
+          </a:xfrm>
+          <a:prstGeom prst="rect">
+            <a:avLst/>
+          </a:prstGeom>
+          <a:solidFill>
+            <a:srgbClr val="696774"/>
+          </a:solidFill>
+          <a:ln w="25400" cap="flat" cmpd="sng">
+            <a:noFill/>
+            <a:prstDash val="solid"/>
+            <a:round/>
+            <a:headEnd type="none" w="sm" len="sm"/>
+            <a:tailEnd type="none" w="sm" len="sm"/>
+          </a:ln>
+        </p:spPr>
+        <p:txBody>
+          <a:bodyPr spcFirstLastPara="1" wrap="square" lIns="68575" tIns="34275" rIns="68575" bIns="34275" anchor="ctr" anchorCtr="0">
+            <a:noAutofit/>
+          </a:bodyPr>
+          <a:lstStyle/>
+          <a:p>
+            <a:pPr marL="0" marR="0" lvl="0" indent="0" algn="ctr" rtl="0">
+              <a:lnSpc>
+                <a:spcPct val="100000"/>
+              </a:lnSpc>
+              <a:spcBef>
+                <a:spcPts val="0"/>
+              </a:spcBef>
+              <a:spcAft>
+                <a:spcPts val="0"/>
+              </a:spcAft>
+              <a:buNone/>
+            </a:pPr>
+            <a:r>
+              <a:rPr lang="en-US" sz="900" b="0" i="0" u="none" strike="noStrike" cap="none">
+                <a:solidFill>
+                  <a:schemeClr val="lt1"/>
+                </a:solidFill>
+                <a:latin typeface="Arial" panose="020B0604020202020204"/>
+                <a:ea typeface="Arial" panose="020B0604020202020204"/>
+                <a:cs typeface="Arial" panose="020B0604020202020204"/>
+                <a:sym typeface="Arial" panose="020B0604020202020204"/>
+              </a:rPr>
+              <a:t>Codec</a:t>
+            </a:r>
+            <a:endParaRPr sz="1100" b="0" i="0" u="none" strike="noStrike" cap="none">
+              <a:solidFill>
+                <a:schemeClr val="lt1"/>
+              </a:solidFill>
+              <a:latin typeface="Arial" panose="020B0604020202020204"/>
+              <a:ea typeface="Arial" panose="020B0604020202020204"/>
+              <a:cs typeface="Arial" panose="020B0604020202020204"/>
+              <a:sym typeface="Arial" panose="020B0604020202020204"/>
+            </a:endParaRPr>
+          </a:p>
+        </p:txBody>
+      </p:sp>
+      <p:cxnSp>
+        <p:nvCxnSpPr>
+          <p:cNvPr id="41" name="Google Shape;349;p32">
+            <a:extLst>
+              <a:ext uri="{FF2B5EF4-FFF2-40B4-BE49-F238E27FC236}">
+                <a16:creationId xmlns:a16="http://schemas.microsoft.com/office/drawing/2014/main" id="{1B5929E0-4C3D-F643-A0A4-65DE04CFCFDD}"/>
+              </a:ext>
+            </a:extLst>
+          </p:cNvPr>
+          <p:cNvCxnSpPr>
+            <a:cxnSpLocks/>
+            <a:stCxn id="39" idx="3"/>
+            <a:endCxn id="40" idx="1"/>
+          </p:cNvCxnSpPr>
+          <p:nvPr/>
+        </p:nvCxnSpPr>
+        <p:spPr>
+          <a:xfrm>
+            <a:off x="7246369" y="3376294"/>
+            <a:ext cx="1743100" cy="138893"/>
+          </a:xfrm>
+          <a:prstGeom prst="curvedConnector3">
+            <a:avLst>
+              <a:gd name="adj1" fmla="val 50000"/>
+            </a:avLst>
+          </a:prstGeom>
+          <a:noFill/>
+          <a:ln w="28575" cap="flat" cmpd="sng">
+            <a:solidFill>
+              <a:srgbClr val="00D4DD"/>
+            </a:solidFill>
+            <a:prstDash val="solid"/>
+            <a:round/>
+            <a:headEnd type="none" w="sm" len="sm"/>
+            <a:tailEnd type="triangle" w="med" len="med"/>
+          </a:ln>
+        </p:spPr>
+      </p:cxnSp>
+      <p:cxnSp>
+        <p:nvCxnSpPr>
+          <p:cNvPr id="42" name="Google Shape;350;p32">
+            <a:extLst>
+              <a:ext uri="{FF2B5EF4-FFF2-40B4-BE49-F238E27FC236}">
+                <a16:creationId xmlns:a16="http://schemas.microsoft.com/office/drawing/2014/main" id="{DADADBC2-26EE-8F41-B76B-CD5BED63B2ED}"/>
+              </a:ext>
+            </a:extLst>
+          </p:cNvPr>
+          <p:cNvCxnSpPr>
+            <a:cxnSpLocks/>
+            <a:stCxn id="40" idx="2"/>
+            <a:endCxn id="39" idx="2"/>
+          </p:cNvCxnSpPr>
+          <p:nvPr/>
+        </p:nvCxnSpPr>
+        <p:spPr>
+          <a:xfrm rot="5400000" flipH="1">
+            <a:off x="7984793" y="2554837"/>
+            <a:ext cx="266253" cy="2225285"/>
+          </a:xfrm>
+          <a:prstGeom prst="curvedConnector3">
+            <a:avLst>
+              <a:gd name="adj1" fmla="val -85858"/>
+            </a:avLst>
+          </a:prstGeom>
+          <a:noFill/>
+          <a:ln w="28575" cap="flat" cmpd="sng">
+            <a:solidFill>
+              <a:srgbClr val="00D4DD"/>
+            </a:solidFill>
+            <a:prstDash val="solid"/>
+            <a:round/>
+            <a:headEnd type="none" w="sm" len="sm"/>
+            <a:tailEnd type="triangle" w="med" len="med"/>
+          </a:ln>
+        </p:spPr>
+      </p:cxnSp>
+      <p:cxnSp>
+        <p:nvCxnSpPr>
+          <p:cNvPr id="43" name="Google Shape;351;p32">
+            <a:extLst>
+              <a:ext uri="{FF2B5EF4-FFF2-40B4-BE49-F238E27FC236}">
+                <a16:creationId xmlns:a16="http://schemas.microsoft.com/office/drawing/2014/main" id="{222FC039-F4FD-2A42-A476-0C4213474E66}"/>
+              </a:ext>
+            </a:extLst>
+          </p:cNvPr>
+          <p:cNvCxnSpPr>
+            <a:cxnSpLocks/>
+            <a:stCxn id="29" idx="1"/>
+            <a:endCxn id="10" idx="2"/>
+          </p:cNvCxnSpPr>
+          <p:nvPr/>
+        </p:nvCxnSpPr>
+        <p:spPr>
+          <a:xfrm rot="10800000" flipH="1" flipV="1">
+            <a:off x="6060332" y="4004905"/>
+            <a:ext cx="2661831" cy="1695940"/>
+          </a:xfrm>
+          <a:prstGeom prst="curvedConnector4">
+            <a:avLst>
+              <a:gd name="adj1" fmla="val -24309"/>
+              <a:gd name="adj2" fmla="val 113479"/>
+            </a:avLst>
+          </a:prstGeom>
+          <a:noFill/>
+          <a:ln w="28575" cap="flat" cmpd="sng">
+            <a:solidFill>
+              <a:srgbClr val="00D4DD"/>
+            </a:solidFill>
+            <a:prstDash val="solid"/>
+            <a:round/>
+            <a:headEnd type="none" w="sm" len="sm"/>
+            <a:tailEnd type="triangle" w="med" len="med"/>
+          </a:ln>
+        </p:spPr>
+      </p:cxnSp>
+      <p:sp>
+        <p:nvSpPr>
+          <p:cNvPr id="44" name="Google Shape;352;p32">
+            <a:extLst>
+              <a:ext uri="{FF2B5EF4-FFF2-40B4-BE49-F238E27FC236}">
+                <a16:creationId xmlns:a16="http://schemas.microsoft.com/office/drawing/2014/main" id="{EE316E09-2A54-CB41-BE95-3436CC75E822}"/>
+              </a:ext>
+            </a:extLst>
+          </p:cNvPr>
+          <p:cNvSpPr txBox="1"/>
+          <p:nvPr/>
+        </p:nvSpPr>
+        <p:spPr>
+          <a:xfrm>
+            <a:off x="6053612" y="5415431"/>
+            <a:ext cx="539145" cy="230832"/>
           </a:xfrm>
           <a:prstGeom prst="rect">
             <a:avLst/>
@@ -6976,7 +6232,7 @@
               <a:buNone/>
             </a:pPr>
             <a:r>
-              <a:rPr lang="en-US" sz="1350" b="0" i="0" u="none" strike="noStrike" cap="none" dirty="0" err="1">
+              <a:rPr lang="en-US" sz="900" b="0" i="0" u="none" strike="noStrike" cap="none">
                 <a:solidFill>
                   <a:srgbClr val="000000"/>
                 </a:solidFill>
@@ -6985,69 +6241,9 @@
                 <a:cs typeface="Arial" panose="020B0604020202020204"/>
                 <a:sym typeface="Arial" panose="020B0604020202020204"/>
               </a:rPr>
-              <a:t>transport.Dial</a:t>
-            </a:r>
-            <a:r>
-              <a:rPr lang="en-US" sz="1350" b="0" i="0" u="none" strike="noStrike" cap="none" dirty="0">
-                <a:solidFill>
-                  <a:srgbClr val="000000"/>
-                </a:solidFill>
-                <a:latin typeface="Arial" panose="020B0604020202020204"/>
-                <a:ea typeface="Arial" panose="020B0604020202020204"/>
-                <a:cs typeface="Arial" panose="020B0604020202020204"/>
-                <a:sym typeface="Arial" panose="020B0604020202020204"/>
-              </a:rPr>
-              <a:t> </a:t>
-            </a:r>
-            <a:r>
-              <a:rPr lang="zh-CN" altLang="en-US" sz="1350" b="0" i="0" u="none" strike="noStrike" cap="none" dirty="0">
-                <a:solidFill>
-                  <a:srgbClr val="000000"/>
-                </a:solidFill>
-                <a:latin typeface="Arial" panose="020B0604020202020204"/>
-                <a:ea typeface="Arial" panose="020B0604020202020204"/>
-                <a:cs typeface="Arial" panose="020B0604020202020204"/>
-                <a:sym typeface="Arial" panose="020B0604020202020204"/>
-              </a:rPr>
-              <a:t>  </a:t>
-            </a:r>
-            <a:r>
-              <a:rPr lang="en-US" sz="1350" b="0" i="0" u="none" strike="noStrike" cap="none" dirty="0">
-                <a:solidFill>
-                  <a:srgbClr val="000000"/>
-                </a:solidFill>
-                <a:latin typeface="Arial" panose="020B0604020202020204"/>
-                <a:ea typeface="Arial" panose="020B0604020202020204"/>
-                <a:cs typeface="Arial" panose="020B0604020202020204"/>
-                <a:sym typeface="Arial" panose="020B0604020202020204"/>
-              </a:rPr>
-              <a:t>=&gt; </a:t>
-            </a:r>
-            <a:r>
-              <a:rPr lang="zh-CN" altLang="en-US" sz="1350" b="0" i="0" u="none" strike="noStrike" cap="none" dirty="0">
-                <a:solidFill>
-                  <a:srgbClr val="000000"/>
-                </a:solidFill>
-                <a:latin typeface="Arial" panose="020B0604020202020204"/>
-                <a:ea typeface="Arial" panose="020B0604020202020204"/>
-                <a:cs typeface="Arial" panose="020B0604020202020204"/>
-                <a:sym typeface="Arial" panose="020B0604020202020204"/>
-              </a:rPr>
-              <a:t>  </a:t>
-            </a:r>
-            <a:r>
-              <a:rPr lang="en-US" sz="1350" b="0" i="0" u="none" strike="noStrike" cap="none" dirty="0" err="1">
-                <a:solidFill>
-                  <a:srgbClr val="000000"/>
-                </a:solidFill>
-                <a:latin typeface="Arial" panose="020B0604020202020204"/>
-                <a:ea typeface="Arial" panose="020B0604020202020204"/>
-                <a:cs typeface="Arial" panose="020B0604020202020204"/>
-                <a:sym typeface="Arial" panose="020B0604020202020204"/>
-              </a:rPr>
-              <a:t>transport.Accept</a:t>
-            </a:r>
-            <a:endParaRPr sz="1350" b="0" i="0" u="none" strike="noStrike" cap="none" dirty="0">
+              <a:t>3. list</a:t>
+            </a:r>
+            <a:endParaRPr sz="900" b="0" i="0" u="none" strike="noStrike" cap="none">
               <a:solidFill>
                 <a:srgbClr val="000000"/>
               </a:solidFill>
@@ -7059,12 +6255,48 @@
           </a:p>
         </p:txBody>
       </p:sp>
-      <p:sp>
-        <p:nvSpPr>
-          <p:cNvPr id="53" name="Google Shape;640;p43">
+      <p:cxnSp>
+        <p:nvCxnSpPr>
+          <p:cNvPr id="45" name="Google Shape;353;p32">
             <a:extLst>
               <a:ext uri="{FF2B5EF4-FFF2-40B4-BE49-F238E27FC236}">
-                <a16:creationId xmlns:a16="http://schemas.microsoft.com/office/drawing/2014/main" id="{8D9104F8-A67E-1A4D-AB3B-FEA930376279}"/>
+                <a16:creationId xmlns:a16="http://schemas.microsoft.com/office/drawing/2014/main" id="{B7DAF48A-A33B-A44F-B852-106824FFBC3B}"/>
+              </a:ext>
+            </a:extLst>
+          </p:cNvPr>
+          <p:cNvCxnSpPr>
+            <a:cxnSpLocks/>
+            <a:stCxn id="47" idx="0"/>
+            <a:endCxn id="31" idx="3"/>
+          </p:cNvCxnSpPr>
+          <p:nvPr/>
+        </p:nvCxnSpPr>
+        <p:spPr>
+          <a:xfrm rot="16200000" flipV="1">
+            <a:off x="8510505" y="2195290"/>
+            <a:ext cx="815522" cy="620786"/>
+          </a:xfrm>
+          <a:prstGeom prst="curvedConnector2">
+            <a:avLst/>
+          </a:prstGeom>
+          <a:noFill/>
+          <a:ln w="28575" cap="flat" cmpd="sng">
+            <a:solidFill>
+              <a:srgbClr val="00D4DD"/>
+            </a:solidFill>
+            <a:prstDash val="dash"/>
+            <a:round/>
+            <a:headEnd type="none" w="sm" len="sm"/>
+            <a:tailEnd type="triangle" w="med" len="med"/>
+          </a:ln>
+        </p:spPr>
+      </p:cxnSp>
+      <p:sp>
+        <p:nvSpPr>
+          <p:cNvPr id="46" name="Google Shape;340;p32">
+            <a:extLst>
+              <a:ext uri="{FF2B5EF4-FFF2-40B4-BE49-F238E27FC236}">
+                <a16:creationId xmlns:a16="http://schemas.microsoft.com/office/drawing/2014/main" id="{F0E792BD-6261-9A4D-BB17-98900976E8CD}"/>
               </a:ext>
             </a:extLst>
           </p:cNvPr>
@@ -7073,22 +6305,17 @@
         </p:nvSpPr>
         <p:spPr>
           <a:xfrm>
-            <a:off x="996187" y="2213294"/>
-            <a:ext cx="144670" cy="279106"/>
-          </a:xfrm>
-          <a:prstGeom prst="downArrow">
-            <a:avLst>
-              <a:gd name="adj1" fmla="val 50000"/>
-              <a:gd name="adj2" fmla="val 50000"/>
-            </a:avLst>
+            <a:off x="6770811" y="2903818"/>
+            <a:ext cx="482185" cy="291570"/>
+          </a:xfrm>
+          <a:prstGeom prst="rect">
+            <a:avLst/>
           </a:prstGeom>
           <a:solidFill>
-            <a:schemeClr val="accent1"/>
+            <a:srgbClr val="696774"/>
           </a:solidFill>
           <a:ln w="25400" cap="flat" cmpd="sng">
-            <a:solidFill>
-              <a:srgbClr val="AE4E00"/>
-            </a:solidFill>
+            <a:noFill/>
             <a:prstDash val="solid"/>
             <a:round/>
             <a:headEnd type="none" w="sm" len="sm"/>
@@ -7113,7 +6340,19 @@
               </a:spcAft>
               <a:buNone/>
             </a:pPr>
-            <a:endParaRPr sz="1350" b="0" i="0" u="none" strike="noStrike" cap="none">
+            <a:r>
+              <a:rPr lang="en-US" sz="900" b="0" i="0" u="none" strike="noStrike" cap="none">
+                <a:solidFill>
+                  <a:schemeClr val="lt1"/>
+                </a:solidFill>
+                <a:latin typeface="Arial" panose="020B0604020202020204"/>
+                <a:ea typeface="Arial" panose="020B0604020202020204"/>
+                <a:cs typeface="Arial" panose="020B0604020202020204"/>
+                <a:sym typeface="Arial" panose="020B0604020202020204"/>
+              </a:rPr>
+              <a:t>Codec</a:t>
+            </a:r>
+            <a:endParaRPr sz="1100" b="0" i="0" u="none" strike="noStrike" cap="none">
               <a:solidFill>
                 <a:schemeClr val="lt1"/>
               </a:solidFill>
@@ -7127,10 +6366,10 @@
       </p:sp>
       <p:sp>
         <p:nvSpPr>
-          <p:cNvPr id="54" name="Google Shape;641;p43">
+          <p:cNvPr id="47" name="Google Shape;354;p32">
             <a:extLst>
               <a:ext uri="{FF2B5EF4-FFF2-40B4-BE49-F238E27FC236}">
-                <a16:creationId xmlns:a16="http://schemas.microsoft.com/office/drawing/2014/main" id="{8784F8CB-F1EB-C648-97A7-D7DE30FCEC5C}"/>
+                <a16:creationId xmlns:a16="http://schemas.microsoft.com/office/drawing/2014/main" id="{16A34385-20DB-4046-A262-AE4118F27069}"/>
               </a:ext>
             </a:extLst>
           </p:cNvPr>
@@ -7139,22 +6378,17 @@
         </p:nvSpPr>
         <p:spPr>
           <a:xfrm>
-            <a:off x="996187" y="2790971"/>
-            <a:ext cx="144670" cy="279106"/>
-          </a:xfrm>
-          <a:prstGeom prst="downArrow">
-            <a:avLst>
-              <a:gd name="adj1" fmla="val 50000"/>
-              <a:gd name="adj2" fmla="val 50000"/>
-            </a:avLst>
+            <a:off x="8987566" y="2913444"/>
+            <a:ext cx="482185" cy="281944"/>
+          </a:xfrm>
+          <a:prstGeom prst="rect">
+            <a:avLst/>
           </a:prstGeom>
           <a:solidFill>
-            <a:schemeClr val="accent1"/>
+            <a:srgbClr val="696774"/>
           </a:solidFill>
           <a:ln w="25400" cap="flat" cmpd="sng">
-            <a:solidFill>
-              <a:srgbClr val="AE4E00"/>
-            </a:solidFill>
+            <a:noFill/>
             <a:prstDash val="solid"/>
             <a:round/>
             <a:headEnd type="none" w="sm" len="sm"/>
@@ -7179,7 +6413,19 @@
               </a:spcAft>
               <a:buNone/>
             </a:pPr>
-            <a:endParaRPr sz="1350" b="0" i="0" u="none" strike="noStrike" cap="none">
+            <a:r>
+              <a:rPr lang="en-US" sz="900" b="0" i="0" u="none" strike="noStrike" cap="none" dirty="0">
+                <a:solidFill>
+                  <a:schemeClr val="lt1"/>
+                </a:solidFill>
+                <a:latin typeface="Arial" panose="020B0604020202020204"/>
+                <a:ea typeface="Arial" panose="020B0604020202020204"/>
+                <a:cs typeface="Arial" panose="020B0604020202020204"/>
+                <a:sym typeface="Arial" panose="020B0604020202020204"/>
+              </a:rPr>
+              <a:t>Codec</a:t>
+            </a:r>
+            <a:endParaRPr sz="1100" b="0" i="0" u="none" strike="noStrike" cap="none" dirty="0">
               <a:solidFill>
                 <a:schemeClr val="lt1"/>
               </a:solidFill>
@@ -7191,88 +6437,56 @@
           </a:p>
         </p:txBody>
       </p:sp>
-      <p:sp>
-        <p:nvSpPr>
-          <p:cNvPr id="62" name="Google Shape;642;p43">
+      <p:cxnSp>
+        <p:nvCxnSpPr>
+          <p:cNvPr id="55" name="Google Shape;331;p32">
             <a:extLst>
               <a:ext uri="{FF2B5EF4-FFF2-40B4-BE49-F238E27FC236}">
-                <a16:creationId xmlns:a16="http://schemas.microsoft.com/office/drawing/2014/main" id="{29163F72-80C6-6F44-852D-B7EDC494B32C}"/>
+                <a16:creationId xmlns:a16="http://schemas.microsoft.com/office/drawing/2014/main" id="{BAC22A30-8EA9-E74B-82E2-EBA6BBE42F64}"/>
               </a:ext>
             </a:extLst>
           </p:cNvPr>
-          <p:cNvSpPr/>
+          <p:cNvCxnSpPr>
+            <a:cxnSpLocks/>
+          </p:cNvCxnSpPr>
           <p:nvPr/>
-        </p:nvSpPr>
+        </p:nvCxnSpPr>
         <p:spPr>
           <a:xfrm>
-            <a:off x="996187" y="3390111"/>
-            <a:ext cx="144670" cy="279106"/>
-          </a:xfrm>
-          <a:prstGeom prst="downArrow">
-            <a:avLst>
-              <a:gd name="adj1" fmla="val 50000"/>
-              <a:gd name="adj2" fmla="val 50000"/>
-            </a:avLst>
+            <a:off x="7862350" y="6506119"/>
+            <a:ext cx="276787" cy="0"/>
+          </a:xfrm>
+          <a:prstGeom prst="straightConnector1">
+            <a:avLst/>
           </a:prstGeom>
-          <a:solidFill>
-            <a:schemeClr val="accent1"/>
-          </a:solidFill>
-          <a:ln w="25400" cap="flat" cmpd="sng">
+          <a:noFill/>
+          <a:ln w="28575" cap="flat" cmpd="sng">
             <a:solidFill>
-              <a:srgbClr val="AE4E00"/>
+              <a:srgbClr val="805AFF"/>
             </a:solidFill>
-            <a:prstDash val="solid"/>
+            <a:prstDash val="dash"/>
             <a:round/>
             <a:headEnd type="none" w="sm" len="sm"/>
-            <a:tailEnd type="none" w="sm" len="sm"/>
+            <a:tailEnd type="triangle" w="med" len="med"/>
           </a:ln>
         </p:spPr>
-        <p:txBody>
-          <a:bodyPr spcFirstLastPara="1" wrap="square" lIns="68575" tIns="34275" rIns="68575" bIns="34275" anchor="ctr" anchorCtr="0">
-            <a:noAutofit/>
-          </a:bodyPr>
-          <a:lstStyle/>
-          <a:p>
-            <a:pPr marL="0" marR="0" lvl="0" indent="0" algn="ctr" rtl="0">
-              <a:lnSpc>
-                <a:spcPct val="100000"/>
-              </a:lnSpc>
-              <a:spcBef>
-                <a:spcPts val="0"/>
-              </a:spcBef>
-              <a:spcAft>
-                <a:spcPts val="0"/>
-              </a:spcAft>
-              <a:buNone/>
-            </a:pPr>
-            <a:endParaRPr sz="1350" b="0" i="0" u="none" strike="noStrike" cap="none">
-              <a:solidFill>
-                <a:schemeClr val="lt1"/>
-              </a:solidFill>
-              <a:latin typeface="Arial" panose="020B0604020202020204"/>
-              <a:ea typeface="Arial" panose="020B0604020202020204"/>
-              <a:cs typeface="Arial" panose="020B0604020202020204"/>
-              <a:sym typeface="Arial" panose="020B0604020202020204"/>
-            </a:endParaRPr>
-          </a:p>
-        </p:txBody>
-      </p:sp>
-      <p:sp>
-        <p:nvSpPr>
-          <p:cNvPr id="63" name="Google Shape;639;p43">
+      </p:cxnSp>
+      <p:sp>
+        <p:nvSpPr>
+          <p:cNvPr id="56" name="Google Shape;332;p32">
             <a:extLst>
               <a:ext uri="{FF2B5EF4-FFF2-40B4-BE49-F238E27FC236}">
-                <a16:creationId xmlns:a16="http://schemas.microsoft.com/office/drawing/2014/main" id="{63F84E25-B2AF-B14E-BA16-B11D4E91F55C}"/>
+                <a16:creationId xmlns:a16="http://schemas.microsoft.com/office/drawing/2014/main" id="{23B228BA-8261-684A-8632-D7B278B1951B}"/>
               </a:ext>
             </a:extLst>
           </p:cNvPr>
-          <p:cNvSpPr/>
+          <p:cNvSpPr txBox="1"/>
           <p:nvPr/>
         </p:nvSpPr>
         <p:spPr>
           <a:xfrm>
-            <a:off x="432199" y="4348831"/>
-            <a:ext cx="3246600" cy="300000"/>
+            <a:off x="7787974" y="6194482"/>
+            <a:ext cx="600917" cy="300082"/>
           </a:xfrm>
           <a:prstGeom prst="rect">
             <a:avLst/>
@@ -7301,7 +6515,7 @@
               <a:buNone/>
             </a:pPr>
             <a:r>
-              <a:rPr lang="en-US" sz="1350" b="0" i="0" u="none" strike="noStrike" cap="none" dirty="0" err="1">
+              <a:rPr lang="en-US" sz="1350" b="0" i="0" u="none" strike="noStrike" cap="none">
                 <a:solidFill>
                   <a:srgbClr val="000000"/>
                 </a:solidFill>
@@ -7310,69 +6524,9 @@
                 <a:cs typeface="Arial" panose="020B0604020202020204"/>
                 <a:sym typeface="Arial" panose="020B0604020202020204"/>
               </a:rPr>
-              <a:t>transport.</a:t>
-            </a:r>
-            <a:r>
-              <a:rPr lang="en-US" altLang="zh-CN" sz="1350" b="0" i="0" u="none" strike="noStrike" cap="none" dirty="0" err="1">
-                <a:solidFill>
-                  <a:srgbClr val="000000"/>
-                </a:solidFill>
-                <a:latin typeface="Arial" panose="020B0604020202020204"/>
-                <a:ea typeface="Arial" panose="020B0604020202020204"/>
-                <a:cs typeface="Arial" panose="020B0604020202020204"/>
-                <a:sym typeface="Arial" panose="020B0604020202020204"/>
-              </a:rPr>
-              <a:t>Send</a:t>
-            </a:r>
-            <a:r>
-              <a:rPr lang="en-US" sz="1350" b="0" i="0" u="none" strike="noStrike" cap="none" dirty="0">
-                <a:solidFill>
-                  <a:srgbClr val="000000"/>
-                </a:solidFill>
-                <a:latin typeface="Arial" panose="020B0604020202020204"/>
-                <a:ea typeface="Arial" panose="020B0604020202020204"/>
-                <a:cs typeface="Arial" panose="020B0604020202020204"/>
-                <a:sym typeface="Arial" panose="020B0604020202020204"/>
-              </a:rPr>
-              <a:t> =&gt; </a:t>
-            </a:r>
-            <a:r>
-              <a:rPr lang="zh-CN" altLang="en-US" sz="1350" b="0" i="0" u="none" strike="noStrike" cap="none" dirty="0">
-                <a:solidFill>
-                  <a:srgbClr val="000000"/>
-                </a:solidFill>
-                <a:latin typeface="Arial" panose="020B0604020202020204"/>
-                <a:ea typeface="Arial" panose="020B0604020202020204"/>
-                <a:cs typeface="Arial" panose="020B0604020202020204"/>
-                <a:sym typeface="Arial" panose="020B0604020202020204"/>
-              </a:rPr>
-              <a:t>  </a:t>
-            </a:r>
-            <a:r>
-              <a:rPr lang="en-US" sz="1350" b="0" i="0" u="none" strike="noStrike" cap="none" dirty="0" err="1">
-                <a:solidFill>
-                  <a:srgbClr val="000000"/>
-                </a:solidFill>
-                <a:latin typeface="Arial" panose="020B0604020202020204"/>
-                <a:ea typeface="Arial" panose="020B0604020202020204"/>
-                <a:cs typeface="Arial" panose="020B0604020202020204"/>
-                <a:sym typeface="Arial" panose="020B0604020202020204"/>
-              </a:rPr>
-              <a:t>transport.</a:t>
-            </a:r>
-            <a:r>
-              <a:rPr lang="en-US" altLang="zh-CN" sz="1350" b="0" i="0" u="none" strike="noStrike" cap="none" dirty="0" err="1">
-                <a:solidFill>
-                  <a:srgbClr val="000000"/>
-                </a:solidFill>
-                <a:latin typeface="Arial" panose="020B0604020202020204"/>
-                <a:ea typeface="Arial" panose="020B0604020202020204"/>
-                <a:cs typeface="Arial" panose="020B0604020202020204"/>
-                <a:sym typeface="Arial" panose="020B0604020202020204"/>
-              </a:rPr>
-              <a:t>Recv</a:t>
-            </a:r>
-            <a:endParaRPr sz="1350" b="0" i="0" u="none" strike="noStrike" cap="none" dirty="0">
+              <a:t>init</a:t>
+            </a:r>
+            <a:endParaRPr sz="1350" b="0" i="0" u="none" strike="noStrike" cap="none">
               <a:solidFill>
                 <a:srgbClr val="000000"/>
               </a:solidFill>
@@ -7384,88 +6538,56 @@
           </a:p>
         </p:txBody>
       </p:sp>
-      <p:sp>
-        <p:nvSpPr>
-          <p:cNvPr id="64" name="Google Shape;642;p43">
+      <p:cxnSp>
+        <p:nvCxnSpPr>
+          <p:cNvPr id="57" name="Google Shape;333;p32">
             <a:extLst>
               <a:ext uri="{FF2B5EF4-FFF2-40B4-BE49-F238E27FC236}">
-                <a16:creationId xmlns:a16="http://schemas.microsoft.com/office/drawing/2014/main" id="{B234C1DF-B723-9C4A-BD62-6C489AA28BF6}"/>
+                <a16:creationId xmlns:a16="http://schemas.microsoft.com/office/drawing/2014/main" id="{AB118BC0-AB7D-1345-9DF6-339480419F68}"/>
               </a:ext>
             </a:extLst>
           </p:cNvPr>
-          <p:cNvSpPr/>
+          <p:cNvCxnSpPr>
+            <a:cxnSpLocks/>
+          </p:cNvCxnSpPr>
           <p:nvPr/>
-        </p:nvSpPr>
+        </p:nvCxnSpPr>
         <p:spPr>
           <a:xfrm>
-            <a:off x="985987" y="4059750"/>
-            <a:ext cx="144670" cy="279106"/>
-          </a:xfrm>
-          <a:prstGeom prst="downArrow">
-            <a:avLst>
-              <a:gd name="adj1" fmla="val 50000"/>
-              <a:gd name="adj2" fmla="val 50000"/>
-            </a:avLst>
+            <a:off x="8348161" y="6506119"/>
+            <a:ext cx="276787" cy="0"/>
+          </a:xfrm>
+          <a:prstGeom prst="straightConnector1">
+            <a:avLst/>
           </a:prstGeom>
-          <a:solidFill>
-            <a:schemeClr val="accent1"/>
-          </a:solidFill>
-          <a:ln w="25400" cap="flat" cmpd="sng">
+          <a:noFill/>
+          <a:ln w="28575" cap="flat" cmpd="sng">
             <a:solidFill>
-              <a:srgbClr val="AE4E00"/>
+              <a:srgbClr val="00D4DD"/>
             </a:solidFill>
-            <a:prstDash val="solid"/>
+            <a:prstDash val="dash"/>
             <a:round/>
             <a:headEnd type="none" w="sm" len="sm"/>
-            <a:tailEnd type="none" w="sm" len="sm"/>
+            <a:tailEnd type="triangle" w="med" len="med"/>
           </a:ln>
         </p:spPr>
-        <p:txBody>
-          <a:bodyPr spcFirstLastPara="1" wrap="square" lIns="68575" tIns="34275" rIns="68575" bIns="34275" anchor="ctr" anchorCtr="0">
-            <a:noAutofit/>
-          </a:bodyPr>
-          <a:lstStyle/>
-          <a:p>
-            <a:pPr marL="0" marR="0" lvl="0" indent="0" algn="ctr" rtl="0">
-              <a:lnSpc>
-                <a:spcPct val="100000"/>
-              </a:lnSpc>
-              <a:spcBef>
-                <a:spcPts val="0"/>
-              </a:spcBef>
-              <a:spcAft>
-                <a:spcPts val="0"/>
-              </a:spcAft>
-              <a:buNone/>
-            </a:pPr>
-            <a:endParaRPr sz="1350" b="0" i="0" u="none" strike="noStrike" cap="none">
-              <a:solidFill>
-                <a:schemeClr val="lt1"/>
-              </a:solidFill>
-              <a:latin typeface="Arial" panose="020B0604020202020204"/>
-              <a:ea typeface="Arial" panose="020B0604020202020204"/>
-              <a:cs typeface="Arial" panose="020B0604020202020204"/>
-              <a:sym typeface="Arial" panose="020B0604020202020204"/>
-            </a:endParaRPr>
-          </a:p>
-        </p:txBody>
-      </p:sp>
-      <p:sp>
-        <p:nvSpPr>
-          <p:cNvPr id="65" name="Google Shape;639;p43">
+      </p:cxnSp>
+      <p:sp>
+        <p:nvSpPr>
+          <p:cNvPr id="58" name="Google Shape;334;p32">
             <a:extLst>
               <a:ext uri="{FF2B5EF4-FFF2-40B4-BE49-F238E27FC236}">
-                <a16:creationId xmlns:a16="http://schemas.microsoft.com/office/drawing/2014/main" id="{0C21EB4A-2665-AD43-89B4-CEFB6764A070}"/>
+                <a16:creationId xmlns:a16="http://schemas.microsoft.com/office/drawing/2014/main" id="{1F6DE633-F020-064F-8DC7-513541830E64}"/>
               </a:ext>
             </a:extLst>
           </p:cNvPr>
-          <p:cNvSpPr/>
+          <p:cNvSpPr txBox="1"/>
           <p:nvPr/>
         </p:nvSpPr>
         <p:spPr>
           <a:xfrm>
-            <a:off x="432199" y="5104126"/>
-            <a:ext cx="3246600" cy="300000"/>
+            <a:off x="8242311" y="6181554"/>
+            <a:ext cx="600917" cy="276999"/>
           </a:xfrm>
           <a:prstGeom prst="rect">
             <a:avLst/>
@@ -7494,7 +6616,7 @@
               <a:buNone/>
             </a:pPr>
             <a:r>
-              <a:rPr lang="en-US" sz="1350" b="0" i="0" u="none" strike="noStrike" cap="none" dirty="0" err="1">
+              <a:rPr lang="en-US" sz="1200" b="0" i="0" u="none" strike="noStrike" cap="none">
                 <a:solidFill>
                   <a:srgbClr val="000000"/>
                 </a:solidFill>
@@ -7503,105 +6625,9 @@
                 <a:cs typeface="Arial" panose="020B0604020202020204"/>
                 <a:sym typeface="Arial" panose="020B0604020202020204"/>
               </a:rPr>
-              <a:t>transport.</a:t>
-            </a:r>
-            <a:r>
-              <a:rPr lang="en-US" altLang="zh-CN" sz="1350" b="0" i="0" u="none" strike="noStrike" cap="none" dirty="0" err="1">
-                <a:solidFill>
-                  <a:srgbClr val="000000"/>
-                </a:solidFill>
-                <a:latin typeface="Arial" panose="020B0604020202020204"/>
-                <a:ea typeface="Arial" panose="020B0604020202020204"/>
-                <a:cs typeface="Arial" panose="020B0604020202020204"/>
-                <a:sym typeface="Arial" panose="020B0604020202020204"/>
-              </a:rPr>
-              <a:t>Recv</a:t>
-            </a:r>
-            <a:r>
-              <a:rPr lang="en-US" sz="1350" b="0" i="0" u="none" strike="noStrike" cap="none" dirty="0">
-                <a:solidFill>
-                  <a:srgbClr val="000000"/>
-                </a:solidFill>
-                <a:latin typeface="Arial" panose="020B0604020202020204"/>
-                <a:ea typeface="Arial" panose="020B0604020202020204"/>
-                <a:cs typeface="Arial" panose="020B0604020202020204"/>
-                <a:sym typeface="Arial" panose="020B0604020202020204"/>
-              </a:rPr>
-              <a:t> </a:t>
-            </a:r>
-            <a:r>
-              <a:rPr lang="zh-CN" altLang="en-US" sz="1350" b="0" i="0" u="none" strike="noStrike" cap="none" dirty="0">
-                <a:solidFill>
-                  <a:srgbClr val="000000"/>
-                </a:solidFill>
-                <a:latin typeface="Arial" panose="020B0604020202020204"/>
-                <a:ea typeface="Arial" panose="020B0604020202020204"/>
-                <a:cs typeface="Arial" panose="020B0604020202020204"/>
-                <a:sym typeface="Arial" panose="020B0604020202020204"/>
-              </a:rPr>
-              <a:t> </a:t>
-            </a:r>
-            <a:r>
-              <a:rPr lang="en-US" altLang="zh-CN" sz="1350" b="0" i="0" u="none" strike="noStrike" cap="none" dirty="0">
-                <a:solidFill>
-                  <a:srgbClr val="000000"/>
-                </a:solidFill>
-                <a:latin typeface="Arial" panose="020B0604020202020204"/>
-                <a:ea typeface="Arial" panose="020B0604020202020204"/>
-                <a:cs typeface="Arial" panose="020B0604020202020204"/>
-                <a:sym typeface="Arial" panose="020B0604020202020204"/>
-              </a:rPr>
-              <a:t>&lt;</a:t>
-            </a:r>
-            <a:r>
-              <a:rPr lang="en-US" sz="1350" b="0" i="0" u="none" strike="noStrike" cap="none" dirty="0">
-                <a:solidFill>
-                  <a:srgbClr val="000000"/>
-                </a:solidFill>
-                <a:latin typeface="Arial" panose="020B0604020202020204"/>
-                <a:ea typeface="Arial" panose="020B0604020202020204"/>
-                <a:cs typeface="Arial" panose="020B0604020202020204"/>
-                <a:sym typeface="Arial" panose="020B0604020202020204"/>
-              </a:rPr>
-              <a:t>=</a:t>
-            </a:r>
-            <a:r>
-              <a:rPr lang="zh-CN" altLang="en-US" sz="1350" b="0" i="0" u="none" strike="noStrike" cap="none" dirty="0">
-                <a:solidFill>
-                  <a:srgbClr val="000000"/>
-                </a:solidFill>
-                <a:latin typeface="Arial" panose="020B0604020202020204"/>
-                <a:ea typeface="Arial" panose="020B0604020202020204"/>
-                <a:cs typeface="Arial" panose="020B0604020202020204"/>
-                <a:sym typeface="Arial" panose="020B0604020202020204"/>
-              </a:rPr>
-              <a:t>  </a:t>
-            </a:r>
-            <a:r>
-              <a:rPr lang="en-US" sz="1350" b="0" i="0" u="none" strike="noStrike" cap="none" dirty="0" err="1">
-                <a:solidFill>
-                  <a:srgbClr val="000000"/>
-                </a:solidFill>
-                <a:latin typeface="Arial" panose="020B0604020202020204"/>
-                <a:ea typeface="Arial" panose="020B0604020202020204"/>
-                <a:cs typeface="Arial" panose="020B0604020202020204"/>
-                <a:sym typeface="Arial" panose="020B0604020202020204"/>
-              </a:rPr>
-              <a:t>transport.</a:t>
-            </a:r>
-            <a:r>
-              <a:rPr lang="en-US" altLang="zh-CN" sz="1350" b="0" i="0" u="none" strike="noStrike" cap="none" dirty="0" err="1">
-                <a:solidFill>
-                  <a:srgbClr val="000000"/>
-                </a:solidFill>
-                <a:latin typeface="Arial" panose="020B0604020202020204"/>
-                <a:ea typeface="Arial" panose="020B0604020202020204"/>
-                <a:cs typeface="Arial" panose="020B0604020202020204"/>
-                <a:sym typeface="Arial" panose="020B0604020202020204"/>
-              </a:rPr>
-              <a:t>Send</a:t>
-            </a:r>
-            <a:endParaRPr sz="1350" b="0" i="0" u="none" strike="noStrike" cap="none" dirty="0">
+              <a:t>async</a:t>
+            </a:r>
+            <a:endParaRPr sz="1350" b="0" i="0" u="none" strike="noStrike" cap="none">
               <a:solidFill>
                 <a:srgbClr val="000000"/>
               </a:solidFill>
@@ -7613,49 +6639,72 @@
           </a:p>
         </p:txBody>
       </p:sp>
-      <p:sp>
-        <p:nvSpPr>
-          <p:cNvPr id="66" name="Google Shape;642;p43">
+      <p:cxnSp>
+        <p:nvCxnSpPr>
+          <p:cNvPr id="59" name="Google Shape;335;p32">
             <a:extLst>
               <a:ext uri="{FF2B5EF4-FFF2-40B4-BE49-F238E27FC236}">
-                <a16:creationId xmlns:a16="http://schemas.microsoft.com/office/drawing/2014/main" id="{6A26F3B5-FE36-6542-A161-9FB2B8830503}"/>
+                <a16:creationId xmlns:a16="http://schemas.microsoft.com/office/drawing/2014/main" id="{8F4BDC98-AF61-6042-9924-43BC7A8549D2}"/>
               </a:ext>
             </a:extLst>
           </p:cNvPr>
-          <p:cNvSpPr/>
+          <p:cNvCxnSpPr>
+            <a:cxnSpLocks/>
+          </p:cNvCxnSpPr>
           <p:nvPr/>
-        </p:nvSpPr>
+        </p:nvCxnSpPr>
         <p:spPr>
           <a:xfrm>
-            <a:off x="985987" y="4815045"/>
-            <a:ext cx="144670" cy="279106"/>
-          </a:xfrm>
-          <a:prstGeom prst="downArrow">
-            <a:avLst>
-              <a:gd name="adj1" fmla="val 50000"/>
-              <a:gd name="adj2" fmla="val 50000"/>
-            </a:avLst>
+            <a:off x="8871772" y="6506119"/>
+            <a:ext cx="276787" cy="0"/>
+          </a:xfrm>
+          <a:prstGeom prst="straightConnector1">
+            <a:avLst/>
           </a:prstGeom>
-          <a:solidFill>
-            <a:schemeClr val="accent1"/>
-          </a:solidFill>
-          <a:ln w="25400" cap="flat" cmpd="sng">
+          <a:noFill/>
+          <a:ln w="28575" cap="flat" cmpd="sng">
             <a:solidFill>
-              <a:srgbClr val="AE4E00"/>
+              <a:srgbClr val="00D4DD"/>
             </a:solidFill>
             <a:prstDash val="solid"/>
             <a:round/>
             <a:headEnd type="none" w="sm" len="sm"/>
-            <a:tailEnd type="none" w="sm" len="sm"/>
+            <a:tailEnd type="triangle" w="med" len="med"/>
           </a:ln>
         </p:spPr>
-        <p:txBody>
-          <a:bodyPr spcFirstLastPara="1" wrap="square" lIns="68575" tIns="34275" rIns="68575" bIns="34275" anchor="ctr" anchorCtr="0">
+      </p:cxnSp>
+      <p:sp>
+        <p:nvSpPr>
+          <p:cNvPr id="60" name="Google Shape;336;p32">
+            <a:extLst>
+              <a:ext uri="{FF2B5EF4-FFF2-40B4-BE49-F238E27FC236}">
+                <a16:creationId xmlns:a16="http://schemas.microsoft.com/office/drawing/2014/main" id="{55E5B987-B3FA-714E-8C85-7F6F62742837}"/>
+              </a:ext>
+            </a:extLst>
+          </p:cNvPr>
+          <p:cNvSpPr txBox="1"/>
+          <p:nvPr/>
+        </p:nvSpPr>
+        <p:spPr>
+          <a:xfrm>
+            <a:off x="8805701" y="6187988"/>
+            <a:ext cx="600917" cy="276999"/>
+          </a:xfrm>
+          <a:prstGeom prst="rect">
+            <a:avLst/>
+          </a:prstGeom>
+          <a:noFill/>
+          <a:ln>
+            <a:noFill/>
+          </a:ln>
+        </p:spPr>
+        <p:txBody>
+          <a:bodyPr spcFirstLastPara="1" wrap="square" lIns="91425" tIns="45700" rIns="91425" bIns="45700" anchor="t" anchorCtr="0">
             <a:noAutofit/>
           </a:bodyPr>
           <a:lstStyle/>
           <a:p>
-            <a:pPr marL="0" marR="0" lvl="0" indent="0" algn="ctr" rtl="0">
+            <a:pPr marL="0" marR="0" lvl="0" indent="0" algn="l" rtl="0">
               <a:lnSpc>
                 <a:spcPct val="100000"/>
               </a:lnSpc>
@@ -7667,9 +6716,21 @@
               </a:spcAft>
               <a:buNone/>
             </a:pPr>
+            <a:r>
+              <a:rPr lang="en-US" sz="1200" b="0" i="0" u="none" strike="noStrike" cap="none">
+                <a:solidFill>
+                  <a:srgbClr val="000000"/>
+                </a:solidFill>
+                <a:latin typeface="Arial" panose="020B0604020202020204"/>
+                <a:ea typeface="Arial" panose="020B0604020202020204"/>
+                <a:cs typeface="Arial" panose="020B0604020202020204"/>
+                <a:sym typeface="Arial" panose="020B0604020202020204"/>
+              </a:rPr>
+              <a:t>sync</a:t>
+            </a:r>
             <a:endParaRPr sz="1350" b="0" i="0" u="none" strike="noStrike" cap="none">
               <a:solidFill>
-                <a:schemeClr val="lt1"/>
+                <a:srgbClr val="000000"/>
               </a:solidFill>
               <a:latin typeface="Arial" panose="020B0604020202020204"/>
               <a:ea typeface="Arial" panose="020B0604020202020204"/>
@@ -7679,10 +6740,45 @@
           </a:p>
         </p:txBody>
       </p:sp>
+      <p:sp>
+        <p:nvSpPr>
+          <p:cNvPr id="61" name="文本框 60">
+            <a:extLst>
+              <a:ext uri="{FF2B5EF4-FFF2-40B4-BE49-F238E27FC236}">
+                <a16:creationId xmlns:a16="http://schemas.microsoft.com/office/drawing/2014/main" id="{1AF1CAC6-E4F9-5940-B7C2-96F60C666ABC}"/>
+              </a:ext>
+            </a:extLst>
+          </p:cNvPr>
+          <p:cNvSpPr txBox="1"/>
+          <p:nvPr/>
+        </p:nvSpPr>
+        <p:spPr>
+          <a:xfrm>
+            <a:off x="10869439" y="751916"/>
+            <a:ext cx="1146468" cy="369332"/>
+          </a:xfrm>
+          <a:prstGeom prst="rect">
+            <a:avLst/>
+          </a:prstGeom>
+          <a:noFill/>
+        </p:spPr>
+        <p:txBody>
+          <a:bodyPr wrap="none" rtlCol="0">
+            <a:spAutoFit/>
+          </a:bodyPr>
+          <a:lstStyle/>
+          <a:p>
+            <a:r>
+              <a:rPr kumimoji="1" lang="zh-CN" altLang="en-US" dirty="0"/>
+              <a:t>工作模型</a:t>
+            </a:r>
+          </a:p>
+        </p:txBody>
+      </p:sp>
     </p:spTree>
     <p:extLst>
       <p:ext uri="{BB962C8B-B14F-4D97-AF65-F5344CB8AC3E}">
-        <p14:creationId xmlns:p14="http://schemas.microsoft.com/office/powerpoint/2010/main" val="1116015401"/>
+        <p14:creationId xmlns:p14="http://schemas.microsoft.com/office/powerpoint/2010/main" val="1924840428"/>
       </p:ext>
     </p:extLst>
   </p:cSld>
@@ -7714,6 +6810,1462 @@
           <p:cNvPr id="2" name="标题 1">
             <a:extLst>
               <a:ext uri="{FF2B5EF4-FFF2-40B4-BE49-F238E27FC236}">
+                <a16:creationId xmlns:a16="http://schemas.microsoft.com/office/drawing/2014/main" id="{C75FFD5E-AAB2-EE4F-A005-27D12017E73E}"/>
+              </a:ext>
+            </a:extLst>
+          </p:cNvPr>
+          <p:cNvSpPr>
+            <a:spLocks noGrp="1"/>
+          </p:cNvSpPr>
+          <p:nvPr>
+            <p:ph type="title"/>
+          </p:nvPr>
+        </p:nvSpPr>
+        <p:spPr>
+          <a:xfrm>
+            <a:off x="152625" y="40262"/>
+            <a:ext cx="10749367" cy="1208868"/>
+          </a:xfrm>
+        </p:spPr>
+        <p:txBody>
+          <a:bodyPr/>
+          <a:lstStyle/>
+          <a:p>
+            <a:r>
+              <a:rPr kumimoji="1" lang="zh-CN" altLang="en-US" dirty="0">
+                <a:cs typeface="Arial" panose="020B0604020202020204" pitchFamily="34" charset="0"/>
+              </a:rPr>
+              <a:t>微服务框架</a:t>
+            </a:r>
+            <a:endParaRPr kumimoji="1" lang="zh-CN" altLang="en-US" dirty="0"/>
+          </a:p>
+        </p:txBody>
+      </p:sp>
+      <p:sp>
+        <p:nvSpPr>
+          <p:cNvPr id="61" name="文本框 60">
+            <a:extLst>
+              <a:ext uri="{FF2B5EF4-FFF2-40B4-BE49-F238E27FC236}">
+                <a16:creationId xmlns:a16="http://schemas.microsoft.com/office/drawing/2014/main" id="{1AF1CAC6-E4F9-5940-B7C2-96F60C666ABC}"/>
+              </a:ext>
+            </a:extLst>
+          </p:cNvPr>
+          <p:cNvSpPr txBox="1"/>
+          <p:nvPr/>
+        </p:nvSpPr>
+        <p:spPr>
+          <a:xfrm>
+            <a:off x="10869439" y="751916"/>
+            <a:ext cx="1146468" cy="369332"/>
+          </a:xfrm>
+          <a:prstGeom prst="rect">
+            <a:avLst/>
+          </a:prstGeom>
+          <a:noFill/>
+        </p:spPr>
+        <p:txBody>
+          <a:bodyPr wrap="none" rtlCol="0">
+            <a:spAutoFit/>
+          </a:bodyPr>
+          <a:lstStyle/>
+          <a:p>
+            <a:r>
+              <a:rPr kumimoji="1" lang="zh-CN" altLang="en-US" dirty="0"/>
+              <a:t>通信模型</a:t>
+            </a:r>
+          </a:p>
+        </p:txBody>
+      </p:sp>
+      <p:pic>
+        <p:nvPicPr>
+          <p:cNvPr id="3" name="图片 2">
+            <a:extLst>
+              <a:ext uri="{FF2B5EF4-FFF2-40B4-BE49-F238E27FC236}">
+                <a16:creationId xmlns:a16="http://schemas.microsoft.com/office/drawing/2014/main" id="{5FC60BDA-2BB1-004A-B7DB-C07322A94D47}"/>
+              </a:ext>
+            </a:extLst>
+          </p:cNvPr>
+          <p:cNvPicPr>
+            <a:picLocks noChangeAspect="1"/>
+          </p:cNvPicPr>
+          <p:nvPr/>
+        </p:nvPicPr>
+        <p:blipFill>
+          <a:blip r:embed="rId2"/>
+          <a:stretch>
+            <a:fillRect/>
+          </a:stretch>
+        </p:blipFill>
+        <p:spPr>
+          <a:xfrm>
+            <a:off x="5119807" y="1832902"/>
+            <a:ext cx="6896100" cy="4406900"/>
+          </a:xfrm>
+          <a:prstGeom prst="rect">
+            <a:avLst/>
+          </a:prstGeom>
+        </p:spPr>
+      </p:pic>
+      <p:sp>
+        <p:nvSpPr>
+          <p:cNvPr id="49" name="Google Shape;636;p43">
+            <a:extLst>
+              <a:ext uri="{FF2B5EF4-FFF2-40B4-BE49-F238E27FC236}">
+                <a16:creationId xmlns:a16="http://schemas.microsoft.com/office/drawing/2014/main" id="{0288E5D3-4E2F-B249-AA9E-3760EF114001}"/>
+              </a:ext>
+            </a:extLst>
+          </p:cNvPr>
+          <p:cNvSpPr txBox="1"/>
+          <p:nvPr/>
+        </p:nvSpPr>
+        <p:spPr>
+          <a:xfrm>
+            <a:off x="460300" y="1936025"/>
+            <a:ext cx="2905200" cy="1338900"/>
+          </a:xfrm>
+          <a:prstGeom prst="rect">
+            <a:avLst/>
+          </a:prstGeom>
+          <a:noFill/>
+          <a:ln>
+            <a:noFill/>
+          </a:ln>
+        </p:spPr>
+        <p:txBody>
+          <a:bodyPr spcFirstLastPara="1" wrap="square" lIns="91425" tIns="45700" rIns="91425" bIns="45700" anchor="t" anchorCtr="0">
+            <a:noAutofit/>
+          </a:bodyPr>
+          <a:lstStyle/>
+          <a:p>
+            <a:pPr marL="0" marR="0" lvl="0" indent="0" algn="l" rtl="0">
+              <a:lnSpc>
+                <a:spcPct val="100000"/>
+              </a:lnSpc>
+              <a:spcBef>
+                <a:spcPts val="0"/>
+              </a:spcBef>
+              <a:spcAft>
+                <a:spcPts val="0"/>
+              </a:spcAft>
+              <a:buNone/>
+            </a:pPr>
+            <a:r>
+              <a:rPr lang="en-US" altLang="zh-CN" sz="1350" b="0" i="0" u="none" strike="noStrike" cap="none" dirty="0" err="1">
+                <a:solidFill>
+                  <a:srgbClr val="000000"/>
+                </a:solidFill>
+                <a:latin typeface="Arial" panose="020B0604020202020204"/>
+                <a:ea typeface="Arial" panose="020B0604020202020204"/>
+                <a:cs typeface="Arial" panose="020B0604020202020204"/>
+                <a:sym typeface="Arial" panose="020B0604020202020204"/>
+              </a:rPr>
+              <a:t>Service.</a:t>
+            </a:r>
+            <a:r>
+              <a:rPr lang="en-US" sz="1350" b="0" i="0" u="none" strike="noStrike" cap="none" dirty="0" err="1">
+                <a:solidFill>
+                  <a:srgbClr val="000000"/>
+                </a:solidFill>
+                <a:latin typeface="Arial" panose="020B0604020202020204"/>
+                <a:ea typeface="Arial" panose="020B0604020202020204"/>
+                <a:cs typeface="Arial" panose="020B0604020202020204"/>
+                <a:sym typeface="Arial" panose="020B0604020202020204"/>
+              </a:rPr>
+              <a:t>client</a:t>
+            </a:r>
+            <a:r>
+              <a:rPr lang="zh-CN" altLang="en-US" sz="1350" b="0" i="0" u="none" strike="noStrike" cap="none" dirty="0">
+                <a:solidFill>
+                  <a:srgbClr val="000000"/>
+                </a:solidFill>
+                <a:latin typeface="Arial" panose="020B0604020202020204"/>
+                <a:ea typeface="Arial" panose="020B0604020202020204"/>
+                <a:cs typeface="Arial" panose="020B0604020202020204"/>
+                <a:sym typeface="Arial" panose="020B0604020202020204"/>
+              </a:rPr>
+              <a:t>  </a:t>
+            </a:r>
+            <a:r>
+              <a:rPr lang="en-US" sz="1350" b="0" i="0" u="none" strike="noStrike" cap="none" dirty="0">
+                <a:solidFill>
+                  <a:srgbClr val="000000"/>
+                </a:solidFill>
+                <a:latin typeface="Arial" panose="020B0604020202020204"/>
+                <a:ea typeface="Arial" panose="020B0604020202020204"/>
+                <a:cs typeface="Arial" panose="020B0604020202020204"/>
+                <a:sym typeface="Arial" panose="020B0604020202020204"/>
+              </a:rPr>
+              <a:t>=&gt; </a:t>
+            </a:r>
+            <a:r>
+              <a:rPr lang="zh-CN" altLang="en-US" sz="1350" b="0" i="0" u="none" strike="noStrike" cap="none" dirty="0">
+                <a:solidFill>
+                  <a:srgbClr val="000000"/>
+                </a:solidFill>
+                <a:latin typeface="Arial" panose="020B0604020202020204"/>
+                <a:ea typeface="Arial" panose="020B0604020202020204"/>
+                <a:cs typeface="Arial" panose="020B0604020202020204"/>
+                <a:sym typeface="Arial" panose="020B0604020202020204"/>
+              </a:rPr>
+              <a:t>  </a:t>
+            </a:r>
+            <a:r>
+              <a:rPr lang="en-US" altLang="zh-CN" sz="1350" b="0" i="0" u="none" strike="noStrike" cap="none" dirty="0" err="1">
+                <a:solidFill>
+                  <a:srgbClr val="000000"/>
+                </a:solidFill>
+                <a:latin typeface="Arial" panose="020B0604020202020204"/>
+                <a:ea typeface="Arial" panose="020B0604020202020204"/>
+                <a:cs typeface="Arial" panose="020B0604020202020204"/>
+                <a:sym typeface="Arial" panose="020B0604020202020204"/>
+              </a:rPr>
+              <a:t>Service.</a:t>
+            </a:r>
+            <a:r>
+              <a:rPr lang="en-US" sz="1350" b="0" i="0" u="none" strike="noStrike" cap="none" dirty="0" err="1">
+                <a:solidFill>
+                  <a:srgbClr val="000000"/>
+                </a:solidFill>
+                <a:latin typeface="Arial" panose="020B0604020202020204"/>
+                <a:ea typeface="Arial" panose="020B0604020202020204"/>
+                <a:cs typeface="Arial" panose="020B0604020202020204"/>
+                <a:sym typeface="Arial" panose="020B0604020202020204"/>
+              </a:rPr>
+              <a:t>server</a:t>
+            </a:r>
+            <a:endParaRPr lang="en-US" sz="1350" b="0" i="0" u="none" strike="noStrike" cap="none" dirty="0">
+              <a:solidFill>
+                <a:srgbClr val="000000"/>
+              </a:solidFill>
+              <a:latin typeface="Arial" panose="020B0604020202020204"/>
+              <a:ea typeface="Arial" panose="020B0604020202020204"/>
+              <a:cs typeface="Arial" panose="020B0604020202020204"/>
+              <a:sym typeface="Arial" panose="020B0604020202020204"/>
+            </a:endParaRPr>
+          </a:p>
+          <a:p>
+            <a:pPr marL="0" marR="0" lvl="0" indent="0" algn="l" rtl="0">
+              <a:lnSpc>
+                <a:spcPct val="100000"/>
+              </a:lnSpc>
+              <a:spcBef>
+                <a:spcPts val="0"/>
+              </a:spcBef>
+              <a:spcAft>
+                <a:spcPts val="0"/>
+              </a:spcAft>
+              <a:buNone/>
+            </a:pPr>
+            <a:endParaRPr sz="1350" b="0" i="0" u="none" strike="noStrike" cap="none" dirty="0">
+              <a:solidFill>
+                <a:srgbClr val="000000"/>
+              </a:solidFill>
+              <a:latin typeface="Arial" panose="020B0604020202020204"/>
+              <a:ea typeface="Arial" panose="020B0604020202020204"/>
+              <a:cs typeface="Arial" panose="020B0604020202020204"/>
+              <a:sym typeface="Arial" panose="020B0604020202020204"/>
+            </a:endParaRPr>
+          </a:p>
+          <a:p>
+            <a:pPr marL="0" marR="0" lvl="0" indent="0" algn="l" rtl="0">
+              <a:lnSpc>
+                <a:spcPct val="100000"/>
+              </a:lnSpc>
+              <a:spcBef>
+                <a:spcPts val="0"/>
+              </a:spcBef>
+              <a:spcAft>
+                <a:spcPts val="0"/>
+              </a:spcAft>
+              <a:buNone/>
+            </a:pPr>
+            <a:endParaRPr sz="1350" b="0" i="0" u="none" strike="noStrike" cap="none" dirty="0">
+              <a:solidFill>
+                <a:srgbClr val="000000"/>
+              </a:solidFill>
+              <a:latin typeface="Arial" panose="020B0604020202020204"/>
+              <a:ea typeface="Arial" panose="020B0604020202020204"/>
+              <a:cs typeface="Arial" panose="020B0604020202020204"/>
+              <a:sym typeface="Arial" panose="020B0604020202020204"/>
+            </a:endParaRPr>
+          </a:p>
+          <a:p>
+            <a:pPr marL="0" marR="0" lvl="0" indent="0" algn="l" rtl="0">
+              <a:lnSpc>
+                <a:spcPct val="100000"/>
+              </a:lnSpc>
+              <a:spcBef>
+                <a:spcPts val="0"/>
+              </a:spcBef>
+              <a:spcAft>
+                <a:spcPts val="0"/>
+              </a:spcAft>
+              <a:buNone/>
+            </a:pPr>
+            <a:endParaRPr sz="1350" b="0" i="0" u="none" strike="noStrike" cap="none" dirty="0">
+              <a:solidFill>
+                <a:srgbClr val="000000"/>
+              </a:solidFill>
+              <a:latin typeface="Arial" panose="020B0604020202020204"/>
+              <a:ea typeface="Arial" panose="020B0604020202020204"/>
+              <a:cs typeface="Arial" panose="020B0604020202020204"/>
+              <a:sym typeface="Arial" panose="020B0604020202020204"/>
+            </a:endParaRPr>
+          </a:p>
+          <a:p>
+            <a:pPr marL="0" marR="0" lvl="0" indent="0" algn="l" rtl="0">
+              <a:lnSpc>
+                <a:spcPct val="100000"/>
+              </a:lnSpc>
+              <a:spcBef>
+                <a:spcPts val="0"/>
+              </a:spcBef>
+              <a:spcAft>
+                <a:spcPts val="0"/>
+              </a:spcAft>
+              <a:buNone/>
+            </a:pPr>
+            <a:endParaRPr sz="1350" b="0" i="0" u="none" strike="noStrike" cap="none" dirty="0">
+              <a:solidFill>
+                <a:srgbClr val="000000"/>
+              </a:solidFill>
+              <a:latin typeface="Arial" panose="020B0604020202020204"/>
+              <a:ea typeface="Arial" panose="020B0604020202020204"/>
+              <a:cs typeface="Arial" panose="020B0604020202020204"/>
+              <a:sym typeface="Arial" panose="020B0604020202020204"/>
+            </a:endParaRPr>
+          </a:p>
+          <a:p>
+            <a:pPr marL="0" marR="0" lvl="0" indent="0" algn="l" rtl="0">
+              <a:lnSpc>
+                <a:spcPct val="100000"/>
+              </a:lnSpc>
+              <a:spcBef>
+                <a:spcPts val="0"/>
+              </a:spcBef>
+              <a:spcAft>
+                <a:spcPts val="0"/>
+              </a:spcAft>
+              <a:buNone/>
+            </a:pPr>
+            <a:endParaRPr sz="1350" b="0" i="0" u="none" strike="noStrike" cap="none" dirty="0">
+              <a:solidFill>
+                <a:srgbClr val="000000"/>
+              </a:solidFill>
+              <a:latin typeface="Arial" panose="020B0604020202020204"/>
+              <a:ea typeface="Arial" panose="020B0604020202020204"/>
+              <a:cs typeface="Arial" panose="020B0604020202020204"/>
+              <a:sym typeface="Arial" panose="020B0604020202020204"/>
+            </a:endParaRPr>
+          </a:p>
+        </p:txBody>
+      </p:sp>
+      <p:sp>
+        <p:nvSpPr>
+          <p:cNvPr id="50" name="Google Shape;637;p43">
+            <a:extLst>
+              <a:ext uri="{FF2B5EF4-FFF2-40B4-BE49-F238E27FC236}">
+                <a16:creationId xmlns:a16="http://schemas.microsoft.com/office/drawing/2014/main" id="{CD569305-D714-284C-BF33-802FEAE08C68}"/>
+              </a:ext>
+            </a:extLst>
+          </p:cNvPr>
+          <p:cNvSpPr txBox="1"/>
+          <p:nvPr/>
+        </p:nvSpPr>
+        <p:spPr>
+          <a:xfrm>
+            <a:off x="460300" y="2492400"/>
+            <a:ext cx="3095700" cy="507900"/>
+          </a:xfrm>
+          <a:prstGeom prst="rect">
+            <a:avLst/>
+          </a:prstGeom>
+          <a:noFill/>
+          <a:ln>
+            <a:noFill/>
+          </a:ln>
+        </p:spPr>
+        <p:txBody>
+          <a:bodyPr spcFirstLastPara="1" wrap="square" lIns="91425" tIns="45700" rIns="91425" bIns="45700" anchor="t" anchorCtr="0">
+            <a:noAutofit/>
+          </a:bodyPr>
+          <a:lstStyle/>
+          <a:p>
+            <a:pPr marL="0" marR="0" lvl="0" indent="0" algn="l" rtl="0">
+              <a:lnSpc>
+                <a:spcPct val="100000"/>
+              </a:lnSpc>
+              <a:spcBef>
+                <a:spcPts val="0"/>
+              </a:spcBef>
+              <a:spcAft>
+                <a:spcPts val="0"/>
+              </a:spcAft>
+              <a:buNone/>
+            </a:pPr>
+            <a:r>
+              <a:rPr lang="en-US" sz="1350" b="0" i="0" u="none" strike="noStrike" cap="none" dirty="0" err="1">
+                <a:solidFill>
+                  <a:srgbClr val="000000"/>
+                </a:solidFill>
+                <a:latin typeface="Arial" panose="020B0604020202020204"/>
+                <a:ea typeface="Arial" panose="020B0604020202020204"/>
+                <a:cs typeface="Arial" panose="020B0604020202020204"/>
+                <a:sym typeface="Arial" panose="020B0604020202020204"/>
+              </a:rPr>
+              <a:t>client.Call</a:t>
+            </a:r>
+            <a:r>
+              <a:rPr lang="en-US" sz="1350" b="0" i="0" u="none" strike="noStrike" cap="none" dirty="0">
+                <a:solidFill>
+                  <a:srgbClr val="000000"/>
+                </a:solidFill>
+                <a:latin typeface="Arial" panose="020B0604020202020204"/>
+                <a:ea typeface="Arial" panose="020B0604020202020204"/>
+                <a:cs typeface="Arial" panose="020B0604020202020204"/>
+                <a:sym typeface="Arial" panose="020B0604020202020204"/>
+              </a:rPr>
+              <a:t> </a:t>
+            </a:r>
+            <a:r>
+              <a:rPr lang="zh-CN" altLang="en-US" sz="1350" b="0" i="0" u="none" strike="noStrike" cap="none" dirty="0">
+                <a:solidFill>
+                  <a:srgbClr val="000000"/>
+                </a:solidFill>
+                <a:latin typeface="Arial" panose="020B0604020202020204"/>
+                <a:ea typeface="Arial" panose="020B0604020202020204"/>
+                <a:cs typeface="Arial" panose="020B0604020202020204"/>
+                <a:sym typeface="Arial" panose="020B0604020202020204"/>
+              </a:rPr>
+              <a:t>       </a:t>
+            </a:r>
+            <a:r>
+              <a:rPr lang="en-US" sz="1350" b="0" i="0" u="none" strike="noStrike" cap="none" dirty="0">
+                <a:solidFill>
+                  <a:srgbClr val="000000"/>
+                </a:solidFill>
+                <a:latin typeface="Arial" panose="020B0604020202020204"/>
+                <a:ea typeface="Arial" panose="020B0604020202020204"/>
+                <a:cs typeface="Arial" panose="020B0604020202020204"/>
+                <a:sym typeface="Arial" panose="020B0604020202020204"/>
+              </a:rPr>
+              <a:t>=&gt;</a:t>
+            </a:r>
+            <a:r>
+              <a:rPr lang="zh-CN" altLang="en-US" sz="1350" b="0" i="0" u="none" strike="noStrike" cap="none" dirty="0">
+                <a:solidFill>
+                  <a:srgbClr val="000000"/>
+                </a:solidFill>
+                <a:latin typeface="Arial" panose="020B0604020202020204"/>
+                <a:ea typeface="Arial" panose="020B0604020202020204"/>
+                <a:cs typeface="Arial" panose="020B0604020202020204"/>
+                <a:sym typeface="Arial" panose="020B0604020202020204"/>
+              </a:rPr>
+              <a:t>  </a:t>
+            </a:r>
+            <a:r>
+              <a:rPr lang="en-US" sz="1350" b="0" i="0" u="none" strike="noStrike" cap="none" dirty="0">
+                <a:solidFill>
+                  <a:srgbClr val="000000"/>
+                </a:solidFill>
+                <a:latin typeface="Arial" panose="020B0604020202020204"/>
+                <a:ea typeface="Arial" panose="020B0604020202020204"/>
+                <a:cs typeface="Arial" panose="020B0604020202020204"/>
+                <a:sym typeface="Arial" panose="020B0604020202020204"/>
+              </a:rPr>
+              <a:t> </a:t>
+            </a:r>
+            <a:r>
+              <a:rPr lang="en-US" sz="1350" b="0" i="0" u="none" strike="noStrike" cap="none" dirty="0" err="1">
+                <a:solidFill>
+                  <a:srgbClr val="000000"/>
+                </a:solidFill>
+                <a:latin typeface="Arial" panose="020B0604020202020204"/>
+                <a:ea typeface="Arial" panose="020B0604020202020204"/>
+                <a:cs typeface="Arial" panose="020B0604020202020204"/>
+                <a:sym typeface="Arial" panose="020B0604020202020204"/>
+              </a:rPr>
+              <a:t>server.Handler</a:t>
+            </a:r>
+            <a:endParaRPr sz="1350" b="0" i="0" u="none" strike="noStrike" cap="none" dirty="0">
+              <a:solidFill>
+                <a:srgbClr val="000000"/>
+              </a:solidFill>
+              <a:latin typeface="Arial" panose="020B0604020202020204"/>
+              <a:ea typeface="Arial" panose="020B0604020202020204"/>
+              <a:cs typeface="Arial" panose="020B0604020202020204"/>
+              <a:sym typeface="Arial" panose="020B0604020202020204"/>
+            </a:endParaRPr>
+          </a:p>
+          <a:p>
+            <a:pPr marL="0" marR="0" lvl="0" indent="0" algn="l" rtl="0">
+              <a:lnSpc>
+                <a:spcPct val="100000"/>
+              </a:lnSpc>
+              <a:spcBef>
+                <a:spcPts val="0"/>
+              </a:spcBef>
+              <a:spcAft>
+                <a:spcPts val="0"/>
+              </a:spcAft>
+              <a:buNone/>
+            </a:pPr>
+            <a:endParaRPr sz="1350" b="0" i="0" u="none" strike="noStrike" cap="none" dirty="0">
+              <a:solidFill>
+                <a:srgbClr val="000000"/>
+              </a:solidFill>
+              <a:latin typeface="Arial" panose="020B0604020202020204"/>
+              <a:ea typeface="Arial" panose="020B0604020202020204"/>
+              <a:cs typeface="Arial" panose="020B0604020202020204"/>
+              <a:sym typeface="Arial" panose="020B0604020202020204"/>
+            </a:endParaRPr>
+          </a:p>
+        </p:txBody>
+      </p:sp>
+      <p:sp>
+        <p:nvSpPr>
+          <p:cNvPr id="51" name="Google Shape;638;p43">
+            <a:extLst>
+              <a:ext uri="{FF2B5EF4-FFF2-40B4-BE49-F238E27FC236}">
+                <a16:creationId xmlns:a16="http://schemas.microsoft.com/office/drawing/2014/main" id="{EA5AF44C-CE57-4E46-A443-5E9DBD0BA86D}"/>
+              </a:ext>
+            </a:extLst>
+          </p:cNvPr>
+          <p:cNvSpPr txBox="1"/>
+          <p:nvPr/>
+        </p:nvSpPr>
+        <p:spPr>
+          <a:xfrm>
+            <a:off x="432199" y="3021764"/>
+            <a:ext cx="3267000" cy="507900"/>
+          </a:xfrm>
+          <a:prstGeom prst="rect">
+            <a:avLst/>
+          </a:prstGeom>
+          <a:noFill/>
+          <a:ln>
+            <a:noFill/>
+          </a:ln>
+        </p:spPr>
+        <p:txBody>
+          <a:bodyPr spcFirstLastPara="1" wrap="square" lIns="91425" tIns="45700" rIns="91425" bIns="45700" anchor="t" anchorCtr="0">
+            <a:noAutofit/>
+          </a:bodyPr>
+          <a:lstStyle/>
+          <a:p>
+            <a:pPr marL="0" marR="0" lvl="0" indent="0" algn="l" rtl="0">
+              <a:lnSpc>
+                <a:spcPct val="100000"/>
+              </a:lnSpc>
+              <a:spcBef>
+                <a:spcPts val="0"/>
+              </a:spcBef>
+              <a:spcAft>
+                <a:spcPts val="0"/>
+              </a:spcAft>
+              <a:buNone/>
+            </a:pPr>
+            <a:r>
+              <a:rPr lang="en-US" sz="1350" b="0" i="0" u="none" strike="noStrike" cap="none" dirty="0" err="1">
+                <a:solidFill>
+                  <a:srgbClr val="000000"/>
+                </a:solidFill>
+                <a:latin typeface="Arial" panose="020B0604020202020204"/>
+                <a:ea typeface="Arial" panose="020B0604020202020204"/>
+                <a:cs typeface="Arial" panose="020B0604020202020204"/>
+                <a:sym typeface="Arial" panose="020B0604020202020204"/>
+              </a:rPr>
+              <a:t>transport.client</a:t>
+            </a:r>
+            <a:r>
+              <a:rPr lang="en-US" sz="1350" b="0" i="0" u="none" strike="noStrike" cap="none" dirty="0">
+                <a:solidFill>
+                  <a:srgbClr val="000000"/>
+                </a:solidFill>
+                <a:latin typeface="Arial" panose="020B0604020202020204"/>
+                <a:ea typeface="Arial" panose="020B0604020202020204"/>
+                <a:cs typeface="Arial" panose="020B0604020202020204"/>
+                <a:sym typeface="Arial" panose="020B0604020202020204"/>
+              </a:rPr>
+              <a:t> =&gt; </a:t>
+            </a:r>
+            <a:r>
+              <a:rPr lang="zh-CN" altLang="en-US" sz="1350" b="0" i="0" u="none" strike="noStrike" cap="none" dirty="0">
+                <a:solidFill>
+                  <a:srgbClr val="000000"/>
+                </a:solidFill>
+                <a:latin typeface="Arial" panose="020B0604020202020204"/>
+                <a:ea typeface="Arial" panose="020B0604020202020204"/>
+                <a:cs typeface="Arial" panose="020B0604020202020204"/>
+                <a:sym typeface="Arial" panose="020B0604020202020204"/>
+              </a:rPr>
+              <a:t>  </a:t>
+            </a:r>
+            <a:r>
+              <a:rPr lang="en-US" sz="1350" b="0" i="0" u="none" strike="noStrike" cap="none" dirty="0" err="1">
+                <a:solidFill>
+                  <a:srgbClr val="000000"/>
+                </a:solidFill>
+                <a:latin typeface="Arial" panose="020B0604020202020204"/>
+                <a:ea typeface="Arial" panose="020B0604020202020204"/>
+                <a:cs typeface="Arial" panose="020B0604020202020204"/>
+                <a:sym typeface="Arial" panose="020B0604020202020204"/>
+              </a:rPr>
+              <a:t>transport.</a:t>
+            </a:r>
+            <a:r>
+              <a:rPr lang="en-US" altLang="zh-CN" sz="1350" b="0" i="0" u="none" strike="noStrike" cap="none" dirty="0" err="1">
+                <a:solidFill>
+                  <a:srgbClr val="000000"/>
+                </a:solidFill>
+                <a:latin typeface="Arial" panose="020B0604020202020204"/>
+                <a:ea typeface="Arial" panose="020B0604020202020204"/>
+                <a:cs typeface="Arial" panose="020B0604020202020204"/>
+                <a:sym typeface="Arial" panose="020B0604020202020204"/>
+              </a:rPr>
+              <a:t>tr</a:t>
+            </a:r>
+            <a:r>
+              <a:rPr lang="en-US" altLang="zh-CN" sz="1350" dirty="0" err="1">
+                <a:solidFill>
+                  <a:srgbClr val="000000"/>
+                </a:solidFill>
+                <a:latin typeface="Arial" panose="020B0604020202020204"/>
+                <a:ea typeface="Arial" panose="020B0604020202020204"/>
+                <a:cs typeface="Arial" panose="020B0604020202020204"/>
+                <a:sym typeface="Arial" panose="020B0604020202020204"/>
+              </a:rPr>
+              <a:t>L</a:t>
+            </a:r>
+            <a:r>
+              <a:rPr lang="en-US" sz="1350" b="0" i="0" u="none" strike="noStrike" cap="none" dirty="0" err="1">
+                <a:solidFill>
+                  <a:srgbClr val="000000"/>
+                </a:solidFill>
+                <a:latin typeface="Arial" panose="020B0604020202020204"/>
+                <a:ea typeface="Arial" panose="020B0604020202020204"/>
+                <a:cs typeface="Arial" panose="020B0604020202020204"/>
+                <a:sym typeface="Arial" panose="020B0604020202020204"/>
+              </a:rPr>
+              <a:t>istener</a:t>
+            </a:r>
+            <a:endParaRPr sz="1350" b="0" i="0" u="none" strike="noStrike" cap="none" dirty="0">
+              <a:solidFill>
+                <a:srgbClr val="000000"/>
+              </a:solidFill>
+              <a:latin typeface="Arial" panose="020B0604020202020204"/>
+              <a:ea typeface="Arial" panose="020B0604020202020204"/>
+              <a:cs typeface="Arial" panose="020B0604020202020204"/>
+              <a:sym typeface="Arial" panose="020B0604020202020204"/>
+            </a:endParaRPr>
+          </a:p>
+          <a:p>
+            <a:pPr marL="0" marR="0" lvl="0" indent="0" algn="l" rtl="0">
+              <a:lnSpc>
+                <a:spcPct val="100000"/>
+              </a:lnSpc>
+              <a:spcBef>
+                <a:spcPts val="0"/>
+              </a:spcBef>
+              <a:spcAft>
+                <a:spcPts val="0"/>
+              </a:spcAft>
+              <a:buNone/>
+            </a:pPr>
+            <a:endParaRPr sz="1350" b="0" i="0" u="none" strike="noStrike" cap="none" dirty="0">
+              <a:solidFill>
+                <a:srgbClr val="000000"/>
+              </a:solidFill>
+              <a:latin typeface="Arial" panose="020B0604020202020204"/>
+              <a:ea typeface="Arial" panose="020B0604020202020204"/>
+              <a:cs typeface="Arial" panose="020B0604020202020204"/>
+              <a:sym typeface="Arial" panose="020B0604020202020204"/>
+            </a:endParaRPr>
+          </a:p>
+        </p:txBody>
+      </p:sp>
+      <p:sp>
+        <p:nvSpPr>
+          <p:cNvPr id="52" name="Google Shape;639;p43">
+            <a:extLst>
+              <a:ext uri="{FF2B5EF4-FFF2-40B4-BE49-F238E27FC236}">
+                <a16:creationId xmlns:a16="http://schemas.microsoft.com/office/drawing/2014/main" id="{46621FD7-DF2E-2442-86F9-DD03C49A804B}"/>
+              </a:ext>
+            </a:extLst>
+          </p:cNvPr>
+          <p:cNvSpPr/>
+          <p:nvPr/>
+        </p:nvSpPr>
+        <p:spPr>
+          <a:xfrm>
+            <a:off x="442399" y="3679192"/>
+            <a:ext cx="3246600" cy="300000"/>
+          </a:xfrm>
+          <a:prstGeom prst="rect">
+            <a:avLst/>
+          </a:prstGeom>
+          <a:noFill/>
+          <a:ln>
+            <a:noFill/>
+          </a:ln>
+        </p:spPr>
+        <p:txBody>
+          <a:bodyPr spcFirstLastPara="1" wrap="square" lIns="91425" tIns="45700" rIns="91425" bIns="45700" anchor="t" anchorCtr="0">
+            <a:noAutofit/>
+          </a:bodyPr>
+          <a:lstStyle/>
+          <a:p>
+            <a:pPr marL="0" marR="0" lvl="0" indent="0" algn="l" rtl="0">
+              <a:lnSpc>
+                <a:spcPct val="100000"/>
+              </a:lnSpc>
+              <a:spcBef>
+                <a:spcPts val="0"/>
+              </a:spcBef>
+              <a:spcAft>
+                <a:spcPts val="0"/>
+              </a:spcAft>
+              <a:buNone/>
+            </a:pPr>
+            <a:r>
+              <a:rPr lang="en-US" sz="1350" b="0" i="0" u="none" strike="noStrike" cap="none" dirty="0" err="1">
+                <a:solidFill>
+                  <a:srgbClr val="000000"/>
+                </a:solidFill>
+                <a:latin typeface="Arial" panose="020B0604020202020204"/>
+                <a:ea typeface="Arial" panose="020B0604020202020204"/>
+                <a:cs typeface="Arial" panose="020B0604020202020204"/>
+                <a:sym typeface="Arial" panose="020B0604020202020204"/>
+              </a:rPr>
+              <a:t>transport.Dial</a:t>
+            </a:r>
+            <a:r>
+              <a:rPr lang="en-US" sz="1350" b="0" i="0" u="none" strike="noStrike" cap="none" dirty="0">
+                <a:solidFill>
+                  <a:srgbClr val="000000"/>
+                </a:solidFill>
+                <a:latin typeface="Arial" panose="020B0604020202020204"/>
+                <a:ea typeface="Arial" panose="020B0604020202020204"/>
+                <a:cs typeface="Arial" panose="020B0604020202020204"/>
+                <a:sym typeface="Arial" panose="020B0604020202020204"/>
+              </a:rPr>
+              <a:t> </a:t>
+            </a:r>
+            <a:r>
+              <a:rPr lang="zh-CN" altLang="en-US" sz="1350" b="0" i="0" u="none" strike="noStrike" cap="none" dirty="0">
+                <a:solidFill>
+                  <a:srgbClr val="000000"/>
+                </a:solidFill>
+                <a:latin typeface="Arial" panose="020B0604020202020204"/>
+                <a:ea typeface="Arial" panose="020B0604020202020204"/>
+                <a:cs typeface="Arial" panose="020B0604020202020204"/>
+                <a:sym typeface="Arial" panose="020B0604020202020204"/>
+              </a:rPr>
+              <a:t>  </a:t>
+            </a:r>
+            <a:r>
+              <a:rPr lang="en-US" sz="1350" b="0" i="0" u="none" strike="noStrike" cap="none" dirty="0">
+                <a:solidFill>
+                  <a:srgbClr val="000000"/>
+                </a:solidFill>
+                <a:latin typeface="Arial" panose="020B0604020202020204"/>
+                <a:ea typeface="Arial" panose="020B0604020202020204"/>
+                <a:cs typeface="Arial" panose="020B0604020202020204"/>
+                <a:sym typeface="Arial" panose="020B0604020202020204"/>
+              </a:rPr>
+              <a:t>=&gt; </a:t>
+            </a:r>
+            <a:r>
+              <a:rPr lang="zh-CN" altLang="en-US" sz="1350" b="0" i="0" u="none" strike="noStrike" cap="none" dirty="0">
+                <a:solidFill>
+                  <a:srgbClr val="000000"/>
+                </a:solidFill>
+                <a:latin typeface="Arial" panose="020B0604020202020204"/>
+                <a:ea typeface="Arial" panose="020B0604020202020204"/>
+                <a:cs typeface="Arial" panose="020B0604020202020204"/>
+                <a:sym typeface="Arial" panose="020B0604020202020204"/>
+              </a:rPr>
+              <a:t>  </a:t>
+            </a:r>
+            <a:r>
+              <a:rPr lang="en-US" sz="1350" b="0" i="0" u="none" strike="noStrike" cap="none" dirty="0" err="1">
+                <a:solidFill>
+                  <a:srgbClr val="000000"/>
+                </a:solidFill>
+                <a:latin typeface="Arial" panose="020B0604020202020204"/>
+                <a:ea typeface="Arial" panose="020B0604020202020204"/>
+                <a:cs typeface="Arial" panose="020B0604020202020204"/>
+                <a:sym typeface="Arial" panose="020B0604020202020204"/>
+              </a:rPr>
+              <a:t>transport.Accept</a:t>
+            </a:r>
+            <a:endParaRPr sz="1350" b="0" i="0" u="none" strike="noStrike" cap="none" dirty="0">
+              <a:solidFill>
+                <a:srgbClr val="000000"/>
+              </a:solidFill>
+              <a:latin typeface="Arial" panose="020B0604020202020204"/>
+              <a:ea typeface="Arial" panose="020B0604020202020204"/>
+              <a:cs typeface="Arial" panose="020B0604020202020204"/>
+              <a:sym typeface="Arial" panose="020B0604020202020204"/>
+            </a:endParaRPr>
+          </a:p>
+        </p:txBody>
+      </p:sp>
+      <p:sp>
+        <p:nvSpPr>
+          <p:cNvPr id="53" name="Google Shape;640;p43">
+            <a:extLst>
+              <a:ext uri="{FF2B5EF4-FFF2-40B4-BE49-F238E27FC236}">
+                <a16:creationId xmlns:a16="http://schemas.microsoft.com/office/drawing/2014/main" id="{8D9104F8-A67E-1A4D-AB3B-FEA930376279}"/>
+              </a:ext>
+            </a:extLst>
+          </p:cNvPr>
+          <p:cNvSpPr/>
+          <p:nvPr/>
+        </p:nvSpPr>
+        <p:spPr>
+          <a:xfrm>
+            <a:off x="996187" y="2213294"/>
+            <a:ext cx="144670" cy="279106"/>
+          </a:xfrm>
+          <a:prstGeom prst="downArrow">
+            <a:avLst>
+              <a:gd name="adj1" fmla="val 50000"/>
+              <a:gd name="adj2" fmla="val 50000"/>
+            </a:avLst>
+          </a:prstGeom>
+          <a:solidFill>
+            <a:schemeClr val="accent1"/>
+          </a:solidFill>
+          <a:ln w="25400" cap="flat" cmpd="sng">
+            <a:solidFill>
+              <a:srgbClr val="AE4E00"/>
+            </a:solidFill>
+            <a:prstDash val="solid"/>
+            <a:round/>
+            <a:headEnd type="none" w="sm" len="sm"/>
+            <a:tailEnd type="none" w="sm" len="sm"/>
+          </a:ln>
+        </p:spPr>
+        <p:txBody>
+          <a:bodyPr spcFirstLastPara="1" wrap="square" lIns="68575" tIns="34275" rIns="68575" bIns="34275" anchor="ctr" anchorCtr="0">
+            <a:noAutofit/>
+          </a:bodyPr>
+          <a:lstStyle/>
+          <a:p>
+            <a:pPr marL="0" marR="0" lvl="0" indent="0" algn="ctr" rtl="0">
+              <a:lnSpc>
+                <a:spcPct val="100000"/>
+              </a:lnSpc>
+              <a:spcBef>
+                <a:spcPts val="0"/>
+              </a:spcBef>
+              <a:spcAft>
+                <a:spcPts val="0"/>
+              </a:spcAft>
+              <a:buNone/>
+            </a:pPr>
+            <a:endParaRPr sz="1350" b="0" i="0" u="none" strike="noStrike" cap="none">
+              <a:solidFill>
+                <a:schemeClr val="lt1"/>
+              </a:solidFill>
+              <a:latin typeface="Arial" panose="020B0604020202020204"/>
+              <a:ea typeface="Arial" panose="020B0604020202020204"/>
+              <a:cs typeface="Arial" panose="020B0604020202020204"/>
+              <a:sym typeface="Arial" panose="020B0604020202020204"/>
+            </a:endParaRPr>
+          </a:p>
+        </p:txBody>
+      </p:sp>
+      <p:sp>
+        <p:nvSpPr>
+          <p:cNvPr id="54" name="Google Shape;641;p43">
+            <a:extLst>
+              <a:ext uri="{FF2B5EF4-FFF2-40B4-BE49-F238E27FC236}">
+                <a16:creationId xmlns:a16="http://schemas.microsoft.com/office/drawing/2014/main" id="{8784F8CB-F1EB-C648-97A7-D7DE30FCEC5C}"/>
+              </a:ext>
+            </a:extLst>
+          </p:cNvPr>
+          <p:cNvSpPr/>
+          <p:nvPr/>
+        </p:nvSpPr>
+        <p:spPr>
+          <a:xfrm>
+            <a:off x="996187" y="2790971"/>
+            <a:ext cx="144670" cy="279106"/>
+          </a:xfrm>
+          <a:prstGeom prst="downArrow">
+            <a:avLst>
+              <a:gd name="adj1" fmla="val 50000"/>
+              <a:gd name="adj2" fmla="val 50000"/>
+            </a:avLst>
+          </a:prstGeom>
+          <a:solidFill>
+            <a:schemeClr val="accent1"/>
+          </a:solidFill>
+          <a:ln w="25400" cap="flat" cmpd="sng">
+            <a:solidFill>
+              <a:srgbClr val="AE4E00"/>
+            </a:solidFill>
+            <a:prstDash val="solid"/>
+            <a:round/>
+            <a:headEnd type="none" w="sm" len="sm"/>
+            <a:tailEnd type="none" w="sm" len="sm"/>
+          </a:ln>
+        </p:spPr>
+        <p:txBody>
+          <a:bodyPr spcFirstLastPara="1" wrap="square" lIns="68575" tIns="34275" rIns="68575" bIns="34275" anchor="ctr" anchorCtr="0">
+            <a:noAutofit/>
+          </a:bodyPr>
+          <a:lstStyle/>
+          <a:p>
+            <a:pPr marL="0" marR="0" lvl="0" indent="0" algn="ctr" rtl="0">
+              <a:lnSpc>
+                <a:spcPct val="100000"/>
+              </a:lnSpc>
+              <a:spcBef>
+                <a:spcPts val="0"/>
+              </a:spcBef>
+              <a:spcAft>
+                <a:spcPts val="0"/>
+              </a:spcAft>
+              <a:buNone/>
+            </a:pPr>
+            <a:endParaRPr sz="1350" b="0" i="0" u="none" strike="noStrike" cap="none">
+              <a:solidFill>
+                <a:schemeClr val="lt1"/>
+              </a:solidFill>
+              <a:latin typeface="Arial" panose="020B0604020202020204"/>
+              <a:ea typeface="Arial" panose="020B0604020202020204"/>
+              <a:cs typeface="Arial" panose="020B0604020202020204"/>
+              <a:sym typeface="Arial" panose="020B0604020202020204"/>
+            </a:endParaRPr>
+          </a:p>
+        </p:txBody>
+      </p:sp>
+      <p:sp>
+        <p:nvSpPr>
+          <p:cNvPr id="62" name="Google Shape;642;p43">
+            <a:extLst>
+              <a:ext uri="{FF2B5EF4-FFF2-40B4-BE49-F238E27FC236}">
+                <a16:creationId xmlns:a16="http://schemas.microsoft.com/office/drawing/2014/main" id="{29163F72-80C6-6F44-852D-B7EDC494B32C}"/>
+              </a:ext>
+            </a:extLst>
+          </p:cNvPr>
+          <p:cNvSpPr/>
+          <p:nvPr/>
+        </p:nvSpPr>
+        <p:spPr>
+          <a:xfrm>
+            <a:off x="996187" y="3390111"/>
+            <a:ext cx="144670" cy="279106"/>
+          </a:xfrm>
+          <a:prstGeom prst="downArrow">
+            <a:avLst>
+              <a:gd name="adj1" fmla="val 50000"/>
+              <a:gd name="adj2" fmla="val 50000"/>
+            </a:avLst>
+          </a:prstGeom>
+          <a:solidFill>
+            <a:schemeClr val="accent1"/>
+          </a:solidFill>
+          <a:ln w="25400" cap="flat" cmpd="sng">
+            <a:solidFill>
+              <a:srgbClr val="AE4E00"/>
+            </a:solidFill>
+            <a:prstDash val="solid"/>
+            <a:round/>
+            <a:headEnd type="none" w="sm" len="sm"/>
+            <a:tailEnd type="none" w="sm" len="sm"/>
+          </a:ln>
+        </p:spPr>
+        <p:txBody>
+          <a:bodyPr spcFirstLastPara="1" wrap="square" lIns="68575" tIns="34275" rIns="68575" bIns="34275" anchor="ctr" anchorCtr="0">
+            <a:noAutofit/>
+          </a:bodyPr>
+          <a:lstStyle/>
+          <a:p>
+            <a:pPr marL="0" marR="0" lvl="0" indent="0" algn="ctr" rtl="0">
+              <a:lnSpc>
+                <a:spcPct val="100000"/>
+              </a:lnSpc>
+              <a:spcBef>
+                <a:spcPts val="0"/>
+              </a:spcBef>
+              <a:spcAft>
+                <a:spcPts val="0"/>
+              </a:spcAft>
+              <a:buNone/>
+            </a:pPr>
+            <a:endParaRPr sz="1350" b="0" i="0" u="none" strike="noStrike" cap="none">
+              <a:solidFill>
+                <a:schemeClr val="lt1"/>
+              </a:solidFill>
+              <a:latin typeface="Arial" panose="020B0604020202020204"/>
+              <a:ea typeface="Arial" panose="020B0604020202020204"/>
+              <a:cs typeface="Arial" panose="020B0604020202020204"/>
+              <a:sym typeface="Arial" panose="020B0604020202020204"/>
+            </a:endParaRPr>
+          </a:p>
+        </p:txBody>
+      </p:sp>
+      <p:sp>
+        <p:nvSpPr>
+          <p:cNvPr id="63" name="Google Shape;639;p43">
+            <a:extLst>
+              <a:ext uri="{FF2B5EF4-FFF2-40B4-BE49-F238E27FC236}">
+                <a16:creationId xmlns:a16="http://schemas.microsoft.com/office/drawing/2014/main" id="{63F84E25-B2AF-B14E-BA16-B11D4E91F55C}"/>
+              </a:ext>
+            </a:extLst>
+          </p:cNvPr>
+          <p:cNvSpPr/>
+          <p:nvPr/>
+        </p:nvSpPr>
+        <p:spPr>
+          <a:xfrm>
+            <a:off x="432199" y="4348831"/>
+            <a:ext cx="3246600" cy="300000"/>
+          </a:xfrm>
+          <a:prstGeom prst="rect">
+            <a:avLst/>
+          </a:prstGeom>
+          <a:noFill/>
+          <a:ln>
+            <a:noFill/>
+          </a:ln>
+        </p:spPr>
+        <p:txBody>
+          <a:bodyPr spcFirstLastPara="1" wrap="square" lIns="91425" tIns="45700" rIns="91425" bIns="45700" anchor="t" anchorCtr="0">
+            <a:noAutofit/>
+          </a:bodyPr>
+          <a:lstStyle/>
+          <a:p>
+            <a:pPr marL="0" marR="0" lvl="0" indent="0" algn="l" rtl="0">
+              <a:lnSpc>
+                <a:spcPct val="100000"/>
+              </a:lnSpc>
+              <a:spcBef>
+                <a:spcPts val="0"/>
+              </a:spcBef>
+              <a:spcAft>
+                <a:spcPts val="0"/>
+              </a:spcAft>
+              <a:buNone/>
+            </a:pPr>
+            <a:r>
+              <a:rPr lang="en-US" sz="1350" b="0" i="0" u="none" strike="noStrike" cap="none" dirty="0" err="1">
+                <a:solidFill>
+                  <a:srgbClr val="000000"/>
+                </a:solidFill>
+                <a:latin typeface="Arial" panose="020B0604020202020204"/>
+                <a:ea typeface="Arial" panose="020B0604020202020204"/>
+                <a:cs typeface="Arial" panose="020B0604020202020204"/>
+                <a:sym typeface="Arial" panose="020B0604020202020204"/>
+              </a:rPr>
+              <a:t>transport.</a:t>
+            </a:r>
+            <a:r>
+              <a:rPr lang="en-US" altLang="zh-CN" sz="1350" b="0" i="0" u="none" strike="noStrike" cap="none" dirty="0" err="1">
+                <a:solidFill>
+                  <a:srgbClr val="000000"/>
+                </a:solidFill>
+                <a:latin typeface="Arial" panose="020B0604020202020204"/>
+                <a:ea typeface="Arial" panose="020B0604020202020204"/>
+                <a:cs typeface="Arial" panose="020B0604020202020204"/>
+                <a:sym typeface="Arial" panose="020B0604020202020204"/>
+              </a:rPr>
+              <a:t>Send</a:t>
+            </a:r>
+            <a:r>
+              <a:rPr lang="en-US" sz="1350" b="0" i="0" u="none" strike="noStrike" cap="none" dirty="0">
+                <a:solidFill>
+                  <a:srgbClr val="000000"/>
+                </a:solidFill>
+                <a:latin typeface="Arial" panose="020B0604020202020204"/>
+                <a:ea typeface="Arial" panose="020B0604020202020204"/>
+                <a:cs typeface="Arial" panose="020B0604020202020204"/>
+                <a:sym typeface="Arial" panose="020B0604020202020204"/>
+              </a:rPr>
+              <a:t> =&gt; </a:t>
+            </a:r>
+            <a:r>
+              <a:rPr lang="zh-CN" altLang="en-US" sz="1350" b="0" i="0" u="none" strike="noStrike" cap="none" dirty="0">
+                <a:solidFill>
+                  <a:srgbClr val="000000"/>
+                </a:solidFill>
+                <a:latin typeface="Arial" panose="020B0604020202020204"/>
+                <a:ea typeface="Arial" panose="020B0604020202020204"/>
+                <a:cs typeface="Arial" panose="020B0604020202020204"/>
+                <a:sym typeface="Arial" panose="020B0604020202020204"/>
+              </a:rPr>
+              <a:t>  </a:t>
+            </a:r>
+            <a:r>
+              <a:rPr lang="en-US" sz="1350" b="0" i="0" u="none" strike="noStrike" cap="none" dirty="0" err="1">
+                <a:solidFill>
+                  <a:srgbClr val="000000"/>
+                </a:solidFill>
+                <a:latin typeface="Arial" panose="020B0604020202020204"/>
+                <a:ea typeface="Arial" panose="020B0604020202020204"/>
+                <a:cs typeface="Arial" panose="020B0604020202020204"/>
+                <a:sym typeface="Arial" panose="020B0604020202020204"/>
+              </a:rPr>
+              <a:t>transport.</a:t>
+            </a:r>
+            <a:r>
+              <a:rPr lang="en-US" altLang="zh-CN" sz="1350" b="0" i="0" u="none" strike="noStrike" cap="none" dirty="0" err="1">
+                <a:solidFill>
+                  <a:srgbClr val="000000"/>
+                </a:solidFill>
+                <a:latin typeface="Arial" panose="020B0604020202020204"/>
+                <a:ea typeface="Arial" panose="020B0604020202020204"/>
+                <a:cs typeface="Arial" panose="020B0604020202020204"/>
+                <a:sym typeface="Arial" panose="020B0604020202020204"/>
+              </a:rPr>
+              <a:t>Recv</a:t>
+            </a:r>
+            <a:endParaRPr sz="1350" b="0" i="0" u="none" strike="noStrike" cap="none" dirty="0">
+              <a:solidFill>
+                <a:srgbClr val="000000"/>
+              </a:solidFill>
+              <a:latin typeface="Arial" panose="020B0604020202020204"/>
+              <a:ea typeface="Arial" panose="020B0604020202020204"/>
+              <a:cs typeface="Arial" panose="020B0604020202020204"/>
+              <a:sym typeface="Arial" panose="020B0604020202020204"/>
+            </a:endParaRPr>
+          </a:p>
+        </p:txBody>
+      </p:sp>
+      <p:sp>
+        <p:nvSpPr>
+          <p:cNvPr id="64" name="Google Shape;642;p43">
+            <a:extLst>
+              <a:ext uri="{FF2B5EF4-FFF2-40B4-BE49-F238E27FC236}">
+                <a16:creationId xmlns:a16="http://schemas.microsoft.com/office/drawing/2014/main" id="{B234C1DF-B723-9C4A-BD62-6C489AA28BF6}"/>
+              </a:ext>
+            </a:extLst>
+          </p:cNvPr>
+          <p:cNvSpPr/>
+          <p:nvPr/>
+        </p:nvSpPr>
+        <p:spPr>
+          <a:xfrm>
+            <a:off x="985987" y="4059750"/>
+            <a:ext cx="144670" cy="279106"/>
+          </a:xfrm>
+          <a:prstGeom prst="downArrow">
+            <a:avLst>
+              <a:gd name="adj1" fmla="val 50000"/>
+              <a:gd name="adj2" fmla="val 50000"/>
+            </a:avLst>
+          </a:prstGeom>
+          <a:solidFill>
+            <a:schemeClr val="accent1"/>
+          </a:solidFill>
+          <a:ln w="25400" cap="flat" cmpd="sng">
+            <a:solidFill>
+              <a:srgbClr val="AE4E00"/>
+            </a:solidFill>
+            <a:prstDash val="solid"/>
+            <a:round/>
+            <a:headEnd type="none" w="sm" len="sm"/>
+            <a:tailEnd type="none" w="sm" len="sm"/>
+          </a:ln>
+        </p:spPr>
+        <p:txBody>
+          <a:bodyPr spcFirstLastPara="1" wrap="square" lIns="68575" tIns="34275" rIns="68575" bIns="34275" anchor="ctr" anchorCtr="0">
+            <a:noAutofit/>
+          </a:bodyPr>
+          <a:lstStyle/>
+          <a:p>
+            <a:pPr marL="0" marR="0" lvl="0" indent="0" algn="ctr" rtl="0">
+              <a:lnSpc>
+                <a:spcPct val="100000"/>
+              </a:lnSpc>
+              <a:spcBef>
+                <a:spcPts val="0"/>
+              </a:spcBef>
+              <a:spcAft>
+                <a:spcPts val="0"/>
+              </a:spcAft>
+              <a:buNone/>
+            </a:pPr>
+            <a:endParaRPr sz="1350" b="0" i="0" u="none" strike="noStrike" cap="none">
+              <a:solidFill>
+                <a:schemeClr val="lt1"/>
+              </a:solidFill>
+              <a:latin typeface="Arial" panose="020B0604020202020204"/>
+              <a:ea typeface="Arial" panose="020B0604020202020204"/>
+              <a:cs typeface="Arial" panose="020B0604020202020204"/>
+              <a:sym typeface="Arial" panose="020B0604020202020204"/>
+            </a:endParaRPr>
+          </a:p>
+        </p:txBody>
+      </p:sp>
+      <p:sp>
+        <p:nvSpPr>
+          <p:cNvPr id="65" name="Google Shape;639;p43">
+            <a:extLst>
+              <a:ext uri="{FF2B5EF4-FFF2-40B4-BE49-F238E27FC236}">
+                <a16:creationId xmlns:a16="http://schemas.microsoft.com/office/drawing/2014/main" id="{0C21EB4A-2665-AD43-89B4-CEFB6764A070}"/>
+              </a:ext>
+            </a:extLst>
+          </p:cNvPr>
+          <p:cNvSpPr/>
+          <p:nvPr/>
+        </p:nvSpPr>
+        <p:spPr>
+          <a:xfrm>
+            <a:off x="432199" y="5104126"/>
+            <a:ext cx="3246600" cy="300000"/>
+          </a:xfrm>
+          <a:prstGeom prst="rect">
+            <a:avLst/>
+          </a:prstGeom>
+          <a:noFill/>
+          <a:ln>
+            <a:noFill/>
+          </a:ln>
+        </p:spPr>
+        <p:txBody>
+          <a:bodyPr spcFirstLastPara="1" wrap="square" lIns="91425" tIns="45700" rIns="91425" bIns="45700" anchor="t" anchorCtr="0">
+            <a:noAutofit/>
+          </a:bodyPr>
+          <a:lstStyle/>
+          <a:p>
+            <a:pPr marL="0" marR="0" lvl="0" indent="0" algn="l" rtl="0">
+              <a:lnSpc>
+                <a:spcPct val="100000"/>
+              </a:lnSpc>
+              <a:spcBef>
+                <a:spcPts val="0"/>
+              </a:spcBef>
+              <a:spcAft>
+                <a:spcPts val="0"/>
+              </a:spcAft>
+              <a:buNone/>
+            </a:pPr>
+            <a:r>
+              <a:rPr lang="en-US" sz="1350" b="0" i="0" u="none" strike="noStrike" cap="none" dirty="0" err="1">
+                <a:solidFill>
+                  <a:srgbClr val="000000"/>
+                </a:solidFill>
+                <a:latin typeface="Arial" panose="020B0604020202020204"/>
+                <a:ea typeface="Arial" panose="020B0604020202020204"/>
+                <a:cs typeface="Arial" panose="020B0604020202020204"/>
+                <a:sym typeface="Arial" panose="020B0604020202020204"/>
+              </a:rPr>
+              <a:t>transport.</a:t>
+            </a:r>
+            <a:r>
+              <a:rPr lang="en-US" altLang="zh-CN" sz="1350" b="0" i="0" u="none" strike="noStrike" cap="none" dirty="0" err="1">
+                <a:solidFill>
+                  <a:srgbClr val="000000"/>
+                </a:solidFill>
+                <a:latin typeface="Arial" panose="020B0604020202020204"/>
+                <a:ea typeface="Arial" panose="020B0604020202020204"/>
+                <a:cs typeface="Arial" panose="020B0604020202020204"/>
+                <a:sym typeface="Arial" panose="020B0604020202020204"/>
+              </a:rPr>
+              <a:t>Recv</a:t>
+            </a:r>
+            <a:r>
+              <a:rPr lang="en-US" sz="1350" b="0" i="0" u="none" strike="noStrike" cap="none" dirty="0">
+                <a:solidFill>
+                  <a:srgbClr val="000000"/>
+                </a:solidFill>
+                <a:latin typeface="Arial" panose="020B0604020202020204"/>
+                <a:ea typeface="Arial" panose="020B0604020202020204"/>
+                <a:cs typeface="Arial" panose="020B0604020202020204"/>
+                <a:sym typeface="Arial" panose="020B0604020202020204"/>
+              </a:rPr>
+              <a:t> </a:t>
+            </a:r>
+            <a:r>
+              <a:rPr lang="zh-CN" altLang="en-US" sz="1350" b="0" i="0" u="none" strike="noStrike" cap="none" dirty="0">
+                <a:solidFill>
+                  <a:srgbClr val="000000"/>
+                </a:solidFill>
+                <a:latin typeface="Arial" panose="020B0604020202020204"/>
+                <a:ea typeface="Arial" panose="020B0604020202020204"/>
+                <a:cs typeface="Arial" panose="020B0604020202020204"/>
+                <a:sym typeface="Arial" panose="020B0604020202020204"/>
+              </a:rPr>
+              <a:t> </a:t>
+            </a:r>
+            <a:r>
+              <a:rPr lang="en-US" altLang="zh-CN" sz="1350" b="0" i="0" u="none" strike="noStrike" cap="none" dirty="0">
+                <a:solidFill>
+                  <a:srgbClr val="000000"/>
+                </a:solidFill>
+                <a:latin typeface="Arial" panose="020B0604020202020204"/>
+                <a:ea typeface="Arial" panose="020B0604020202020204"/>
+                <a:cs typeface="Arial" panose="020B0604020202020204"/>
+                <a:sym typeface="Arial" panose="020B0604020202020204"/>
+              </a:rPr>
+              <a:t>&lt;</a:t>
+            </a:r>
+            <a:r>
+              <a:rPr lang="en-US" sz="1350" b="0" i="0" u="none" strike="noStrike" cap="none" dirty="0">
+                <a:solidFill>
+                  <a:srgbClr val="000000"/>
+                </a:solidFill>
+                <a:latin typeface="Arial" panose="020B0604020202020204"/>
+                <a:ea typeface="Arial" panose="020B0604020202020204"/>
+                <a:cs typeface="Arial" panose="020B0604020202020204"/>
+                <a:sym typeface="Arial" panose="020B0604020202020204"/>
+              </a:rPr>
+              <a:t>=</a:t>
+            </a:r>
+            <a:r>
+              <a:rPr lang="zh-CN" altLang="en-US" sz="1350" b="0" i="0" u="none" strike="noStrike" cap="none" dirty="0">
+                <a:solidFill>
+                  <a:srgbClr val="000000"/>
+                </a:solidFill>
+                <a:latin typeface="Arial" panose="020B0604020202020204"/>
+                <a:ea typeface="Arial" panose="020B0604020202020204"/>
+                <a:cs typeface="Arial" panose="020B0604020202020204"/>
+                <a:sym typeface="Arial" panose="020B0604020202020204"/>
+              </a:rPr>
+              <a:t>  </a:t>
+            </a:r>
+            <a:r>
+              <a:rPr lang="en-US" sz="1350" b="0" i="0" u="none" strike="noStrike" cap="none" dirty="0" err="1">
+                <a:solidFill>
+                  <a:srgbClr val="000000"/>
+                </a:solidFill>
+                <a:latin typeface="Arial" panose="020B0604020202020204"/>
+                <a:ea typeface="Arial" panose="020B0604020202020204"/>
+                <a:cs typeface="Arial" panose="020B0604020202020204"/>
+                <a:sym typeface="Arial" panose="020B0604020202020204"/>
+              </a:rPr>
+              <a:t>transport.</a:t>
+            </a:r>
+            <a:r>
+              <a:rPr lang="en-US" altLang="zh-CN" sz="1350" b="0" i="0" u="none" strike="noStrike" cap="none" dirty="0" err="1">
+                <a:solidFill>
+                  <a:srgbClr val="000000"/>
+                </a:solidFill>
+                <a:latin typeface="Arial" panose="020B0604020202020204"/>
+                <a:ea typeface="Arial" panose="020B0604020202020204"/>
+                <a:cs typeface="Arial" panose="020B0604020202020204"/>
+                <a:sym typeface="Arial" panose="020B0604020202020204"/>
+              </a:rPr>
+              <a:t>Send</a:t>
+            </a:r>
+            <a:endParaRPr sz="1350" b="0" i="0" u="none" strike="noStrike" cap="none" dirty="0">
+              <a:solidFill>
+                <a:srgbClr val="000000"/>
+              </a:solidFill>
+              <a:latin typeface="Arial" panose="020B0604020202020204"/>
+              <a:ea typeface="Arial" panose="020B0604020202020204"/>
+              <a:cs typeface="Arial" panose="020B0604020202020204"/>
+              <a:sym typeface="Arial" panose="020B0604020202020204"/>
+            </a:endParaRPr>
+          </a:p>
+        </p:txBody>
+      </p:sp>
+      <p:sp>
+        <p:nvSpPr>
+          <p:cNvPr id="66" name="Google Shape;642;p43">
+            <a:extLst>
+              <a:ext uri="{FF2B5EF4-FFF2-40B4-BE49-F238E27FC236}">
+                <a16:creationId xmlns:a16="http://schemas.microsoft.com/office/drawing/2014/main" id="{6A26F3B5-FE36-6542-A161-9FB2B8830503}"/>
+              </a:ext>
+            </a:extLst>
+          </p:cNvPr>
+          <p:cNvSpPr/>
+          <p:nvPr/>
+        </p:nvSpPr>
+        <p:spPr>
+          <a:xfrm>
+            <a:off x="985987" y="4815045"/>
+            <a:ext cx="144670" cy="279106"/>
+          </a:xfrm>
+          <a:prstGeom prst="downArrow">
+            <a:avLst>
+              <a:gd name="adj1" fmla="val 50000"/>
+              <a:gd name="adj2" fmla="val 50000"/>
+            </a:avLst>
+          </a:prstGeom>
+          <a:solidFill>
+            <a:schemeClr val="accent1"/>
+          </a:solidFill>
+          <a:ln w="25400" cap="flat" cmpd="sng">
+            <a:solidFill>
+              <a:srgbClr val="AE4E00"/>
+            </a:solidFill>
+            <a:prstDash val="solid"/>
+            <a:round/>
+            <a:headEnd type="none" w="sm" len="sm"/>
+            <a:tailEnd type="none" w="sm" len="sm"/>
+          </a:ln>
+        </p:spPr>
+        <p:txBody>
+          <a:bodyPr spcFirstLastPara="1" wrap="square" lIns="68575" tIns="34275" rIns="68575" bIns="34275" anchor="ctr" anchorCtr="0">
+            <a:noAutofit/>
+          </a:bodyPr>
+          <a:lstStyle/>
+          <a:p>
+            <a:pPr marL="0" marR="0" lvl="0" indent="0" algn="ctr" rtl="0">
+              <a:lnSpc>
+                <a:spcPct val="100000"/>
+              </a:lnSpc>
+              <a:spcBef>
+                <a:spcPts val="0"/>
+              </a:spcBef>
+              <a:spcAft>
+                <a:spcPts val="0"/>
+              </a:spcAft>
+              <a:buNone/>
+            </a:pPr>
+            <a:endParaRPr sz="1350" b="0" i="0" u="none" strike="noStrike" cap="none">
+              <a:solidFill>
+                <a:schemeClr val="lt1"/>
+              </a:solidFill>
+              <a:latin typeface="Arial" panose="020B0604020202020204"/>
+              <a:ea typeface="Arial" panose="020B0604020202020204"/>
+              <a:cs typeface="Arial" panose="020B0604020202020204"/>
+              <a:sym typeface="Arial" panose="020B0604020202020204"/>
+            </a:endParaRPr>
+          </a:p>
+        </p:txBody>
+      </p:sp>
+    </p:spTree>
+    <p:extLst>
+      <p:ext uri="{BB962C8B-B14F-4D97-AF65-F5344CB8AC3E}">
+        <p14:creationId xmlns:p14="http://schemas.microsoft.com/office/powerpoint/2010/main" val="1116015401"/>
+      </p:ext>
+    </p:extLst>
+  </p:cSld>
+  <p:clrMapOvr>
+    <a:masterClrMapping/>
+  </p:clrMapOvr>
+</p:sld>
+</file>
+
+<file path=ppt/slides/slide16.xml><?xml version="1.0" encoding="utf-8"?>
+<p:sld xmlns:a="http://schemas.openxmlformats.org/drawingml/2006/main" xmlns:r="http://schemas.openxmlformats.org/officeDocument/2006/relationships" xmlns:p="http://schemas.openxmlformats.org/presentationml/2006/main">
+  <p:cSld>
+    <p:spTree>
+      <p:nvGrpSpPr>
+        <p:cNvPr id="1" name=""/>
+        <p:cNvGrpSpPr/>
+        <p:nvPr/>
+      </p:nvGrpSpPr>
+      <p:grpSpPr>
+        <a:xfrm>
+          <a:off x="0" y="0"/>
+          <a:ext cx="0" cy="0"/>
+          <a:chOff x="0" y="0"/>
+          <a:chExt cx="0" cy="0"/>
+        </a:xfrm>
+      </p:grpSpPr>
+      <p:sp>
+        <p:nvSpPr>
+          <p:cNvPr id="2" name="标题 1">
+            <a:extLst>
+              <a:ext uri="{FF2B5EF4-FFF2-40B4-BE49-F238E27FC236}">
                 <a16:creationId xmlns:a16="http://schemas.microsoft.com/office/drawing/2014/main" id="{A8C03519-6965-274C-BFB9-F99AF25486EC}"/>
               </a:ext>
             </a:extLst>
@@ -8201,7 +8753,7 @@
 </p:sld>
 </file>
 
-<file path=ppt/slides/slide16.xml><?xml version="1.0" encoding="utf-8"?>
+<file path=ppt/slides/slide17.xml><?xml version="1.0" encoding="utf-8"?>
 <p:sld xmlns:a="http://schemas.openxmlformats.org/drawingml/2006/main" xmlns:r="http://schemas.openxmlformats.org/officeDocument/2006/relationships" xmlns:p="http://schemas.openxmlformats.org/presentationml/2006/main">
   <p:cSld>
     <p:spTree>
@@ -8531,7 +9083,7 @@
               <a:rPr lang="zh-CN" altLang="en-US" dirty="0">
                 <a:cs typeface="Arial" panose="020B0604020202020204" pitchFamily="34" charset="0"/>
               </a:rPr>
-              <a:t>主导金融中心成本管理、演练、云化等公司级行动</a:t>
+              <a:t>主导金融中心成本管理、容灾演练、云化等公司级行动</a:t>
             </a:r>
             <a:endParaRPr lang="en-US" altLang="zh-CN" sz="1600" dirty="0">
               <a:cs typeface="Arial" panose="020B0604020202020204" pitchFamily="34" charset="0"/>
@@ -8554,215 +9106,6 @@
                   <a:lumOff val="35000"/>
                 </a:schemeClr>
               </a:solidFill>
-              <a:cs typeface="Arial" panose="020B0604020202020204" pitchFamily="34" charset="0"/>
-            </a:endParaRPr>
-          </a:p>
-        </p:txBody>
-      </p:sp>
-      <p:sp>
-        <p:nvSpPr>
-          <p:cNvPr id="54" name="内容占位符 3"/>
-          <p:cNvSpPr txBox="1">
-            <a:spLocks/>
-          </p:cNvSpPr>
-          <p:nvPr/>
-        </p:nvSpPr>
-        <p:spPr>
-          <a:xfrm>
-            <a:off x="576233" y="3821376"/>
-            <a:ext cx="5797135" cy="2505682"/>
-          </a:xfrm>
-          <a:prstGeom prst="rect">
-            <a:avLst/>
-          </a:prstGeom>
-        </p:spPr>
-        <p:txBody>
-          <a:bodyPr vert="horz" lIns="91440" tIns="45720" rIns="91440" bIns="45720" rtlCol="0">
-            <a:noAutofit/>
-          </a:bodyPr>
-          <a:lstStyle>
-            <a:lvl1pPr marL="228600" indent="-228600" algn="l" defTabSz="914400" rtl="0" eaLnBrk="1" latinLnBrk="0" hangingPunct="1">
-              <a:lnSpc>
-                <a:spcPct val="90000"/>
-              </a:lnSpc>
-              <a:spcBef>
-                <a:spcPct val="30000"/>
-              </a:spcBef>
-              <a:buFont typeface="Arial" panose="020B0604020202020204" pitchFamily="34" charset="0"/>
-              <a:buChar char="•"/>
-              <a:defRPr sz="2800" kern="1200">
-                <a:solidFill>
-                  <a:schemeClr val="tx1"/>
-                </a:solidFill>
-                <a:latin typeface="+mn-lt"/>
-                <a:ea typeface="+mn-ea"/>
-                <a:cs typeface="+mn-cs"/>
-              </a:defRPr>
-            </a:lvl1pPr>
-            <a:lvl2pPr marL="685800" indent="-228600" algn="l" defTabSz="914400" rtl="0" eaLnBrk="1" latinLnBrk="0" hangingPunct="1">
-              <a:lnSpc>
-                <a:spcPct val="90000"/>
-              </a:lnSpc>
-              <a:spcBef>
-                <a:spcPct val="30000"/>
-              </a:spcBef>
-              <a:buFont typeface="Arial" panose="020B0604020202020204" pitchFamily="34" charset="0"/>
-              <a:buChar char="•"/>
-              <a:defRPr sz="2400" kern="1200">
-                <a:solidFill>
-                  <a:schemeClr val="tx1"/>
-                </a:solidFill>
-                <a:latin typeface="+mn-lt"/>
-                <a:ea typeface="+mn-ea"/>
-                <a:cs typeface="+mn-cs"/>
-              </a:defRPr>
-            </a:lvl2pPr>
-            <a:lvl3pPr marL="1143000" indent="-228600" algn="l" defTabSz="914400" rtl="0" eaLnBrk="1" latinLnBrk="0" hangingPunct="1">
-              <a:lnSpc>
-                <a:spcPct val="90000"/>
-              </a:lnSpc>
-              <a:spcBef>
-                <a:spcPct val="30000"/>
-              </a:spcBef>
-              <a:buFont typeface="Arial" panose="020B0604020202020204" pitchFamily="34" charset="0"/>
-              <a:buChar char="•"/>
-              <a:defRPr sz="2000" kern="1200">
-                <a:solidFill>
-                  <a:schemeClr val="tx1"/>
-                </a:solidFill>
-                <a:latin typeface="+mn-lt"/>
-                <a:ea typeface="+mn-ea"/>
-                <a:cs typeface="+mn-cs"/>
-              </a:defRPr>
-            </a:lvl3pPr>
-            <a:lvl4pPr marL="1600200" indent="-228600" algn="l" defTabSz="914400" rtl="0" eaLnBrk="1" latinLnBrk="0" hangingPunct="1">
-              <a:lnSpc>
-                <a:spcPct val="90000"/>
-              </a:lnSpc>
-              <a:spcBef>
-                <a:spcPct val="30000"/>
-              </a:spcBef>
-              <a:buFont typeface="Arial" panose="020B0604020202020204" pitchFamily="34" charset="0"/>
-              <a:buChar char="•"/>
-              <a:defRPr sz="1800" kern="1200">
-                <a:solidFill>
-                  <a:schemeClr val="tx1"/>
-                </a:solidFill>
-                <a:latin typeface="+mn-lt"/>
-                <a:ea typeface="+mn-ea"/>
-                <a:cs typeface="+mn-cs"/>
-              </a:defRPr>
-            </a:lvl4pPr>
-            <a:lvl5pPr marL="2057400" indent="-228600" algn="l" defTabSz="914400" rtl="0" eaLnBrk="1" latinLnBrk="0" hangingPunct="1">
-              <a:lnSpc>
-                <a:spcPct val="90000"/>
-              </a:lnSpc>
-              <a:spcBef>
-                <a:spcPct val="30000"/>
-              </a:spcBef>
-              <a:buFont typeface="Arial" panose="020B0604020202020204" pitchFamily="34" charset="0"/>
-              <a:buChar char="•"/>
-              <a:defRPr sz="1800" kern="1200">
-                <a:solidFill>
-                  <a:schemeClr val="tx1"/>
-                </a:solidFill>
-                <a:latin typeface="+mn-lt"/>
-                <a:ea typeface="+mn-ea"/>
-                <a:cs typeface="+mn-cs"/>
-              </a:defRPr>
-            </a:lvl5pPr>
-            <a:lvl6pPr marL="2514600" indent="-228600" algn="l" defTabSz="914400" rtl="0" eaLnBrk="1" latinLnBrk="0" hangingPunct="1">
-              <a:lnSpc>
-                <a:spcPct val="90000"/>
-              </a:lnSpc>
-              <a:spcBef>
-                <a:spcPct val="30000"/>
-              </a:spcBef>
-              <a:buFont typeface="Arial" panose="020B0604020202020204" pitchFamily="34" charset="0"/>
-              <a:buChar char="•"/>
-              <a:defRPr sz="1800" kern="1200">
-                <a:solidFill>
-                  <a:schemeClr val="tx1"/>
-                </a:solidFill>
-                <a:latin typeface="+mn-lt"/>
-                <a:ea typeface="+mn-ea"/>
-                <a:cs typeface="+mn-cs"/>
-              </a:defRPr>
-            </a:lvl6pPr>
-            <a:lvl7pPr marL="2971800" indent="-228600" algn="l" defTabSz="914400" rtl="0" eaLnBrk="1" latinLnBrk="0" hangingPunct="1">
-              <a:lnSpc>
-                <a:spcPct val="90000"/>
-              </a:lnSpc>
-              <a:spcBef>
-                <a:spcPct val="30000"/>
-              </a:spcBef>
-              <a:buFont typeface="Arial" panose="020B0604020202020204" pitchFamily="34" charset="0"/>
-              <a:buChar char="•"/>
-              <a:defRPr sz="1800" kern="1200">
-                <a:solidFill>
-                  <a:schemeClr val="tx1"/>
-                </a:solidFill>
-                <a:latin typeface="+mn-lt"/>
-                <a:ea typeface="+mn-ea"/>
-                <a:cs typeface="+mn-cs"/>
-              </a:defRPr>
-            </a:lvl7pPr>
-            <a:lvl8pPr marL="3429000" indent="-228600" algn="l" defTabSz="914400" rtl="0" eaLnBrk="1" latinLnBrk="0" hangingPunct="1">
-              <a:lnSpc>
-                <a:spcPct val="90000"/>
-              </a:lnSpc>
-              <a:spcBef>
-                <a:spcPct val="30000"/>
-              </a:spcBef>
-              <a:buFont typeface="Arial" panose="020B0604020202020204" pitchFamily="34" charset="0"/>
-              <a:buChar char="•"/>
-              <a:defRPr sz="1800" kern="1200">
-                <a:solidFill>
-                  <a:schemeClr val="tx1"/>
-                </a:solidFill>
-                <a:latin typeface="+mn-lt"/>
-                <a:ea typeface="+mn-ea"/>
-                <a:cs typeface="+mn-cs"/>
-              </a:defRPr>
-            </a:lvl8pPr>
-            <a:lvl9pPr marL="3886200" indent="-228600" algn="l" defTabSz="914400" rtl="0" eaLnBrk="1" latinLnBrk="0" hangingPunct="1">
-              <a:lnSpc>
-                <a:spcPct val="90000"/>
-              </a:lnSpc>
-              <a:spcBef>
-                <a:spcPct val="30000"/>
-              </a:spcBef>
-              <a:buFont typeface="Arial" panose="020B0604020202020204" pitchFamily="34" charset="0"/>
-              <a:buChar char="•"/>
-              <a:defRPr sz="1800" kern="1200">
-                <a:solidFill>
-                  <a:schemeClr val="tx1"/>
-                </a:solidFill>
-                <a:latin typeface="+mn-lt"/>
-                <a:ea typeface="+mn-ea"/>
-                <a:cs typeface="+mn-cs"/>
-              </a:defRPr>
-            </a:lvl9pPr>
-          </a:lstStyle>
-          <a:p>
-            <a:pPr marL="0" indent="0" rtl="0">
-              <a:lnSpc>
-                <a:spcPct val="150000"/>
-              </a:lnSpc>
-              <a:spcAft>
-                <a:spcPts val="1200"/>
-              </a:spcAft>
-              <a:buNone/>
-            </a:pPr>
-            <a:endParaRPr lang="zh-CN" altLang="en-US" sz="1600" dirty="0">
-              <a:solidFill>
-                <a:schemeClr val="tx1">
-                  <a:lumMod val="65000"/>
-                  <a:lumOff val="35000"/>
-                </a:schemeClr>
-              </a:solidFill>
-              <a:latin typeface="Microsoft YaHei UI" panose="020B0503020204020204" pitchFamily="34" charset="-122"/>
-              <a:ea typeface="Microsoft YaHei UI" panose="020B0503020204020204" pitchFamily="34" charset="-122"/>
               <a:cs typeface="Arial" panose="020B0604020202020204" pitchFamily="34" charset="0"/>
             </a:endParaRPr>
           </a:p>
@@ -8896,6 +9239,29 @@
               </a:rPr>
               <a:t>微服务通信框架</a:t>
             </a:r>
+            <a:endParaRPr lang="en-US" altLang="zh-CN" dirty="0">
+              <a:cs typeface="Arial" panose="020B0604020202020204" pitchFamily="34" charset="0"/>
+            </a:endParaRPr>
+          </a:p>
+          <a:p>
+            <a:pPr marL="342900" indent="-342900" rtl="0">
+              <a:lnSpc>
+                <a:spcPct val="150000"/>
+              </a:lnSpc>
+              <a:spcAft>
+                <a:spcPts val="1200"/>
+              </a:spcAft>
+              <a:buAutoNum type="arabicPeriod"/>
+            </a:pPr>
+            <a:r>
+              <a:rPr lang="zh-CN" altLang="en-US" dirty="0">
+                <a:cs typeface="Arial" panose="020B0604020202020204" pitchFamily="34" charset="0"/>
+              </a:rPr>
+              <a:t>营销案例分享</a:t>
+            </a:r>
+            <a:endParaRPr lang="en-US" altLang="zh-CN" dirty="0">
+              <a:cs typeface="Arial" panose="020B0604020202020204" pitchFamily="34" charset="0"/>
+            </a:endParaRPr>
           </a:p>
         </p:txBody>
       </p:sp>

--- a/job/me/个人介绍.pptx
+++ b/job/me/个人介绍.pptx
@@ -5,10 +5,10 @@
     <p:sldMasterId id="2147483660" r:id="rId1"/>
   </p:sldMasterIdLst>
   <p:notesMasterIdLst>
-    <p:notesMasterId r:id="rId19"/>
+    <p:notesMasterId r:id="rId20"/>
   </p:notesMasterIdLst>
   <p:handoutMasterIdLst>
-    <p:handoutMasterId r:id="rId20"/>
+    <p:handoutMasterId r:id="rId21"/>
   </p:handoutMasterIdLst>
   <p:sldIdLst>
     <p:sldId id="273" r:id="rId2"/>
@@ -27,7 +27,8 @@
     <p:sldId id="280" r:id="rId15"/>
     <p:sldId id="281" r:id="rId16"/>
     <p:sldId id="282" r:id="rId17"/>
-    <p:sldId id="285" r:id="rId18"/>
+    <p:sldId id="291" r:id="rId18"/>
+    <p:sldId id="285" r:id="rId19"/>
   </p:sldIdLst>
   <p:sldSz cx="12192000" cy="6858000"/>
   <p:notesSz cx="6858000" cy="9144000"/>
@@ -151,6 +152,7 @@
             <p14:sldId id="280"/>
             <p14:sldId id="281"/>
             <p14:sldId id="282"/>
+            <p14:sldId id="291"/>
             <p14:sldId id="285"/>
           </p14:sldIdLst>
         </p14:section>
@@ -286,7 +288,7 @@
                 <a:latin typeface="Microsoft YaHei UI" panose="020B0503020204020204" pitchFamily="34" charset="-122"/>
                 <a:ea typeface="Microsoft YaHei UI" panose="020B0503020204020204" pitchFamily="34" charset="-122"/>
               </a:rPr>
-              <a:t>2022年1月15日</a:t>
+              <a:t>2022年1月18日</a:t>
             </a:fld>
             <a:endParaRPr lang="zh-CN" altLang="en-US" dirty="0">
               <a:latin typeface="Microsoft YaHei UI" panose="020B0503020204020204" pitchFamily="34" charset="-122"/>
@@ -483,7 +485,7 @@
             <a:fld id="{70747F27-0AFF-49DE-ABD2-AA502995B8AE}" type="datetime2">
               <a:rPr lang="zh-CN" altLang="en-US" smtClean="0"/>
               <a:pPr/>
-              <a:t>2022年1月15日</a:t>
+              <a:t>2022年1月18日</a:t>
             </a:fld>
             <a:endParaRPr lang="en-US" dirty="0"/>
           </a:p>
@@ -2277,7 +2279,7 @@
             <a:fld id="{94B3CDE5-BC73-4849-8D92-CB00948283D7}" type="datetime2">
               <a:rPr lang="zh-CN" altLang="en-US" smtClean="0"/>
               <a:pPr/>
-              <a:t>2022年1月15日</a:t>
+              <a:t>2022年1月18日</a:t>
             </a:fld>
             <a:endParaRPr lang="en-US"/>
           </a:p>
@@ -2520,7 +2522,7 @@
             <a:fld id="{131E3292-D461-4042-A5EB-629C7A8279A7}" type="datetime2">
               <a:rPr lang="zh-CN" altLang="en-US" smtClean="0"/>
               <a:pPr/>
-              <a:t>2022年1月15日</a:t>
+              <a:t>2022年1月18日</a:t>
             </a:fld>
             <a:endParaRPr lang="zh-CN" altLang="en-US" dirty="0"/>
           </a:p>
@@ -3782,7 +3784,7 @@
               <a:rPr lang="zh-CN" altLang="en-US" dirty="0">
                 <a:cs typeface="Arial" panose="020B0604020202020204" pitchFamily="34" charset="0"/>
               </a:rPr>
-              <a:t>流量调度与服务治理</a:t>
+              <a:t>服务治理</a:t>
             </a:r>
           </a:p>
         </p:txBody>
@@ -3839,7 +3841,7 @@
           <a:lstStyle/>
           <a:p>
             <a:r>
-              <a:rPr kumimoji="1" lang="zh-CN" altLang="en-US" dirty="0">
+              <a:rPr kumimoji="1" lang="zh-CN" altLang="en-US">
                 <a:cs typeface="Arial" panose="020B0604020202020204" pitchFamily="34" charset="0"/>
               </a:rPr>
               <a:t>微服务框架</a:t>
@@ -4136,6 +4138,45 @@
               <a:ea typeface="Microsoft YaHei UI" panose="020B0503020204020204" pitchFamily="34" charset="-122"/>
               <a:cs typeface="Arial" panose="020B0604020202020204" pitchFamily="34" charset="0"/>
             </a:endParaRPr>
+          </a:p>
+        </p:txBody>
+      </p:sp>
+      <p:sp>
+        <p:nvSpPr>
+          <p:cNvPr id="5" name="文本框 60">
+            <a:extLst>
+              <a:ext uri="{FF2B5EF4-FFF2-40B4-BE49-F238E27FC236}">
+                <a16:creationId xmlns:a16="http://schemas.microsoft.com/office/drawing/2014/main" id="{89FC56D0-B443-4EF7-8C3F-1E5FDCA7939B}"/>
+              </a:ext>
+            </a:extLst>
+          </p:cNvPr>
+          <p:cNvSpPr txBox="1"/>
+          <p:nvPr/>
+        </p:nvSpPr>
+        <p:spPr>
+          <a:xfrm>
+            <a:off x="10869439" y="751916"/>
+            <a:ext cx="1146468" cy="369332"/>
+          </a:xfrm>
+          <a:prstGeom prst="rect">
+            <a:avLst/>
+          </a:prstGeom>
+          <a:noFill/>
+        </p:spPr>
+        <p:txBody>
+          <a:bodyPr wrap="none" rtlCol="0">
+            <a:spAutoFit/>
+          </a:bodyPr>
+          <a:lstStyle/>
+          <a:p>
+            <a:r>
+              <a:rPr kumimoji="1" lang="zh-CN" altLang="en-US" dirty="0">
+                <a:solidFill>
+                  <a:schemeClr val="bg1"/>
+                </a:solidFill>
+              </a:rPr>
+              <a:t>工作模型</a:t>
+            </a:r>
           </a:p>
         </p:txBody>
       </p:sp>
@@ -6769,7 +6810,11 @@
           <a:lstStyle/>
           <a:p>
             <a:r>
-              <a:rPr kumimoji="1" lang="zh-CN" altLang="en-US" dirty="0"/>
+              <a:rPr kumimoji="1" lang="zh-CN" altLang="en-US" dirty="0">
+                <a:solidFill>
+                  <a:schemeClr val="bg1"/>
+                </a:solidFill>
+              </a:rPr>
               <a:t>工作模型</a:t>
             </a:r>
           </a:p>
@@ -6870,7 +6915,11 @@
           <a:lstStyle/>
           <a:p>
             <a:r>
-              <a:rPr kumimoji="1" lang="zh-CN" altLang="en-US" dirty="0"/>
+              <a:rPr kumimoji="1" lang="zh-CN" altLang="en-US" dirty="0">
+                <a:solidFill>
+                  <a:schemeClr val="bg1"/>
+                </a:solidFill>
+              </a:rPr>
               <a:t>通信模型</a:t>
             </a:r>
           </a:p>
@@ -8403,7 +8452,11 @@
           <a:lstStyle/>
           <a:p>
             <a:r>
-              <a:rPr kumimoji="1" lang="zh-CN" altLang="en-US" dirty="0"/>
+              <a:rPr kumimoji="1" lang="zh-CN" altLang="en-US" dirty="0">
+                <a:solidFill>
+                  <a:schemeClr val="bg1"/>
+                </a:solidFill>
+              </a:rPr>
               <a:t>包装器</a:t>
             </a:r>
           </a:p>
@@ -8772,6 +8825,211 @@
       </p:grpSpPr>
       <p:sp>
         <p:nvSpPr>
+          <p:cNvPr id="2" name="Title 1">
+            <a:extLst>
+              <a:ext uri="{FF2B5EF4-FFF2-40B4-BE49-F238E27FC236}">
+                <a16:creationId xmlns:a16="http://schemas.microsoft.com/office/drawing/2014/main" id="{CF9533BA-5308-4B13-B142-E1CCFE8227BD}"/>
+              </a:ext>
+            </a:extLst>
+          </p:cNvPr>
+          <p:cNvSpPr>
+            <a:spLocks noGrp="1"/>
+          </p:cNvSpPr>
+          <p:nvPr>
+            <p:ph type="title"/>
+          </p:nvPr>
+        </p:nvSpPr>
+        <p:spPr>
+          <a:xfrm>
+            <a:off x="604434" y="0"/>
+            <a:ext cx="2804591" cy="1208868"/>
+          </a:xfrm>
+        </p:spPr>
+        <p:txBody>
+          <a:bodyPr/>
+          <a:lstStyle/>
+          <a:p>
+            <a:r>
+              <a:rPr kumimoji="1" lang="zh-CN" altLang="en-US" dirty="0">
+                <a:cs typeface="Arial" panose="020B0604020202020204" pitchFamily="34" charset="0"/>
+              </a:rPr>
+              <a:t>微服务框架</a:t>
+            </a:r>
+            <a:endParaRPr lang="zh-CN" altLang="en-US" dirty="0"/>
+          </a:p>
+        </p:txBody>
+      </p:sp>
+      <p:pic>
+        <p:nvPicPr>
+          <p:cNvPr id="5" name="Picture 4">
+            <a:extLst>
+              <a:ext uri="{FF2B5EF4-FFF2-40B4-BE49-F238E27FC236}">
+                <a16:creationId xmlns:a16="http://schemas.microsoft.com/office/drawing/2014/main" id="{454A5A2B-44B4-41D1-B003-B2864317CA21}"/>
+              </a:ext>
+            </a:extLst>
+          </p:cNvPr>
+          <p:cNvPicPr>
+            <a:picLocks noChangeAspect="1"/>
+          </p:cNvPicPr>
+          <p:nvPr/>
+        </p:nvPicPr>
+        <p:blipFill>
+          <a:blip r:embed="rId2"/>
+          <a:stretch>
+            <a:fillRect/>
+          </a:stretch>
+        </p:blipFill>
+        <p:spPr>
+          <a:xfrm>
+            <a:off x="128726" y="2172381"/>
+            <a:ext cx="11934548" cy="4685619"/>
+          </a:xfrm>
+          <a:prstGeom prst="rect">
+            <a:avLst/>
+          </a:prstGeom>
+        </p:spPr>
+      </p:pic>
+      <p:sp>
+        <p:nvSpPr>
+          <p:cNvPr id="6" name="TextBox 5">
+            <a:extLst>
+              <a:ext uri="{FF2B5EF4-FFF2-40B4-BE49-F238E27FC236}">
+                <a16:creationId xmlns:a16="http://schemas.microsoft.com/office/drawing/2014/main" id="{26E258AC-C321-4745-818C-A7AF3302B298}"/>
+              </a:ext>
+            </a:extLst>
+          </p:cNvPr>
+          <p:cNvSpPr txBox="1"/>
+          <p:nvPr/>
+        </p:nvSpPr>
+        <p:spPr>
+          <a:xfrm>
+            <a:off x="2734323" y="1855433"/>
+            <a:ext cx="1384916" cy="369332"/>
+          </a:xfrm>
+          <a:prstGeom prst="rect">
+            <a:avLst/>
+          </a:prstGeom>
+          <a:noFill/>
+        </p:spPr>
+        <p:txBody>
+          <a:bodyPr wrap="square" rtlCol="0">
+            <a:spAutoFit/>
+          </a:bodyPr>
+          <a:lstStyle/>
+          <a:p>
+            <a:r>
+              <a:rPr lang="zh-CN" altLang="en-US" dirty="0"/>
+              <a:t>应用程序</a:t>
+            </a:r>
+          </a:p>
+        </p:txBody>
+      </p:sp>
+      <p:sp>
+        <p:nvSpPr>
+          <p:cNvPr id="7" name="TextBox 6">
+            <a:extLst>
+              <a:ext uri="{FF2B5EF4-FFF2-40B4-BE49-F238E27FC236}">
+                <a16:creationId xmlns:a16="http://schemas.microsoft.com/office/drawing/2014/main" id="{2F283E62-CFA5-41C4-B372-97578748A4AD}"/>
+              </a:ext>
+            </a:extLst>
+          </p:cNvPr>
+          <p:cNvSpPr txBox="1"/>
+          <p:nvPr/>
+        </p:nvSpPr>
+        <p:spPr>
+          <a:xfrm>
+            <a:off x="8151181" y="1829241"/>
+            <a:ext cx="1384916" cy="369332"/>
+          </a:xfrm>
+          <a:prstGeom prst="rect">
+            <a:avLst/>
+          </a:prstGeom>
+          <a:noFill/>
+        </p:spPr>
+        <p:txBody>
+          <a:bodyPr wrap="square" rtlCol="0">
+            <a:spAutoFit/>
+          </a:bodyPr>
+          <a:lstStyle/>
+          <a:p>
+            <a:r>
+              <a:rPr lang="zh-CN" altLang="en-US" dirty="0"/>
+              <a:t>治理平台</a:t>
+            </a:r>
+          </a:p>
+        </p:txBody>
+      </p:sp>
+      <p:sp>
+        <p:nvSpPr>
+          <p:cNvPr id="8" name="文本框 60">
+            <a:extLst>
+              <a:ext uri="{FF2B5EF4-FFF2-40B4-BE49-F238E27FC236}">
+                <a16:creationId xmlns:a16="http://schemas.microsoft.com/office/drawing/2014/main" id="{F5F9A76C-B400-4E46-9943-42782DE8DCBA}"/>
+              </a:ext>
+            </a:extLst>
+          </p:cNvPr>
+          <p:cNvSpPr txBox="1"/>
+          <p:nvPr/>
+        </p:nvSpPr>
+        <p:spPr>
+          <a:xfrm>
+            <a:off x="10869439" y="751916"/>
+            <a:ext cx="1107996" cy="369332"/>
+          </a:xfrm>
+          <a:prstGeom prst="rect">
+            <a:avLst/>
+          </a:prstGeom>
+          <a:noFill/>
+        </p:spPr>
+        <p:txBody>
+          <a:bodyPr wrap="none" rtlCol="0">
+            <a:spAutoFit/>
+          </a:bodyPr>
+          <a:lstStyle/>
+          <a:p>
+            <a:r>
+              <a:rPr kumimoji="1" lang="zh-CN" altLang="en-US" dirty="0">
+                <a:solidFill>
+                  <a:schemeClr val="bg1"/>
+                </a:solidFill>
+              </a:rPr>
+              <a:t>服务治理</a:t>
+            </a:r>
+          </a:p>
+        </p:txBody>
+      </p:sp>
+    </p:spTree>
+    <p:extLst>
+      <p:ext uri="{BB962C8B-B14F-4D97-AF65-F5344CB8AC3E}">
+        <p14:creationId xmlns:p14="http://schemas.microsoft.com/office/powerpoint/2010/main" val="1865579246"/>
+      </p:ext>
+    </p:extLst>
+  </p:cSld>
+  <p:clrMapOvr>
+    <a:masterClrMapping/>
+  </p:clrMapOvr>
+</p:sld>
+</file>
+
+<file path=ppt/slides/slide18.xml><?xml version="1.0" encoding="utf-8"?>
+<p:sld xmlns:a="http://schemas.openxmlformats.org/drawingml/2006/main" xmlns:r="http://schemas.openxmlformats.org/officeDocument/2006/relationships" xmlns:p="http://schemas.openxmlformats.org/presentationml/2006/main">
+  <p:cSld>
+    <p:spTree>
+      <p:nvGrpSpPr>
+        <p:cNvPr id="1" name=""/>
+        <p:cNvGrpSpPr/>
+        <p:nvPr/>
+      </p:nvGrpSpPr>
+      <p:grpSpPr>
+        <a:xfrm>
+          <a:off x="0" y="0"/>
+          <a:ext cx="0" cy="0"/>
+          <a:chOff x="0" y="0"/>
+          <a:chExt cx="0" cy="0"/>
+        </a:xfrm>
+      </p:grpSpPr>
+      <p:sp>
+        <p:nvSpPr>
           <p:cNvPr id="2" name="标题 1">
             <a:extLst>
               <a:ext uri="{FF2B5EF4-FFF2-40B4-BE49-F238E27FC236}">
@@ -9238,26 +9496,6 @@
                 <a:cs typeface="Arial" panose="020B0604020202020204" pitchFamily="34" charset="0"/>
               </a:rPr>
               <a:t>微服务通信框架</a:t>
-            </a:r>
-            <a:endParaRPr lang="en-US" altLang="zh-CN" dirty="0">
-              <a:cs typeface="Arial" panose="020B0604020202020204" pitchFamily="34" charset="0"/>
-            </a:endParaRPr>
-          </a:p>
-          <a:p>
-            <a:pPr marL="342900" indent="-342900" rtl="0">
-              <a:lnSpc>
-                <a:spcPct val="150000"/>
-              </a:lnSpc>
-              <a:spcAft>
-                <a:spcPts val="1200"/>
-              </a:spcAft>
-              <a:buAutoNum type="arabicPeriod"/>
-            </a:pPr>
-            <a:r>
-              <a:rPr lang="zh-CN" altLang="en-US" dirty="0">
-                <a:cs typeface="Arial" panose="020B0604020202020204" pitchFamily="34" charset="0"/>
-              </a:rPr>
-              <a:t>营销案例分享</a:t>
             </a:r>
             <a:endParaRPr lang="en-US" altLang="zh-CN" dirty="0">
               <a:cs typeface="Arial" panose="020B0604020202020204" pitchFamily="34" charset="0"/>
@@ -10681,6 +10919,36 @@
           </a:p>
         </p:txBody>
       </p:sp>
+      <p:pic>
+        <p:nvPicPr>
+          <p:cNvPr id="6" name="Picture 5">
+            <a:extLst>
+              <a:ext uri="{FF2B5EF4-FFF2-40B4-BE49-F238E27FC236}">
+                <a16:creationId xmlns:a16="http://schemas.microsoft.com/office/drawing/2014/main" id="{69C738A6-ED54-4009-BF87-3012D907B3D6}"/>
+              </a:ext>
+            </a:extLst>
+          </p:cNvPr>
+          <p:cNvPicPr>
+            <a:picLocks noChangeAspect="1"/>
+          </p:cNvPicPr>
+          <p:nvPr/>
+        </p:nvPicPr>
+        <p:blipFill>
+          <a:blip r:embed="rId3"/>
+          <a:stretch>
+            <a:fillRect/>
+          </a:stretch>
+        </p:blipFill>
+        <p:spPr>
+          <a:xfrm>
+            <a:off x="5170089" y="1865723"/>
+            <a:ext cx="6677025" cy="4486275"/>
+          </a:xfrm>
+          <a:prstGeom prst="rect">
+            <a:avLst/>
+          </a:prstGeom>
+        </p:spPr>
+      </p:pic>
     </p:spTree>
     <p:extLst>
       <p:ext uri="{BB962C8B-B14F-4D97-AF65-F5344CB8AC3E}">
@@ -11305,7 +11573,7 @@
                 <a:ea typeface="Microsoft YaHei UI" panose="020B0503020204020204" pitchFamily="34" charset="-122"/>
                 <a:cs typeface="Arial" panose="020B0604020202020204" pitchFamily="34" charset="0"/>
               </a:rPr>
-              <a:t>后端流量调度</a:t>
+              <a:t>后端容灾调度</a:t>
             </a:r>
           </a:p>
         </p:txBody>
@@ -11397,47 +11665,8 @@
                 <a:ea typeface="Microsoft YaHei UI" panose="020B0503020204020204" pitchFamily="34" charset="-122"/>
                 <a:cs typeface="Arial" panose="020B0604020202020204" pitchFamily="34" charset="0"/>
               </a:rPr>
-              <a:t>网关与</a:t>
-            </a:r>
-            <a:r>
-              <a:rPr lang="en-US" altLang="zh-CN" sz="1100" dirty="0">
-                <a:solidFill>
-                  <a:schemeClr val="tx1">
-                    <a:lumMod val="65000"/>
-                    <a:lumOff val="35000"/>
-                  </a:schemeClr>
-                </a:solidFill>
-                <a:latin typeface="Microsoft YaHei UI" panose="020B0503020204020204" pitchFamily="34" charset="-122"/>
-                <a:ea typeface="Microsoft YaHei UI" panose="020B0503020204020204" pitchFamily="34" charset="-122"/>
-                <a:cs typeface="Arial" panose="020B0604020202020204" pitchFamily="34" charset="0"/>
-              </a:rPr>
-              <a:t>RPC</a:t>
-            </a:r>
-            <a:r>
-              <a:rPr lang="zh-CN" altLang="en-US" sz="1100" dirty="0">
-                <a:solidFill>
-                  <a:schemeClr val="tx1">
-                    <a:lumMod val="65000"/>
-                    <a:lumOff val="35000"/>
-                  </a:schemeClr>
-                </a:solidFill>
-                <a:latin typeface="Microsoft YaHei UI" panose="020B0503020204020204" pitchFamily="34" charset="-122"/>
-                <a:ea typeface="Microsoft YaHei UI" panose="020B0503020204020204" pitchFamily="34" charset="-122"/>
-                <a:cs typeface="Arial" panose="020B0604020202020204" pitchFamily="34" charset="0"/>
-              </a:rPr>
-              <a:t>服务均有相同的转换能力</a:t>
-            </a:r>
-            <a:endParaRPr lang="en-US" altLang="zh-CN" sz="1100" dirty="0">
-              <a:solidFill>
-                <a:schemeClr val="tx1">
-                  <a:lumMod val="65000"/>
-                  <a:lumOff val="35000"/>
-                </a:schemeClr>
-              </a:solidFill>
-              <a:latin typeface="Microsoft YaHei UI" panose="020B0503020204020204" pitchFamily="34" charset="-122"/>
-              <a:ea typeface="Microsoft YaHei UI" panose="020B0503020204020204" pitchFamily="34" charset="-122"/>
-              <a:cs typeface="Arial" panose="020B0604020202020204" pitchFamily="34" charset="0"/>
-            </a:endParaRPr>
+              <a:t>服务从配置中心拉取配置好的注册与回退信息</a:t>
+            </a:r>
           </a:p>
           <a:p>
             <a:pPr marL="800100" lvl="1" indent="-342900">
@@ -11462,31 +11691,8 @@
                 <a:ea typeface="Microsoft YaHei UI" panose="020B0503020204020204" pitchFamily="34" charset="-122"/>
                 <a:cs typeface="Arial" panose="020B0604020202020204" pitchFamily="34" charset="0"/>
               </a:rPr>
-              <a:t>服务将元数据上报到注册中心，由调用方消费</a:t>
-            </a:r>
-            <a:endParaRPr lang="en-US" altLang="zh-CN" sz="1100" dirty="0">
-              <a:solidFill>
-                <a:schemeClr val="tx1">
-                  <a:lumMod val="65000"/>
-                  <a:lumOff val="35000"/>
-                </a:schemeClr>
-              </a:solidFill>
-              <a:latin typeface="Microsoft YaHei UI" panose="020B0503020204020204" pitchFamily="34" charset="-122"/>
-              <a:ea typeface="Microsoft YaHei UI" panose="020B0503020204020204" pitchFamily="34" charset="-122"/>
-              <a:cs typeface="Arial" panose="020B0604020202020204" pitchFamily="34" charset="0"/>
-            </a:endParaRPr>
-          </a:p>
-          <a:p>
-            <a:pPr marL="800100" lvl="1" indent="-342900">
-              <a:spcBef>
-                <a:spcPts val="500"/>
-              </a:spcBef>
-              <a:spcAft>
-                <a:spcPts val="1200"/>
-              </a:spcAft>
-              <a:buFont typeface="Arial" panose="020B0604020202020204" pitchFamily="34" charset="0"/>
-              <a:buAutoNum type="arabicPeriod"/>
-            </a:pPr>
+              <a:t>服务通过</a:t>
+            </a:r>
             <a:r>
               <a:rPr lang="en-US" altLang="zh-CN" sz="1100" dirty="0">
                 <a:solidFill>
@@ -11499,7 +11705,7 @@
                 <a:ea typeface="Microsoft YaHei UI" panose="020B0503020204020204" pitchFamily="34" charset="-122"/>
                 <a:cs typeface="Arial" panose="020B0604020202020204" pitchFamily="34" charset="0"/>
               </a:rPr>
-              <a:t>RPC</a:t>
+              <a:t>Backoff</a:t>
             </a:r>
             <a:r>
               <a:rPr lang="zh-CN" altLang="en-US" sz="1100" dirty="0">
@@ -11513,140 +11719,8 @@
                 <a:ea typeface="Microsoft YaHei UI" panose="020B0503020204020204" pitchFamily="34" charset="-122"/>
                 <a:cs typeface="Arial" panose="020B0604020202020204" pitchFamily="34" charset="0"/>
               </a:rPr>
-              <a:t>服务将</a:t>
-            </a:r>
-            <a:r>
-              <a:rPr lang="en-US" altLang="zh-CN" sz="1100" dirty="0">
-                <a:solidFill>
-                  <a:schemeClr val="tx1">
-                    <a:lumMod val="65000"/>
-                    <a:lumOff val="35000"/>
-                  </a:schemeClr>
-                </a:solidFill>
-                <a:latin typeface="Microsoft YaHei UI" panose="020B0503020204020204" pitchFamily="34" charset="-122"/>
-                <a:ea typeface="Microsoft YaHei UI" panose="020B0503020204020204" pitchFamily="34" charset="-122"/>
-                <a:cs typeface="Arial" panose="020B0604020202020204" pitchFamily="34" charset="0"/>
-              </a:rPr>
-              <a:t>HTTP</a:t>
-            </a:r>
-            <a:r>
-              <a:rPr lang="zh-CN" altLang="en-US" sz="1100" dirty="0">
-                <a:solidFill>
-                  <a:schemeClr val="tx1">
-                    <a:lumMod val="65000"/>
-                    <a:lumOff val="35000"/>
-                  </a:schemeClr>
-                </a:solidFill>
-                <a:latin typeface="Microsoft YaHei UI" panose="020B0503020204020204" pitchFamily="34" charset="-122"/>
-                <a:ea typeface="Microsoft YaHei UI" panose="020B0503020204020204" pitchFamily="34" charset="-122"/>
-                <a:cs typeface="Arial" panose="020B0604020202020204" pitchFamily="34" charset="0"/>
-              </a:rPr>
-              <a:t>头转换为上下文，在链路中传递</a:t>
-            </a:r>
-            <a:endParaRPr lang="en-US" altLang="zh-CN" sz="1100" dirty="0">
-              <a:solidFill>
-                <a:schemeClr val="tx1">
-                  <a:lumMod val="65000"/>
-                  <a:lumOff val="35000"/>
-                </a:schemeClr>
-              </a:solidFill>
-              <a:latin typeface="Microsoft YaHei UI" panose="020B0503020204020204" pitchFamily="34" charset="-122"/>
-              <a:ea typeface="Microsoft YaHei UI" panose="020B0503020204020204" pitchFamily="34" charset="-122"/>
-              <a:cs typeface="Arial" panose="020B0604020202020204" pitchFamily="34" charset="0"/>
-            </a:endParaRPr>
-          </a:p>
-          <a:p>
-            <a:pPr marL="800100" lvl="1" indent="-342900">
-              <a:spcBef>
-                <a:spcPts val="500"/>
-              </a:spcBef>
-              <a:spcAft>
-                <a:spcPts val="1200"/>
-              </a:spcAft>
-              <a:buFont typeface="Arial" panose="020B0604020202020204" pitchFamily="34" charset="0"/>
-              <a:buAutoNum type="arabicPeriod"/>
-            </a:pPr>
-            <a:r>
-              <a:rPr lang="zh-CN" altLang="en-US" sz="1100" dirty="0">
-                <a:solidFill>
-                  <a:schemeClr val="tx1">
-                    <a:lumMod val="65000"/>
-                    <a:lumOff val="35000"/>
-                  </a:schemeClr>
-                </a:solidFill>
-                <a:latin typeface="Microsoft YaHei UI" panose="020B0503020204020204" pitchFamily="34" charset="-122"/>
-                <a:ea typeface="Microsoft YaHei UI" panose="020B0503020204020204" pitchFamily="34" charset="-122"/>
-                <a:cs typeface="Arial" panose="020B0604020202020204" pitchFamily="34" charset="0"/>
-              </a:rPr>
-              <a:t>网关通过</a:t>
-            </a:r>
-            <a:r>
-              <a:rPr lang="en-US" altLang="zh-CN" sz="1100" dirty="0">
-                <a:solidFill>
-                  <a:schemeClr val="tx1">
-                    <a:lumMod val="65000"/>
-                    <a:lumOff val="35000"/>
-                  </a:schemeClr>
-                </a:solidFill>
-                <a:latin typeface="Microsoft YaHei UI" panose="020B0503020204020204" pitchFamily="34" charset="-122"/>
-                <a:ea typeface="Microsoft YaHei UI" panose="020B0503020204020204" pitchFamily="34" charset="-122"/>
-                <a:cs typeface="Arial" panose="020B0604020202020204" pitchFamily="34" charset="0"/>
-              </a:rPr>
-              <a:t>Header</a:t>
-            </a:r>
-            <a:r>
-              <a:rPr lang="zh-CN" altLang="en-US" sz="1100" dirty="0">
-                <a:solidFill>
-                  <a:schemeClr val="tx1">
-                    <a:lumMod val="65000"/>
-                    <a:lumOff val="35000"/>
-                  </a:schemeClr>
-                </a:solidFill>
-                <a:latin typeface="Microsoft YaHei UI" panose="020B0503020204020204" pitchFamily="34" charset="-122"/>
-                <a:ea typeface="Microsoft YaHei UI" panose="020B0503020204020204" pitchFamily="34" charset="-122"/>
-                <a:cs typeface="Arial" panose="020B0604020202020204" pitchFamily="34" charset="0"/>
-              </a:rPr>
-              <a:t>协议化的字段，与</a:t>
-            </a:r>
-            <a:r>
-              <a:rPr lang="en-US" altLang="zh-CN" sz="1100" dirty="0">
-                <a:solidFill>
-                  <a:schemeClr val="tx1">
-                    <a:lumMod val="65000"/>
-                    <a:lumOff val="35000"/>
-                  </a:schemeClr>
-                </a:solidFill>
-                <a:latin typeface="Microsoft YaHei UI" panose="020B0503020204020204" pitchFamily="34" charset="-122"/>
-                <a:ea typeface="Microsoft YaHei UI" panose="020B0503020204020204" pitchFamily="34" charset="-122"/>
-                <a:cs typeface="Arial" panose="020B0604020202020204" pitchFamily="34" charset="0"/>
-              </a:rPr>
-              <a:t>RPC</a:t>
-            </a:r>
-            <a:r>
-              <a:rPr lang="zh-CN" altLang="en-US" sz="1100" dirty="0">
-                <a:solidFill>
-                  <a:schemeClr val="tx1">
-                    <a:lumMod val="65000"/>
-                    <a:lumOff val="35000"/>
-                  </a:schemeClr>
-                </a:solidFill>
-                <a:latin typeface="Microsoft YaHei UI" panose="020B0503020204020204" pitchFamily="34" charset="-122"/>
-                <a:ea typeface="Microsoft YaHei UI" panose="020B0503020204020204" pitchFamily="34" charset="-122"/>
-                <a:cs typeface="Arial" panose="020B0604020202020204" pitchFamily="34" charset="0"/>
-              </a:rPr>
-              <a:t>在注册中心中上报的对比，过滤掉不符合条件的路由</a:t>
-            </a:r>
-            <a:endParaRPr lang="en-US" altLang="zh-CN" sz="1100" dirty="0">
-              <a:solidFill>
-                <a:schemeClr val="tx1">
-                  <a:lumMod val="65000"/>
-                  <a:lumOff val="35000"/>
-                </a:schemeClr>
-              </a:solidFill>
-              <a:latin typeface="Microsoft YaHei UI" panose="020B0503020204020204" pitchFamily="34" charset="-122"/>
-              <a:ea typeface="Microsoft YaHei UI" panose="020B0503020204020204" pitchFamily="34" charset="-122"/>
-              <a:cs typeface="Arial" panose="020B0604020202020204" pitchFamily="34" charset="0"/>
-            </a:endParaRPr>
+              <a:t>信息，找到可降级回退的服务，保证服务可用性</a:t>
+            </a:r>
           </a:p>
         </p:txBody>
       </p:sp>

--- a/job/me/个人介绍.pptx
+++ b/job/me/个人介绍.pptx
@@ -5,10 +5,10 @@
     <p:sldMasterId id="2147483660" r:id="rId1"/>
   </p:sldMasterIdLst>
   <p:notesMasterIdLst>
-    <p:notesMasterId r:id="rId20"/>
+    <p:notesMasterId r:id="rId23"/>
   </p:notesMasterIdLst>
   <p:handoutMasterIdLst>
-    <p:handoutMasterId r:id="rId21"/>
+    <p:handoutMasterId r:id="rId24"/>
   </p:handoutMasterIdLst>
   <p:sldIdLst>
     <p:sldId id="273" r:id="rId2"/>
@@ -21,14 +21,17 @@
     <p:sldId id="279" r:id="rId9"/>
     <p:sldId id="289" r:id="rId10"/>
     <p:sldId id="284" r:id="rId11"/>
-    <p:sldId id="290" r:id="rId12"/>
-    <p:sldId id="286" r:id="rId13"/>
-    <p:sldId id="277" r:id="rId14"/>
-    <p:sldId id="280" r:id="rId15"/>
-    <p:sldId id="281" r:id="rId16"/>
-    <p:sldId id="282" r:id="rId17"/>
-    <p:sldId id="291" r:id="rId18"/>
-    <p:sldId id="285" r:id="rId19"/>
+    <p:sldId id="293" r:id="rId12"/>
+    <p:sldId id="290" r:id="rId13"/>
+    <p:sldId id="286" r:id="rId14"/>
+    <p:sldId id="277" r:id="rId15"/>
+    <p:sldId id="280" r:id="rId16"/>
+    <p:sldId id="281" r:id="rId17"/>
+    <p:sldId id="282" r:id="rId18"/>
+    <p:sldId id="291" r:id="rId19"/>
+    <p:sldId id="285" r:id="rId20"/>
+    <p:sldId id="294" r:id="rId21"/>
+    <p:sldId id="295" r:id="rId22"/>
   </p:sldIdLst>
   <p:sldSz cx="12192000" cy="6858000"/>
   <p:notesSz cx="6858000" cy="9144000"/>
@@ -146,6 +149,7 @@
             <p14:sldId id="279"/>
             <p14:sldId id="289"/>
             <p14:sldId id="284"/>
+            <p14:sldId id="293"/>
             <p14:sldId id="290"/>
             <p14:sldId id="286"/>
             <p14:sldId id="277"/>
@@ -154,6 +158,8 @@
             <p14:sldId id="282"/>
             <p14:sldId id="291"/>
             <p14:sldId id="285"/>
+            <p14:sldId id="294"/>
+            <p14:sldId id="295"/>
           </p14:sldIdLst>
         </p14:section>
         <p14:section name="了解详细信息" id="{2CC34DB2-6590-42C0-AD4B-A04C6060184E}">
@@ -1009,7 +1015,7 @@
             <a:fld id="{DF61EA0F-A667-4B49-8422-0062BC55E249}" type="slidenum">
               <a:rPr lang="en-US" smtClean="0"/>
               <a:pPr/>
-              <a:t>11</a:t>
+              <a:t>12</a:t>
             </a:fld>
             <a:endParaRPr lang="en-US" dirty="0"/>
           </a:p>
@@ -1098,7 +1104,7 @@
             <a:pPr rtl="0"/>
             <a:fld id="{DF61EA0F-A667-4B49-8422-0062BC55E249}" type="slidenum">
               <a:rPr lang="en-US" smtClean="0"/>
-              <a:t>12</a:t>
+              <a:t>13</a:t>
             </a:fld>
             <a:endParaRPr lang="en-US"/>
           </a:p>
@@ -1186,7 +1192,7 @@
             <a:fld id="{DF61EA0F-A667-4B49-8422-0062BC55E249}" type="slidenum">
               <a:rPr lang="en-US" smtClean="0"/>
               <a:pPr/>
-              <a:t>13</a:t>
+              <a:t>14</a:t>
             </a:fld>
             <a:endParaRPr lang="en-US" dirty="0"/>
           </a:p>
@@ -3390,10 +3396,10 @@
       </p:grpSpPr>
       <p:sp>
         <p:nvSpPr>
-          <p:cNvPr id="2" name="标题 1">
+          <p:cNvPr id="7" name="标题 1">
             <a:extLst>
               <a:ext uri="{FF2B5EF4-FFF2-40B4-BE49-F238E27FC236}">
-                <a16:creationId xmlns:a16="http://schemas.microsoft.com/office/drawing/2014/main" id="{3920C9D1-E3BD-AC4C-8DEF-AFCBAB41DD68}"/>
+                <a16:creationId xmlns:a16="http://schemas.microsoft.com/office/drawing/2014/main" id="{C4E2301C-3463-496D-A7A4-254A04142339}"/>
               </a:ext>
             </a:extLst>
           </p:cNvPr>
@@ -3426,10 +3432,10 @@
       </p:sp>
       <p:sp>
         <p:nvSpPr>
-          <p:cNvPr id="4" name="矩形 3">
+          <p:cNvPr id="8" name="矩形 3">
             <a:extLst>
               <a:ext uri="{FF2B5EF4-FFF2-40B4-BE49-F238E27FC236}">
-                <a16:creationId xmlns:a16="http://schemas.microsoft.com/office/drawing/2014/main" id="{408C0EB1-4BB8-414D-A2F4-84B7A7931A9B}"/>
+                <a16:creationId xmlns:a16="http://schemas.microsoft.com/office/drawing/2014/main" id="{757E02D0-3132-411F-B0FD-7BB7D1D2AE07}"/>
               </a:ext>
             </a:extLst>
           </p:cNvPr>
@@ -3438,7 +3444,7 @@
         </p:nvSpPr>
         <p:spPr>
           <a:xfrm>
-            <a:off x="10714920" y="588184"/>
+            <a:off x="10410119" y="604434"/>
             <a:ext cx="2031325" cy="646331"/>
           </a:xfrm>
           <a:prstGeom prst="rect">
@@ -3457,7 +3463,7 @@
               </a:spcBef>
             </a:pPr>
             <a:r>
-              <a:rPr lang="en-US" altLang="zh-CN" sz="2000" dirty="0">
+              <a:rPr lang="zh-CN" altLang="en-US" sz="2000" dirty="0">
                 <a:solidFill>
                   <a:schemeClr val="bg1"/>
                 </a:solidFill>
@@ -3465,18 +3471,7 @@
                 <a:ea typeface="Microsoft YaHei UI" panose="020B0503020204020204" pitchFamily="34" charset="-122"/>
                 <a:cs typeface="Arial" panose="020B0604020202020204" pitchFamily="34" charset="0"/>
               </a:rPr>
-              <a:t>Redis</a:t>
-            </a:r>
-            <a:r>
-              <a:rPr lang="zh-CN" altLang="en-US" sz="2000" dirty="0">
-                <a:solidFill>
-                  <a:schemeClr val="bg1"/>
-                </a:solidFill>
-                <a:latin typeface="Microsoft YaHei UI" panose="020B0503020204020204" pitchFamily="34" charset="-122"/>
-                <a:ea typeface="Microsoft YaHei UI" panose="020B0503020204020204" pitchFamily="34" charset="-122"/>
-                <a:cs typeface="Arial" panose="020B0604020202020204" pitchFamily="34" charset="0"/>
-              </a:rPr>
-              <a:t>多活</a:t>
+              <a:t>数据库同步</a:t>
             </a:r>
             <a:endParaRPr lang="en-US" altLang="zh-CN" sz="2000" dirty="0">
               <a:solidFill>
@@ -3491,10 +3486,10 @@
       </p:sp>
       <p:sp>
         <p:nvSpPr>
-          <p:cNvPr id="7" name="TextBox 6">
+          <p:cNvPr id="9" name="TextBox 8">
             <a:extLst>
               <a:ext uri="{FF2B5EF4-FFF2-40B4-BE49-F238E27FC236}">
-                <a16:creationId xmlns:a16="http://schemas.microsoft.com/office/drawing/2014/main" id="{322C414F-575A-410A-A4F8-43B27EEA184B}"/>
+                <a16:creationId xmlns:a16="http://schemas.microsoft.com/office/drawing/2014/main" id="{E4155573-DD81-4C55-B9BD-62F095063B13}"/>
               </a:ext>
             </a:extLst>
           </p:cNvPr>
@@ -3503,8 +3498,8 @@
         </p:nvSpPr>
         <p:spPr>
           <a:xfrm>
-            <a:off x="283325" y="1667260"/>
-            <a:ext cx="3693872" cy="1043619"/>
+            <a:off x="292202" y="2551837"/>
+            <a:ext cx="4424177" cy="3127068"/>
           </a:xfrm>
           <a:prstGeom prst="rect">
             <a:avLst/>
@@ -3568,72 +3563,152 @@
               <a:t>1. </a:t>
             </a:r>
             <a:r>
-              <a:rPr lang="en-US" altLang="zh-CN" dirty="0" err="1"/>
-              <a:t>Binlog</a:t>
+              <a:rPr lang="zh-CN" altLang="en-US" dirty="0"/>
+              <a:t>基于 </a:t>
             </a:r>
             <a:r>
               <a:rPr lang="en-US" altLang="zh-CN" dirty="0"/>
-              <a:t> = </a:t>
-            </a:r>
-            <a:r>
-              <a:rPr lang="en-US" altLang="zh-CN" dirty="0" err="1"/>
-              <a:t>cmd</a:t>
-            </a:r>
+              <a:t>MySQL REPLICATION</a:t>
+            </a:r>
+          </a:p>
+          <a:p>
             <a:r>
               <a:rPr lang="en-US" altLang="zh-CN" dirty="0"/>
-              <a:t> + </a:t>
-            </a:r>
-            <a:r>
-              <a:rPr lang="en-US" altLang="zh-CN" dirty="0" err="1"/>
-              <a:t>idc_no</a:t>
+              <a:t>2. Parser </a:t>
+            </a:r>
+            <a:r>
+              <a:rPr lang="zh-CN" altLang="en-US" dirty="0"/>
+              <a:t>负责解析</a:t>
             </a:r>
             <a:r>
               <a:rPr lang="en-US" altLang="zh-CN" dirty="0"/>
-              <a:t> + seq + </a:t>
-            </a:r>
-            <a:r>
-              <a:rPr lang="en-US" altLang="zh-CN" dirty="0" err="1"/>
-              <a:t>ts</a:t>
+              <a:t>Master Server</a:t>
+            </a:r>
+            <a:r>
+              <a:rPr lang="zh-CN" altLang="en-US" dirty="0"/>
+              <a:t>推送的日志</a:t>
+            </a:r>
+          </a:p>
+          <a:p>
+            <a:r>
+              <a:rPr lang="en-US" altLang="zh-CN" dirty="0"/>
+              <a:t>3. </a:t>
+            </a:r>
+            <a:r>
+              <a:rPr lang="zh-CN" altLang="en-US" dirty="0"/>
+              <a:t> </a:t>
+            </a:r>
+            <a:r>
+              <a:rPr lang="en-US" altLang="zh-CN" dirty="0"/>
+              <a:t>Filter </a:t>
+            </a:r>
+            <a:r>
+              <a:rPr lang="zh-CN" altLang="en-US" dirty="0"/>
+              <a:t>用于加密等合规处理，以及线上日志观察、监控等</a:t>
+            </a:r>
+          </a:p>
+          <a:p>
+            <a:pPr marL="228600" indent="-228600">
+              <a:buAutoNum type="arabicPeriod" startAt="4"/>
+            </a:pPr>
+            <a:r>
+              <a:rPr lang="en-US" altLang="zh-CN" dirty="0"/>
+              <a:t>Store </a:t>
+            </a:r>
+            <a:r>
+              <a:rPr lang="zh-CN" altLang="en-US" dirty="0"/>
+              <a:t>用于将处理后的日志落地与存入通道</a:t>
             </a:r>
             <a:endParaRPr lang="en-US" altLang="zh-CN" dirty="0"/>
           </a:p>
           <a:p>
+            <a:pPr marL="228600" indent="-228600">
+              <a:buAutoNum type="arabicPeriod" startAt="4"/>
+            </a:pPr>
             <a:r>
               <a:rPr lang="en-US" altLang="zh-CN" dirty="0"/>
-              <a:t>2. </a:t>
-            </a:r>
-            <a:r>
-              <a:rPr lang="en-US" altLang="zh-CN" dirty="0" err="1"/>
-              <a:t>RedisRDB</a:t>
+              <a:t>Channel </a:t>
+            </a:r>
+            <a:r>
+              <a:rPr lang="zh-CN" altLang="en-US" dirty="0"/>
+              <a:t>为</a:t>
             </a:r>
             <a:r>
               <a:rPr lang="en-US" altLang="zh-CN" dirty="0"/>
-              <a:t> + </a:t>
-            </a:r>
-            <a:r>
-              <a:rPr lang="en-US" altLang="zh-CN" dirty="0" err="1"/>
-              <a:t>binlog</a:t>
-            </a:r>
+              <a:t>MQ</a:t>
+            </a:r>
+            <a:r>
+              <a:rPr lang="zh-CN" altLang="en-US" dirty="0"/>
+              <a:t>等中间件</a:t>
+            </a:r>
+            <a:endParaRPr lang="en-US" altLang="zh-CN" dirty="0"/>
+          </a:p>
+          <a:p>
+            <a:pPr marL="228600" indent="-228600">
+              <a:buAutoNum type="arabicPeriod" startAt="4"/>
+            </a:pPr>
             <a:r>
               <a:rPr lang="en-US" altLang="zh-CN" dirty="0"/>
-              <a:t> offset</a:t>
+              <a:t>Replay </a:t>
             </a:r>
             <a:r>
               <a:rPr lang="zh-CN" altLang="en-US" dirty="0"/>
-              <a:t>，避免主从切换导致乱序</a:t>
-            </a:r>
-          </a:p>
-          <a:p>
+              <a:t>模块会收到消息后写入本地中继日志中</a:t>
+            </a:r>
+            <a:endParaRPr lang="en-US" altLang="zh-CN" dirty="0"/>
+          </a:p>
+          <a:p>
+            <a:pPr marL="228600" indent="-228600">
+              <a:buAutoNum type="arabicPeriod" startAt="4"/>
+            </a:pPr>
+            <a:r>
+              <a:rPr lang="en-US" altLang="zh-CN" dirty="0"/>
+              <a:t>Writer</a:t>
+            </a:r>
+            <a:r>
+              <a:rPr lang="zh-CN" altLang="en-US" dirty="0"/>
+              <a:t>与</a:t>
+            </a:r>
+            <a:r>
+              <a:rPr lang="en-US" altLang="zh-CN" dirty="0"/>
+              <a:t>Filter</a:t>
+            </a:r>
+            <a:r>
+              <a:rPr lang="zh-CN" altLang="en-US" dirty="0"/>
+              <a:t>逆</a:t>
+            </a:r>
+            <a:r>
+              <a:rPr lang="en-US" altLang="zh-CN" dirty="0"/>
+              <a:t>Parser</a:t>
+            </a:r>
+            <a:r>
+              <a:rPr lang="zh-CN" altLang="en-US" dirty="0"/>
+              <a:t>过程进行</a:t>
+            </a:r>
+            <a:r>
+              <a:rPr lang="en-US" altLang="zh-CN" dirty="0"/>
+              <a:t>2PC</a:t>
+            </a:r>
+            <a:r>
+              <a:rPr lang="zh-CN" altLang="en-US" dirty="0"/>
+              <a:t>验证日志与写入数据库</a:t>
+            </a:r>
+            <a:endParaRPr lang="en-US" altLang="zh-CN" dirty="0"/>
+          </a:p>
+          <a:p>
+            <a:pPr marL="228600" indent="-228600">
+              <a:buAutoNum type="arabicPeriod" startAt="4"/>
+            </a:pPr>
             <a:endParaRPr lang="zh-CN" altLang="en-US" dirty="0"/>
           </a:p>
         </p:txBody>
       </p:sp>
       <p:pic>
         <p:nvPicPr>
-          <p:cNvPr id="6" name="Picture 5">
+          <p:cNvPr id="11" name="Picture 10">
             <a:extLst>
               <a:ext uri="{FF2B5EF4-FFF2-40B4-BE49-F238E27FC236}">
-                <a16:creationId xmlns:a16="http://schemas.microsoft.com/office/drawing/2014/main" id="{1E7F4777-2733-473E-A7D2-BB2740CC1223}"/>
+                <a16:creationId xmlns:a16="http://schemas.microsoft.com/office/drawing/2014/main" id="{E9F0DE09-2FD1-46CB-97E0-C012DCBB5940}"/>
               </a:ext>
             </a:extLst>
           </p:cNvPr>
@@ -3643,15 +3718,15 @@
           <p:nvPr/>
         </p:nvPicPr>
         <p:blipFill>
-          <a:blip r:embed="rId3"/>
+          <a:blip r:embed="rId2"/>
           <a:stretch>
             <a:fillRect/>
           </a:stretch>
         </p:blipFill>
         <p:spPr>
           <a:xfrm>
-            <a:off x="5145925" y="2710879"/>
-            <a:ext cx="6762750" cy="2714625"/>
+            <a:off x="5445292" y="1987717"/>
+            <a:ext cx="6210300" cy="4133850"/>
           </a:xfrm>
           <a:prstGeom prst="rect">
             <a:avLst/>
@@ -3661,7 +3736,7 @@
     </p:spTree>
     <p:extLst>
       <p:ext uri="{BB962C8B-B14F-4D97-AF65-F5344CB8AC3E}">
-        <p14:creationId xmlns:p14="http://schemas.microsoft.com/office/powerpoint/2010/main" val="4168058570"/>
+        <p14:creationId xmlns:p14="http://schemas.microsoft.com/office/powerpoint/2010/main" val="3312464908"/>
       </p:ext>
     </p:extLst>
   </p:cSld>
@@ -3690,45 +3765,10 @@
       </p:grpSpPr>
       <p:sp>
         <p:nvSpPr>
-          <p:cNvPr id="2" name="标题 1"/>
-          <p:cNvSpPr>
-            <a:spLocks noGrp="1"/>
-          </p:cNvSpPr>
-          <p:nvPr>
-            <p:ph type="title"/>
-          </p:nvPr>
-        </p:nvSpPr>
-        <p:spPr>
-          <a:xfrm>
-            <a:off x="523752" y="0"/>
-            <a:ext cx="10749367" cy="1208868"/>
-          </a:xfrm>
-        </p:spPr>
-        <p:txBody>
-          <a:bodyPr rtlCol="0">
-            <a:normAutofit/>
-          </a:bodyPr>
-          <a:lstStyle/>
-          <a:p>
-            <a:pPr lvl="0"/>
-            <a:r>
-              <a:rPr kumimoji="1" lang="zh-CN" altLang="en-US" sz="3200" dirty="0">
-                <a:cs typeface="Arial" panose="020B0604020202020204" pitchFamily="34" charset="0"/>
-              </a:rPr>
-              <a:t>微服务框架</a:t>
-            </a:r>
-            <a:endParaRPr lang="zh-cn" sz="3400" dirty="0">
-              <a:cs typeface="Arial" panose="020B0604020202020204" pitchFamily="34" charset="0"/>
-            </a:endParaRPr>
-          </a:p>
-        </p:txBody>
-      </p:sp>
-      <p:sp>
-        <p:nvSpPr>
-          <p:cNvPr id="8" name="内容占位符 2">
+          <p:cNvPr id="2" name="标题 1">
             <a:extLst>
               <a:ext uri="{FF2B5EF4-FFF2-40B4-BE49-F238E27FC236}">
-                <a16:creationId xmlns:a16="http://schemas.microsoft.com/office/drawing/2014/main" id="{CCFC7069-F5DF-2F42-AAF8-A249400A2CB2}"/>
+                <a16:creationId xmlns:a16="http://schemas.microsoft.com/office/drawing/2014/main" id="{3920C9D1-E3BD-AC4C-8DEF-AFCBAB41DD68}"/>
               </a:ext>
             </a:extLst>
           </p:cNvPr>
@@ -3736,63 +3776,267 @@
             <a:spLocks noGrp="1"/>
           </p:cNvSpPr>
           <p:nvPr>
-            <p:ph idx="1"/>
+            <p:ph type="title"/>
           </p:nvPr>
         </p:nvSpPr>
         <p:spPr>
           <a:xfrm>
-            <a:off x="576233" y="1747804"/>
-            <a:ext cx="10805931" cy="4201439"/>
-          </a:xfrm>
+            <a:off x="604434" y="0"/>
+            <a:ext cx="5328015" cy="1208868"/>
+          </a:xfrm>
+        </p:spPr>
+        <p:txBody>
+          <a:bodyPr/>
+          <a:lstStyle/>
+          <a:p>
+            <a:r>
+              <a:rPr lang="zh-CN" altLang="en-US" dirty="0">
+                <a:cs typeface="Arial" panose="020B0604020202020204" pitchFamily="34" charset="0"/>
+              </a:rPr>
+              <a:t>多活架构搭建</a:t>
+            </a:r>
+            <a:endParaRPr kumimoji="1" lang="zh-CN" altLang="en-US" dirty="0"/>
+          </a:p>
+        </p:txBody>
+      </p:sp>
+      <p:sp>
+        <p:nvSpPr>
+          <p:cNvPr id="4" name="矩形 3">
+            <a:extLst>
+              <a:ext uri="{FF2B5EF4-FFF2-40B4-BE49-F238E27FC236}">
+                <a16:creationId xmlns:a16="http://schemas.microsoft.com/office/drawing/2014/main" id="{408C0EB1-4BB8-414D-A2F4-84B7A7931A9B}"/>
+              </a:ext>
+            </a:extLst>
+          </p:cNvPr>
+          <p:cNvSpPr/>
+          <p:nvPr/>
+        </p:nvSpPr>
+        <p:spPr>
+          <a:xfrm>
+            <a:off x="10714920" y="588184"/>
+            <a:ext cx="2031325" cy="646331"/>
+          </a:xfrm>
+          <a:prstGeom prst="rect">
+            <a:avLst/>
+          </a:prstGeom>
+        </p:spPr>
+        <p:txBody>
+          <a:bodyPr vert="horz" lIns="91440" tIns="45720" rIns="91440" bIns="45720" rtlCol="0" anchor="b">
+            <a:normAutofit/>
+          </a:bodyPr>
+          <a:lstStyle/>
+          <a:p>
+            <a:pPr>
+              <a:spcBef>
+                <a:spcPct val="0"/>
+              </a:spcBef>
+            </a:pPr>
+            <a:r>
+              <a:rPr lang="en-US" altLang="zh-CN" sz="2000" dirty="0">
+                <a:solidFill>
+                  <a:schemeClr val="bg1"/>
+                </a:solidFill>
+                <a:latin typeface="Microsoft YaHei UI" panose="020B0503020204020204" pitchFamily="34" charset="-122"/>
+                <a:ea typeface="Microsoft YaHei UI" panose="020B0503020204020204" pitchFamily="34" charset="-122"/>
+                <a:cs typeface="Arial" panose="020B0604020202020204" pitchFamily="34" charset="0"/>
+              </a:rPr>
+              <a:t>Redis</a:t>
+            </a:r>
+            <a:r>
+              <a:rPr lang="zh-CN" altLang="en-US" sz="2000" dirty="0">
+                <a:solidFill>
+                  <a:schemeClr val="bg1"/>
+                </a:solidFill>
+                <a:latin typeface="Microsoft YaHei UI" panose="020B0503020204020204" pitchFamily="34" charset="-122"/>
+                <a:ea typeface="Microsoft YaHei UI" panose="020B0503020204020204" pitchFamily="34" charset="-122"/>
+                <a:cs typeface="Arial" panose="020B0604020202020204" pitchFamily="34" charset="0"/>
+              </a:rPr>
+              <a:t>多活</a:t>
+            </a:r>
+            <a:endParaRPr lang="en-US" altLang="zh-CN" sz="2000" dirty="0">
+              <a:solidFill>
+                <a:schemeClr val="bg1"/>
+              </a:solidFill>
+              <a:latin typeface="Microsoft YaHei UI" panose="020B0503020204020204" pitchFamily="34" charset="-122"/>
+              <a:ea typeface="Microsoft YaHei UI" panose="020B0503020204020204" pitchFamily="34" charset="-122"/>
+              <a:cs typeface="Arial" panose="020B0604020202020204" pitchFamily="34" charset="0"/>
+            </a:endParaRPr>
+          </a:p>
+        </p:txBody>
+      </p:sp>
+      <p:sp>
+        <p:nvSpPr>
+          <p:cNvPr id="7" name="TextBox 6">
+            <a:extLst>
+              <a:ext uri="{FF2B5EF4-FFF2-40B4-BE49-F238E27FC236}">
+                <a16:creationId xmlns:a16="http://schemas.microsoft.com/office/drawing/2014/main" id="{322C414F-575A-410A-A4F8-43B27EEA184B}"/>
+              </a:ext>
+            </a:extLst>
+          </p:cNvPr>
+          <p:cNvSpPr txBox="1"/>
+          <p:nvPr/>
+        </p:nvSpPr>
+        <p:spPr>
+          <a:xfrm>
+            <a:off x="283325" y="1667260"/>
+            <a:ext cx="3693872" cy="1043619"/>
+          </a:xfrm>
+          <a:prstGeom prst="rect">
+            <a:avLst/>
+          </a:prstGeom>
         </p:spPr>
         <p:txBody>
           <a:bodyPr vert="horz" lIns="91440" tIns="45720" rIns="91440" bIns="45720" rtlCol="0">
             <a:noAutofit/>
           </a:bodyPr>
-          <a:lstStyle/>
-          <a:p>
-            <a:pPr marL="342900" indent="-342900" rtl="0">
+          <a:lstStyle>
+            <a:defPPr rtl="0">
+              <a:defRPr lang="zh-cn"/>
+            </a:defPPr>
+            <a:lvl1pPr>
               <a:lnSpc>
                 <a:spcPct val="150000"/>
               </a:lnSpc>
+              <a:spcBef>
+                <a:spcPts val="500"/>
+              </a:spcBef>
               <a:spcAft>
                 <a:spcPts val="1200"/>
               </a:spcAft>
-              <a:buAutoNum type="arabicPeriod"/>
-            </a:pPr>
-            <a:r>
-              <a:rPr lang="zh-CN" altLang="en-US" sz="1600" dirty="0">
+              <a:defRPr sz="1100">
+                <a:solidFill>
+                  <a:schemeClr val="tx1">
+                    <a:lumMod val="65000"/>
+                    <a:lumOff val="35000"/>
+                  </a:schemeClr>
+                </a:solidFill>
+                <a:latin typeface="Microsoft YaHei UI" panose="020B0503020204020204" pitchFamily="34" charset="-122"/>
+                <a:ea typeface="Microsoft YaHei UI" panose="020B0503020204020204" pitchFamily="34" charset="-122"/>
                 <a:cs typeface="Arial" panose="020B0604020202020204" pitchFamily="34" charset="0"/>
-              </a:rPr>
-              <a:t>框架设计</a:t>
-            </a:r>
-            <a:endParaRPr lang="en-US" altLang="zh-CN" sz="1600" dirty="0">
-              <a:cs typeface="Arial" panose="020B0604020202020204" pitchFamily="34" charset="0"/>
-            </a:endParaRPr>
-          </a:p>
-          <a:p>
-            <a:pPr marL="342900" indent="-342900" rtl="0">
-              <a:lnSpc>
-                <a:spcPct val="150000"/>
-              </a:lnSpc>
+              </a:defRPr>
+            </a:lvl1pPr>
+            <a:lvl2pPr marL="800100" lvl="1" indent="-342900">
+              <a:spcBef>
+                <a:spcPts val="500"/>
+              </a:spcBef>
               <a:spcAft>
                 <a:spcPts val="1200"/>
               </a:spcAft>
+              <a:buFont typeface="Arial" panose="020B0604020202020204" pitchFamily="34" charset="0"/>
               <a:buAutoNum type="arabicPeriod"/>
-            </a:pPr>
-            <a:r>
-              <a:rPr lang="zh-CN" altLang="en-US" dirty="0">
+              <a:defRPr sz="1100">
+                <a:solidFill>
+                  <a:schemeClr val="tx1">
+                    <a:lumMod val="65000"/>
+                    <a:lumOff val="35000"/>
+                  </a:schemeClr>
+                </a:solidFill>
+                <a:latin typeface="Microsoft YaHei UI" panose="020B0503020204020204" pitchFamily="34" charset="-122"/>
+                <a:ea typeface="Microsoft YaHei UI" panose="020B0503020204020204" pitchFamily="34" charset="-122"/>
                 <a:cs typeface="Arial" panose="020B0604020202020204" pitchFamily="34" charset="0"/>
-              </a:rPr>
-              <a:t>服务治理</a:t>
-            </a:r>
-          </a:p>
-        </p:txBody>
-      </p:sp>
+              </a:defRPr>
+            </a:lvl2pPr>
+          </a:lstStyle>
+          <a:p>
+            <a:r>
+              <a:rPr lang="en-US" altLang="zh-CN" dirty="0"/>
+              <a:t>1. </a:t>
+            </a:r>
+            <a:r>
+              <a:rPr lang="en-US" altLang="zh-CN" dirty="0" err="1"/>
+              <a:t>Binlog</a:t>
+            </a:r>
+            <a:r>
+              <a:rPr lang="en-US" altLang="zh-CN" dirty="0"/>
+              <a:t> = </a:t>
+            </a:r>
+            <a:r>
+              <a:rPr lang="en-US" altLang="zh-CN" dirty="0" err="1"/>
+              <a:t>cmd</a:t>
+            </a:r>
+            <a:r>
+              <a:rPr lang="en-US" altLang="zh-CN" dirty="0"/>
+              <a:t> + </a:t>
+            </a:r>
+            <a:r>
+              <a:rPr lang="en-US" altLang="zh-CN" dirty="0" err="1"/>
+              <a:t>idc_no</a:t>
+            </a:r>
+            <a:r>
+              <a:rPr lang="en-US" altLang="zh-CN" dirty="0"/>
+              <a:t> + seq + </a:t>
+            </a:r>
+            <a:r>
+              <a:rPr lang="en-US" altLang="zh-CN" dirty="0" err="1"/>
+              <a:t>ts</a:t>
+            </a:r>
+            <a:endParaRPr lang="en-US" altLang="zh-CN" dirty="0"/>
+          </a:p>
+          <a:p>
+            <a:r>
+              <a:rPr lang="en-US" altLang="zh-CN" dirty="0"/>
+              <a:t>2. </a:t>
+            </a:r>
+            <a:r>
+              <a:rPr lang="en-US" altLang="zh-CN" dirty="0" err="1"/>
+              <a:t>RedisRDB</a:t>
+            </a:r>
+            <a:r>
+              <a:rPr lang="en-US" altLang="zh-CN" dirty="0"/>
+              <a:t> + </a:t>
+            </a:r>
+            <a:r>
+              <a:rPr lang="en-US" altLang="zh-CN" dirty="0" err="1"/>
+              <a:t>binlog</a:t>
+            </a:r>
+            <a:r>
+              <a:rPr lang="en-US" altLang="zh-CN" dirty="0"/>
+              <a:t> offset</a:t>
+            </a:r>
+            <a:r>
+              <a:rPr lang="zh-CN" altLang="en-US" dirty="0"/>
+              <a:t>，避免主从切换导致乱序</a:t>
+            </a:r>
+          </a:p>
+          <a:p>
+            <a:endParaRPr lang="zh-CN" altLang="en-US" dirty="0"/>
+          </a:p>
+        </p:txBody>
+      </p:sp>
+      <p:pic>
+        <p:nvPicPr>
+          <p:cNvPr id="6" name="Picture 5">
+            <a:extLst>
+              <a:ext uri="{FF2B5EF4-FFF2-40B4-BE49-F238E27FC236}">
+                <a16:creationId xmlns:a16="http://schemas.microsoft.com/office/drawing/2014/main" id="{1E7F4777-2733-473E-A7D2-BB2740CC1223}"/>
+              </a:ext>
+            </a:extLst>
+          </p:cNvPr>
+          <p:cNvPicPr>
+            <a:picLocks noChangeAspect="1"/>
+          </p:cNvPicPr>
+          <p:nvPr/>
+        </p:nvPicPr>
+        <p:blipFill>
+          <a:blip r:embed="rId3"/>
+          <a:stretch>
+            <a:fillRect/>
+          </a:stretch>
+        </p:blipFill>
+        <p:spPr>
+          <a:xfrm>
+            <a:off x="5145925" y="2710879"/>
+            <a:ext cx="6762750" cy="2714625"/>
+          </a:xfrm>
+          <a:prstGeom prst="rect">
+            <a:avLst/>
+          </a:prstGeom>
+        </p:spPr>
+      </p:pic>
     </p:spTree>
     <p:extLst>
       <p:ext uri="{BB962C8B-B14F-4D97-AF65-F5344CB8AC3E}">
-        <p14:creationId xmlns:p14="http://schemas.microsoft.com/office/powerpoint/2010/main" val="1107669807"/>
+        <p14:creationId xmlns:p14="http://schemas.microsoft.com/office/powerpoint/2010/main" val="4168058570"/>
       </p:ext>
     </p:extLst>
   </p:cSld>
@@ -3821,10 +4065,45 @@
       </p:grpSpPr>
       <p:sp>
         <p:nvSpPr>
-          <p:cNvPr id="2" name="标题 1">
+          <p:cNvPr id="2" name="标题 1"/>
+          <p:cNvSpPr>
+            <a:spLocks noGrp="1"/>
+          </p:cNvSpPr>
+          <p:nvPr>
+            <p:ph type="title"/>
+          </p:nvPr>
+        </p:nvSpPr>
+        <p:spPr>
+          <a:xfrm>
+            <a:off x="523752" y="0"/>
+            <a:ext cx="10749367" cy="1208868"/>
+          </a:xfrm>
+        </p:spPr>
+        <p:txBody>
+          <a:bodyPr rtlCol="0">
+            <a:normAutofit/>
+          </a:bodyPr>
+          <a:lstStyle/>
+          <a:p>
+            <a:pPr lvl="0"/>
+            <a:r>
+              <a:rPr kumimoji="1" lang="zh-CN" altLang="en-US" sz="3200" dirty="0">
+                <a:cs typeface="Arial" panose="020B0604020202020204" pitchFamily="34" charset="0"/>
+              </a:rPr>
+              <a:t>微服务框架</a:t>
+            </a:r>
+            <a:endParaRPr lang="zh-cn" sz="3400" dirty="0">
+              <a:cs typeface="Arial" panose="020B0604020202020204" pitchFamily="34" charset="0"/>
+            </a:endParaRPr>
+          </a:p>
+        </p:txBody>
+      </p:sp>
+      <p:sp>
+        <p:nvSpPr>
+          <p:cNvPr id="8" name="内容占位符 2">
             <a:extLst>
               <a:ext uri="{FF2B5EF4-FFF2-40B4-BE49-F238E27FC236}">
-                <a16:creationId xmlns:a16="http://schemas.microsoft.com/office/drawing/2014/main" id="{3920C9D1-E3BD-AC4C-8DEF-AFCBAB41DD68}"/>
+                <a16:creationId xmlns:a16="http://schemas.microsoft.com/office/drawing/2014/main" id="{CCFC7069-F5DF-2F42-AAF8-A249400A2CB2}"/>
               </a:ext>
             </a:extLst>
           </p:cNvPr>
@@ -3832,74 +4111,14 @@
             <a:spLocks noGrp="1"/>
           </p:cNvSpPr>
           <p:nvPr>
-            <p:ph type="title"/>
+            <p:ph idx="1"/>
           </p:nvPr>
         </p:nvSpPr>
-        <p:spPr/>
-        <p:txBody>
-          <a:bodyPr/>
-          <a:lstStyle/>
-          <a:p>
-            <a:r>
-              <a:rPr kumimoji="1" lang="zh-CN" altLang="en-US">
-                <a:cs typeface="Arial" panose="020B0604020202020204" pitchFamily="34" charset="0"/>
-              </a:rPr>
-              <a:t>微服务框架</a:t>
-            </a:r>
-            <a:endParaRPr kumimoji="1" lang="zh-CN" altLang="en-US" dirty="0"/>
-          </a:p>
-        </p:txBody>
-      </p:sp>
-      <p:pic>
-        <p:nvPicPr>
-          <p:cNvPr id="4" name="图片 3">
-            <a:extLst>
-              <a:ext uri="{FF2B5EF4-FFF2-40B4-BE49-F238E27FC236}">
-                <a16:creationId xmlns:a16="http://schemas.microsoft.com/office/drawing/2014/main" id="{CE71AEC1-C214-8C43-91DA-3DFC9E892862}"/>
-              </a:ext>
-            </a:extLst>
-          </p:cNvPr>
-          <p:cNvPicPr>
-            <a:picLocks noChangeAspect="1"/>
-          </p:cNvPicPr>
-          <p:nvPr/>
-        </p:nvPicPr>
-        <p:blipFill>
-          <a:blip r:embed="rId3"/>
-          <a:stretch>
-            <a:fillRect/>
-          </a:stretch>
-        </p:blipFill>
         <p:spPr>
           <a:xfrm>
-            <a:off x="5377985" y="1810112"/>
-            <a:ext cx="6654800" cy="2794000"/>
-          </a:xfrm>
-          <a:prstGeom prst="rect">
-            <a:avLst/>
-          </a:prstGeom>
-        </p:spPr>
-      </p:pic>
-      <p:sp>
-        <p:nvSpPr>
-          <p:cNvPr id="6" name="矩形 5">
-            <a:extLst>
-              <a:ext uri="{FF2B5EF4-FFF2-40B4-BE49-F238E27FC236}">
-                <a16:creationId xmlns:a16="http://schemas.microsoft.com/office/drawing/2014/main" id="{731FFBF7-63EB-1A47-92BC-56F4449BA382}"/>
-              </a:ext>
-            </a:extLst>
-          </p:cNvPr>
-          <p:cNvSpPr/>
-          <p:nvPr/>
-        </p:nvSpPr>
-        <p:spPr>
-          <a:xfrm>
-            <a:off x="523751" y="1695748"/>
-            <a:ext cx="4706171" cy="2485960"/>
-          </a:xfrm>
-          <a:prstGeom prst="rect">
-            <a:avLst/>
-          </a:prstGeom>
+            <a:off x="576233" y="1747804"/>
+            <a:ext cx="10805931" cy="4201439"/>
+          </a:xfrm>
         </p:spPr>
         <p:txBody>
           <a:bodyPr vert="horz" lIns="91440" tIns="45720" rIns="91440" bIns="45720" rtlCol="0">
@@ -3907,275 +4126,40 @@
           </a:bodyPr>
           <a:lstStyle/>
           <a:p>
-            <a:pPr>
+            <a:pPr marL="342900" indent="-342900" rtl="0">
               <a:lnSpc>
                 <a:spcPct val="150000"/>
               </a:lnSpc>
-              <a:spcBef>
-                <a:spcPts val="500"/>
-              </a:spcBef>
               <a:spcAft>
                 <a:spcPts val="1200"/>
               </a:spcAft>
+              <a:buAutoNum type="arabicPeriod"/>
             </a:pPr>
             <a:r>
               <a:rPr lang="zh-CN" altLang="en-US" sz="1600" dirty="0">
-                <a:solidFill>
-                  <a:schemeClr val="tx1">
-                    <a:lumMod val="65000"/>
-                    <a:lumOff val="35000"/>
-                  </a:schemeClr>
-                </a:solidFill>
-                <a:latin typeface="Microsoft YaHei UI" panose="020B0503020204020204" pitchFamily="34" charset="-122"/>
-                <a:ea typeface="Microsoft YaHei UI" panose="020B0503020204020204" pitchFamily="34" charset="-122"/>
                 <a:cs typeface="Arial" panose="020B0604020202020204" pitchFamily="34" charset="0"/>
               </a:rPr>
-              <a:t>特性：</a:t>
+              <a:t>框架设计</a:t>
             </a:r>
             <a:endParaRPr lang="en-US" altLang="zh-CN" sz="1600" dirty="0">
-              <a:solidFill>
-                <a:schemeClr val="tx1">
-                  <a:lumMod val="65000"/>
-                  <a:lumOff val="35000"/>
-                </a:schemeClr>
-              </a:solidFill>
-              <a:latin typeface="Microsoft YaHei UI" panose="020B0503020204020204" pitchFamily="34" charset="-122"/>
-              <a:ea typeface="Microsoft YaHei UI" panose="020B0503020204020204" pitchFamily="34" charset="-122"/>
               <a:cs typeface="Arial" panose="020B0604020202020204" pitchFamily="34" charset="0"/>
             </a:endParaRPr>
           </a:p>
           <a:p>
-            <a:pPr marL="800100" lvl="1" indent="-342900">
-              <a:spcBef>
-                <a:spcPts val="500"/>
-              </a:spcBef>
+            <a:pPr marL="342900" indent="-342900" rtl="0">
+              <a:lnSpc>
+                <a:spcPct val="150000"/>
+              </a:lnSpc>
               <a:spcAft>
                 <a:spcPts val="1200"/>
               </a:spcAft>
-              <a:buFont typeface="Arial" panose="020B0604020202020204" pitchFamily="34" charset="0"/>
               <a:buAutoNum type="arabicPeriod"/>
             </a:pPr>
             <a:r>
-              <a:rPr lang="zh-CN" altLang="en-US" sz="1600" dirty="0">
-                <a:solidFill>
-                  <a:schemeClr val="tx1">
-                    <a:lumMod val="65000"/>
-                    <a:lumOff val="35000"/>
-                  </a:schemeClr>
-                </a:solidFill>
-                <a:latin typeface="Microsoft YaHei UI" panose="020B0503020204020204" pitchFamily="34" charset="-122"/>
-                <a:ea typeface="Microsoft YaHei UI" panose="020B0503020204020204" pitchFamily="34" charset="-122"/>
+              <a:rPr lang="zh-CN" altLang="en-US" dirty="0">
                 <a:cs typeface="Arial" panose="020B0604020202020204" pitchFamily="34" charset="0"/>
               </a:rPr>
-              <a:t>支持常见</a:t>
-            </a:r>
-            <a:r>
-              <a:rPr lang="en-US" altLang="zh-CN" sz="1600" dirty="0">
-                <a:solidFill>
-                  <a:schemeClr val="tx1">
-                    <a:lumMod val="65000"/>
-                    <a:lumOff val="35000"/>
-                  </a:schemeClr>
-                </a:solidFill>
-                <a:latin typeface="Microsoft YaHei UI" panose="020B0503020204020204" pitchFamily="34" charset="-122"/>
-                <a:ea typeface="Microsoft YaHei UI" panose="020B0503020204020204" pitchFamily="34" charset="-122"/>
-                <a:cs typeface="Arial" panose="020B0604020202020204" pitchFamily="34" charset="0"/>
-              </a:rPr>
-              <a:t>RPC</a:t>
-            </a:r>
-            <a:r>
-              <a:rPr lang="zh-CN" altLang="en-US" sz="1600" dirty="0">
-                <a:solidFill>
-                  <a:schemeClr val="tx1">
-                    <a:lumMod val="65000"/>
-                    <a:lumOff val="35000"/>
-                  </a:schemeClr>
-                </a:solidFill>
-                <a:latin typeface="Microsoft YaHei UI" panose="020B0503020204020204" pitchFamily="34" charset="-122"/>
-                <a:ea typeface="Microsoft YaHei UI" panose="020B0503020204020204" pitchFamily="34" charset="-122"/>
-                <a:cs typeface="Arial" panose="020B0604020202020204" pitchFamily="34" charset="0"/>
-              </a:rPr>
-              <a:t>框架特性，如同</a:t>
-            </a:r>
-            <a:r>
-              <a:rPr lang="en-US" altLang="zh-CN" sz="1600" dirty="0">
-                <a:solidFill>
-                  <a:schemeClr val="tx1">
-                    <a:lumMod val="65000"/>
-                    <a:lumOff val="35000"/>
-                  </a:schemeClr>
-                </a:solidFill>
-                <a:latin typeface="Microsoft YaHei UI" panose="020B0503020204020204" pitchFamily="34" charset="-122"/>
-                <a:ea typeface="Microsoft YaHei UI" panose="020B0503020204020204" pitchFamily="34" charset="-122"/>
-                <a:cs typeface="Arial" panose="020B0604020202020204" pitchFamily="34" charset="0"/>
-              </a:rPr>
-              <a:t>/</a:t>
-            </a:r>
-            <a:r>
-              <a:rPr lang="zh-CN" altLang="en-US" sz="1600" dirty="0">
-                <a:solidFill>
-                  <a:schemeClr val="tx1">
-                    <a:lumMod val="65000"/>
-                    <a:lumOff val="35000"/>
-                  </a:schemeClr>
-                </a:solidFill>
-                <a:latin typeface="Microsoft YaHei UI" panose="020B0503020204020204" pitchFamily="34" charset="-122"/>
-                <a:ea typeface="Microsoft YaHei UI" panose="020B0503020204020204" pitchFamily="34" charset="-122"/>
-                <a:cs typeface="Arial" panose="020B0604020202020204" pitchFamily="34" charset="0"/>
-              </a:rPr>
-              <a:t>异步调用、动态配置、负载均衡、消息编码、认证等</a:t>
-            </a:r>
-            <a:endParaRPr lang="en-US" altLang="zh-CN" sz="1600" dirty="0">
-              <a:solidFill>
-                <a:schemeClr val="tx1">
-                  <a:lumMod val="65000"/>
-                  <a:lumOff val="35000"/>
-                </a:schemeClr>
-              </a:solidFill>
-              <a:latin typeface="Microsoft YaHei UI" panose="020B0503020204020204" pitchFamily="34" charset="-122"/>
-              <a:ea typeface="Microsoft YaHei UI" panose="020B0503020204020204" pitchFamily="34" charset="-122"/>
-              <a:cs typeface="Arial" panose="020B0604020202020204" pitchFamily="34" charset="0"/>
-            </a:endParaRPr>
-          </a:p>
-          <a:p>
-            <a:pPr marL="800100" lvl="1" indent="-342900">
-              <a:spcBef>
-                <a:spcPts val="500"/>
-              </a:spcBef>
-              <a:spcAft>
-                <a:spcPts val="1200"/>
-              </a:spcAft>
-              <a:buFont typeface="Arial" panose="020B0604020202020204" pitchFamily="34" charset="0"/>
-              <a:buAutoNum type="arabicPeriod"/>
-            </a:pPr>
-            <a:r>
-              <a:rPr lang="zh-CN" altLang="en-US" sz="1600" dirty="0">
-                <a:solidFill>
-                  <a:schemeClr val="tx1">
-                    <a:lumMod val="65000"/>
-                    <a:lumOff val="35000"/>
-                  </a:schemeClr>
-                </a:solidFill>
-                <a:latin typeface="Microsoft YaHei UI" panose="020B0503020204020204" pitchFamily="34" charset="-122"/>
-                <a:ea typeface="Microsoft YaHei UI" panose="020B0503020204020204" pitchFamily="34" charset="-122"/>
-                <a:cs typeface="Arial" panose="020B0604020202020204" pitchFamily="34" charset="0"/>
-              </a:rPr>
-              <a:t>插件化，扩展简单</a:t>
-            </a:r>
-            <a:endParaRPr lang="en-US" altLang="zh-CN" sz="1600" dirty="0">
-              <a:solidFill>
-                <a:schemeClr val="tx1">
-                  <a:lumMod val="65000"/>
-                  <a:lumOff val="35000"/>
-                </a:schemeClr>
-              </a:solidFill>
-              <a:latin typeface="Microsoft YaHei UI" panose="020B0503020204020204" pitchFamily="34" charset="-122"/>
-              <a:ea typeface="Microsoft YaHei UI" panose="020B0503020204020204" pitchFamily="34" charset="-122"/>
-              <a:cs typeface="Arial" panose="020B0604020202020204" pitchFamily="34" charset="0"/>
-            </a:endParaRPr>
-          </a:p>
-          <a:p>
-            <a:pPr marL="800100" lvl="1" indent="-342900">
-              <a:spcBef>
-                <a:spcPts val="500"/>
-              </a:spcBef>
-              <a:spcAft>
-                <a:spcPts val="1200"/>
-              </a:spcAft>
-              <a:buFont typeface="Arial" panose="020B0604020202020204" pitchFamily="34" charset="0"/>
-              <a:buAutoNum type="arabicPeriod"/>
-            </a:pPr>
-            <a:r>
-              <a:rPr lang="zh-CN" altLang="en-US" sz="1600" dirty="0">
-                <a:solidFill>
-                  <a:schemeClr val="tx1">
-                    <a:lumMod val="65000"/>
-                    <a:lumOff val="35000"/>
-                  </a:schemeClr>
-                </a:solidFill>
-                <a:latin typeface="Microsoft YaHei UI" panose="020B0503020204020204" pitchFamily="34" charset="-122"/>
-                <a:ea typeface="Microsoft YaHei UI" panose="020B0503020204020204" pitchFamily="34" charset="-122"/>
-                <a:cs typeface="Arial" panose="020B0604020202020204" pitchFamily="34" charset="0"/>
-              </a:rPr>
-              <a:t>无损接入</a:t>
-            </a:r>
-            <a:r>
-              <a:rPr lang="en-US" altLang="zh-CN" sz="1600" dirty="0">
-                <a:solidFill>
-                  <a:schemeClr val="tx1">
-                    <a:lumMod val="65000"/>
-                    <a:lumOff val="35000"/>
-                  </a:schemeClr>
-                </a:solidFill>
-                <a:latin typeface="Microsoft YaHei UI" panose="020B0503020204020204" pitchFamily="34" charset="-122"/>
-                <a:ea typeface="Microsoft YaHei UI" panose="020B0503020204020204" pitchFamily="34" charset="-122"/>
-                <a:cs typeface="Arial" panose="020B0604020202020204" pitchFamily="34" charset="0"/>
-              </a:rPr>
-              <a:t>HTTP</a:t>
-            </a:r>
-            <a:r>
-              <a:rPr lang="zh-CN" altLang="en-US" sz="1600" dirty="0">
-                <a:solidFill>
-                  <a:schemeClr val="tx1">
-                    <a:lumMod val="65000"/>
-                    <a:lumOff val="35000"/>
-                  </a:schemeClr>
-                </a:solidFill>
-                <a:latin typeface="Microsoft YaHei UI" panose="020B0503020204020204" pitchFamily="34" charset="-122"/>
-                <a:ea typeface="Microsoft YaHei UI" panose="020B0503020204020204" pitchFamily="34" charset="-122"/>
-                <a:cs typeface="Arial" panose="020B0604020202020204" pitchFamily="34" charset="0"/>
-              </a:rPr>
-              <a:t>网关</a:t>
-            </a:r>
-            <a:endParaRPr lang="en-US" altLang="zh-CN" sz="1600" dirty="0">
-              <a:solidFill>
-                <a:schemeClr val="tx1">
-                  <a:lumMod val="65000"/>
-                  <a:lumOff val="35000"/>
-                </a:schemeClr>
-              </a:solidFill>
-              <a:latin typeface="Microsoft YaHei UI" panose="020B0503020204020204" pitchFamily="34" charset="-122"/>
-              <a:ea typeface="Microsoft YaHei UI" panose="020B0503020204020204" pitchFamily="34" charset="-122"/>
-              <a:cs typeface="Arial" panose="020B0604020202020204" pitchFamily="34" charset="0"/>
-            </a:endParaRPr>
-          </a:p>
-        </p:txBody>
-      </p:sp>
-      <p:sp>
-        <p:nvSpPr>
-          <p:cNvPr id="5" name="文本框 60">
-            <a:extLst>
-              <a:ext uri="{FF2B5EF4-FFF2-40B4-BE49-F238E27FC236}">
-                <a16:creationId xmlns:a16="http://schemas.microsoft.com/office/drawing/2014/main" id="{89FC56D0-B443-4EF7-8C3F-1E5FDCA7939B}"/>
-              </a:ext>
-            </a:extLst>
-          </p:cNvPr>
-          <p:cNvSpPr txBox="1"/>
-          <p:nvPr/>
-        </p:nvSpPr>
-        <p:spPr>
-          <a:xfrm>
-            <a:off x="10869439" y="751916"/>
-            <a:ext cx="1146468" cy="369332"/>
-          </a:xfrm>
-          <a:prstGeom prst="rect">
-            <a:avLst/>
-          </a:prstGeom>
-          <a:noFill/>
-        </p:spPr>
-        <p:txBody>
-          <a:bodyPr wrap="none" rtlCol="0">
-            <a:spAutoFit/>
-          </a:bodyPr>
-          <a:lstStyle/>
-          <a:p>
-            <a:r>
-              <a:rPr kumimoji="1" lang="zh-CN" altLang="en-US" dirty="0">
-                <a:solidFill>
-                  <a:schemeClr val="bg1"/>
-                </a:solidFill>
-              </a:rPr>
-              <a:t>工作模型</a:t>
+              <a:t>服务治理</a:t>
             </a:r>
           </a:p>
         </p:txBody>
@@ -4183,7 +4167,7 @@
     </p:spTree>
     <p:extLst>
       <p:ext uri="{BB962C8B-B14F-4D97-AF65-F5344CB8AC3E}">
-        <p14:creationId xmlns:p14="http://schemas.microsoft.com/office/powerpoint/2010/main" val="1074200280"/>
+        <p14:creationId xmlns:p14="http://schemas.microsoft.com/office/powerpoint/2010/main" val="1107669807"/>
       </p:ext>
     </p:extLst>
   </p:cSld>
@@ -4215,7 +4199,7 @@
           <p:cNvPr id="2" name="标题 1">
             <a:extLst>
               <a:ext uri="{FF2B5EF4-FFF2-40B4-BE49-F238E27FC236}">
-                <a16:creationId xmlns:a16="http://schemas.microsoft.com/office/drawing/2014/main" id="{C75FFD5E-AAB2-EE4F-A005-27D12017E73E}"/>
+                <a16:creationId xmlns:a16="http://schemas.microsoft.com/office/drawing/2014/main" id="{3920C9D1-E3BD-AC4C-8DEF-AFCBAB41DD68}"/>
               </a:ext>
             </a:extLst>
           </p:cNvPr>
@@ -4226,18 +4210,13 @@
             <p:ph type="title"/>
           </p:nvPr>
         </p:nvSpPr>
-        <p:spPr>
-          <a:xfrm>
-            <a:off x="152625" y="40262"/>
-            <a:ext cx="10749367" cy="1208868"/>
-          </a:xfrm>
-        </p:spPr>
+        <p:spPr/>
         <p:txBody>
           <a:bodyPr/>
           <a:lstStyle/>
           <a:p>
             <a:r>
-              <a:rPr kumimoji="1" lang="zh-CN" altLang="en-US" dirty="0">
+              <a:rPr kumimoji="1" lang="zh-CN" altLang="en-US">
                 <a:cs typeface="Arial" panose="020B0604020202020204" pitchFamily="34" charset="0"/>
               </a:rPr>
               <a:t>微服务框架</a:t>
@@ -4246,12 +4225,42 @@
           </a:p>
         </p:txBody>
       </p:sp>
-      <p:sp>
-        <p:nvSpPr>
-          <p:cNvPr id="4" name="Google Shape;311;p32">
+      <p:pic>
+        <p:nvPicPr>
+          <p:cNvPr id="4" name="图片 3">
             <a:extLst>
               <a:ext uri="{FF2B5EF4-FFF2-40B4-BE49-F238E27FC236}">
-                <a16:creationId xmlns:a16="http://schemas.microsoft.com/office/drawing/2014/main" id="{767B2FB0-76F4-454E-A18A-591FBB3DD71B}"/>
+                <a16:creationId xmlns:a16="http://schemas.microsoft.com/office/drawing/2014/main" id="{CE71AEC1-C214-8C43-91DA-3DFC9E892862}"/>
+              </a:ext>
+            </a:extLst>
+          </p:cNvPr>
+          <p:cNvPicPr>
+            <a:picLocks noChangeAspect="1"/>
+          </p:cNvPicPr>
+          <p:nvPr/>
+        </p:nvPicPr>
+        <p:blipFill>
+          <a:blip r:embed="rId3"/>
+          <a:stretch>
+            <a:fillRect/>
+          </a:stretch>
+        </p:blipFill>
+        <p:spPr>
+          <a:xfrm>
+            <a:off x="5377985" y="1810112"/>
+            <a:ext cx="6654800" cy="2794000"/>
+          </a:xfrm>
+          <a:prstGeom prst="rect">
+            <a:avLst/>
+          </a:prstGeom>
+        </p:spPr>
+      </p:pic>
+      <p:sp>
+        <p:nvSpPr>
+          <p:cNvPr id="6" name="矩形 5">
+            <a:extLst>
+              <a:ext uri="{FF2B5EF4-FFF2-40B4-BE49-F238E27FC236}">
+                <a16:creationId xmlns:a16="http://schemas.microsoft.com/office/drawing/2014/main" id="{731FFBF7-63EB-1A47-92BC-56F4449BA382}"/>
               </a:ext>
             </a:extLst>
           </p:cNvPr>
@@ -4260,300 +4269,259 @@
         </p:nvSpPr>
         <p:spPr>
           <a:xfrm>
-            <a:off x="6060692" y="4159314"/>
-            <a:ext cx="702326" cy="388345"/>
+            <a:off x="523751" y="1695748"/>
+            <a:ext cx="4706171" cy="2485960"/>
           </a:xfrm>
           <a:prstGeom prst="rect">
             <a:avLst/>
           </a:prstGeom>
-          <a:solidFill>
-            <a:srgbClr val="FFD64D"/>
-          </a:solidFill>
-          <a:ln w="25400" cap="flat" cmpd="sng">
-            <a:solidFill>
-              <a:schemeClr val="lt1"/>
-            </a:solidFill>
-            <a:prstDash val="solid"/>
-            <a:round/>
-            <a:headEnd type="none" w="sm" len="sm"/>
-            <a:tailEnd type="none" w="sm" len="sm"/>
-          </a:ln>
-        </p:spPr>
-        <p:txBody>
-          <a:bodyPr spcFirstLastPara="1" wrap="square" lIns="68575" tIns="34275" rIns="68575" bIns="34275" anchor="ctr" anchorCtr="0">
+        </p:spPr>
+        <p:txBody>
+          <a:bodyPr vert="horz" lIns="91440" tIns="45720" rIns="91440" bIns="45720" rtlCol="0">
             <a:noAutofit/>
           </a:bodyPr>
           <a:lstStyle/>
           <a:p>
-            <a:pPr marL="0" marR="0" lvl="0" indent="0" algn="ctr" rtl="0">
+            <a:pPr>
               <a:lnSpc>
-                <a:spcPct val="100000"/>
+                <a:spcPct val="150000"/>
               </a:lnSpc>
               <a:spcBef>
-                <a:spcPts val="0"/>
+                <a:spcPts val="500"/>
               </a:spcBef>
               <a:spcAft>
-                <a:spcPts val="0"/>
+                <a:spcPts val="1200"/>
               </a:spcAft>
-              <a:buNone/>
             </a:pPr>
             <a:r>
-              <a:rPr lang="en-US" sz="1350" b="0" i="0" u="none" strike="noStrike" cap="none" dirty="0">
-                <a:latin typeface="Arial" panose="020B0604020202020204"/>
-                <a:ea typeface="Arial" panose="020B0604020202020204"/>
-                <a:cs typeface="Arial" panose="020B0604020202020204"/>
-                <a:sym typeface="Arial" panose="020B0604020202020204"/>
-              </a:rPr>
-              <a:t>Client</a:t>
-            </a:r>
-          </a:p>
-        </p:txBody>
-      </p:sp>
-      <p:sp>
-        <p:nvSpPr>
-          <p:cNvPr id="5" name="Google Shape;312;p32">
+              <a:rPr lang="zh-CN" altLang="en-US" sz="1600" dirty="0">
+                <a:solidFill>
+                  <a:schemeClr val="tx1">
+                    <a:lumMod val="65000"/>
+                    <a:lumOff val="35000"/>
+                  </a:schemeClr>
+                </a:solidFill>
+                <a:latin typeface="Microsoft YaHei UI" panose="020B0503020204020204" pitchFamily="34" charset="-122"/>
+                <a:ea typeface="Microsoft YaHei UI" panose="020B0503020204020204" pitchFamily="34" charset="-122"/>
+                <a:cs typeface="Arial" panose="020B0604020202020204" pitchFamily="34" charset="0"/>
+              </a:rPr>
+              <a:t>特性：</a:t>
+            </a:r>
+            <a:endParaRPr lang="en-US" altLang="zh-CN" sz="1600" dirty="0">
+              <a:solidFill>
+                <a:schemeClr val="tx1">
+                  <a:lumMod val="65000"/>
+                  <a:lumOff val="35000"/>
+                </a:schemeClr>
+              </a:solidFill>
+              <a:latin typeface="Microsoft YaHei UI" panose="020B0503020204020204" pitchFamily="34" charset="-122"/>
+              <a:ea typeface="Microsoft YaHei UI" panose="020B0503020204020204" pitchFamily="34" charset="-122"/>
+              <a:cs typeface="Arial" panose="020B0604020202020204" pitchFamily="34" charset="0"/>
+            </a:endParaRPr>
+          </a:p>
+          <a:p>
+            <a:pPr marL="800100" lvl="1" indent="-342900">
+              <a:spcBef>
+                <a:spcPts val="500"/>
+              </a:spcBef>
+              <a:spcAft>
+                <a:spcPts val="1200"/>
+              </a:spcAft>
+              <a:buFont typeface="Arial" panose="020B0604020202020204" pitchFamily="34" charset="0"/>
+              <a:buAutoNum type="arabicPeriod"/>
+            </a:pPr>
+            <a:r>
+              <a:rPr lang="zh-CN" altLang="en-US" sz="1600" dirty="0">
+                <a:solidFill>
+                  <a:schemeClr val="tx1">
+                    <a:lumMod val="65000"/>
+                    <a:lumOff val="35000"/>
+                  </a:schemeClr>
+                </a:solidFill>
+                <a:latin typeface="Microsoft YaHei UI" panose="020B0503020204020204" pitchFamily="34" charset="-122"/>
+                <a:ea typeface="Microsoft YaHei UI" panose="020B0503020204020204" pitchFamily="34" charset="-122"/>
+                <a:cs typeface="Arial" panose="020B0604020202020204" pitchFamily="34" charset="0"/>
+              </a:rPr>
+              <a:t>支持常见</a:t>
+            </a:r>
+            <a:r>
+              <a:rPr lang="en-US" altLang="zh-CN" sz="1600" dirty="0">
+                <a:solidFill>
+                  <a:schemeClr val="tx1">
+                    <a:lumMod val="65000"/>
+                    <a:lumOff val="35000"/>
+                  </a:schemeClr>
+                </a:solidFill>
+                <a:latin typeface="Microsoft YaHei UI" panose="020B0503020204020204" pitchFamily="34" charset="-122"/>
+                <a:ea typeface="Microsoft YaHei UI" panose="020B0503020204020204" pitchFamily="34" charset="-122"/>
+                <a:cs typeface="Arial" panose="020B0604020202020204" pitchFamily="34" charset="0"/>
+              </a:rPr>
+              <a:t>RPC</a:t>
+            </a:r>
+            <a:r>
+              <a:rPr lang="zh-CN" altLang="en-US" sz="1600" dirty="0">
+                <a:solidFill>
+                  <a:schemeClr val="tx1">
+                    <a:lumMod val="65000"/>
+                    <a:lumOff val="35000"/>
+                  </a:schemeClr>
+                </a:solidFill>
+                <a:latin typeface="Microsoft YaHei UI" panose="020B0503020204020204" pitchFamily="34" charset="-122"/>
+                <a:ea typeface="Microsoft YaHei UI" panose="020B0503020204020204" pitchFamily="34" charset="-122"/>
+                <a:cs typeface="Arial" panose="020B0604020202020204" pitchFamily="34" charset="0"/>
+              </a:rPr>
+              <a:t>框架特性，如同</a:t>
+            </a:r>
+            <a:r>
+              <a:rPr lang="en-US" altLang="zh-CN" sz="1600" dirty="0">
+                <a:solidFill>
+                  <a:schemeClr val="tx1">
+                    <a:lumMod val="65000"/>
+                    <a:lumOff val="35000"/>
+                  </a:schemeClr>
+                </a:solidFill>
+                <a:latin typeface="Microsoft YaHei UI" panose="020B0503020204020204" pitchFamily="34" charset="-122"/>
+                <a:ea typeface="Microsoft YaHei UI" panose="020B0503020204020204" pitchFamily="34" charset="-122"/>
+                <a:cs typeface="Arial" panose="020B0604020202020204" pitchFamily="34" charset="0"/>
+              </a:rPr>
+              <a:t>/</a:t>
+            </a:r>
+            <a:r>
+              <a:rPr lang="zh-CN" altLang="en-US" sz="1600" dirty="0">
+                <a:solidFill>
+                  <a:schemeClr val="tx1">
+                    <a:lumMod val="65000"/>
+                    <a:lumOff val="35000"/>
+                  </a:schemeClr>
+                </a:solidFill>
+                <a:latin typeface="Microsoft YaHei UI" panose="020B0503020204020204" pitchFamily="34" charset="-122"/>
+                <a:ea typeface="Microsoft YaHei UI" panose="020B0503020204020204" pitchFamily="34" charset="-122"/>
+                <a:cs typeface="Arial" panose="020B0604020202020204" pitchFamily="34" charset="0"/>
+              </a:rPr>
+              <a:t>异步调用、动态配置、负载均衡、消息编码、认证等</a:t>
+            </a:r>
+            <a:endParaRPr lang="en-US" altLang="zh-CN" sz="1600" dirty="0">
+              <a:solidFill>
+                <a:schemeClr val="tx1">
+                  <a:lumMod val="65000"/>
+                  <a:lumOff val="35000"/>
+                </a:schemeClr>
+              </a:solidFill>
+              <a:latin typeface="Microsoft YaHei UI" panose="020B0503020204020204" pitchFamily="34" charset="-122"/>
+              <a:ea typeface="Microsoft YaHei UI" panose="020B0503020204020204" pitchFamily="34" charset="-122"/>
+              <a:cs typeface="Arial" panose="020B0604020202020204" pitchFamily="34" charset="0"/>
+            </a:endParaRPr>
+          </a:p>
+          <a:p>
+            <a:pPr marL="800100" lvl="1" indent="-342900">
+              <a:spcBef>
+                <a:spcPts val="500"/>
+              </a:spcBef>
+              <a:spcAft>
+                <a:spcPts val="1200"/>
+              </a:spcAft>
+              <a:buFont typeface="Arial" panose="020B0604020202020204" pitchFamily="34" charset="0"/>
+              <a:buAutoNum type="arabicPeriod"/>
+            </a:pPr>
+            <a:r>
+              <a:rPr lang="zh-CN" altLang="en-US" sz="1600" dirty="0">
+                <a:solidFill>
+                  <a:schemeClr val="tx1">
+                    <a:lumMod val="65000"/>
+                    <a:lumOff val="35000"/>
+                  </a:schemeClr>
+                </a:solidFill>
+                <a:latin typeface="Microsoft YaHei UI" panose="020B0503020204020204" pitchFamily="34" charset="-122"/>
+                <a:ea typeface="Microsoft YaHei UI" panose="020B0503020204020204" pitchFamily="34" charset="-122"/>
+                <a:cs typeface="Arial" panose="020B0604020202020204" pitchFamily="34" charset="0"/>
+              </a:rPr>
+              <a:t>插件化，扩展简单</a:t>
+            </a:r>
+            <a:endParaRPr lang="en-US" altLang="zh-CN" sz="1600" dirty="0">
+              <a:solidFill>
+                <a:schemeClr val="tx1">
+                  <a:lumMod val="65000"/>
+                  <a:lumOff val="35000"/>
+                </a:schemeClr>
+              </a:solidFill>
+              <a:latin typeface="Microsoft YaHei UI" panose="020B0503020204020204" pitchFamily="34" charset="-122"/>
+              <a:ea typeface="Microsoft YaHei UI" panose="020B0503020204020204" pitchFamily="34" charset="-122"/>
+              <a:cs typeface="Arial" panose="020B0604020202020204" pitchFamily="34" charset="0"/>
+            </a:endParaRPr>
+          </a:p>
+          <a:p>
+            <a:pPr marL="800100" lvl="1" indent="-342900">
+              <a:spcBef>
+                <a:spcPts val="500"/>
+              </a:spcBef>
+              <a:spcAft>
+                <a:spcPts val="1200"/>
+              </a:spcAft>
+              <a:buFont typeface="Arial" panose="020B0604020202020204" pitchFamily="34" charset="0"/>
+              <a:buAutoNum type="arabicPeriod"/>
+            </a:pPr>
+            <a:r>
+              <a:rPr lang="zh-CN" altLang="en-US" sz="1600" dirty="0">
+                <a:solidFill>
+                  <a:schemeClr val="tx1">
+                    <a:lumMod val="65000"/>
+                    <a:lumOff val="35000"/>
+                  </a:schemeClr>
+                </a:solidFill>
+                <a:latin typeface="Microsoft YaHei UI" panose="020B0503020204020204" pitchFamily="34" charset="-122"/>
+                <a:ea typeface="Microsoft YaHei UI" panose="020B0503020204020204" pitchFamily="34" charset="-122"/>
+                <a:cs typeface="Arial" panose="020B0604020202020204" pitchFamily="34" charset="0"/>
+              </a:rPr>
+              <a:t>无损接入</a:t>
+            </a:r>
+            <a:r>
+              <a:rPr lang="en-US" altLang="zh-CN" sz="1600" dirty="0">
+                <a:solidFill>
+                  <a:schemeClr val="tx1">
+                    <a:lumMod val="65000"/>
+                    <a:lumOff val="35000"/>
+                  </a:schemeClr>
+                </a:solidFill>
+                <a:latin typeface="Microsoft YaHei UI" panose="020B0503020204020204" pitchFamily="34" charset="-122"/>
+                <a:ea typeface="Microsoft YaHei UI" panose="020B0503020204020204" pitchFamily="34" charset="-122"/>
+                <a:cs typeface="Arial" panose="020B0604020202020204" pitchFamily="34" charset="0"/>
+              </a:rPr>
+              <a:t>HTTP</a:t>
+            </a:r>
+            <a:r>
+              <a:rPr lang="zh-CN" altLang="en-US" sz="1600" dirty="0">
+                <a:solidFill>
+                  <a:schemeClr val="tx1">
+                    <a:lumMod val="65000"/>
+                    <a:lumOff val="35000"/>
+                  </a:schemeClr>
+                </a:solidFill>
+                <a:latin typeface="Microsoft YaHei UI" panose="020B0503020204020204" pitchFamily="34" charset="-122"/>
+                <a:ea typeface="Microsoft YaHei UI" panose="020B0503020204020204" pitchFamily="34" charset="-122"/>
+                <a:cs typeface="Arial" panose="020B0604020202020204" pitchFamily="34" charset="0"/>
+              </a:rPr>
+              <a:t>网关</a:t>
+            </a:r>
+            <a:endParaRPr lang="en-US" altLang="zh-CN" sz="1600" dirty="0">
+              <a:solidFill>
+                <a:schemeClr val="tx1">
+                  <a:lumMod val="65000"/>
+                  <a:lumOff val="35000"/>
+                </a:schemeClr>
+              </a:solidFill>
+              <a:latin typeface="Microsoft YaHei UI" panose="020B0503020204020204" pitchFamily="34" charset="-122"/>
+              <a:ea typeface="Microsoft YaHei UI" panose="020B0503020204020204" pitchFamily="34" charset="-122"/>
+              <a:cs typeface="Arial" panose="020B0604020202020204" pitchFamily="34" charset="0"/>
+            </a:endParaRPr>
+          </a:p>
+        </p:txBody>
+      </p:sp>
+      <p:sp>
+        <p:nvSpPr>
+          <p:cNvPr id="5" name="文本框 60">
             <a:extLst>
               <a:ext uri="{FF2B5EF4-FFF2-40B4-BE49-F238E27FC236}">
-                <a16:creationId xmlns:a16="http://schemas.microsoft.com/office/drawing/2014/main" id="{EE88F691-71FF-9644-B2D0-4E0E66CE3844}"/>
-              </a:ext>
-            </a:extLst>
-          </p:cNvPr>
-          <p:cNvSpPr/>
-          <p:nvPr/>
-        </p:nvSpPr>
-        <p:spPr>
-          <a:xfrm>
-            <a:off x="6057838" y="4545040"/>
-            <a:ext cx="4131140" cy="388345"/>
-          </a:xfrm>
-          <a:prstGeom prst="rect">
-            <a:avLst/>
-          </a:prstGeom>
-          <a:solidFill>
-            <a:srgbClr val="FF9694"/>
-          </a:solidFill>
-          <a:ln w="25400" cap="flat" cmpd="sng">
-            <a:solidFill>
-              <a:schemeClr val="lt1"/>
-            </a:solidFill>
-            <a:prstDash val="solid"/>
-            <a:round/>
-            <a:headEnd type="none" w="sm" len="sm"/>
-            <a:tailEnd type="none" w="sm" len="sm"/>
-          </a:ln>
-          <a:effectLst>
-            <a:softEdge rad="0"/>
-          </a:effectLst>
-        </p:spPr>
-        <p:txBody>
-          <a:bodyPr spcFirstLastPara="1" wrap="square" lIns="68575" tIns="34275" rIns="68575" bIns="34275" anchor="ctr" anchorCtr="0">
-            <a:noAutofit/>
-          </a:bodyPr>
-          <a:lstStyle/>
-          <a:p>
-            <a:pPr marL="0" marR="0" lvl="0" indent="0" algn="ctr" rtl="0">
-              <a:lnSpc>
-                <a:spcPct val="100000"/>
-              </a:lnSpc>
-              <a:spcBef>
-                <a:spcPts val="0"/>
-              </a:spcBef>
-              <a:spcAft>
-                <a:spcPts val="0"/>
-              </a:spcAft>
-              <a:buNone/>
-            </a:pPr>
-            <a:r>
-              <a:rPr lang="en-US" sz="1350" b="0" i="0" u="none" strike="noStrike" cap="none" dirty="0">
-                <a:solidFill>
-                  <a:schemeClr val="lt1"/>
-                </a:solidFill>
-                <a:latin typeface="Arial" panose="020B0604020202020204"/>
-                <a:ea typeface="Arial" panose="020B0604020202020204"/>
-                <a:cs typeface="Arial" panose="020B0604020202020204"/>
-                <a:sym typeface="Arial" panose="020B0604020202020204"/>
-              </a:rPr>
-              <a:t>Service</a:t>
-            </a:r>
-          </a:p>
-        </p:txBody>
-      </p:sp>
-      <p:sp>
-        <p:nvSpPr>
-          <p:cNvPr id="6" name="Google Shape;313;p32">
-            <a:extLst>
-              <a:ext uri="{FF2B5EF4-FFF2-40B4-BE49-F238E27FC236}">
-                <a16:creationId xmlns:a16="http://schemas.microsoft.com/office/drawing/2014/main" id="{3DF8B4C3-D161-F64B-9CA5-93DF09554F49}"/>
-              </a:ext>
-            </a:extLst>
-          </p:cNvPr>
-          <p:cNvSpPr/>
-          <p:nvPr/>
-        </p:nvSpPr>
-        <p:spPr>
-          <a:xfrm>
-            <a:off x="9482693" y="2892156"/>
-            <a:ext cx="702326" cy="312857"/>
-          </a:xfrm>
-          <a:prstGeom prst="rect">
-            <a:avLst/>
-          </a:prstGeom>
-          <a:solidFill>
-            <a:srgbClr val="696774"/>
-          </a:solidFill>
-          <a:ln w="25400" cap="flat" cmpd="sng">
-            <a:solidFill>
-              <a:schemeClr val="lt1"/>
-            </a:solidFill>
-            <a:prstDash val="solid"/>
-            <a:round/>
-            <a:headEnd type="none" w="sm" len="sm"/>
-            <a:tailEnd type="none" w="sm" len="sm"/>
-          </a:ln>
-        </p:spPr>
-        <p:txBody>
-          <a:bodyPr spcFirstLastPara="1" wrap="square" lIns="68575" tIns="34275" rIns="68575" bIns="34275" anchor="ctr" anchorCtr="0">
-            <a:noAutofit/>
-          </a:bodyPr>
-          <a:lstStyle/>
-          <a:p>
-            <a:pPr marL="0" marR="0" lvl="0" indent="0" algn="ctr" rtl="0">
-              <a:lnSpc>
-                <a:spcPct val="100000"/>
-              </a:lnSpc>
-              <a:spcBef>
-                <a:spcPts val="0"/>
-              </a:spcBef>
-              <a:spcAft>
-                <a:spcPts val="0"/>
-              </a:spcAft>
-              <a:buNone/>
-            </a:pPr>
-            <a:r>
-              <a:rPr lang="en-US" sz="1350" b="0" i="0" u="none" strike="noStrike" cap="none">
-                <a:solidFill>
-                  <a:schemeClr val="lt1"/>
-                </a:solidFill>
-                <a:latin typeface="Arial" panose="020B0604020202020204"/>
-                <a:ea typeface="Arial" panose="020B0604020202020204"/>
-                <a:cs typeface="Arial" panose="020B0604020202020204"/>
-                <a:sym typeface="Arial" panose="020B0604020202020204"/>
-              </a:rPr>
-              <a:t>Broker</a:t>
-            </a:r>
-          </a:p>
-        </p:txBody>
-      </p:sp>
-      <p:sp>
-        <p:nvSpPr>
-          <p:cNvPr id="7" name="Google Shape;314;p32">
-            <a:extLst>
-              <a:ext uri="{FF2B5EF4-FFF2-40B4-BE49-F238E27FC236}">
-                <a16:creationId xmlns:a16="http://schemas.microsoft.com/office/drawing/2014/main" id="{C0F51ACE-A385-A541-8F1B-F9840CAFC774}"/>
-              </a:ext>
-            </a:extLst>
-          </p:cNvPr>
-          <p:cNvSpPr/>
-          <p:nvPr/>
-        </p:nvSpPr>
-        <p:spPr>
-          <a:xfrm>
-            <a:off x="9482489" y="4159313"/>
-            <a:ext cx="702326" cy="388345"/>
-          </a:xfrm>
-          <a:prstGeom prst="rect">
-            <a:avLst/>
-          </a:prstGeom>
-          <a:solidFill>
-            <a:srgbClr val="50DBCF"/>
-          </a:solidFill>
-          <a:ln w="25400" cap="flat" cmpd="sng">
-            <a:solidFill>
-              <a:schemeClr val="lt1"/>
-            </a:solidFill>
-            <a:prstDash val="solid"/>
-            <a:round/>
-            <a:headEnd type="none" w="sm" len="sm"/>
-            <a:tailEnd type="none" w="sm" len="sm"/>
-          </a:ln>
-        </p:spPr>
-        <p:txBody>
-          <a:bodyPr spcFirstLastPara="1" wrap="square" lIns="68575" tIns="34275" rIns="68575" bIns="34275" anchor="ctr" anchorCtr="0">
-            <a:noAutofit/>
-          </a:bodyPr>
-          <a:lstStyle/>
-          <a:p>
-            <a:pPr marL="0" marR="0" lvl="0" indent="0" algn="ctr" rtl="0">
-              <a:lnSpc>
-                <a:spcPct val="100000"/>
-              </a:lnSpc>
-              <a:spcBef>
-                <a:spcPts val="0"/>
-              </a:spcBef>
-              <a:spcAft>
-                <a:spcPts val="0"/>
-              </a:spcAft>
-              <a:buNone/>
-            </a:pPr>
-            <a:r>
-              <a:rPr lang="en-US" sz="1350" b="0" i="0" u="none" strike="noStrike" cap="none" dirty="0">
-                <a:solidFill>
-                  <a:schemeClr val="lt1"/>
-                </a:solidFill>
-                <a:latin typeface="Arial" panose="020B0604020202020204"/>
-                <a:ea typeface="Arial" panose="020B0604020202020204"/>
-                <a:cs typeface="Arial" panose="020B0604020202020204"/>
-                <a:sym typeface="Arial" panose="020B0604020202020204"/>
-              </a:rPr>
-              <a:t>Server</a:t>
-            </a:r>
-          </a:p>
-        </p:txBody>
-      </p:sp>
-      <p:cxnSp>
-        <p:nvCxnSpPr>
-          <p:cNvPr id="8" name="Google Shape;315;p32">
-            <a:extLst>
-              <a:ext uri="{FF2B5EF4-FFF2-40B4-BE49-F238E27FC236}">
-                <a16:creationId xmlns:a16="http://schemas.microsoft.com/office/drawing/2014/main" id="{D1A7BC5C-DA99-D948-9B05-CC7B90C280A4}"/>
-              </a:ext>
-            </a:extLst>
-          </p:cNvPr>
-          <p:cNvCxnSpPr>
-            <a:cxnSpLocks/>
-            <a:stCxn id="5" idx="3"/>
-            <a:endCxn id="7" idx="3"/>
-          </p:cNvCxnSpPr>
-          <p:nvPr/>
-        </p:nvCxnSpPr>
-        <p:spPr>
-          <a:xfrm rot="10800000">
-            <a:off x="10184778" y="4353412"/>
-            <a:ext cx="4200" cy="385800"/>
-          </a:xfrm>
-          <a:prstGeom prst="curvedConnector3">
-            <a:avLst>
-              <a:gd name="adj1" fmla="val -4082633"/>
-            </a:avLst>
-          </a:prstGeom>
-          <a:noFill/>
-          <a:ln w="28575" cap="flat" cmpd="sng">
-            <a:solidFill>
-              <a:srgbClr val="805AFF"/>
-            </a:solidFill>
-            <a:prstDash val="dash"/>
-            <a:round/>
-            <a:headEnd type="none" w="sm" len="sm"/>
-            <a:tailEnd type="triangle" w="med" len="med"/>
-          </a:ln>
-        </p:spPr>
-      </p:cxnSp>
-      <p:sp>
-        <p:nvSpPr>
-          <p:cNvPr id="9" name="Google Shape;316;p32">
-            <a:extLst>
-              <a:ext uri="{FF2B5EF4-FFF2-40B4-BE49-F238E27FC236}">
-                <a16:creationId xmlns:a16="http://schemas.microsoft.com/office/drawing/2014/main" id="{5E1A2559-30DF-C345-A2B3-13A4D9772E6F}"/>
+                <a16:creationId xmlns:a16="http://schemas.microsoft.com/office/drawing/2014/main" id="{89FC56D0-B443-4EF7-8C3F-1E5FDCA7939B}"/>
               </a:ext>
             </a:extLst>
           </p:cNvPr>
@@ -4562,2246 +4530,13 @@
         </p:nvSpPr>
         <p:spPr>
           <a:xfrm>
-            <a:off x="10297416" y="4439130"/>
-            <a:ext cx="732559" cy="300082"/>
+            <a:off x="10869439" y="751916"/>
+            <a:ext cx="1146468" cy="369332"/>
           </a:xfrm>
           <a:prstGeom prst="rect">
             <a:avLst/>
           </a:prstGeom>
           <a:noFill/>
-          <a:ln>
-            <a:noFill/>
-          </a:ln>
-        </p:spPr>
-        <p:txBody>
-          <a:bodyPr spcFirstLastPara="1" wrap="square" lIns="91425" tIns="45700" rIns="91425" bIns="45700" anchor="t" anchorCtr="0">
-            <a:noAutofit/>
-          </a:bodyPr>
-          <a:lstStyle/>
-          <a:p>
-            <a:pPr marL="0" marR="0" lvl="0" indent="0" algn="l" rtl="0">
-              <a:lnSpc>
-                <a:spcPct val="100000"/>
-              </a:lnSpc>
-              <a:spcBef>
-                <a:spcPts val="0"/>
-              </a:spcBef>
-              <a:spcAft>
-                <a:spcPts val="0"/>
-              </a:spcAft>
-              <a:buNone/>
-            </a:pPr>
-            <a:r>
-              <a:rPr lang="en-US" sz="1350" b="0" i="0" u="none" strike="noStrike" cap="none">
-                <a:solidFill>
-                  <a:srgbClr val="000000"/>
-                </a:solidFill>
-                <a:latin typeface="Arial" panose="020B0604020202020204"/>
-                <a:ea typeface="Arial" panose="020B0604020202020204"/>
-                <a:cs typeface="Arial" panose="020B0604020202020204"/>
-                <a:sym typeface="Arial" panose="020B0604020202020204"/>
-              </a:rPr>
-              <a:t>start</a:t>
-            </a:r>
-            <a:endParaRPr sz="1350" b="0" i="0" u="none" strike="noStrike" cap="none">
-              <a:solidFill>
-                <a:srgbClr val="000000"/>
-              </a:solidFill>
-              <a:latin typeface="Arial" panose="020B0604020202020204"/>
-              <a:ea typeface="Arial" panose="020B0604020202020204"/>
-              <a:cs typeface="Arial" panose="020B0604020202020204"/>
-              <a:sym typeface="Arial" panose="020B0604020202020204"/>
-            </a:endParaRPr>
-          </a:p>
-        </p:txBody>
-      </p:sp>
-      <p:sp>
-        <p:nvSpPr>
-          <p:cNvPr id="10" name="Google Shape;317;p32">
-            <a:extLst>
-              <a:ext uri="{FF2B5EF4-FFF2-40B4-BE49-F238E27FC236}">
-                <a16:creationId xmlns:a16="http://schemas.microsoft.com/office/drawing/2014/main" id="{D947186D-0F4A-FF49-B5E8-79DD262080AA}"/>
-              </a:ext>
-            </a:extLst>
-          </p:cNvPr>
-          <p:cNvSpPr/>
-          <p:nvPr/>
-        </p:nvSpPr>
-        <p:spPr>
-          <a:xfrm>
-            <a:off x="8138183" y="5317124"/>
-            <a:ext cx="1167962" cy="383721"/>
-          </a:xfrm>
-          <a:prstGeom prst="rect">
-            <a:avLst/>
-          </a:prstGeom>
-          <a:solidFill>
-            <a:srgbClr val="560A30"/>
-          </a:solidFill>
-          <a:ln w="25400" cap="flat" cmpd="sng">
-            <a:solidFill>
-              <a:schemeClr val="lt1"/>
-            </a:solidFill>
-            <a:prstDash val="solid"/>
-            <a:round/>
-            <a:headEnd type="none" w="sm" len="sm"/>
-            <a:tailEnd type="none" w="sm" len="sm"/>
-          </a:ln>
-        </p:spPr>
-        <p:txBody>
-          <a:bodyPr spcFirstLastPara="1" wrap="square" lIns="68575" tIns="34275" rIns="68575" bIns="34275" anchor="ctr" anchorCtr="0">
-            <a:noAutofit/>
-          </a:bodyPr>
-          <a:lstStyle/>
-          <a:p>
-            <a:pPr marL="0" marR="0" lvl="0" indent="0" algn="ctr" rtl="0">
-              <a:lnSpc>
-                <a:spcPct val="100000"/>
-              </a:lnSpc>
-              <a:spcBef>
-                <a:spcPts val="0"/>
-              </a:spcBef>
-              <a:spcAft>
-                <a:spcPts val="0"/>
-              </a:spcAft>
-              <a:buNone/>
-            </a:pPr>
-            <a:r>
-              <a:rPr lang="en-US" sz="1350" dirty="0">
-                <a:solidFill>
-                  <a:schemeClr val="lt1"/>
-                </a:solidFill>
-                <a:latin typeface="Arial" panose="020B0604020202020204"/>
-                <a:ea typeface="Arial" panose="020B0604020202020204"/>
-                <a:cs typeface="Arial" panose="020B0604020202020204"/>
-                <a:sym typeface="Arial" panose="020B0604020202020204"/>
-              </a:rPr>
-              <a:t>Zookeeper</a:t>
-            </a:r>
-            <a:endParaRPr lang="en-US" sz="1350" b="0" i="0" u="none" strike="noStrike" cap="none" dirty="0">
-              <a:solidFill>
-                <a:schemeClr val="lt1"/>
-              </a:solidFill>
-              <a:latin typeface="Arial" panose="020B0604020202020204"/>
-              <a:ea typeface="Arial" panose="020B0604020202020204"/>
-              <a:cs typeface="Arial" panose="020B0604020202020204"/>
-              <a:sym typeface="Arial" panose="020B0604020202020204"/>
-            </a:endParaRPr>
-          </a:p>
-        </p:txBody>
-      </p:sp>
-      <p:cxnSp>
-        <p:nvCxnSpPr>
-          <p:cNvPr id="11" name="Google Shape;318;p32">
-            <a:extLst>
-              <a:ext uri="{FF2B5EF4-FFF2-40B4-BE49-F238E27FC236}">
-                <a16:creationId xmlns:a16="http://schemas.microsoft.com/office/drawing/2014/main" id="{BFD18EC8-0B5F-6348-89B8-728B213D3D87}"/>
-              </a:ext>
-            </a:extLst>
-          </p:cNvPr>
-          <p:cNvCxnSpPr>
-            <a:cxnSpLocks/>
-            <a:stCxn id="30" idx="3"/>
-            <a:endCxn id="10" idx="3"/>
-          </p:cNvCxnSpPr>
-          <p:nvPr/>
-        </p:nvCxnSpPr>
-        <p:spPr>
-          <a:xfrm flipH="1">
-            <a:off x="9306145" y="3977582"/>
-            <a:ext cx="878671" cy="1531403"/>
-          </a:xfrm>
-          <a:prstGeom prst="curvedConnector3">
-            <a:avLst>
-              <a:gd name="adj1" fmla="val -127892"/>
-            </a:avLst>
-          </a:prstGeom>
-          <a:noFill/>
-          <a:ln w="28575" cap="flat" cmpd="sng">
-            <a:solidFill>
-              <a:srgbClr val="805AFF"/>
-            </a:solidFill>
-            <a:prstDash val="dash"/>
-            <a:round/>
-            <a:headEnd type="none" w="sm" len="sm"/>
-            <a:tailEnd type="triangle" w="med" len="med"/>
-          </a:ln>
-        </p:spPr>
-      </p:cxnSp>
-      <p:sp>
-        <p:nvSpPr>
-          <p:cNvPr id="12" name="Google Shape;320;p32">
-            <a:extLst>
-              <a:ext uri="{FF2B5EF4-FFF2-40B4-BE49-F238E27FC236}">
-                <a16:creationId xmlns:a16="http://schemas.microsoft.com/office/drawing/2014/main" id="{1DECD3CD-9706-5D4B-A36C-AC01A7D79D0B}"/>
-              </a:ext>
-            </a:extLst>
-          </p:cNvPr>
-          <p:cNvSpPr txBox="1"/>
-          <p:nvPr/>
-        </p:nvSpPr>
-        <p:spPr>
-          <a:xfrm>
-            <a:off x="10778394" y="4026150"/>
-            <a:ext cx="841177" cy="300082"/>
-          </a:xfrm>
-          <a:prstGeom prst="rect">
-            <a:avLst/>
-          </a:prstGeom>
-          <a:noFill/>
-          <a:ln>
-            <a:noFill/>
-          </a:ln>
-        </p:spPr>
-        <p:txBody>
-          <a:bodyPr spcFirstLastPara="1" wrap="square" lIns="91425" tIns="45700" rIns="91425" bIns="45700" anchor="t" anchorCtr="0">
-            <a:noAutofit/>
-          </a:bodyPr>
-          <a:lstStyle/>
-          <a:p>
-            <a:pPr marL="0" marR="0" lvl="0" indent="0" algn="l" rtl="0">
-              <a:lnSpc>
-                <a:spcPct val="100000"/>
-              </a:lnSpc>
-              <a:spcBef>
-                <a:spcPts val="0"/>
-              </a:spcBef>
-              <a:spcAft>
-                <a:spcPts val="0"/>
-              </a:spcAft>
-              <a:buNone/>
-            </a:pPr>
-            <a:r>
-              <a:rPr lang="en-US" sz="1350" b="0" i="0" u="none" strike="noStrike" cap="none">
-                <a:solidFill>
-                  <a:srgbClr val="000000"/>
-                </a:solidFill>
-                <a:latin typeface="Arial" panose="020B0604020202020204"/>
-                <a:ea typeface="Arial" panose="020B0604020202020204"/>
-                <a:cs typeface="Arial" panose="020B0604020202020204"/>
-                <a:sym typeface="Arial" panose="020B0604020202020204"/>
-              </a:rPr>
-              <a:t>register</a:t>
-            </a:r>
-          </a:p>
-        </p:txBody>
-      </p:sp>
-      <p:cxnSp>
-        <p:nvCxnSpPr>
-          <p:cNvPr id="13" name="Google Shape;321;p32">
-            <a:extLst>
-              <a:ext uri="{FF2B5EF4-FFF2-40B4-BE49-F238E27FC236}">
-                <a16:creationId xmlns:a16="http://schemas.microsoft.com/office/drawing/2014/main" id="{EC4BBA4A-E30A-5445-B2B1-35C36673398B}"/>
-              </a:ext>
-            </a:extLst>
-          </p:cNvPr>
-          <p:cNvCxnSpPr>
-            <a:cxnSpLocks/>
-            <a:stCxn id="29" idx="1"/>
-            <a:endCxn id="10" idx="1"/>
-          </p:cNvCxnSpPr>
-          <p:nvPr/>
-        </p:nvCxnSpPr>
-        <p:spPr>
-          <a:xfrm rot="10800000" flipH="1" flipV="1">
-            <a:off x="6060333" y="4004905"/>
-            <a:ext cx="2077850" cy="1504080"/>
-          </a:xfrm>
-          <a:prstGeom prst="curvedConnector3">
-            <a:avLst>
-              <a:gd name="adj1" fmla="val -11002"/>
-            </a:avLst>
-          </a:prstGeom>
-          <a:noFill/>
-          <a:ln w="28575" cap="flat" cmpd="sng">
-            <a:solidFill>
-              <a:srgbClr val="805AFF"/>
-            </a:solidFill>
-            <a:prstDash val="dash"/>
-            <a:round/>
-            <a:headEnd type="none" w="sm" len="sm"/>
-            <a:tailEnd type="triangle" w="med" len="med"/>
-          </a:ln>
-        </p:spPr>
-      </p:cxnSp>
-      <p:sp>
-        <p:nvSpPr>
-          <p:cNvPr id="14" name="Google Shape;323;p32">
-            <a:extLst>
-              <a:ext uri="{FF2B5EF4-FFF2-40B4-BE49-F238E27FC236}">
-                <a16:creationId xmlns:a16="http://schemas.microsoft.com/office/drawing/2014/main" id="{28022EC1-7AA9-324E-B28B-9C698BFDFD3E}"/>
-              </a:ext>
-            </a:extLst>
-          </p:cNvPr>
-          <p:cNvSpPr txBox="1"/>
-          <p:nvPr/>
-        </p:nvSpPr>
-        <p:spPr>
-          <a:xfrm>
-            <a:off x="6648819" y="5056655"/>
-            <a:ext cx="817456" cy="300082"/>
-          </a:xfrm>
-          <a:prstGeom prst="rect">
-            <a:avLst/>
-          </a:prstGeom>
-          <a:noFill/>
-          <a:ln>
-            <a:noFill/>
-          </a:ln>
-        </p:spPr>
-        <p:txBody>
-          <a:bodyPr spcFirstLastPara="1" wrap="square" lIns="91425" tIns="45700" rIns="91425" bIns="45700" anchor="t" anchorCtr="0">
-            <a:noAutofit/>
-          </a:bodyPr>
-          <a:lstStyle/>
-          <a:p>
-            <a:pPr marL="0" marR="0" lvl="0" indent="0" algn="l" rtl="0">
-              <a:lnSpc>
-                <a:spcPct val="100000"/>
-              </a:lnSpc>
-              <a:spcBef>
-                <a:spcPts val="0"/>
-              </a:spcBef>
-              <a:spcAft>
-                <a:spcPts val="0"/>
-              </a:spcAft>
-              <a:buNone/>
-            </a:pPr>
-            <a:r>
-              <a:rPr lang="en-US" sz="1350" b="0" i="0" u="none" strike="noStrike" cap="none">
-                <a:solidFill>
-                  <a:srgbClr val="000000"/>
-                </a:solidFill>
-                <a:latin typeface="Arial" panose="020B0604020202020204"/>
-                <a:ea typeface="Arial" panose="020B0604020202020204"/>
-                <a:cs typeface="Arial" panose="020B0604020202020204"/>
-                <a:sym typeface="Arial" panose="020B0604020202020204"/>
-              </a:rPr>
-              <a:t>watch</a:t>
-            </a:r>
-            <a:endParaRPr sz="1350" b="0" i="0" u="none" strike="noStrike" cap="none">
-              <a:solidFill>
-                <a:srgbClr val="000000"/>
-              </a:solidFill>
-              <a:latin typeface="Arial" panose="020B0604020202020204"/>
-              <a:ea typeface="Arial" panose="020B0604020202020204"/>
-              <a:cs typeface="Arial" panose="020B0604020202020204"/>
-              <a:sym typeface="Arial" panose="020B0604020202020204"/>
-            </a:endParaRPr>
-          </a:p>
-        </p:txBody>
-      </p:sp>
-      <p:sp>
-        <p:nvSpPr>
-          <p:cNvPr id="15" name="Google Shape;324;p32">
-            <a:extLst>
-              <a:ext uri="{FF2B5EF4-FFF2-40B4-BE49-F238E27FC236}">
-                <a16:creationId xmlns:a16="http://schemas.microsoft.com/office/drawing/2014/main" id="{9D2F747D-F6EC-4A4B-A784-A0581059015F}"/>
-              </a:ext>
-            </a:extLst>
-          </p:cNvPr>
-          <p:cNvSpPr/>
-          <p:nvPr/>
-        </p:nvSpPr>
-        <p:spPr>
-          <a:xfrm>
-            <a:off x="9482490" y="3208610"/>
-            <a:ext cx="702325" cy="596362"/>
-          </a:xfrm>
-          <a:prstGeom prst="rect">
-            <a:avLst/>
-          </a:prstGeom>
-          <a:solidFill>
-            <a:srgbClr val="696774"/>
-          </a:solidFill>
-          <a:ln w="25400" cap="flat" cmpd="sng">
-            <a:solidFill>
-              <a:schemeClr val="lt1"/>
-            </a:solidFill>
-            <a:prstDash val="solid"/>
-            <a:round/>
-            <a:headEnd type="none" w="sm" len="sm"/>
-            <a:tailEnd type="none" w="sm" len="sm"/>
-          </a:ln>
-        </p:spPr>
-        <p:txBody>
-          <a:bodyPr spcFirstLastPara="1" wrap="square" lIns="68575" tIns="34275" rIns="68575" bIns="34275" anchor="ctr" anchorCtr="0">
-            <a:noAutofit/>
-          </a:bodyPr>
-          <a:lstStyle/>
-          <a:p>
-            <a:pPr marL="0" marR="0" lvl="0" indent="0" algn="ctr" rtl="0">
-              <a:lnSpc>
-                <a:spcPct val="100000"/>
-              </a:lnSpc>
-              <a:spcBef>
-                <a:spcPts val="0"/>
-              </a:spcBef>
-              <a:spcAft>
-                <a:spcPts val="0"/>
-              </a:spcAft>
-              <a:buNone/>
-            </a:pPr>
-            <a:r>
-              <a:rPr lang="en-US" sz="1000" b="0" i="0" u="none" strike="noStrike" cap="none">
-                <a:solidFill>
-                  <a:schemeClr val="lt1"/>
-                </a:solidFill>
-                <a:latin typeface="Arial" panose="020B0604020202020204"/>
-                <a:ea typeface="Arial" panose="020B0604020202020204"/>
-                <a:cs typeface="Arial" panose="020B0604020202020204"/>
-                <a:sym typeface="Arial" panose="020B0604020202020204"/>
-              </a:rPr>
-              <a:t>Transport</a:t>
-            </a:r>
-          </a:p>
-        </p:txBody>
-      </p:sp>
-      <p:sp>
-        <p:nvSpPr>
-          <p:cNvPr id="16" name="Google Shape;325;p32">
-            <a:extLst>
-              <a:ext uri="{FF2B5EF4-FFF2-40B4-BE49-F238E27FC236}">
-                <a16:creationId xmlns:a16="http://schemas.microsoft.com/office/drawing/2014/main" id="{A1E95FD9-339C-2F40-A37F-7170FAB53CA6}"/>
-              </a:ext>
-            </a:extLst>
-          </p:cNvPr>
-          <p:cNvSpPr txBox="1"/>
-          <p:nvPr/>
-        </p:nvSpPr>
-        <p:spPr>
-          <a:xfrm>
-            <a:off x="7813425" y="3206642"/>
-            <a:ext cx="477645" cy="230832"/>
-          </a:xfrm>
-          <a:prstGeom prst="rect">
-            <a:avLst/>
-          </a:prstGeom>
-          <a:noFill/>
-          <a:ln>
-            <a:noFill/>
-          </a:ln>
-        </p:spPr>
-        <p:txBody>
-          <a:bodyPr spcFirstLastPara="1" wrap="square" lIns="91425" tIns="45700" rIns="91425" bIns="45700" anchor="t" anchorCtr="0">
-            <a:noAutofit/>
-          </a:bodyPr>
-          <a:lstStyle/>
-          <a:p>
-            <a:pPr marL="0" marR="0" lvl="0" indent="0" algn="l" rtl="0">
-              <a:lnSpc>
-                <a:spcPct val="100000"/>
-              </a:lnSpc>
-              <a:spcBef>
-                <a:spcPts val="0"/>
-              </a:spcBef>
-              <a:spcAft>
-                <a:spcPts val="0"/>
-              </a:spcAft>
-              <a:buNone/>
-            </a:pPr>
-            <a:r>
-              <a:rPr lang="en-US" sz="900" b="0" i="0" u="none" strike="noStrike" cap="none">
-                <a:solidFill>
-                  <a:srgbClr val="000000"/>
-                </a:solidFill>
-                <a:latin typeface="Arial" panose="020B0604020202020204"/>
-                <a:ea typeface="Arial" panose="020B0604020202020204"/>
-                <a:cs typeface="Arial" panose="020B0604020202020204"/>
-                <a:sym typeface="Arial" panose="020B0604020202020204"/>
-              </a:rPr>
-              <a:t>2.call</a:t>
-            </a:r>
-          </a:p>
-        </p:txBody>
-      </p:sp>
-      <p:sp>
-        <p:nvSpPr>
-          <p:cNvPr id="17" name="Google Shape;326;p32">
-            <a:extLst>
-              <a:ext uri="{FF2B5EF4-FFF2-40B4-BE49-F238E27FC236}">
-                <a16:creationId xmlns:a16="http://schemas.microsoft.com/office/drawing/2014/main" id="{E7D71D0D-7018-0D42-BC2D-3812403B6E88}"/>
-              </a:ext>
-            </a:extLst>
-          </p:cNvPr>
-          <p:cNvSpPr txBox="1"/>
-          <p:nvPr/>
-        </p:nvSpPr>
-        <p:spPr>
-          <a:xfrm>
-            <a:off x="7960479" y="3814749"/>
-            <a:ext cx="625637" cy="230832"/>
-          </a:xfrm>
-          <a:prstGeom prst="rect">
-            <a:avLst/>
-          </a:prstGeom>
-          <a:noFill/>
-          <a:ln>
-            <a:noFill/>
-          </a:ln>
-        </p:spPr>
-        <p:txBody>
-          <a:bodyPr spcFirstLastPara="1" wrap="square" lIns="91425" tIns="45700" rIns="91425" bIns="45700" anchor="t" anchorCtr="0">
-            <a:noAutofit/>
-          </a:bodyPr>
-          <a:lstStyle/>
-          <a:p>
-            <a:pPr marL="0" marR="0" lvl="0" indent="0" algn="l" rtl="0">
-              <a:lnSpc>
-                <a:spcPct val="100000"/>
-              </a:lnSpc>
-              <a:spcBef>
-                <a:spcPts val="0"/>
-              </a:spcBef>
-              <a:spcAft>
-                <a:spcPts val="0"/>
-              </a:spcAft>
-              <a:buNone/>
-            </a:pPr>
-            <a:r>
-              <a:rPr lang="en-US" sz="900" b="0" i="0" u="none" strike="noStrike" cap="none">
-                <a:solidFill>
-                  <a:srgbClr val="000000"/>
-                </a:solidFill>
-                <a:latin typeface="Arial" panose="020B0604020202020204"/>
-                <a:ea typeface="Arial" panose="020B0604020202020204"/>
-                <a:cs typeface="Arial" panose="020B0604020202020204"/>
-                <a:sym typeface="Arial" panose="020B0604020202020204"/>
-              </a:rPr>
-              <a:t>3. send</a:t>
-            </a:r>
-            <a:endParaRPr sz="900" b="0" i="0" u="none" strike="noStrike" cap="none">
-              <a:solidFill>
-                <a:srgbClr val="000000"/>
-              </a:solidFill>
-              <a:latin typeface="Arial" panose="020B0604020202020204"/>
-              <a:ea typeface="Arial" panose="020B0604020202020204"/>
-              <a:cs typeface="Arial" panose="020B0604020202020204"/>
-              <a:sym typeface="Arial" panose="020B0604020202020204"/>
-            </a:endParaRPr>
-          </a:p>
-        </p:txBody>
-      </p:sp>
-      <p:sp>
-        <p:nvSpPr>
-          <p:cNvPr id="18" name="Google Shape;327;p32">
-            <a:extLst>
-              <a:ext uri="{FF2B5EF4-FFF2-40B4-BE49-F238E27FC236}">
-                <a16:creationId xmlns:a16="http://schemas.microsoft.com/office/drawing/2014/main" id="{66E1804E-6F72-ED47-9615-C82CD07BCE9C}"/>
-              </a:ext>
-            </a:extLst>
-          </p:cNvPr>
-          <p:cNvSpPr txBox="1"/>
-          <p:nvPr/>
-        </p:nvSpPr>
-        <p:spPr>
-          <a:xfrm>
-            <a:off x="7540205" y="5025576"/>
-            <a:ext cx="600917" cy="300082"/>
-          </a:xfrm>
-          <a:prstGeom prst="rect">
-            <a:avLst/>
-          </a:prstGeom>
-          <a:noFill/>
-          <a:ln>
-            <a:noFill/>
-          </a:ln>
-        </p:spPr>
-        <p:txBody>
-          <a:bodyPr spcFirstLastPara="1" wrap="square" lIns="91425" tIns="45700" rIns="91425" bIns="45700" anchor="t" anchorCtr="0">
-            <a:noAutofit/>
-          </a:bodyPr>
-          <a:lstStyle/>
-          <a:p>
-            <a:pPr marL="0" marR="0" lvl="0" indent="0" algn="l" rtl="0">
-              <a:lnSpc>
-                <a:spcPct val="100000"/>
-              </a:lnSpc>
-              <a:spcBef>
-                <a:spcPts val="0"/>
-              </a:spcBef>
-              <a:spcAft>
-                <a:spcPts val="0"/>
-              </a:spcAft>
-              <a:buNone/>
-            </a:pPr>
-            <a:r>
-              <a:rPr lang="en-US" sz="1350" b="0" i="0" u="none" strike="noStrike" cap="none">
-                <a:solidFill>
-                  <a:srgbClr val="000000"/>
-                </a:solidFill>
-                <a:latin typeface="Arial" panose="020B0604020202020204"/>
-                <a:ea typeface="Arial" panose="020B0604020202020204"/>
-                <a:cs typeface="Arial" panose="020B0604020202020204"/>
-                <a:sym typeface="Arial" panose="020B0604020202020204"/>
-              </a:rPr>
-              <a:t>notify</a:t>
-            </a:r>
-            <a:endParaRPr sz="1350" b="0" i="0" u="none" strike="noStrike" cap="none">
-              <a:solidFill>
-                <a:srgbClr val="000000"/>
-              </a:solidFill>
-              <a:latin typeface="Arial" panose="020B0604020202020204"/>
-              <a:ea typeface="Arial" panose="020B0604020202020204"/>
-              <a:cs typeface="Arial" panose="020B0604020202020204"/>
-              <a:sym typeface="Arial" panose="020B0604020202020204"/>
-            </a:endParaRPr>
-          </a:p>
-        </p:txBody>
-      </p:sp>
-      <p:sp>
-        <p:nvSpPr>
-          <p:cNvPr id="19" name="Google Shape;328;p32">
-            <a:extLst>
-              <a:ext uri="{FF2B5EF4-FFF2-40B4-BE49-F238E27FC236}">
-                <a16:creationId xmlns:a16="http://schemas.microsoft.com/office/drawing/2014/main" id="{3106E7B7-FC66-F241-BC14-BDE60E9B12D2}"/>
-              </a:ext>
-            </a:extLst>
-          </p:cNvPr>
-          <p:cNvSpPr txBox="1"/>
-          <p:nvPr/>
-        </p:nvSpPr>
-        <p:spPr>
-          <a:xfrm>
-            <a:off x="7107822" y="2401077"/>
-            <a:ext cx="600917" cy="300082"/>
-          </a:xfrm>
-          <a:prstGeom prst="rect">
-            <a:avLst/>
-          </a:prstGeom>
-          <a:noFill/>
-          <a:ln>
-            <a:noFill/>
-          </a:ln>
-        </p:spPr>
-        <p:txBody>
-          <a:bodyPr spcFirstLastPara="1" wrap="square" lIns="91425" tIns="45700" rIns="91425" bIns="45700" anchor="t" anchorCtr="0">
-            <a:noAutofit/>
-          </a:bodyPr>
-          <a:lstStyle/>
-          <a:p>
-            <a:pPr marL="0" marR="0" lvl="0" indent="0" algn="l" rtl="0">
-              <a:lnSpc>
-                <a:spcPct val="100000"/>
-              </a:lnSpc>
-              <a:spcBef>
-                <a:spcPts val="0"/>
-              </a:spcBef>
-              <a:spcAft>
-                <a:spcPts val="0"/>
-              </a:spcAft>
-              <a:buNone/>
-            </a:pPr>
-            <a:r>
-              <a:rPr lang="en-US" sz="1350" b="0" i="0" u="none" strike="noStrike" cap="none">
-                <a:solidFill>
-                  <a:srgbClr val="000000"/>
-                </a:solidFill>
-                <a:latin typeface="Arial" panose="020B0604020202020204"/>
-                <a:ea typeface="Arial" panose="020B0604020202020204"/>
-                <a:cs typeface="Arial" panose="020B0604020202020204"/>
-                <a:sym typeface="Arial" panose="020B0604020202020204"/>
-              </a:rPr>
-              <a:t>pub</a:t>
-            </a:r>
-            <a:endParaRPr sz="1350" b="0" i="0" u="none" strike="noStrike" cap="none">
-              <a:solidFill>
-                <a:srgbClr val="000000"/>
-              </a:solidFill>
-              <a:latin typeface="Arial" panose="020B0604020202020204"/>
-              <a:ea typeface="Arial" panose="020B0604020202020204"/>
-              <a:cs typeface="Arial" panose="020B0604020202020204"/>
-              <a:sym typeface="Arial" panose="020B0604020202020204"/>
-            </a:endParaRPr>
-          </a:p>
-        </p:txBody>
-      </p:sp>
-      <p:sp>
-        <p:nvSpPr>
-          <p:cNvPr id="20" name="Google Shape;329;p32">
-            <a:extLst>
-              <a:ext uri="{FF2B5EF4-FFF2-40B4-BE49-F238E27FC236}">
-                <a16:creationId xmlns:a16="http://schemas.microsoft.com/office/drawing/2014/main" id="{60BEA294-04F1-154A-AE09-33AD3816F08F}"/>
-              </a:ext>
-            </a:extLst>
-          </p:cNvPr>
-          <p:cNvSpPr txBox="1"/>
-          <p:nvPr/>
-        </p:nvSpPr>
-        <p:spPr>
-          <a:xfrm>
-            <a:off x="8792942" y="2491261"/>
-            <a:ext cx="620700" cy="507900"/>
-          </a:xfrm>
-          <a:prstGeom prst="rect">
-            <a:avLst/>
-          </a:prstGeom>
-          <a:noFill/>
-          <a:ln>
-            <a:noFill/>
-          </a:ln>
-        </p:spPr>
-        <p:txBody>
-          <a:bodyPr spcFirstLastPara="1" wrap="square" lIns="91425" tIns="45700" rIns="91425" bIns="45700" anchor="t" anchorCtr="0">
-            <a:noAutofit/>
-          </a:bodyPr>
-          <a:lstStyle/>
-          <a:p>
-            <a:pPr marL="0" marR="0" lvl="0" indent="0" algn="l" rtl="0">
-              <a:lnSpc>
-                <a:spcPct val="100000"/>
-              </a:lnSpc>
-              <a:spcBef>
-                <a:spcPts val="0"/>
-              </a:spcBef>
-              <a:spcAft>
-                <a:spcPts val="0"/>
-              </a:spcAft>
-              <a:buNone/>
-            </a:pPr>
-            <a:r>
-              <a:rPr lang="en-US" sz="1350" b="0" i="0" u="none" strike="noStrike" cap="none">
-                <a:solidFill>
-                  <a:srgbClr val="000000"/>
-                </a:solidFill>
-                <a:latin typeface="Arial" panose="020B0604020202020204"/>
-                <a:ea typeface="Arial" panose="020B0604020202020204"/>
-                <a:cs typeface="Arial" panose="020B0604020202020204"/>
-                <a:sym typeface="Arial" panose="020B0604020202020204"/>
-              </a:rPr>
-              <a:t>sub</a:t>
-            </a:r>
-          </a:p>
-        </p:txBody>
-      </p:sp>
-      <p:sp>
-        <p:nvSpPr>
-          <p:cNvPr id="21" name="Google Shape;330;p32">
-            <a:extLst>
-              <a:ext uri="{FF2B5EF4-FFF2-40B4-BE49-F238E27FC236}">
-                <a16:creationId xmlns:a16="http://schemas.microsoft.com/office/drawing/2014/main" id="{8BC106A1-C4B5-9D4E-BD9A-189E95436C94}"/>
-              </a:ext>
-            </a:extLst>
-          </p:cNvPr>
-          <p:cNvSpPr/>
-          <p:nvPr/>
-        </p:nvSpPr>
-        <p:spPr>
-          <a:xfrm>
-            <a:off x="6057460" y="3549461"/>
-            <a:ext cx="699798" cy="298707"/>
-          </a:xfrm>
-          <a:prstGeom prst="rect">
-            <a:avLst/>
-          </a:prstGeom>
-          <a:solidFill>
-            <a:srgbClr val="696774"/>
-          </a:solidFill>
-          <a:ln w="25400" cap="flat" cmpd="sng">
-            <a:solidFill>
-              <a:schemeClr val="lt1"/>
-            </a:solidFill>
-            <a:prstDash val="solid"/>
-            <a:round/>
-            <a:headEnd type="none" w="sm" len="sm"/>
-            <a:tailEnd type="none" w="sm" len="sm"/>
-          </a:ln>
-        </p:spPr>
-        <p:txBody>
-          <a:bodyPr spcFirstLastPara="1" wrap="square" lIns="68575" tIns="34275" rIns="68575" bIns="34275" anchor="ctr" anchorCtr="0">
-            <a:noAutofit/>
-          </a:bodyPr>
-          <a:lstStyle/>
-          <a:p>
-            <a:pPr marL="0" marR="0" lvl="0" indent="0" algn="ctr" rtl="0">
-              <a:lnSpc>
-                <a:spcPct val="100000"/>
-              </a:lnSpc>
-              <a:spcBef>
-                <a:spcPts val="0"/>
-              </a:spcBef>
-              <a:spcAft>
-                <a:spcPts val="0"/>
-              </a:spcAft>
-              <a:buNone/>
-            </a:pPr>
-            <a:r>
-              <a:rPr lang="en-US" sz="1200" b="0" i="0" u="none" strike="noStrike" cap="none" dirty="0">
-                <a:solidFill>
-                  <a:schemeClr val="lt1"/>
-                </a:solidFill>
-                <a:latin typeface="Arial" panose="020B0604020202020204"/>
-                <a:ea typeface="Arial" panose="020B0604020202020204"/>
-                <a:cs typeface="Arial" panose="020B0604020202020204"/>
-                <a:sym typeface="Arial" panose="020B0604020202020204"/>
-              </a:rPr>
-              <a:t>Selector</a:t>
-            </a:r>
-            <a:endParaRPr sz="1200" b="0" i="0" u="none" strike="noStrike" cap="none" dirty="0">
-              <a:solidFill>
-                <a:schemeClr val="lt1"/>
-              </a:solidFill>
-              <a:latin typeface="Arial" panose="020B0604020202020204"/>
-              <a:ea typeface="Arial" panose="020B0604020202020204"/>
-              <a:cs typeface="Arial" panose="020B0604020202020204"/>
-              <a:sym typeface="Arial" panose="020B0604020202020204"/>
-            </a:endParaRPr>
-          </a:p>
-        </p:txBody>
-      </p:sp>
-      <p:sp>
-        <p:nvSpPr>
-          <p:cNvPr id="28" name="Google Shape;337;p32">
-            <a:extLst>
-              <a:ext uri="{FF2B5EF4-FFF2-40B4-BE49-F238E27FC236}">
-                <a16:creationId xmlns:a16="http://schemas.microsoft.com/office/drawing/2014/main" id="{EF03CC86-5518-C340-8841-1BB23B0ADB45}"/>
-              </a:ext>
-            </a:extLst>
-          </p:cNvPr>
-          <p:cNvSpPr txBox="1"/>
-          <p:nvPr/>
-        </p:nvSpPr>
-        <p:spPr>
-          <a:xfrm>
-            <a:off x="6730631" y="3775558"/>
-            <a:ext cx="616513" cy="230832"/>
-          </a:xfrm>
-          <a:prstGeom prst="rect">
-            <a:avLst/>
-          </a:prstGeom>
-          <a:noFill/>
-          <a:ln>
-            <a:noFill/>
-          </a:ln>
-        </p:spPr>
-        <p:txBody>
-          <a:bodyPr spcFirstLastPara="1" wrap="square" lIns="91425" tIns="45700" rIns="91425" bIns="45700" anchor="t" anchorCtr="0">
-            <a:noAutofit/>
-          </a:bodyPr>
-          <a:lstStyle/>
-          <a:p>
-            <a:pPr marL="0" marR="0" lvl="0" indent="0" algn="l" rtl="0">
-              <a:lnSpc>
-                <a:spcPct val="100000"/>
-              </a:lnSpc>
-              <a:spcBef>
-                <a:spcPts val="0"/>
-              </a:spcBef>
-              <a:spcAft>
-                <a:spcPts val="0"/>
-              </a:spcAft>
-              <a:buNone/>
-            </a:pPr>
-            <a:r>
-              <a:rPr lang="en-US" sz="900" b="0" i="0" u="none" strike="noStrike" cap="none">
-                <a:solidFill>
-                  <a:srgbClr val="000000"/>
-                </a:solidFill>
-                <a:latin typeface="Arial" panose="020B0604020202020204"/>
-                <a:ea typeface="Arial" panose="020B0604020202020204"/>
-                <a:cs typeface="Arial" panose="020B0604020202020204"/>
-                <a:sym typeface="Arial" panose="020B0604020202020204"/>
-              </a:rPr>
-              <a:t>1. select</a:t>
-            </a:r>
-            <a:endParaRPr sz="900" b="0" i="0" u="none" strike="noStrike" cap="none">
-              <a:solidFill>
-                <a:srgbClr val="000000"/>
-              </a:solidFill>
-              <a:latin typeface="Arial" panose="020B0604020202020204"/>
-              <a:ea typeface="Arial" panose="020B0604020202020204"/>
-              <a:cs typeface="Arial" panose="020B0604020202020204"/>
-              <a:sym typeface="Arial" panose="020B0604020202020204"/>
-            </a:endParaRPr>
-          </a:p>
-        </p:txBody>
-      </p:sp>
-      <p:sp>
-        <p:nvSpPr>
-          <p:cNvPr id="29" name="Google Shape;322;p32">
-            <a:extLst>
-              <a:ext uri="{FF2B5EF4-FFF2-40B4-BE49-F238E27FC236}">
-                <a16:creationId xmlns:a16="http://schemas.microsoft.com/office/drawing/2014/main" id="{4CDC4272-EE37-A74C-ABFB-88E3F95B4340}"/>
-              </a:ext>
-            </a:extLst>
-          </p:cNvPr>
-          <p:cNvSpPr/>
-          <p:nvPr/>
-        </p:nvSpPr>
-        <p:spPr>
-          <a:xfrm>
-            <a:off x="6060333" y="3848509"/>
-            <a:ext cx="696924" cy="312791"/>
-          </a:xfrm>
-          <a:prstGeom prst="rect">
-            <a:avLst/>
-          </a:prstGeom>
-          <a:solidFill>
-            <a:srgbClr val="696774"/>
-          </a:solidFill>
-          <a:ln w="25400" cap="flat" cmpd="sng">
-            <a:solidFill>
-              <a:schemeClr val="lt1"/>
-            </a:solidFill>
-            <a:prstDash val="solid"/>
-            <a:round/>
-            <a:headEnd type="none" w="sm" len="sm"/>
-            <a:tailEnd type="none" w="sm" len="sm"/>
-          </a:ln>
-        </p:spPr>
-        <p:txBody>
-          <a:bodyPr spcFirstLastPara="1" wrap="square" lIns="68575" tIns="34275" rIns="68575" bIns="34275" anchor="ctr" anchorCtr="0">
-            <a:noAutofit/>
-          </a:bodyPr>
-          <a:lstStyle/>
-          <a:p>
-            <a:pPr marL="0" marR="0" lvl="0" indent="0" algn="ctr" rtl="0">
-              <a:lnSpc>
-                <a:spcPct val="100000"/>
-              </a:lnSpc>
-              <a:spcBef>
-                <a:spcPts val="0"/>
-              </a:spcBef>
-              <a:spcAft>
-                <a:spcPts val="0"/>
-              </a:spcAft>
-              <a:buNone/>
-            </a:pPr>
-            <a:r>
-              <a:rPr lang="en-US" sz="1200" b="0" i="0" u="none" strike="noStrike" cap="none" dirty="0">
-                <a:solidFill>
-                  <a:schemeClr val="lt1"/>
-                </a:solidFill>
-                <a:latin typeface="Arial" panose="020B0604020202020204"/>
-                <a:ea typeface="Arial" panose="020B0604020202020204"/>
-                <a:cs typeface="Arial" panose="020B0604020202020204"/>
-                <a:sym typeface="Arial" panose="020B0604020202020204"/>
-              </a:rPr>
-              <a:t>Registry</a:t>
-            </a:r>
-            <a:endParaRPr sz="1350" b="0" i="0" u="none" strike="noStrike" cap="none" dirty="0">
-              <a:solidFill>
-                <a:schemeClr val="lt1"/>
-              </a:solidFill>
-              <a:latin typeface="Arial" panose="020B0604020202020204"/>
-              <a:ea typeface="Arial" panose="020B0604020202020204"/>
-              <a:cs typeface="Arial" panose="020B0604020202020204"/>
-              <a:sym typeface="Arial" panose="020B0604020202020204"/>
-            </a:endParaRPr>
-          </a:p>
-        </p:txBody>
-      </p:sp>
-      <p:sp>
-        <p:nvSpPr>
-          <p:cNvPr id="30" name="Google Shape;319;p32">
-            <a:extLst>
-              <a:ext uri="{FF2B5EF4-FFF2-40B4-BE49-F238E27FC236}">
-                <a16:creationId xmlns:a16="http://schemas.microsoft.com/office/drawing/2014/main" id="{C68407BE-D744-0345-81B0-54E196B0C01A}"/>
-              </a:ext>
-            </a:extLst>
-          </p:cNvPr>
-          <p:cNvSpPr/>
-          <p:nvPr/>
-        </p:nvSpPr>
-        <p:spPr>
-          <a:xfrm>
-            <a:off x="9482490" y="3816611"/>
-            <a:ext cx="702326" cy="321942"/>
-          </a:xfrm>
-          <a:prstGeom prst="rect">
-            <a:avLst/>
-          </a:prstGeom>
-          <a:solidFill>
-            <a:srgbClr val="696774"/>
-          </a:solidFill>
-          <a:ln w="25400" cap="flat" cmpd="sng">
-            <a:solidFill>
-              <a:schemeClr val="lt1"/>
-            </a:solidFill>
-            <a:prstDash val="solid"/>
-            <a:round/>
-            <a:headEnd type="none" w="sm" len="sm"/>
-            <a:tailEnd type="none" w="sm" len="sm"/>
-          </a:ln>
-        </p:spPr>
-        <p:txBody>
-          <a:bodyPr spcFirstLastPara="1" wrap="square" lIns="68575" tIns="34275" rIns="68575" bIns="34275" anchor="ctr" anchorCtr="0">
-            <a:noAutofit/>
-          </a:bodyPr>
-          <a:lstStyle/>
-          <a:p>
-            <a:pPr marL="0" marR="0" lvl="0" indent="0" algn="ctr" rtl="0">
-              <a:lnSpc>
-                <a:spcPct val="100000"/>
-              </a:lnSpc>
-              <a:spcBef>
-                <a:spcPts val="0"/>
-              </a:spcBef>
-              <a:spcAft>
-                <a:spcPts val="0"/>
-              </a:spcAft>
-              <a:buNone/>
-            </a:pPr>
-            <a:r>
-              <a:rPr lang="en-US" sz="1200" b="0" i="0" u="none" strike="noStrike" cap="none" dirty="0">
-                <a:solidFill>
-                  <a:schemeClr val="lt1"/>
-                </a:solidFill>
-                <a:latin typeface="Arial" panose="020B0604020202020204"/>
-                <a:ea typeface="Arial" panose="020B0604020202020204"/>
-                <a:cs typeface="Arial" panose="020B0604020202020204"/>
-                <a:sym typeface="Arial" panose="020B0604020202020204"/>
-              </a:rPr>
-              <a:t>Registry</a:t>
-            </a:r>
-            <a:endParaRPr sz="1350" b="0" i="0" u="none" strike="noStrike" cap="none" dirty="0">
-              <a:solidFill>
-                <a:schemeClr val="lt1"/>
-              </a:solidFill>
-              <a:latin typeface="Arial" panose="020B0604020202020204"/>
-              <a:ea typeface="Arial" panose="020B0604020202020204"/>
-              <a:cs typeface="Arial" panose="020B0604020202020204"/>
-              <a:sym typeface="Arial" panose="020B0604020202020204"/>
-            </a:endParaRPr>
-          </a:p>
-        </p:txBody>
-      </p:sp>
-      <p:sp>
-        <p:nvSpPr>
-          <p:cNvPr id="31" name="Google Shape;338;p32">
-            <a:extLst>
-              <a:ext uri="{FF2B5EF4-FFF2-40B4-BE49-F238E27FC236}">
-                <a16:creationId xmlns:a16="http://schemas.microsoft.com/office/drawing/2014/main" id="{F989A04D-4165-4247-956D-B8FC4053420C}"/>
-              </a:ext>
-            </a:extLst>
-          </p:cNvPr>
-          <p:cNvSpPr/>
-          <p:nvPr/>
-        </p:nvSpPr>
-        <p:spPr>
-          <a:xfrm>
-            <a:off x="7792697" y="1929941"/>
-            <a:ext cx="815176" cy="335961"/>
-          </a:xfrm>
-          <a:prstGeom prst="rect">
-            <a:avLst/>
-          </a:prstGeom>
-          <a:solidFill>
-            <a:srgbClr val="560A30"/>
-          </a:solidFill>
-          <a:ln w="25400" cap="flat" cmpd="sng">
-            <a:solidFill>
-              <a:schemeClr val="lt1"/>
-            </a:solidFill>
-            <a:prstDash val="solid"/>
-            <a:round/>
-            <a:headEnd type="none" w="sm" len="sm"/>
-            <a:tailEnd type="none" w="sm" len="sm"/>
-          </a:ln>
-        </p:spPr>
-        <p:txBody>
-          <a:bodyPr spcFirstLastPara="1" wrap="square" lIns="68575" tIns="34275" rIns="68575" bIns="34275" anchor="ctr" anchorCtr="0">
-            <a:noAutofit/>
-          </a:bodyPr>
-          <a:lstStyle/>
-          <a:p>
-            <a:pPr marL="0" marR="0" lvl="0" indent="0" algn="ctr" rtl="0">
-              <a:lnSpc>
-                <a:spcPct val="100000"/>
-              </a:lnSpc>
-              <a:spcBef>
-                <a:spcPts val="0"/>
-              </a:spcBef>
-              <a:spcAft>
-                <a:spcPts val="0"/>
-              </a:spcAft>
-              <a:buNone/>
-            </a:pPr>
-            <a:r>
-              <a:rPr lang="en-US" sz="1350" b="0" i="0" u="none" strike="noStrike" cap="none" dirty="0">
-                <a:solidFill>
-                  <a:schemeClr val="lt1"/>
-                </a:solidFill>
-                <a:latin typeface="Arial" panose="020B0604020202020204"/>
-                <a:ea typeface="Arial" panose="020B0604020202020204"/>
-                <a:cs typeface="Arial" panose="020B0604020202020204"/>
-                <a:sym typeface="Arial" panose="020B0604020202020204"/>
-              </a:rPr>
-              <a:t>MQ</a:t>
-            </a:r>
-          </a:p>
-        </p:txBody>
-      </p:sp>
-      <p:cxnSp>
-        <p:nvCxnSpPr>
-          <p:cNvPr id="32" name="Google Shape;339;p32">
-            <a:extLst>
-              <a:ext uri="{FF2B5EF4-FFF2-40B4-BE49-F238E27FC236}">
-                <a16:creationId xmlns:a16="http://schemas.microsoft.com/office/drawing/2014/main" id="{250DD976-E389-8747-BA13-EE2B3C456FF0}"/>
-              </a:ext>
-            </a:extLst>
-          </p:cNvPr>
-          <p:cNvCxnSpPr>
-            <a:cxnSpLocks/>
-            <a:stCxn id="46" idx="0"/>
-            <a:endCxn id="31" idx="1"/>
-          </p:cNvCxnSpPr>
-          <p:nvPr/>
-        </p:nvCxnSpPr>
-        <p:spPr>
-          <a:xfrm rot="5400000" flipH="1" flipV="1">
-            <a:off x="6999352" y="2110474"/>
-            <a:ext cx="805896" cy="780793"/>
-          </a:xfrm>
-          <a:prstGeom prst="curvedConnector2">
-            <a:avLst/>
-          </a:prstGeom>
-          <a:noFill/>
-          <a:ln w="28575" cap="flat" cmpd="sng">
-            <a:solidFill>
-              <a:srgbClr val="00D4DD"/>
-            </a:solidFill>
-            <a:prstDash val="dash"/>
-            <a:round/>
-            <a:headEnd type="none" w="sm" len="sm"/>
-            <a:tailEnd type="triangle" w="med" len="med"/>
-          </a:ln>
-        </p:spPr>
-      </p:cxnSp>
-      <p:sp>
-        <p:nvSpPr>
-          <p:cNvPr id="33" name="Google Shape;341;p32">
-            <a:extLst>
-              <a:ext uri="{FF2B5EF4-FFF2-40B4-BE49-F238E27FC236}">
-                <a16:creationId xmlns:a16="http://schemas.microsoft.com/office/drawing/2014/main" id="{293C8934-3C9C-904D-9023-7B597AFDC194}"/>
-              </a:ext>
-            </a:extLst>
-          </p:cNvPr>
-          <p:cNvSpPr/>
-          <p:nvPr/>
-        </p:nvSpPr>
-        <p:spPr>
-          <a:xfrm>
-            <a:off x="6054198" y="2892156"/>
-            <a:ext cx="702326" cy="312857"/>
-          </a:xfrm>
-          <a:prstGeom prst="rect">
-            <a:avLst/>
-          </a:prstGeom>
-          <a:solidFill>
-            <a:srgbClr val="696774"/>
-          </a:solidFill>
-          <a:ln w="25400" cap="flat" cmpd="sng">
-            <a:solidFill>
-              <a:schemeClr val="lt1"/>
-            </a:solidFill>
-            <a:prstDash val="solid"/>
-            <a:round/>
-            <a:headEnd type="none" w="sm" len="sm"/>
-            <a:tailEnd type="none" w="sm" len="sm"/>
-          </a:ln>
-        </p:spPr>
-        <p:txBody>
-          <a:bodyPr spcFirstLastPara="1" wrap="square" lIns="68575" tIns="34275" rIns="68575" bIns="34275" anchor="ctr" anchorCtr="0">
-            <a:noAutofit/>
-          </a:bodyPr>
-          <a:lstStyle/>
-          <a:p>
-            <a:pPr marL="0" marR="0" lvl="0" indent="0" algn="ctr" rtl="0">
-              <a:lnSpc>
-                <a:spcPct val="100000"/>
-              </a:lnSpc>
-              <a:spcBef>
-                <a:spcPts val="0"/>
-              </a:spcBef>
-              <a:spcAft>
-                <a:spcPts val="0"/>
-              </a:spcAft>
-              <a:buNone/>
-            </a:pPr>
-            <a:r>
-              <a:rPr lang="en-US" sz="1350" b="0" i="0" u="none" strike="noStrike" cap="none" dirty="0">
-                <a:solidFill>
-                  <a:schemeClr val="lt1"/>
-                </a:solidFill>
-                <a:latin typeface="Arial" panose="020B0604020202020204"/>
-                <a:ea typeface="Arial" panose="020B0604020202020204"/>
-                <a:cs typeface="Arial" panose="020B0604020202020204"/>
-                <a:sym typeface="Arial" panose="020B0604020202020204"/>
-              </a:rPr>
-              <a:t>Broker</a:t>
-            </a:r>
-          </a:p>
-        </p:txBody>
-      </p:sp>
-      <p:cxnSp>
-        <p:nvCxnSpPr>
-          <p:cNvPr id="34" name="Google Shape;342;p32">
-            <a:extLst>
-              <a:ext uri="{FF2B5EF4-FFF2-40B4-BE49-F238E27FC236}">
-                <a16:creationId xmlns:a16="http://schemas.microsoft.com/office/drawing/2014/main" id="{EAFA6CC4-5616-394D-914D-707CEA2091C8}"/>
-              </a:ext>
-            </a:extLst>
-          </p:cNvPr>
-          <p:cNvCxnSpPr>
-            <a:endCxn id="29" idx="3"/>
-          </p:cNvCxnSpPr>
-          <p:nvPr/>
-        </p:nvCxnSpPr>
-        <p:spPr>
-          <a:xfrm rot="10800000">
-            <a:off x="6757257" y="4004905"/>
-            <a:ext cx="1902900" cy="1312200"/>
-          </a:xfrm>
-          <a:prstGeom prst="curvedConnector3">
-            <a:avLst>
-              <a:gd name="adj1" fmla="val 49998"/>
-            </a:avLst>
-          </a:prstGeom>
-          <a:noFill/>
-          <a:ln w="28575" cap="flat" cmpd="sng">
-            <a:solidFill>
-              <a:srgbClr val="00D4DD"/>
-            </a:solidFill>
-            <a:prstDash val="dash"/>
-            <a:round/>
-            <a:headEnd type="none" w="sm" len="sm"/>
-            <a:tailEnd type="triangle" w="med" len="med"/>
-          </a:ln>
-        </p:spPr>
-      </p:cxnSp>
-      <p:sp>
-        <p:nvSpPr>
-          <p:cNvPr id="35" name="Google Shape;343;p32">
-            <a:extLst>
-              <a:ext uri="{FF2B5EF4-FFF2-40B4-BE49-F238E27FC236}">
-                <a16:creationId xmlns:a16="http://schemas.microsoft.com/office/drawing/2014/main" id="{C0800864-66C1-D140-B8F3-EE53B16F9432}"/>
-              </a:ext>
-            </a:extLst>
-          </p:cNvPr>
-          <p:cNvSpPr/>
-          <p:nvPr/>
-        </p:nvSpPr>
-        <p:spPr>
-          <a:xfrm>
-            <a:off x="6054198" y="3205510"/>
-            <a:ext cx="702326" cy="343609"/>
-          </a:xfrm>
-          <a:prstGeom prst="rect">
-            <a:avLst/>
-          </a:prstGeom>
-          <a:solidFill>
-            <a:srgbClr val="696774"/>
-          </a:solidFill>
-          <a:ln w="25400" cap="flat" cmpd="sng">
-            <a:solidFill>
-              <a:schemeClr val="lt1"/>
-            </a:solidFill>
-            <a:prstDash val="solid"/>
-            <a:round/>
-            <a:headEnd type="none" w="sm" len="sm"/>
-            <a:tailEnd type="none" w="sm" len="sm"/>
-          </a:ln>
-        </p:spPr>
-        <p:txBody>
-          <a:bodyPr spcFirstLastPara="1" wrap="square" lIns="68575" tIns="34275" rIns="68575" bIns="34275" anchor="ctr" anchorCtr="0">
-            <a:noAutofit/>
-          </a:bodyPr>
-          <a:lstStyle/>
-          <a:p>
-            <a:pPr marL="0" marR="0" lvl="0" indent="0" algn="ctr" rtl="0">
-              <a:lnSpc>
-                <a:spcPct val="100000"/>
-              </a:lnSpc>
-              <a:spcBef>
-                <a:spcPts val="0"/>
-              </a:spcBef>
-              <a:spcAft>
-                <a:spcPts val="0"/>
-              </a:spcAft>
-              <a:buNone/>
-            </a:pPr>
-            <a:r>
-              <a:rPr lang="en-US" sz="1000" b="0" i="0" u="none" strike="noStrike" cap="none">
-                <a:solidFill>
-                  <a:schemeClr val="lt1"/>
-                </a:solidFill>
-                <a:latin typeface="Arial" panose="020B0604020202020204"/>
-                <a:ea typeface="Arial" panose="020B0604020202020204"/>
-                <a:cs typeface="Arial" panose="020B0604020202020204"/>
-                <a:sym typeface="Arial" panose="020B0604020202020204"/>
-              </a:rPr>
-              <a:t>Transport</a:t>
-            </a:r>
-          </a:p>
-        </p:txBody>
-      </p:sp>
-      <p:cxnSp>
-        <p:nvCxnSpPr>
-          <p:cNvPr id="36" name="Google Shape;344;p32">
-            <a:extLst>
-              <a:ext uri="{FF2B5EF4-FFF2-40B4-BE49-F238E27FC236}">
-                <a16:creationId xmlns:a16="http://schemas.microsoft.com/office/drawing/2014/main" id="{5B213779-C499-364C-8312-7AF21EA1FFC6}"/>
-              </a:ext>
-            </a:extLst>
-          </p:cNvPr>
-          <p:cNvCxnSpPr>
-            <a:stCxn id="4" idx="3"/>
-            <a:endCxn id="21" idx="3"/>
-          </p:cNvCxnSpPr>
-          <p:nvPr/>
-        </p:nvCxnSpPr>
-        <p:spPr>
-          <a:xfrm rot="10800000">
-            <a:off x="6757318" y="3698886"/>
-            <a:ext cx="5700" cy="654600"/>
-          </a:xfrm>
-          <a:prstGeom prst="curvedConnector3">
-            <a:avLst>
-              <a:gd name="adj1" fmla="val -3007764"/>
-            </a:avLst>
-          </a:prstGeom>
-          <a:noFill/>
-          <a:ln w="28575" cap="flat" cmpd="sng">
-            <a:solidFill>
-              <a:srgbClr val="00D4DD"/>
-            </a:solidFill>
-            <a:prstDash val="solid"/>
-            <a:round/>
-            <a:headEnd type="none" w="sm" len="sm"/>
-            <a:tailEnd type="triangle" w="med" len="med"/>
-          </a:ln>
-        </p:spPr>
-      </p:cxnSp>
-      <p:cxnSp>
-        <p:nvCxnSpPr>
-          <p:cNvPr id="37" name="Google Shape;345;p32">
-            <a:extLst>
-              <a:ext uri="{FF2B5EF4-FFF2-40B4-BE49-F238E27FC236}">
-                <a16:creationId xmlns:a16="http://schemas.microsoft.com/office/drawing/2014/main" id="{54926685-2660-D949-8DC4-80F48E5B125C}"/>
-              </a:ext>
-            </a:extLst>
-          </p:cNvPr>
-          <p:cNvCxnSpPr>
-            <a:stCxn id="21" idx="1"/>
-            <a:endCxn id="29" idx="1"/>
-          </p:cNvCxnSpPr>
-          <p:nvPr/>
-        </p:nvCxnSpPr>
-        <p:spPr>
-          <a:xfrm>
-            <a:off x="6057460" y="3698815"/>
-            <a:ext cx="3000" cy="306000"/>
-          </a:xfrm>
-          <a:prstGeom prst="curvedConnector3">
-            <a:avLst>
-              <a:gd name="adj1" fmla="val -5714502"/>
-            </a:avLst>
-          </a:prstGeom>
-          <a:noFill/>
-          <a:ln w="28575" cap="flat" cmpd="sng">
-            <a:solidFill>
-              <a:srgbClr val="00D4DD"/>
-            </a:solidFill>
-            <a:prstDash val="solid"/>
-            <a:round/>
-            <a:headEnd type="none" w="sm" len="sm"/>
-            <a:tailEnd type="triangle" w="med" len="med"/>
-          </a:ln>
-        </p:spPr>
-      </p:cxnSp>
-      <p:sp>
-        <p:nvSpPr>
-          <p:cNvPr id="38" name="Google Shape;346;p32">
-            <a:extLst>
-              <a:ext uri="{FF2B5EF4-FFF2-40B4-BE49-F238E27FC236}">
-                <a16:creationId xmlns:a16="http://schemas.microsoft.com/office/drawing/2014/main" id="{A786648A-161A-1F45-8F2C-AF0FD3B1A3EB}"/>
-              </a:ext>
-            </a:extLst>
-          </p:cNvPr>
-          <p:cNvSpPr txBox="1"/>
-          <p:nvPr/>
-        </p:nvSpPr>
-        <p:spPr>
-          <a:xfrm>
-            <a:off x="5494756" y="3783608"/>
-            <a:ext cx="616513" cy="230832"/>
-          </a:xfrm>
-          <a:prstGeom prst="rect">
-            <a:avLst/>
-          </a:prstGeom>
-          <a:noFill/>
-          <a:ln>
-            <a:noFill/>
-          </a:ln>
-        </p:spPr>
-        <p:txBody>
-          <a:bodyPr spcFirstLastPara="1" wrap="square" lIns="91425" tIns="45700" rIns="91425" bIns="45700" anchor="t" anchorCtr="0">
-            <a:noAutofit/>
-          </a:bodyPr>
-          <a:lstStyle/>
-          <a:p>
-            <a:pPr marL="0" marR="0" lvl="0" indent="0" algn="l" rtl="0">
-              <a:lnSpc>
-                <a:spcPct val="100000"/>
-              </a:lnSpc>
-              <a:spcBef>
-                <a:spcPts val="0"/>
-              </a:spcBef>
-              <a:spcAft>
-                <a:spcPts val="0"/>
-              </a:spcAft>
-              <a:buNone/>
-            </a:pPr>
-            <a:r>
-              <a:rPr lang="en-US" sz="900" b="0" i="0" u="none" strike="noStrike" cap="none">
-                <a:solidFill>
-                  <a:srgbClr val="000000"/>
-                </a:solidFill>
-                <a:latin typeface="Arial" panose="020B0604020202020204"/>
-                <a:ea typeface="Arial" panose="020B0604020202020204"/>
-                <a:cs typeface="Arial" panose="020B0604020202020204"/>
-                <a:sym typeface="Arial" panose="020B0604020202020204"/>
-              </a:rPr>
-              <a:t>2. get</a:t>
-            </a:r>
-          </a:p>
-        </p:txBody>
-      </p:sp>
-      <p:sp>
-        <p:nvSpPr>
-          <p:cNvPr id="39" name="Google Shape;347;p32">
-            <a:extLst>
-              <a:ext uri="{FF2B5EF4-FFF2-40B4-BE49-F238E27FC236}">
-                <a16:creationId xmlns:a16="http://schemas.microsoft.com/office/drawing/2014/main" id="{C2689520-C21C-5842-963B-1D19D51B3666}"/>
-              </a:ext>
-            </a:extLst>
-          </p:cNvPr>
-          <p:cNvSpPr/>
-          <p:nvPr/>
-        </p:nvSpPr>
-        <p:spPr>
-          <a:xfrm>
-            <a:off x="6764184" y="3218236"/>
-            <a:ext cx="482185" cy="316116"/>
-          </a:xfrm>
-          <a:prstGeom prst="rect">
-            <a:avLst/>
-          </a:prstGeom>
-          <a:solidFill>
-            <a:srgbClr val="696774"/>
-          </a:solidFill>
-          <a:ln w="25400" cap="flat" cmpd="sng">
-            <a:noFill/>
-            <a:prstDash val="solid"/>
-            <a:round/>
-            <a:headEnd type="none" w="sm" len="sm"/>
-            <a:tailEnd type="none" w="sm" len="sm"/>
-          </a:ln>
-        </p:spPr>
-        <p:txBody>
-          <a:bodyPr spcFirstLastPara="1" wrap="square" lIns="68575" tIns="34275" rIns="68575" bIns="34275" anchor="ctr" anchorCtr="0">
-            <a:noAutofit/>
-          </a:bodyPr>
-          <a:lstStyle/>
-          <a:p>
-            <a:pPr marL="0" marR="0" lvl="0" indent="0" algn="ctr" rtl="0">
-              <a:lnSpc>
-                <a:spcPct val="100000"/>
-              </a:lnSpc>
-              <a:spcBef>
-                <a:spcPts val="0"/>
-              </a:spcBef>
-              <a:spcAft>
-                <a:spcPts val="0"/>
-              </a:spcAft>
-              <a:buNone/>
-            </a:pPr>
-            <a:r>
-              <a:rPr lang="en-US" sz="900" b="0" i="0" u="none" strike="noStrike" cap="none" dirty="0">
-                <a:solidFill>
-                  <a:schemeClr val="lt1"/>
-                </a:solidFill>
-                <a:latin typeface="Arial" panose="020B0604020202020204"/>
-                <a:ea typeface="Arial" panose="020B0604020202020204"/>
-                <a:cs typeface="Arial" panose="020B0604020202020204"/>
-                <a:sym typeface="Arial" panose="020B0604020202020204"/>
-              </a:rPr>
-              <a:t>Codec</a:t>
-            </a:r>
-            <a:endParaRPr sz="1100" b="0" i="0" u="none" strike="noStrike" cap="none" dirty="0">
-              <a:solidFill>
-                <a:schemeClr val="lt1"/>
-              </a:solidFill>
-              <a:latin typeface="Arial" panose="020B0604020202020204"/>
-              <a:ea typeface="Arial" panose="020B0604020202020204"/>
-              <a:cs typeface="Arial" panose="020B0604020202020204"/>
-              <a:sym typeface="Arial" panose="020B0604020202020204"/>
-            </a:endParaRPr>
-          </a:p>
-        </p:txBody>
-      </p:sp>
-      <p:sp>
-        <p:nvSpPr>
-          <p:cNvPr id="40" name="Google Shape;348;p32">
-            <a:extLst>
-              <a:ext uri="{FF2B5EF4-FFF2-40B4-BE49-F238E27FC236}">
-                <a16:creationId xmlns:a16="http://schemas.microsoft.com/office/drawing/2014/main" id="{97665504-1F1F-8E4D-A1DF-53390B5C81BA}"/>
-              </a:ext>
-            </a:extLst>
-          </p:cNvPr>
-          <p:cNvSpPr/>
-          <p:nvPr/>
-        </p:nvSpPr>
-        <p:spPr>
-          <a:xfrm>
-            <a:off x="8989469" y="3229768"/>
-            <a:ext cx="482185" cy="570837"/>
-          </a:xfrm>
-          <a:prstGeom prst="rect">
-            <a:avLst/>
-          </a:prstGeom>
-          <a:solidFill>
-            <a:srgbClr val="696774"/>
-          </a:solidFill>
-          <a:ln w="25400" cap="flat" cmpd="sng">
-            <a:noFill/>
-            <a:prstDash val="solid"/>
-            <a:round/>
-            <a:headEnd type="none" w="sm" len="sm"/>
-            <a:tailEnd type="none" w="sm" len="sm"/>
-          </a:ln>
-        </p:spPr>
-        <p:txBody>
-          <a:bodyPr spcFirstLastPara="1" wrap="square" lIns="68575" tIns="34275" rIns="68575" bIns="34275" anchor="ctr" anchorCtr="0">
-            <a:noAutofit/>
-          </a:bodyPr>
-          <a:lstStyle/>
-          <a:p>
-            <a:pPr marL="0" marR="0" lvl="0" indent="0" algn="ctr" rtl="0">
-              <a:lnSpc>
-                <a:spcPct val="100000"/>
-              </a:lnSpc>
-              <a:spcBef>
-                <a:spcPts val="0"/>
-              </a:spcBef>
-              <a:spcAft>
-                <a:spcPts val="0"/>
-              </a:spcAft>
-              <a:buNone/>
-            </a:pPr>
-            <a:r>
-              <a:rPr lang="en-US" sz="900" b="0" i="0" u="none" strike="noStrike" cap="none">
-                <a:solidFill>
-                  <a:schemeClr val="lt1"/>
-                </a:solidFill>
-                <a:latin typeface="Arial" panose="020B0604020202020204"/>
-                <a:ea typeface="Arial" panose="020B0604020202020204"/>
-                <a:cs typeface="Arial" panose="020B0604020202020204"/>
-                <a:sym typeface="Arial" panose="020B0604020202020204"/>
-              </a:rPr>
-              <a:t>Codec</a:t>
-            </a:r>
-            <a:endParaRPr sz="1100" b="0" i="0" u="none" strike="noStrike" cap="none">
-              <a:solidFill>
-                <a:schemeClr val="lt1"/>
-              </a:solidFill>
-              <a:latin typeface="Arial" panose="020B0604020202020204"/>
-              <a:ea typeface="Arial" panose="020B0604020202020204"/>
-              <a:cs typeface="Arial" panose="020B0604020202020204"/>
-              <a:sym typeface="Arial" panose="020B0604020202020204"/>
-            </a:endParaRPr>
-          </a:p>
-        </p:txBody>
-      </p:sp>
-      <p:cxnSp>
-        <p:nvCxnSpPr>
-          <p:cNvPr id="41" name="Google Shape;349;p32">
-            <a:extLst>
-              <a:ext uri="{FF2B5EF4-FFF2-40B4-BE49-F238E27FC236}">
-                <a16:creationId xmlns:a16="http://schemas.microsoft.com/office/drawing/2014/main" id="{1B5929E0-4C3D-F643-A0A4-65DE04CFCFDD}"/>
-              </a:ext>
-            </a:extLst>
-          </p:cNvPr>
-          <p:cNvCxnSpPr>
-            <a:cxnSpLocks/>
-            <a:stCxn id="39" idx="3"/>
-            <a:endCxn id="40" idx="1"/>
-          </p:cNvCxnSpPr>
-          <p:nvPr/>
-        </p:nvCxnSpPr>
-        <p:spPr>
-          <a:xfrm>
-            <a:off x="7246369" y="3376294"/>
-            <a:ext cx="1743100" cy="138893"/>
-          </a:xfrm>
-          <a:prstGeom prst="curvedConnector3">
-            <a:avLst>
-              <a:gd name="adj1" fmla="val 50000"/>
-            </a:avLst>
-          </a:prstGeom>
-          <a:noFill/>
-          <a:ln w="28575" cap="flat" cmpd="sng">
-            <a:solidFill>
-              <a:srgbClr val="00D4DD"/>
-            </a:solidFill>
-            <a:prstDash val="solid"/>
-            <a:round/>
-            <a:headEnd type="none" w="sm" len="sm"/>
-            <a:tailEnd type="triangle" w="med" len="med"/>
-          </a:ln>
-        </p:spPr>
-      </p:cxnSp>
-      <p:cxnSp>
-        <p:nvCxnSpPr>
-          <p:cNvPr id="42" name="Google Shape;350;p32">
-            <a:extLst>
-              <a:ext uri="{FF2B5EF4-FFF2-40B4-BE49-F238E27FC236}">
-                <a16:creationId xmlns:a16="http://schemas.microsoft.com/office/drawing/2014/main" id="{DADADBC2-26EE-8F41-B76B-CD5BED63B2ED}"/>
-              </a:ext>
-            </a:extLst>
-          </p:cNvPr>
-          <p:cNvCxnSpPr>
-            <a:cxnSpLocks/>
-            <a:stCxn id="40" idx="2"/>
-            <a:endCxn id="39" idx="2"/>
-          </p:cNvCxnSpPr>
-          <p:nvPr/>
-        </p:nvCxnSpPr>
-        <p:spPr>
-          <a:xfrm rot="5400000" flipH="1">
-            <a:off x="7984793" y="2554837"/>
-            <a:ext cx="266253" cy="2225285"/>
-          </a:xfrm>
-          <a:prstGeom prst="curvedConnector3">
-            <a:avLst>
-              <a:gd name="adj1" fmla="val -85858"/>
-            </a:avLst>
-          </a:prstGeom>
-          <a:noFill/>
-          <a:ln w="28575" cap="flat" cmpd="sng">
-            <a:solidFill>
-              <a:srgbClr val="00D4DD"/>
-            </a:solidFill>
-            <a:prstDash val="solid"/>
-            <a:round/>
-            <a:headEnd type="none" w="sm" len="sm"/>
-            <a:tailEnd type="triangle" w="med" len="med"/>
-          </a:ln>
-        </p:spPr>
-      </p:cxnSp>
-      <p:cxnSp>
-        <p:nvCxnSpPr>
-          <p:cNvPr id="43" name="Google Shape;351;p32">
-            <a:extLst>
-              <a:ext uri="{FF2B5EF4-FFF2-40B4-BE49-F238E27FC236}">
-                <a16:creationId xmlns:a16="http://schemas.microsoft.com/office/drawing/2014/main" id="{222FC039-F4FD-2A42-A476-0C4213474E66}"/>
-              </a:ext>
-            </a:extLst>
-          </p:cNvPr>
-          <p:cNvCxnSpPr>
-            <a:cxnSpLocks/>
-            <a:stCxn id="29" idx="1"/>
-            <a:endCxn id="10" idx="2"/>
-          </p:cNvCxnSpPr>
-          <p:nvPr/>
-        </p:nvCxnSpPr>
-        <p:spPr>
-          <a:xfrm rot="10800000" flipH="1" flipV="1">
-            <a:off x="6060332" y="4004905"/>
-            <a:ext cx="2661831" cy="1695940"/>
-          </a:xfrm>
-          <a:prstGeom prst="curvedConnector4">
-            <a:avLst>
-              <a:gd name="adj1" fmla="val -24309"/>
-              <a:gd name="adj2" fmla="val 113479"/>
-            </a:avLst>
-          </a:prstGeom>
-          <a:noFill/>
-          <a:ln w="28575" cap="flat" cmpd="sng">
-            <a:solidFill>
-              <a:srgbClr val="00D4DD"/>
-            </a:solidFill>
-            <a:prstDash val="solid"/>
-            <a:round/>
-            <a:headEnd type="none" w="sm" len="sm"/>
-            <a:tailEnd type="triangle" w="med" len="med"/>
-          </a:ln>
-        </p:spPr>
-      </p:cxnSp>
-      <p:sp>
-        <p:nvSpPr>
-          <p:cNvPr id="44" name="Google Shape;352;p32">
-            <a:extLst>
-              <a:ext uri="{FF2B5EF4-FFF2-40B4-BE49-F238E27FC236}">
-                <a16:creationId xmlns:a16="http://schemas.microsoft.com/office/drawing/2014/main" id="{EE316E09-2A54-CB41-BE95-3436CC75E822}"/>
-              </a:ext>
-            </a:extLst>
-          </p:cNvPr>
-          <p:cNvSpPr txBox="1"/>
-          <p:nvPr/>
-        </p:nvSpPr>
-        <p:spPr>
-          <a:xfrm>
-            <a:off x="6053612" y="5415431"/>
-            <a:ext cx="539145" cy="230832"/>
-          </a:xfrm>
-          <a:prstGeom prst="rect">
-            <a:avLst/>
-          </a:prstGeom>
-          <a:noFill/>
-          <a:ln>
-            <a:noFill/>
-          </a:ln>
-        </p:spPr>
-        <p:txBody>
-          <a:bodyPr spcFirstLastPara="1" wrap="square" lIns="91425" tIns="45700" rIns="91425" bIns="45700" anchor="t" anchorCtr="0">
-            <a:noAutofit/>
-          </a:bodyPr>
-          <a:lstStyle/>
-          <a:p>
-            <a:pPr marL="0" marR="0" lvl="0" indent="0" algn="l" rtl="0">
-              <a:lnSpc>
-                <a:spcPct val="100000"/>
-              </a:lnSpc>
-              <a:spcBef>
-                <a:spcPts val="0"/>
-              </a:spcBef>
-              <a:spcAft>
-                <a:spcPts val="0"/>
-              </a:spcAft>
-              <a:buNone/>
-            </a:pPr>
-            <a:r>
-              <a:rPr lang="en-US" sz="900" b="0" i="0" u="none" strike="noStrike" cap="none">
-                <a:solidFill>
-                  <a:srgbClr val="000000"/>
-                </a:solidFill>
-                <a:latin typeface="Arial" panose="020B0604020202020204"/>
-                <a:ea typeface="Arial" panose="020B0604020202020204"/>
-                <a:cs typeface="Arial" panose="020B0604020202020204"/>
-                <a:sym typeface="Arial" panose="020B0604020202020204"/>
-              </a:rPr>
-              <a:t>3. list</a:t>
-            </a:r>
-            <a:endParaRPr sz="900" b="0" i="0" u="none" strike="noStrike" cap="none">
-              <a:solidFill>
-                <a:srgbClr val="000000"/>
-              </a:solidFill>
-              <a:latin typeface="Arial" panose="020B0604020202020204"/>
-              <a:ea typeface="Arial" panose="020B0604020202020204"/>
-              <a:cs typeface="Arial" panose="020B0604020202020204"/>
-              <a:sym typeface="Arial" panose="020B0604020202020204"/>
-            </a:endParaRPr>
-          </a:p>
-        </p:txBody>
-      </p:sp>
-      <p:cxnSp>
-        <p:nvCxnSpPr>
-          <p:cNvPr id="45" name="Google Shape;353;p32">
-            <a:extLst>
-              <a:ext uri="{FF2B5EF4-FFF2-40B4-BE49-F238E27FC236}">
-                <a16:creationId xmlns:a16="http://schemas.microsoft.com/office/drawing/2014/main" id="{B7DAF48A-A33B-A44F-B852-106824FFBC3B}"/>
-              </a:ext>
-            </a:extLst>
-          </p:cNvPr>
-          <p:cNvCxnSpPr>
-            <a:cxnSpLocks/>
-            <a:stCxn id="47" idx="0"/>
-            <a:endCxn id="31" idx="3"/>
-          </p:cNvCxnSpPr>
-          <p:nvPr/>
-        </p:nvCxnSpPr>
-        <p:spPr>
-          <a:xfrm rot="16200000" flipV="1">
-            <a:off x="8510505" y="2195290"/>
-            <a:ext cx="815522" cy="620786"/>
-          </a:xfrm>
-          <a:prstGeom prst="curvedConnector2">
-            <a:avLst/>
-          </a:prstGeom>
-          <a:noFill/>
-          <a:ln w="28575" cap="flat" cmpd="sng">
-            <a:solidFill>
-              <a:srgbClr val="00D4DD"/>
-            </a:solidFill>
-            <a:prstDash val="dash"/>
-            <a:round/>
-            <a:headEnd type="none" w="sm" len="sm"/>
-            <a:tailEnd type="triangle" w="med" len="med"/>
-          </a:ln>
-        </p:spPr>
-      </p:cxnSp>
-      <p:sp>
-        <p:nvSpPr>
-          <p:cNvPr id="46" name="Google Shape;340;p32">
-            <a:extLst>
-              <a:ext uri="{FF2B5EF4-FFF2-40B4-BE49-F238E27FC236}">
-                <a16:creationId xmlns:a16="http://schemas.microsoft.com/office/drawing/2014/main" id="{F0E792BD-6261-9A4D-BB17-98900976E8CD}"/>
-              </a:ext>
-            </a:extLst>
-          </p:cNvPr>
-          <p:cNvSpPr/>
-          <p:nvPr/>
-        </p:nvSpPr>
-        <p:spPr>
-          <a:xfrm>
-            <a:off x="6770811" y="2903818"/>
-            <a:ext cx="482185" cy="291570"/>
-          </a:xfrm>
-          <a:prstGeom prst="rect">
-            <a:avLst/>
-          </a:prstGeom>
-          <a:solidFill>
-            <a:srgbClr val="696774"/>
-          </a:solidFill>
-          <a:ln w="25400" cap="flat" cmpd="sng">
-            <a:noFill/>
-            <a:prstDash val="solid"/>
-            <a:round/>
-            <a:headEnd type="none" w="sm" len="sm"/>
-            <a:tailEnd type="none" w="sm" len="sm"/>
-          </a:ln>
-        </p:spPr>
-        <p:txBody>
-          <a:bodyPr spcFirstLastPara="1" wrap="square" lIns="68575" tIns="34275" rIns="68575" bIns="34275" anchor="ctr" anchorCtr="0">
-            <a:noAutofit/>
-          </a:bodyPr>
-          <a:lstStyle/>
-          <a:p>
-            <a:pPr marL="0" marR="0" lvl="0" indent="0" algn="ctr" rtl="0">
-              <a:lnSpc>
-                <a:spcPct val="100000"/>
-              </a:lnSpc>
-              <a:spcBef>
-                <a:spcPts val="0"/>
-              </a:spcBef>
-              <a:spcAft>
-                <a:spcPts val="0"/>
-              </a:spcAft>
-              <a:buNone/>
-            </a:pPr>
-            <a:r>
-              <a:rPr lang="en-US" sz="900" b="0" i="0" u="none" strike="noStrike" cap="none">
-                <a:solidFill>
-                  <a:schemeClr val="lt1"/>
-                </a:solidFill>
-                <a:latin typeface="Arial" panose="020B0604020202020204"/>
-                <a:ea typeface="Arial" panose="020B0604020202020204"/>
-                <a:cs typeface="Arial" panose="020B0604020202020204"/>
-                <a:sym typeface="Arial" panose="020B0604020202020204"/>
-              </a:rPr>
-              <a:t>Codec</a:t>
-            </a:r>
-            <a:endParaRPr sz="1100" b="0" i="0" u="none" strike="noStrike" cap="none">
-              <a:solidFill>
-                <a:schemeClr val="lt1"/>
-              </a:solidFill>
-              <a:latin typeface="Arial" panose="020B0604020202020204"/>
-              <a:ea typeface="Arial" panose="020B0604020202020204"/>
-              <a:cs typeface="Arial" panose="020B0604020202020204"/>
-              <a:sym typeface="Arial" panose="020B0604020202020204"/>
-            </a:endParaRPr>
-          </a:p>
-        </p:txBody>
-      </p:sp>
-      <p:sp>
-        <p:nvSpPr>
-          <p:cNvPr id="47" name="Google Shape;354;p32">
-            <a:extLst>
-              <a:ext uri="{FF2B5EF4-FFF2-40B4-BE49-F238E27FC236}">
-                <a16:creationId xmlns:a16="http://schemas.microsoft.com/office/drawing/2014/main" id="{16A34385-20DB-4046-A262-AE4118F27069}"/>
-              </a:ext>
-            </a:extLst>
-          </p:cNvPr>
-          <p:cNvSpPr/>
-          <p:nvPr/>
-        </p:nvSpPr>
-        <p:spPr>
-          <a:xfrm>
-            <a:off x="8987566" y="2913444"/>
-            <a:ext cx="482185" cy="281944"/>
-          </a:xfrm>
-          <a:prstGeom prst="rect">
-            <a:avLst/>
-          </a:prstGeom>
-          <a:solidFill>
-            <a:srgbClr val="696774"/>
-          </a:solidFill>
-          <a:ln w="25400" cap="flat" cmpd="sng">
-            <a:noFill/>
-            <a:prstDash val="solid"/>
-            <a:round/>
-            <a:headEnd type="none" w="sm" len="sm"/>
-            <a:tailEnd type="none" w="sm" len="sm"/>
-          </a:ln>
-        </p:spPr>
-        <p:txBody>
-          <a:bodyPr spcFirstLastPara="1" wrap="square" lIns="68575" tIns="34275" rIns="68575" bIns="34275" anchor="ctr" anchorCtr="0">
-            <a:noAutofit/>
-          </a:bodyPr>
-          <a:lstStyle/>
-          <a:p>
-            <a:pPr marL="0" marR="0" lvl="0" indent="0" algn="ctr" rtl="0">
-              <a:lnSpc>
-                <a:spcPct val="100000"/>
-              </a:lnSpc>
-              <a:spcBef>
-                <a:spcPts val="0"/>
-              </a:spcBef>
-              <a:spcAft>
-                <a:spcPts val="0"/>
-              </a:spcAft>
-              <a:buNone/>
-            </a:pPr>
-            <a:r>
-              <a:rPr lang="en-US" sz="900" b="0" i="0" u="none" strike="noStrike" cap="none" dirty="0">
-                <a:solidFill>
-                  <a:schemeClr val="lt1"/>
-                </a:solidFill>
-                <a:latin typeface="Arial" panose="020B0604020202020204"/>
-                <a:ea typeface="Arial" panose="020B0604020202020204"/>
-                <a:cs typeface="Arial" panose="020B0604020202020204"/>
-                <a:sym typeface="Arial" panose="020B0604020202020204"/>
-              </a:rPr>
-              <a:t>Codec</a:t>
-            </a:r>
-            <a:endParaRPr sz="1100" b="0" i="0" u="none" strike="noStrike" cap="none" dirty="0">
-              <a:solidFill>
-                <a:schemeClr val="lt1"/>
-              </a:solidFill>
-              <a:latin typeface="Arial" panose="020B0604020202020204"/>
-              <a:ea typeface="Arial" panose="020B0604020202020204"/>
-              <a:cs typeface="Arial" panose="020B0604020202020204"/>
-              <a:sym typeface="Arial" panose="020B0604020202020204"/>
-            </a:endParaRPr>
-          </a:p>
-        </p:txBody>
-      </p:sp>
-      <p:cxnSp>
-        <p:nvCxnSpPr>
-          <p:cNvPr id="55" name="Google Shape;331;p32">
-            <a:extLst>
-              <a:ext uri="{FF2B5EF4-FFF2-40B4-BE49-F238E27FC236}">
-                <a16:creationId xmlns:a16="http://schemas.microsoft.com/office/drawing/2014/main" id="{BAC22A30-8EA9-E74B-82E2-EBA6BBE42F64}"/>
-              </a:ext>
-            </a:extLst>
-          </p:cNvPr>
-          <p:cNvCxnSpPr>
-            <a:cxnSpLocks/>
-          </p:cNvCxnSpPr>
-          <p:nvPr/>
-        </p:nvCxnSpPr>
-        <p:spPr>
-          <a:xfrm>
-            <a:off x="7862350" y="6506119"/>
-            <a:ext cx="276787" cy="0"/>
-          </a:xfrm>
-          <a:prstGeom prst="straightConnector1">
-            <a:avLst/>
-          </a:prstGeom>
-          <a:noFill/>
-          <a:ln w="28575" cap="flat" cmpd="sng">
-            <a:solidFill>
-              <a:srgbClr val="805AFF"/>
-            </a:solidFill>
-            <a:prstDash val="dash"/>
-            <a:round/>
-            <a:headEnd type="none" w="sm" len="sm"/>
-            <a:tailEnd type="triangle" w="med" len="med"/>
-          </a:ln>
-        </p:spPr>
-      </p:cxnSp>
-      <p:sp>
-        <p:nvSpPr>
-          <p:cNvPr id="56" name="Google Shape;332;p32">
-            <a:extLst>
-              <a:ext uri="{FF2B5EF4-FFF2-40B4-BE49-F238E27FC236}">
-                <a16:creationId xmlns:a16="http://schemas.microsoft.com/office/drawing/2014/main" id="{23B228BA-8261-684A-8632-D7B278B1951B}"/>
-              </a:ext>
-            </a:extLst>
-          </p:cNvPr>
-          <p:cNvSpPr txBox="1"/>
-          <p:nvPr/>
-        </p:nvSpPr>
-        <p:spPr>
-          <a:xfrm>
-            <a:off x="7787974" y="6194482"/>
-            <a:ext cx="600917" cy="300082"/>
-          </a:xfrm>
-          <a:prstGeom prst="rect">
-            <a:avLst/>
-          </a:prstGeom>
-          <a:noFill/>
-          <a:ln>
-            <a:noFill/>
-          </a:ln>
-        </p:spPr>
-        <p:txBody>
-          <a:bodyPr spcFirstLastPara="1" wrap="square" lIns="91425" tIns="45700" rIns="91425" bIns="45700" anchor="t" anchorCtr="0">
-            <a:noAutofit/>
-          </a:bodyPr>
-          <a:lstStyle/>
-          <a:p>
-            <a:pPr marL="0" marR="0" lvl="0" indent="0" algn="l" rtl="0">
-              <a:lnSpc>
-                <a:spcPct val="100000"/>
-              </a:lnSpc>
-              <a:spcBef>
-                <a:spcPts val="0"/>
-              </a:spcBef>
-              <a:spcAft>
-                <a:spcPts val="0"/>
-              </a:spcAft>
-              <a:buNone/>
-            </a:pPr>
-            <a:r>
-              <a:rPr lang="en-US" sz="1350" b="0" i="0" u="none" strike="noStrike" cap="none">
-                <a:solidFill>
-                  <a:srgbClr val="000000"/>
-                </a:solidFill>
-                <a:latin typeface="Arial" panose="020B0604020202020204"/>
-                <a:ea typeface="Arial" panose="020B0604020202020204"/>
-                <a:cs typeface="Arial" panose="020B0604020202020204"/>
-                <a:sym typeface="Arial" panose="020B0604020202020204"/>
-              </a:rPr>
-              <a:t>init</a:t>
-            </a:r>
-            <a:endParaRPr sz="1350" b="0" i="0" u="none" strike="noStrike" cap="none">
-              <a:solidFill>
-                <a:srgbClr val="000000"/>
-              </a:solidFill>
-              <a:latin typeface="Arial" panose="020B0604020202020204"/>
-              <a:ea typeface="Arial" panose="020B0604020202020204"/>
-              <a:cs typeface="Arial" panose="020B0604020202020204"/>
-              <a:sym typeface="Arial" panose="020B0604020202020204"/>
-            </a:endParaRPr>
-          </a:p>
-        </p:txBody>
-      </p:sp>
-      <p:cxnSp>
-        <p:nvCxnSpPr>
-          <p:cNvPr id="57" name="Google Shape;333;p32">
-            <a:extLst>
-              <a:ext uri="{FF2B5EF4-FFF2-40B4-BE49-F238E27FC236}">
-                <a16:creationId xmlns:a16="http://schemas.microsoft.com/office/drawing/2014/main" id="{AB118BC0-AB7D-1345-9DF6-339480419F68}"/>
-              </a:ext>
-            </a:extLst>
-          </p:cNvPr>
-          <p:cNvCxnSpPr>
-            <a:cxnSpLocks/>
-          </p:cNvCxnSpPr>
-          <p:nvPr/>
-        </p:nvCxnSpPr>
-        <p:spPr>
-          <a:xfrm>
-            <a:off x="8348161" y="6506119"/>
-            <a:ext cx="276787" cy="0"/>
-          </a:xfrm>
-          <a:prstGeom prst="straightConnector1">
-            <a:avLst/>
-          </a:prstGeom>
-          <a:noFill/>
-          <a:ln w="28575" cap="flat" cmpd="sng">
-            <a:solidFill>
-              <a:srgbClr val="00D4DD"/>
-            </a:solidFill>
-            <a:prstDash val="dash"/>
-            <a:round/>
-            <a:headEnd type="none" w="sm" len="sm"/>
-            <a:tailEnd type="triangle" w="med" len="med"/>
-          </a:ln>
-        </p:spPr>
-      </p:cxnSp>
-      <p:sp>
-        <p:nvSpPr>
-          <p:cNvPr id="58" name="Google Shape;334;p32">
-            <a:extLst>
-              <a:ext uri="{FF2B5EF4-FFF2-40B4-BE49-F238E27FC236}">
-                <a16:creationId xmlns:a16="http://schemas.microsoft.com/office/drawing/2014/main" id="{1F6DE633-F020-064F-8DC7-513541830E64}"/>
-              </a:ext>
-            </a:extLst>
-          </p:cNvPr>
-          <p:cNvSpPr txBox="1"/>
-          <p:nvPr/>
-        </p:nvSpPr>
-        <p:spPr>
-          <a:xfrm>
-            <a:off x="8242311" y="6181554"/>
-            <a:ext cx="600917" cy="276999"/>
-          </a:xfrm>
-          <a:prstGeom prst="rect">
-            <a:avLst/>
-          </a:prstGeom>
-          <a:noFill/>
-          <a:ln>
-            <a:noFill/>
-          </a:ln>
-        </p:spPr>
-        <p:txBody>
-          <a:bodyPr spcFirstLastPara="1" wrap="square" lIns="91425" tIns="45700" rIns="91425" bIns="45700" anchor="t" anchorCtr="0">
-            <a:noAutofit/>
-          </a:bodyPr>
-          <a:lstStyle/>
-          <a:p>
-            <a:pPr marL="0" marR="0" lvl="0" indent="0" algn="l" rtl="0">
-              <a:lnSpc>
-                <a:spcPct val="100000"/>
-              </a:lnSpc>
-              <a:spcBef>
-                <a:spcPts val="0"/>
-              </a:spcBef>
-              <a:spcAft>
-                <a:spcPts val="0"/>
-              </a:spcAft>
-              <a:buNone/>
-            </a:pPr>
-            <a:r>
-              <a:rPr lang="en-US" sz="1200" b="0" i="0" u="none" strike="noStrike" cap="none">
-                <a:solidFill>
-                  <a:srgbClr val="000000"/>
-                </a:solidFill>
-                <a:latin typeface="Arial" panose="020B0604020202020204"/>
-                <a:ea typeface="Arial" panose="020B0604020202020204"/>
-                <a:cs typeface="Arial" panose="020B0604020202020204"/>
-                <a:sym typeface="Arial" panose="020B0604020202020204"/>
-              </a:rPr>
-              <a:t>async</a:t>
-            </a:r>
-            <a:endParaRPr sz="1350" b="0" i="0" u="none" strike="noStrike" cap="none">
-              <a:solidFill>
-                <a:srgbClr val="000000"/>
-              </a:solidFill>
-              <a:latin typeface="Arial" panose="020B0604020202020204"/>
-              <a:ea typeface="Arial" panose="020B0604020202020204"/>
-              <a:cs typeface="Arial" panose="020B0604020202020204"/>
-              <a:sym typeface="Arial" panose="020B0604020202020204"/>
-            </a:endParaRPr>
-          </a:p>
-        </p:txBody>
-      </p:sp>
-      <p:cxnSp>
-        <p:nvCxnSpPr>
-          <p:cNvPr id="59" name="Google Shape;335;p32">
-            <a:extLst>
-              <a:ext uri="{FF2B5EF4-FFF2-40B4-BE49-F238E27FC236}">
-                <a16:creationId xmlns:a16="http://schemas.microsoft.com/office/drawing/2014/main" id="{8F4BDC98-AF61-6042-9924-43BC7A8549D2}"/>
-              </a:ext>
-            </a:extLst>
-          </p:cNvPr>
-          <p:cNvCxnSpPr>
-            <a:cxnSpLocks/>
-          </p:cNvCxnSpPr>
-          <p:nvPr/>
-        </p:nvCxnSpPr>
-        <p:spPr>
-          <a:xfrm>
-            <a:off x="8871772" y="6506119"/>
-            <a:ext cx="276787" cy="0"/>
-          </a:xfrm>
-          <a:prstGeom prst="straightConnector1">
-            <a:avLst/>
-          </a:prstGeom>
-          <a:noFill/>
-          <a:ln w="28575" cap="flat" cmpd="sng">
-            <a:solidFill>
-              <a:srgbClr val="00D4DD"/>
-            </a:solidFill>
-            <a:prstDash val="solid"/>
-            <a:round/>
-            <a:headEnd type="none" w="sm" len="sm"/>
-            <a:tailEnd type="triangle" w="med" len="med"/>
-          </a:ln>
-        </p:spPr>
-      </p:cxnSp>
-      <p:sp>
-        <p:nvSpPr>
-          <p:cNvPr id="60" name="Google Shape;336;p32">
-            <a:extLst>
-              <a:ext uri="{FF2B5EF4-FFF2-40B4-BE49-F238E27FC236}">
-                <a16:creationId xmlns:a16="http://schemas.microsoft.com/office/drawing/2014/main" id="{55E5B987-B3FA-714E-8C85-7F6F62742837}"/>
-              </a:ext>
-            </a:extLst>
-          </p:cNvPr>
-          <p:cNvSpPr txBox="1"/>
-          <p:nvPr/>
-        </p:nvSpPr>
-        <p:spPr>
-          <a:xfrm>
-            <a:off x="8805701" y="6187988"/>
-            <a:ext cx="600917" cy="276999"/>
-          </a:xfrm>
-          <a:prstGeom prst="rect">
-            <a:avLst/>
-          </a:prstGeom>
-          <a:noFill/>
-          <a:ln>
-            <a:noFill/>
-          </a:ln>
-        </p:spPr>
-        <p:txBody>
-          <a:bodyPr spcFirstLastPara="1" wrap="square" lIns="91425" tIns="45700" rIns="91425" bIns="45700" anchor="t" anchorCtr="0">
-            <a:noAutofit/>
-          </a:bodyPr>
-          <a:lstStyle/>
-          <a:p>
-            <a:pPr marL="0" marR="0" lvl="0" indent="0" algn="l" rtl="0">
-              <a:lnSpc>
-                <a:spcPct val="100000"/>
-              </a:lnSpc>
-              <a:spcBef>
-                <a:spcPts val="0"/>
-              </a:spcBef>
-              <a:spcAft>
-                <a:spcPts val="0"/>
-              </a:spcAft>
-              <a:buNone/>
-            </a:pPr>
-            <a:r>
-              <a:rPr lang="en-US" sz="1200" b="0" i="0" u="none" strike="noStrike" cap="none">
-                <a:solidFill>
-                  <a:srgbClr val="000000"/>
-                </a:solidFill>
-                <a:latin typeface="Arial" panose="020B0604020202020204"/>
-                <a:ea typeface="Arial" panose="020B0604020202020204"/>
-                <a:cs typeface="Arial" panose="020B0604020202020204"/>
-                <a:sym typeface="Arial" panose="020B0604020202020204"/>
-              </a:rPr>
-              <a:t>sync</a:t>
-            </a:r>
-            <a:endParaRPr sz="1350" b="0" i="0" u="none" strike="noStrike" cap="none">
-              <a:solidFill>
-                <a:srgbClr val="000000"/>
-              </a:solidFill>
-              <a:latin typeface="Arial" panose="020B0604020202020204"/>
-              <a:ea typeface="Arial" panose="020B0604020202020204"/>
-              <a:cs typeface="Arial" panose="020B0604020202020204"/>
-              <a:sym typeface="Arial" panose="020B0604020202020204"/>
-            </a:endParaRPr>
-          </a:p>
-        </p:txBody>
-      </p:sp>
-      <p:sp>
-        <p:nvSpPr>
-          <p:cNvPr id="61" name="文本框 60">
-            <a:extLst>
-              <a:ext uri="{FF2B5EF4-FFF2-40B4-BE49-F238E27FC236}">
-                <a16:creationId xmlns:a16="http://schemas.microsoft.com/office/drawing/2014/main" id="{1AF1CAC6-E4F9-5940-B7C2-96F60C666ABC}"/>
-              </a:ext>
-            </a:extLst>
-          </p:cNvPr>
-          <p:cNvSpPr txBox="1"/>
-          <p:nvPr/>
-        </p:nvSpPr>
-        <p:spPr>
-          <a:xfrm>
-            <a:off x="10869439" y="751916"/>
-            <a:ext cx="1146468" cy="369332"/>
-          </a:xfrm>
-          <a:prstGeom prst="rect">
-            <a:avLst/>
-          </a:prstGeom>
-          <a:noFill/>
         </p:spPr>
         <p:txBody>
           <a:bodyPr wrap="none" rtlCol="0">
@@ -6823,7 +4558,7 @@
     </p:spTree>
     <p:extLst>
       <p:ext uri="{BB962C8B-B14F-4D97-AF65-F5344CB8AC3E}">
-        <p14:creationId xmlns:p14="http://schemas.microsoft.com/office/powerpoint/2010/main" val="1924840428"/>
+        <p14:creationId xmlns:p14="http://schemas.microsoft.com/office/powerpoint/2010/main" val="1074200280"/>
       </p:ext>
     </p:extLst>
   </p:cSld>
@@ -6888,10 +4623,312 @@
       </p:sp>
       <p:sp>
         <p:nvSpPr>
-          <p:cNvPr id="61" name="文本框 60">
+          <p:cNvPr id="4" name="Google Shape;311;p32">
             <a:extLst>
               <a:ext uri="{FF2B5EF4-FFF2-40B4-BE49-F238E27FC236}">
-                <a16:creationId xmlns:a16="http://schemas.microsoft.com/office/drawing/2014/main" id="{1AF1CAC6-E4F9-5940-B7C2-96F60C666ABC}"/>
+                <a16:creationId xmlns:a16="http://schemas.microsoft.com/office/drawing/2014/main" id="{767B2FB0-76F4-454E-A18A-591FBB3DD71B}"/>
+              </a:ext>
+            </a:extLst>
+          </p:cNvPr>
+          <p:cNvSpPr/>
+          <p:nvPr/>
+        </p:nvSpPr>
+        <p:spPr>
+          <a:xfrm>
+            <a:off x="6060692" y="4159314"/>
+            <a:ext cx="702326" cy="388345"/>
+          </a:xfrm>
+          <a:prstGeom prst="rect">
+            <a:avLst/>
+          </a:prstGeom>
+          <a:solidFill>
+            <a:srgbClr val="FFD64D"/>
+          </a:solidFill>
+          <a:ln w="25400" cap="flat" cmpd="sng">
+            <a:solidFill>
+              <a:schemeClr val="lt1"/>
+            </a:solidFill>
+            <a:prstDash val="solid"/>
+            <a:round/>
+            <a:headEnd type="none" w="sm" len="sm"/>
+            <a:tailEnd type="none" w="sm" len="sm"/>
+          </a:ln>
+        </p:spPr>
+        <p:txBody>
+          <a:bodyPr spcFirstLastPara="1" wrap="square" lIns="68575" tIns="34275" rIns="68575" bIns="34275" anchor="ctr" anchorCtr="0">
+            <a:noAutofit/>
+          </a:bodyPr>
+          <a:lstStyle/>
+          <a:p>
+            <a:pPr marL="0" marR="0" lvl="0" indent="0" algn="ctr" rtl="0">
+              <a:lnSpc>
+                <a:spcPct val="100000"/>
+              </a:lnSpc>
+              <a:spcBef>
+                <a:spcPts val="0"/>
+              </a:spcBef>
+              <a:spcAft>
+                <a:spcPts val="0"/>
+              </a:spcAft>
+              <a:buNone/>
+            </a:pPr>
+            <a:r>
+              <a:rPr lang="en-US" sz="1350" b="0" i="0" u="none" strike="noStrike" cap="none" dirty="0">
+                <a:latin typeface="Arial" panose="020B0604020202020204"/>
+                <a:ea typeface="Arial" panose="020B0604020202020204"/>
+                <a:cs typeface="Arial" panose="020B0604020202020204"/>
+                <a:sym typeface="Arial" panose="020B0604020202020204"/>
+              </a:rPr>
+              <a:t>Client</a:t>
+            </a:r>
+          </a:p>
+        </p:txBody>
+      </p:sp>
+      <p:sp>
+        <p:nvSpPr>
+          <p:cNvPr id="5" name="Google Shape;312;p32">
+            <a:extLst>
+              <a:ext uri="{FF2B5EF4-FFF2-40B4-BE49-F238E27FC236}">
+                <a16:creationId xmlns:a16="http://schemas.microsoft.com/office/drawing/2014/main" id="{EE88F691-71FF-9644-B2D0-4E0E66CE3844}"/>
+              </a:ext>
+            </a:extLst>
+          </p:cNvPr>
+          <p:cNvSpPr/>
+          <p:nvPr/>
+        </p:nvSpPr>
+        <p:spPr>
+          <a:xfrm>
+            <a:off x="6057838" y="4545040"/>
+            <a:ext cx="4131140" cy="388345"/>
+          </a:xfrm>
+          <a:prstGeom prst="rect">
+            <a:avLst/>
+          </a:prstGeom>
+          <a:solidFill>
+            <a:srgbClr val="FF9694"/>
+          </a:solidFill>
+          <a:ln w="25400" cap="flat" cmpd="sng">
+            <a:solidFill>
+              <a:schemeClr val="lt1"/>
+            </a:solidFill>
+            <a:prstDash val="solid"/>
+            <a:round/>
+            <a:headEnd type="none" w="sm" len="sm"/>
+            <a:tailEnd type="none" w="sm" len="sm"/>
+          </a:ln>
+          <a:effectLst>
+            <a:softEdge rad="0"/>
+          </a:effectLst>
+        </p:spPr>
+        <p:txBody>
+          <a:bodyPr spcFirstLastPara="1" wrap="square" lIns="68575" tIns="34275" rIns="68575" bIns="34275" anchor="ctr" anchorCtr="0">
+            <a:noAutofit/>
+          </a:bodyPr>
+          <a:lstStyle/>
+          <a:p>
+            <a:pPr marL="0" marR="0" lvl="0" indent="0" algn="ctr" rtl="0">
+              <a:lnSpc>
+                <a:spcPct val="100000"/>
+              </a:lnSpc>
+              <a:spcBef>
+                <a:spcPts val="0"/>
+              </a:spcBef>
+              <a:spcAft>
+                <a:spcPts val="0"/>
+              </a:spcAft>
+              <a:buNone/>
+            </a:pPr>
+            <a:r>
+              <a:rPr lang="en-US" sz="1350" b="0" i="0" u="none" strike="noStrike" cap="none" dirty="0">
+                <a:solidFill>
+                  <a:schemeClr val="lt1"/>
+                </a:solidFill>
+                <a:latin typeface="Arial" panose="020B0604020202020204"/>
+                <a:ea typeface="Arial" panose="020B0604020202020204"/>
+                <a:cs typeface="Arial" panose="020B0604020202020204"/>
+                <a:sym typeface="Arial" panose="020B0604020202020204"/>
+              </a:rPr>
+              <a:t>Service</a:t>
+            </a:r>
+          </a:p>
+        </p:txBody>
+      </p:sp>
+      <p:sp>
+        <p:nvSpPr>
+          <p:cNvPr id="6" name="Google Shape;313;p32">
+            <a:extLst>
+              <a:ext uri="{FF2B5EF4-FFF2-40B4-BE49-F238E27FC236}">
+                <a16:creationId xmlns:a16="http://schemas.microsoft.com/office/drawing/2014/main" id="{3DF8B4C3-D161-F64B-9CA5-93DF09554F49}"/>
+              </a:ext>
+            </a:extLst>
+          </p:cNvPr>
+          <p:cNvSpPr/>
+          <p:nvPr/>
+        </p:nvSpPr>
+        <p:spPr>
+          <a:xfrm>
+            <a:off x="9482693" y="2892156"/>
+            <a:ext cx="702326" cy="312857"/>
+          </a:xfrm>
+          <a:prstGeom prst="rect">
+            <a:avLst/>
+          </a:prstGeom>
+          <a:solidFill>
+            <a:srgbClr val="696774"/>
+          </a:solidFill>
+          <a:ln w="25400" cap="flat" cmpd="sng">
+            <a:solidFill>
+              <a:schemeClr val="lt1"/>
+            </a:solidFill>
+            <a:prstDash val="solid"/>
+            <a:round/>
+            <a:headEnd type="none" w="sm" len="sm"/>
+            <a:tailEnd type="none" w="sm" len="sm"/>
+          </a:ln>
+        </p:spPr>
+        <p:txBody>
+          <a:bodyPr spcFirstLastPara="1" wrap="square" lIns="68575" tIns="34275" rIns="68575" bIns="34275" anchor="ctr" anchorCtr="0">
+            <a:noAutofit/>
+          </a:bodyPr>
+          <a:lstStyle/>
+          <a:p>
+            <a:pPr marL="0" marR="0" lvl="0" indent="0" algn="ctr" rtl="0">
+              <a:lnSpc>
+                <a:spcPct val="100000"/>
+              </a:lnSpc>
+              <a:spcBef>
+                <a:spcPts val="0"/>
+              </a:spcBef>
+              <a:spcAft>
+                <a:spcPts val="0"/>
+              </a:spcAft>
+              <a:buNone/>
+            </a:pPr>
+            <a:r>
+              <a:rPr lang="en-US" sz="1350" b="0" i="0" u="none" strike="noStrike" cap="none">
+                <a:solidFill>
+                  <a:schemeClr val="lt1"/>
+                </a:solidFill>
+                <a:latin typeface="Arial" panose="020B0604020202020204"/>
+                <a:ea typeface="Arial" panose="020B0604020202020204"/>
+                <a:cs typeface="Arial" panose="020B0604020202020204"/>
+                <a:sym typeface="Arial" panose="020B0604020202020204"/>
+              </a:rPr>
+              <a:t>Broker</a:t>
+            </a:r>
+          </a:p>
+        </p:txBody>
+      </p:sp>
+      <p:sp>
+        <p:nvSpPr>
+          <p:cNvPr id="7" name="Google Shape;314;p32">
+            <a:extLst>
+              <a:ext uri="{FF2B5EF4-FFF2-40B4-BE49-F238E27FC236}">
+                <a16:creationId xmlns:a16="http://schemas.microsoft.com/office/drawing/2014/main" id="{C0F51ACE-A385-A541-8F1B-F9840CAFC774}"/>
+              </a:ext>
+            </a:extLst>
+          </p:cNvPr>
+          <p:cNvSpPr/>
+          <p:nvPr/>
+        </p:nvSpPr>
+        <p:spPr>
+          <a:xfrm>
+            <a:off x="9482489" y="4159313"/>
+            <a:ext cx="702326" cy="388345"/>
+          </a:xfrm>
+          <a:prstGeom prst="rect">
+            <a:avLst/>
+          </a:prstGeom>
+          <a:solidFill>
+            <a:srgbClr val="50DBCF"/>
+          </a:solidFill>
+          <a:ln w="25400" cap="flat" cmpd="sng">
+            <a:solidFill>
+              <a:schemeClr val="lt1"/>
+            </a:solidFill>
+            <a:prstDash val="solid"/>
+            <a:round/>
+            <a:headEnd type="none" w="sm" len="sm"/>
+            <a:tailEnd type="none" w="sm" len="sm"/>
+          </a:ln>
+        </p:spPr>
+        <p:txBody>
+          <a:bodyPr spcFirstLastPara="1" wrap="square" lIns="68575" tIns="34275" rIns="68575" bIns="34275" anchor="ctr" anchorCtr="0">
+            <a:noAutofit/>
+          </a:bodyPr>
+          <a:lstStyle/>
+          <a:p>
+            <a:pPr marL="0" marR="0" lvl="0" indent="0" algn="ctr" rtl="0">
+              <a:lnSpc>
+                <a:spcPct val="100000"/>
+              </a:lnSpc>
+              <a:spcBef>
+                <a:spcPts val="0"/>
+              </a:spcBef>
+              <a:spcAft>
+                <a:spcPts val="0"/>
+              </a:spcAft>
+              <a:buNone/>
+            </a:pPr>
+            <a:r>
+              <a:rPr lang="en-US" sz="1350" b="0" i="0" u="none" strike="noStrike" cap="none" dirty="0">
+                <a:solidFill>
+                  <a:schemeClr val="lt1"/>
+                </a:solidFill>
+                <a:latin typeface="Arial" panose="020B0604020202020204"/>
+                <a:ea typeface="Arial" panose="020B0604020202020204"/>
+                <a:cs typeface="Arial" panose="020B0604020202020204"/>
+                <a:sym typeface="Arial" panose="020B0604020202020204"/>
+              </a:rPr>
+              <a:t>Server</a:t>
+            </a:r>
+          </a:p>
+        </p:txBody>
+      </p:sp>
+      <p:cxnSp>
+        <p:nvCxnSpPr>
+          <p:cNvPr id="8" name="Google Shape;315;p32">
+            <a:extLst>
+              <a:ext uri="{FF2B5EF4-FFF2-40B4-BE49-F238E27FC236}">
+                <a16:creationId xmlns:a16="http://schemas.microsoft.com/office/drawing/2014/main" id="{D1A7BC5C-DA99-D948-9B05-CC7B90C280A4}"/>
+              </a:ext>
+            </a:extLst>
+          </p:cNvPr>
+          <p:cNvCxnSpPr>
+            <a:cxnSpLocks/>
+            <a:stCxn id="5" idx="3"/>
+            <a:endCxn id="7" idx="3"/>
+          </p:cNvCxnSpPr>
+          <p:nvPr/>
+        </p:nvCxnSpPr>
+        <p:spPr>
+          <a:xfrm rot="10800000">
+            <a:off x="10184778" y="4353412"/>
+            <a:ext cx="4200" cy="385800"/>
+          </a:xfrm>
+          <a:prstGeom prst="curvedConnector3">
+            <a:avLst>
+              <a:gd name="adj1" fmla="val -4082633"/>
+            </a:avLst>
+          </a:prstGeom>
+          <a:noFill/>
+          <a:ln w="28575" cap="flat" cmpd="sng">
+            <a:solidFill>
+              <a:srgbClr val="805AFF"/>
+            </a:solidFill>
+            <a:prstDash val="dash"/>
+            <a:round/>
+            <a:headEnd type="none" w="sm" len="sm"/>
+            <a:tailEnd type="triangle" w="med" len="med"/>
+          </a:ln>
+        </p:spPr>
+      </p:cxnSp>
+      <p:sp>
+        <p:nvSpPr>
+          <p:cNvPr id="9" name="Google Shape;316;p32">
+            <a:extLst>
+              <a:ext uri="{FF2B5EF4-FFF2-40B4-BE49-F238E27FC236}">
+                <a16:creationId xmlns:a16="http://schemas.microsoft.com/office/drawing/2014/main" id="{5E1A2559-30DF-C345-A2B3-13A4D9772E6F}"/>
               </a:ext>
             </a:extLst>
           </p:cNvPr>
@@ -6900,77 +4937,8 @@
         </p:nvSpPr>
         <p:spPr>
           <a:xfrm>
-            <a:off x="10869439" y="751916"/>
-            <a:ext cx="1146468" cy="369332"/>
-          </a:xfrm>
-          <a:prstGeom prst="rect">
-            <a:avLst/>
-          </a:prstGeom>
-          <a:noFill/>
-        </p:spPr>
-        <p:txBody>
-          <a:bodyPr wrap="none" rtlCol="0">
-            <a:spAutoFit/>
-          </a:bodyPr>
-          <a:lstStyle/>
-          <a:p>
-            <a:r>
-              <a:rPr kumimoji="1" lang="zh-CN" altLang="en-US" dirty="0">
-                <a:solidFill>
-                  <a:schemeClr val="bg1"/>
-                </a:solidFill>
-              </a:rPr>
-              <a:t>通信模型</a:t>
-            </a:r>
-          </a:p>
-        </p:txBody>
-      </p:sp>
-      <p:pic>
-        <p:nvPicPr>
-          <p:cNvPr id="3" name="图片 2">
-            <a:extLst>
-              <a:ext uri="{FF2B5EF4-FFF2-40B4-BE49-F238E27FC236}">
-                <a16:creationId xmlns:a16="http://schemas.microsoft.com/office/drawing/2014/main" id="{5FC60BDA-2BB1-004A-B7DB-C07322A94D47}"/>
-              </a:ext>
-            </a:extLst>
-          </p:cNvPr>
-          <p:cNvPicPr>
-            <a:picLocks noChangeAspect="1"/>
-          </p:cNvPicPr>
-          <p:nvPr/>
-        </p:nvPicPr>
-        <p:blipFill>
-          <a:blip r:embed="rId2"/>
-          <a:stretch>
-            <a:fillRect/>
-          </a:stretch>
-        </p:blipFill>
-        <p:spPr>
-          <a:xfrm>
-            <a:off x="5119807" y="1832902"/>
-            <a:ext cx="6896100" cy="4406900"/>
-          </a:xfrm>
-          <a:prstGeom prst="rect">
-            <a:avLst/>
-          </a:prstGeom>
-        </p:spPr>
-      </p:pic>
-      <p:sp>
-        <p:nvSpPr>
-          <p:cNvPr id="49" name="Google Shape;636;p43">
-            <a:extLst>
-              <a:ext uri="{FF2B5EF4-FFF2-40B4-BE49-F238E27FC236}">
-                <a16:creationId xmlns:a16="http://schemas.microsoft.com/office/drawing/2014/main" id="{0288E5D3-4E2F-B249-AA9E-3760EF114001}"/>
-              </a:ext>
-            </a:extLst>
-          </p:cNvPr>
-          <p:cNvSpPr txBox="1"/>
-          <p:nvPr/>
-        </p:nvSpPr>
-        <p:spPr>
-          <a:xfrm>
-            <a:off x="460300" y="1936025"/>
-            <a:ext cx="2905200" cy="1338900"/>
+            <a:off x="10297416" y="4439130"/>
+            <a:ext cx="732559" cy="300082"/>
           </a:xfrm>
           <a:prstGeom prst="rect">
             <a:avLst/>
@@ -6999,7 +4967,7 @@
               <a:buNone/>
             </a:pPr>
             <a:r>
-              <a:rPr lang="en-US" altLang="zh-CN" sz="1350" b="0" i="0" u="none" strike="noStrike" cap="none" dirty="0" err="1">
+              <a:rPr lang="en-US" sz="1350" b="0" i="0" u="none" strike="noStrike" cap="none">
                 <a:solidFill>
                   <a:srgbClr val="000000"/>
                 </a:solidFill>
@@ -7008,81 +4976,9 @@
                 <a:cs typeface="Arial" panose="020B0604020202020204"/>
                 <a:sym typeface="Arial" panose="020B0604020202020204"/>
               </a:rPr>
-              <a:t>Service.</a:t>
-            </a:r>
-            <a:r>
-              <a:rPr lang="en-US" sz="1350" b="0" i="0" u="none" strike="noStrike" cap="none" dirty="0" err="1">
-                <a:solidFill>
-                  <a:srgbClr val="000000"/>
-                </a:solidFill>
-                <a:latin typeface="Arial" panose="020B0604020202020204"/>
-                <a:ea typeface="Arial" panose="020B0604020202020204"/>
-                <a:cs typeface="Arial" panose="020B0604020202020204"/>
-                <a:sym typeface="Arial" panose="020B0604020202020204"/>
-              </a:rPr>
-              <a:t>client</a:t>
-            </a:r>
-            <a:r>
-              <a:rPr lang="zh-CN" altLang="en-US" sz="1350" b="0" i="0" u="none" strike="noStrike" cap="none" dirty="0">
-                <a:solidFill>
-                  <a:srgbClr val="000000"/>
-                </a:solidFill>
-                <a:latin typeface="Arial" panose="020B0604020202020204"/>
-                <a:ea typeface="Arial" panose="020B0604020202020204"/>
-                <a:cs typeface="Arial" panose="020B0604020202020204"/>
-                <a:sym typeface="Arial" panose="020B0604020202020204"/>
-              </a:rPr>
-              <a:t>  </a:t>
-            </a:r>
-            <a:r>
-              <a:rPr lang="en-US" sz="1350" b="0" i="0" u="none" strike="noStrike" cap="none" dirty="0">
-                <a:solidFill>
-                  <a:srgbClr val="000000"/>
-                </a:solidFill>
-                <a:latin typeface="Arial" panose="020B0604020202020204"/>
-                <a:ea typeface="Arial" panose="020B0604020202020204"/>
-                <a:cs typeface="Arial" panose="020B0604020202020204"/>
-                <a:sym typeface="Arial" panose="020B0604020202020204"/>
-              </a:rPr>
-              <a:t>=&gt; </a:t>
-            </a:r>
-            <a:r>
-              <a:rPr lang="zh-CN" altLang="en-US" sz="1350" b="0" i="0" u="none" strike="noStrike" cap="none" dirty="0">
-                <a:solidFill>
-                  <a:srgbClr val="000000"/>
-                </a:solidFill>
-                <a:latin typeface="Arial" panose="020B0604020202020204"/>
-                <a:ea typeface="Arial" panose="020B0604020202020204"/>
-                <a:cs typeface="Arial" panose="020B0604020202020204"/>
-                <a:sym typeface="Arial" panose="020B0604020202020204"/>
-              </a:rPr>
-              <a:t>  </a:t>
-            </a:r>
-            <a:r>
-              <a:rPr lang="en-US" altLang="zh-CN" sz="1350" b="0" i="0" u="none" strike="noStrike" cap="none" dirty="0" err="1">
-                <a:solidFill>
-                  <a:srgbClr val="000000"/>
-                </a:solidFill>
-                <a:latin typeface="Arial" panose="020B0604020202020204"/>
-                <a:ea typeface="Arial" panose="020B0604020202020204"/>
-                <a:cs typeface="Arial" panose="020B0604020202020204"/>
-                <a:sym typeface="Arial" panose="020B0604020202020204"/>
-              </a:rPr>
-              <a:t>Service.</a:t>
-            </a:r>
-            <a:r>
-              <a:rPr lang="en-US" sz="1350" b="0" i="0" u="none" strike="noStrike" cap="none" dirty="0" err="1">
-                <a:solidFill>
-                  <a:srgbClr val="000000"/>
-                </a:solidFill>
-                <a:latin typeface="Arial" panose="020B0604020202020204"/>
-                <a:ea typeface="Arial" panose="020B0604020202020204"/>
-                <a:cs typeface="Arial" panose="020B0604020202020204"/>
-                <a:sym typeface="Arial" panose="020B0604020202020204"/>
-              </a:rPr>
-              <a:t>server</a:t>
-            </a:r>
-            <a:endParaRPr lang="en-US" sz="1350" b="0" i="0" u="none" strike="noStrike" cap="none" dirty="0">
+              <a:t>start</a:t>
+            </a:r>
+            <a:endParaRPr sz="1350" b="0" i="0" u="none" strike="noStrike" cap="none">
               <a:solidFill>
                 <a:srgbClr val="000000"/>
               </a:solidFill>
@@ -7092,6 +4988,151 @@
               <a:sym typeface="Arial" panose="020B0604020202020204"/>
             </a:endParaRPr>
           </a:p>
+        </p:txBody>
+      </p:sp>
+      <p:sp>
+        <p:nvSpPr>
+          <p:cNvPr id="10" name="Google Shape;317;p32">
+            <a:extLst>
+              <a:ext uri="{FF2B5EF4-FFF2-40B4-BE49-F238E27FC236}">
+                <a16:creationId xmlns:a16="http://schemas.microsoft.com/office/drawing/2014/main" id="{D947186D-0F4A-FF49-B5E8-79DD262080AA}"/>
+              </a:ext>
+            </a:extLst>
+          </p:cNvPr>
+          <p:cNvSpPr/>
+          <p:nvPr/>
+        </p:nvSpPr>
+        <p:spPr>
+          <a:xfrm>
+            <a:off x="8138183" y="5317124"/>
+            <a:ext cx="1167962" cy="383721"/>
+          </a:xfrm>
+          <a:prstGeom prst="rect">
+            <a:avLst/>
+          </a:prstGeom>
+          <a:solidFill>
+            <a:srgbClr val="560A30"/>
+          </a:solidFill>
+          <a:ln w="25400" cap="flat" cmpd="sng">
+            <a:solidFill>
+              <a:schemeClr val="lt1"/>
+            </a:solidFill>
+            <a:prstDash val="solid"/>
+            <a:round/>
+            <a:headEnd type="none" w="sm" len="sm"/>
+            <a:tailEnd type="none" w="sm" len="sm"/>
+          </a:ln>
+        </p:spPr>
+        <p:txBody>
+          <a:bodyPr spcFirstLastPara="1" wrap="square" lIns="68575" tIns="34275" rIns="68575" bIns="34275" anchor="ctr" anchorCtr="0">
+            <a:noAutofit/>
+          </a:bodyPr>
+          <a:lstStyle/>
+          <a:p>
+            <a:pPr marL="0" marR="0" lvl="0" indent="0" algn="ctr" rtl="0">
+              <a:lnSpc>
+                <a:spcPct val="100000"/>
+              </a:lnSpc>
+              <a:spcBef>
+                <a:spcPts val="0"/>
+              </a:spcBef>
+              <a:spcAft>
+                <a:spcPts val="0"/>
+              </a:spcAft>
+              <a:buNone/>
+            </a:pPr>
+            <a:r>
+              <a:rPr lang="en-US" sz="1350" dirty="0">
+                <a:solidFill>
+                  <a:schemeClr val="lt1"/>
+                </a:solidFill>
+                <a:latin typeface="Arial" panose="020B0604020202020204"/>
+                <a:ea typeface="Arial" panose="020B0604020202020204"/>
+                <a:cs typeface="Arial" panose="020B0604020202020204"/>
+                <a:sym typeface="Arial" panose="020B0604020202020204"/>
+              </a:rPr>
+              <a:t>Zookeeper</a:t>
+            </a:r>
+            <a:endParaRPr lang="en-US" sz="1350" b="0" i="0" u="none" strike="noStrike" cap="none" dirty="0">
+              <a:solidFill>
+                <a:schemeClr val="lt1"/>
+              </a:solidFill>
+              <a:latin typeface="Arial" panose="020B0604020202020204"/>
+              <a:ea typeface="Arial" panose="020B0604020202020204"/>
+              <a:cs typeface="Arial" panose="020B0604020202020204"/>
+              <a:sym typeface="Arial" panose="020B0604020202020204"/>
+            </a:endParaRPr>
+          </a:p>
+        </p:txBody>
+      </p:sp>
+      <p:cxnSp>
+        <p:nvCxnSpPr>
+          <p:cNvPr id="11" name="Google Shape;318;p32">
+            <a:extLst>
+              <a:ext uri="{FF2B5EF4-FFF2-40B4-BE49-F238E27FC236}">
+                <a16:creationId xmlns:a16="http://schemas.microsoft.com/office/drawing/2014/main" id="{BFD18EC8-0B5F-6348-89B8-728B213D3D87}"/>
+              </a:ext>
+            </a:extLst>
+          </p:cNvPr>
+          <p:cNvCxnSpPr>
+            <a:cxnSpLocks/>
+            <a:stCxn id="30" idx="3"/>
+            <a:endCxn id="10" idx="3"/>
+          </p:cNvCxnSpPr>
+          <p:nvPr/>
+        </p:nvCxnSpPr>
+        <p:spPr>
+          <a:xfrm flipH="1">
+            <a:off x="9306145" y="3977582"/>
+            <a:ext cx="878671" cy="1531403"/>
+          </a:xfrm>
+          <a:prstGeom prst="curvedConnector3">
+            <a:avLst>
+              <a:gd name="adj1" fmla="val -127892"/>
+            </a:avLst>
+          </a:prstGeom>
+          <a:noFill/>
+          <a:ln w="28575" cap="flat" cmpd="sng">
+            <a:solidFill>
+              <a:srgbClr val="805AFF"/>
+            </a:solidFill>
+            <a:prstDash val="dash"/>
+            <a:round/>
+            <a:headEnd type="none" w="sm" len="sm"/>
+            <a:tailEnd type="triangle" w="med" len="med"/>
+          </a:ln>
+        </p:spPr>
+      </p:cxnSp>
+      <p:sp>
+        <p:nvSpPr>
+          <p:cNvPr id="12" name="Google Shape;320;p32">
+            <a:extLst>
+              <a:ext uri="{FF2B5EF4-FFF2-40B4-BE49-F238E27FC236}">
+                <a16:creationId xmlns:a16="http://schemas.microsoft.com/office/drawing/2014/main" id="{1DECD3CD-9706-5D4B-A36C-AC01A7D79D0B}"/>
+              </a:ext>
+            </a:extLst>
+          </p:cNvPr>
+          <p:cNvSpPr txBox="1"/>
+          <p:nvPr/>
+        </p:nvSpPr>
+        <p:spPr>
+          <a:xfrm>
+            <a:off x="10778394" y="4026150"/>
+            <a:ext cx="841177" cy="300082"/>
+          </a:xfrm>
+          <a:prstGeom prst="rect">
+            <a:avLst/>
+          </a:prstGeom>
+          <a:noFill/>
+          <a:ln>
+            <a:noFill/>
+          </a:ln>
+        </p:spPr>
+        <p:txBody>
+          <a:bodyPr spcFirstLastPara="1" wrap="square" lIns="91425" tIns="45700" rIns="91425" bIns="45700" anchor="t" anchorCtr="0">
+            <a:noAutofit/>
+          </a:bodyPr>
+          <a:lstStyle/>
           <a:p>
             <a:pPr marL="0" marR="0" lvl="0" indent="0" algn="l" rtl="0">
               <a:lnSpc>
@@ -7105,16 +5146,89 @@
               </a:spcAft>
               <a:buNone/>
             </a:pPr>
-            <a:endParaRPr sz="1350" b="0" i="0" u="none" strike="noStrike" cap="none" dirty="0">
-              <a:solidFill>
-                <a:srgbClr val="000000"/>
-              </a:solidFill>
-              <a:latin typeface="Arial" panose="020B0604020202020204"/>
-              <a:ea typeface="Arial" panose="020B0604020202020204"/>
-              <a:cs typeface="Arial" panose="020B0604020202020204"/>
-              <a:sym typeface="Arial" panose="020B0604020202020204"/>
-            </a:endParaRPr>
-          </a:p>
+            <a:r>
+              <a:rPr lang="en-US" sz="1350" b="0" i="0" u="none" strike="noStrike" cap="none">
+                <a:solidFill>
+                  <a:srgbClr val="000000"/>
+                </a:solidFill>
+                <a:latin typeface="Arial" panose="020B0604020202020204"/>
+                <a:ea typeface="Arial" panose="020B0604020202020204"/>
+                <a:cs typeface="Arial" panose="020B0604020202020204"/>
+                <a:sym typeface="Arial" panose="020B0604020202020204"/>
+              </a:rPr>
+              <a:t>register</a:t>
+            </a:r>
+          </a:p>
+        </p:txBody>
+      </p:sp>
+      <p:cxnSp>
+        <p:nvCxnSpPr>
+          <p:cNvPr id="13" name="Google Shape;321;p32">
+            <a:extLst>
+              <a:ext uri="{FF2B5EF4-FFF2-40B4-BE49-F238E27FC236}">
+                <a16:creationId xmlns:a16="http://schemas.microsoft.com/office/drawing/2014/main" id="{EC4BBA4A-E30A-5445-B2B1-35C36673398B}"/>
+              </a:ext>
+            </a:extLst>
+          </p:cNvPr>
+          <p:cNvCxnSpPr>
+            <a:cxnSpLocks/>
+            <a:stCxn id="29" idx="1"/>
+            <a:endCxn id="10" idx="1"/>
+          </p:cNvCxnSpPr>
+          <p:nvPr/>
+        </p:nvCxnSpPr>
+        <p:spPr>
+          <a:xfrm rot="10800000" flipH="1" flipV="1">
+            <a:off x="6060333" y="4004905"/>
+            <a:ext cx="2077850" cy="1504080"/>
+          </a:xfrm>
+          <a:prstGeom prst="curvedConnector3">
+            <a:avLst>
+              <a:gd name="adj1" fmla="val -11002"/>
+            </a:avLst>
+          </a:prstGeom>
+          <a:noFill/>
+          <a:ln w="28575" cap="flat" cmpd="sng">
+            <a:solidFill>
+              <a:srgbClr val="805AFF"/>
+            </a:solidFill>
+            <a:prstDash val="dash"/>
+            <a:round/>
+            <a:headEnd type="none" w="sm" len="sm"/>
+            <a:tailEnd type="triangle" w="med" len="med"/>
+          </a:ln>
+        </p:spPr>
+      </p:cxnSp>
+      <p:sp>
+        <p:nvSpPr>
+          <p:cNvPr id="14" name="Google Shape;323;p32">
+            <a:extLst>
+              <a:ext uri="{FF2B5EF4-FFF2-40B4-BE49-F238E27FC236}">
+                <a16:creationId xmlns:a16="http://schemas.microsoft.com/office/drawing/2014/main" id="{28022EC1-7AA9-324E-B28B-9C698BFDFD3E}"/>
+              </a:ext>
+            </a:extLst>
+          </p:cNvPr>
+          <p:cNvSpPr txBox="1"/>
+          <p:nvPr/>
+        </p:nvSpPr>
+        <p:spPr>
+          <a:xfrm>
+            <a:off x="6648819" y="5056655"/>
+            <a:ext cx="817456" cy="300082"/>
+          </a:xfrm>
+          <a:prstGeom prst="rect">
+            <a:avLst/>
+          </a:prstGeom>
+          <a:noFill/>
+          <a:ln>
+            <a:noFill/>
+          </a:ln>
+        </p:spPr>
+        <p:txBody>
+          <a:bodyPr spcFirstLastPara="1" wrap="square" lIns="91425" tIns="45700" rIns="91425" bIns="45700" anchor="t" anchorCtr="0">
+            <a:noAutofit/>
+          </a:bodyPr>
+          <a:lstStyle/>
           <a:p>
             <a:pPr marL="0" marR="0" lvl="0" indent="0" algn="l" rtl="0">
               <a:lnSpc>
@@ -7128,7 +5242,19 @@
               </a:spcAft>
               <a:buNone/>
             </a:pPr>
-            <a:endParaRPr sz="1350" b="0" i="0" u="none" strike="noStrike" cap="none" dirty="0">
+            <a:r>
+              <a:rPr lang="en-US" sz="1350" b="0" i="0" u="none" strike="noStrike" cap="none">
+                <a:solidFill>
+                  <a:srgbClr val="000000"/>
+                </a:solidFill>
+                <a:latin typeface="Arial" panose="020B0604020202020204"/>
+                <a:ea typeface="Arial" panose="020B0604020202020204"/>
+                <a:cs typeface="Arial" panose="020B0604020202020204"/>
+                <a:sym typeface="Arial" panose="020B0604020202020204"/>
+              </a:rPr>
+              <a:t>watch</a:t>
+            </a:r>
+            <a:endParaRPr sz="1350" b="0" i="0" u="none" strike="noStrike" cap="none">
               <a:solidFill>
                 <a:srgbClr val="000000"/>
               </a:solidFill>
@@ -7138,6 +5264,104 @@
               <a:sym typeface="Arial" panose="020B0604020202020204"/>
             </a:endParaRPr>
           </a:p>
+        </p:txBody>
+      </p:sp>
+      <p:sp>
+        <p:nvSpPr>
+          <p:cNvPr id="15" name="Google Shape;324;p32">
+            <a:extLst>
+              <a:ext uri="{FF2B5EF4-FFF2-40B4-BE49-F238E27FC236}">
+                <a16:creationId xmlns:a16="http://schemas.microsoft.com/office/drawing/2014/main" id="{9D2F747D-F6EC-4A4B-A784-A0581059015F}"/>
+              </a:ext>
+            </a:extLst>
+          </p:cNvPr>
+          <p:cNvSpPr/>
+          <p:nvPr/>
+        </p:nvSpPr>
+        <p:spPr>
+          <a:xfrm>
+            <a:off x="9482490" y="3208610"/>
+            <a:ext cx="702325" cy="596362"/>
+          </a:xfrm>
+          <a:prstGeom prst="rect">
+            <a:avLst/>
+          </a:prstGeom>
+          <a:solidFill>
+            <a:srgbClr val="696774"/>
+          </a:solidFill>
+          <a:ln w="25400" cap="flat" cmpd="sng">
+            <a:solidFill>
+              <a:schemeClr val="lt1"/>
+            </a:solidFill>
+            <a:prstDash val="solid"/>
+            <a:round/>
+            <a:headEnd type="none" w="sm" len="sm"/>
+            <a:tailEnd type="none" w="sm" len="sm"/>
+          </a:ln>
+        </p:spPr>
+        <p:txBody>
+          <a:bodyPr spcFirstLastPara="1" wrap="square" lIns="68575" tIns="34275" rIns="68575" bIns="34275" anchor="ctr" anchorCtr="0">
+            <a:noAutofit/>
+          </a:bodyPr>
+          <a:lstStyle/>
+          <a:p>
+            <a:pPr marL="0" marR="0" lvl="0" indent="0" algn="ctr" rtl="0">
+              <a:lnSpc>
+                <a:spcPct val="100000"/>
+              </a:lnSpc>
+              <a:spcBef>
+                <a:spcPts val="0"/>
+              </a:spcBef>
+              <a:spcAft>
+                <a:spcPts val="0"/>
+              </a:spcAft>
+              <a:buNone/>
+            </a:pPr>
+            <a:r>
+              <a:rPr lang="en-US" sz="1000" b="0" i="0" u="none" strike="noStrike" cap="none">
+                <a:solidFill>
+                  <a:schemeClr val="lt1"/>
+                </a:solidFill>
+                <a:latin typeface="Arial" panose="020B0604020202020204"/>
+                <a:ea typeface="Arial" panose="020B0604020202020204"/>
+                <a:cs typeface="Arial" panose="020B0604020202020204"/>
+                <a:sym typeface="Arial" panose="020B0604020202020204"/>
+              </a:rPr>
+              <a:t>Transport</a:t>
+            </a:r>
+          </a:p>
+        </p:txBody>
+      </p:sp>
+      <p:sp>
+        <p:nvSpPr>
+          <p:cNvPr id="16" name="Google Shape;325;p32">
+            <a:extLst>
+              <a:ext uri="{FF2B5EF4-FFF2-40B4-BE49-F238E27FC236}">
+                <a16:creationId xmlns:a16="http://schemas.microsoft.com/office/drawing/2014/main" id="{A1E95FD9-339C-2F40-A37F-7170FAB53CA6}"/>
+              </a:ext>
+            </a:extLst>
+          </p:cNvPr>
+          <p:cNvSpPr txBox="1"/>
+          <p:nvPr/>
+        </p:nvSpPr>
+        <p:spPr>
+          <a:xfrm>
+            <a:off x="7813425" y="3206642"/>
+            <a:ext cx="477645" cy="230832"/>
+          </a:xfrm>
+          <a:prstGeom prst="rect">
+            <a:avLst/>
+          </a:prstGeom>
+          <a:noFill/>
+          <a:ln>
+            <a:noFill/>
+          </a:ln>
+        </p:spPr>
+        <p:txBody>
+          <a:bodyPr spcFirstLastPara="1" wrap="square" lIns="91425" tIns="45700" rIns="91425" bIns="45700" anchor="t" anchorCtr="0">
+            <a:noAutofit/>
+          </a:bodyPr>
+          <a:lstStyle/>
           <a:p>
             <a:pPr marL="0" marR="0" lvl="0" indent="0" algn="l" rtl="0">
               <a:lnSpc>
@@ -7151,16 +5375,51 @@
               </a:spcAft>
               <a:buNone/>
             </a:pPr>
-            <a:endParaRPr sz="1350" b="0" i="0" u="none" strike="noStrike" cap="none" dirty="0">
-              <a:solidFill>
-                <a:srgbClr val="000000"/>
-              </a:solidFill>
-              <a:latin typeface="Arial" panose="020B0604020202020204"/>
-              <a:ea typeface="Arial" panose="020B0604020202020204"/>
-              <a:cs typeface="Arial" panose="020B0604020202020204"/>
-              <a:sym typeface="Arial" panose="020B0604020202020204"/>
-            </a:endParaRPr>
-          </a:p>
+            <a:r>
+              <a:rPr lang="en-US" sz="900" b="0" i="0" u="none" strike="noStrike" cap="none">
+                <a:solidFill>
+                  <a:srgbClr val="000000"/>
+                </a:solidFill>
+                <a:latin typeface="Arial" panose="020B0604020202020204"/>
+                <a:ea typeface="Arial" panose="020B0604020202020204"/>
+                <a:cs typeface="Arial" panose="020B0604020202020204"/>
+                <a:sym typeface="Arial" panose="020B0604020202020204"/>
+              </a:rPr>
+              <a:t>2.call</a:t>
+            </a:r>
+          </a:p>
+        </p:txBody>
+      </p:sp>
+      <p:sp>
+        <p:nvSpPr>
+          <p:cNvPr id="17" name="Google Shape;326;p32">
+            <a:extLst>
+              <a:ext uri="{FF2B5EF4-FFF2-40B4-BE49-F238E27FC236}">
+                <a16:creationId xmlns:a16="http://schemas.microsoft.com/office/drawing/2014/main" id="{E7D71D0D-7018-0D42-BC2D-3812403B6E88}"/>
+              </a:ext>
+            </a:extLst>
+          </p:cNvPr>
+          <p:cNvSpPr txBox="1"/>
+          <p:nvPr/>
+        </p:nvSpPr>
+        <p:spPr>
+          <a:xfrm>
+            <a:off x="7960479" y="3814749"/>
+            <a:ext cx="625637" cy="230832"/>
+          </a:xfrm>
+          <a:prstGeom prst="rect">
+            <a:avLst/>
+          </a:prstGeom>
+          <a:noFill/>
+          <a:ln>
+            <a:noFill/>
+          </a:ln>
+        </p:spPr>
+        <p:txBody>
+          <a:bodyPr spcFirstLastPara="1" wrap="square" lIns="91425" tIns="45700" rIns="91425" bIns="45700" anchor="t" anchorCtr="0">
+            <a:noAutofit/>
+          </a:bodyPr>
+          <a:lstStyle/>
           <a:p>
             <a:pPr marL="0" marR="0" lvl="0" indent="0" algn="l" rtl="0">
               <a:lnSpc>
@@ -7174,7 +5433,19 @@
               </a:spcAft>
               <a:buNone/>
             </a:pPr>
-            <a:endParaRPr sz="1350" b="0" i="0" u="none" strike="noStrike" cap="none" dirty="0">
+            <a:r>
+              <a:rPr lang="en-US" sz="900" b="0" i="0" u="none" strike="noStrike" cap="none">
+                <a:solidFill>
+                  <a:srgbClr val="000000"/>
+                </a:solidFill>
+                <a:latin typeface="Arial" panose="020B0604020202020204"/>
+                <a:ea typeface="Arial" panose="020B0604020202020204"/>
+                <a:cs typeface="Arial" panose="020B0604020202020204"/>
+                <a:sym typeface="Arial" panose="020B0604020202020204"/>
+              </a:rPr>
+              <a:t>3. send</a:t>
+            </a:r>
+            <a:endParaRPr sz="900" b="0" i="0" u="none" strike="noStrike" cap="none">
               <a:solidFill>
                 <a:srgbClr val="000000"/>
               </a:solidFill>
@@ -7184,6 +5455,38 @@
               <a:sym typeface="Arial" panose="020B0604020202020204"/>
             </a:endParaRPr>
           </a:p>
+        </p:txBody>
+      </p:sp>
+      <p:sp>
+        <p:nvSpPr>
+          <p:cNvPr id="18" name="Google Shape;327;p32">
+            <a:extLst>
+              <a:ext uri="{FF2B5EF4-FFF2-40B4-BE49-F238E27FC236}">
+                <a16:creationId xmlns:a16="http://schemas.microsoft.com/office/drawing/2014/main" id="{66E1804E-6F72-ED47-9615-C82CD07BCE9C}"/>
+              </a:ext>
+            </a:extLst>
+          </p:cNvPr>
+          <p:cNvSpPr txBox="1"/>
+          <p:nvPr/>
+        </p:nvSpPr>
+        <p:spPr>
+          <a:xfrm>
+            <a:off x="7540205" y="5025576"/>
+            <a:ext cx="600917" cy="300082"/>
+          </a:xfrm>
+          <a:prstGeom prst="rect">
+            <a:avLst/>
+          </a:prstGeom>
+          <a:noFill/>
+          <a:ln>
+            <a:noFill/>
+          </a:ln>
+        </p:spPr>
+        <p:txBody>
+          <a:bodyPr spcFirstLastPara="1" wrap="square" lIns="91425" tIns="45700" rIns="91425" bIns="45700" anchor="t" anchorCtr="0">
+            <a:noAutofit/>
+          </a:bodyPr>
+          <a:lstStyle/>
           <a:p>
             <a:pPr marL="0" marR="0" lvl="0" indent="0" algn="l" rtl="0">
               <a:lnSpc>
@@ -7197,7 +5500,19 @@
               </a:spcAft>
               <a:buNone/>
             </a:pPr>
-            <a:endParaRPr sz="1350" b="0" i="0" u="none" strike="noStrike" cap="none" dirty="0">
+            <a:r>
+              <a:rPr lang="en-US" sz="1350" b="0" i="0" u="none" strike="noStrike" cap="none">
+                <a:solidFill>
+                  <a:srgbClr val="000000"/>
+                </a:solidFill>
+                <a:latin typeface="Arial" panose="020B0604020202020204"/>
+                <a:ea typeface="Arial" panose="020B0604020202020204"/>
+                <a:cs typeface="Arial" panose="020B0604020202020204"/>
+                <a:sym typeface="Arial" panose="020B0604020202020204"/>
+              </a:rPr>
+              <a:t>notify</a:t>
+            </a:r>
+            <a:endParaRPr sz="1350" b="0" i="0" u="none" strike="noStrike" cap="none">
               <a:solidFill>
                 <a:srgbClr val="000000"/>
               </a:solidFill>
@@ -7211,10 +5526,10 @@
       </p:sp>
       <p:sp>
         <p:nvSpPr>
-          <p:cNvPr id="50" name="Google Shape;637;p43">
+          <p:cNvPr id="19" name="Google Shape;328;p32">
             <a:extLst>
               <a:ext uri="{FF2B5EF4-FFF2-40B4-BE49-F238E27FC236}">
-                <a16:creationId xmlns:a16="http://schemas.microsoft.com/office/drawing/2014/main" id="{CD569305-D714-284C-BF33-802FEAE08C68}"/>
+                <a16:creationId xmlns:a16="http://schemas.microsoft.com/office/drawing/2014/main" id="{3106E7B7-FC66-F241-BC14-BDE60E9B12D2}"/>
               </a:ext>
             </a:extLst>
           </p:cNvPr>
@@ -7223,8 +5538,8 @@
         </p:nvSpPr>
         <p:spPr>
           <a:xfrm>
-            <a:off x="460300" y="2492400"/>
-            <a:ext cx="3095700" cy="507900"/>
+            <a:off x="7107822" y="2401077"/>
+            <a:ext cx="600917" cy="300082"/>
           </a:xfrm>
           <a:prstGeom prst="rect">
             <a:avLst/>
@@ -7253,7 +5568,7 @@
               <a:buNone/>
             </a:pPr>
             <a:r>
-              <a:rPr lang="en-US" sz="1350" b="0" i="0" u="none" strike="noStrike" cap="none" dirty="0" err="1">
+              <a:rPr lang="en-US" sz="1350" b="0" i="0" u="none" strike="noStrike" cap="none">
                 <a:solidFill>
                   <a:srgbClr val="000000"/>
                 </a:solidFill>
@@ -7262,81 +5577,9 @@
                 <a:cs typeface="Arial" panose="020B0604020202020204"/>
                 <a:sym typeface="Arial" panose="020B0604020202020204"/>
               </a:rPr>
-              <a:t>client.Call</a:t>
-            </a:r>
-            <a:r>
-              <a:rPr lang="en-US" sz="1350" b="0" i="0" u="none" strike="noStrike" cap="none" dirty="0">
-                <a:solidFill>
-                  <a:srgbClr val="000000"/>
-                </a:solidFill>
-                <a:latin typeface="Arial" panose="020B0604020202020204"/>
-                <a:ea typeface="Arial" panose="020B0604020202020204"/>
-                <a:cs typeface="Arial" panose="020B0604020202020204"/>
-                <a:sym typeface="Arial" panose="020B0604020202020204"/>
-              </a:rPr>
-              <a:t> </a:t>
-            </a:r>
-            <a:r>
-              <a:rPr lang="zh-CN" altLang="en-US" sz="1350" b="0" i="0" u="none" strike="noStrike" cap="none" dirty="0">
-                <a:solidFill>
-                  <a:srgbClr val="000000"/>
-                </a:solidFill>
-                <a:latin typeface="Arial" panose="020B0604020202020204"/>
-                <a:ea typeface="Arial" panose="020B0604020202020204"/>
-                <a:cs typeface="Arial" panose="020B0604020202020204"/>
-                <a:sym typeface="Arial" panose="020B0604020202020204"/>
-              </a:rPr>
-              <a:t>       </a:t>
-            </a:r>
-            <a:r>
-              <a:rPr lang="en-US" sz="1350" b="0" i="0" u="none" strike="noStrike" cap="none" dirty="0">
-                <a:solidFill>
-                  <a:srgbClr val="000000"/>
-                </a:solidFill>
-                <a:latin typeface="Arial" panose="020B0604020202020204"/>
-                <a:ea typeface="Arial" panose="020B0604020202020204"/>
-                <a:cs typeface="Arial" panose="020B0604020202020204"/>
-                <a:sym typeface="Arial" panose="020B0604020202020204"/>
-              </a:rPr>
-              <a:t>=&gt;</a:t>
-            </a:r>
-            <a:r>
-              <a:rPr lang="zh-CN" altLang="en-US" sz="1350" b="0" i="0" u="none" strike="noStrike" cap="none" dirty="0">
-                <a:solidFill>
-                  <a:srgbClr val="000000"/>
-                </a:solidFill>
-                <a:latin typeface="Arial" panose="020B0604020202020204"/>
-                <a:ea typeface="Arial" panose="020B0604020202020204"/>
-                <a:cs typeface="Arial" panose="020B0604020202020204"/>
-                <a:sym typeface="Arial" panose="020B0604020202020204"/>
-              </a:rPr>
-              <a:t>  </a:t>
-            </a:r>
-            <a:r>
-              <a:rPr lang="en-US" sz="1350" b="0" i="0" u="none" strike="noStrike" cap="none" dirty="0">
-                <a:solidFill>
-                  <a:srgbClr val="000000"/>
-                </a:solidFill>
-                <a:latin typeface="Arial" panose="020B0604020202020204"/>
-                <a:ea typeface="Arial" panose="020B0604020202020204"/>
-                <a:cs typeface="Arial" panose="020B0604020202020204"/>
-                <a:sym typeface="Arial" panose="020B0604020202020204"/>
-              </a:rPr>
-              <a:t> </a:t>
-            </a:r>
-            <a:r>
-              <a:rPr lang="en-US" sz="1350" b="0" i="0" u="none" strike="noStrike" cap="none" dirty="0" err="1">
-                <a:solidFill>
-                  <a:srgbClr val="000000"/>
-                </a:solidFill>
-                <a:latin typeface="Arial" panose="020B0604020202020204"/>
-                <a:ea typeface="Arial" panose="020B0604020202020204"/>
-                <a:cs typeface="Arial" panose="020B0604020202020204"/>
-                <a:sym typeface="Arial" panose="020B0604020202020204"/>
-              </a:rPr>
-              <a:t>server.Handler</a:t>
-            </a:r>
-            <a:endParaRPr sz="1350" b="0" i="0" u="none" strike="noStrike" cap="none" dirty="0">
+              <a:t>pub</a:t>
+            </a:r>
+            <a:endParaRPr sz="1350" b="0" i="0" u="none" strike="noStrike" cap="none">
               <a:solidFill>
                 <a:srgbClr val="000000"/>
               </a:solidFill>
@@ -7346,6 +5589,38 @@
               <a:sym typeface="Arial" panose="020B0604020202020204"/>
             </a:endParaRPr>
           </a:p>
+        </p:txBody>
+      </p:sp>
+      <p:sp>
+        <p:nvSpPr>
+          <p:cNvPr id="20" name="Google Shape;329;p32">
+            <a:extLst>
+              <a:ext uri="{FF2B5EF4-FFF2-40B4-BE49-F238E27FC236}">
+                <a16:creationId xmlns:a16="http://schemas.microsoft.com/office/drawing/2014/main" id="{60BEA294-04F1-154A-AE09-33AD3816F08F}"/>
+              </a:ext>
+            </a:extLst>
+          </p:cNvPr>
+          <p:cNvSpPr txBox="1"/>
+          <p:nvPr/>
+        </p:nvSpPr>
+        <p:spPr>
+          <a:xfrm>
+            <a:off x="8792942" y="2491261"/>
+            <a:ext cx="620700" cy="507900"/>
+          </a:xfrm>
+          <a:prstGeom prst="rect">
+            <a:avLst/>
+          </a:prstGeom>
+          <a:noFill/>
+          <a:ln>
+            <a:noFill/>
+          </a:ln>
+        </p:spPr>
+        <p:txBody>
+          <a:bodyPr spcFirstLastPara="1" wrap="square" lIns="91425" tIns="45700" rIns="91425" bIns="45700" anchor="t" anchorCtr="0">
+            <a:noAutofit/>
+          </a:bodyPr>
+          <a:lstStyle/>
           <a:p>
             <a:pPr marL="0" marR="0" lvl="0" indent="0" algn="l" rtl="0">
               <a:lnSpc>
@@ -7359,9 +5634,87 @@
               </a:spcAft>
               <a:buNone/>
             </a:pPr>
-            <a:endParaRPr sz="1350" b="0" i="0" u="none" strike="noStrike" cap="none" dirty="0">
+            <a:r>
+              <a:rPr lang="en-US" sz="1350" b="0" i="0" u="none" strike="noStrike" cap="none">
+                <a:solidFill>
+                  <a:srgbClr val="000000"/>
+                </a:solidFill>
+                <a:latin typeface="Arial" panose="020B0604020202020204"/>
+                <a:ea typeface="Arial" panose="020B0604020202020204"/>
+                <a:cs typeface="Arial" panose="020B0604020202020204"/>
+                <a:sym typeface="Arial" panose="020B0604020202020204"/>
+              </a:rPr>
+              <a:t>sub</a:t>
+            </a:r>
+          </a:p>
+        </p:txBody>
+      </p:sp>
+      <p:sp>
+        <p:nvSpPr>
+          <p:cNvPr id="21" name="Google Shape;330;p32">
+            <a:extLst>
+              <a:ext uri="{FF2B5EF4-FFF2-40B4-BE49-F238E27FC236}">
+                <a16:creationId xmlns:a16="http://schemas.microsoft.com/office/drawing/2014/main" id="{8BC106A1-C4B5-9D4E-BD9A-189E95436C94}"/>
+              </a:ext>
+            </a:extLst>
+          </p:cNvPr>
+          <p:cNvSpPr/>
+          <p:nvPr/>
+        </p:nvSpPr>
+        <p:spPr>
+          <a:xfrm>
+            <a:off x="6057460" y="3549461"/>
+            <a:ext cx="699798" cy="298707"/>
+          </a:xfrm>
+          <a:prstGeom prst="rect">
+            <a:avLst/>
+          </a:prstGeom>
+          <a:solidFill>
+            <a:srgbClr val="696774"/>
+          </a:solidFill>
+          <a:ln w="25400" cap="flat" cmpd="sng">
+            <a:solidFill>
+              <a:schemeClr val="lt1"/>
+            </a:solidFill>
+            <a:prstDash val="solid"/>
+            <a:round/>
+            <a:headEnd type="none" w="sm" len="sm"/>
+            <a:tailEnd type="none" w="sm" len="sm"/>
+          </a:ln>
+        </p:spPr>
+        <p:txBody>
+          <a:bodyPr spcFirstLastPara="1" wrap="square" lIns="68575" tIns="34275" rIns="68575" bIns="34275" anchor="ctr" anchorCtr="0">
+            <a:noAutofit/>
+          </a:bodyPr>
+          <a:lstStyle/>
+          <a:p>
+            <a:pPr marL="0" marR="0" lvl="0" indent="0" algn="ctr" rtl="0">
+              <a:lnSpc>
+                <a:spcPct val="100000"/>
+              </a:lnSpc>
+              <a:spcBef>
+                <a:spcPts val="0"/>
+              </a:spcBef>
+              <a:spcAft>
+                <a:spcPts val="0"/>
+              </a:spcAft>
+              <a:buNone/>
+            </a:pPr>
+            <a:r>
+              <a:rPr lang="en-US" sz="1200" b="0" i="0" u="none" strike="noStrike" cap="none" dirty="0">
+                <a:solidFill>
+                  <a:schemeClr val="lt1"/>
+                </a:solidFill>
+                <a:latin typeface="Arial" panose="020B0604020202020204"/>
+                <a:ea typeface="Arial" panose="020B0604020202020204"/>
+                <a:cs typeface="Arial" panose="020B0604020202020204"/>
+                <a:sym typeface="Arial" panose="020B0604020202020204"/>
+              </a:rPr>
+              <a:t>Selector</a:t>
+            </a:r>
+            <a:endParaRPr sz="1200" b="0" i="0" u="none" strike="noStrike" cap="none" dirty="0">
               <a:solidFill>
-                <a:srgbClr val="000000"/>
+                <a:schemeClr val="lt1"/>
               </a:solidFill>
               <a:latin typeface="Arial" panose="020B0604020202020204"/>
               <a:ea typeface="Arial" panose="020B0604020202020204"/>
@@ -7373,10 +5726,10 @@
       </p:sp>
       <p:sp>
         <p:nvSpPr>
-          <p:cNvPr id="51" name="Google Shape;638;p43">
+          <p:cNvPr id="28" name="Google Shape;337;p32">
             <a:extLst>
               <a:ext uri="{FF2B5EF4-FFF2-40B4-BE49-F238E27FC236}">
-                <a16:creationId xmlns:a16="http://schemas.microsoft.com/office/drawing/2014/main" id="{EA5AF44C-CE57-4E46-A443-5E9DBD0BA86D}"/>
+                <a16:creationId xmlns:a16="http://schemas.microsoft.com/office/drawing/2014/main" id="{EF03CC86-5518-C340-8841-1BB23B0ADB45}"/>
               </a:ext>
             </a:extLst>
           </p:cNvPr>
@@ -7385,8 +5738,8 @@
         </p:nvSpPr>
         <p:spPr>
           <a:xfrm>
-            <a:off x="432199" y="3021764"/>
-            <a:ext cx="3267000" cy="507900"/>
+            <a:off x="6730631" y="3775558"/>
+            <a:ext cx="616513" cy="230832"/>
           </a:xfrm>
           <a:prstGeom prst="rect">
             <a:avLst/>
@@ -7415,7 +5768,7 @@
               <a:buNone/>
             </a:pPr>
             <a:r>
-              <a:rPr lang="en-US" sz="1350" b="0" i="0" u="none" strike="noStrike" cap="none" dirty="0" err="1">
+              <a:rPr lang="en-US" sz="900" b="0" i="0" u="none" strike="noStrike" cap="none">
                 <a:solidFill>
                   <a:srgbClr val="000000"/>
                 </a:solidFill>
@@ -7424,81 +5777,9 @@
                 <a:cs typeface="Arial" panose="020B0604020202020204"/>
                 <a:sym typeface="Arial" panose="020B0604020202020204"/>
               </a:rPr>
-              <a:t>transport.client</a:t>
-            </a:r>
-            <a:r>
-              <a:rPr lang="en-US" sz="1350" b="0" i="0" u="none" strike="noStrike" cap="none" dirty="0">
-                <a:solidFill>
-                  <a:srgbClr val="000000"/>
-                </a:solidFill>
-                <a:latin typeface="Arial" panose="020B0604020202020204"/>
-                <a:ea typeface="Arial" panose="020B0604020202020204"/>
-                <a:cs typeface="Arial" panose="020B0604020202020204"/>
-                <a:sym typeface="Arial" panose="020B0604020202020204"/>
-              </a:rPr>
-              <a:t> =&gt; </a:t>
-            </a:r>
-            <a:r>
-              <a:rPr lang="zh-CN" altLang="en-US" sz="1350" b="0" i="0" u="none" strike="noStrike" cap="none" dirty="0">
-                <a:solidFill>
-                  <a:srgbClr val="000000"/>
-                </a:solidFill>
-                <a:latin typeface="Arial" panose="020B0604020202020204"/>
-                <a:ea typeface="Arial" panose="020B0604020202020204"/>
-                <a:cs typeface="Arial" panose="020B0604020202020204"/>
-                <a:sym typeface="Arial" panose="020B0604020202020204"/>
-              </a:rPr>
-              <a:t>  </a:t>
-            </a:r>
-            <a:r>
-              <a:rPr lang="en-US" sz="1350" b="0" i="0" u="none" strike="noStrike" cap="none" dirty="0" err="1">
-                <a:solidFill>
-                  <a:srgbClr val="000000"/>
-                </a:solidFill>
-                <a:latin typeface="Arial" panose="020B0604020202020204"/>
-                <a:ea typeface="Arial" panose="020B0604020202020204"/>
-                <a:cs typeface="Arial" panose="020B0604020202020204"/>
-                <a:sym typeface="Arial" panose="020B0604020202020204"/>
-              </a:rPr>
-              <a:t>transport.</a:t>
-            </a:r>
-            <a:r>
-              <a:rPr lang="en-US" altLang="zh-CN" sz="1350" b="0" i="0" u="none" strike="noStrike" cap="none" dirty="0" err="1">
-                <a:solidFill>
-                  <a:srgbClr val="000000"/>
-                </a:solidFill>
-                <a:latin typeface="Arial" panose="020B0604020202020204"/>
-                <a:ea typeface="Arial" panose="020B0604020202020204"/>
-                <a:cs typeface="Arial" panose="020B0604020202020204"/>
-                <a:sym typeface="Arial" panose="020B0604020202020204"/>
-              </a:rPr>
-              <a:t>tr</a:t>
-            </a:r>
-            <a:r>
-              <a:rPr lang="en-US" altLang="zh-CN" sz="1350" dirty="0" err="1">
-                <a:solidFill>
-                  <a:srgbClr val="000000"/>
-                </a:solidFill>
-                <a:latin typeface="Arial" panose="020B0604020202020204"/>
-                <a:ea typeface="Arial" panose="020B0604020202020204"/>
-                <a:cs typeface="Arial" panose="020B0604020202020204"/>
-                <a:sym typeface="Arial" panose="020B0604020202020204"/>
-              </a:rPr>
-              <a:t>L</a:t>
-            </a:r>
-            <a:r>
-              <a:rPr lang="en-US" sz="1350" b="0" i="0" u="none" strike="noStrike" cap="none" dirty="0" err="1">
-                <a:solidFill>
-                  <a:srgbClr val="000000"/>
-                </a:solidFill>
-                <a:latin typeface="Arial" panose="020B0604020202020204"/>
-                <a:ea typeface="Arial" panose="020B0604020202020204"/>
-                <a:cs typeface="Arial" panose="020B0604020202020204"/>
-                <a:sym typeface="Arial" panose="020B0604020202020204"/>
-              </a:rPr>
-              <a:t>istener</a:t>
-            </a:r>
-            <a:endParaRPr sz="1350" b="0" i="0" u="none" strike="noStrike" cap="none" dirty="0">
+              <a:t>1. select</a:t>
+            </a:r>
+            <a:endParaRPr sz="900" b="0" i="0" u="none" strike="noStrike" cap="none">
               <a:solidFill>
                 <a:srgbClr val="000000"/>
               </a:solidFill>
@@ -7508,6 +5789,532 @@
               <a:sym typeface="Arial" panose="020B0604020202020204"/>
             </a:endParaRPr>
           </a:p>
+        </p:txBody>
+      </p:sp>
+      <p:sp>
+        <p:nvSpPr>
+          <p:cNvPr id="29" name="Google Shape;322;p32">
+            <a:extLst>
+              <a:ext uri="{FF2B5EF4-FFF2-40B4-BE49-F238E27FC236}">
+                <a16:creationId xmlns:a16="http://schemas.microsoft.com/office/drawing/2014/main" id="{4CDC4272-EE37-A74C-ABFB-88E3F95B4340}"/>
+              </a:ext>
+            </a:extLst>
+          </p:cNvPr>
+          <p:cNvSpPr/>
+          <p:nvPr/>
+        </p:nvSpPr>
+        <p:spPr>
+          <a:xfrm>
+            <a:off x="6060333" y="3848509"/>
+            <a:ext cx="696924" cy="312791"/>
+          </a:xfrm>
+          <a:prstGeom prst="rect">
+            <a:avLst/>
+          </a:prstGeom>
+          <a:solidFill>
+            <a:srgbClr val="696774"/>
+          </a:solidFill>
+          <a:ln w="25400" cap="flat" cmpd="sng">
+            <a:solidFill>
+              <a:schemeClr val="lt1"/>
+            </a:solidFill>
+            <a:prstDash val="solid"/>
+            <a:round/>
+            <a:headEnd type="none" w="sm" len="sm"/>
+            <a:tailEnd type="none" w="sm" len="sm"/>
+          </a:ln>
+        </p:spPr>
+        <p:txBody>
+          <a:bodyPr spcFirstLastPara="1" wrap="square" lIns="68575" tIns="34275" rIns="68575" bIns="34275" anchor="ctr" anchorCtr="0">
+            <a:noAutofit/>
+          </a:bodyPr>
+          <a:lstStyle/>
+          <a:p>
+            <a:pPr marL="0" marR="0" lvl="0" indent="0" algn="ctr" rtl="0">
+              <a:lnSpc>
+                <a:spcPct val="100000"/>
+              </a:lnSpc>
+              <a:spcBef>
+                <a:spcPts val="0"/>
+              </a:spcBef>
+              <a:spcAft>
+                <a:spcPts val="0"/>
+              </a:spcAft>
+              <a:buNone/>
+            </a:pPr>
+            <a:r>
+              <a:rPr lang="en-US" sz="1200" b="0" i="0" u="none" strike="noStrike" cap="none" dirty="0">
+                <a:solidFill>
+                  <a:schemeClr val="lt1"/>
+                </a:solidFill>
+                <a:latin typeface="Arial" panose="020B0604020202020204"/>
+                <a:ea typeface="Arial" panose="020B0604020202020204"/>
+                <a:cs typeface="Arial" panose="020B0604020202020204"/>
+                <a:sym typeface="Arial" panose="020B0604020202020204"/>
+              </a:rPr>
+              <a:t>Registry</a:t>
+            </a:r>
+            <a:endParaRPr sz="1350" b="0" i="0" u="none" strike="noStrike" cap="none" dirty="0">
+              <a:solidFill>
+                <a:schemeClr val="lt1"/>
+              </a:solidFill>
+              <a:latin typeface="Arial" panose="020B0604020202020204"/>
+              <a:ea typeface="Arial" panose="020B0604020202020204"/>
+              <a:cs typeface="Arial" panose="020B0604020202020204"/>
+              <a:sym typeface="Arial" panose="020B0604020202020204"/>
+            </a:endParaRPr>
+          </a:p>
+        </p:txBody>
+      </p:sp>
+      <p:sp>
+        <p:nvSpPr>
+          <p:cNvPr id="30" name="Google Shape;319;p32">
+            <a:extLst>
+              <a:ext uri="{FF2B5EF4-FFF2-40B4-BE49-F238E27FC236}">
+                <a16:creationId xmlns:a16="http://schemas.microsoft.com/office/drawing/2014/main" id="{C68407BE-D744-0345-81B0-54E196B0C01A}"/>
+              </a:ext>
+            </a:extLst>
+          </p:cNvPr>
+          <p:cNvSpPr/>
+          <p:nvPr/>
+        </p:nvSpPr>
+        <p:spPr>
+          <a:xfrm>
+            <a:off x="9482490" y="3816611"/>
+            <a:ext cx="702326" cy="321942"/>
+          </a:xfrm>
+          <a:prstGeom prst="rect">
+            <a:avLst/>
+          </a:prstGeom>
+          <a:solidFill>
+            <a:srgbClr val="696774"/>
+          </a:solidFill>
+          <a:ln w="25400" cap="flat" cmpd="sng">
+            <a:solidFill>
+              <a:schemeClr val="lt1"/>
+            </a:solidFill>
+            <a:prstDash val="solid"/>
+            <a:round/>
+            <a:headEnd type="none" w="sm" len="sm"/>
+            <a:tailEnd type="none" w="sm" len="sm"/>
+          </a:ln>
+        </p:spPr>
+        <p:txBody>
+          <a:bodyPr spcFirstLastPara="1" wrap="square" lIns="68575" tIns="34275" rIns="68575" bIns="34275" anchor="ctr" anchorCtr="0">
+            <a:noAutofit/>
+          </a:bodyPr>
+          <a:lstStyle/>
+          <a:p>
+            <a:pPr marL="0" marR="0" lvl="0" indent="0" algn="ctr" rtl="0">
+              <a:lnSpc>
+                <a:spcPct val="100000"/>
+              </a:lnSpc>
+              <a:spcBef>
+                <a:spcPts val="0"/>
+              </a:spcBef>
+              <a:spcAft>
+                <a:spcPts val="0"/>
+              </a:spcAft>
+              <a:buNone/>
+            </a:pPr>
+            <a:r>
+              <a:rPr lang="en-US" sz="1200" b="0" i="0" u="none" strike="noStrike" cap="none" dirty="0">
+                <a:solidFill>
+                  <a:schemeClr val="lt1"/>
+                </a:solidFill>
+                <a:latin typeface="Arial" panose="020B0604020202020204"/>
+                <a:ea typeface="Arial" panose="020B0604020202020204"/>
+                <a:cs typeface="Arial" panose="020B0604020202020204"/>
+                <a:sym typeface="Arial" panose="020B0604020202020204"/>
+              </a:rPr>
+              <a:t>Registry</a:t>
+            </a:r>
+            <a:endParaRPr sz="1350" b="0" i="0" u="none" strike="noStrike" cap="none" dirty="0">
+              <a:solidFill>
+                <a:schemeClr val="lt1"/>
+              </a:solidFill>
+              <a:latin typeface="Arial" panose="020B0604020202020204"/>
+              <a:ea typeface="Arial" panose="020B0604020202020204"/>
+              <a:cs typeface="Arial" panose="020B0604020202020204"/>
+              <a:sym typeface="Arial" panose="020B0604020202020204"/>
+            </a:endParaRPr>
+          </a:p>
+        </p:txBody>
+      </p:sp>
+      <p:sp>
+        <p:nvSpPr>
+          <p:cNvPr id="31" name="Google Shape;338;p32">
+            <a:extLst>
+              <a:ext uri="{FF2B5EF4-FFF2-40B4-BE49-F238E27FC236}">
+                <a16:creationId xmlns:a16="http://schemas.microsoft.com/office/drawing/2014/main" id="{F989A04D-4165-4247-956D-B8FC4053420C}"/>
+              </a:ext>
+            </a:extLst>
+          </p:cNvPr>
+          <p:cNvSpPr/>
+          <p:nvPr/>
+        </p:nvSpPr>
+        <p:spPr>
+          <a:xfrm>
+            <a:off x="7792697" y="1929941"/>
+            <a:ext cx="815176" cy="335961"/>
+          </a:xfrm>
+          <a:prstGeom prst="rect">
+            <a:avLst/>
+          </a:prstGeom>
+          <a:solidFill>
+            <a:srgbClr val="560A30"/>
+          </a:solidFill>
+          <a:ln w="25400" cap="flat" cmpd="sng">
+            <a:solidFill>
+              <a:schemeClr val="lt1"/>
+            </a:solidFill>
+            <a:prstDash val="solid"/>
+            <a:round/>
+            <a:headEnd type="none" w="sm" len="sm"/>
+            <a:tailEnd type="none" w="sm" len="sm"/>
+          </a:ln>
+        </p:spPr>
+        <p:txBody>
+          <a:bodyPr spcFirstLastPara="1" wrap="square" lIns="68575" tIns="34275" rIns="68575" bIns="34275" anchor="ctr" anchorCtr="0">
+            <a:noAutofit/>
+          </a:bodyPr>
+          <a:lstStyle/>
+          <a:p>
+            <a:pPr marL="0" marR="0" lvl="0" indent="0" algn="ctr" rtl="0">
+              <a:lnSpc>
+                <a:spcPct val="100000"/>
+              </a:lnSpc>
+              <a:spcBef>
+                <a:spcPts val="0"/>
+              </a:spcBef>
+              <a:spcAft>
+                <a:spcPts val="0"/>
+              </a:spcAft>
+              <a:buNone/>
+            </a:pPr>
+            <a:r>
+              <a:rPr lang="en-US" sz="1350" b="0" i="0" u="none" strike="noStrike" cap="none" dirty="0">
+                <a:solidFill>
+                  <a:schemeClr val="lt1"/>
+                </a:solidFill>
+                <a:latin typeface="Arial" panose="020B0604020202020204"/>
+                <a:ea typeface="Arial" panose="020B0604020202020204"/>
+                <a:cs typeface="Arial" panose="020B0604020202020204"/>
+                <a:sym typeface="Arial" panose="020B0604020202020204"/>
+              </a:rPr>
+              <a:t>MQ</a:t>
+            </a:r>
+          </a:p>
+        </p:txBody>
+      </p:sp>
+      <p:cxnSp>
+        <p:nvCxnSpPr>
+          <p:cNvPr id="32" name="Google Shape;339;p32">
+            <a:extLst>
+              <a:ext uri="{FF2B5EF4-FFF2-40B4-BE49-F238E27FC236}">
+                <a16:creationId xmlns:a16="http://schemas.microsoft.com/office/drawing/2014/main" id="{250DD976-E389-8747-BA13-EE2B3C456FF0}"/>
+              </a:ext>
+            </a:extLst>
+          </p:cNvPr>
+          <p:cNvCxnSpPr>
+            <a:cxnSpLocks/>
+            <a:stCxn id="46" idx="0"/>
+            <a:endCxn id="31" idx="1"/>
+          </p:cNvCxnSpPr>
+          <p:nvPr/>
+        </p:nvCxnSpPr>
+        <p:spPr>
+          <a:xfrm rot="5400000" flipH="1" flipV="1">
+            <a:off x="6999352" y="2110474"/>
+            <a:ext cx="805896" cy="780793"/>
+          </a:xfrm>
+          <a:prstGeom prst="curvedConnector2">
+            <a:avLst/>
+          </a:prstGeom>
+          <a:noFill/>
+          <a:ln w="28575" cap="flat" cmpd="sng">
+            <a:solidFill>
+              <a:srgbClr val="00D4DD"/>
+            </a:solidFill>
+            <a:prstDash val="dash"/>
+            <a:round/>
+            <a:headEnd type="none" w="sm" len="sm"/>
+            <a:tailEnd type="triangle" w="med" len="med"/>
+          </a:ln>
+        </p:spPr>
+      </p:cxnSp>
+      <p:sp>
+        <p:nvSpPr>
+          <p:cNvPr id="33" name="Google Shape;341;p32">
+            <a:extLst>
+              <a:ext uri="{FF2B5EF4-FFF2-40B4-BE49-F238E27FC236}">
+                <a16:creationId xmlns:a16="http://schemas.microsoft.com/office/drawing/2014/main" id="{293C8934-3C9C-904D-9023-7B597AFDC194}"/>
+              </a:ext>
+            </a:extLst>
+          </p:cNvPr>
+          <p:cNvSpPr/>
+          <p:nvPr/>
+        </p:nvSpPr>
+        <p:spPr>
+          <a:xfrm>
+            <a:off x="6054198" y="2892156"/>
+            <a:ext cx="702326" cy="312857"/>
+          </a:xfrm>
+          <a:prstGeom prst="rect">
+            <a:avLst/>
+          </a:prstGeom>
+          <a:solidFill>
+            <a:srgbClr val="696774"/>
+          </a:solidFill>
+          <a:ln w="25400" cap="flat" cmpd="sng">
+            <a:solidFill>
+              <a:schemeClr val="lt1"/>
+            </a:solidFill>
+            <a:prstDash val="solid"/>
+            <a:round/>
+            <a:headEnd type="none" w="sm" len="sm"/>
+            <a:tailEnd type="none" w="sm" len="sm"/>
+          </a:ln>
+        </p:spPr>
+        <p:txBody>
+          <a:bodyPr spcFirstLastPara="1" wrap="square" lIns="68575" tIns="34275" rIns="68575" bIns="34275" anchor="ctr" anchorCtr="0">
+            <a:noAutofit/>
+          </a:bodyPr>
+          <a:lstStyle/>
+          <a:p>
+            <a:pPr marL="0" marR="0" lvl="0" indent="0" algn="ctr" rtl="0">
+              <a:lnSpc>
+                <a:spcPct val="100000"/>
+              </a:lnSpc>
+              <a:spcBef>
+                <a:spcPts val="0"/>
+              </a:spcBef>
+              <a:spcAft>
+                <a:spcPts val="0"/>
+              </a:spcAft>
+              <a:buNone/>
+            </a:pPr>
+            <a:r>
+              <a:rPr lang="en-US" sz="1350" b="0" i="0" u="none" strike="noStrike" cap="none" dirty="0">
+                <a:solidFill>
+                  <a:schemeClr val="lt1"/>
+                </a:solidFill>
+                <a:latin typeface="Arial" panose="020B0604020202020204"/>
+                <a:ea typeface="Arial" panose="020B0604020202020204"/>
+                <a:cs typeface="Arial" panose="020B0604020202020204"/>
+                <a:sym typeface="Arial" panose="020B0604020202020204"/>
+              </a:rPr>
+              <a:t>Broker</a:t>
+            </a:r>
+          </a:p>
+        </p:txBody>
+      </p:sp>
+      <p:cxnSp>
+        <p:nvCxnSpPr>
+          <p:cNvPr id="34" name="Google Shape;342;p32">
+            <a:extLst>
+              <a:ext uri="{FF2B5EF4-FFF2-40B4-BE49-F238E27FC236}">
+                <a16:creationId xmlns:a16="http://schemas.microsoft.com/office/drawing/2014/main" id="{EAFA6CC4-5616-394D-914D-707CEA2091C8}"/>
+              </a:ext>
+            </a:extLst>
+          </p:cNvPr>
+          <p:cNvCxnSpPr>
+            <a:endCxn id="29" idx="3"/>
+          </p:cNvCxnSpPr>
+          <p:nvPr/>
+        </p:nvCxnSpPr>
+        <p:spPr>
+          <a:xfrm rot="10800000">
+            <a:off x="6757257" y="4004905"/>
+            <a:ext cx="1902900" cy="1312200"/>
+          </a:xfrm>
+          <a:prstGeom prst="curvedConnector3">
+            <a:avLst>
+              <a:gd name="adj1" fmla="val 49998"/>
+            </a:avLst>
+          </a:prstGeom>
+          <a:noFill/>
+          <a:ln w="28575" cap="flat" cmpd="sng">
+            <a:solidFill>
+              <a:srgbClr val="00D4DD"/>
+            </a:solidFill>
+            <a:prstDash val="dash"/>
+            <a:round/>
+            <a:headEnd type="none" w="sm" len="sm"/>
+            <a:tailEnd type="triangle" w="med" len="med"/>
+          </a:ln>
+        </p:spPr>
+      </p:cxnSp>
+      <p:sp>
+        <p:nvSpPr>
+          <p:cNvPr id="35" name="Google Shape;343;p32">
+            <a:extLst>
+              <a:ext uri="{FF2B5EF4-FFF2-40B4-BE49-F238E27FC236}">
+                <a16:creationId xmlns:a16="http://schemas.microsoft.com/office/drawing/2014/main" id="{C0800864-66C1-D140-B8F3-EE53B16F9432}"/>
+              </a:ext>
+            </a:extLst>
+          </p:cNvPr>
+          <p:cNvSpPr/>
+          <p:nvPr/>
+        </p:nvSpPr>
+        <p:spPr>
+          <a:xfrm>
+            <a:off x="6054198" y="3205510"/>
+            <a:ext cx="702326" cy="343609"/>
+          </a:xfrm>
+          <a:prstGeom prst="rect">
+            <a:avLst/>
+          </a:prstGeom>
+          <a:solidFill>
+            <a:srgbClr val="696774"/>
+          </a:solidFill>
+          <a:ln w="25400" cap="flat" cmpd="sng">
+            <a:solidFill>
+              <a:schemeClr val="lt1"/>
+            </a:solidFill>
+            <a:prstDash val="solid"/>
+            <a:round/>
+            <a:headEnd type="none" w="sm" len="sm"/>
+            <a:tailEnd type="none" w="sm" len="sm"/>
+          </a:ln>
+        </p:spPr>
+        <p:txBody>
+          <a:bodyPr spcFirstLastPara="1" wrap="square" lIns="68575" tIns="34275" rIns="68575" bIns="34275" anchor="ctr" anchorCtr="0">
+            <a:noAutofit/>
+          </a:bodyPr>
+          <a:lstStyle/>
+          <a:p>
+            <a:pPr marL="0" marR="0" lvl="0" indent="0" algn="ctr" rtl="0">
+              <a:lnSpc>
+                <a:spcPct val="100000"/>
+              </a:lnSpc>
+              <a:spcBef>
+                <a:spcPts val="0"/>
+              </a:spcBef>
+              <a:spcAft>
+                <a:spcPts val="0"/>
+              </a:spcAft>
+              <a:buNone/>
+            </a:pPr>
+            <a:r>
+              <a:rPr lang="en-US" sz="1000" b="0" i="0" u="none" strike="noStrike" cap="none">
+                <a:solidFill>
+                  <a:schemeClr val="lt1"/>
+                </a:solidFill>
+                <a:latin typeface="Arial" panose="020B0604020202020204"/>
+                <a:ea typeface="Arial" panose="020B0604020202020204"/>
+                <a:cs typeface="Arial" panose="020B0604020202020204"/>
+                <a:sym typeface="Arial" panose="020B0604020202020204"/>
+              </a:rPr>
+              <a:t>Transport</a:t>
+            </a:r>
+          </a:p>
+        </p:txBody>
+      </p:sp>
+      <p:cxnSp>
+        <p:nvCxnSpPr>
+          <p:cNvPr id="36" name="Google Shape;344;p32">
+            <a:extLst>
+              <a:ext uri="{FF2B5EF4-FFF2-40B4-BE49-F238E27FC236}">
+                <a16:creationId xmlns:a16="http://schemas.microsoft.com/office/drawing/2014/main" id="{5B213779-C499-364C-8312-7AF21EA1FFC6}"/>
+              </a:ext>
+            </a:extLst>
+          </p:cNvPr>
+          <p:cNvCxnSpPr>
+            <a:stCxn id="4" idx="3"/>
+            <a:endCxn id="21" idx="3"/>
+          </p:cNvCxnSpPr>
+          <p:nvPr/>
+        </p:nvCxnSpPr>
+        <p:spPr>
+          <a:xfrm rot="10800000">
+            <a:off x="6757318" y="3698886"/>
+            <a:ext cx="5700" cy="654600"/>
+          </a:xfrm>
+          <a:prstGeom prst="curvedConnector3">
+            <a:avLst>
+              <a:gd name="adj1" fmla="val -3007764"/>
+            </a:avLst>
+          </a:prstGeom>
+          <a:noFill/>
+          <a:ln w="28575" cap="flat" cmpd="sng">
+            <a:solidFill>
+              <a:srgbClr val="00D4DD"/>
+            </a:solidFill>
+            <a:prstDash val="solid"/>
+            <a:round/>
+            <a:headEnd type="none" w="sm" len="sm"/>
+            <a:tailEnd type="triangle" w="med" len="med"/>
+          </a:ln>
+        </p:spPr>
+      </p:cxnSp>
+      <p:cxnSp>
+        <p:nvCxnSpPr>
+          <p:cNvPr id="37" name="Google Shape;345;p32">
+            <a:extLst>
+              <a:ext uri="{FF2B5EF4-FFF2-40B4-BE49-F238E27FC236}">
+                <a16:creationId xmlns:a16="http://schemas.microsoft.com/office/drawing/2014/main" id="{54926685-2660-D949-8DC4-80F48E5B125C}"/>
+              </a:ext>
+            </a:extLst>
+          </p:cNvPr>
+          <p:cNvCxnSpPr>
+            <a:stCxn id="21" idx="1"/>
+            <a:endCxn id="29" idx="1"/>
+          </p:cNvCxnSpPr>
+          <p:nvPr/>
+        </p:nvCxnSpPr>
+        <p:spPr>
+          <a:xfrm>
+            <a:off x="6057460" y="3698815"/>
+            <a:ext cx="3000" cy="306000"/>
+          </a:xfrm>
+          <a:prstGeom prst="curvedConnector3">
+            <a:avLst>
+              <a:gd name="adj1" fmla="val -5714502"/>
+            </a:avLst>
+          </a:prstGeom>
+          <a:noFill/>
+          <a:ln w="28575" cap="flat" cmpd="sng">
+            <a:solidFill>
+              <a:srgbClr val="00D4DD"/>
+            </a:solidFill>
+            <a:prstDash val="solid"/>
+            <a:round/>
+            <a:headEnd type="none" w="sm" len="sm"/>
+            <a:tailEnd type="triangle" w="med" len="med"/>
+          </a:ln>
+        </p:spPr>
+      </p:cxnSp>
+      <p:sp>
+        <p:nvSpPr>
+          <p:cNvPr id="38" name="Google Shape;346;p32">
+            <a:extLst>
+              <a:ext uri="{FF2B5EF4-FFF2-40B4-BE49-F238E27FC236}">
+                <a16:creationId xmlns:a16="http://schemas.microsoft.com/office/drawing/2014/main" id="{A786648A-161A-1F45-8F2C-AF0FD3B1A3EB}"/>
+              </a:ext>
+            </a:extLst>
+          </p:cNvPr>
+          <p:cNvSpPr txBox="1"/>
+          <p:nvPr/>
+        </p:nvSpPr>
+        <p:spPr>
+          <a:xfrm>
+            <a:off x="5494756" y="3783608"/>
+            <a:ext cx="616513" cy="230832"/>
+          </a:xfrm>
+          <a:prstGeom prst="rect">
+            <a:avLst/>
+          </a:prstGeom>
+          <a:noFill/>
+          <a:ln>
+            <a:noFill/>
+          </a:ln>
+        </p:spPr>
+        <p:txBody>
+          <a:bodyPr spcFirstLastPara="1" wrap="square" lIns="91425" tIns="45700" rIns="91425" bIns="45700" anchor="t" anchorCtr="0">
+            <a:noAutofit/>
+          </a:bodyPr>
+          <a:lstStyle/>
           <a:p>
             <a:pPr marL="0" marR="0" lvl="0" indent="0" algn="l" rtl="0">
               <a:lnSpc>
@@ -7521,9 +6328,85 @@
               </a:spcAft>
               <a:buNone/>
             </a:pPr>
-            <a:endParaRPr sz="1350" b="0" i="0" u="none" strike="noStrike" cap="none" dirty="0">
+            <a:r>
+              <a:rPr lang="en-US" sz="900" b="0" i="0" u="none" strike="noStrike" cap="none">
+                <a:solidFill>
+                  <a:srgbClr val="000000"/>
+                </a:solidFill>
+                <a:latin typeface="Arial" panose="020B0604020202020204"/>
+                <a:ea typeface="Arial" panose="020B0604020202020204"/>
+                <a:cs typeface="Arial" panose="020B0604020202020204"/>
+                <a:sym typeface="Arial" panose="020B0604020202020204"/>
+              </a:rPr>
+              <a:t>2. get</a:t>
+            </a:r>
+          </a:p>
+        </p:txBody>
+      </p:sp>
+      <p:sp>
+        <p:nvSpPr>
+          <p:cNvPr id="39" name="Google Shape;347;p32">
+            <a:extLst>
+              <a:ext uri="{FF2B5EF4-FFF2-40B4-BE49-F238E27FC236}">
+                <a16:creationId xmlns:a16="http://schemas.microsoft.com/office/drawing/2014/main" id="{C2689520-C21C-5842-963B-1D19D51B3666}"/>
+              </a:ext>
+            </a:extLst>
+          </p:cNvPr>
+          <p:cNvSpPr/>
+          <p:nvPr/>
+        </p:nvSpPr>
+        <p:spPr>
+          <a:xfrm>
+            <a:off x="6764184" y="3218236"/>
+            <a:ext cx="482185" cy="316116"/>
+          </a:xfrm>
+          <a:prstGeom prst="rect">
+            <a:avLst/>
+          </a:prstGeom>
+          <a:solidFill>
+            <a:srgbClr val="696774"/>
+          </a:solidFill>
+          <a:ln w="25400" cap="flat" cmpd="sng">
+            <a:noFill/>
+            <a:prstDash val="solid"/>
+            <a:round/>
+            <a:headEnd type="none" w="sm" len="sm"/>
+            <a:tailEnd type="none" w="sm" len="sm"/>
+          </a:ln>
+        </p:spPr>
+        <p:txBody>
+          <a:bodyPr spcFirstLastPara="1" wrap="square" lIns="68575" tIns="34275" rIns="68575" bIns="34275" anchor="ctr" anchorCtr="0">
+            <a:noAutofit/>
+          </a:bodyPr>
+          <a:lstStyle/>
+          <a:p>
+            <a:pPr marL="0" marR="0" lvl="0" indent="0" algn="ctr" rtl="0">
+              <a:lnSpc>
+                <a:spcPct val="100000"/>
+              </a:lnSpc>
+              <a:spcBef>
+                <a:spcPts val="0"/>
+              </a:spcBef>
+              <a:spcAft>
+                <a:spcPts val="0"/>
+              </a:spcAft>
+              <a:buNone/>
+            </a:pPr>
+            <a:r>
+              <a:rPr lang="en-US" sz="900" b="0" i="0" u="none" strike="noStrike" cap="none" dirty="0">
+                <a:solidFill>
+                  <a:schemeClr val="lt1"/>
+                </a:solidFill>
+                <a:latin typeface="Arial" panose="020B0604020202020204"/>
+                <a:ea typeface="Arial" panose="020B0604020202020204"/>
+                <a:cs typeface="Arial" panose="020B0604020202020204"/>
+                <a:sym typeface="Arial" panose="020B0604020202020204"/>
+              </a:rPr>
+              <a:t>Codec</a:t>
+            </a:r>
+            <a:endParaRPr sz="1100" b="0" i="0" u="none" strike="noStrike" cap="none" dirty="0">
               <a:solidFill>
-                <a:srgbClr val="000000"/>
+                <a:schemeClr val="lt1"/>
               </a:solidFill>
               <a:latin typeface="Arial" panose="020B0604020202020204"/>
               <a:ea typeface="Arial" panose="020B0604020202020204"/>
@@ -7535,10 +6418,10 @@
       </p:sp>
       <p:sp>
         <p:nvSpPr>
-          <p:cNvPr id="52" name="Google Shape;639;p43">
+          <p:cNvPr id="40" name="Google Shape;348;p32">
             <a:extLst>
               <a:ext uri="{FF2B5EF4-FFF2-40B4-BE49-F238E27FC236}">
-                <a16:creationId xmlns:a16="http://schemas.microsoft.com/office/drawing/2014/main" id="{46621FD7-DF2E-2442-86F9-DD03C49A804B}"/>
+                <a16:creationId xmlns:a16="http://schemas.microsoft.com/office/drawing/2014/main" id="{97665504-1F1F-8E4D-A1DF-53390B5C81BA}"/>
               </a:ext>
             </a:extLst>
           </p:cNvPr>
@@ -7547,8 +6430,196 @@
         </p:nvSpPr>
         <p:spPr>
           <a:xfrm>
-            <a:off x="442399" y="3679192"/>
-            <a:ext cx="3246600" cy="300000"/>
+            <a:off x="8989469" y="3229768"/>
+            <a:ext cx="482185" cy="570837"/>
+          </a:xfrm>
+          <a:prstGeom prst="rect">
+            <a:avLst/>
+          </a:prstGeom>
+          <a:solidFill>
+            <a:srgbClr val="696774"/>
+          </a:solidFill>
+          <a:ln w="25400" cap="flat" cmpd="sng">
+            <a:noFill/>
+            <a:prstDash val="solid"/>
+            <a:round/>
+            <a:headEnd type="none" w="sm" len="sm"/>
+            <a:tailEnd type="none" w="sm" len="sm"/>
+          </a:ln>
+        </p:spPr>
+        <p:txBody>
+          <a:bodyPr spcFirstLastPara="1" wrap="square" lIns="68575" tIns="34275" rIns="68575" bIns="34275" anchor="ctr" anchorCtr="0">
+            <a:noAutofit/>
+          </a:bodyPr>
+          <a:lstStyle/>
+          <a:p>
+            <a:pPr marL="0" marR="0" lvl="0" indent="0" algn="ctr" rtl="0">
+              <a:lnSpc>
+                <a:spcPct val="100000"/>
+              </a:lnSpc>
+              <a:spcBef>
+                <a:spcPts val="0"/>
+              </a:spcBef>
+              <a:spcAft>
+                <a:spcPts val="0"/>
+              </a:spcAft>
+              <a:buNone/>
+            </a:pPr>
+            <a:r>
+              <a:rPr lang="en-US" sz="900" b="0" i="0" u="none" strike="noStrike" cap="none">
+                <a:solidFill>
+                  <a:schemeClr val="lt1"/>
+                </a:solidFill>
+                <a:latin typeface="Arial" panose="020B0604020202020204"/>
+                <a:ea typeface="Arial" panose="020B0604020202020204"/>
+                <a:cs typeface="Arial" panose="020B0604020202020204"/>
+                <a:sym typeface="Arial" panose="020B0604020202020204"/>
+              </a:rPr>
+              <a:t>Codec</a:t>
+            </a:r>
+            <a:endParaRPr sz="1100" b="0" i="0" u="none" strike="noStrike" cap="none">
+              <a:solidFill>
+                <a:schemeClr val="lt1"/>
+              </a:solidFill>
+              <a:latin typeface="Arial" panose="020B0604020202020204"/>
+              <a:ea typeface="Arial" panose="020B0604020202020204"/>
+              <a:cs typeface="Arial" panose="020B0604020202020204"/>
+              <a:sym typeface="Arial" panose="020B0604020202020204"/>
+            </a:endParaRPr>
+          </a:p>
+        </p:txBody>
+      </p:sp>
+      <p:cxnSp>
+        <p:nvCxnSpPr>
+          <p:cNvPr id="41" name="Google Shape;349;p32">
+            <a:extLst>
+              <a:ext uri="{FF2B5EF4-FFF2-40B4-BE49-F238E27FC236}">
+                <a16:creationId xmlns:a16="http://schemas.microsoft.com/office/drawing/2014/main" id="{1B5929E0-4C3D-F643-A0A4-65DE04CFCFDD}"/>
+              </a:ext>
+            </a:extLst>
+          </p:cNvPr>
+          <p:cNvCxnSpPr>
+            <a:cxnSpLocks/>
+            <a:stCxn id="39" idx="3"/>
+            <a:endCxn id="40" idx="1"/>
+          </p:cNvCxnSpPr>
+          <p:nvPr/>
+        </p:nvCxnSpPr>
+        <p:spPr>
+          <a:xfrm>
+            <a:off x="7246369" y="3376294"/>
+            <a:ext cx="1743100" cy="138893"/>
+          </a:xfrm>
+          <a:prstGeom prst="curvedConnector3">
+            <a:avLst>
+              <a:gd name="adj1" fmla="val 50000"/>
+            </a:avLst>
+          </a:prstGeom>
+          <a:noFill/>
+          <a:ln w="28575" cap="flat" cmpd="sng">
+            <a:solidFill>
+              <a:srgbClr val="00D4DD"/>
+            </a:solidFill>
+            <a:prstDash val="solid"/>
+            <a:round/>
+            <a:headEnd type="none" w="sm" len="sm"/>
+            <a:tailEnd type="triangle" w="med" len="med"/>
+          </a:ln>
+        </p:spPr>
+      </p:cxnSp>
+      <p:cxnSp>
+        <p:nvCxnSpPr>
+          <p:cNvPr id="42" name="Google Shape;350;p32">
+            <a:extLst>
+              <a:ext uri="{FF2B5EF4-FFF2-40B4-BE49-F238E27FC236}">
+                <a16:creationId xmlns:a16="http://schemas.microsoft.com/office/drawing/2014/main" id="{DADADBC2-26EE-8F41-B76B-CD5BED63B2ED}"/>
+              </a:ext>
+            </a:extLst>
+          </p:cNvPr>
+          <p:cNvCxnSpPr>
+            <a:cxnSpLocks/>
+            <a:stCxn id="40" idx="2"/>
+            <a:endCxn id="39" idx="2"/>
+          </p:cNvCxnSpPr>
+          <p:nvPr/>
+        </p:nvCxnSpPr>
+        <p:spPr>
+          <a:xfrm rot="5400000" flipH="1">
+            <a:off x="7984793" y="2554837"/>
+            <a:ext cx="266253" cy="2225285"/>
+          </a:xfrm>
+          <a:prstGeom prst="curvedConnector3">
+            <a:avLst>
+              <a:gd name="adj1" fmla="val -85858"/>
+            </a:avLst>
+          </a:prstGeom>
+          <a:noFill/>
+          <a:ln w="28575" cap="flat" cmpd="sng">
+            <a:solidFill>
+              <a:srgbClr val="00D4DD"/>
+            </a:solidFill>
+            <a:prstDash val="solid"/>
+            <a:round/>
+            <a:headEnd type="none" w="sm" len="sm"/>
+            <a:tailEnd type="triangle" w="med" len="med"/>
+          </a:ln>
+        </p:spPr>
+      </p:cxnSp>
+      <p:cxnSp>
+        <p:nvCxnSpPr>
+          <p:cNvPr id="43" name="Google Shape;351;p32">
+            <a:extLst>
+              <a:ext uri="{FF2B5EF4-FFF2-40B4-BE49-F238E27FC236}">
+                <a16:creationId xmlns:a16="http://schemas.microsoft.com/office/drawing/2014/main" id="{222FC039-F4FD-2A42-A476-0C4213474E66}"/>
+              </a:ext>
+            </a:extLst>
+          </p:cNvPr>
+          <p:cNvCxnSpPr>
+            <a:cxnSpLocks/>
+            <a:stCxn id="29" idx="1"/>
+            <a:endCxn id="10" idx="2"/>
+          </p:cNvCxnSpPr>
+          <p:nvPr/>
+        </p:nvCxnSpPr>
+        <p:spPr>
+          <a:xfrm rot="10800000" flipH="1" flipV="1">
+            <a:off x="6060332" y="4004905"/>
+            <a:ext cx="2661831" cy="1695940"/>
+          </a:xfrm>
+          <a:prstGeom prst="curvedConnector4">
+            <a:avLst>
+              <a:gd name="adj1" fmla="val -24309"/>
+              <a:gd name="adj2" fmla="val 113479"/>
+            </a:avLst>
+          </a:prstGeom>
+          <a:noFill/>
+          <a:ln w="28575" cap="flat" cmpd="sng">
+            <a:solidFill>
+              <a:srgbClr val="00D4DD"/>
+            </a:solidFill>
+            <a:prstDash val="solid"/>
+            <a:round/>
+            <a:headEnd type="none" w="sm" len="sm"/>
+            <a:tailEnd type="triangle" w="med" len="med"/>
+          </a:ln>
+        </p:spPr>
+      </p:cxnSp>
+      <p:sp>
+        <p:nvSpPr>
+          <p:cNvPr id="44" name="Google Shape;352;p32">
+            <a:extLst>
+              <a:ext uri="{FF2B5EF4-FFF2-40B4-BE49-F238E27FC236}">
+                <a16:creationId xmlns:a16="http://schemas.microsoft.com/office/drawing/2014/main" id="{EE316E09-2A54-CB41-BE95-3436CC75E822}"/>
+              </a:ext>
+            </a:extLst>
+          </p:cNvPr>
+          <p:cNvSpPr txBox="1"/>
+          <p:nvPr/>
+        </p:nvSpPr>
+        <p:spPr>
+          <a:xfrm>
+            <a:off x="6053612" y="5415431"/>
+            <a:ext cx="539145" cy="230832"/>
           </a:xfrm>
           <a:prstGeom prst="rect">
             <a:avLst/>
@@ -7577,7 +6648,7 @@
               <a:buNone/>
             </a:pPr>
             <a:r>
-              <a:rPr lang="en-US" sz="1350" b="0" i="0" u="none" strike="noStrike" cap="none" dirty="0" err="1">
+              <a:rPr lang="en-US" sz="900" b="0" i="0" u="none" strike="noStrike" cap="none">
                 <a:solidFill>
                   <a:srgbClr val="000000"/>
                 </a:solidFill>
@@ -7586,69 +6657,9 @@
                 <a:cs typeface="Arial" panose="020B0604020202020204"/>
                 <a:sym typeface="Arial" panose="020B0604020202020204"/>
               </a:rPr>
-              <a:t>transport.Dial</a:t>
-            </a:r>
-            <a:r>
-              <a:rPr lang="en-US" sz="1350" b="0" i="0" u="none" strike="noStrike" cap="none" dirty="0">
-                <a:solidFill>
-                  <a:srgbClr val="000000"/>
-                </a:solidFill>
-                <a:latin typeface="Arial" panose="020B0604020202020204"/>
-                <a:ea typeface="Arial" panose="020B0604020202020204"/>
-                <a:cs typeface="Arial" panose="020B0604020202020204"/>
-                <a:sym typeface="Arial" panose="020B0604020202020204"/>
-              </a:rPr>
-              <a:t> </a:t>
-            </a:r>
-            <a:r>
-              <a:rPr lang="zh-CN" altLang="en-US" sz="1350" b="0" i="0" u="none" strike="noStrike" cap="none" dirty="0">
-                <a:solidFill>
-                  <a:srgbClr val="000000"/>
-                </a:solidFill>
-                <a:latin typeface="Arial" panose="020B0604020202020204"/>
-                <a:ea typeface="Arial" panose="020B0604020202020204"/>
-                <a:cs typeface="Arial" panose="020B0604020202020204"/>
-                <a:sym typeface="Arial" panose="020B0604020202020204"/>
-              </a:rPr>
-              <a:t>  </a:t>
-            </a:r>
-            <a:r>
-              <a:rPr lang="en-US" sz="1350" b="0" i="0" u="none" strike="noStrike" cap="none" dirty="0">
-                <a:solidFill>
-                  <a:srgbClr val="000000"/>
-                </a:solidFill>
-                <a:latin typeface="Arial" panose="020B0604020202020204"/>
-                <a:ea typeface="Arial" panose="020B0604020202020204"/>
-                <a:cs typeface="Arial" panose="020B0604020202020204"/>
-                <a:sym typeface="Arial" panose="020B0604020202020204"/>
-              </a:rPr>
-              <a:t>=&gt; </a:t>
-            </a:r>
-            <a:r>
-              <a:rPr lang="zh-CN" altLang="en-US" sz="1350" b="0" i="0" u="none" strike="noStrike" cap="none" dirty="0">
-                <a:solidFill>
-                  <a:srgbClr val="000000"/>
-                </a:solidFill>
-                <a:latin typeface="Arial" panose="020B0604020202020204"/>
-                <a:ea typeface="Arial" panose="020B0604020202020204"/>
-                <a:cs typeface="Arial" panose="020B0604020202020204"/>
-                <a:sym typeface="Arial" panose="020B0604020202020204"/>
-              </a:rPr>
-              <a:t>  </a:t>
-            </a:r>
-            <a:r>
-              <a:rPr lang="en-US" sz="1350" b="0" i="0" u="none" strike="noStrike" cap="none" dirty="0" err="1">
-                <a:solidFill>
-                  <a:srgbClr val="000000"/>
-                </a:solidFill>
-                <a:latin typeface="Arial" panose="020B0604020202020204"/>
-                <a:ea typeface="Arial" panose="020B0604020202020204"/>
-                <a:cs typeface="Arial" panose="020B0604020202020204"/>
-                <a:sym typeface="Arial" panose="020B0604020202020204"/>
-              </a:rPr>
-              <a:t>transport.Accept</a:t>
-            </a:r>
-            <a:endParaRPr sz="1350" b="0" i="0" u="none" strike="noStrike" cap="none" dirty="0">
+              <a:t>3. list</a:t>
+            </a:r>
+            <a:endParaRPr sz="900" b="0" i="0" u="none" strike="noStrike" cap="none">
               <a:solidFill>
                 <a:srgbClr val="000000"/>
               </a:solidFill>
@@ -7660,12 +6671,48 @@
           </a:p>
         </p:txBody>
       </p:sp>
-      <p:sp>
-        <p:nvSpPr>
-          <p:cNvPr id="53" name="Google Shape;640;p43">
+      <p:cxnSp>
+        <p:nvCxnSpPr>
+          <p:cNvPr id="45" name="Google Shape;353;p32">
             <a:extLst>
               <a:ext uri="{FF2B5EF4-FFF2-40B4-BE49-F238E27FC236}">
-                <a16:creationId xmlns:a16="http://schemas.microsoft.com/office/drawing/2014/main" id="{8D9104F8-A67E-1A4D-AB3B-FEA930376279}"/>
+                <a16:creationId xmlns:a16="http://schemas.microsoft.com/office/drawing/2014/main" id="{B7DAF48A-A33B-A44F-B852-106824FFBC3B}"/>
+              </a:ext>
+            </a:extLst>
+          </p:cNvPr>
+          <p:cNvCxnSpPr>
+            <a:cxnSpLocks/>
+            <a:stCxn id="47" idx="0"/>
+            <a:endCxn id="31" idx="3"/>
+          </p:cNvCxnSpPr>
+          <p:nvPr/>
+        </p:nvCxnSpPr>
+        <p:spPr>
+          <a:xfrm rot="16200000" flipV="1">
+            <a:off x="8510505" y="2195290"/>
+            <a:ext cx="815522" cy="620786"/>
+          </a:xfrm>
+          <a:prstGeom prst="curvedConnector2">
+            <a:avLst/>
+          </a:prstGeom>
+          <a:noFill/>
+          <a:ln w="28575" cap="flat" cmpd="sng">
+            <a:solidFill>
+              <a:srgbClr val="00D4DD"/>
+            </a:solidFill>
+            <a:prstDash val="dash"/>
+            <a:round/>
+            <a:headEnd type="none" w="sm" len="sm"/>
+            <a:tailEnd type="triangle" w="med" len="med"/>
+          </a:ln>
+        </p:spPr>
+      </p:cxnSp>
+      <p:sp>
+        <p:nvSpPr>
+          <p:cNvPr id="46" name="Google Shape;340;p32">
+            <a:extLst>
+              <a:ext uri="{FF2B5EF4-FFF2-40B4-BE49-F238E27FC236}">
+                <a16:creationId xmlns:a16="http://schemas.microsoft.com/office/drawing/2014/main" id="{F0E792BD-6261-9A4D-BB17-98900976E8CD}"/>
               </a:ext>
             </a:extLst>
           </p:cNvPr>
@@ -7674,22 +6721,17 @@
         </p:nvSpPr>
         <p:spPr>
           <a:xfrm>
-            <a:off x="996187" y="2213294"/>
-            <a:ext cx="144670" cy="279106"/>
-          </a:xfrm>
-          <a:prstGeom prst="downArrow">
-            <a:avLst>
-              <a:gd name="adj1" fmla="val 50000"/>
-              <a:gd name="adj2" fmla="val 50000"/>
-            </a:avLst>
+            <a:off x="6770811" y="2903818"/>
+            <a:ext cx="482185" cy="291570"/>
+          </a:xfrm>
+          <a:prstGeom prst="rect">
+            <a:avLst/>
           </a:prstGeom>
           <a:solidFill>
-            <a:schemeClr val="accent1"/>
+            <a:srgbClr val="696774"/>
           </a:solidFill>
           <a:ln w="25400" cap="flat" cmpd="sng">
-            <a:solidFill>
-              <a:srgbClr val="AE4E00"/>
-            </a:solidFill>
+            <a:noFill/>
             <a:prstDash val="solid"/>
             <a:round/>
             <a:headEnd type="none" w="sm" len="sm"/>
@@ -7714,7 +6756,19 @@
               </a:spcAft>
               <a:buNone/>
             </a:pPr>
-            <a:endParaRPr sz="1350" b="0" i="0" u="none" strike="noStrike" cap="none">
+            <a:r>
+              <a:rPr lang="en-US" sz="900" b="0" i="0" u="none" strike="noStrike" cap="none">
+                <a:solidFill>
+                  <a:schemeClr val="lt1"/>
+                </a:solidFill>
+                <a:latin typeface="Arial" panose="020B0604020202020204"/>
+                <a:ea typeface="Arial" panose="020B0604020202020204"/>
+                <a:cs typeface="Arial" panose="020B0604020202020204"/>
+                <a:sym typeface="Arial" panose="020B0604020202020204"/>
+              </a:rPr>
+              <a:t>Codec</a:t>
+            </a:r>
+            <a:endParaRPr sz="1100" b="0" i="0" u="none" strike="noStrike" cap="none">
               <a:solidFill>
                 <a:schemeClr val="lt1"/>
               </a:solidFill>
@@ -7728,10 +6782,10 @@
       </p:sp>
       <p:sp>
         <p:nvSpPr>
-          <p:cNvPr id="54" name="Google Shape;641;p43">
+          <p:cNvPr id="47" name="Google Shape;354;p32">
             <a:extLst>
               <a:ext uri="{FF2B5EF4-FFF2-40B4-BE49-F238E27FC236}">
-                <a16:creationId xmlns:a16="http://schemas.microsoft.com/office/drawing/2014/main" id="{8784F8CB-F1EB-C648-97A7-D7DE30FCEC5C}"/>
+                <a16:creationId xmlns:a16="http://schemas.microsoft.com/office/drawing/2014/main" id="{16A34385-20DB-4046-A262-AE4118F27069}"/>
               </a:ext>
             </a:extLst>
           </p:cNvPr>
@@ -7740,22 +6794,17 @@
         </p:nvSpPr>
         <p:spPr>
           <a:xfrm>
-            <a:off x="996187" y="2790971"/>
-            <a:ext cx="144670" cy="279106"/>
-          </a:xfrm>
-          <a:prstGeom prst="downArrow">
-            <a:avLst>
-              <a:gd name="adj1" fmla="val 50000"/>
-              <a:gd name="adj2" fmla="val 50000"/>
-            </a:avLst>
+            <a:off x="8987566" y="2913444"/>
+            <a:ext cx="482185" cy="281944"/>
+          </a:xfrm>
+          <a:prstGeom prst="rect">
+            <a:avLst/>
           </a:prstGeom>
           <a:solidFill>
-            <a:schemeClr val="accent1"/>
+            <a:srgbClr val="696774"/>
           </a:solidFill>
           <a:ln w="25400" cap="flat" cmpd="sng">
-            <a:solidFill>
-              <a:srgbClr val="AE4E00"/>
-            </a:solidFill>
+            <a:noFill/>
             <a:prstDash val="solid"/>
             <a:round/>
             <a:headEnd type="none" w="sm" len="sm"/>
@@ -7780,7 +6829,19 @@
               </a:spcAft>
               <a:buNone/>
             </a:pPr>
-            <a:endParaRPr sz="1350" b="0" i="0" u="none" strike="noStrike" cap="none">
+            <a:r>
+              <a:rPr lang="en-US" sz="900" b="0" i="0" u="none" strike="noStrike" cap="none" dirty="0">
+                <a:solidFill>
+                  <a:schemeClr val="lt1"/>
+                </a:solidFill>
+                <a:latin typeface="Arial" panose="020B0604020202020204"/>
+                <a:ea typeface="Arial" panose="020B0604020202020204"/>
+                <a:cs typeface="Arial" panose="020B0604020202020204"/>
+                <a:sym typeface="Arial" panose="020B0604020202020204"/>
+              </a:rPr>
+              <a:t>Codec</a:t>
+            </a:r>
+            <a:endParaRPr sz="1100" b="0" i="0" u="none" strike="noStrike" cap="none" dirty="0">
               <a:solidFill>
                 <a:schemeClr val="lt1"/>
               </a:solidFill>
@@ -7792,88 +6853,56 @@
           </a:p>
         </p:txBody>
       </p:sp>
-      <p:sp>
-        <p:nvSpPr>
-          <p:cNvPr id="62" name="Google Shape;642;p43">
+      <p:cxnSp>
+        <p:nvCxnSpPr>
+          <p:cNvPr id="55" name="Google Shape;331;p32">
             <a:extLst>
               <a:ext uri="{FF2B5EF4-FFF2-40B4-BE49-F238E27FC236}">
-                <a16:creationId xmlns:a16="http://schemas.microsoft.com/office/drawing/2014/main" id="{29163F72-80C6-6F44-852D-B7EDC494B32C}"/>
+                <a16:creationId xmlns:a16="http://schemas.microsoft.com/office/drawing/2014/main" id="{BAC22A30-8EA9-E74B-82E2-EBA6BBE42F64}"/>
               </a:ext>
             </a:extLst>
           </p:cNvPr>
-          <p:cNvSpPr/>
+          <p:cNvCxnSpPr>
+            <a:cxnSpLocks/>
+          </p:cNvCxnSpPr>
           <p:nvPr/>
-        </p:nvSpPr>
+        </p:nvCxnSpPr>
         <p:spPr>
           <a:xfrm>
-            <a:off x="996187" y="3390111"/>
-            <a:ext cx="144670" cy="279106"/>
-          </a:xfrm>
-          <a:prstGeom prst="downArrow">
-            <a:avLst>
-              <a:gd name="adj1" fmla="val 50000"/>
-              <a:gd name="adj2" fmla="val 50000"/>
-            </a:avLst>
+            <a:off x="7862350" y="6506119"/>
+            <a:ext cx="276787" cy="0"/>
+          </a:xfrm>
+          <a:prstGeom prst="straightConnector1">
+            <a:avLst/>
           </a:prstGeom>
-          <a:solidFill>
-            <a:schemeClr val="accent1"/>
-          </a:solidFill>
-          <a:ln w="25400" cap="flat" cmpd="sng">
+          <a:noFill/>
+          <a:ln w="28575" cap="flat" cmpd="sng">
             <a:solidFill>
-              <a:srgbClr val="AE4E00"/>
+              <a:srgbClr val="805AFF"/>
             </a:solidFill>
-            <a:prstDash val="solid"/>
+            <a:prstDash val="dash"/>
             <a:round/>
             <a:headEnd type="none" w="sm" len="sm"/>
-            <a:tailEnd type="none" w="sm" len="sm"/>
+            <a:tailEnd type="triangle" w="med" len="med"/>
           </a:ln>
         </p:spPr>
-        <p:txBody>
-          <a:bodyPr spcFirstLastPara="1" wrap="square" lIns="68575" tIns="34275" rIns="68575" bIns="34275" anchor="ctr" anchorCtr="0">
-            <a:noAutofit/>
-          </a:bodyPr>
-          <a:lstStyle/>
-          <a:p>
-            <a:pPr marL="0" marR="0" lvl="0" indent="0" algn="ctr" rtl="0">
-              <a:lnSpc>
-                <a:spcPct val="100000"/>
-              </a:lnSpc>
-              <a:spcBef>
-                <a:spcPts val="0"/>
-              </a:spcBef>
-              <a:spcAft>
-                <a:spcPts val="0"/>
-              </a:spcAft>
-              <a:buNone/>
-            </a:pPr>
-            <a:endParaRPr sz="1350" b="0" i="0" u="none" strike="noStrike" cap="none">
-              <a:solidFill>
-                <a:schemeClr val="lt1"/>
-              </a:solidFill>
-              <a:latin typeface="Arial" panose="020B0604020202020204"/>
-              <a:ea typeface="Arial" panose="020B0604020202020204"/>
-              <a:cs typeface="Arial" panose="020B0604020202020204"/>
-              <a:sym typeface="Arial" panose="020B0604020202020204"/>
-            </a:endParaRPr>
-          </a:p>
-        </p:txBody>
-      </p:sp>
-      <p:sp>
-        <p:nvSpPr>
-          <p:cNvPr id="63" name="Google Shape;639;p43">
+      </p:cxnSp>
+      <p:sp>
+        <p:nvSpPr>
+          <p:cNvPr id="56" name="Google Shape;332;p32">
             <a:extLst>
               <a:ext uri="{FF2B5EF4-FFF2-40B4-BE49-F238E27FC236}">
-                <a16:creationId xmlns:a16="http://schemas.microsoft.com/office/drawing/2014/main" id="{63F84E25-B2AF-B14E-BA16-B11D4E91F55C}"/>
+                <a16:creationId xmlns:a16="http://schemas.microsoft.com/office/drawing/2014/main" id="{23B228BA-8261-684A-8632-D7B278B1951B}"/>
               </a:ext>
             </a:extLst>
           </p:cNvPr>
-          <p:cNvSpPr/>
+          <p:cNvSpPr txBox="1"/>
           <p:nvPr/>
         </p:nvSpPr>
         <p:spPr>
           <a:xfrm>
-            <a:off x="432199" y="4348831"/>
-            <a:ext cx="3246600" cy="300000"/>
+            <a:off x="7787974" y="6194482"/>
+            <a:ext cx="600917" cy="300082"/>
           </a:xfrm>
           <a:prstGeom prst="rect">
             <a:avLst/>
@@ -7902,7 +6931,7 @@
               <a:buNone/>
             </a:pPr>
             <a:r>
-              <a:rPr lang="en-US" sz="1350" b="0" i="0" u="none" strike="noStrike" cap="none" dirty="0" err="1">
+              <a:rPr lang="en-US" sz="1350" b="0" i="0" u="none" strike="noStrike" cap="none">
                 <a:solidFill>
                   <a:srgbClr val="000000"/>
                 </a:solidFill>
@@ -7911,69 +6940,9 @@
                 <a:cs typeface="Arial" panose="020B0604020202020204"/>
                 <a:sym typeface="Arial" panose="020B0604020202020204"/>
               </a:rPr>
-              <a:t>transport.</a:t>
-            </a:r>
-            <a:r>
-              <a:rPr lang="en-US" altLang="zh-CN" sz="1350" b="0" i="0" u="none" strike="noStrike" cap="none" dirty="0" err="1">
-                <a:solidFill>
-                  <a:srgbClr val="000000"/>
-                </a:solidFill>
-                <a:latin typeface="Arial" panose="020B0604020202020204"/>
-                <a:ea typeface="Arial" panose="020B0604020202020204"/>
-                <a:cs typeface="Arial" panose="020B0604020202020204"/>
-                <a:sym typeface="Arial" panose="020B0604020202020204"/>
-              </a:rPr>
-              <a:t>Send</a:t>
-            </a:r>
-            <a:r>
-              <a:rPr lang="en-US" sz="1350" b="0" i="0" u="none" strike="noStrike" cap="none" dirty="0">
-                <a:solidFill>
-                  <a:srgbClr val="000000"/>
-                </a:solidFill>
-                <a:latin typeface="Arial" panose="020B0604020202020204"/>
-                <a:ea typeface="Arial" panose="020B0604020202020204"/>
-                <a:cs typeface="Arial" panose="020B0604020202020204"/>
-                <a:sym typeface="Arial" panose="020B0604020202020204"/>
-              </a:rPr>
-              <a:t> =&gt; </a:t>
-            </a:r>
-            <a:r>
-              <a:rPr lang="zh-CN" altLang="en-US" sz="1350" b="0" i="0" u="none" strike="noStrike" cap="none" dirty="0">
-                <a:solidFill>
-                  <a:srgbClr val="000000"/>
-                </a:solidFill>
-                <a:latin typeface="Arial" panose="020B0604020202020204"/>
-                <a:ea typeface="Arial" panose="020B0604020202020204"/>
-                <a:cs typeface="Arial" panose="020B0604020202020204"/>
-                <a:sym typeface="Arial" panose="020B0604020202020204"/>
-              </a:rPr>
-              <a:t>  </a:t>
-            </a:r>
-            <a:r>
-              <a:rPr lang="en-US" sz="1350" b="0" i="0" u="none" strike="noStrike" cap="none" dirty="0" err="1">
-                <a:solidFill>
-                  <a:srgbClr val="000000"/>
-                </a:solidFill>
-                <a:latin typeface="Arial" panose="020B0604020202020204"/>
-                <a:ea typeface="Arial" panose="020B0604020202020204"/>
-                <a:cs typeface="Arial" panose="020B0604020202020204"/>
-                <a:sym typeface="Arial" panose="020B0604020202020204"/>
-              </a:rPr>
-              <a:t>transport.</a:t>
-            </a:r>
-            <a:r>
-              <a:rPr lang="en-US" altLang="zh-CN" sz="1350" b="0" i="0" u="none" strike="noStrike" cap="none" dirty="0" err="1">
-                <a:solidFill>
-                  <a:srgbClr val="000000"/>
-                </a:solidFill>
-                <a:latin typeface="Arial" panose="020B0604020202020204"/>
-                <a:ea typeface="Arial" panose="020B0604020202020204"/>
-                <a:cs typeface="Arial" panose="020B0604020202020204"/>
-                <a:sym typeface="Arial" panose="020B0604020202020204"/>
-              </a:rPr>
-              <a:t>Recv</a:t>
-            </a:r>
-            <a:endParaRPr sz="1350" b="0" i="0" u="none" strike="noStrike" cap="none" dirty="0">
+              <a:t>init</a:t>
+            </a:r>
+            <a:endParaRPr sz="1350" b="0" i="0" u="none" strike="noStrike" cap="none">
               <a:solidFill>
                 <a:srgbClr val="000000"/>
               </a:solidFill>
@@ -7985,88 +6954,56 @@
           </a:p>
         </p:txBody>
       </p:sp>
-      <p:sp>
-        <p:nvSpPr>
-          <p:cNvPr id="64" name="Google Shape;642;p43">
+      <p:cxnSp>
+        <p:nvCxnSpPr>
+          <p:cNvPr id="57" name="Google Shape;333;p32">
             <a:extLst>
               <a:ext uri="{FF2B5EF4-FFF2-40B4-BE49-F238E27FC236}">
-                <a16:creationId xmlns:a16="http://schemas.microsoft.com/office/drawing/2014/main" id="{B234C1DF-B723-9C4A-BD62-6C489AA28BF6}"/>
+                <a16:creationId xmlns:a16="http://schemas.microsoft.com/office/drawing/2014/main" id="{AB118BC0-AB7D-1345-9DF6-339480419F68}"/>
               </a:ext>
             </a:extLst>
           </p:cNvPr>
-          <p:cNvSpPr/>
+          <p:cNvCxnSpPr>
+            <a:cxnSpLocks/>
+          </p:cNvCxnSpPr>
           <p:nvPr/>
-        </p:nvSpPr>
+        </p:nvCxnSpPr>
         <p:spPr>
           <a:xfrm>
-            <a:off x="985987" y="4059750"/>
-            <a:ext cx="144670" cy="279106"/>
-          </a:xfrm>
-          <a:prstGeom prst="downArrow">
-            <a:avLst>
-              <a:gd name="adj1" fmla="val 50000"/>
-              <a:gd name="adj2" fmla="val 50000"/>
-            </a:avLst>
+            <a:off x="8348161" y="6506119"/>
+            <a:ext cx="276787" cy="0"/>
+          </a:xfrm>
+          <a:prstGeom prst="straightConnector1">
+            <a:avLst/>
           </a:prstGeom>
-          <a:solidFill>
-            <a:schemeClr val="accent1"/>
-          </a:solidFill>
-          <a:ln w="25400" cap="flat" cmpd="sng">
+          <a:noFill/>
+          <a:ln w="28575" cap="flat" cmpd="sng">
             <a:solidFill>
-              <a:srgbClr val="AE4E00"/>
+              <a:srgbClr val="00D4DD"/>
             </a:solidFill>
-            <a:prstDash val="solid"/>
+            <a:prstDash val="dash"/>
             <a:round/>
             <a:headEnd type="none" w="sm" len="sm"/>
-            <a:tailEnd type="none" w="sm" len="sm"/>
+            <a:tailEnd type="triangle" w="med" len="med"/>
           </a:ln>
         </p:spPr>
-        <p:txBody>
-          <a:bodyPr spcFirstLastPara="1" wrap="square" lIns="68575" tIns="34275" rIns="68575" bIns="34275" anchor="ctr" anchorCtr="0">
-            <a:noAutofit/>
-          </a:bodyPr>
-          <a:lstStyle/>
-          <a:p>
-            <a:pPr marL="0" marR="0" lvl="0" indent="0" algn="ctr" rtl="0">
-              <a:lnSpc>
-                <a:spcPct val="100000"/>
-              </a:lnSpc>
-              <a:spcBef>
-                <a:spcPts val="0"/>
-              </a:spcBef>
-              <a:spcAft>
-                <a:spcPts val="0"/>
-              </a:spcAft>
-              <a:buNone/>
-            </a:pPr>
-            <a:endParaRPr sz="1350" b="0" i="0" u="none" strike="noStrike" cap="none">
-              <a:solidFill>
-                <a:schemeClr val="lt1"/>
-              </a:solidFill>
-              <a:latin typeface="Arial" panose="020B0604020202020204"/>
-              <a:ea typeface="Arial" panose="020B0604020202020204"/>
-              <a:cs typeface="Arial" panose="020B0604020202020204"/>
-              <a:sym typeface="Arial" panose="020B0604020202020204"/>
-            </a:endParaRPr>
-          </a:p>
-        </p:txBody>
-      </p:sp>
-      <p:sp>
-        <p:nvSpPr>
-          <p:cNvPr id="65" name="Google Shape;639;p43">
+      </p:cxnSp>
+      <p:sp>
+        <p:nvSpPr>
+          <p:cNvPr id="58" name="Google Shape;334;p32">
             <a:extLst>
               <a:ext uri="{FF2B5EF4-FFF2-40B4-BE49-F238E27FC236}">
-                <a16:creationId xmlns:a16="http://schemas.microsoft.com/office/drawing/2014/main" id="{0C21EB4A-2665-AD43-89B4-CEFB6764A070}"/>
+                <a16:creationId xmlns:a16="http://schemas.microsoft.com/office/drawing/2014/main" id="{1F6DE633-F020-064F-8DC7-513541830E64}"/>
               </a:ext>
             </a:extLst>
           </p:cNvPr>
-          <p:cNvSpPr/>
+          <p:cNvSpPr txBox="1"/>
           <p:nvPr/>
         </p:nvSpPr>
         <p:spPr>
           <a:xfrm>
-            <a:off x="432199" y="5104126"/>
-            <a:ext cx="3246600" cy="300000"/>
+            <a:off x="8242311" y="6181554"/>
+            <a:ext cx="600917" cy="276999"/>
           </a:xfrm>
           <a:prstGeom prst="rect">
             <a:avLst/>
@@ -8095,7 +7032,7 @@
               <a:buNone/>
             </a:pPr>
             <a:r>
-              <a:rPr lang="en-US" sz="1350" b="0" i="0" u="none" strike="noStrike" cap="none" dirty="0" err="1">
+              <a:rPr lang="en-US" sz="1200" b="0" i="0" u="none" strike="noStrike" cap="none">
                 <a:solidFill>
                   <a:srgbClr val="000000"/>
                 </a:solidFill>
@@ -8104,105 +7041,9 @@
                 <a:cs typeface="Arial" panose="020B0604020202020204"/>
                 <a:sym typeface="Arial" panose="020B0604020202020204"/>
               </a:rPr>
-              <a:t>transport.</a:t>
-            </a:r>
-            <a:r>
-              <a:rPr lang="en-US" altLang="zh-CN" sz="1350" b="0" i="0" u="none" strike="noStrike" cap="none" dirty="0" err="1">
-                <a:solidFill>
-                  <a:srgbClr val="000000"/>
-                </a:solidFill>
-                <a:latin typeface="Arial" panose="020B0604020202020204"/>
-                <a:ea typeface="Arial" panose="020B0604020202020204"/>
-                <a:cs typeface="Arial" panose="020B0604020202020204"/>
-                <a:sym typeface="Arial" panose="020B0604020202020204"/>
-              </a:rPr>
-              <a:t>Recv</a:t>
-            </a:r>
-            <a:r>
-              <a:rPr lang="en-US" sz="1350" b="0" i="0" u="none" strike="noStrike" cap="none" dirty="0">
-                <a:solidFill>
-                  <a:srgbClr val="000000"/>
-                </a:solidFill>
-                <a:latin typeface="Arial" panose="020B0604020202020204"/>
-                <a:ea typeface="Arial" panose="020B0604020202020204"/>
-                <a:cs typeface="Arial" panose="020B0604020202020204"/>
-                <a:sym typeface="Arial" panose="020B0604020202020204"/>
-              </a:rPr>
-              <a:t> </a:t>
-            </a:r>
-            <a:r>
-              <a:rPr lang="zh-CN" altLang="en-US" sz="1350" b="0" i="0" u="none" strike="noStrike" cap="none" dirty="0">
-                <a:solidFill>
-                  <a:srgbClr val="000000"/>
-                </a:solidFill>
-                <a:latin typeface="Arial" panose="020B0604020202020204"/>
-                <a:ea typeface="Arial" panose="020B0604020202020204"/>
-                <a:cs typeface="Arial" panose="020B0604020202020204"/>
-                <a:sym typeface="Arial" panose="020B0604020202020204"/>
-              </a:rPr>
-              <a:t> </a:t>
-            </a:r>
-            <a:r>
-              <a:rPr lang="en-US" altLang="zh-CN" sz="1350" b="0" i="0" u="none" strike="noStrike" cap="none" dirty="0">
-                <a:solidFill>
-                  <a:srgbClr val="000000"/>
-                </a:solidFill>
-                <a:latin typeface="Arial" panose="020B0604020202020204"/>
-                <a:ea typeface="Arial" panose="020B0604020202020204"/>
-                <a:cs typeface="Arial" panose="020B0604020202020204"/>
-                <a:sym typeface="Arial" panose="020B0604020202020204"/>
-              </a:rPr>
-              <a:t>&lt;</a:t>
-            </a:r>
-            <a:r>
-              <a:rPr lang="en-US" sz="1350" b="0" i="0" u="none" strike="noStrike" cap="none" dirty="0">
-                <a:solidFill>
-                  <a:srgbClr val="000000"/>
-                </a:solidFill>
-                <a:latin typeface="Arial" panose="020B0604020202020204"/>
-                <a:ea typeface="Arial" panose="020B0604020202020204"/>
-                <a:cs typeface="Arial" panose="020B0604020202020204"/>
-                <a:sym typeface="Arial" panose="020B0604020202020204"/>
-              </a:rPr>
-              <a:t>=</a:t>
-            </a:r>
-            <a:r>
-              <a:rPr lang="zh-CN" altLang="en-US" sz="1350" b="0" i="0" u="none" strike="noStrike" cap="none" dirty="0">
-                <a:solidFill>
-                  <a:srgbClr val="000000"/>
-                </a:solidFill>
-                <a:latin typeface="Arial" panose="020B0604020202020204"/>
-                <a:ea typeface="Arial" panose="020B0604020202020204"/>
-                <a:cs typeface="Arial" panose="020B0604020202020204"/>
-                <a:sym typeface="Arial" panose="020B0604020202020204"/>
-              </a:rPr>
-              <a:t>  </a:t>
-            </a:r>
-            <a:r>
-              <a:rPr lang="en-US" sz="1350" b="0" i="0" u="none" strike="noStrike" cap="none" dirty="0" err="1">
-                <a:solidFill>
-                  <a:srgbClr val="000000"/>
-                </a:solidFill>
-                <a:latin typeface="Arial" panose="020B0604020202020204"/>
-                <a:ea typeface="Arial" panose="020B0604020202020204"/>
-                <a:cs typeface="Arial" panose="020B0604020202020204"/>
-                <a:sym typeface="Arial" panose="020B0604020202020204"/>
-              </a:rPr>
-              <a:t>transport.</a:t>
-            </a:r>
-            <a:r>
-              <a:rPr lang="en-US" altLang="zh-CN" sz="1350" b="0" i="0" u="none" strike="noStrike" cap="none" dirty="0" err="1">
-                <a:solidFill>
-                  <a:srgbClr val="000000"/>
-                </a:solidFill>
-                <a:latin typeface="Arial" panose="020B0604020202020204"/>
-                <a:ea typeface="Arial" panose="020B0604020202020204"/>
-                <a:cs typeface="Arial" panose="020B0604020202020204"/>
-                <a:sym typeface="Arial" panose="020B0604020202020204"/>
-              </a:rPr>
-              <a:t>Send</a:t>
-            </a:r>
-            <a:endParaRPr sz="1350" b="0" i="0" u="none" strike="noStrike" cap="none" dirty="0">
+              <a:t>async</a:t>
+            </a:r>
+            <a:endParaRPr sz="1350" b="0" i="0" u="none" strike="noStrike" cap="none">
               <a:solidFill>
                 <a:srgbClr val="000000"/>
               </a:solidFill>
@@ -8214,49 +7055,72 @@
           </a:p>
         </p:txBody>
       </p:sp>
-      <p:sp>
-        <p:nvSpPr>
-          <p:cNvPr id="66" name="Google Shape;642;p43">
+      <p:cxnSp>
+        <p:nvCxnSpPr>
+          <p:cNvPr id="59" name="Google Shape;335;p32">
             <a:extLst>
               <a:ext uri="{FF2B5EF4-FFF2-40B4-BE49-F238E27FC236}">
-                <a16:creationId xmlns:a16="http://schemas.microsoft.com/office/drawing/2014/main" id="{6A26F3B5-FE36-6542-A161-9FB2B8830503}"/>
+                <a16:creationId xmlns:a16="http://schemas.microsoft.com/office/drawing/2014/main" id="{8F4BDC98-AF61-6042-9924-43BC7A8549D2}"/>
               </a:ext>
             </a:extLst>
           </p:cNvPr>
-          <p:cNvSpPr/>
+          <p:cNvCxnSpPr>
+            <a:cxnSpLocks/>
+          </p:cNvCxnSpPr>
           <p:nvPr/>
-        </p:nvSpPr>
+        </p:nvCxnSpPr>
         <p:spPr>
           <a:xfrm>
-            <a:off x="985987" y="4815045"/>
-            <a:ext cx="144670" cy="279106"/>
-          </a:xfrm>
-          <a:prstGeom prst="downArrow">
-            <a:avLst>
-              <a:gd name="adj1" fmla="val 50000"/>
-              <a:gd name="adj2" fmla="val 50000"/>
-            </a:avLst>
+            <a:off x="8871772" y="6506119"/>
+            <a:ext cx="276787" cy="0"/>
+          </a:xfrm>
+          <a:prstGeom prst="straightConnector1">
+            <a:avLst/>
           </a:prstGeom>
-          <a:solidFill>
-            <a:schemeClr val="accent1"/>
-          </a:solidFill>
-          <a:ln w="25400" cap="flat" cmpd="sng">
+          <a:noFill/>
+          <a:ln w="28575" cap="flat" cmpd="sng">
             <a:solidFill>
-              <a:srgbClr val="AE4E00"/>
+              <a:srgbClr val="00D4DD"/>
             </a:solidFill>
             <a:prstDash val="solid"/>
             <a:round/>
             <a:headEnd type="none" w="sm" len="sm"/>
-            <a:tailEnd type="none" w="sm" len="sm"/>
+            <a:tailEnd type="triangle" w="med" len="med"/>
           </a:ln>
         </p:spPr>
-        <p:txBody>
-          <a:bodyPr spcFirstLastPara="1" wrap="square" lIns="68575" tIns="34275" rIns="68575" bIns="34275" anchor="ctr" anchorCtr="0">
+      </p:cxnSp>
+      <p:sp>
+        <p:nvSpPr>
+          <p:cNvPr id="60" name="Google Shape;336;p32">
+            <a:extLst>
+              <a:ext uri="{FF2B5EF4-FFF2-40B4-BE49-F238E27FC236}">
+                <a16:creationId xmlns:a16="http://schemas.microsoft.com/office/drawing/2014/main" id="{55E5B987-B3FA-714E-8C85-7F6F62742837}"/>
+              </a:ext>
+            </a:extLst>
+          </p:cNvPr>
+          <p:cNvSpPr txBox="1"/>
+          <p:nvPr/>
+        </p:nvSpPr>
+        <p:spPr>
+          <a:xfrm>
+            <a:off x="8805701" y="6187988"/>
+            <a:ext cx="600917" cy="276999"/>
+          </a:xfrm>
+          <a:prstGeom prst="rect">
+            <a:avLst/>
+          </a:prstGeom>
+          <a:noFill/>
+          <a:ln>
+            <a:noFill/>
+          </a:ln>
+        </p:spPr>
+        <p:txBody>
+          <a:bodyPr spcFirstLastPara="1" wrap="square" lIns="91425" tIns="45700" rIns="91425" bIns="45700" anchor="t" anchorCtr="0">
             <a:noAutofit/>
           </a:bodyPr>
           <a:lstStyle/>
           <a:p>
-            <a:pPr marL="0" marR="0" lvl="0" indent="0" algn="ctr" rtl="0">
+            <a:pPr marL="0" marR="0" lvl="0" indent="0" algn="l" rtl="0">
               <a:lnSpc>
                 <a:spcPct val="100000"/>
               </a:lnSpc>
@@ -8268,9 +7132,21 @@
               </a:spcAft>
               <a:buNone/>
             </a:pPr>
+            <a:r>
+              <a:rPr lang="en-US" sz="1200" b="0" i="0" u="none" strike="noStrike" cap="none">
+                <a:solidFill>
+                  <a:srgbClr val="000000"/>
+                </a:solidFill>
+                <a:latin typeface="Arial" panose="020B0604020202020204"/>
+                <a:ea typeface="Arial" panose="020B0604020202020204"/>
+                <a:cs typeface="Arial" panose="020B0604020202020204"/>
+                <a:sym typeface="Arial" panose="020B0604020202020204"/>
+              </a:rPr>
+              <a:t>sync</a:t>
+            </a:r>
             <a:endParaRPr sz="1350" b="0" i="0" u="none" strike="noStrike" cap="none">
               <a:solidFill>
-                <a:schemeClr val="lt1"/>
+                <a:srgbClr val="000000"/>
               </a:solidFill>
               <a:latin typeface="Arial" panose="020B0604020202020204"/>
               <a:ea typeface="Arial" panose="020B0604020202020204"/>
@@ -8280,10 +7156,49 @@
           </a:p>
         </p:txBody>
       </p:sp>
+      <p:sp>
+        <p:nvSpPr>
+          <p:cNvPr id="61" name="文本框 60">
+            <a:extLst>
+              <a:ext uri="{FF2B5EF4-FFF2-40B4-BE49-F238E27FC236}">
+                <a16:creationId xmlns:a16="http://schemas.microsoft.com/office/drawing/2014/main" id="{1AF1CAC6-E4F9-5940-B7C2-96F60C666ABC}"/>
+              </a:ext>
+            </a:extLst>
+          </p:cNvPr>
+          <p:cNvSpPr txBox="1"/>
+          <p:nvPr/>
+        </p:nvSpPr>
+        <p:spPr>
+          <a:xfrm>
+            <a:off x="10869439" y="751916"/>
+            <a:ext cx="1146468" cy="369332"/>
+          </a:xfrm>
+          <a:prstGeom prst="rect">
+            <a:avLst/>
+          </a:prstGeom>
+          <a:noFill/>
+        </p:spPr>
+        <p:txBody>
+          <a:bodyPr wrap="none" rtlCol="0">
+            <a:spAutoFit/>
+          </a:bodyPr>
+          <a:lstStyle/>
+          <a:p>
+            <a:r>
+              <a:rPr kumimoji="1" lang="zh-CN" altLang="en-US" dirty="0">
+                <a:solidFill>
+                  <a:schemeClr val="bg1"/>
+                </a:solidFill>
+              </a:rPr>
+              <a:t>工作模型</a:t>
+            </a:r>
+          </a:p>
+        </p:txBody>
+      </p:sp>
     </p:spTree>
     <p:extLst>
       <p:ext uri="{BB962C8B-B14F-4D97-AF65-F5344CB8AC3E}">
-        <p14:creationId xmlns:p14="http://schemas.microsoft.com/office/powerpoint/2010/main" val="1116015401"/>
+        <p14:creationId xmlns:p14="http://schemas.microsoft.com/office/powerpoint/2010/main" val="1924840428"/>
       </p:ext>
     </p:extLst>
   </p:cSld>
@@ -8315,7 +7230,7 @@
           <p:cNvPr id="2" name="标题 1">
             <a:extLst>
               <a:ext uri="{FF2B5EF4-FFF2-40B4-BE49-F238E27FC236}">
-                <a16:creationId xmlns:a16="http://schemas.microsoft.com/office/drawing/2014/main" id="{A8C03519-6965-274C-BFB9-F99AF25486EC}"/>
+                <a16:creationId xmlns:a16="http://schemas.microsoft.com/office/drawing/2014/main" id="{C75FFD5E-AAB2-EE4F-A005-27D12017E73E}"/>
               </a:ext>
             </a:extLst>
           </p:cNvPr>
@@ -8326,7 +7241,12 @@
             <p:ph type="title"/>
           </p:nvPr>
         </p:nvSpPr>
-        <p:spPr/>
+        <p:spPr>
+          <a:xfrm>
+            <a:off x="152625" y="40262"/>
+            <a:ext cx="10749367" cy="1208868"/>
+          </a:xfrm>
+        </p:spPr>
         <p:txBody>
           <a:bodyPr/>
           <a:lstStyle/>
@@ -8341,12 +7261,51 @@
           </a:p>
         </p:txBody>
       </p:sp>
+      <p:sp>
+        <p:nvSpPr>
+          <p:cNvPr id="61" name="文本框 60">
+            <a:extLst>
+              <a:ext uri="{FF2B5EF4-FFF2-40B4-BE49-F238E27FC236}">
+                <a16:creationId xmlns:a16="http://schemas.microsoft.com/office/drawing/2014/main" id="{1AF1CAC6-E4F9-5940-B7C2-96F60C666ABC}"/>
+              </a:ext>
+            </a:extLst>
+          </p:cNvPr>
+          <p:cNvSpPr txBox="1"/>
+          <p:nvPr/>
+        </p:nvSpPr>
+        <p:spPr>
+          <a:xfrm>
+            <a:off x="10869439" y="751916"/>
+            <a:ext cx="1146468" cy="369332"/>
+          </a:xfrm>
+          <a:prstGeom prst="rect">
+            <a:avLst/>
+          </a:prstGeom>
+          <a:noFill/>
+        </p:spPr>
+        <p:txBody>
+          <a:bodyPr wrap="none" rtlCol="0">
+            <a:spAutoFit/>
+          </a:bodyPr>
+          <a:lstStyle/>
+          <a:p>
+            <a:r>
+              <a:rPr kumimoji="1" lang="zh-CN" altLang="en-US" dirty="0">
+                <a:solidFill>
+                  <a:schemeClr val="bg1"/>
+                </a:solidFill>
+              </a:rPr>
+              <a:t>通信模型</a:t>
+            </a:r>
+          </a:p>
+        </p:txBody>
+      </p:sp>
       <p:pic>
         <p:nvPicPr>
-          <p:cNvPr id="5" name="图片 4">
+          <p:cNvPr id="3" name="图片 2">
             <a:extLst>
               <a:ext uri="{FF2B5EF4-FFF2-40B4-BE49-F238E27FC236}">
-                <a16:creationId xmlns:a16="http://schemas.microsoft.com/office/drawing/2014/main" id="{496966F0-99FE-C646-A02E-DBBDEBBBAC8E}"/>
+                <a16:creationId xmlns:a16="http://schemas.microsoft.com/office/drawing/2014/main" id="{5FC60BDA-2BB1-004A-B7DB-C07322A94D47}"/>
               </a:ext>
             </a:extLst>
           </p:cNvPr>
@@ -8363,8 +7322,8 @@
         </p:blipFill>
         <p:spPr>
           <a:xfrm>
-            <a:off x="7302500" y="1600200"/>
-            <a:ext cx="4445000" cy="4445000"/>
+            <a:off x="5119807" y="1832902"/>
+            <a:ext cx="6896100" cy="4406900"/>
           </a:xfrm>
           <a:prstGeom prst="rect">
             <a:avLst/>
@@ -8373,10 +7332,10 @@
       </p:pic>
       <p:sp>
         <p:nvSpPr>
-          <p:cNvPr id="6" name="object 3">
+          <p:cNvPr id="49" name="Google Shape;636;p43">
             <a:extLst>
               <a:ext uri="{FF2B5EF4-FFF2-40B4-BE49-F238E27FC236}">
-                <a16:creationId xmlns:a16="http://schemas.microsoft.com/office/drawing/2014/main" id="{BFF52AA4-08C0-854C-9120-38A619D34A0D}"/>
+                <a16:creationId xmlns:a16="http://schemas.microsoft.com/office/drawing/2014/main" id="{0288E5D3-4E2F-B249-AA9E-3760EF114001}"/>
               </a:ext>
             </a:extLst>
           </p:cNvPr>
@@ -8385,50 +7344,252 @@
         </p:nvSpPr>
         <p:spPr>
           <a:xfrm>
-            <a:off x="9032240" y="3396615"/>
-            <a:ext cx="985519" cy="852169"/>
+            <a:off x="460300" y="1936025"/>
+            <a:ext cx="2905200" cy="1338900"/>
           </a:xfrm>
           <a:prstGeom prst="rect">
             <a:avLst/>
           </a:prstGeom>
-        </p:spPr>
-        <p:txBody>
-          <a:bodyPr vert="horz" wrap="square" lIns="0" tIns="10795" rIns="0" bIns="0" rtlCol="0">
-            <a:spAutoFit/>
+          <a:noFill/>
+          <a:ln>
+            <a:noFill/>
+          </a:ln>
+        </p:spPr>
+        <p:txBody>
+          <a:bodyPr spcFirstLastPara="1" wrap="square" lIns="91425" tIns="45700" rIns="91425" bIns="45700" anchor="t" anchorCtr="0">
+            <a:noAutofit/>
           </a:bodyPr>
           <a:lstStyle/>
           <a:p>
-            <a:pPr marL="12700" marR="5080" algn="ctr">
+            <a:pPr marL="0" marR="0" lvl="0" indent="0" algn="l" rtl="0">
               <a:lnSpc>
-                <a:spcPct val="101000"/>
+                <a:spcPct val="100000"/>
               </a:lnSpc>
               <a:spcBef>
-                <a:spcPts val="85"/>
+                <a:spcPts val="0"/>
               </a:spcBef>
+              <a:spcAft>
+                <a:spcPts val="0"/>
+              </a:spcAft>
+              <a:buNone/>
             </a:pPr>
             <a:r>
-              <a:rPr sz="1800" b="1" spc="-5" dirty="0">
-                <a:solidFill>
-                  <a:srgbClr val="FFFFFF"/>
-                </a:solidFill>
-                <a:latin typeface="Courier New" panose="02070309020205020404"/>
-                <a:cs typeface="Courier New" panose="02070309020205020404"/>
-              </a:rPr>
-              <a:t>Client  or  Handler</a:t>
-            </a:r>
-            <a:endParaRPr sz="1800" b="1" dirty="0">
-              <a:latin typeface="Courier New" panose="02070309020205020404"/>
-              <a:cs typeface="Courier New" panose="02070309020205020404"/>
+              <a:rPr lang="en-US" altLang="zh-CN" sz="1350" b="0" i="0" u="none" strike="noStrike" cap="none" dirty="0" err="1">
+                <a:solidFill>
+                  <a:srgbClr val="000000"/>
+                </a:solidFill>
+                <a:latin typeface="Arial" panose="020B0604020202020204"/>
+                <a:ea typeface="Arial" panose="020B0604020202020204"/>
+                <a:cs typeface="Arial" panose="020B0604020202020204"/>
+                <a:sym typeface="Arial" panose="020B0604020202020204"/>
+              </a:rPr>
+              <a:t>Service.</a:t>
+            </a:r>
+            <a:r>
+              <a:rPr lang="en-US" sz="1350" b="0" i="0" u="none" strike="noStrike" cap="none" dirty="0" err="1">
+                <a:solidFill>
+                  <a:srgbClr val="000000"/>
+                </a:solidFill>
+                <a:latin typeface="Arial" panose="020B0604020202020204"/>
+                <a:ea typeface="Arial" panose="020B0604020202020204"/>
+                <a:cs typeface="Arial" panose="020B0604020202020204"/>
+                <a:sym typeface="Arial" panose="020B0604020202020204"/>
+              </a:rPr>
+              <a:t>client</a:t>
+            </a:r>
+            <a:r>
+              <a:rPr lang="zh-CN" altLang="en-US" sz="1350" b="0" i="0" u="none" strike="noStrike" cap="none" dirty="0">
+                <a:solidFill>
+                  <a:srgbClr val="000000"/>
+                </a:solidFill>
+                <a:latin typeface="Arial" panose="020B0604020202020204"/>
+                <a:ea typeface="Arial" panose="020B0604020202020204"/>
+                <a:cs typeface="Arial" panose="020B0604020202020204"/>
+                <a:sym typeface="Arial" panose="020B0604020202020204"/>
+              </a:rPr>
+              <a:t>  </a:t>
+            </a:r>
+            <a:r>
+              <a:rPr lang="en-US" sz="1350" b="0" i="0" u="none" strike="noStrike" cap="none" dirty="0">
+                <a:solidFill>
+                  <a:srgbClr val="000000"/>
+                </a:solidFill>
+                <a:latin typeface="Arial" panose="020B0604020202020204"/>
+                <a:ea typeface="Arial" panose="020B0604020202020204"/>
+                <a:cs typeface="Arial" panose="020B0604020202020204"/>
+                <a:sym typeface="Arial" panose="020B0604020202020204"/>
+              </a:rPr>
+              <a:t>=&gt; </a:t>
+            </a:r>
+            <a:r>
+              <a:rPr lang="zh-CN" altLang="en-US" sz="1350" b="0" i="0" u="none" strike="noStrike" cap="none" dirty="0">
+                <a:solidFill>
+                  <a:srgbClr val="000000"/>
+                </a:solidFill>
+                <a:latin typeface="Arial" panose="020B0604020202020204"/>
+                <a:ea typeface="Arial" panose="020B0604020202020204"/>
+                <a:cs typeface="Arial" panose="020B0604020202020204"/>
+                <a:sym typeface="Arial" panose="020B0604020202020204"/>
+              </a:rPr>
+              <a:t>  </a:t>
+            </a:r>
+            <a:r>
+              <a:rPr lang="en-US" altLang="zh-CN" sz="1350" b="0" i="0" u="none" strike="noStrike" cap="none" dirty="0" err="1">
+                <a:solidFill>
+                  <a:srgbClr val="000000"/>
+                </a:solidFill>
+                <a:latin typeface="Arial" panose="020B0604020202020204"/>
+                <a:ea typeface="Arial" panose="020B0604020202020204"/>
+                <a:cs typeface="Arial" panose="020B0604020202020204"/>
+                <a:sym typeface="Arial" panose="020B0604020202020204"/>
+              </a:rPr>
+              <a:t>Service.</a:t>
+            </a:r>
+            <a:r>
+              <a:rPr lang="en-US" sz="1350" b="0" i="0" u="none" strike="noStrike" cap="none" dirty="0" err="1">
+                <a:solidFill>
+                  <a:srgbClr val="000000"/>
+                </a:solidFill>
+                <a:latin typeface="Arial" panose="020B0604020202020204"/>
+                <a:ea typeface="Arial" panose="020B0604020202020204"/>
+                <a:cs typeface="Arial" panose="020B0604020202020204"/>
+                <a:sym typeface="Arial" panose="020B0604020202020204"/>
+              </a:rPr>
+              <a:t>server</a:t>
+            </a:r>
+            <a:endParaRPr lang="en-US" sz="1350" b="0" i="0" u="none" strike="noStrike" cap="none" dirty="0">
+              <a:solidFill>
+                <a:srgbClr val="000000"/>
+              </a:solidFill>
+              <a:latin typeface="Arial" panose="020B0604020202020204"/>
+              <a:ea typeface="Arial" panose="020B0604020202020204"/>
+              <a:cs typeface="Arial" panose="020B0604020202020204"/>
+              <a:sym typeface="Arial" panose="020B0604020202020204"/>
             </a:endParaRPr>
           </a:p>
-        </p:txBody>
-      </p:sp>
-      <p:sp>
-        <p:nvSpPr>
-          <p:cNvPr id="7" name="文本框 6">
+          <a:p>
+            <a:pPr marL="0" marR="0" lvl="0" indent="0" algn="l" rtl="0">
+              <a:lnSpc>
+                <a:spcPct val="100000"/>
+              </a:lnSpc>
+              <a:spcBef>
+                <a:spcPts val="0"/>
+              </a:spcBef>
+              <a:spcAft>
+                <a:spcPts val="0"/>
+              </a:spcAft>
+              <a:buNone/>
+            </a:pPr>
+            <a:endParaRPr sz="1350" b="0" i="0" u="none" strike="noStrike" cap="none" dirty="0">
+              <a:solidFill>
+                <a:srgbClr val="000000"/>
+              </a:solidFill>
+              <a:latin typeface="Arial" panose="020B0604020202020204"/>
+              <a:ea typeface="Arial" panose="020B0604020202020204"/>
+              <a:cs typeface="Arial" panose="020B0604020202020204"/>
+              <a:sym typeface="Arial" panose="020B0604020202020204"/>
+            </a:endParaRPr>
+          </a:p>
+          <a:p>
+            <a:pPr marL="0" marR="0" lvl="0" indent="0" algn="l" rtl="0">
+              <a:lnSpc>
+                <a:spcPct val="100000"/>
+              </a:lnSpc>
+              <a:spcBef>
+                <a:spcPts val="0"/>
+              </a:spcBef>
+              <a:spcAft>
+                <a:spcPts val="0"/>
+              </a:spcAft>
+              <a:buNone/>
+            </a:pPr>
+            <a:endParaRPr sz="1350" b="0" i="0" u="none" strike="noStrike" cap="none" dirty="0">
+              <a:solidFill>
+                <a:srgbClr val="000000"/>
+              </a:solidFill>
+              <a:latin typeface="Arial" panose="020B0604020202020204"/>
+              <a:ea typeface="Arial" panose="020B0604020202020204"/>
+              <a:cs typeface="Arial" panose="020B0604020202020204"/>
+              <a:sym typeface="Arial" panose="020B0604020202020204"/>
+            </a:endParaRPr>
+          </a:p>
+          <a:p>
+            <a:pPr marL="0" marR="0" lvl="0" indent="0" algn="l" rtl="0">
+              <a:lnSpc>
+                <a:spcPct val="100000"/>
+              </a:lnSpc>
+              <a:spcBef>
+                <a:spcPts val="0"/>
+              </a:spcBef>
+              <a:spcAft>
+                <a:spcPts val="0"/>
+              </a:spcAft>
+              <a:buNone/>
+            </a:pPr>
+            <a:endParaRPr sz="1350" b="0" i="0" u="none" strike="noStrike" cap="none" dirty="0">
+              <a:solidFill>
+                <a:srgbClr val="000000"/>
+              </a:solidFill>
+              <a:latin typeface="Arial" panose="020B0604020202020204"/>
+              <a:ea typeface="Arial" panose="020B0604020202020204"/>
+              <a:cs typeface="Arial" panose="020B0604020202020204"/>
+              <a:sym typeface="Arial" panose="020B0604020202020204"/>
+            </a:endParaRPr>
+          </a:p>
+          <a:p>
+            <a:pPr marL="0" marR="0" lvl="0" indent="0" algn="l" rtl="0">
+              <a:lnSpc>
+                <a:spcPct val="100000"/>
+              </a:lnSpc>
+              <a:spcBef>
+                <a:spcPts val="0"/>
+              </a:spcBef>
+              <a:spcAft>
+                <a:spcPts val="0"/>
+              </a:spcAft>
+              <a:buNone/>
+            </a:pPr>
+            <a:endParaRPr sz="1350" b="0" i="0" u="none" strike="noStrike" cap="none" dirty="0">
+              <a:solidFill>
+                <a:srgbClr val="000000"/>
+              </a:solidFill>
+              <a:latin typeface="Arial" panose="020B0604020202020204"/>
+              <a:ea typeface="Arial" panose="020B0604020202020204"/>
+              <a:cs typeface="Arial" panose="020B0604020202020204"/>
+              <a:sym typeface="Arial" panose="020B0604020202020204"/>
+            </a:endParaRPr>
+          </a:p>
+          <a:p>
+            <a:pPr marL="0" marR="0" lvl="0" indent="0" algn="l" rtl="0">
+              <a:lnSpc>
+                <a:spcPct val="100000"/>
+              </a:lnSpc>
+              <a:spcBef>
+                <a:spcPts val="0"/>
+              </a:spcBef>
+              <a:spcAft>
+                <a:spcPts val="0"/>
+              </a:spcAft>
+              <a:buNone/>
+            </a:pPr>
+            <a:endParaRPr sz="1350" b="0" i="0" u="none" strike="noStrike" cap="none" dirty="0">
+              <a:solidFill>
+                <a:srgbClr val="000000"/>
+              </a:solidFill>
+              <a:latin typeface="Arial" panose="020B0604020202020204"/>
+              <a:ea typeface="Arial" panose="020B0604020202020204"/>
+              <a:cs typeface="Arial" panose="020B0604020202020204"/>
+              <a:sym typeface="Arial" panose="020B0604020202020204"/>
+            </a:endParaRPr>
+          </a:p>
+        </p:txBody>
+      </p:sp>
+      <p:sp>
+        <p:nvSpPr>
+          <p:cNvPr id="50" name="Google Shape;637;p43">
             <a:extLst>
               <a:ext uri="{FF2B5EF4-FFF2-40B4-BE49-F238E27FC236}">
-                <a16:creationId xmlns:a16="http://schemas.microsoft.com/office/drawing/2014/main" id="{FB8D6B43-A98C-0441-B3B9-A4F4FF059D96}"/>
+                <a16:creationId xmlns:a16="http://schemas.microsoft.com/office/drawing/2014/main" id="{CD569305-D714-284C-BF33-802FEAE08C68}"/>
               </a:ext>
             </a:extLst>
           </p:cNvPr>
@@ -8437,37 +7598,322 @@
         </p:nvSpPr>
         <p:spPr>
           <a:xfrm>
-            <a:off x="10869439" y="751916"/>
-            <a:ext cx="877163" cy="369332"/>
+            <a:off x="460300" y="2492400"/>
+            <a:ext cx="3095700" cy="507900"/>
           </a:xfrm>
           <a:prstGeom prst="rect">
             <a:avLst/>
           </a:prstGeom>
           <a:noFill/>
-        </p:spPr>
-        <p:txBody>
-          <a:bodyPr wrap="none" rtlCol="0">
-            <a:spAutoFit/>
+          <a:ln>
+            <a:noFill/>
+          </a:ln>
+        </p:spPr>
+        <p:txBody>
+          <a:bodyPr spcFirstLastPara="1" wrap="square" lIns="91425" tIns="45700" rIns="91425" bIns="45700" anchor="t" anchorCtr="0">
+            <a:noAutofit/>
           </a:bodyPr>
           <a:lstStyle/>
           <a:p>
-            <a:r>
-              <a:rPr kumimoji="1" lang="zh-CN" altLang="en-US" dirty="0">
-                <a:solidFill>
-                  <a:schemeClr val="bg1"/>
-                </a:solidFill>
-              </a:rPr>
-              <a:t>包装器</a:t>
-            </a:r>
-          </a:p>
-        </p:txBody>
-      </p:sp>
-      <p:sp>
-        <p:nvSpPr>
-          <p:cNvPr id="12" name="矩形 11">
+            <a:pPr marL="0" marR="0" lvl="0" indent="0" algn="l" rtl="0">
+              <a:lnSpc>
+                <a:spcPct val="100000"/>
+              </a:lnSpc>
+              <a:spcBef>
+                <a:spcPts val="0"/>
+              </a:spcBef>
+              <a:spcAft>
+                <a:spcPts val="0"/>
+              </a:spcAft>
+              <a:buNone/>
+            </a:pPr>
+            <a:r>
+              <a:rPr lang="en-US" sz="1350" b="0" i="0" u="none" strike="noStrike" cap="none" dirty="0" err="1">
+                <a:solidFill>
+                  <a:srgbClr val="000000"/>
+                </a:solidFill>
+                <a:latin typeface="Arial" panose="020B0604020202020204"/>
+                <a:ea typeface="Arial" panose="020B0604020202020204"/>
+                <a:cs typeface="Arial" panose="020B0604020202020204"/>
+                <a:sym typeface="Arial" panose="020B0604020202020204"/>
+              </a:rPr>
+              <a:t>client.Call</a:t>
+            </a:r>
+            <a:r>
+              <a:rPr lang="en-US" sz="1350" b="0" i="0" u="none" strike="noStrike" cap="none" dirty="0">
+                <a:solidFill>
+                  <a:srgbClr val="000000"/>
+                </a:solidFill>
+                <a:latin typeface="Arial" panose="020B0604020202020204"/>
+                <a:ea typeface="Arial" panose="020B0604020202020204"/>
+                <a:cs typeface="Arial" panose="020B0604020202020204"/>
+                <a:sym typeface="Arial" panose="020B0604020202020204"/>
+              </a:rPr>
+              <a:t> </a:t>
+            </a:r>
+            <a:r>
+              <a:rPr lang="zh-CN" altLang="en-US" sz="1350" b="0" i="0" u="none" strike="noStrike" cap="none" dirty="0">
+                <a:solidFill>
+                  <a:srgbClr val="000000"/>
+                </a:solidFill>
+                <a:latin typeface="Arial" panose="020B0604020202020204"/>
+                <a:ea typeface="Arial" panose="020B0604020202020204"/>
+                <a:cs typeface="Arial" panose="020B0604020202020204"/>
+                <a:sym typeface="Arial" panose="020B0604020202020204"/>
+              </a:rPr>
+              <a:t>       </a:t>
+            </a:r>
+            <a:r>
+              <a:rPr lang="en-US" sz="1350" b="0" i="0" u="none" strike="noStrike" cap="none" dirty="0">
+                <a:solidFill>
+                  <a:srgbClr val="000000"/>
+                </a:solidFill>
+                <a:latin typeface="Arial" panose="020B0604020202020204"/>
+                <a:ea typeface="Arial" panose="020B0604020202020204"/>
+                <a:cs typeface="Arial" panose="020B0604020202020204"/>
+                <a:sym typeface="Arial" panose="020B0604020202020204"/>
+              </a:rPr>
+              <a:t>=&gt;</a:t>
+            </a:r>
+            <a:r>
+              <a:rPr lang="zh-CN" altLang="en-US" sz="1350" b="0" i="0" u="none" strike="noStrike" cap="none" dirty="0">
+                <a:solidFill>
+                  <a:srgbClr val="000000"/>
+                </a:solidFill>
+                <a:latin typeface="Arial" panose="020B0604020202020204"/>
+                <a:ea typeface="Arial" panose="020B0604020202020204"/>
+                <a:cs typeface="Arial" panose="020B0604020202020204"/>
+                <a:sym typeface="Arial" panose="020B0604020202020204"/>
+              </a:rPr>
+              <a:t>  </a:t>
+            </a:r>
+            <a:r>
+              <a:rPr lang="en-US" sz="1350" b="0" i="0" u="none" strike="noStrike" cap="none" dirty="0">
+                <a:solidFill>
+                  <a:srgbClr val="000000"/>
+                </a:solidFill>
+                <a:latin typeface="Arial" panose="020B0604020202020204"/>
+                <a:ea typeface="Arial" panose="020B0604020202020204"/>
+                <a:cs typeface="Arial" panose="020B0604020202020204"/>
+                <a:sym typeface="Arial" panose="020B0604020202020204"/>
+              </a:rPr>
+              <a:t> </a:t>
+            </a:r>
+            <a:r>
+              <a:rPr lang="en-US" sz="1350" b="0" i="0" u="none" strike="noStrike" cap="none" dirty="0" err="1">
+                <a:solidFill>
+                  <a:srgbClr val="000000"/>
+                </a:solidFill>
+                <a:latin typeface="Arial" panose="020B0604020202020204"/>
+                <a:ea typeface="Arial" panose="020B0604020202020204"/>
+                <a:cs typeface="Arial" panose="020B0604020202020204"/>
+                <a:sym typeface="Arial" panose="020B0604020202020204"/>
+              </a:rPr>
+              <a:t>server.Handler</a:t>
+            </a:r>
+            <a:endParaRPr sz="1350" b="0" i="0" u="none" strike="noStrike" cap="none" dirty="0">
+              <a:solidFill>
+                <a:srgbClr val="000000"/>
+              </a:solidFill>
+              <a:latin typeface="Arial" panose="020B0604020202020204"/>
+              <a:ea typeface="Arial" panose="020B0604020202020204"/>
+              <a:cs typeface="Arial" panose="020B0604020202020204"/>
+              <a:sym typeface="Arial" panose="020B0604020202020204"/>
+            </a:endParaRPr>
+          </a:p>
+          <a:p>
+            <a:pPr marL="0" marR="0" lvl="0" indent="0" algn="l" rtl="0">
+              <a:lnSpc>
+                <a:spcPct val="100000"/>
+              </a:lnSpc>
+              <a:spcBef>
+                <a:spcPts val="0"/>
+              </a:spcBef>
+              <a:spcAft>
+                <a:spcPts val="0"/>
+              </a:spcAft>
+              <a:buNone/>
+            </a:pPr>
+            <a:endParaRPr sz="1350" b="0" i="0" u="none" strike="noStrike" cap="none" dirty="0">
+              <a:solidFill>
+                <a:srgbClr val="000000"/>
+              </a:solidFill>
+              <a:latin typeface="Arial" panose="020B0604020202020204"/>
+              <a:ea typeface="Arial" panose="020B0604020202020204"/>
+              <a:cs typeface="Arial" panose="020B0604020202020204"/>
+              <a:sym typeface="Arial" panose="020B0604020202020204"/>
+            </a:endParaRPr>
+          </a:p>
+        </p:txBody>
+      </p:sp>
+      <p:sp>
+        <p:nvSpPr>
+          <p:cNvPr id="51" name="Google Shape;638;p43">
             <a:extLst>
               <a:ext uri="{FF2B5EF4-FFF2-40B4-BE49-F238E27FC236}">
-                <a16:creationId xmlns:a16="http://schemas.microsoft.com/office/drawing/2014/main" id="{99D7B3C2-67C5-8841-9B2D-78C763B0EAD2}"/>
+                <a16:creationId xmlns:a16="http://schemas.microsoft.com/office/drawing/2014/main" id="{EA5AF44C-CE57-4E46-A443-5E9DBD0BA86D}"/>
+              </a:ext>
+            </a:extLst>
+          </p:cNvPr>
+          <p:cNvSpPr txBox="1"/>
+          <p:nvPr/>
+        </p:nvSpPr>
+        <p:spPr>
+          <a:xfrm>
+            <a:off x="432199" y="3021764"/>
+            <a:ext cx="3267000" cy="507900"/>
+          </a:xfrm>
+          <a:prstGeom prst="rect">
+            <a:avLst/>
+          </a:prstGeom>
+          <a:noFill/>
+          <a:ln>
+            <a:noFill/>
+          </a:ln>
+        </p:spPr>
+        <p:txBody>
+          <a:bodyPr spcFirstLastPara="1" wrap="square" lIns="91425" tIns="45700" rIns="91425" bIns="45700" anchor="t" anchorCtr="0">
+            <a:noAutofit/>
+          </a:bodyPr>
+          <a:lstStyle/>
+          <a:p>
+            <a:pPr marL="0" marR="0" lvl="0" indent="0" algn="l" rtl="0">
+              <a:lnSpc>
+                <a:spcPct val="100000"/>
+              </a:lnSpc>
+              <a:spcBef>
+                <a:spcPts val="0"/>
+              </a:spcBef>
+              <a:spcAft>
+                <a:spcPts val="0"/>
+              </a:spcAft>
+              <a:buNone/>
+            </a:pPr>
+            <a:r>
+              <a:rPr lang="en-US" sz="1350" b="0" i="0" u="none" strike="noStrike" cap="none" dirty="0" err="1">
+                <a:solidFill>
+                  <a:srgbClr val="000000"/>
+                </a:solidFill>
+                <a:latin typeface="Arial" panose="020B0604020202020204"/>
+                <a:ea typeface="Arial" panose="020B0604020202020204"/>
+                <a:cs typeface="Arial" panose="020B0604020202020204"/>
+                <a:sym typeface="Arial" panose="020B0604020202020204"/>
+              </a:rPr>
+              <a:t>transport.client</a:t>
+            </a:r>
+            <a:r>
+              <a:rPr lang="en-US" sz="1350" b="0" i="0" u="none" strike="noStrike" cap="none" dirty="0">
+                <a:solidFill>
+                  <a:srgbClr val="000000"/>
+                </a:solidFill>
+                <a:latin typeface="Arial" panose="020B0604020202020204"/>
+                <a:ea typeface="Arial" panose="020B0604020202020204"/>
+                <a:cs typeface="Arial" panose="020B0604020202020204"/>
+                <a:sym typeface="Arial" panose="020B0604020202020204"/>
+              </a:rPr>
+              <a:t> =&gt; </a:t>
+            </a:r>
+            <a:r>
+              <a:rPr lang="zh-CN" altLang="en-US" sz="1350" b="0" i="0" u="none" strike="noStrike" cap="none" dirty="0">
+                <a:solidFill>
+                  <a:srgbClr val="000000"/>
+                </a:solidFill>
+                <a:latin typeface="Arial" panose="020B0604020202020204"/>
+                <a:ea typeface="Arial" panose="020B0604020202020204"/>
+                <a:cs typeface="Arial" panose="020B0604020202020204"/>
+                <a:sym typeface="Arial" panose="020B0604020202020204"/>
+              </a:rPr>
+              <a:t>  </a:t>
+            </a:r>
+            <a:r>
+              <a:rPr lang="en-US" sz="1350" b="0" i="0" u="none" strike="noStrike" cap="none" dirty="0" err="1">
+                <a:solidFill>
+                  <a:srgbClr val="000000"/>
+                </a:solidFill>
+                <a:latin typeface="Arial" panose="020B0604020202020204"/>
+                <a:ea typeface="Arial" panose="020B0604020202020204"/>
+                <a:cs typeface="Arial" panose="020B0604020202020204"/>
+                <a:sym typeface="Arial" panose="020B0604020202020204"/>
+              </a:rPr>
+              <a:t>transport.</a:t>
+            </a:r>
+            <a:r>
+              <a:rPr lang="en-US" altLang="zh-CN" sz="1350" b="0" i="0" u="none" strike="noStrike" cap="none" dirty="0" err="1">
+                <a:solidFill>
+                  <a:srgbClr val="000000"/>
+                </a:solidFill>
+                <a:latin typeface="Arial" panose="020B0604020202020204"/>
+                <a:ea typeface="Arial" panose="020B0604020202020204"/>
+                <a:cs typeface="Arial" panose="020B0604020202020204"/>
+                <a:sym typeface="Arial" panose="020B0604020202020204"/>
+              </a:rPr>
+              <a:t>tr</a:t>
+            </a:r>
+            <a:r>
+              <a:rPr lang="en-US" altLang="zh-CN" sz="1350" dirty="0" err="1">
+                <a:solidFill>
+                  <a:srgbClr val="000000"/>
+                </a:solidFill>
+                <a:latin typeface="Arial" panose="020B0604020202020204"/>
+                <a:ea typeface="Arial" panose="020B0604020202020204"/>
+                <a:cs typeface="Arial" panose="020B0604020202020204"/>
+                <a:sym typeface="Arial" panose="020B0604020202020204"/>
+              </a:rPr>
+              <a:t>L</a:t>
+            </a:r>
+            <a:r>
+              <a:rPr lang="en-US" sz="1350" b="0" i="0" u="none" strike="noStrike" cap="none" dirty="0" err="1">
+                <a:solidFill>
+                  <a:srgbClr val="000000"/>
+                </a:solidFill>
+                <a:latin typeface="Arial" panose="020B0604020202020204"/>
+                <a:ea typeface="Arial" panose="020B0604020202020204"/>
+                <a:cs typeface="Arial" panose="020B0604020202020204"/>
+                <a:sym typeface="Arial" panose="020B0604020202020204"/>
+              </a:rPr>
+              <a:t>istener</a:t>
+            </a:r>
+            <a:endParaRPr sz="1350" b="0" i="0" u="none" strike="noStrike" cap="none" dirty="0">
+              <a:solidFill>
+                <a:srgbClr val="000000"/>
+              </a:solidFill>
+              <a:latin typeface="Arial" panose="020B0604020202020204"/>
+              <a:ea typeface="Arial" panose="020B0604020202020204"/>
+              <a:cs typeface="Arial" panose="020B0604020202020204"/>
+              <a:sym typeface="Arial" panose="020B0604020202020204"/>
+            </a:endParaRPr>
+          </a:p>
+          <a:p>
+            <a:pPr marL="0" marR="0" lvl="0" indent="0" algn="l" rtl="0">
+              <a:lnSpc>
+                <a:spcPct val="100000"/>
+              </a:lnSpc>
+              <a:spcBef>
+                <a:spcPts val="0"/>
+              </a:spcBef>
+              <a:spcAft>
+                <a:spcPts val="0"/>
+              </a:spcAft>
+              <a:buNone/>
+            </a:pPr>
+            <a:endParaRPr sz="1350" b="0" i="0" u="none" strike="noStrike" cap="none" dirty="0">
+              <a:solidFill>
+                <a:srgbClr val="000000"/>
+              </a:solidFill>
+              <a:latin typeface="Arial" panose="020B0604020202020204"/>
+              <a:ea typeface="Arial" panose="020B0604020202020204"/>
+              <a:cs typeface="Arial" panose="020B0604020202020204"/>
+              <a:sym typeface="Arial" panose="020B0604020202020204"/>
+            </a:endParaRPr>
+          </a:p>
+        </p:txBody>
+      </p:sp>
+      <p:sp>
+        <p:nvSpPr>
+          <p:cNvPr id="52" name="Google Shape;639;p43">
+            <a:extLst>
+              <a:ext uri="{FF2B5EF4-FFF2-40B4-BE49-F238E27FC236}">
+                <a16:creationId xmlns:a16="http://schemas.microsoft.com/office/drawing/2014/main" id="{46621FD7-DF2E-2442-86F9-DD03C49A804B}"/>
               </a:ext>
             </a:extLst>
           </p:cNvPr>
@@ -8476,319 +7922,735 @@
         </p:nvSpPr>
         <p:spPr>
           <a:xfrm>
-            <a:off x="523751" y="1695748"/>
-            <a:ext cx="4706171" cy="3993852"/>
+            <a:off x="442399" y="3679192"/>
+            <a:ext cx="3246600" cy="300000"/>
           </a:xfrm>
           <a:prstGeom prst="rect">
             <a:avLst/>
           </a:prstGeom>
-        </p:spPr>
-        <p:txBody>
-          <a:bodyPr vert="horz" lIns="91440" tIns="45720" rIns="91440" bIns="45720" rtlCol="0">
+          <a:noFill/>
+          <a:ln>
+            <a:noFill/>
+          </a:ln>
+        </p:spPr>
+        <p:txBody>
+          <a:bodyPr spcFirstLastPara="1" wrap="square" lIns="91425" tIns="45700" rIns="91425" bIns="45700" anchor="t" anchorCtr="0">
             <a:noAutofit/>
           </a:bodyPr>
           <a:lstStyle/>
           <a:p>
-            <a:pPr>
+            <a:pPr marL="0" marR="0" lvl="0" indent="0" algn="l" rtl="0">
               <a:lnSpc>
-                <a:spcPct val="150000"/>
+                <a:spcPct val="100000"/>
               </a:lnSpc>
               <a:spcBef>
-                <a:spcPts val="500"/>
+                <a:spcPts val="0"/>
               </a:spcBef>
               <a:spcAft>
-                <a:spcPts val="1200"/>
+                <a:spcPts val="0"/>
               </a:spcAft>
+              <a:buNone/>
             </a:pPr>
             <a:r>
-              <a:rPr lang="zh-CN" altLang="en-US" sz="1600" dirty="0">
-                <a:solidFill>
-                  <a:schemeClr val="tx1">
-                    <a:lumMod val="65000"/>
-                    <a:lumOff val="35000"/>
-                  </a:schemeClr>
-                </a:solidFill>
-                <a:latin typeface="Microsoft YaHei UI" panose="020B0503020204020204" pitchFamily="34" charset="-122"/>
-                <a:ea typeface="Microsoft YaHei UI" panose="020B0503020204020204" pitchFamily="34" charset="-122"/>
-                <a:cs typeface="Arial" panose="020B0604020202020204" pitchFamily="34" charset="0"/>
-              </a:rPr>
-              <a:t>特性：</a:t>
-            </a:r>
-            <a:endParaRPr lang="en-US" altLang="zh-CN" sz="1600" dirty="0">
+              <a:rPr lang="en-US" sz="1350" b="0" i="0" u="none" strike="noStrike" cap="none" dirty="0" err="1">
+                <a:solidFill>
+                  <a:srgbClr val="000000"/>
+                </a:solidFill>
+                <a:latin typeface="Arial" panose="020B0604020202020204"/>
+                <a:ea typeface="Arial" panose="020B0604020202020204"/>
+                <a:cs typeface="Arial" panose="020B0604020202020204"/>
+                <a:sym typeface="Arial" panose="020B0604020202020204"/>
+              </a:rPr>
+              <a:t>transport.Dial</a:t>
+            </a:r>
+            <a:r>
+              <a:rPr lang="en-US" sz="1350" b="0" i="0" u="none" strike="noStrike" cap="none" dirty="0">
+                <a:solidFill>
+                  <a:srgbClr val="000000"/>
+                </a:solidFill>
+                <a:latin typeface="Arial" panose="020B0604020202020204"/>
+                <a:ea typeface="Arial" panose="020B0604020202020204"/>
+                <a:cs typeface="Arial" panose="020B0604020202020204"/>
+                <a:sym typeface="Arial" panose="020B0604020202020204"/>
+              </a:rPr>
+              <a:t> </a:t>
+            </a:r>
+            <a:r>
+              <a:rPr lang="zh-CN" altLang="en-US" sz="1350" b="0" i="0" u="none" strike="noStrike" cap="none" dirty="0">
+                <a:solidFill>
+                  <a:srgbClr val="000000"/>
+                </a:solidFill>
+                <a:latin typeface="Arial" panose="020B0604020202020204"/>
+                <a:ea typeface="Arial" panose="020B0604020202020204"/>
+                <a:cs typeface="Arial" panose="020B0604020202020204"/>
+                <a:sym typeface="Arial" panose="020B0604020202020204"/>
+              </a:rPr>
+              <a:t>  </a:t>
+            </a:r>
+            <a:r>
+              <a:rPr lang="en-US" sz="1350" b="0" i="0" u="none" strike="noStrike" cap="none" dirty="0">
+                <a:solidFill>
+                  <a:srgbClr val="000000"/>
+                </a:solidFill>
+                <a:latin typeface="Arial" panose="020B0604020202020204"/>
+                <a:ea typeface="Arial" panose="020B0604020202020204"/>
+                <a:cs typeface="Arial" panose="020B0604020202020204"/>
+                <a:sym typeface="Arial" panose="020B0604020202020204"/>
+              </a:rPr>
+              <a:t>=&gt; </a:t>
+            </a:r>
+            <a:r>
+              <a:rPr lang="zh-CN" altLang="en-US" sz="1350" b="0" i="0" u="none" strike="noStrike" cap="none" dirty="0">
+                <a:solidFill>
+                  <a:srgbClr val="000000"/>
+                </a:solidFill>
+                <a:latin typeface="Arial" panose="020B0604020202020204"/>
+                <a:ea typeface="Arial" panose="020B0604020202020204"/>
+                <a:cs typeface="Arial" panose="020B0604020202020204"/>
+                <a:sym typeface="Arial" panose="020B0604020202020204"/>
+              </a:rPr>
+              <a:t>  </a:t>
+            </a:r>
+            <a:r>
+              <a:rPr lang="en-US" sz="1350" b="0" i="0" u="none" strike="noStrike" cap="none" dirty="0" err="1">
+                <a:solidFill>
+                  <a:srgbClr val="000000"/>
+                </a:solidFill>
+                <a:latin typeface="Arial" panose="020B0604020202020204"/>
+                <a:ea typeface="Arial" panose="020B0604020202020204"/>
+                <a:cs typeface="Arial" panose="020B0604020202020204"/>
+                <a:sym typeface="Arial" panose="020B0604020202020204"/>
+              </a:rPr>
+              <a:t>transport.Accept</a:t>
+            </a:r>
+            <a:endParaRPr sz="1350" b="0" i="0" u="none" strike="noStrike" cap="none" dirty="0">
               <a:solidFill>
-                <a:schemeClr val="tx1">
-                  <a:lumMod val="65000"/>
-                  <a:lumOff val="35000"/>
-                </a:schemeClr>
+                <a:srgbClr val="000000"/>
               </a:solidFill>
-              <a:latin typeface="Microsoft YaHei UI" panose="020B0503020204020204" pitchFamily="34" charset="-122"/>
-              <a:ea typeface="Microsoft YaHei UI" panose="020B0503020204020204" pitchFamily="34" charset="-122"/>
-              <a:cs typeface="Arial" panose="020B0604020202020204" pitchFamily="34" charset="0"/>
+              <a:latin typeface="Arial" panose="020B0604020202020204"/>
+              <a:ea typeface="Arial" panose="020B0604020202020204"/>
+              <a:cs typeface="Arial" panose="020B0604020202020204"/>
+              <a:sym typeface="Arial" panose="020B0604020202020204"/>
             </a:endParaRPr>
           </a:p>
-          <a:p>
-            <a:pPr marL="800100" lvl="1" indent="-342900">
+        </p:txBody>
+      </p:sp>
+      <p:sp>
+        <p:nvSpPr>
+          <p:cNvPr id="53" name="Google Shape;640;p43">
+            <a:extLst>
+              <a:ext uri="{FF2B5EF4-FFF2-40B4-BE49-F238E27FC236}">
+                <a16:creationId xmlns:a16="http://schemas.microsoft.com/office/drawing/2014/main" id="{8D9104F8-A67E-1A4D-AB3B-FEA930376279}"/>
+              </a:ext>
+            </a:extLst>
+          </p:cNvPr>
+          <p:cNvSpPr/>
+          <p:nvPr/>
+        </p:nvSpPr>
+        <p:spPr>
+          <a:xfrm>
+            <a:off x="996187" y="2213294"/>
+            <a:ext cx="144670" cy="279106"/>
+          </a:xfrm>
+          <a:prstGeom prst="downArrow">
+            <a:avLst>
+              <a:gd name="adj1" fmla="val 50000"/>
+              <a:gd name="adj2" fmla="val 50000"/>
+            </a:avLst>
+          </a:prstGeom>
+          <a:solidFill>
+            <a:schemeClr val="accent1"/>
+          </a:solidFill>
+          <a:ln w="25400" cap="flat" cmpd="sng">
+            <a:solidFill>
+              <a:srgbClr val="AE4E00"/>
+            </a:solidFill>
+            <a:prstDash val="solid"/>
+            <a:round/>
+            <a:headEnd type="none" w="sm" len="sm"/>
+            <a:tailEnd type="none" w="sm" len="sm"/>
+          </a:ln>
+        </p:spPr>
+        <p:txBody>
+          <a:bodyPr spcFirstLastPara="1" wrap="square" lIns="68575" tIns="34275" rIns="68575" bIns="34275" anchor="ctr" anchorCtr="0">
+            <a:noAutofit/>
+          </a:bodyPr>
+          <a:lstStyle/>
+          <a:p>
+            <a:pPr marL="0" marR="0" lvl="0" indent="0" algn="ctr" rtl="0">
+              <a:lnSpc>
+                <a:spcPct val="100000"/>
+              </a:lnSpc>
               <a:spcBef>
-                <a:spcPts val="500"/>
+                <a:spcPts val="0"/>
               </a:spcBef>
               <a:spcAft>
-                <a:spcPts val="1200"/>
+                <a:spcPts val="0"/>
               </a:spcAft>
-              <a:buFont typeface="Arial" panose="020B0604020202020204" pitchFamily="34" charset="0"/>
-              <a:buAutoNum type="arabicPeriod"/>
+              <a:buNone/>
             </a:pPr>
-            <a:r>
-              <a:rPr lang="zh-CN" altLang="en-US" sz="1600" dirty="0">
-                <a:solidFill>
-                  <a:schemeClr val="tx1">
-                    <a:lumMod val="65000"/>
-                    <a:lumOff val="35000"/>
-                  </a:schemeClr>
-                </a:solidFill>
-                <a:latin typeface="Microsoft YaHei UI" panose="020B0503020204020204" pitchFamily="34" charset="-122"/>
-                <a:ea typeface="Microsoft YaHei UI" panose="020B0503020204020204" pitchFamily="34" charset="-122"/>
-                <a:cs typeface="Arial" panose="020B0604020202020204" pitchFamily="34" charset="0"/>
-                <a:sym typeface="Arial" panose="020B0604020202020204"/>
-              </a:rPr>
-              <a:t>请求</a:t>
-            </a:r>
-            <a:r>
-              <a:rPr lang="en-US" altLang="zh-CN" sz="1600" dirty="0" err="1">
-                <a:solidFill>
-                  <a:schemeClr val="tx1">
-                    <a:lumMod val="65000"/>
-                    <a:lumOff val="35000"/>
-                  </a:schemeClr>
-                </a:solidFill>
-                <a:latin typeface="Microsoft YaHei UI" panose="020B0503020204020204" pitchFamily="34" charset="-122"/>
-                <a:ea typeface="Microsoft YaHei UI" panose="020B0503020204020204" pitchFamily="34" charset="-122"/>
-                <a:cs typeface="Arial" panose="020B0604020202020204" pitchFamily="34" charset="0"/>
-                <a:sym typeface="Arial" panose="020B0604020202020204"/>
-              </a:rPr>
-              <a:t>认证</a:t>
-            </a:r>
-            <a:endParaRPr lang="en-US" altLang="zh-CN" sz="1600" dirty="0">
+            <a:endParaRPr sz="1350" b="0" i="0" u="none" strike="noStrike" cap="none">
               <a:solidFill>
-                <a:schemeClr val="tx1">
-                  <a:lumMod val="65000"/>
-                  <a:lumOff val="35000"/>
-                </a:schemeClr>
+                <a:schemeClr val="lt1"/>
               </a:solidFill>
-              <a:latin typeface="Microsoft YaHei UI" panose="020B0503020204020204" pitchFamily="34" charset="-122"/>
-              <a:ea typeface="Microsoft YaHei UI" panose="020B0503020204020204" pitchFamily="34" charset="-122"/>
-              <a:cs typeface="Arial" panose="020B0604020202020204" pitchFamily="34" charset="0"/>
+              <a:latin typeface="Arial" panose="020B0604020202020204"/>
+              <a:ea typeface="Arial" panose="020B0604020202020204"/>
+              <a:cs typeface="Arial" panose="020B0604020202020204"/>
               <a:sym typeface="Arial" panose="020B0604020202020204"/>
             </a:endParaRPr>
           </a:p>
-          <a:p>
-            <a:pPr marL="800100" lvl="1" indent="-342900">
+        </p:txBody>
+      </p:sp>
+      <p:sp>
+        <p:nvSpPr>
+          <p:cNvPr id="54" name="Google Shape;641;p43">
+            <a:extLst>
+              <a:ext uri="{FF2B5EF4-FFF2-40B4-BE49-F238E27FC236}">
+                <a16:creationId xmlns:a16="http://schemas.microsoft.com/office/drawing/2014/main" id="{8784F8CB-F1EB-C648-97A7-D7DE30FCEC5C}"/>
+              </a:ext>
+            </a:extLst>
+          </p:cNvPr>
+          <p:cNvSpPr/>
+          <p:nvPr/>
+        </p:nvSpPr>
+        <p:spPr>
+          <a:xfrm>
+            <a:off x="996187" y="2790971"/>
+            <a:ext cx="144670" cy="279106"/>
+          </a:xfrm>
+          <a:prstGeom prst="downArrow">
+            <a:avLst>
+              <a:gd name="adj1" fmla="val 50000"/>
+              <a:gd name="adj2" fmla="val 50000"/>
+            </a:avLst>
+          </a:prstGeom>
+          <a:solidFill>
+            <a:schemeClr val="accent1"/>
+          </a:solidFill>
+          <a:ln w="25400" cap="flat" cmpd="sng">
+            <a:solidFill>
+              <a:srgbClr val="AE4E00"/>
+            </a:solidFill>
+            <a:prstDash val="solid"/>
+            <a:round/>
+            <a:headEnd type="none" w="sm" len="sm"/>
+            <a:tailEnd type="none" w="sm" len="sm"/>
+          </a:ln>
+        </p:spPr>
+        <p:txBody>
+          <a:bodyPr spcFirstLastPara="1" wrap="square" lIns="68575" tIns="34275" rIns="68575" bIns="34275" anchor="ctr" anchorCtr="0">
+            <a:noAutofit/>
+          </a:bodyPr>
+          <a:lstStyle/>
+          <a:p>
+            <a:pPr marL="0" marR="0" lvl="0" indent="0" algn="ctr" rtl="0">
+              <a:lnSpc>
+                <a:spcPct val="100000"/>
+              </a:lnSpc>
               <a:spcBef>
-                <a:spcPts val="500"/>
+                <a:spcPts val="0"/>
               </a:spcBef>
               <a:spcAft>
-                <a:spcPts val="1200"/>
+                <a:spcPts val="0"/>
               </a:spcAft>
-              <a:buFont typeface="Arial" panose="020B0604020202020204" pitchFamily="34" charset="0"/>
-              <a:buAutoNum type="arabicPeriod"/>
+              <a:buNone/>
             </a:pPr>
-            <a:r>
-              <a:rPr lang="zh-CN" altLang="en-US" sz="1600" dirty="0">
-                <a:solidFill>
-                  <a:schemeClr val="tx1">
-                    <a:lumMod val="65000"/>
-                    <a:lumOff val="35000"/>
-                  </a:schemeClr>
-                </a:solidFill>
-                <a:latin typeface="Microsoft YaHei UI" panose="020B0503020204020204" pitchFamily="34" charset="-122"/>
-                <a:ea typeface="Microsoft YaHei UI" panose="020B0503020204020204" pitchFamily="34" charset="-122"/>
-                <a:cs typeface="Arial" panose="020B0604020202020204" pitchFamily="34" charset="0"/>
-              </a:rPr>
-              <a:t>降级熔断</a:t>
-            </a:r>
-          </a:p>
-          <a:p>
-            <a:pPr marL="800100" lvl="1" indent="-342900">
+            <a:endParaRPr sz="1350" b="0" i="0" u="none" strike="noStrike" cap="none">
+              <a:solidFill>
+                <a:schemeClr val="lt1"/>
+              </a:solidFill>
+              <a:latin typeface="Arial" panose="020B0604020202020204"/>
+              <a:ea typeface="Arial" panose="020B0604020202020204"/>
+              <a:cs typeface="Arial" panose="020B0604020202020204"/>
+              <a:sym typeface="Arial" panose="020B0604020202020204"/>
+            </a:endParaRPr>
+          </a:p>
+        </p:txBody>
+      </p:sp>
+      <p:sp>
+        <p:nvSpPr>
+          <p:cNvPr id="62" name="Google Shape;642;p43">
+            <a:extLst>
+              <a:ext uri="{FF2B5EF4-FFF2-40B4-BE49-F238E27FC236}">
+                <a16:creationId xmlns:a16="http://schemas.microsoft.com/office/drawing/2014/main" id="{29163F72-80C6-6F44-852D-B7EDC494B32C}"/>
+              </a:ext>
+            </a:extLst>
+          </p:cNvPr>
+          <p:cNvSpPr/>
+          <p:nvPr/>
+        </p:nvSpPr>
+        <p:spPr>
+          <a:xfrm>
+            <a:off x="996187" y="3390111"/>
+            <a:ext cx="144670" cy="279106"/>
+          </a:xfrm>
+          <a:prstGeom prst="downArrow">
+            <a:avLst>
+              <a:gd name="adj1" fmla="val 50000"/>
+              <a:gd name="adj2" fmla="val 50000"/>
+            </a:avLst>
+          </a:prstGeom>
+          <a:solidFill>
+            <a:schemeClr val="accent1"/>
+          </a:solidFill>
+          <a:ln w="25400" cap="flat" cmpd="sng">
+            <a:solidFill>
+              <a:srgbClr val="AE4E00"/>
+            </a:solidFill>
+            <a:prstDash val="solid"/>
+            <a:round/>
+            <a:headEnd type="none" w="sm" len="sm"/>
+            <a:tailEnd type="none" w="sm" len="sm"/>
+          </a:ln>
+        </p:spPr>
+        <p:txBody>
+          <a:bodyPr spcFirstLastPara="1" wrap="square" lIns="68575" tIns="34275" rIns="68575" bIns="34275" anchor="ctr" anchorCtr="0">
+            <a:noAutofit/>
+          </a:bodyPr>
+          <a:lstStyle/>
+          <a:p>
+            <a:pPr marL="0" marR="0" lvl="0" indent="0" algn="ctr" rtl="0">
+              <a:lnSpc>
+                <a:spcPct val="100000"/>
+              </a:lnSpc>
               <a:spcBef>
-                <a:spcPts val="500"/>
+                <a:spcPts val="0"/>
               </a:spcBef>
               <a:spcAft>
-                <a:spcPts val="1200"/>
+                <a:spcPts val="0"/>
               </a:spcAft>
-              <a:buFont typeface="Arial" panose="020B0604020202020204" pitchFamily="34" charset="0"/>
-              <a:buAutoNum type="arabicPeriod"/>
+              <a:buNone/>
             </a:pPr>
-            <a:r>
-              <a:rPr lang="zh-CN" altLang="en-US" sz="1600" dirty="0">
-                <a:solidFill>
-                  <a:schemeClr val="tx1">
-                    <a:lumMod val="65000"/>
-                    <a:lumOff val="35000"/>
-                  </a:schemeClr>
-                </a:solidFill>
-                <a:latin typeface="Microsoft YaHei UI" panose="020B0503020204020204" pitchFamily="34" charset="-122"/>
-                <a:ea typeface="Microsoft YaHei UI" panose="020B0503020204020204" pitchFamily="34" charset="-122"/>
-                <a:cs typeface="Arial" panose="020B0604020202020204" pitchFamily="34" charset="0"/>
-              </a:rPr>
-              <a:t>服务限流</a:t>
-            </a:r>
-            <a:endParaRPr lang="en-US" altLang="zh-CN" sz="1600" dirty="0">
+            <a:endParaRPr sz="1350" b="0" i="0" u="none" strike="noStrike" cap="none">
               <a:solidFill>
-                <a:schemeClr val="tx1">
-                  <a:lumMod val="65000"/>
-                  <a:lumOff val="35000"/>
-                </a:schemeClr>
+                <a:schemeClr val="lt1"/>
               </a:solidFill>
-              <a:latin typeface="Microsoft YaHei UI" panose="020B0503020204020204" pitchFamily="34" charset="-122"/>
-              <a:ea typeface="Microsoft YaHei UI" panose="020B0503020204020204" pitchFamily="34" charset="-122"/>
-              <a:cs typeface="Arial" panose="020B0604020202020204" pitchFamily="34" charset="0"/>
+              <a:latin typeface="Arial" panose="020B0604020202020204"/>
+              <a:ea typeface="Arial" panose="020B0604020202020204"/>
+              <a:cs typeface="Arial" panose="020B0604020202020204"/>
+              <a:sym typeface="Arial" panose="020B0604020202020204"/>
             </a:endParaRPr>
           </a:p>
-          <a:p>
-            <a:pPr marL="800100" lvl="1" indent="-342900">
+        </p:txBody>
+      </p:sp>
+      <p:sp>
+        <p:nvSpPr>
+          <p:cNvPr id="63" name="Google Shape;639;p43">
+            <a:extLst>
+              <a:ext uri="{FF2B5EF4-FFF2-40B4-BE49-F238E27FC236}">
+                <a16:creationId xmlns:a16="http://schemas.microsoft.com/office/drawing/2014/main" id="{63F84E25-B2AF-B14E-BA16-B11D4E91F55C}"/>
+              </a:ext>
+            </a:extLst>
+          </p:cNvPr>
+          <p:cNvSpPr/>
+          <p:nvPr/>
+        </p:nvSpPr>
+        <p:spPr>
+          <a:xfrm>
+            <a:off x="432199" y="4348831"/>
+            <a:ext cx="3246600" cy="300000"/>
+          </a:xfrm>
+          <a:prstGeom prst="rect">
+            <a:avLst/>
+          </a:prstGeom>
+          <a:noFill/>
+          <a:ln>
+            <a:noFill/>
+          </a:ln>
+        </p:spPr>
+        <p:txBody>
+          <a:bodyPr spcFirstLastPara="1" wrap="square" lIns="91425" tIns="45700" rIns="91425" bIns="45700" anchor="t" anchorCtr="0">
+            <a:noAutofit/>
+          </a:bodyPr>
+          <a:lstStyle/>
+          <a:p>
+            <a:pPr marL="0" marR="0" lvl="0" indent="0" algn="l" rtl="0">
+              <a:lnSpc>
+                <a:spcPct val="100000"/>
+              </a:lnSpc>
               <a:spcBef>
-                <a:spcPts val="500"/>
+                <a:spcPts val="0"/>
               </a:spcBef>
               <a:spcAft>
-                <a:spcPts val="1200"/>
+                <a:spcPts val="0"/>
               </a:spcAft>
-              <a:buFont typeface="Arial" panose="020B0604020202020204" pitchFamily="34" charset="0"/>
-              <a:buAutoNum type="arabicPeriod"/>
+              <a:buNone/>
             </a:pPr>
             <a:r>
-              <a:rPr lang="zh-CN" altLang="en-US" sz="1600" dirty="0">
-                <a:solidFill>
-                  <a:schemeClr val="tx1">
-                    <a:lumMod val="65000"/>
-                    <a:lumOff val="35000"/>
-                  </a:schemeClr>
-                </a:solidFill>
-                <a:latin typeface="Microsoft YaHei UI" panose="020B0503020204020204" pitchFamily="34" charset="-122"/>
-                <a:ea typeface="Microsoft YaHei UI" panose="020B0503020204020204" pitchFamily="34" charset="-122"/>
-                <a:cs typeface="Arial" panose="020B0604020202020204" pitchFamily="34" charset="0"/>
-              </a:rPr>
-              <a:t>日志追踪</a:t>
-            </a:r>
-            <a:endParaRPr lang="en-US" altLang="zh-CN" sz="1600" dirty="0">
+              <a:rPr lang="en-US" sz="1350" b="0" i="0" u="none" strike="noStrike" cap="none" dirty="0" err="1">
+                <a:solidFill>
+                  <a:srgbClr val="000000"/>
+                </a:solidFill>
+                <a:latin typeface="Arial" panose="020B0604020202020204"/>
+                <a:ea typeface="Arial" panose="020B0604020202020204"/>
+                <a:cs typeface="Arial" panose="020B0604020202020204"/>
+                <a:sym typeface="Arial" panose="020B0604020202020204"/>
+              </a:rPr>
+              <a:t>transport.</a:t>
+            </a:r>
+            <a:r>
+              <a:rPr lang="en-US" altLang="zh-CN" sz="1350" b="0" i="0" u="none" strike="noStrike" cap="none" dirty="0" err="1">
+                <a:solidFill>
+                  <a:srgbClr val="000000"/>
+                </a:solidFill>
+                <a:latin typeface="Arial" panose="020B0604020202020204"/>
+                <a:ea typeface="Arial" panose="020B0604020202020204"/>
+                <a:cs typeface="Arial" panose="020B0604020202020204"/>
+                <a:sym typeface="Arial" panose="020B0604020202020204"/>
+              </a:rPr>
+              <a:t>Send</a:t>
+            </a:r>
+            <a:r>
+              <a:rPr lang="en-US" sz="1350" b="0" i="0" u="none" strike="noStrike" cap="none" dirty="0">
+                <a:solidFill>
+                  <a:srgbClr val="000000"/>
+                </a:solidFill>
+                <a:latin typeface="Arial" panose="020B0604020202020204"/>
+                <a:ea typeface="Arial" panose="020B0604020202020204"/>
+                <a:cs typeface="Arial" panose="020B0604020202020204"/>
+                <a:sym typeface="Arial" panose="020B0604020202020204"/>
+              </a:rPr>
+              <a:t> =&gt; </a:t>
+            </a:r>
+            <a:r>
+              <a:rPr lang="zh-CN" altLang="en-US" sz="1350" b="0" i="0" u="none" strike="noStrike" cap="none" dirty="0">
+                <a:solidFill>
+                  <a:srgbClr val="000000"/>
+                </a:solidFill>
+                <a:latin typeface="Arial" panose="020B0604020202020204"/>
+                <a:ea typeface="Arial" panose="020B0604020202020204"/>
+                <a:cs typeface="Arial" panose="020B0604020202020204"/>
+                <a:sym typeface="Arial" panose="020B0604020202020204"/>
+              </a:rPr>
+              <a:t>  </a:t>
+            </a:r>
+            <a:r>
+              <a:rPr lang="en-US" sz="1350" b="0" i="0" u="none" strike="noStrike" cap="none" dirty="0" err="1">
+                <a:solidFill>
+                  <a:srgbClr val="000000"/>
+                </a:solidFill>
+                <a:latin typeface="Arial" panose="020B0604020202020204"/>
+                <a:ea typeface="Arial" panose="020B0604020202020204"/>
+                <a:cs typeface="Arial" panose="020B0604020202020204"/>
+                <a:sym typeface="Arial" panose="020B0604020202020204"/>
+              </a:rPr>
+              <a:t>transport.</a:t>
+            </a:r>
+            <a:r>
+              <a:rPr lang="en-US" altLang="zh-CN" sz="1350" b="0" i="0" u="none" strike="noStrike" cap="none" dirty="0" err="1">
+                <a:solidFill>
+                  <a:srgbClr val="000000"/>
+                </a:solidFill>
+                <a:latin typeface="Arial" panose="020B0604020202020204"/>
+                <a:ea typeface="Arial" panose="020B0604020202020204"/>
+                <a:cs typeface="Arial" panose="020B0604020202020204"/>
+                <a:sym typeface="Arial" panose="020B0604020202020204"/>
+              </a:rPr>
+              <a:t>Recv</a:t>
+            </a:r>
+            <a:endParaRPr sz="1350" b="0" i="0" u="none" strike="noStrike" cap="none" dirty="0">
               <a:solidFill>
-                <a:schemeClr val="tx1">
-                  <a:lumMod val="65000"/>
-                  <a:lumOff val="35000"/>
-                </a:schemeClr>
+                <a:srgbClr val="000000"/>
               </a:solidFill>
-              <a:latin typeface="Microsoft YaHei UI" panose="020B0503020204020204" pitchFamily="34" charset="-122"/>
-              <a:ea typeface="Microsoft YaHei UI" panose="020B0503020204020204" pitchFamily="34" charset="-122"/>
-              <a:cs typeface="Arial" panose="020B0604020202020204" pitchFamily="34" charset="0"/>
+              <a:latin typeface="Arial" panose="020B0604020202020204"/>
+              <a:ea typeface="Arial" panose="020B0604020202020204"/>
+              <a:cs typeface="Arial" panose="020B0604020202020204"/>
+              <a:sym typeface="Arial" panose="020B0604020202020204"/>
             </a:endParaRPr>
           </a:p>
-          <a:p>
-            <a:pPr marL="800100" lvl="1" indent="-342900">
+        </p:txBody>
+      </p:sp>
+      <p:sp>
+        <p:nvSpPr>
+          <p:cNvPr id="64" name="Google Shape;642;p43">
+            <a:extLst>
+              <a:ext uri="{FF2B5EF4-FFF2-40B4-BE49-F238E27FC236}">
+                <a16:creationId xmlns:a16="http://schemas.microsoft.com/office/drawing/2014/main" id="{B234C1DF-B723-9C4A-BD62-6C489AA28BF6}"/>
+              </a:ext>
+            </a:extLst>
+          </p:cNvPr>
+          <p:cNvSpPr/>
+          <p:nvPr/>
+        </p:nvSpPr>
+        <p:spPr>
+          <a:xfrm>
+            <a:off x="985987" y="4059750"/>
+            <a:ext cx="144670" cy="279106"/>
+          </a:xfrm>
+          <a:prstGeom prst="downArrow">
+            <a:avLst>
+              <a:gd name="adj1" fmla="val 50000"/>
+              <a:gd name="adj2" fmla="val 50000"/>
+            </a:avLst>
+          </a:prstGeom>
+          <a:solidFill>
+            <a:schemeClr val="accent1"/>
+          </a:solidFill>
+          <a:ln w="25400" cap="flat" cmpd="sng">
+            <a:solidFill>
+              <a:srgbClr val="AE4E00"/>
+            </a:solidFill>
+            <a:prstDash val="solid"/>
+            <a:round/>
+            <a:headEnd type="none" w="sm" len="sm"/>
+            <a:tailEnd type="none" w="sm" len="sm"/>
+          </a:ln>
+        </p:spPr>
+        <p:txBody>
+          <a:bodyPr spcFirstLastPara="1" wrap="square" lIns="68575" tIns="34275" rIns="68575" bIns="34275" anchor="ctr" anchorCtr="0">
+            <a:noAutofit/>
+          </a:bodyPr>
+          <a:lstStyle/>
+          <a:p>
+            <a:pPr marL="0" marR="0" lvl="0" indent="0" algn="ctr" rtl="0">
+              <a:lnSpc>
+                <a:spcPct val="100000"/>
+              </a:lnSpc>
               <a:spcBef>
-                <a:spcPts val="500"/>
+                <a:spcPts val="0"/>
               </a:spcBef>
               <a:spcAft>
-                <a:spcPts val="1200"/>
+                <a:spcPts val="0"/>
               </a:spcAft>
-              <a:buFont typeface="Arial" panose="020B0604020202020204" pitchFamily="34" charset="0"/>
-              <a:buAutoNum type="arabicPeriod"/>
+              <a:buNone/>
             </a:pPr>
-            <a:r>
-              <a:rPr lang="zh-CN" altLang="en-US" sz="1600" dirty="0">
-                <a:solidFill>
-                  <a:schemeClr val="tx1">
-                    <a:lumMod val="65000"/>
-                    <a:lumOff val="35000"/>
-                  </a:schemeClr>
-                </a:solidFill>
-                <a:latin typeface="Microsoft YaHei UI" panose="020B0503020204020204" pitchFamily="34" charset="-122"/>
-                <a:ea typeface="Microsoft YaHei UI" panose="020B0503020204020204" pitchFamily="34" charset="-122"/>
-                <a:cs typeface="Arial" panose="020B0604020202020204" pitchFamily="34" charset="0"/>
-              </a:rPr>
-              <a:t>事件通知</a:t>
-            </a:r>
-            <a:endParaRPr lang="en-US" altLang="zh-CN" sz="1600" dirty="0">
+            <a:endParaRPr sz="1350" b="0" i="0" u="none" strike="noStrike" cap="none">
               <a:solidFill>
-                <a:schemeClr val="tx1">
-                  <a:lumMod val="65000"/>
-                  <a:lumOff val="35000"/>
-                </a:schemeClr>
+                <a:schemeClr val="lt1"/>
               </a:solidFill>
-              <a:latin typeface="Microsoft YaHei UI" panose="020B0503020204020204" pitchFamily="34" charset="-122"/>
-              <a:ea typeface="Microsoft YaHei UI" panose="020B0503020204020204" pitchFamily="34" charset="-122"/>
-              <a:cs typeface="Arial" panose="020B0604020202020204" pitchFamily="34" charset="0"/>
+              <a:latin typeface="Arial" panose="020B0604020202020204"/>
+              <a:ea typeface="Arial" panose="020B0604020202020204"/>
+              <a:cs typeface="Arial" panose="020B0604020202020204"/>
+              <a:sym typeface="Arial" panose="020B0604020202020204"/>
             </a:endParaRPr>
           </a:p>
-          <a:p>
-            <a:pPr marL="800100" lvl="1" indent="-342900">
+        </p:txBody>
+      </p:sp>
+      <p:sp>
+        <p:nvSpPr>
+          <p:cNvPr id="65" name="Google Shape;639;p43">
+            <a:extLst>
+              <a:ext uri="{FF2B5EF4-FFF2-40B4-BE49-F238E27FC236}">
+                <a16:creationId xmlns:a16="http://schemas.microsoft.com/office/drawing/2014/main" id="{0C21EB4A-2665-AD43-89B4-CEFB6764A070}"/>
+              </a:ext>
+            </a:extLst>
+          </p:cNvPr>
+          <p:cNvSpPr/>
+          <p:nvPr/>
+        </p:nvSpPr>
+        <p:spPr>
+          <a:xfrm>
+            <a:off x="432199" y="5104126"/>
+            <a:ext cx="3246600" cy="300000"/>
+          </a:xfrm>
+          <a:prstGeom prst="rect">
+            <a:avLst/>
+          </a:prstGeom>
+          <a:noFill/>
+          <a:ln>
+            <a:noFill/>
+          </a:ln>
+        </p:spPr>
+        <p:txBody>
+          <a:bodyPr spcFirstLastPara="1" wrap="square" lIns="91425" tIns="45700" rIns="91425" bIns="45700" anchor="t" anchorCtr="0">
+            <a:noAutofit/>
+          </a:bodyPr>
+          <a:lstStyle/>
+          <a:p>
+            <a:pPr marL="0" marR="0" lvl="0" indent="0" algn="l" rtl="0">
+              <a:lnSpc>
+                <a:spcPct val="100000"/>
+              </a:lnSpc>
               <a:spcBef>
-                <a:spcPts val="500"/>
+                <a:spcPts val="0"/>
               </a:spcBef>
               <a:spcAft>
-                <a:spcPts val="1200"/>
+                <a:spcPts val="0"/>
               </a:spcAft>
-              <a:buFont typeface="Arial" panose="020B0604020202020204" pitchFamily="34" charset="0"/>
-              <a:buAutoNum type="arabicPeriod"/>
+              <a:buNone/>
             </a:pPr>
             <a:r>
-              <a:rPr lang="zh-CN" altLang="en-US" sz="1600" dirty="0">
-                <a:solidFill>
-                  <a:schemeClr val="tx1">
-                    <a:lumMod val="65000"/>
-                    <a:lumOff val="35000"/>
-                  </a:schemeClr>
-                </a:solidFill>
-                <a:latin typeface="Microsoft YaHei UI" panose="020B0503020204020204" pitchFamily="34" charset="-122"/>
-                <a:ea typeface="Microsoft YaHei UI" panose="020B0503020204020204" pitchFamily="34" charset="-122"/>
-                <a:cs typeface="Arial" panose="020B0604020202020204" pitchFamily="34" charset="0"/>
-              </a:rPr>
-              <a:t>计量度量</a:t>
-            </a:r>
-            <a:endParaRPr lang="en-US" altLang="zh-CN" sz="1600" dirty="0">
+              <a:rPr lang="en-US" sz="1350" b="0" i="0" u="none" strike="noStrike" cap="none" dirty="0" err="1">
+                <a:solidFill>
+                  <a:srgbClr val="000000"/>
+                </a:solidFill>
+                <a:latin typeface="Arial" panose="020B0604020202020204"/>
+                <a:ea typeface="Arial" panose="020B0604020202020204"/>
+                <a:cs typeface="Arial" panose="020B0604020202020204"/>
+                <a:sym typeface="Arial" panose="020B0604020202020204"/>
+              </a:rPr>
+              <a:t>transport.</a:t>
+            </a:r>
+            <a:r>
+              <a:rPr lang="en-US" altLang="zh-CN" sz="1350" b="0" i="0" u="none" strike="noStrike" cap="none" dirty="0" err="1">
+                <a:solidFill>
+                  <a:srgbClr val="000000"/>
+                </a:solidFill>
+                <a:latin typeface="Arial" panose="020B0604020202020204"/>
+                <a:ea typeface="Arial" panose="020B0604020202020204"/>
+                <a:cs typeface="Arial" panose="020B0604020202020204"/>
+                <a:sym typeface="Arial" panose="020B0604020202020204"/>
+              </a:rPr>
+              <a:t>Recv</a:t>
+            </a:r>
+            <a:r>
+              <a:rPr lang="en-US" sz="1350" b="0" i="0" u="none" strike="noStrike" cap="none" dirty="0">
+                <a:solidFill>
+                  <a:srgbClr val="000000"/>
+                </a:solidFill>
+                <a:latin typeface="Arial" panose="020B0604020202020204"/>
+                <a:ea typeface="Arial" panose="020B0604020202020204"/>
+                <a:cs typeface="Arial" panose="020B0604020202020204"/>
+                <a:sym typeface="Arial" panose="020B0604020202020204"/>
+              </a:rPr>
+              <a:t> </a:t>
+            </a:r>
+            <a:r>
+              <a:rPr lang="zh-CN" altLang="en-US" sz="1350" b="0" i="0" u="none" strike="noStrike" cap="none" dirty="0">
+                <a:solidFill>
+                  <a:srgbClr val="000000"/>
+                </a:solidFill>
+                <a:latin typeface="Arial" panose="020B0604020202020204"/>
+                <a:ea typeface="Arial" panose="020B0604020202020204"/>
+                <a:cs typeface="Arial" panose="020B0604020202020204"/>
+                <a:sym typeface="Arial" panose="020B0604020202020204"/>
+              </a:rPr>
+              <a:t> </a:t>
+            </a:r>
+            <a:r>
+              <a:rPr lang="en-US" altLang="zh-CN" sz="1350" b="0" i="0" u="none" strike="noStrike" cap="none" dirty="0">
+                <a:solidFill>
+                  <a:srgbClr val="000000"/>
+                </a:solidFill>
+                <a:latin typeface="Arial" panose="020B0604020202020204"/>
+                <a:ea typeface="Arial" panose="020B0604020202020204"/>
+                <a:cs typeface="Arial" panose="020B0604020202020204"/>
+                <a:sym typeface="Arial" panose="020B0604020202020204"/>
+              </a:rPr>
+              <a:t>&lt;</a:t>
+            </a:r>
+            <a:r>
+              <a:rPr lang="en-US" sz="1350" b="0" i="0" u="none" strike="noStrike" cap="none" dirty="0">
+                <a:solidFill>
+                  <a:srgbClr val="000000"/>
+                </a:solidFill>
+                <a:latin typeface="Arial" panose="020B0604020202020204"/>
+                <a:ea typeface="Arial" panose="020B0604020202020204"/>
+                <a:cs typeface="Arial" panose="020B0604020202020204"/>
+                <a:sym typeface="Arial" panose="020B0604020202020204"/>
+              </a:rPr>
+              <a:t>=</a:t>
+            </a:r>
+            <a:r>
+              <a:rPr lang="zh-CN" altLang="en-US" sz="1350" b="0" i="0" u="none" strike="noStrike" cap="none" dirty="0">
+                <a:solidFill>
+                  <a:srgbClr val="000000"/>
+                </a:solidFill>
+                <a:latin typeface="Arial" panose="020B0604020202020204"/>
+                <a:ea typeface="Arial" panose="020B0604020202020204"/>
+                <a:cs typeface="Arial" panose="020B0604020202020204"/>
+                <a:sym typeface="Arial" panose="020B0604020202020204"/>
+              </a:rPr>
+              <a:t>  </a:t>
+            </a:r>
+            <a:r>
+              <a:rPr lang="en-US" sz="1350" b="0" i="0" u="none" strike="noStrike" cap="none" dirty="0" err="1">
+                <a:solidFill>
+                  <a:srgbClr val="000000"/>
+                </a:solidFill>
+                <a:latin typeface="Arial" panose="020B0604020202020204"/>
+                <a:ea typeface="Arial" panose="020B0604020202020204"/>
+                <a:cs typeface="Arial" panose="020B0604020202020204"/>
+                <a:sym typeface="Arial" panose="020B0604020202020204"/>
+              </a:rPr>
+              <a:t>transport.</a:t>
+            </a:r>
+            <a:r>
+              <a:rPr lang="en-US" altLang="zh-CN" sz="1350" b="0" i="0" u="none" strike="noStrike" cap="none" dirty="0" err="1">
+                <a:solidFill>
+                  <a:srgbClr val="000000"/>
+                </a:solidFill>
+                <a:latin typeface="Arial" panose="020B0604020202020204"/>
+                <a:ea typeface="Arial" panose="020B0604020202020204"/>
+                <a:cs typeface="Arial" panose="020B0604020202020204"/>
+                <a:sym typeface="Arial" panose="020B0604020202020204"/>
+              </a:rPr>
+              <a:t>Send</a:t>
+            </a:r>
+            <a:endParaRPr sz="1350" b="0" i="0" u="none" strike="noStrike" cap="none" dirty="0">
               <a:solidFill>
-                <a:schemeClr val="tx1">
-                  <a:lumMod val="65000"/>
-                  <a:lumOff val="35000"/>
-                </a:schemeClr>
+                <a:srgbClr val="000000"/>
               </a:solidFill>
-              <a:latin typeface="Microsoft YaHei UI" panose="020B0503020204020204" pitchFamily="34" charset="-122"/>
-              <a:ea typeface="Microsoft YaHei UI" panose="020B0503020204020204" pitchFamily="34" charset="-122"/>
-              <a:cs typeface="Arial" panose="020B0604020202020204" pitchFamily="34" charset="0"/>
+              <a:latin typeface="Arial" panose="020B0604020202020204"/>
+              <a:ea typeface="Arial" panose="020B0604020202020204"/>
+              <a:cs typeface="Arial" panose="020B0604020202020204"/>
+              <a:sym typeface="Arial" panose="020B0604020202020204"/>
             </a:endParaRPr>
           </a:p>
-          <a:p>
-            <a:pPr marL="800100" lvl="1" indent="-342900">
+        </p:txBody>
+      </p:sp>
+      <p:sp>
+        <p:nvSpPr>
+          <p:cNvPr id="66" name="Google Shape;642;p43">
+            <a:extLst>
+              <a:ext uri="{FF2B5EF4-FFF2-40B4-BE49-F238E27FC236}">
+                <a16:creationId xmlns:a16="http://schemas.microsoft.com/office/drawing/2014/main" id="{6A26F3B5-FE36-6542-A161-9FB2B8830503}"/>
+              </a:ext>
+            </a:extLst>
+          </p:cNvPr>
+          <p:cNvSpPr/>
+          <p:nvPr/>
+        </p:nvSpPr>
+        <p:spPr>
+          <a:xfrm>
+            <a:off x="985987" y="4815045"/>
+            <a:ext cx="144670" cy="279106"/>
+          </a:xfrm>
+          <a:prstGeom prst="downArrow">
+            <a:avLst>
+              <a:gd name="adj1" fmla="val 50000"/>
+              <a:gd name="adj2" fmla="val 50000"/>
+            </a:avLst>
+          </a:prstGeom>
+          <a:solidFill>
+            <a:schemeClr val="accent1"/>
+          </a:solidFill>
+          <a:ln w="25400" cap="flat" cmpd="sng">
+            <a:solidFill>
+              <a:srgbClr val="AE4E00"/>
+            </a:solidFill>
+            <a:prstDash val="solid"/>
+            <a:round/>
+            <a:headEnd type="none" w="sm" len="sm"/>
+            <a:tailEnd type="none" w="sm" len="sm"/>
+          </a:ln>
+        </p:spPr>
+        <p:txBody>
+          <a:bodyPr spcFirstLastPara="1" wrap="square" lIns="68575" tIns="34275" rIns="68575" bIns="34275" anchor="ctr" anchorCtr="0">
+            <a:noAutofit/>
+          </a:bodyPr>
+          <a:lstStyle/>
+          <a:p>
+            <a:pPr marL="0" marR="0" lvl="0" indent="0" algn="ctr" rtl="0">
+              <a:lnSpc>
+                <a:spcPct val="100000"/>
+              </a:lnSpc>
               <a:spcBef>
-                <a:spcPts val="500"/>
+                <a:spcPts val="0"/>
               </a:spcBef>
               <a:spcAft>
-                <a:spcPts val="1200"/>
+                <a:spcPts val="0"/>
               </a:spcAft>
-              <a:buFont typeface="Arial" panose="020B0604020202020204" pitchFamily="34" charset="0"/>
-              <a:buAutoNum type="arabicPeriod"/>
+              <a:buNone/>
             </a:pPr>
-            <a:r>
-              <a:rPr lang="zh-CN" altLang="en-US" sz="1600" dirty="0">
-                <a:solidFill>
-                  <a:schemeClr val="tx1">
-                    <a:lumMod val="65000"/>
-                    <a:lumOff val="35000"/>
-                  </a:schemeClr>
-                </a:solidFill>
-                <a:latin typeface="Microsoft YaHei UI" panose="020B0503020204020204" pitchFamily="34" charset="-122"/>
-                <a:ea typeface="Microsoft YaHei UI" panose="020B0503020204020204" pitchFamily="34" charset="-122"/>
-                <a:cs typeface="Arial" panose="020B0604020202020204" pitchFamily="34" charset="0"/>
-              </a:rPr>
-              <a:t>上下文注入</a:t>
-            </a:r>
-            <a:endParaRPr lang="en-US" altLang="zh-CN" sz="1600" dirty="0">
+            <a:endParaRPr sz="1350" b="0" i="0" u="none" strike="noStrike" cap="none">
               <a:solidFill>
-                <a:schemeClr val="tx1">
-                  <a:lumMod val="65000"/>
-                  <a:lumOff val="35000"/>
-                </a:schemeClr>
+                <a:schemeClr val="lt1"/>
               </a:solidFill>
-              <a:latin typeface="Microsoft YaHei UI" panose="020B0503020204020204" pitchFamily="34" charset="-122"/>
-              <a:ea typeface="Microsoft YaHei UI" panose="020B0503020204020204" pitchFamily="34" charset="-122"/>
-              <a:cs typeface="Arial" panose="020B0604020202020204" pitchFamily="34" charset="0"/>
+              <a:latin typeface="Arial" panose="020B0604020202020204"/>
+              <a:ea typeface="Arial" panose="020B0604020202020204"/>
+              <a:cs typeface="Arial" panose="020B0604020202020204"/>
+              <a:sym typeface="Arial" panose="020B0604020202020204"/>
             </a:endParaRPr>
           </a:p>
         </p:txBody>
@@ -8796,7 +8658,7 @@
     </p:spTree>
     <p:extLst>
       <p:ext uri="{BB962C8B-B14F-4D97-AF65-F5344CB8AC3E}">
-        <p14:creationId xmlns:p14="http://schemas.microsoft.com/office/powerpoint/2010/main" val="744775428"/>
+        <p14:creationId xmlns:p14="http://schemas.microsoft.com/office/powerpoint/2010/main" val="1116015401"/>
       </p:ext>
     </p:extLst>
   </p:cSld>
@@ -8825,6 +8687,519 @@
       </p:grpSpPr>
       <p:sp>
         <p:nvSpPr>
+          <p:cNvPr id="2" name="标题 1">
+            <a:extLst>
+              <a:ext uri="{FF2B5EF4-FFF2-40B4-BE49-F238E27FC236}">
+                <a16:creationId xmlns:a16="http://schemas.microsoft.com/office/drawing/2014/main" id="{A8C03519-6965-274C-BFB9-F99AF25486EC}"/>
+              </a:ext>
+            </a:extLst>
+          </p:cNvPr>
+          <p:cNvSpPr>
+            <a:spLocks noGrp="1"/>
+          </p:cNvSpPr>
+          <p:nvPr>
+            <p:ph type="title"/>
+          </p:nvPr>
+        </p:nvSpPr>
+        <p:spPr/>
+        <p:txBody>
+          <a:bodyPr/>
+          <a:lstStyle/>
+          <a:p>
+            <a:r>
+              <a:rPr kumimoji="1" lang="zh-CN" altLang="en-US" dirty="0">
+                <a:cs typeface="Arial" panose="020B0604020202020204" pitchFamily="34" charset="0"/>
+              </a:rPr>
+              <a:t>微服务框架</a:t>
+            </a:r>
+            <a:endParaRPr kumimoji="1" lang="zh-CN" altLang="en-US" dirty="0"/>
+          </a:p>
+        </p:txBody>
+      </p:sp>
+      <p:pic>
+        <p:nvPicPr>
+          <p:cNvPr id="5" name="图片 4">
+            <a:extLst>
+              <a:ext uri="{FF2B5EF4-FFF2-40B4-BE49-F238E27FC236}">
+                <a16:creationId xmlns:a16="http://schemas.microsoft.com/office/drawing/2014/main" id="{496966F0-99FE-C646-A02E-DBBDEBBBAC8E}"/>
+              </a:ext>
+            </a:extLst>
+          </p:cNvPr>
+          <p:cNvPicPr>
+            <a:picLocks noChangeAspect="1"/>
+          </p:cNvPicPr>
+          <p:nvPr/>
+        </p:nvPicPr>
+        <p:blipFill>
+          <a:blip r:embed="rId2"/>
+          <a:stretch>
+            <a:fillRect/>
+          </a:stretch>
+        </p:blipFill>
+        <p:spPr>
+          <a:xfrm>
+            <a:off x="7302500" y="1600200"/>
+            <a:ext cx="4445000" cy="4445000"/>
+          </a:xfrm>
+          <a:prstGeom prst="rect">
+            <a:avLst/>
+          </a:prstGeom>
+        </p:spPr>
+      </p:pic>
+      <p:sp>
+        <p:nvSpPr>
+          <p:cNvPr id="6" name="object 3">
+            <a:extLst>
+              <a:ext uri="{FF2B5EF4-FFF2-40B4-BE49-F238E27FC236}">
+                <a16:creationId xmlns:a16="http://schemas.microsoft.com/office/drawing/2014/main" id="{BFF52AA4-08C0-854C-9120-38A619D34A0D}"/>
+              </a:ext>
+            </a:extLst>
+          </p:cNvPr>
+          <p:cNvSpPr txBox="1"/>
+          <p:nvPr/>
+        </p:nvSpPr>
+        <p:spPr>
+          <a:xfrm>
+            <a:off x="9032240" y="3396615"/>
+            <a:ext cx="985519" cy="852169"/>
+          </a:xfrm>
+          <a:prstGeom prst="rect">
+            <a:avLst/>
+          </a:prstGeom>
+        </p:spPr>
+        <p:txBody>
+          <a:bodyPr vert="horz" wrap="square" lIns="0" tIns="10795" rIns="0" bIns="0" rtlCol="0">
+            <a:spAutoFit/>
+          </a:bodyPr>
+          <a:lstStyle/>
+          <a:p>
+            <a:pPr marL="12700" marR="5080" algn="ctr">
+              <a:lnSpc>
+                <a:spcPct val="101000"/>
+              </a:lnSpc>
+              <a:spcBef>
+                <a:spcPts val="85"/>
+              </a:spcBef>
+            </a:pPr>
+            <a:r>
+              <a:rPr sz="1800" b="1" spc="-5" dirty="0">
+                <a:solidFill>
+                  <a:srgbClr val="FFFFFF"/>
+                </a:solidFill>
+                <a:latin typeface="Courier New" panose="02070309020205020404"/>
+                <a:cs typeface="Courier New" panose="02070309020205020404"/>
+              </a:rPr>
+              <a:t>Client  or  Handler</a:t>
+            </a:r>
+            <a:endParaRPr sz="1800" b="1" dirty="0">
+              <a:latin typeface="Courier New" panose="02070309020205020404"/>
+              <a:cs typeface="Courier New" panose="02070309020205020404"/>
+            </a:endParaRPr>
+          </a:p>
+        </p:txBody>
+      </p:sp>
+      <p:sp>
+        <p:nvSpPr>
+          <p:cNvPr id="7" name="文本框 6">
+            <a:extLst>
+              <a:ext uri="{FF2B5EF4-FFF2-40B4-BE49-F238E27FC236}">
+                <a16:creationId xmlns:a16="http://schemas.microsoft.com/office/drawing/2014/main" id="{FB8D6B43-A98C-0441-B3B9-A4F4FF059D96}"/>
+              </a:ext>
+            </a:extLst>
+          </p:cNvPr>
+          <p:cNvSpPr txBox="1"/>
+          <p:nvPr/>
+        </p:nvSpPr>
+        <p:spPr>
+          <a:xfrm>
+            <a:off x="10869439" y="751916"/>
+            <a:ext cx="877163" cy="369332"/>
+          </a:xfrm>
+          <a:prstGeom prst="rect">
+            <a:avLst/>
+          </a:prstGeom>
+          <a:noFill/>
+        </p:spPr>
+        <p:txBody>
+          <a:bodyPr wrap="none" rtlCol="0">
+            <a:spAutoFit/>
+          </a:bodyPr>
+          <a:lstStyle/>
+          <a:p>
+            <a:r>
+              <a:rPr kumimoji="1" lang="zh-CN" altLang="en-US" dirty="0">
+                <a:solidFill>
+                  <a:schemeClr val="bg1"/>
+                </a:solidFill>
+              </a:rPr>
+              <a:t>包装器</a:t>
+            </a:r>
+          </a:p>
+        </p:txBody>
+      </p:sp>
+      <p:sp>
+        <p:nvSpPr>
+          <p:cNvPr id="12" name="矩形 11">
+            <a:extLst>
+              <a:ext uri="{FF2B5EF4-FFF2-40B4-BE49-F238E27FC236}">
+                <a16:creationId xmlns:a16="http://schemas.microsoft.com/office/drawing/2014/main" id="{99D7B3C2-67C5-8841-9B2D-78C763B0EAD2}"/>
+              </a:ext>
+            </a:extLst>
+          </p:cNvPr>
+          <p:cNvSpPr/>
+          <p:nvPr/>
+        </p:nvSpPr>
+        <p:spPr>
+          <a:xfrm>
+            <a:off x="523751" y="1695748"/>
+            <a:ext cx="4706171" cy="3993852"/>
+          </a:xfrm>
+          <a:prstGeom prst="rect">
+            <a:avLst/>
+          </a:prstGeom>
+        </p:spPr>
+        <p:txBody>
+          <a:bodyPr vert="horz" lIns="91440" tIns="45720" rIns="91440" bIns="45720" rtlCol="0">
+            <a:noAutofit/>
+          </a:bodyPr>
+          <a:lstStyle/>
+          <a:p>
+            <a:pPr>
+              <a:lnSpc>
+                <a:spcPct val="150000"/>
+              </a:lnSpc>
+              <a:spcBef>
+                <a:spcPts val="500"/>
+              </a:spcBef>
+              <a:spcAft>
+                <a:spcPts val="1200"/>
+              </a:spcAft>
+            </a:pPr>
+            <a:r>
+              <a:rPr lang="zh-CN" altLang="en-US" sz="1600" dirty="0">
+                <a:solidFill>
+                  <a:schemeClr val="tx1">
+                    <a:lumMod val="65000"/>
+                    <a:lumOff val="35000"/>
+                  </a:schemeClr>
+                </a:solidFill>
+                <a:latin typeface="Microsoft YaHei UI" panose="020B0503020204020204" pitchFamily="34" charset="-122"/>
+                <a:ea typeface="Microsoft YaHei UI" panose="020B0503020204020204" pitchFamily="34" charset="-122"/>
+                <a:cs typeface="Arial" panose="020B0604020202020204" pitchFamily="34" charset="0"/>
+              </a:rPr>
+              <a:t>特性：</a:t>
+            </a:r>
+            <a:endParaRPr lang="en-US" altLang="zh-CN" sz="1600" dirty="0">
+              <a:solidFill>
+                <a:schemeClr val="tx1">
+                  <a:lumMod val="65000"/>
+                  <a:lumOff val="35000"/>
+                </a:schemeClr>
+              </a:solidFill>
+              <a:latin typeface="Microsoft YaHei UI" panose="020B0503020204020204" pitchFamily="34" charset="-122"/>
+              <a:ea typeface="Microsoft YaHei UI" panose="020B0503020204020204" pitchFamily="34" charset="-122"/>
+              <a:cs typeface="Arial" panose="020B0604020202020204" pitchFamily="34" charset="0"/>
+            </a:endParaRPr>
+          </a:p>
+          <a:p>
+            <a:pPr marL="800100" lvl="1" indent="-342900">
+              <a:spcBef>
+                <a:spcPts val="500"/>
+              </a:spcBef>
+              <a:spcAft>
+                <a:spcPts val="1200"/>
+              </a:spcAft>
+              <a:buFont typeface="Arial" panose="020B0604020202020204" pitchFamily="34" charset="0"/>
+              <a:buAutoNum type="arabicPeriod"/>
+            </a:pPr>
+            <a:r>
+              <a:rPr lang="zh-CN" altLang="en-US" sz="1600" dirty="0">
+                <a:solidFill>
+                  <a:schemeClr val="tx1">
+                    <a:lumMod val="65000"/>
+                    <a:lumOff val="35000"/>
+                  </a:schemeClr>
+                </a:solidFill>
+                <a:latin typeface="Microsoft YaHei UI" panose="020B0503020204020204" pitchFamily="34" charset="-122"/>
+                <a:ea typeface="Microsoft YaHei UI" panose="020B0503020204020204" pitchFamily="34" charset="-122"/>
+                <a:cs typeface="Arial" panose="020B0604020202020204" pitchFamily="34" charset="0"/>
+                <a:sym typeface="Arial" panose="020B0604020202020204"/>
+              </a:rPr>
+              <a:t>请求</a:t>
+            </a:r>
+            <a:r>
+              <a:rPr lang="en-US" altLang="zh-CN" sz="1600" dirty="0" err="1">
+                <a:solidFill>
+                  <a:schemeClr val="tx1">
+                    <a:lumMod val="65000"/>
+                    <a:lumOff val="35000"/>
+                  </a:schemeClr>
+                </a:solidFill>
+                <a:latin typeface="Microsoft YaHei UI" panose="020B0503020204020204" pitchFamily="34" charset="-122"/>
+                <a:ea typeface="Microsoft YaHei UI" panose="020B0503020204020204" pitchFamily="34" charset="-122"/>
+                <a:cs typeface="Arial" panose="020B0604020202020204" pitchFamily="34" charset="0"/>
+                <a:sym typeface="Arial" panose="020B0604020202020204"/>
+              </a:rPr>
+              <a:t>认证</a:t>
+            </a:r>
+            <a:endParaRPr lang="en-US" altLang="zh-CN" sz="1600" dirty="0">
+              <a:solidFill>
+                <a:schemeClr val="tx1">
+                  <a:lumMod val="65000"/>
+                  <a:lumOff val="35000"/>
+                </a:schemeClr>
+              </a:solidFill>
+              <a:latin typeface="Microsoft YaHei UI" panose="020B0503020204020204" pitchFamily="34" charset="-122"/>
+              <a:ea typeface="Microsoft YaHei UI" panose="020B0503020204020204" pitchFamily="34" charset="-122"/>
+              <a:cs typeface="Arial" panose="020B0604020202020204" pitchFamily="34" charset="0"/>
+              <a:sym typeface="Arial" panose="020B0604020202020204"/>
+            </a:endParaRPr>
+          </a:p>
+          <a:p>
+            <a:pPr marL="800100" lvl="1" indent="-342900">
+              <a:spcBef>
+                <a:spcPts val="500"/>
+              </a:spcBef>
+              <a:spcAft>
+                <a:spcPts val="1200"/>
+              </a:spcAft>
+              <a:buFont typeface="Arial" panose="020B0604020202020204" pitchFamily="34" charset="0"/>
+              <a:buAutoNum type="arabicPeriod"/>
+            </a:pPr>
+            <a:r>
+              <a:rPr lang="zh-CN" altLang="en-US" sz="1600" dirty="0">
+                <a:solidFill>
+                  <a:schemeClr val="tx1">
+                    <a:lumMod val="65000"/>
+                    <a:lumOff val="35000"/>
+                  </a:schemeClr>
+                </a:solidFill>
+                <a:latin typeface="Microsoft YaHei UI" panose="020B0503020204020204" pitchFamily="34" charset="-122"/>
+                <a:ea typeface="Microsoft YaHei UI" panose="020B0503020204020204" pitchFamily="34" charset="-122"/>
+                <a:cs typeface="Arial" panose="020B0604020202020204" pitchFamily="34" charset="0"/>
+              </a:rPr>
+              <a:t>降级熔断</a:t>
+            </a:r>
+          </a:p>
+          <a:p>
+            <a:pPr marL="800100" lvl="1" indent="-342900">
+              <a:spcBef>
+                <a:spcPts val="500"/>
+              </a:spcBef>
+              <a:spcAft>
+                <a:spcPts val="1200"/>
+              </a:spcAft>
+              <a:buFont typeface="Arial" panose="020B0604020202020204" pitchFamily="34" charset="0"/>
+              <a:buAutoNum type="arabicPeriod"/>
+            </a:pPr>
+            <a:r>
+              <a:rPr lang="zh-CN" altLang="en-US" sz="1600" dirty="0">
+                <a:solidFill>
+                  <a:schemeClr val="tx1">
+                    <a:lumMod val="65000"/>
+                    <a:lumOff val="35000"/>
+                  </a:schemeClr>
+                </a:solidFill>
+                <a:latin typeface="Microsoft YaHei UI" panose="020B0503020204020204" pitchFamily="34" charset="-122"/>
+                <a:ea typeface="Microsoft YaHei UI" panose="020B0503020204020204" pitchFamily="34" charset="-122"/>
+                <a:cs typeface="Arial" panose="020B0604020202020204" pitchFamily="34" charset="0"/>
+              </a:rPr>
+              <a:t>服务限流</a:t>
+            </a:r>
+            <a:endParaRPr lang="en-US" altLang="zh-CN" sz="1600" dirty="0">
+              <a:solidFill>
+                <a:schemeClr val="tx1">
+                  <a:lumMod val="65000"/>
+                  <a:lumOff val="35000"/>
+                </a:schemeClr>
+              </a:solidFill>
+              <a:latin typeface="Microsoft YaHei UI" panose="020B0503020204020204" pitchFamily="34" charset="-122"/>
+              <a:ea typeface="Microsoft YaHei UI" panose="020B0503020204020204" pitchFamily="34" charset="-122"/>
+              <a:cs typeface="Arial" panose="020B0604020202020204" pitchFamily="34" charset="0"/>
+            </a:endParaRPr>
+          </a:p>
+          <a:p>
+            <a:pPr marL="800100" lvl="1" indent="-342900">
+              <a:spcBef>
+                <a:spcPts val="500"/>
+              </a:spcBef>
+              <a:spcAft>
+                <a:spcPts val="1200"/>
+              </a:spcAft>
+              <a:buFont typeface="Arial" panose="020B0604020202020204" pitchFamily="34" charset="0"/>
+              <a:buAutoNum type="arabicPeriod"/>
+            </a:pPr>
+            <a:r>
+              <a:rPr lang="zh-CN" altLang="en-US" sz="1600" dirty="0">
+                <a:solidFill>
+                  <a:schemeClr val="tx1">
+                    <a:lumMod val="65000"/>
+                    <a:lumOff val="35000"/>
+                  </a:schemeClr>
+                </a:solidFill>
+                <a:latin typeface="Microsoft YaHei UI" panose="020B0503020204020204" pitchFamily="34" charset="-122"/>
+                <a:ea typeface="Microsoft YaHei UI" panose="020B0503020204020204" pitchFamily="34" charset="-122"/>
+                <a:cs typeface="Arial" panose="020B0604020202020204" pitchFamily="34" charset="0"/>
+              </a:rPr>
+              <a:t>日志追踪</a:t>
+            </a:r>
+            <a:endParaRPr lang="en-US" altLang="zh-CN" sz="1600" dirty="0">
+              <a:solidFill>
+                <a:schemeClr val="tx1">
+                  <a:lumMod val="65000"/>
+                  <a:lumOff val="35000"/>
+                </a:schemeClr>
+              </a:solidFill>
+              <a:latin typeface="Microsoft YaHei UI" panose="020B0503020204020204" pitchFamily="34" charset="-122"/>
+              <a:ea typeface="Microsoft YaHei UI" panose="020B0503020204020204" pitchFamily="34" charset="-122"/>
+              <a:cs typeface="Arial" panose="020B0604020202020204" pitchFamily="34" charset="0"/>
+            </a:endParaRPr>
+          </a:p>
+          <a:p>
+            <a:pPr marL="800100" lvl="1" indent="-342900">
+              <a:spcBef>
+                <a:spcPts val="500"/>
+              </a:spcBef>
+              <a:spcAft>
+                <a:spcPts val="1200"/>
+              </a:spcAft>
+              <a:buFont typeface="Arial" panose="020B0604020202020204" pitchFamily="34" charset="0"/>
+              <a:buAutoNum type="arabicPeriod"/>
+            </a:pPr>
+            <a:r>
+              <a:rPr lang="zh-CN" altLang="en-US" sz="1600" dirty="0">
+                <a:solidFill>
+                  <a:schemeClr val="tx1">
+                    <a:lumMod val="65000"/>
+                    <a:lumOff val="35000"/>
+                  </a:schemeClr>
+                </a:solidFill>
+                <a:latin typeface="Microsoft YaHei UI" panose="020B0503020204020204" pitchFamily="34" charset="-122"/>
+                <a:ea typeface="Microsoft YaHei UI" panose="020B0503020204020204" pitchFamily="34" charset="-122"/>
+                <a:cs typeface="Arial" panose="020B0604020202020204" pitchFamily="34" charset="0"/>
+              </a:rPr>
+              <a:t>事件通知</a:t>
+            </a:r>
+            <a:endParaRPr lang="en-US" altLang="zh-CN" sz="1600" dirty="0">
+              <a:solidFill>
+                <a:schemeClr val="tx1">
+                  <a:lumMod val="65000"/>
+                  <a:lumOff val="35000"/>
+                </a:schemeClr>
+              </a:solidFill>
+              <a:latin typeface="Microsoft YaHei UI" panose="020B0503020204020204" pitchFamily="34" charset="-122"/>
+              <a:ea typeface="Microsoft YaHei UI" panose="020B0503020204020204" pitchFamily="34" charset="-122"/>
+              <a:cs typeface="Arial" panose="020B0604020202020204" pitchFamily="34" charset="0"/>
+            </a:endParaRPr>
+          </a:p>
+          <a:p>
+            <a:pPr marL="800100" lvl="1" indent="-342900">
+              <a:spcBef>
+                <a:spcPts val="500"/>
+              </a:spcBef>
+              <a:spcAft>
+                <a:spcPts val="1200"/>
+              </a:spcAft>
+              <a:buFont typeface="Arial" panose="020B0604020202020204" pitchFamily="34" charset="0"/>
+              <a:buAutoNum type="arabicPeriod"/>
+            </a:pPr>
+            <a:r>
+              <a:rPr lang="zh-CN" altLang="en-US" sz="1600" dirty="0">
+                <a:solidFill>
+                  <a:schemeClr val="tx1">
+                    <a:lumMod val="65000"/>
+                    <a:lumOff val="35000"/>
+                  </a:schemeClr>
+                </a:solidFill>
+                <a:latin typeface="Microsoft YaHei UI" panose="020B0503020204020204" pitchFamily="34" charset="-122"/>
+                <a:ea typeface="Microsoft YaHei UI" panose="020B0503020204020204" pitchFamily="34" charset="-122"/>
+                <a:cs typeface="Arial" panose="020B0604020202020204" pitchFamily="34" charset="0"/>
+              </a:rPr>
+              <a:t>计量度量</a:t>
+            </a:r>
+            <a:endParaRPr lang="en-US" altLang="zh-CN" sz="1600" dirty="0">
+              <a:solidFill>
+                <a:schemeClr val="tx1">
+                  <a:lumMod val="65000"/>
+                  <a:lumOff val="35000"/>
+                </a:schemeClr>
+              </a:solidFill>
+              <a:latin typeface="Microsoft YaHei UI" panose="020B0503020204020204" pitchFamily="34" charset="-122"/>
+              <a:ea typeface="Microsoft YaHei UI" panose="020B0503020204020204" pitchFamily="34" charset="-122"/>
+              <a:cs typeface="Arial" panose="020B0604020202020204" pitchFamily="34" charset="0"/>
+            </a:endParaRPr>
+          </a:p>
+          <a:p>
+            <a:pPr marL="800100" lvl="1" indent="-342900">
+              <a:spcBef>
+                <a:spcPts val="500"/>
+              </a:spcBef>
+              <a:spcAft>
+                <a:spcPts val="1200"/>
+              </a:spcAft>
+              <a:buFont typeface="Arial" panose="020B0604020202020204" pitchFamily="34" charset="0"/>
+              <a:buAutoNum type="arabicPeriod"/>
+            </a:pPr>
+            <a:r>
+              <a:rPr lang="zh-CN" altLang="en-US" sz="1600" dirty="0">
+                <a:solidFill>
+                  <a:schemeClr val="tx1">
+                    <a:lumMod val="65000"/>
+                    <a:lumOff val="35000"/>
+                  </a:schemeClr>
+                </a:solidFill>
+                <a:latin typeface="Microsoft YaHei UI" panose="020B0503020204020204" pitchFamily="34" charset="-122"/>
+                <a:ea typeface="Microsoft YaHei UI" panose="020B0503020204020204" pitchFamily="34" charset="-122"/>
+                <a:cs typeface="Arial" panose="020B0604020202020204" pitchFamily="34" charset="0"/>
+              </a:rPr>
+              <a:t>上下文注入</a:t>
+            </a:r>
+            <a:endParaRPr lang="en-US" altLang="zh-CN" sz="1600" dirty="0">
+              <a:solidFill>
+                <a:schemeClr val="tx1">
+                  <a:lumMod val="65000"/>
+                  <a:lumOff val="35000"/>
+                </a:schemeClr>
+              </a:solidFill>
+              <a:latin typeface="Microsoft YaHei UI" panose="020B0503020204020204" pitchFamily="34" charset="-122"/>
+              <a:ea typeface="Microsoft YaHei UI" panose="020B0503020204020204" pitchFamily="34" charset="-122"/>
+              <a:cs typeface="Arial" panose="020B0604020202020204" pitchFamily="34" charset="0"/>
+            </a:endParaRPr>
+          </a:p>
+        </p:txBody>
+      </p:sp>
+    </p:spTree>
+    <p:extLst>
+      <p:ext uri="{BB962C8B-B14F-4D97-AF65-F5344CB8AC3E}">
+        <p14:creationId xmlns:p14="http://schemas.microsoft.com/office/powerpoint/2010/main" val="744775428"/>
+      </p:ext>
+    </p:extLst>
+  </p:cSld>
+  <p:clrMapOvr>
+    <a:masterClrMapping/>
+  </p:clrMapOvr>
+</p:sld>
+</file>
+
+<file path=ppt/slides/slide18.xml><?xml version="1.0" encoding="utf-8"?>
+<p:sld xmlns:a="http://schemas.openxmlformats.org/drawingml/2006/main" xmlns:r="http://schemas.openxmlformats.org/officeDocument/2006/relationships" xmlns:p="http://schemas.openxmlformats.org/presentationml/2006/main">
+  <p:cSld>
+    <p:spTree>
+      <p:nvGrpSpPr>
+        <p:cNvPr id="1" name=""/>
+        <p:cNvGrpSpPr/>
+        <p:nvPr/>
+      </p:nvGrpSpPr>
+      <p:grpSpPr>
+        <a:xfrm>
+          <a:off x="0" y="0"/>
+          <a:ext cx="0" cy="0"/>
+          <a:chOff x="0" y="0"/>
+          <a:chExt cx="0" cy="0"/>
+        </a:xfrm>
+      </p:grpSpPr>
+      <p:sp>
+        <p:nvSpPr>
           <p:cNvPr id="2" name="Title 1">
             <a:extLst>
               <a:ext uri="{FF2B5EF4-FFF2-40B4-BE49-F238E27FC236}">
@@ -9011,7 +9386,7 @@
 </p:sld>
 </file>
 
-<file path=ppt/slides/slide18.xml><?xml version="1.0" encoding="utf-8"?>
+<file path=ppt/slides/slide19.xml><?xml version="1.0" encoding="utf-8"?>
 <p:sld xmlns:a="http://schemas.openxmlformats.org/drawingml/2006/main" xmlns:r="http://schemas.openxmlformats.org/officeDocument/2006/relationships" xmlns:p="http://schemas.openxmlformats.org/presentationml/2006/main">
   <p:cSld>
     <p:spTree>
@@ -9373,6 +9748,466 @@
     <p:extLst>
       <p:ext uri="{BB962C8B-B14F-4D97-AF65-F5344CB8AC3E}">
         <p14:creationId xmlns:p14="http://schemas.microsoft.com/office/powerpoint/2010/main" val="914520176"/>
+      </p:ext>
+    </p:extLst>
+  </p:cSld>
+  <p:clrMapOvr>
+    <a:masterClrMapping/>
+  </p:clrMapOvr>
+</p:sld>
+</file>
+
+<file path=ppt/slides/slide20.xml><?xml version="1.0" encoding="utf-8"?>
+<p:sld xmlns:a="http://schemas.openxmlformats.org/drawingml/2006/main" xmlns:r="http://schemas.openxmlformats.org/officeDocument/2006/relationships" xmlns:p="http://schemas.openxmlformats.org/presentationml/2006/main">
+  <p:cSld>
+    <p:spTree>
+      <p:nvGrpSpPr>
+        <p:cNvPr id="1" name=""/>
+        <p:cNvGrpSpPr/>
+        <p:nvPr/>
+      </p:nvGrpSpPr>
+      <p:grpSpPr>
+        <a:xfrm>
+          <a:off x="0" y="0"/>
+          <a:ext cx="0" cy="0"/>
+          <a:chOff x="0" y="0"/>
+          <a:chExt cx="0" cy="0"/>
+        </a:xfrm>
+      </p:grpSpPr>
+      <p:sp>
+        <p:nvSpPr>
+          <p:cNvPr id="2" name="Title 1">
+            <a:extLst>
+              <a:ext uri="{FF2B5EF4-FFF2-40B4-BE49-F238E27FC236}">
+                <a16:creationId xmlns:a16="http://schemas.microsoft.com/office/drawing/2014/main" id="{0D9D7EBF-9655-4FC6-B363-3365ADCA915A}"/>
+              </a:ext>
+            </a:extLst>
+          </p:cNvPr>
+          <p:cNvSpPr>
+            <a:spLocks noGrp="1"/>
+          </p:cNvSpPr>
+          <p:nvPr>
+            <p:ph type="title"/>
+          </p:nvPr>
+        </p:nvSpPr>
+        <p:spPr/>
+        <p:txBody>
+          <a:bodyPr/>
+          <a:lstStyle/>
+          <a:p>
+            <a:r>
+              <a:rPr lang="zh-CN" altLang="en-US" dirty="0"/>
+              <a:t>数据总线</a:t>
+            </a:r>
+          </a:p>
+        </p:txBody>
+      </p:sp>
+      <p:sp>
+        <p:nvSpPr>
+          <p:cNvPr id="3" name="Content Placeholder 2">
+            <a:extLst>
+              <a:ext uri="{FF2B5EF4-FFF2-40B4-BE49-F238E27FC236}">
+                <a16:creationId xmlns:a16="http://schemas.microsoft.com/office/drawing/2014/main" id="{72FEF1DB-C1F6-4C5E-AD89-73E443D9C083}"/>
+              </a:ext>
+            </a:extLst>
+          </p:cNvPr>
+          <p:cNvSpPr>
+            <a:spLocks noGrp="1"/>
+          </p:cNvSpPr>
+          <p:nvPr>
+            <p:ph idx="1"/>
+          </p:nvPr>
+        </p:nvSpPr>
+        <p:spPr/>
+        <p:txBody>
+          <a:bodyPr vert="horz" lIns="91440" tIns="45720" rIns="91440" bIns="45720" rtlCol="0">
+            <a:noAutofit/>
+          </a:bodyPr>
+          <a:lstStyle/>
+          <a:p>
+            <a:pPr marL="228600" indent="-228600">
+              <a:lnSpc>
+                <a:spcPct val="150000"/>
+              </a:lnSpc>
+              <a:spcAft>
+                <a:spcPts val="1200"/>
+              </a:spcAft>
+              <a:buAutoNum type="arabicPeriod"/>
+            </a:pPr>
+            <a:r>
+              <a:rPr lang="zh-CN" altLang="en-US" sz="1100" dirty="0">
+                <a:cs typeface="Arial" panose="020B0604020202020204" pitchFamily="34" charset="0"/>
+              </a:rPr>
+              <a:t>项目化收集，可查、可追溯，业务友好</a:t>
+            </a:r>
+            <a:endParaRPr lang="en-US" altLang="zh-CN" sz="1100" dirty="0">
+              <a:cs typeface="Arial" panose="020B0604020202020204" pitchFamily="34" charset="0"/>
+            </a:endParaRPr>
+          </a:p>
+          <a:p>
+            <a:pPr marL="228600" indent="-228600">
+              <a:lnSpc>
+                <a:spcPct val="150000"/>
+              </a:lnSpc>
+              <a:spcAft>
+                <a:spcPts val="1200"/>
+              </a:spcAft>
+              <a:buAutoNum type="arabicPeriod"/>
+            </a:pPr>
+            <a:r>
+              <a:rPr lang="zh-CN" altLang="en-US" sz="1100" dirty="0">
+                <a:cs typeface="Arial" panose="020B0604020202020204" pitchFamily="34" charset="0"/>
+              </a:rPr>
+              <a:t>总线中数据不特定区分实时与离线</a:t>
+            </a:r>
+            <a:endParaRPr lang="en-US" altLang="zh-CN" sz="1100" dirty="0">
+              <a:cs typeface="Arial" panose="020B0604020202020204" pitchFamily="34" charset="0"/>
+            </a:endParaRPr>
+          </a:p>
+          <a:p>
+            <a:pPr marL="228600" indent="-228600">
+              <a:lnSpc>
+                <a:spcPct val="150000"/>
+              </a:lnSpc>
+              <a:spcAft>
+                <a:spcPts val="1200"/>
+              </a:spcAft>
+              <a:buAutoNum type="arabicPeriod"/>
+            </a:pPr>
+            <a:r>
+              <a:rPr lang="zh-CN" altLang="en-US" sz="1100" dirty="0">
+                <a:cs typeface="Arial" panose="020B0604020202020204" pitchFamily="34" charset="0"/>
+              </a:rPr>
+              <a:t>金融数据的转换、传输通道</a:t>
+            </a:r>
+            <a:endParaRPr lang="en-US" altLang="zh-CN" sz="1100" dirty="0">
+              <a:cs typeface="Arial" panose="020B0604020202020204" pitchFamily="34" charset="0"/>
+            </a:endParaRPr>
+          </a:p>
+          <a:p>
+            <a:pPr marL="228600" indent="-228600">
+              <a:lnSpc>
+                <a:spcPct val="150000"/>
+              </a:lnSpc>
+              <a:spcAft>
+                <a:spcPts val="1200"/>
+              </a:spcAft>
+              <a:buAutoNum type="arabicPeriod"/>
+            </a:pPr>
+            <a:r>
+              <a:rPr lang="zh-CN" altLang="en-US" sz="1100" dirty="0">
+                <a:cs typeface="Arial" panose="020B0604020202020204" pitchFamily="34" charset="0"/>
+              </a:rPr>
+              <a:t>标准化的输入输出</a:t>
+            </a:r>
+            <a:endParaRPr lang="en-US" altLang="zh-CN" sz="1100" dirty="0">
+              <a:cs typeface="Arial" panose="020B0604020202020204" pitchFamily="34" charset="0"/>
+            </a:endParaRPr>
+          </a:p>
+          <a:p>
+            <a:pPr marL="228600" indent="-228600">
+              <a:lnSpc>
+                <a:spcPct val="150000"/>
+              </a:lnSpc>
+              <a:spcAft>
+                <a:spcPts val="1200"/>
+              </a:spcAft>
+              <a:buAutoNum type="arabicPeriod"/>
+            </a:pPr>
+            <a:r>
+              <a:rPr lang="zh-CN" altLang="en-US" sz="1100" dirty="0">
+                <a:cs typeface="Arial" panose="020B0604020202020204" pitchFamily="34" charset="0"/>
+              </a:rPr>
+              <a:t>标准化接入</a:t>
+            </a:r>
+            <a:endParaRPr lang="en-US" altLang="zh-CN" sz="1100" dirty="0">
+              <a:cs typeface="Arial" panose="020B0604020202020204" pitchFamily="34" charset="0"/>
+            </a:endParaRPr>
+          </a:p>
+          <a:p>
+            <a:pPr marL="228600" indent="-228600">
+              <a:lnSpc>
+                <a:spcPct val="150000"/>
+              </a:lnSpc>
+              <a:spcAft>
+                <a:spcPts val="1200"/>
+              </a:spcAft>
+              <a:buAutoNum type="arabicPeriod"/>
+            </a:pPr>
+            <a:r>
+              <a:rPr lang="zh-CN" altLang="en-US" sz="1100" dirty="0">
+                <a:cs typeface="Arial" panose="020B0604020202020204" pitchFamily="34" charset="0"/>
+              </a:rPr>
+              <a:t>支持租户</a:t>
+            </a:r>
+            <a:endParaRPr lang="en-US" altLang="zh-CN" sz="1100" dirty="0">
+              <a:cs typeface="Arial" panose="020B0604020202020204" pitchFamily="34" charset="0"/>
+            </a:endParaRPr>
+          </a:p>
+          <a:p>
+            <a:pPr marL="228600" indent="-228600">
+              <a:lnSpc>
+                <a:spcPct val="150000"/>
+              </a:lnSpc>
+              <a:spcAft>
+                <a:spcPts val="1200"/>
+              </a:spcAft>
+              <a:buAutoNum type="arabicPeriod"/>
+            </a:pPr>
+            <a:r>
+              <a:rPr lang="zh-CN" altLang="en-US" sz="1100" dirty="0">
+                <a:cs typeface="Arial" panose="020B0604020202020204" pitchFamily="34" charset="0"/>
+              </a:rPr>
+              <a:t>支持主从</a:t>
+            </a:r>
+            <a:endParaRPr lang="en-US" altLang="zh-CN" sz="1100" dirty="0">
+              <a:cs typeface="Arial" panose="020B0604020202020204" pitchFamily="34" charset="0"/>
+            </a:endParaRPr>
+          </a:p>
+          <a:p>
+            <a:pPr marL="228600" indent="-228600">
+              <a:lnSpc>
+                <a:spcPct val="150000"/>
+              </a:lnSpc>
+              <a:spcAft>
+                <a:spcPts val="1200"/>
+              </a:spcAft>
+              <a:buAutoNum type="arabicPeriod"/>
+            </a:pPr>
+            <a:r>
+              <a:rPr lang="zh-CN" altLang="en-US" sz="1100" dirty="0">
+                <a:cs typeface="Arial" panose="020B0604020202020204" pitchFamily="34" charset="0"/>
+              </a:rPr>
+              <a:t>支持跨机房同步</a:t>
+            </a:r>
+          </a:p>
+          <a:p>
+            <a:pPr>
+              <a:lnSpc>
+                <a:spcPct val="150000"/>
+              </a:lnSpc>
+              <a:spcAft>
+                <a:spcPts val="1200"/>
+              </a:spcAft>
+            </a:pPr>
+            <a:endParaRPr lang="zh-CN" altLang="en-US" sz="1100" dirty="0">
+              <a:cs typeface="Arial" panose="020B0604020202020204" pitchFamily="34" charset="0"/>
+            </a:endParaRPr>
+          </a:p>
+        </p:txBody>
+      </p:sp>
+      <p:sp>
+        <p:nvSpPr>
+          <p:cNvPr id="5" name="AutoShape 4" descr="image">
+            <a:extLst>
+              <a:ext uri="{FF2B5EF4-FFF2-40B4-BE49-F238E27FC236}">
+                <a16:creationId xmlns:a16="http://schemas.microsoft.com/office/drawing/2014/main" id="{D79E5B33-4893-4183-845E-190EC410F93D}"/>
+              </a:ext>
+            </a:extLst>
+          </p:cNvPr>
+          <p:cNvSpPr>
+            <a:spLocks noChangeAspect="1" noChangeArrowheads="1"/>
+          </p:cNvSpPr>
+          <p:nvPr/>
+        </p:nvSpPr>
+        <p:spPr bwMode="auto">
+          <a:xfrm>
+            <a:off x="5943600" y="3276600"/>
+            <a:ext cx="304800" cy="304800"/>
+          </a:xfrm>
+          <a:prstGeom prst="rect">
+            <a:avLst/>
+          </a:prstGeom>
+          <a:noFill/>
+          <a:extLst>
+            <a:ext uri="{909E8E84-426E-40DD-AFC4-6F175D3DCCD1}">
+              <a14:hiddenFill xmlns:a14="http://schemas.microsoft.com/office/drawing/2010/main">
+                <a:solidFill>
+                  <a:srgbClr val="FFFFFF"/>
+                </a:solidFill>
+              </a14:hiddenFill>
+            </a:ext>
+          </a:extLst>
+        </p:spPr>
+        <p:txBody>
+          <a:bodyPr vert="horz" wrap="square" lIns="91440" tIns="45720" rIns="91440" bIns="45720" numCol="1" anchor="t" anchorCtr="0" compatLnSpc="1">
+            <a:prstTxWarp prst="textNoShape">
+              <a:avLst/>
+            </a:prstTxWarp>
+          </a:bodyPr>
+          <a:lstStyle/>
+          <a:p>
+            <a:endParaRPr lang="zh-CN" altLang="en-US"/>
+          </a:p>
+        </p:txBody>
+      </p:sp>
+      <p:pic>
+        <p:nvPicPr>
+          <p:cNvPr id="1030" name="Picture 6">
+            <a:extLst>
+              <a:ext uri="{FF2B5EF4-FFF2-40B4-BE49-F238E27FC236}">
+                <a16:creationId xmlns:a16="http://schemas.microsoft.com/office/drawing/2014/main" id="{5A8AB997-0FDC-4F98-BEAD-64AC0E3C7D4A}"/>
+              </a:ext>
+            </a:extLst>
+          </p:cNvPr>
+          <p:cNvPicPr>
+            <a:picLocks noChangeAspect="1" noChangeArrowheads="1"/>
+          </p:cNvPicPr>
+          <p:nvPr/>
+        </p:nvPicPr>
+        <p:blipFill>
+          <a:blip r:embed="rId2">
+            <a:extLst>
+              <a:ext uri="{28A0092B-C50C-407E-A947-70E740481C1C}">
+                <a14:useLocalDpi xmlns:a14="http://schemas.microsoft.com/office/drawing/2010/main" val="0"/>
+              </a:ext>
+            </a:extLst>
+          </a:blip>
+          <a:srcRect/>
+          <a:stretch>
+            <a:fillRect/>
+          </a:stretch>
+        </p:blipFill>
+        <p:spPr bwMode="auto">
+          <a:xfrm>
+            <a:off x="6632558" y="1500689"/>
+            <a:ext cx="5085448" cy="4676274"/>
+          </a:xfrm>
+          <a:prstGeom prst="rect">
+            <a:avLst/>
+          </a:prstGeom>
+          <a:noFill/>
+          <a:extLst>
+            <a:ext uri="{909E8E84-426E-40DD-AFC4-6F175D3DCCD1}">
+              <a14:hiddenFill xmlns:a14="http://schemas.microsoft.com/office/drawing/2010/main">
+                <a:solidFill>
+                  <a:srgbClr val="FFFFFF"/>
+                </a:solidFill>
+              </a14:hiddenFill>
+            </a:ext>
+          </a:extLst>
+        </p:spPr>
+      </p:pic>
+    </p:spTree>
+    <p:extLst>
+      <p:ext uri="{BB962C8B-B14F-4D97-AF65-F5344CB8AC3E}">
+        <p14:creationId xmlns:p14="http://schemas.microsoft.com/office/powerpoint/2010/main" val="307897971"/>
+      </p:ext>
+    </p:extLst>
+  </p:cSld>
+  <p:clrMapOvr>
+    <a:masterClrMapping/>
+  </p:clrMapOvr>
+</p:sld>
+</file>
+
+<file path=ppt/slides/slide21.xml><?xml version="1.0" encoding="utf-8"?>
+<p:sld xmlns:a="http://schemas.openxmlformats.org/drawingml/2006/main" xmlns:r="http://schemas.openxmlformats.org/officeDocument/2006/relationships" xmlns:p="http://schemas.openxmlformats.org/presentationml/2006/main">
+  <p:cSld>
+    <p:spTree>
+      <p:nvGrpSpPr>
+        <p:cNvPr id="1" name=""/>
+        <p:cNvGrpSpPr/>
+        <p:nvPr/>
+      </p:nvGrpSpPr>
+      <p:grpSpPr>
+        <a:xfrm>
+          <a:off x="0" y="0"/>
+          <a:ext cx="0" cy="0"/>
+          <a:chOff x="0" y="0"/>
+          <a:chExt cx="0" cy="0"/>
+        </a:xfrm>
+      </p:grpSpPr>
+      <p:sp>
+        <p:nvSpPr>
+          <p:cNvPr id="2" name="Title 1">
+            <a:extLst>
+              <a:ext uri="{FF2B5EF4-FFF2-40B4-BE49-F238E27FC236}">
+                <a16:creationId xmlns:a16="http://schemas.microsoft.com/office/drawing/2014/main" id="{B8A5CEDB-460E-48FB-88E3-11EDA2F5C6F1}"/>
+              </a:ext>
+            </a:extLst>
+          </p:cNvPr>
+          <p:cNvSpPr>
+            <a:spLocks noGrp="1"/>
+          </p:cNvSpPr>
+          <p:nvPr>
+            <p:ph type="title"/>
+          </p:nvPr>
+        </p:nvSpPr>
+        <p:spPr/>
+        <p:txBody>
+          <a:bodyPr/>
+          <a:lstStyle/>
+          <a:p>
+            <a:r>
+              <a:rPr lang="zh-CN" altLang="en-US" dirty="0"/>
+              <a:t>数据总线</a:t>
+            </a:r>
+          </a:p>
+        </p:txBody>
+      </p:sp>
+      <p:sp>
+        <p:nvSpPr>
+          <p:cNvPr id="3" name="Content Placeholder 2">
+            <a:extLst>
+              <a:ext uri="{FF2B5EF4-FFF2-40B4-BE49-F238E27FC236}">
+                <a16:creationId xmlns:a16="http://schemas.microsoft.com/office/drawing/2014/main" id="{30687249-1614-4834-BCF9-DFBCEB706F4A}"/>
+              </a:ext>
+            </a:extLst>
+          </p:cNvPr>
+          <p:cNvSpPr>
+            <a:spLocks noGrp="1"/>
+          </p:cNvSpPr>
+          <p:nvPr>
+            <p:ph idx="1"/>
+          </p:nvPr>
+        </p:nvSpPr>
+        <p:spPr/>
+        <p:txBody>
+          <a:bodyPr/>
+          <a:lstStyle/>
+          <a:p>
+            <a:r>
+              <a:rPr lang="zh-CN" altLang="en-US" dirty="0"/>
+              <a:t>统一数据格式</a:t>
+            </a:r>
+          </a:p>
+        </p:txBody>
+      </p:sp>
+      <p:pic>
+        <p:nvPicPr>
+          <p:cNvPr id="7" name="Picture 6">
+            <a:extLst>
+              <a:ext uri="{FF2B5EF4-FFF2-40B4-BE49-F238E27FC236}">
+                <a16:creationId xmlns:a16="http://schemas.microsoft.com/office/drawing/2014/main" id="{3B9AF660-9982-4770-8F72-269C4D038CCB}"/>
+              </a:ext>
+            </a:extLst>
+          </p:cNvPr>
+          <p:cNvPicPr>
+            <a:picLocks noChangeAspect="1"/>
+          </p:cNvPicPr>
+          <p:nvPr/>
+        </p:nvPicPr>
+        <p:blipFill>
+          <a:blip r:embed="rId2"/>
+          <a:stretch>
+            <a:fillRect/>
+          </a:stretch>
+        </p:blipFill>
+        <p:spPr>
+          <a:xfrm>
+            <a:off x="3803654" y="2053807"/>
+            <a:ext cx="8016369" cy="2750386"/>
+          </a:xfrm>
+          <a:prstGeom prst="rect">
+            <a:avLst/>
+          </a:prstGeom>
+        </p:spPr>
+      </p:pic>
+    </p:spTree>
+    <p:extLst>
+      <p:ext uri="{BB962C8B-B14F-4D97-AF65-F5344CB8AC3E}">
+        <p14:creationId xmlns:p14="http://schemas.microsoft.com/office/powerpoint/2010/main" val="3845157428"/>
       </p:ext>
     </p:extLst>
   </p:cSld>
